--- a/99.ppt/[Ch4-6. 실무형 심화개발.pptx
+++ b/99.ppt/[Ch4-6. 실무형 심화개발.pptx
@@ -5,23 +5,35 @@
     <p:sldMasterId id="2147483665" r:id="rId1"/>
   </p:sldMasterIdLst>
   <p:notesMasterIdLst>
-    <p:notesMasterId r:id="rId16"/>
+    <p:notesMasterId r:id="rId28"/>
   </p:notesMasterIdLst>
   <p:sldIdLst>
     <p:sldId id="256" r:id="rId2"/>
-    <p:sldId id="295" r:id="rId3"/>
-    <p:sldId id="296" r:id="rId4"/>
-    <p:sldId id="297" r:id="rId5"/>
-    <p:sldId id="298" r:id="rId6"/>
-    <p:sldId id="299" r:id="rId7"/>
-    <p:sldId id="300" r:id="rId8"/>
-    <p:sldId id="302" r:id="rId9"/>
-    <p:sldId id="301" r:id="rId10"/>
-    <p:sldId id="303" r:id="rId11"/>
-    <p:sldId id="304" r:id="rId12"/>
-    <p:sldId id="313" r:id="rId13"/>
-    <p:sldId id="314" r:id="rId14"/>
-    <p:sldId id="294" r:id="rId15"/>
+    <p:sldId id="315" r:id="rId3"/>
+    <p:sldId id="295" r:id="rId4"/>
+    <p:sldId id="316" r:id="rId5"/>
+    <p:sldId id="296" r:id="rId6"/>
+    <p:sldId id="317" r:id="rId7"/>
+    <p:sldId id="297" r:id="rId8"/>
+    <p:sldId id="318" r:id="rId9"/>
+    <p:sldId id="298" r:id="rId10"/>
+    <p:sldId id="319" r:id="rId11"/>
+    <p:sldId id="320" r:id="rId12"/>
+    <p:sldId id="300" r:id="rId13"/>
+    <p:sldId id="321" r:id="rId14"/>
+    <p:sldId id="302" r:id="rId15"/>
+    <p:sldId id="322" r:id="rId16"/>
+    <p:sldId id="323" r:id="rId17"/>
+    <p:sldId id="303" r:id="rId18"/>
+    <p:sldId id="324" r:id="rId19"/>
+    <p:sldId id="325" r:id="rId20"/>
+    <p:sldId id="262" r:id="rId21"/>
+    <p:sldId id="326" r:id="rId22"/>
+    <p:sldId id="330" r:id="rId23"/>
+    <p:sldId id="327" r:id="rId24"/>
+    <p:sldId id="329" r:id="rId25"/>
+    <p:sldId id="328" r:id="rId26"/>
+    <p:sldId id="331" r:id="rId27"/>
   </p:sldIdLst>
   <p:sldSz cx="9144000" cy="5143500" type="screen16x9"/>
   <p:notesSz cx="6858000" cy="9144000"/>
@@ -135,6 +147,9 @@
         </p15:guide>
       </p15:sldGuideLst>
     </p:ext>
+    <p:ext uri="{2D200454-40CA-4A62-9FC3-DE9A4176ACB9}">
+      <p15:notesGuideLst xmlns:p15="http://schemas.microsoft.com/office/powerpoint/2012/main"/>
+    </p:ext>
   </p:extLst>
 </p:presentation>
 </file>
@@ -221,7 +236,7 @@
           <a:p>
             <a:fld id="{9B770909-2C76-4DF9-BB76-4EE283593418}" type="datetimeFigureOut">
               <a:rPr lang="ko-KR" altLang="en-US" smtClean="0"/>
-              <a:t>2023-09-04</a:t>
+              <a:t>2023-09-06</a:t>
             </a:fld>
             <a:endParaRPr lang="ko-KR" altLang="en-US"/>
           </a:p>
@@ -616,7 +631,7 @@
           <a:bodyPr/>
           <a:lstStyle/>
           <a:p>
-            <a:endParaRPr lang="ko-KR" altLang="en-US" dirty="0"/>
+            <a:endParaRPr lang="en-US" altLang="ko-KR" dirty="0"/>
           </a:p>
         </p:txBody>
       </p:sp>
@@ -637,7 +652,7 @@
           <a:p>
             <a:fld id="{4F243B46-72FF-4656-838A-691B9EB329E3}" type="slidenum">
               <a:rPr lang="ko-KR" altLang="en-US" smtClean="0"/>
-              <a:t>10</a:t>
+              <a:t>20</a:t>
             </a:fld>
             <a:endParaRPr lang="ko-KR" altLang="en-US"/>
           </a:p>
@@ -646,7 +661,7 @@
     </p:spTree>
     <p:extLst>
       <p:ext uri="{BB962C8B-B14F-4D97-AF65-F5344CB8AC3E}">
-        <p14:creationId xmlns:p14="http://schemas.microsoft.com/office/powerpoint/2010/main" val="1627911884"/>
+        <p14:creationId xmlns:p14="http://schemas.microsoft.com/office/powerpoint/2010/main" val="1978714165"/>
       </p:ext>
     </p:extLst>
   </p:cSld>
@@ -700,7 +715,7 @@
           <a:bodyPr/>
           <a:lstStyle/>
           <a:p>
-            <a:endParaRPr lang="ko-KR" altLang="en-US" dirty="0"/>
+            <a:endParaRPr lang="en-US" altLang="ko-KR" dirty="0"/>
           </a:p>
         </p:txBody>
       </p:sp>
@@ -721,7 +736,7 @@
           <a:p>
             <a:fld id="{4F243B46-72FF-4656-838A-691B9EB329E3}" type="slidenum">
               <a:rPr lang="ko-KR" altLang="en-US" smtClean="0"/>
-              <a:t>11</a:t>
+              <a:t>22</a:t>
             </a:fld>
             <a:endParaRPr lang="ko-KR" altLang="en-US"/>
           </a:p>
@@ -730,7 +745,7 @@
     </p:spTree>
     <p:extLst>
       <p:ext uri="{BB962C8B-B14F-4D97-AF65-F5344CB8AC3E}">
-        <p14:creationId xmlns:p14="http://schemas.microsoft.com/office/powerpoint/2010/main" val="2343970996"/>
+        <p14:creationId xmlns:p14="http://schemas.microsoft.com/office/powerpoint/2010/main" val="2907537133"/>
       </p:ext>
     </p:extLst>
   </p:cSld>
@@ -784,7 +799,7 @@
           <a:bodyPr/>
           <a:lstStyle/>
           <a:p>
-            <a:endParaRPr lang="ko-KR" altLang="en-US" dirty="0"/>
+            <a:endParaRPr lang="en-US" altLang="ko-KR" dirty="0"/>
           </a:p>
         </p:txBody>
       </p:sp>
@@ -805,7 +820,7 @@
           <a:p>
             <a:fld id="{4F243B46-72FF-4656-838A-691B9EB329E3}" type="slidenum">
               <a:rPr lang="ko-KR" altLang="en-US" smtClean="0"/>
-              <a:t>12</a:t>
+              <a:t>24</a:t>
             </a:fld>
             <a:endParaRPr lang="ko-KR" altLang="en-US"/>
           </a:p>
@@ -814,7 +829,7 @@
     </p:spTree>
     <p:extLst>
       <p:ext uri="{BB962C8B-B14F-4D97-AF65-F5344CB8AC3E}">
-        <p14:creationId xmlns:p14="http://schemas.microsoft.com/office/powerpoint/2010/main" val="1524381427"/>
+        <p14:creationId xmlns:p14="http://schemas.microsoft.com/office/powerpoint/2010/main" val="1989725789"/>
       </p:ext>
     </p:extLst>
   </p:cSld>
@@ -868,7 +883,7 @@
           <a:bodyPr/>
           <a:lstStyle/>
           <a:p>
-            <a:endParaRPr lang="ko-KR" altLang="en-US" dirty="0"/>
+            <a:endParaRPr lang="en-US" altLang="ko-KR" dirty="0"/>
           </a:p>
         </p:txBody>
       </p:sp>
@@ -889,7 +904,7 @@
           <a:p>
             <a:fld id="{4F243B46-72FF-4656-838A-691B9EB329E3}" type="slidenum">
               <a:rPr lang="ko-KR" altLang="en-US" smtClean="0"/>
-              <a:t>13</a:t>
+              <a:t>26</a:t>
             </a:fld>
             <a:endParaRPr lang="ko-KR" altLang="en-US"/>
           </a:p>
@@ -898,91 +913,7 @@
     </p:spTree>
     <p:extLst>
       <p:ext uri="{BB962C8B-B14F-4D97-AF65-F5344CB8AC3E}">
-        <p14:creationId xmlns:p14="http://schemas.microsoft.com/office/powerpoint/2010/main" val="576876325"/>
-      </p:ext>
-    </p:extLst>
-  </p:cSld>
-  <p:clrMapOvr>
-    <a:masterClrMapping/>
-  </p:clrMapOvr>
-</p:notes>
-</file>
-
-<file path=ppt/notesSlides/notesSlide14.xml><?xml version="1.0" encoding="utf-8"?>
-<p:notes xmlns:a="http://schemas.openxmlformats.org/drawingml/2006/main" xmlns:r="http://schemas.openxmlformats.org/officeDocument/2006/relationships" xmlns:p="http://schemas.openxmlformats.org/presentationml/2006/main">
-  <p:cSld>
-    <p:spTree>
-      <p:nvGrpSpPr>
-        <p:cNvPr id="1" name=""/>
-        <p:cNvGrpSpPr/>
-        <p:nvPr/>
-      </p:nvGrpSpPr>
-      <p:grpSpPr>
-        <a:xfrm>
-          <a:off x="0" y="0"/>
-          <a:ext cx="0" cy="0"/>
-          <a:chOff x="0" y="0"/>
-          <a:chExt cx="0" cy="0"/>
-        </a:xfrm>
-      </p:grpSpPr>
-      <p:sp>
-        <p:nvSpPr>
-          <p:cNvPr id="2" name="슬라이드 이미지 개체 틀 1"/>
-          <p:cNvSpPr>
-            <a:spLocks noGrp="1" noRot="1" noChangeAspect="1"/>
-          </p:cNvSpPr>
-          <p:nvPr>
-            <p:ph type="sldImg"/>
-          </p:nvPr>
-        </p:nvSpPr>
-        <p:spPr/>
-      </p:sp>
-      <p:sp>
-        <p:nvSpPr>
-          <p:cNvPr id="3" name="슬라이드 노트 개체 틀 2"/>
-          <p:cNvSpPr>
-            <a:spLocks noGrp="1"/>
-          </p:cNvSpPr>
-          <p:nvPr>
-            <p:ph type="body" idx="1"/>
-          </p:nvPr>
-        </p:nvSpPr>
-        <p:spPr/>
-        <p:txBody>
-          <a:bodyPr/>
-          <a:lstStyle/>
-          <a:p>
-            <a:endParaRPr lang="en-US" altLang="ko-KR" dirty="0"/>
-          </a:p>
-        </p:txBody>
-      </p:sp>
-      <p:sp>
-        <p:nvSpPr>
-          <p:cNvPr id="4" name="슬라이드 번호 개체 틀 3"/>
-          <p:cNvSpPr>
-            <a:spLocks noGrp="1"/>
-          </p:cNvSpPr>
-          <p:nvPr>
-            <p:ph type="sldNum" sz="quarter" idx="5"/>
-          </p:nvPr>
-        </p:nvSpPr>
-        <p:spPr/>
-        <p:txBody>
-          <a:bodyPr/>
-          <a:lstStyle/>
-          <a:p>
-            <a:fld id="{4F243B46-72FF-4656-838A-691B9EB329E3}" type="slidenum">
-              <a:rPr lang="ko-KR" altLang="en-US" smtClean="0"/>
-              <a:t>14</a:t>
-            </a:fld>
-            <a:endParaRPr lang="ko-KR" altLang="en-US"/>
-          </a:p>
-        </p:txBody>
-      </p:sp>
-    </p:spTree>
-    <p:extLst>
-      <p:ext uri="{BB962C8B-B14F-4D97-AF65-F5344CB8AC3E}">
-        <p14:creationId xmlns:p14="http://schemas.microsoft.com/office/powerpoint/2010/main" val="1684242866"/>
+        <p14:creationId xmlns:p14="http://schemas.microsoft.com/office/powerpoint/2010/main" val="1298857228"/>
       </p:ext>
     </p:extLst>
   </p:cSld>
@@ -1057,7 +988,7 @@
           <a:p>
             <a:fld id="{4F243B46-72FF-4656-838A-691B9EB329E3}" type="slidenum">
               <a:rPr lang="ko-KR" altLang="en-US" smtClean="0"/>
-              <a:t>2</a:t>
+              <a:t>3</a:t>
             </a:fld>
             <a:endParaRPr lang="ko-KR" altLang="en-US"/>
           </a:p>
@@ -1141,7 +1072,7 @@
           <a:p>
             <a:fld id="{4F243B46-72FF-4656-838A-691B9EB329E3}" type="slidenum">
               <a:rPr lang="ko-KR" altLang="en-US" smtClean="0"/>
-              <a:t>3</a:t>
+              <a:t>5</a:t>
             </a:fld>
             <a:endParaRPr lang="ko-KR" altLang="en-US"/>
           </a:p>
@@ -1225,7 +1156,7 @@
           <a:p>
             <a:fld id="{4F243B46-72FF-4656-838A-691B9EB329E3}" type="slidenum">
               <a:rPr lang="ko-KR" altLang="en-US" smtClean="0"/>
-              <a:t>4</a:t>
+              <a:t>7</a:t>
             </a:fld>
             <a:endParaRPr lang="ko-KR" altLang="en-US"/>
           </a:p>
@@ -1309,7 +1240,7 @@
           <a:p>
             <a:fld id="{4F243B46-72FF-4656-838A-691B9EB329E3}" type="slidenum">
               <a:rPr lang="ko-KR" altLang="en-US" smtClean="0"/>
-              <a:t>5</a:t>
+              <a:t>9</a:t>
             </a:fld>
             <a:endParaRPr lang="ko-KR" altLang="en-US"/>
           </a:p>
@@ -1393,7 +1324,7 @@
           <a:p>
             <a:fld id="{4F243B46-72FF-4656-838A-691B9EB329E3}" type="slidenum">
               <a:rPr lang="ko-KR" altLang="en-US" smtClean="0"/>
-              <a:t>6</a:t>
+              <a:t>12</a:t>
             </a:fld>
             <a:endParaRPr lang="ko-KR" altLang="en-US"/>
           </a:p>
@@ -1402,7 +1333,7 @@
     </p:spTree>
     <p:extLst>
       <p:ext uri="{BB962C8B-B14F-4D97-AF65-F5344CB8AC3E}">
-        <p14:creationId xmlns:p14="http://schemas.microsoft.com/office/powerpoint/2010/main" val="2207770007"/>
+        <p14:creationId xmlns:p14="http://schemas.microsoft.com/office/powerpoint/2010/main" val="4107588324"/>
       </p:ext>
     </p:extLst>
   </p:cSld>
@@ -1477,7 +1408,7 @@
           <a:p>
             <a:fld id="{4F243B46-72FF-4656-838A-691B9EB329E3}" type="slidenum">
               <a:rPr lang="ko-KR" altLang="en-US" smtClean="0"/>
-              <a:t>7</a:t>
+              <a:t>14</a:t>
             </a:fld>
             <a:endParaRPr lang="ko-KR" altLang="en-US"/>
           </a:p>
@@ -1486,7 +1417,7 @@
     </p:spTree>
     <p:extLst>
       <p:ext uri="{BB962C8B-B14F-4D97-AF65-F5344CB8AC3E}">
-        <p14:creationId xmlns:p14="http://schemas.microsoft.com/office/powerpoint/2010/main" val="4107588324"/>
+        <p14:creationId xmlns:p14="http://schemas.microsoft.com/office/powerpoint/2010/main" val="1099860314"/>
       </p:ext>
     </p:extLst>
   </p:cSld>
@@ -1561,7 +1492,7 @@
           <a:p>
             <a:fld id="{4F243B46-72FF-4656-838A-691B9EB329E3}" type="slidenum">
               <a:rPr lang="ko-KR" altLang="en-US" smtClean="0"/>
-              <a:t>8</a:t>
+              <a:t>17</a:t>
             </a:fld>
             <a:endParaRPr lang="ko-KR" altLang="en-US"/>
           </a:p>
@@ -1570,7 +1501,7 @@
     </p:spTree>
     <p:extLst>
       <p:ext uri="{BB962C8B-B14F-4D97-AF65-F5344CB8AC3E}">
-        <p14:creationId xmlns:p14="http://schemas.microsoft.com/office/powerpoint/2010/main" val="1099860314"/>
+        <p14:creationId xmlns:p14="http://schemas.microsoft.com/office/powerpoint/2010/main" val="1627911884"/>
       </p:ext>
     </p:extLst>
   </p:cSld>
@@ -1645,7 +1576,7 @@
           <a:p>
             <a:fld id="{4F243B46-72FF-4656-838A-691B9EB329E3}" type="slidenum">
               <a:rPr lang="ko-KR" altLang="en-US" smtClean="0"/>
-              <a:t>9</a:t>
+              <a:t>19</a:t>
             </a:fld>
             <a:endParaRPr lang="ko-KR" altLang="en-US"/>
           </a:p>
@@ -1654,7 +1585,7 @@
     </p:spTree>
     <p:extLst>
       <p:ext uri="{BB962C8B-B14F-4D97-AF65-F5344CB8AC3E}">
-        <p14:creationId xmlns:p14="http://schemas.microsoft.com/office/powerpoint/2010/main" val="796519308"/>
+        <p14:creationId xmlns:p14="http://schemas.microsoft.com/office/powerpoint/2010/main" val="374484148"/>
       </p:ext>
     </p:extLst>
   </p:cSld>
@@ -3878,10 +3809,10 @@
       </p:grpSpPr>
       <p:sp>
         <p:nvSpPr>
-          <p:cNvPr id="2" name="제목 1">
+          <p:cNvPr id="4" name="제목 3">
             <a:extLst>
               <a:ext uri="{FF2B5EF4-FFF2-40B4-BE49-F238E27FC236}">
-                <a16:creationId xmlns:a16="http://schemas.microsoft.com/office/drawing/2014/main" id="{9896B29B-A1AE-E0C6-8543-753E63140B1C}"/>
+                <a16:creationId xmlns:a16="http://schemas.microsoft.com/office/drawing/2014/main" id="{AA6C3C0E-F24F-9763-AC2A-545FB7F3873E}"/>
               </a:ext>
             </a:extLst>
           </p:cNvPr>
@@ -3894,24 +3825,22 @@
         </p:nvSpPr>
         <p:spPr/>
         <p:txBody>
-          <a:bodyPr>
-            <a:normAutofit/>
-          </a:bodyPr>
-          <a:lstStyle/>
-          <a:p>
-            <a:r>
-              <a:rPr lang="ko-KR" altLang="en-US" b="1" dirty="0"/>
-              <a:t>실무형 심화개발</a:t>
-            </a:r>
-          </a:p>
-        </p:txBody>
-      </p:sp>
-      <p:sp>
-        <p:nvSpPr>
-          <p:cNvPr id="4" name="부제목 3">
+          <a:bodyPr/>
+          <a:lstStyle/>
+          <a:p>
+            <a:r>
+              <a:rPr lang="ko-KR" altLang="en-US" dirty="0"/>
+              <a:t>구현 실습</a:t>
+            </a:r>
+          </a:p>
+        </p:txBody>
+      </p:sp>
+      <p:sp>
+        <p:nvSpPr>
+          <p:cNvPr id="5" name="부제목 4">
             <a:extLst>
               <a:ext uri="{FF2B5EF4-FFF2-40B4-BE49-F238E27FC236}">
-                <a16:creationId xmlns:a16="http://schemas.microsoft.com/office/drawing/2014/main" id="{7219E4B9-47F6-C7CA-B046-1256225C3574}"/>
+                <a16:creationId xmlns:a16="http://schemas.microsoft.com/office/drawing/2014/main" id="{CAF74D28-A379-C9BB-D8F9-E3B6A7427E89}"/>
               </a:ext>
             </a:extLst>
           </p:cNvPr>
@@ -3924,45 +3853,24 @@
         </p:nvSpPr>
         <p:spPr/>
         <p:txBody>
-          <a:bodyPr>
-            <a:normAutofit/>
-          </a:bodyPr>
+          <a:bodyPr/>
           <a:lstStyle/>
           <a:p>
             <a:pPr marL="0" indent="0" algn="r">
               <a:buNone/>
             </a:pPr>
             <a:r>
-              <a:rPr lang="en-US" altLang="ko" b="1" dirty="0">
-                <a:solidFill>
-                  <a:srgbClr val="ED234B"/>
-                </a:solidFill>
-              </a:rPr>
-              <a:t>10</a:t>
-            </a:r>
-            <a:r>
-              <a:rPr lang="ko" altLang="ko-KR" b="1" dirty="0">
-                <a:solidFill>
-                  <a:srgbClr val="ED234B"/>
-                </a:solidFill>
-              </a:rPr>
-              <a:t> </a:t>
-            </a:r>
-            <a:r>
               <a:rPr lang="en-US" altLang="ko-KR" dirty="0"/>
-              <a:t>Cache </a:t>
-            </a:r>
-            <a:r>
-              <a:rPr lang="ko-KR" altLang="en-US" dirty="0"/>
-              <a:t>구현</a:t>
-            </a:r>
+              <a:t>Circuit Breaker</a:t>
+            </a:r>
+            <a:endParaRPr lang="ko-KR" altLang="en-US" dirty="0"/>
           </a:p>
         </p:txBody>
       </p:sp>
     </p:spTree>
     <p:extLst>
       <p:ext uri="{BB962C8B-B14F-4D97-AF65-F5344CB8AC3E}">
-        <p14:creationId xmlns:p14="http://schemas.microsoft.com/office/powerpoint/2010/main" val="3057315199"/>
+        <p14:creationId xmlns:p14="http://schemas.microsoft.com/office/powerpoint/2010/main" val="45339774"/>
       </p:ext>
     </p:extLst>
   </p:cSld>
@@ -3991,10 +3899,10 @@
       </p:grpSpPr>
       <p:sp>
         <p:nvSpPr>
-          <p:cNvPr id="2" name="제목 1">
+          <p:cNvPr id="4" name="제목 3">
             <a:extLst>
               <a:ext uri="{FF2B5EF4-FFF2-40B4-BE49-F238E27FC236}">
-                <a16:creationId xmlns:a16="http://schemas.microsoft.com/office/drawing/2014/main" id="{9896B29B-A1AE-E0C6-8543-753E63140B1C}"/>
+                <a16:creationId xmlns:a16="http://schemas.microsoft.com/office/drawing/2014/main" id="{AA6C3C0E-F24F-9763-AC2A-545FB7F3873E}"/>
               </a:ext>
             </a:extLst>
           </p:cNvPr>
@@ -4007,24 +3915,22 @@
         </p:nvSpPr>
         <p:spPr/>
         <p:txBody>
-          <a:bodyPr>
-            <a:normAutofit/>
-          </a:bodyPr>
-          <a:lstStyle/>
-          <a:p>
-            <a:r>
-              <a:rPr lang="ko-KR" altLang="en-US" b="1" dirty="0"/>
-              <a:t>실무형 심화개발</a:t>
-            </a:r>
-          </a:p>
-        </p:txBody>
-      </p:sp>
-      <p:sp>
-        <p:nvSpPr>
-          <p:cNvPr id="4" name="부제목 3">
+          <a:bodyPr/>
+          <a:lstStyle/>
+          <a:p>
+            <a:r>
+              <a:rPr lang="ko-KR" altLang="en-US" dirty="0"/>
+              <a:t>구현 실습</a:t>
+            </a:r>
+          </a:p>
+        </p:txBody>
+      </p:sp>
+      <p:sp>
+        <p:nvSpPr>
+          <p:cNvPr id="5" name="부제목 4">
             <a:extLst>
               <a:ext uri="{FF2B5EF4-FFF2-40B4-BE49-F238E27FC236}">
-                <a16:creationId xmlns:a16="http://schemas.microsoft.com/office/drawing/2014/main" id="{7219E4B9-47F6-C7CA-B046-1256225C3574}"/>
+                <a16:creationId xmlns:a16="http://schemas.microsoft.com/office/drawing/2014/main" id="{CAF74D28-A379-C9BB-D8F9-E3B6A7427E89}"/>
               </a:ext>
             </a:extLst>
           </p:cNvPr>
@@ -4037,33 +3943,15 @@
         </p:nvSpPr>
         <p:spPr/>
         <p:txBody>
-          <a:bodyPr>
-            <a:normAutofit/>
-          </a:bodyPr>
+          <a:bodyPr/>
           <a:lstStyle/>
           <a:p>
             <a:pPr marL="0" indent="0" algn="r">
               <a:buNone/>
             </a:pPr>
             <a:r>
-              <a:rPr lang="en-US" altLang="ko" b="1" dirty="0">
-                <a:solidFill>
-                  <a:srgbClr val="ED234B"/>
-                </a:solidFill>
-              </a:rPr>
-              <a:t>11</a:t>
-            </a:r>
-            <a:r>
-              <a:rPr lang="ko" altLang="ko-KR" b="1" dirty="0">
-                <a:solidFill>
-                  <a:srgbClr val="ED234B"/>
-                </a:solidFill>
-              </a:rPr>
-              <a:t> </a:t>
-            </a:r>
-            <a:r>
               <a:rPr lang="en-US" altLang="ko-KR" dirty="0"/>
-              <a:t>Optimistic Lock</a:t>
+              <a:t>Rate Limiter</a:t>
             </a:r>
             <a:endParaRPr lang="ko-KR" altLang="en-US" dirty="0"/>
           </a:p>
@@ -4072,7 +3960,7 @@
     </p:spTree>
     <p:extLst>
       <p:ext uri="{BB962C8B-B14F-4D97-AF65-F5344CB8AC3E}">
-        <p14:creationId xmlns:p14="http://schemas.microsoft.com/office/powerpoint/2010/main" val="3829033987"/>
+        <p14:creationId xmlns:p14="http://schemas.microsoft.com/office/powerpoint/2010/main" val="3937206611"/>
       </p:ext>
     </p:extLst>
   </p:cSld>
@@ -4161,7 +4049,7 @@
                   <a:srgbClr val="ED234B"/>
                 </a:solidFill>
               </a:rPr>
-              <a:t>12</a:t>
+              <a:t>6</a:t>
             </a:r>
             <a:r>
               <a:rPr lang="ko" altLang="ko-KR" b="1" dirty="0">
@@ -4173,7 +4061,11 @@
             </a:r>
             <a:r>
               <a:rPr lang="en-US" altLang="ko-KR" dirty="0"/>
-              <a:t>Pessimistic Lock</a:t>
+              <a:t>R2DBC </a:t>
+            </a:r>
+            <a:r>
+              <a:rPr lang="en-US" altLang="ko-KR" dirty="0" err="1"/>
+              <a:t>DbClient</a:t>
             </a:r>
             <a:endParaRPr lang="ko-KR" altLang="en-US" dirty="0"/>
           </a:p>
@@ -4182,7 +4074,7 @@
     </p:spTree>
     <p:extLst>
       <p:ext uri="{BB962C8B-B14F-4D97-AF65-F5344CB8AC3E}">
-        <p14:creationId xmlns:p14="http://schemas.microsoft.com/office/powerpoint/2010/main" val="458641042"/>
+        <p14:creationId xmlns:p14="http://schemas.microsoft.com/office/powerpoint/2010/main" val="90700437"/>
       </p:ext>
     </p:extLst>
   </p:cSld>
@@ -4211,10 +4103,10 @@
       </p:grpSpPr>
       <p:sp>
         <p:nvSpPr>
-          <p:cNvPr id="2" name="제목 1">
+          <p:cNvPr id="4" name="제목 3">
             <a:extLst>
               <a:ext uri="{FF2B5EF4-FFF2-40B4-BE49-F238E27FC236}">
-                <a16:creationId xmlns:a16="http://schemas.microsoft.com/office/drawing/2014/main" id="{9896B29B-A1AE-E0C6-8543-753E63140B1C}"/>
+                <a16:creationId xmlns:a16="http://schemas.microsoft.com/office/drawing/2014/main" id="{AA6C3C0E-F24F-9763-AC2A-545FB7F3873E}"/>
               </a:ext>
             </a:extLst>
           </p:cNvPr>
@@ -4227,24 +4119,22 @@
         </p:nvSpPr>
         <p:spPr/>
         <p:txBody>
-          <a:bodyPr>
-            <a:normAutofit/>
-          </a:bodyPr>
-          <a:lstStyle/>
-          <a:p>
-            <a:r>
-              <a:rPr lang="ko-KR" altLang="en-US" b="1" dirty="0"/>
-              <a:t>실무형 심화개발</a:t>
-            </a:r>
-          </a:p>
-        </p:txBody>
-      </p:sp>
-      <p:sp>
-        <p:nvSpPr>
-          <p:cNvPr id="4" name="부제목 3">
+          <a:bodyPr/>
+          <a:lstStyle/>
+          <a:p>
+            <a:r>
+              <a:rPr lang="ko-KR" altLang="en-US" dirty="0"/>
+              <a:t>구현 실습</a:t>
+            </a:r>
+          </a:p>
+        </p:txBody>
+      </p:sp>
+      <p:sp>
+        <p:nvSpPr>
+          <p:cNvPr id="5" name="부제목 4">
             <a:extLst>
               <a:ext uri="{FF2B5EF4-FFF2-40B4-BE49-F238E27FC236}">
-                <a16:creationId xmlns:a16="http://schemas.microsoft.com/office/drawing/2014/main" id="{7219E4B9-47F6-C7CA-B046-1256225C3574}"/>
+                <a16:creationId xmlns:a16="http://schemas.microsoft.com/office/drawing/2014/main" id="{CAF74D28-A379-C9BB-D8F9-E3B6A7427E89}"/>
               </a:ext>
             </a:extLst>
           </p:cNvPr>
@@ -4257,42 +4147,35 @@
         </p:nvSpPr>
         <p:spPr/>
         <p:txBody>
-          <a:bodyPr>
-            <a:normAutofit/>
-          </a:bodyPr>
+          <a:bodyPr/>
           <a:lstStyle/>
           <a:p>
             <a:pPr marL="0" indent="0" algn="r">
               <a:buNone/>
             </a:pPr>
             <a:r>
-              <a:rPr lang="en-US" altLang="ko" b="1" dirty="0">
-                <a:solidFill>
-                  <a:srgbClr val="ED234B"/>
-                </a:solidFill>
-              </a:rPr>
-              <a:t>13</a:t>
-            </a:r>
-            <a:r>
-              <a:rPr lang="ko" altLang="ko-KR" b="1" dirty="0">
-                <a:solidFill>
-                  <a:srgbClr val="ED234B"/>
-                </a:solidFill>
-              </a:rPr>
-              <a:t> </a:t>
+              <a:rPr lang="en-US" altLang="ko-KR" dirty="0" err="1"/>
+              <a:t>DbClient</a:t>
+            </a:r>
+            <a:r>
+              <a:rPr lang="ko-KR" altLang="en-US" dirty="0"/>
+              <a:t>를 이용한 </a:t>
             </a:r>
             <a:r>
               <a:rPr lang="en-US" altLang="ko-KR" dirty="0"/>
-              <a:t>Distributed Lock</a:t>
-            </a:r>
-            <a:endParaRPr lang="ko-KR" altLang="en-US" dirty="0"/>
+              <a:t>native query </a:t>
+            </a:r>
+            <a:r>
+              <a:rPr lang="ko-KR" altLang="en-US" dirty="0"/>
+              <a:t>호출</a:t>
+            </a:r>
           </a:p>
         </p:txBody>
       </p:sp>
     </p:spTree>
     <p:extLst>
       <p:ext uri="{BB962C8B-B14F-4D97-AF65-F5344CB8AC3E}">
-        <p14:creationId xmlns:p14="http://schemas.microsoft.com/office/powerpoint/2010/main" val="1385111473"/>
+        <p14:creationId xmlns:p14="http://schemas.microsoft.com/office/powerpoint/2010/main" val="629929442"/>
       </p:ext>
     </p:extLst>
   </p:cSld>
@@ -4324,7 +4207,7 @@
           <p:cNvPr id="2" name="제목 1">
             <a:extLst>
               <a:ext uri="{FF2B5EF4-FFF2-40B4-BE49-F238E27FC236}">
-                <a16:creationId xmlns:a16="http://schemas.microsoft.com/office/drawing/2014/main" id="{D21C1AA9-5E52-3A11-B3B3-447787E29D09}"/>
+                <a16:creationId xmlns:a16="http://schemas.microsoft.com/office/drawing/2014/main" id="{9896B29B-A1AE-E0C6-8543-753E63140B1C}"/>
               </a:ext>
             </a:extLst>
           </p:cNvPr>
@@ -4332,226 +4215,603 @@
             <a:spLocks noGrp="1"/>
           </p:cNvSpPr>
           <p:nvPr>
-            <p:ph type="title"/>
-          </p:nvPr>
-        </p:nvSpPr>
-        <p:spPr/>
-        <p:txBody>
-          <a:bodyPr/>
-          <a:lstStyle/>
-          <a:p>
-            <a:r>
-              <a:rPr lang="en-US" altLang="ko-KR" dirty="0"/>
-              <a:t>Container </a:t>
-            </a:r>
-            <a:r>
-              <a:rPr lang="ko-KR" altLang="en-US" dirty="0"/>
-              <a:t>성능비교</a:t>
-            </a:r>
-          </a:p>
-        </p:txBody>
-      </p:sp>
-      <p:sp>
-        <p:nvSpPr>
-          <p:cNvPr id="7" name="Google Shape;209;p30">
+            <p:ph type="ctrTitle"/>
+          </p:nvPr>
+        </p:nvSpPr>
+        <p:spPr/>
+        <p:txBody>
+          <a:bodyPr>
+            <a:normAutofit/>
+          </a:bodyPr>
+          <a:lstStyle/>
+          <a:p>
+            <a:r>
+              <a:rPr lang="ko-KR" altLang="en-US" b="1" dirty="0"/>
+              <a:t>실무형 심화개발</a:t>
+            </a:r>
+          </a:p>
+        </p:txBody>
+      </p:sp>
+      <p:sp>
+        <p:nvSpPr>
+          <p:cNvPr id="4" name="부제목 3">
             <a:extLst>
               <a:ext uri="{FF2B5EF4-FFF2-40B4-BE49-F238E27FC236}">
-                <a16:creationId xmlns:a16="http://schemas.microsoft.com/office/drawing/2014/main" id="{35F3E219-4EBB-8DE8-0966-E4317399395E}"/>
+                <a16:creationId xmlns:a16="http://schemas.microsoft.com/office/drawing/2014/main" id="{7219E4B9-47F6-C7CA-B046-1256225C3574}"/>
               </a:ext>
             </a:extLst>
           </p:cNvPr>
-          <p:cNvSpPr/>
-          <p:nvPr/>
-        </p:nvSpPr>
-        <p:spPr>
-          <a:xfrm>
-            <a:off x="7811013" y="528014"/>
-            <a:ext cx="952500" cy="298200"/>
-          </a:xfrm>
-          <a:prstGeom prst="rect">
-            <a:avLst/>
-          </a:prstGeom>
-          <a:noFill/>
-          <a:ln>
-            <a:noFill/>
-          </a:ln>
-        </p:spPr>
-        <p:txBody>
-          <a:bodyPr spcFirstLastPara="1" wrap="square" lIns="19050" tIns="19050" rIns="19050" bIns="19050" anchor="t" anchorCtr="0">
-            <a:noAutofit/>
+          <p:cNvSpPr>
+            <a:spLocks noGrp="1"/>
+          </p:cNvSpPr>
+          <p:nvPr>
+            <p:ph type="subTitle" idx="1"/>
+          </p:nvPr>
+        </p:nvSpPr>
+        <p:spPr/>
+        <p:txBody>
+          <a:bodyPr>
+            <a:normAutofit/>
           </a:bodyPr>
           <a:lstStyle/>
           <a:p>
-            <a:pPr marL="63500" marR="0" lvl="1" indent="0" algn="l" rtl="0">
-              <a:lnSpc>
-                <a:spcPct val="90000"/>
-              </a:lnSpc>
-              <a:spcBef>
-                <a:spcPts val="0"/>
-              </a:spcBef>
-              <a:spcAft>
-                <a:spcPts val="0"/>
-              </a:spcAft>
+            <a:pPr marL="0" indent="0" algn="r">
               <a:buNone/>
             </a:pPr>
             <a:r>
-              <a:rPr lang="en-US" altLang="ko" sz="1200" b="1" i="0" u="none" strike="noStrike" cap="none" dirty="0">
+              <a:rPr lang="en-US" altLang="ko" b="1" dirty="0">
                 <a:solidFill>
-                  <a:schemeClr val="bg1"/>
+                  <a:srgbClr val="ED234B"/>
                 </a:solidFill>
-                <a:latin typeface="Arial"/>
-                <a:ea typeface="Arial"/>
-                <a:cs typeface="Arial"/>
-                <a:sym typeface="Arial"/>
               </a:rPr>
-              <a:t>3</a:t>
-            </a:r>
-            <a:r>
-              <a:rPr lang="ko" sz="1200" b="1" i="0" u="none" strike="noStrike" cap="none" dirty="0">
+              <a:t>7</a:t>
+            </a:r>
+            <a:r>
+              <a:rPr lang="ko" altLang="ko-KR" b="1" dirty="0">
                 <a:solidFill>
-                  <a:schemeClr val="bg1"/>
+                  <a:srgbClr val="ED234B"/>
                 </a:solidFill>
-                <a:latin typeface="Arial"/>
-                <a:ea typeface="Arial"/>
-                <a:cs typeface="Arial"/>
-                <a:sym typeface="Arial"/>
               </a:rPr>
-              <a:t>.</a:t>
-            </a:r>
-            <a:endParaRPr sz="500" dirty="0">
-              <a:solidFill>
-                <a:schemeClr val="bg1"/>
-              </a:solidFill>
-            </a:endParaRPr>
-          </a:p>
-        </p:txBody>
-      </p:sp>
-      <p:sp>
-        <p:nvSpPr>
-          <p:cNvPr id="8" name="Google Shape;210;p30">
+              <a:t> </a:t>
+            </a:r>
+            <a:r>
+              <a:rPr lang="en-US" altLang="ko-KR" dirty="0"/>
+              <a:t>Redis </a:t>
+            </a:r>
+            <a:r>
+              <a:rPr lang="ko-KR" altLang="en-US" dirty="0"/>
+              <a:t>연동</a:t>
+            </a:r>
+          </a:p>
+        </p:txBody>
+      </p:sp>
+    </p:spTree>
+    <p:extLst>
+      <p:ext uri="{BB962C8B-B14F-4D97-AF65-F5344CB8AC3E}">
+        <p14:creationId xmlns:p14="http://schemas.microsoft.com/office/powerpoint/2010/main" val="8129757"/>
+      </p:ext>
+    </p:extLst>
+  </p:cSld>
+  <p:clrMapOvr>
+    <a:masterClrMapping/>
+  </p:clrMapOvr>
+</p:sld>
+</file>
+
+<file path=ppt/slides/slide15.xml><?xml version="1.0" encoding="utf-8"?>
+<p:sld xmlns:a="http://schemas.openxmlformats.org/drawingml/2006/main" xmlns:r="http://schemas.openxmlformats.org/officeDocument/2006/relationships" xmlns:p="http://schemas.openxmlformats.org/presentationml/2006/main">
+  <p:cSld>
+    <p:spTree>
+      <p:nvGrpSpPr>
+        <p:cNvPr id="1" name=""/>
+        <p:cNvGrpSpPr/>
+        <p:nvPr/>
+      </p:nvGrpSpPr>
+      <p:grpSpPr>
+        <a:xfrm>
+          <a:off x="0" y="0"/>
+          <a:ext cx="0" cy="0"/>
+          <a:chOff x="0" y="0"/>
+          <a:chExt cx="0" cy="0"/>
+        </a:xfrm>
+      </p:grpSpPr>
+      <p:sp>
+        <p:nvSpPr>
+          <p:cNvPr id="4" name="제목 3">
             <a:extLst>
               <a:ext uri="{FF2B5EF4-FFF2-40B4-BE49-F238E27FC236}">
-                <a16:creationId xmlns:a16="http://schemas.microsoft.com/office/drawing/2014/main" id="{8CB63A74-B5C7-DCAA-53F5-96E44004D694}"/>
+                <a16:creationId xmlns:a16="http://schemas.microsoft.com/office/drawing/2014/main" id="{AA6C3C0E-F24F-9763-AC2A-545FB7F3873E}"/>
               </a:ext>
             </a:extLst>
           </p:cNvPr>
-          <p:cNvSpPr/>
-          <p:nvPr/>
-        </p:nvSpPr>
-        <p:spPr>
-          <a:xfrm>
-            <a:off x="7811013" y="825047"/>
-            <a:ext cx="952500" cy="293400"/>
-          </a:xfrm>
-          <a:prstGeom prst="rect">
-            <a:avLst/>
-          </a:prstGeom>
-          <a:noFill/>
-          <a:ln>
-            <a:noFill/>
-          </a:ln>
-        </p:spPr>
-        <p:txBody>
-          <a:bodyPr spcFirstLastPara="1" wrap="square" lIns="19050" tIns="19050" rIns="19050" bIns="19050" anchor="t" anchorCtr="0">
-            <a:noAutofit/>
-          </a:bodyPr>
-          <a:lstStyle/>
-          <a:p>
-            <a:pPr marL="63500" marR="0" lvl="1" indent="0" algn="l" rtl="0">
-              <a:spcBef>
-                <a:spcPts val="200"/>
-              </a:spcBef>
-              <a:spcAft>
-                <a:spcPts val="0"/>
-              </a:spcAft>
-              <a:buClr>
-                <a:srgbClr val="000000"/>
-              </a:buClr>
-              <a:buFont typeface="Arial"/>
+          <p:cNvSpPr>
+            <a:spLocks noGrp="1"/>
+          </p:cNvSpPr>
+          <p:nvPr>
+            <p:ph type="ctrTitle"/>
+          </p:nvPr>
+        </p:nvSpPr>
+        <p:spPr/>
+        <p:txBody>
+          <a:bodyPr/>
+          <a:lstStyle/>
+          <a:p>
+            <a:r>
+              <a:rPr lang="ko-KR" altLang="en-US" dirty="0"/>
+              <a:t>구현 실습</a:t>
+            </a:r>
+          </a:p>
+        </p:txBody>
+      </p:sp>
+      <p:sp>
+        <p:nvSpPr>
+          <p:cNvPr id="5" name="부제목 4">
+            <a:extLst>
+              <a:ext uri="{FF2B5EF4-FFF2-40B4-BE49-F238E27FC236}">
+                <a16:creationId xmlns:a16="http://schemas.microsoft.com/office/drawing/2014/main" id="{CAF74D28-A379-C9BB-D8F9-E3B6A7427E89}"/>
+              </a:ext>
+            </a:extLst>
+          </p:cNvPr>
+          <p:cNvSpPr>
+            <a:spLocks noGrp="1"/>
+          </p:cNvSpPr>
+          <p:nvPr>
+            <p:ph type="subTitle" idx="1"/>
+          </p:nvPr>
+        </p:nvSpPr>
+        <p:spPr/>
+        <p:txBody>
+          <a:bodyPr/>
+          <a:lstStyle/>
+          <a:p>
+            <a:pPr marL="0" indent="0" algn="r">
               <a:buNone/>
             </a:pPr>
             <a:r>
-              <a:rPr lang="en-US" altLang="ko-KR" sz="800" dirty="0">
+              <a:rPr lang="en-US" altLang="ko-KR" dirty="0"/>
+              <a:t>Redis </a:t>
+            </a:r>
+            <a:r>
+              <a:rPr lang="ko-KR" altLang="en-US" dirty="0"/>
+              <a:t>설치 및 </a:t>
+            </a:r>
+            <a:r>
+              <a:rPr lang="en-US" altLang="ko-KR" dirty="0"/>
+              <a:t>Reactive </a:t>
+            </a:r>
+            <a:r>
+              <a:rPr lang="en-US" altLang="ko-KR" dirty="0" err="1"/>
+              <a:t>redis</a:t>
+            </a:r>
+            <a:r>
+              <a:rPr lang="en-US" altLang="ko-KR" dirty="0"/>
+              <a:t> </a:t>
+            </a:r>
+            <a:r>
+              <a:rPr lang="ko-KR" altLang="en-US" dirty="0"/>
+              <a:t>연동</a:t>
+            </a:r>
+          </a:p>
+        </p:txBody>
+      </p:sp>
+    </p:spTree>
+    <p:extLst>
+      <p:ext uri="{BB962C8B-B14F-4D97-AF65-F5344CB8AC3E}">
+        <p14:creationId xmlns:p14="http://schemas.microsoft.com/office/powerpoint/2010/main" val="2668402119"/>
+      </p:ext>
+    </p:extLst>
+  </p:cSld>
+  <p:clrMapOvr>
+    <a:masterClrMapping/>
+  </p:clrMapOvr>
+</p:sld>
+</file>
+
+<file path=ppt/slides/slide16.xml><?xml version="1.0" encoding="utf-8"?>
+<p:sld xmlns:a="http://schemas.openxmlformats.org/drawingml/2006/main" xmlns:r="http://schemas.openxmlformats.org/officeDocument/2006/relationships" xmlns:p="http://schemas.openxmlformats.org/presentationml/2006/main">
+  <p:cSld>
+    <p:spTree>
+      <p:nvGrpSpPr>
+        <p:cNvPr id="1" name=""/>
+        <p:cNvGrpSpPr/>
+        <p:nvPr/>
+      </p:nvGrpSpPr>
+      <p:grpSpPr>
+        <a:xfrm>
+          <a:off x="0" y="0"/>
+          <a:ext cx="0" cy="0"/>
+          <a:chOff x="0" y="0"/>
+          <a:chExt cx="0" cy="0"/>
+        </a:xfrm>
+      </p:grpSpPr>
+      <p:sp>
+        <p:nvSpPr>
+          <p:cNvPr id="4" name="제목 3">
+            <a:extLst>
+              <a:ext uri="{FF2B5EF4-FFF2-40B4-BE49-F238E27FC236}">
+                <a16:creationId xmlns:a16="http://schemas.microsoft.com/office/drawing/2014/main" id="{AA6C3C0E-F24F-9763-AC2A-545FB7F3873E}"/>
+              </a:ext>
+            </a:extLst>
+          </p:cNvPr>
+          <p:cNvSpPr>
+            <a:spLocks noGrp="1"/>
+          </p:cNvSpPr>
+          <p:nvPr>
+            <p:ph type="ctrTitle"/>
+          </p:nvPr>
+        </p:nvSpPr>
+        <p:spPr/>
+        <p:txBody>
+          <a:bodyPr/>
+          <a:lstStyle/>
+          <a:p>
+            <a:r>
+              <a:rPr lang="ko-KR" altLang="en-US" dirty="0"/>
+              <a:t>구현 실습</a:t>
+            </a:r>
+          </a:p>
+        </p:txBody>
+      </p:sp>
+      <p:sp>
+        <p:nvSpPr>
+          <p:cNvPr id="5" name="부제목 4">
+            <a:extLst>
+              <a:ext uri="{FF2B5EF4-FFF2-40B4-BE49-F238E27FC236}">
+                <a16:creationId xmlns:a16="http://schemas.microsoft.com/office/drawing/2014/main" id="{CAF74D28-A379-C9BB-D8F9-E3B6A7427E89}"/>
+              </a:ext>
+            </a:extLst>
+          </p:cNvPr>
+          <p:cNvSpPr>
+            <a:spLocks noGrp="1"/>
+          </p:cNvSpPr>
+          <p:nvPr>
+            <p:ph type="subTitle" idx="1"/>
+          </p:nvPr>
+        </p:nvSpPr>
+        <p:spPr/>
+        <p:txBody>
+          <a:bodyPr/>
+          <a:lstStyle/>
+          <a:p>
+            <a:pPr marL="0" indent="0" algn="r">
+              <a:buNone/>
+            </a:pPr>
+            <a:r>
+              <a:rPr lang="en-US" altLang="ko-KR" dirty="0"/>
+              <a:t>Redis </a:t>
+            </a:r>
+            <a:r>
+              <a:rPr lang="ko-KR" altLang="en-US" dirty="0"/>
+              <a:t>연산</a:t>
+            </a:r>
+          </a:p>
+        </p:txBody>
+      </p:sp>
+    </p:spTree>
+    <p:extLst>
+      <p:ext uri="{BB962C8B-B14F-4D97-AF65-F5344CB8AC3E}">
+        <p14:creationId xmlns:p14="http://schemas.microsoft.com/office/powerpoint/2010/main" val="660941890"/>
+      </p:ext>
+    </p:extLst>
+  </p:cSld>
+  <p:clrMapOvr>
+    <a:masterClrMapping/>
+  </p:clrMapOvr>
+</p:sld>
+</file>
+
+<file path=ppt/slides/slide17.xml><?xml version="1.0" encoding="utf-8"?>
+<p:sld xmlns:a="http://schemas.openxmlformats.org/drawingml/2006/main" xmlns:r="http://schemas.openxmlformats.org/officeDocument/2006/relationships" xmlns:p="http://schemas.openxmlformats.org/presentationml/2006/main">
+  <p:cSld>
+    <p:spTree>
+      <p:nvGrpSpPr>
+        <p:cNvPr id="1" name=""/>
+        <p:cNvGrpSpPr/>
+        <p:nvPr/>
+      </p:nvGrpSpPr>
+      <p:grpSpPr>
+        <a:xfrm>
+          <a:off x="0" y="0"/>
+          <a:ext cx="0" cy="0"/>
+          <a:chOff x="0" y="0"/>
+          <a:chExt cx="0" cy="0"/>
+        </a:xfrm>
+      </p:grpSpPr>
+      <p:sp>
+        <p:nvSpPr>
+          <p:cNvPr id="2" name="제목 1">
+            <a:extLst>
+              <a:ext uri="{FF2B5EF4-FFF2-40B4-BE49-F238E27FC236}">
+                <a16:creationId xmlns:a16="http://schemas.microsoft.com/office/drawing/2014/main" id="{9896B29B-A1AE-E0C6-8543-753E63140B1C}"/>
+              </a:ext>
+            </a:extLst>
+          </p:cNvPr>
+          <p:cNvSpPr>
+            <a:spLocks noGrp="1"/>
+          </p:cNvSpPr>
+          <p:nvPr>
+            <p:ph type="ctrTitle"/>
+          </p:nvPr>
+        </p:nvSpPr>
+        <p:spPr/>
+        <p:txBody>
+          <a:bodyPr>
+            <a:normAutofit/>
+          </a:bodyPr>
+          <a:lstStyle/>
+          <a:p>
+            <a:r>
+              <a:rPr lang="ko-KR" altLang="en-US" b="1" dirty="0"/>
+              <a:t>실무형 심화개발</a:t>
+            </a:r>
+          </a:p>
+        </p:txBody>
+      </p:sp>
+      <p:sp>
+        <p:nvSpPr>
+          <p:cNvPr id="4" name="부제목 3">
+            <a:extLst>
+              <a:ext uri="{FF2B5EF4-FFF2-40B4-BE49-F238E27FC236}">
+                <a16:creationId xmlns:a16="http://schemas.microsoft.com/office/drawing/2014/main" id="{7219E4B9-47F6-C7CA-B046-1256225C3574}"/>
+              </a:ext>
+            </a:extLst>
+          </p:cNvPr>
+          <p:cNvSpPr>
+            <a:spLocks noGrp="1"/>
+          </p:cNvSpPr>
+          <p:nvPr>
+            <p:ph type="subTitle" idx="1"/>
+          </p:nvPr>
+        </p:nvSpPr>
+        <p:spPr/>
+        <p:txBody>
+          <a:bodyPr>
+            <a:normAutofit/>
+          </a:bodyPr>
+          <a:lstStyle/>
+          <a:p>
+            <a:pPr marL="0" indent="0" algn="r">
+              <a:buNone/>
+            </a:pPr>
+            <a:r>
+              <a:rPr lang="en-US" altLang="ko" b="1" dirty="0">
                 <a:solidFill>
-                  <a:schemeClr val="bg1"/>
+                  <a:srgbClr val="ED234B"/>
                 </a:solidFill>
               </a:rPr>
-              <a:t>Spring MVC / </a:t>
-            </a:r>
-            <a:r>
-              <a:rPr lang="en-US" altLang="ko-KR" sz="800" dirty="0" err="1">
+              <a:t>8</a:t>
+            </a:r>
+            <a:r>
+              <a:rPr lang="ko" altLang="ko-KR" b="1" dirty="0">
                 <a:solidFill>
-                  <a:schemeClr val="bg1"/>
-                </a:solidFill>
-              </a:rPr>
-              <a:t>Webflux</a:t>
-            </a:r>
-            <a:r>
-              <a:rPr lang="en-US" altLang="ko-KR" sz="800" dirty="0">
-                <a:solidFill>
-                  <a:schemeClr val="bg1"/>
+                  <a:srgbClr val="ED234B"/>
                 </a:solidFill>
               </a:rPr>
               <a:t> </a:t>
             </a:r>
             <a:r>
-              <a:rPr lang="ko-KR" altLang="en-US" sz="800" dirty="0">
-                <a:solidFill>
-                  <a:schemeClr val="bg1"/>
-                </a:solidFill>
-              </a:rPr>
-              <a:t>성능 비교 </a:t>
-            </a:r>
-            <a:r>
-              <a:rPr lang="en-US" altLang="ko-KR" sz="800" dirty="0">
-                <a:solidFill>
-                  <a:schemeClr val="bg1"/>
-                </a:solidFill>
-              </a:rPr>
-              <a:t>#2</a:t>
-            </a:r>
-            <a:endParaRPr lang="ko-KR" altLang="en-US" sz="800" dirty="0">
-              <a:solidFill>
-                <a:schemeClr val="bg1"/>
-              </a:solidFill>
-            </a:endParaRPr>
-          </a:p>
-        </p:txBody>
-      </p:sp>
-      <p:pic>
-        <p:nvPicPr>
-          <p:cNvPr id="5" name="그림 4">
+              <a:rPr lang="en-US" altLang="ko-KR" dirty="0"/>
+              <a:t>Cache</a:t>
+            </a:r>
+            <a:endParaRPr lang="ko-KR" altLang="en-US" dirty="0"/>
+          </a:p>
+        </p:txBody>
+      </p:sp>
+    </p:spTree>
+    <p:extLst>
+      <p:ext uri="{BB962C8B-B14F-4D97-AF65-F5344CB8AC3E}">
+        <p14:creationId xmlns:p14="http://schemas.microsoft.com/office/powerpoint/2010/main" val="3057315199"/>
+      </p:ext>
+    </p:extLst>
+  </p:cSld>
+  <p:clrMapOvr>
+    <a:masterClrMapping/>
+  </p:clrMapOvr>
+</p:sld>
+</file>
+
+<file path=ppt/slides/slide18.xml><?xml version="1.0" encoding="utf-8"?>
+<p:sld xmlns:a="http://schemas.openxmlformats.org/drawingml/2006/main" xmlns:r="http://schemas.openxmlformats.org/officeDocument/2006/relationships" xmlns:p="http://schemas.openxmlformats.org/presentationml/2006/main">
+  <p:cSld>
+    <p:spTree>
+      <p:nvGrpSpPr>
+        <p:cNvPr id="1" name=""/>
+        <p:cNvGrpSpPr/>
+        <p:nvPr/>
+      </p:nvGrpSpPr>
+      <p:grpSpPr>
+        <a:xfrm>
+          <a:off x="0" y="0"/>
+          <a:ext cx="0" cy="0"/>
+          <a:chOff x="0" y="0"/>
+          <a:chExt cx="0" cy="0"/>
+        </a:xfrm>
+      </p:grpSpPr>
+      <p:sp>
+        <p:nvSpPr>
+          <p:cNvPr id="4" name="제목 3">
             <a:extLst>
               <a:ext uri="{FF2B5EF4-FFF2-40B4-BE49-F238E27FC236}">
-                <a16:creationId xmlns:a16="http://schemas.microsoft.com/office/drawing/2014/main" id="{088A8C10-AD70-7EFF-DA11-8D17077744F1}"/>
+                <a16:creationId xmlns:a16="http://schemas.microsoft.com/office/drawing/2014/main" id="{AA6C3C0E-F24F-9763-AC2A-545FB7F3873E}"/>
               </a:ext>
             </a:extLst>
           </p:cNvPr>
-          <p:cNvPicPr>
-            <a:picLocks noChangeAspect="1"/>
-          </p:cNvPicPr>
-          <p:nvPr/>
-        </p:nvPicPr>
-        <p:blipFill>
-          <a:blip r:embed="rId3"/>
-          <a:stretch>
-            <a:fillRect/>
-          </a:stretch>
-        </p:blipFill>
-        <p:spPr>
-          <a:xfrm>
-            <a:off x="752056" y="1483234"/>
-            <a:ext cx="6902199" cy="3295800"/>
-          </a:xfrm>
-          <a:prstGeom prst="rect">
-            <a:avLst/>
-          </a:prstGeom>
-        </p:spPr>
-      </p:pic>
+          <p:cNvSpPr>
+            <a:spLocks noGrp="1"/>
+          </p:cNvSpPr>
+          <p:nvPr>
+            <p:ph type="ctrTitle"/>
+          </p:nvPr>
+        </p:nvSpPr>
+        <p:spPr/>
+        <p:txBody>
+          <a:bodyPr/>
+          <a:lstStyle/>
+          <a:p>
+            <a:r>
+              <a:rPr lang="ko-KR" altLang="en-US" dirty="0"/>
+              <a:t>구현 실습</a:t>
+            </a:r>
+          </a:p>
+        </p:txBody>
+      </p:sp>
+      <p:sp>
+        <p:nvSpPr>
+          <p:cNvPr id="5" name="부제목 4">
+            <a:extLst>
+              <a:ext uri="{FF2B5EF4-FFF2-40B4-BE49-F238E27FC236}">
+                <a16:creationId xmlns:a16="http://schemas.microsoft.com/office/drawing/2014/main" id="{CAF74D28-A379-C9BB-D8F9-E3B6A7427E89}"/>
+              </a:ext>
+            </a:extLst>
+          </p:cNvPr>
+          <p:cNvSpPr>
+            <a:spLocks noGrp="1"/>
+          </p:cNvSpPr>
+          <p:nvPr>
+            <p:ph type="subTitle" idx="1"/>
+          </p:nvPr>
+        </p:nvSpPr>
+        <p:spPr/>
+        <p:txBody>
+          <a:bodyPr/>
+          <a:lstStyle/>
+          <a:p>
+            <a:pPr marL="0" indent="0" algn="r">
+              <a:buNone/>
+            </a:pPr>
+            <a:r>
+              <a:rPr lang="en-US" altLang="ko-KR" dirty="0" err="1"/>
+              <a:t>ReactiveRedisTemplate</a:t>
+            </a:r>
+            <a:r>
+              <a:rPr lang="ko-KR" altLang="en-US" dirty="0"/>
+              <a:t>을 이용한 </a:t>
+            </a:r>
+            <a:r>
+              <a:rPr lang="en-US" altLang="ko-KR" dirty="0"/>
+              <a:t>cache </a:t>
+            </a:r>
+            <a:r>
+              <a:rPr lang="ko-KR" altLang="en-US" dirty="0"/>
+              <a:t>구현</a:t>
+            </a:r>
+          </a:p>
+        </p:txBody>
+      </p:sp>
     </p:spTree>
     <p:extLst>
       <p:ext uri="{BB962C8B-B14F-4D97-AF65-F5344CB8AC3E}">
-        <p14:creationId xmlns:p14="http://schemas.microsoft.com/office/powerpoint/2010/main" val="738790314"/>
+        <p14:creationId xmlns:p14="http://schemas.microsoft.com/office/powerpoint/2010/main" val="4043954338"/>
+      </p:ext>
+    </p:extLst>
+  </p:cSld>
+  <p:clrMapOvr>
+    <a:masterClrMapping/>
+  </p:clrMapOvr>
+</p:sld>
+</file>
+
+<file path=ppt/slides/slide19.xml><?xml version="1.0" encoding="utf-8"?>
+<p:sld xmlns:a="http://schemas.openxmlformats.org/drawingml/2006/main" xmlns:r="http://schemas.openxmlformats.org/officeDocument/2006/relationships" xmlns:p="http://schemas.openxmlformats.org/presentationml/2006/main">
+  <p:cSld>
+    <p:spTree>
+      <p:nvGrpSpPr>
+        <p:cNvPr id="1" name=""/>
+        <p:cNvGrpSpPr/>
+        <p:nvPr/>
+      </p:nvGrpSpPr>
+      <p:grpSpPr>
+        <a:xfrm>
+          <a:off x="0" y="0"/>
+          <a:ext cx="0" cy="0"/>
+          <a:chOff x="0" y="0"/>
+          <a:chExt cx="0" cy="0"/>
+        </a:xfrm>
+      </p:grpSpPr>
+      <p:sp>
+        <p:nvSpPr>
+          <p:cNvPr id="2" name="제목 1">
+            <a:extLst>
+              <a:ext uri="{FF2B5EF4-FFF2-40B4-BE49-F238E27FC236}">
+                <a16:creationId xmlns:a16="http://schemas.microsoft.com/office/drawing/2014/main" id="{9896B29B-A1AE-E0C6-8543-753E63140B1C}"/>
+              </a:ext>
+            </a:extLst>
+          </p:cNvPr>
+          <p:cNvSpPr>
+            <a:spLocks noGrp="1"/>
+          </p:cNvSpPr>
+          <p:nvPr>
+            <p:ph type="ctrTitle"/>
+          </p:nvPr>
+        </p:nvSpPr>
+        <p:spPr/>
+        <p:txBody>
+          <a:bodyPr>
+            <a:normAutofit/>
+          </a:bodyPr>
+          <a:lstStyle/>
+          <a:p>
+            <a:r>
+              <a:rPr lang="ko-KR" altLang="en-US" b="1" dirty="0"/>
+              <a:t>실무형 심화개발</a:t>
+            </a:r>
+          </a:p>
+        </p:txBody>
+      </p:sp>
+      <p:sp>
+        <p:nvSpPr>
+          <p:cNvPr id="4" name="부제목 3">
+            <a:extLst>
+              <a:ext uri="{FF2B5EF4-FFF2-40B4-BE49-F238E27FC236}">
+                <a16:creationId xmlns:a16="http://schemas.microsoft.com/office/drawing/2014/main" id="{7219E4B9-47F6-C7CA-B046-1256225C3574}"/>
+              </a:ext>
+            </a:extLst>
+          </p:cNvPr>
+          <p:cNvSpPr>
+            <a:spLocks noGrp="1"/>
+          </p:cNvSpPr>
+          <p:nvPr>
+            <p:ph type="subTitle" idx="1"/>
+          </p:nvPr>
+        </p:nvSpPr>
+        <p:spPr/>
+        <p:txBody>
+          <a:bodyPr>
+            <a:normAutofit/>
+          </a:bodyPr>
+          <a:lstStyle/>
+          <a:p>
+            <a:pPr marL="0" indent="0" algn="r">
+              <a:buNone/>
+            </a:pPr>
+            <a:r>
+              <a:rPr lang="en-US" altLang="ko" b="1" dirty="0">
+                <a:solidFill>
+                  <a:srgbClr val="ED234B"/>
+                </a:solidFill>
+              </a:rPr>
+              <a:t>9</a:t>
+            </a:r>
+            <a:r>
+              <a:rPr lang="ko" altLang="ko-KR" b="1" dirty="0">
+                <a:solidFill>
+                  <a:srgbClr val="ED234B"/>
+                </a:solidFill>
+              </a:rPr>
+              <a:t> </a:t>
+            </a:r>
+            <a:r>
+              <a:rPr lang="en-US" altLang="ko-KR" dirty="0"/>
+              <a:t>Lock</a:t>
+            </a:r>
+            <a:endParaRPr lang="ko-KR" altLang="en-US" dirty="0"/>
+          </a:p>
+        </p:txBody>
+      </p:sp>
+    </p:spTree>
+    <p:extLst>
+      <p:ext uri="{BB962C8B-B14F-4D97-AF65-F5344CB8AC3E}">
+        <p14:creationId xmlns:p14="http://schemas.microsoft.com/office/powerpoint/2010/main" val="3858577277"/>
       </p:ext>
     </p:extLst>
   </p:cSld>
@@ -4580,10 +4840,103 @@
       </p:grpSpPr>
       <p:sp>
         <p:nvSpPr>
+          <p:cNvPr id="4" name="제목 3">
+            <a:extLst>
+              <a:ext uri="{FF2B5EF4-FFF2-40B4-BE49-F238E27FC236}">
+                <a16:creationId xmlns:a16="http://schemas.microsoft.com/office/drawing/2014/main" id="{AA6C3C0E-F24F-9763-AC2A-545FB7F3873E}"/>
+              </a:ext>
+            </a:extLst>
+          </p:cNvPr>
+          <p:cNvSpPr>
+            <a:spLocks noGrp="1"/>
+          </p:cNvSpPr>
+          <p:nvPr>
+            <p:ph type="ctrTitle"/>
+          </p:nvPr>
+        </p:nvSpPr>
+        <p:spPr/>
+        <p:txBody>
+          <a:bodyPr/>
+          <a:lstStyle/>
+          <a:p>
+            <a:r>
+              <a:rPr lang="ko-KR" altLang="en-US" dirty="0"/>
+              <a:t>구현 실습</a:t>
+            </a:r>
+          </a:p>
+        </p:txBody>
+      </p:sp>
+      <p:sp>
+        <p:nvSpPr>
+          <p:cNvPr id="5" name="부제목 4">
+            <a:extLst>
+              <a:ext uri="{FF2B5EF4-FFF2-40B4-BE49-F238E27FC236}">
+                <a16:creationId xmlns:a16="http://schemas.microsoft.com/office/drawing/2014/main" id="{CAF74D28-A379-C9BB-D8F9-E3B6A7427E89}"/>
+              </a:ext>
+            </a:extLst>
+          </p:cNvPr>
+          <p:cNvSpPr>
+            <a:spLocks noGrp="1"/>
+          </p:cNvSpPr>
+          <p:nvPr>
+            <p:ph type="subTitle" idx="1"/>
+          </p:nvPr>
+        </p:nvSpPr>
+        <p:spPr/>
+        <p:txBody>
+          <a:bodyPr/>
+          <a:lstStyle/>
+          <a:p>
+            <a:pPr marL="0" indent="0" algn="r">
+              <a:buNone/>
+            </a:pPr>
+            <a:r>
+              <a:rPr lang="en-US" altLang="ko-KR" dirty="0"/>
+              <a:t>Trace ID logging </a:t>
+            </a:r>
+            <a:r>
+              <a:rPr lang="ko-KR" altLang="en-US" dirty="0"/>
+              <a:t>구현</a:t>
+            </a:r>
+          </a:p>
+        </p:txBody>
+      </p:sp>
+    </p:spTree>
+    <p:extLst>
+      <p:ext uri="{BB962C8B-B14F-4D97-AF65-F5344CB8AC3E}">
+        <p14:creationId xmlns:p14="http://schemas.microsoft.com/office/powerpoint/2010/main" val="3878263524"/>
+      </p:ext>
+    </p:extLst>
+  </p:cSld>
+  <p:clrMapOvr>
+    <a:masterClrMapping/>
+  </p:clrMapOvr>
+</p:sld>
+</file>
+
+<file path=ppt/slides/slide20.xml><?xml version="1.0" encoding="utf-8"?>
+<p:sld xmlns:a="http://schemas.openxmlformats.org/drawingml/2006/main" xmlns:r="http://schemas.openxmlformats.org/officeDocument/2006/relationships" xmlns:p="http://schemas.openxmlformats.org/presentationml/2006/main">
+  <p:cSld>
+    <p:spTree>
+      <p:nvGrpSpPr>
+        <p:cNvPr id="1" name=""/>
+        <p:cNvGrpSpPr/>
+        <p:nvPr/>
+      </p:nvGrpSpPr>
+      <p:grpSpPr>
+        <a:xfrm>
+          <a:off x="0" y="0"/>
+          <a:ext cx="0" cy="0"/>
+          <a:chOff x="0" y="0"/>
+          <a:chExt cx="0" cy="0"/>
+        </a:xfrm>
+      </p:grpSpPr>
+      <p:sp>
+        <p:nvSpPr>
           <p:cNvPr id="2" name="제목 1">
             <a:extLst>
               <a:ext uri="{FF2B5EF4-FFF2-40B4-BE49-F238E27FC236}">
-                <a16:creationId xmlns:a16="http://schemas.microsoft.com/office/drawing/2014/main" id="{9896B29B-A1AE-E0C6-8543-753E63140B1C}"/>
+                <a16:creationId xmlns:a16="http://schemas.microsoft.com/office/drawing/2014/main" id="{D21C1AA9-5E52-3A11-B3B3-447787E29D09}"/>
               </a:ext>
             </a:extLst>
           </p:cNvPr>
@@ -4591,32 +4944,253 @@
             <a:spLocks noGrp="1"/>
           </p:cNvSpPr>
           <p:nvPr>
-            <p:ph type="ctrTitle"/>
-          </p:nvPr>
-        </p:nvSpPr>
-        <p:spPr/>
-        <p:txBody>
-          <a:bodyPr>
-            <a:normAutofit/>
-          </a:bodyPr>
-          <a:lstStyle/>
-          <a:p>
-            <a:r>
-              <a:rPr lang="ko-KR" altLang="en-US" b="1" dirty="0"/>
-              <a:t>실무형 심화개발</a:t>
-            </a:r>
-          </a:p>
-        </p:txBody>
-      </p:sp>
-      <p:sp>
-        <p:nvSpPr>
-          <p:cNvPr id="4" name="부제목 3">
+            <p:ph type="title"/>
+          </p:nvPr>
+        </p:nvSpPr>
+        <p:spPr/>
+        <p:txBody>
+          <a:bodyPr/>
+          <a:lstStyle/>
+          <a:p>
+            <a:r>
+              <a:rPr lang="ko-KR" altLang="en-US" dirty="0"/>
+              <a:t>경합 시나리오</a:t>
+            </a:r>
+          </a:p>
+        </p:txBody>
+      </p:sp>
+      <p:sp>
+        <p:nvSpPr>
+          <p:cNvPr id="7" name="Google Shape;209;p30">
             <a:extLst>
               <a:ext uri="{FF2B5EF4-FFF2-40B4-BE49-F238E27FC236}">
-                <a16:creationId xmlns:a16="http://schemas.microsoft.com/office/drawing/2014/main" id="{7219E4B9-47F6-C7CA-B046-1256225C3574}"/>
+                <a16:creationId xmlns:a16="http://schemas.microsoft.com/office/drawing/2014/main" id="{35F3E219-4EBB-8DE8-0966-E4317399395E}"/>
               </a:ext>
             </a:extLst>
           </p:cNvPr>
+          <p:cNvSpPr/>
+          <p:nvPr/>
+        </p:nvSpPr>
+        <p:spPr>
+          <a:xfrm>
+            <a:off x="7811013" y="528014"/>
+            <a:ext cx="952500" cy="298200"/>
+          </a:xfrm>
+          <a:prstGeom prst="rect">
+            <a:avLst/>
+          </a:prstGeom>
+          <a:noFill/>
+          <a:ln>
+            <a:noFill/>
+          </a:ln>
+        </p:spPr>
+        <p:txBody>
+          <a:bodyPr spcFirstLastPara="1" wrap="square" lIns="19050" tIns="19050" rIns="19050" bIns="19050" anchor="t" anchorCtr="0">
+            <a:noAutofit/>
+          </a:bodyPr>
+          <a:lstStyle/>
+          <a:p>
+            <a:pPr marL="63500" marR="0" lvl="1" indent="0" algn="l" rtl="0">
+              <a:lnSpc>
+                <a:spcPct val="90000"/>
+              </a:lnSpc>
+              <a:spcBef>
+                <a:spcPts val="0"/>
+              </a:spcBef>
+              <a:spcAft>
+                <a:spcPts val="0"/>
+              </a:spcAft>
+              <a:buNone/>
+            </a:pPr>
+            <a:r>
+              <a:rPr lang="en-US" altLang="ko" sz="1200" b="1" i="0" u="none" strike="noStrike" cap="none" dirty="0">
+                <a:solidFill>
+                  <a:schemeClr val="bg1"/>
+                </a:solidFill>
+                <a:latin typeface="Arial"/>
+                <a:ea typeface="Arial"/>
+                <a:cs typeface="Arial"/>
+                <a:sym typeface="Arial"/>
+              </a:rPr>
+              <a:t>9</a:t>
+            </a:r>
+            <a:r>
+              <a:rPr lang="ko" sz="1200" b="1" i="0" u="none" strike="noStrike" cap="none" dirty="0">
+                <a:solidFill>
+                  <a:schemeClr val="bg1"/>
+                </a:solidFill>
+                <a:latin typeface="Arial"/>
+                <a:ea typeface="Arial"/>
+                <a:cs typeface="Arial"/>
+                <a:sym typeface="Arial"/>
+              </a:rPr>
+              <a:t>.</a:t>
+            </a:r>
+            <a:endParaRPr sz="500" dirty="0">
+              <a:solidFill>
+                <a:schemeClr val="bg1"/>
+              </a:solidFill>
+            </a:endParaRPr>
+          </a:p>
+        </p:txBody>
+      </p:sp>
+      <p:sp>
+        <p:nvSpPr>
+          <p:cNvPr id="8" name="Google Shape;210;p30">
+            <a:extLst>
+              <a:ext uri="{FF2B5EF4-FFF2-40B4-BE49-F238E27FC236}">
+                <a16:creationId xmlns:a16="http://schemas.microsoft.com/office/drawing/2014/main" id="{8CB63A74-B5C7-DCAA-53F5-96E44004D694}"/>
+              </a:ext>
+            </a:extLst>
+          </p:cNvPr>
+          <p:cNvSpPr/>
+          <p:nvPr/>
+        </p:nvSpPr>
+        <p:spPr>
+          <a:xfrm>
+            <a:off x="7811013" y="825047"/>
+            <a:ext cx="952500" cy="293400"/>
+          </a:xfrm>
+          <a:prstGeom prst="rect">
+            <a:avLst/>
+          </a:prstGeom>
+          <a:noFill/>
+          <a:ln>
+            <a:noFill/>
+          </a:ln>
+        </p:spPr>
+        <p:txBody>
+          <a:bodyPr spcFirstLastPara="1" wrap="square" lIns="19050" tIns="19050" rIns="19050" bIns="19050" anchor="t" anchorCtr="0">
+            <a:noAutofit/>
+          </a:bodyPr>
+          <a:lstStyle/>
+          <a:p>
+            <a:pPr marL="63500" marR="0" lvl="1" indent="0" algn="l" rtl="0">
+              <a:spcBef>
+                <a:spcPts val="200"/>
+              </a:spcBef>
+              <a:spcAft>
+                <a:spcPts val="0"/>
+              </a:spcAft>
+              <a:buClr>
+                <a:srgbClr val="000000"/>
+              </a:buClr>
+              <a:buFont typeface="Arial"/>
+              <a:buNone/>
+            </a:pPr>
+            <a:r>
+              <a:rPr lang="en-US" sz="800" dirty="0">
+                <a:solidFill>
+                  <a:schemeClr val="bg1"/>
+                </a:solidFill>
+              </a:rPr>
+              <a:t>Lock</a:t>
+            </a:r>
+            <a:endParaRPr sz="800" dirty="0">
+              <a:solidFill>
+                <a:schemeClr val="bg1"/>
+              </a:solidFill>
+            </a:endParaRPr>
+          </a:p>
+        </p:txBody>
+      </p:sp>
+      <p:pic>
+        <p:nvPicPr>
+          <p:cNvPr id="11" name="그림 10">
+            <a:extLst>
+              <a:ext uri="{FF2B5EF4-FFF2-40B4-BE49-F238E27FC236}">
+                <a16:creationId xmlns:a16="http://schemas.microsoft.com/office/drawing/2014/main" id="{5370AF22-F9D9-9F9B-80AD-F65B0788878F}"/>
+              </a:ext>
+            </a:extLst>
+          </p:cNvPr>
+          <p:cNvPicPr>
+            <a:picLocks noChangeAspect="1"/>
+          </p:cNvPicPr>
+          <p:nvPr/>
+        </p:nvPicPr>
+        <p:blipFill>
+          <a:blip r:embed="rId3"/>
+          <a:stretch>
+            <a:fillRect/>
+          </a:stretch>
+        </p:blipFill>
+        <p:spPr>
+          <a:xfrm>
+            <a:off x="1000254" y="1206367"/>
+            <a:ext cx="4592688" cy="3903785"/>
+          </a:xfrm>
+          <a:prstGeom prst="rect">
+            <a:avLst/>
+          </a:prstGeom>
+        </p:spPr>
+      </p:pic>
+    </p:spTree>
+    <p:extLst>
+      <p:ext uri="{BB962C8B-B14F-4D97-AF65-F5344CB8AC3E}">
+        <p14:creationId xmlns:p14="http://schemas.microsoft.com/office/powerpoint/2010/main" val="824592560"/>
+      </p:ext>
+    </p:extLst>
+  </p:cSld>
+  <p:clrMapOvr>
+    <a:masterClrMapping/>
+  </p:clrMapOvr>
+</p:sld>
+</file>
+
+<file path=ppt/slides/slide21.xml><?xml version="1.0" encoding="utf-8"?>
+<p:sld xmlns:a="http://schemas.openxmlformats.org/drawingml/2006/main" xmlns:r="http://schemas.openxmlformats.org/officeDocument/2006/relationships" xmlns:p="http://schemas.openxmlformats.org/presentationml/2006/main">
+  <p:cSld>
+    <p:spTree>
+      <p:nvGrpSpPr>
+        <p:cNvPr id="1" name=""/>
+        <p:cNvGrpSpPr/>
+        <p:nvPr/>
+      </p:nvGrpSpPr>
+      <p:grpSpPr>
+        <a:xfrm>
+          <a:off x="0" y="0"/>
+          <a:ext cx="0" cy="0"/>
+          <a:chOff x="0" y="0"/>
+          <a:chExt cx="0" cy="0"/>
+        </a:xfrm>
+      </p:grpSpPr>
+      <p:sp>
+        <p:nvSpPr>
+          <p:cNvPr id="4" name="제목 3">
+            <a:extLst>
+              <a:ext uri="{FF2B5EF4-FFF2-40B4-BE49-F238E27FC236}">
+                <a16:creationId xmlns:a16="http://schemas.microsoft.com/office/drawing/2014/main" id="{AA6C3C0E-F24F-9763-AC2A-545FB7F3873E}"/>
+              </a:ext>
+            </a:extLst>
+          </p:cNvPr>
+          <p:cNvSpPr>
+            <a:spLocks noGrp="1"/>
+          </p:cNvSpPr>
+          <p:nvPr>
+            <p:ph type="ctrTitle"/>
+          </p:nvPr>
+        </p:nvSpPr>
+        <p:spPr/>
+        <p:txBody>
+          <a:bodyPr/>
+          <a:lstStyle/>
+          <a:p>
+            <a:r>
+              <a:rPr lang="ko-KR" altLang="en-US" dirty="0"/>
+              <a:t>구현 실습</a:t>
+            </a:r>
+          </a:p>
+        </p:txBody>
+      </p:sp>
+      <p:sp>
+        <p:nvSpPr>
+          <p:cNvPr id="5" name="부제목 4">
+            <a:extLst>
+              <a:ext uri="{FF2B5EF4-FFF2-40B4-BE49-F238E27FC236}">
+                <a16:creationId xmlns:a16="http://schemas.microsoft.com/office/drawing/2014/main" id="{CAF74D28-A379-C9BB-D8F9-E3B6A7427E89}"/>
+              </a:ext>
+            </a:extLst>
+          </p:cNvPr>
           <p:cNvSpPr>
             <a:spLocks noGrp="1"/>
           </p:cNvSpPr>
@@ -4626,33 +5200,15 @@
         </p:nvSpPr>
         <p:spPr/>
         <p:txBody>
-          <a:bodyPr>
-            <a:normAutofit/>
-          </a:bodyPr>
+          <a:bodyPr/>
           <a:lstStyle/>
           <a:p>
             <a:pPr marL="0" indent="0" algn="r">
               <a:buNone/>
             </a:pPr>
             <a:r>
-              <a:rPr lang="en-US" altLang="ko" b="1" dirty="0">
-                <a:solidFill>
-                  <a:srgbClr val="ED234B"/>
-                </a:solidFill>
-              </a:rPr>
-              <a:t>2</a:t>
-            </a:r>
-            <a:r>
-              <a:rPr lang="ko" altLang="ko-KR" b="1" dirty="0">
-                <a:solidFill>
-                  <a:srgbClr val="ED234B"/>
-                </a:solidFill>
-              </a:rPr>
-              <a:t> </a:t>
-            </a:r>
-            <a:r>
               <a:rPr lang="en-US" altLang="ko-KR" dirty="0"/>
-              <a:t>Error handling</a:t>
+              <a:t>Optimistic Lock</a:t>
             </a:r>
             <a:endParaRPr lang="ko-KR" altLang="en-US" dirty="0"/>
           </a:p>
@@ -4661,7 +5217,1534 @@
     </p:spTree>
     <p:extLst>
       <p:ext uri="{BB962C8B-B14F-4D97-AF65-F5344CB8AC3E}">
-        <p14:creationId xmlns:p14="http://schemas.microsoft.com/office/powerpoint/2010/main" val="80618887"/>
+        <p14:creationId xmlns:p14="http://schemas.microsoft.com/office/powerpoint/2010/main" val="3532365668"/>
+      </p:ext>
+    </p:extLst>
+  </p:cSld>
+  <p:clrMapOvr>
+    <a:masterClrMapping/>
+  </p:clrMapOvr>
+</p:sld>
+</file>
+
+<file path=ppt/slides/slide22.xml><?xml version="1.0" encoding="utf-8"?>
+<p:sld xmlns:a="http://schemas.openxmlformats.org/drawingml/2006/main" xmlns:r="http://schemas.openxmlformats.org/officeDocument/2006/relationships" xmlns:p="http://schemas.openxmlformats.org/presentationml/2006/main">
+  <p:cSld>
+    <p:spTree>
+      <p:nvGrpSpPr>
+        <p:cNvPr id="1" name=""/>
+        <p:cNvGrpSpPr/>
+        <p:nvPr/>
+      </p:nvGrpSpPr>
+      <p:grpSpPr>
+        <a:xfrm>
+          <a:off x="0" y="0"/>
+          <a:ext cx="0" cy="0"/>
+          <a:chOff x="0" y="0"/>
+          <a:chExt cx="0" cy="0"/>
+        </a:xfrm>
+      </p:grpSpPr>
+      <p:sp>
+        <p:nvSpPr>
+          <p:cNvPr id="2" name="제목 1">
+            <a:extLst>
+              <a:ext uri="{FF2B5EF4-FFF2-40B4-BE49-F238E27FC236}">
+                <a16:creationId xmlns:a16="http://schemas.microsoft.com/office/drawing/2014/main" id="{D21C1AA9-5E52-3A11-B3B3-447787E29D09}"/>
+              </a:ext>
+            </a:extLst>
+          </p:cNvPr>
+          <p:cNvSpPr>
+            <a:spLocks noGrp="1"/>
+          </p:cNvSpPr>
+          <p:nvPr>
+            <p:ph type="title"/>
+          </p:nvPr>
+        </p:nvSpPr>
+        <p:spPr/>
+        <p:txBody>
+          <a:bodyPr/>
+          <a:lstStyle/>
+          <a:p>
+            <a:r>
+              <a:rPr lang="ko-KR" altLang="en-US" dirty="0"/>
+              <a:t>경합 시나리오</a:t>
+            </a:r>
+          </a:p>
+        </p:txBody>
+      </p:sp>
+      <p:sp>
+        <p:nvSpPr>
+          <p:cNvPr id="7" name="Google Shape;209;p30">
+            <a:extLst>
+              <a:ext uri="{FF2B5EF4-FFF2-40B4-BE49-F238E27FC236}">
+                <a16:creationId xmlns:a16="http://schemas.microsoft.com/office/drawing/2014/main" id="{35F3E219-4EBB-8DE8-0966-E4317399395E}"/>
+              </a:ext>
+            </a:extLst>
+          </p:cNvPr>
+          <p:cNvSpPr/>
+          <p:nvPr/>
+        </p:nvSpPr>
+        <p:spPr>
+          <a:xfrm>
+            <a:off x="7811013" y="528014"/>
+            <a:ext cx="952500" cy="298200"/>
+          </a:xfrm>
+          <a:prstGeom prst="rect">
+            <a:avLst/>
+          </a:prstGeom>
+          <a:noFill/>
+          <a:ln>
+            <a:noFill/>
+          </a:ln>
+        </p:spPr>
+        <p:txBody>
+          <a:bodyPr spcFirstLastPara="1" wrap="square" lIns="19050" tIns="19050" rIns="19050" bIns="19050" anchor="t" anchorCtr="0">
+            <a:noAutofit/>
+          </a:bodyPr>
+          <a:lstStyle/>
+          <a:p>
+            <a:pPr marL="63500" marR="0" lvl="1" indent="0" algn="l" rtl="0">
+              <a:lnSpc>
+                <a:spcPct val="90000"/>
+              </a:lnSpc>
+              <a:spcBef>
+                <a:spcPts val="0"/>
+              </a:spcBef>
+              <a:spcAft>
+                <a:spcPts val="0"/>
+              </a:spcAft>
+              <a:buNone/>
+            </a:pPr>
+            <a:r>
+              <a:rPr lang="en-US" altLang="ko" sz="1200" b="1" i="0" u="none" strike="noStrike" cap="none" dirty="0">
+                <a:solidFill>
+                  <a:schemeClr val="bg1"/>
+                </a:solidFill>
+                <a:latin typeface="Arial"/>
+                <a:ea typeface="Arial"/>
+                <a:cs typeface="Arial"/>
+                <a:sym typeface="Arial"/>
+              </a:rPr>
+              <a:t>9</a:t>
+            </a:r>
+            <a:r>
+              <a:rPr lang="ko" sz="1200" b="1" i="0" u="none" strike="noStrike" cap="none" dirty="0">
+                <a:solidFill>
+                  <a:schemeClr val="bg1"/>
+                </a:solidFill>
+                <a:latin typeface="Arial"/>
+                <a:ea typeface="Arial"/>
+                <a:cs typeface="Arial"/>
+                <a:sym typeface="Arial"/>
+              </a:rPr>
+              <a:t>.</a:t>
+            </a:r>
+            <a:endParaRPr sz="500" dirty="0">
+              <a:solidFill>
+                <a:schemeClr val="bg1"/>
+              </a:solidFill>
+            </a:endParaRPr>
+          </a:p>
+        </p:txBody>
+      </p:sp>
+      <p:sp>
+        <p:nvSpPr>
+          <p:cNvPr id="8" name="Google Shape;210;p30">
+            <a:extLst>
+              <a:ext uri="{FF2B5EF4-FFF2-40B4-BE49-F238E27FC236}">
+                <a16:creationId xmlns:a16="http://schemas.microsoft.com/office/drawing/2014/main" id="{8CB63A74-B5C7-DCAA-53F5-96E44004D694}"/>
+              </a:ext>
+            </a:extLst>
+          </p:cNvPr>
+          <p:cNvSpPr/>
+          <p:nvPr/>
+        </p:nvSpPr>
+        <p:spPr>
+          <a:xfrm>
+            <a:off x="7811013" y="825047"/>
+            <a:ext cx="952500" cy="293400"/>
+          </a:xfrm>
+          <a:prstGeom prst="rect">
+            <a:avLst/>
+          </a:prstGeom>
+          <a:noFill/>
+          <a:ln>
+            <a:noFill/>
+          </a:ln>
+        </p:spPr>
+        <p:txBody>
+          <a:bodyPr spcFirstLastPara="1" wrap="square" lIns="19050" tIns="19050" rIns="19050" bIns="19050" anchor="t" anchorCtr="0">
+            <a:noAutofit/>
+          </a:bodyPr>
+          <a:lstStyle/>
+          <a:p>
+            <a:pPr marL="63500" marR="0" lvl="1" indent="0" algn="l" rtl="0">
+              <a:spcBef>
+                <a:spcPts val="200"/>
+              </a:spcBef>
+              <a:spcAft>
+                <a:spcPts val="0"/>
+              </a:spcAft>
+              <a:buClr>
+                <a:srgbClr val="000000"/>
+              </a:buClr>
+              <a:buFont typeface="Arial"/>
+              <a:buNone/>
+            </a:pPr>
+            <a:r>
+              <a:rPr lang="en-US" sz="800" dirty="0">
+                <a:solidFill>
+                  <a:schemeClr val="bg1"/>
+                </a:solidFill>
+              </a:rPr>
+              <a:t>Lock</a:t>
+            </a:r>
+            <a:endParaRPr sz="800" dirty="0">
+              <a:solidFill>
+                <a:schemeClr val="bg1"/>
+              </a:solidFill>
+            </a:endParaRPr>
+          </a:p>
+        </p:txBody>
+      </p:sp>
+      <p:pic>
+        <p:nvPicPr>
+          <p:cNvPr id="11" name="그림 10">
+            <a:extLst>
+              <a:ext uri="{FF2B5EF4-FFF2-40B4-BE49-F238E27FC236}">
+                <a16:creationId xmlns:a16="http://schemas.microsoft.com/office/drawing/2014/main" id="{5370AF22-F9D9-9F9B-80AD-F65B0788878F}"/>
+              </a:ext>
+            </a:extLst>
+          </p:cNvPr>
+          <p:cNvPicPr>
+            <a:picLocks noChangeAspect="1"/>
+          </p:cNvPicPr>
+          <p:nvPr/>
+        </p:nvPicPr>
+        <p:blipFill>
+          <a:blip r:embed="rId3"/>
+          <a:stretch>
+            <a:fillRect/>
+          </a:stretch>
+        </p:blipFill>
+        <p:spPr>
+          <a:xfrm>
+            <a:off x="1000254" y="1206367"/>
+            <a:ext cx="4592688" cy="3903785"/>
+          </a:xfrm>
+          <a:prstGeom prst="rect">
+            <a:avLst/>
+          </a:prstGeom>
+        </p:spPr>
+      </p:pic>
+      <p:sp>
+        <p:nvSpPr>
+          <p:cNvPr id="3" name="TextBox 2">
+            <a:extLst>
+              <a:ext uri="{FF2B5EF4-FFF2-40B4-BE49-F238E27FC236}">
+                <a16:creationId xmlns:a16="http://schemas.microsoft.com/office/drawing/2014/main" id="{A4ACA7BF-0E72-CD95-AB60-50CFD7F9BECF}"/>
+              </a:ext>
+            </a:extLst>
+          </p:cNvPr>
+          <p:cNvSpPr txBox="1"/>
+          <p:nvPr/>
+        </p:nvSpPr>
+        <p:spPr>
+          <a:xfrm>
+            <a:off x="1855178" y="2343124"/>
+            <a:ext cx="989245" cy="276999"/>
+          </a:xfrm>
+          <a:prstGeom prst="rect">
+            <a:avLst/>
+          </a:prstGeom>
+          <a:noFill/>
+        </p:spPr>
+        <p:txBody>
+          <a:bodyPr wrap="none" rtlCol="0">
+            <a:spAutoFit/>
+          </a:bodyPr>
+          <a:lstStyle/>
+          <a:p>
+            <a:r>
+              <a:rPr lang="en-US" altLang="ko-KR" sz="1200" b="1" dirty="0">
+                <a:solidFill>
+                  <a:schemeClr val="accent3">
+                    <a:lumMod val="75000"/>
+                  </a:schemeClr>
+                </a:solidFill>
+              </a:rPr>
+              <a:t>with </a:t>
+            </a:r>
+            <a:r>
+              <a:rPr lang="en-US" altLang="ko-KR" sz="1200" b="1" dirty="0">
+                <a:solidFill>
+                  <a:srgbClr val="FF0000"/>
+                </a:solidFill>
+              </a:rPr>
+              <a:t>Version</a:t>
+            </a:r>
+            <a:endParaRPr lang="ko-KR" altLang="en-US" sz="1200" b="1" dirty="0">
+              <a:solidFill>
+                <a:srgbClr val="FF0000"/>
+              </a:solidFill>
+            </a:endParaRPr>
+          </a:p>
+        </p:txBody>
+      </p:sp>
+      <p:sp>
+        <p:nvSpPr>
+          <p:cNvPr id="4" name="TextBox 3">
+            <a:extLst>
+              <a:ext uri="{FF2B5EF4-FFF2-40B4-BE49-F238E27FC236}">
+                <a16:creationId xmlns:a16="http://schemas.microsoft.com/office/drawing/2014/main" id="{C00BE86F-9321-416F-D733-0AF6FCEF107F}"/>
+              </a:ext>
+            </a:extLst>
+          </p:cNvPr>
+          <p:cNvSpPr txBox="1"/>
+          <p:nvPr/>
+        </p:nvSpPr>
+        <p:spPr>
+          <a:xfrm>
+            <a:off x="3724060" y="2620123"/>
+            <a:ext cx="989245" cy="276999"/>
+          </a:xfrm>
+          <a:prstGeom prst="rect">
+            <a:avLst/>
+          </a:prstGeom>
+          <a:noFill/>
+        </p:spPr>
+        <p:txBody>
+          <a:bodyPr wrap="none" rtlCol="0">
+            <a:spAutoFit/>
+          </a:bodyPr>
+          <a:lstStyle/>
+          <a:p>
+            <a:r>
+              <a:rPr lang="en-US" altLang="ko-KR" sz="1200" b="1" dirty="0">
+                <a:solidFill>
+                  <a:schemeClr val="accent3">
+                    <a:lumMod val="75000"/>
+                  </a:schemeClr>
+                </a:solidFill>
+              </a:rPr>
+              <a:t>with </a:t>
+            </a:r>
+            <a:r>
+              <a:rPr lang="en-US" altLang="ko-KR" sz="1200" b="1" dirty="0">
+                <a:solidFill>
+                  <a:srgbClr val="FF0000"/>
+                </a:solidFill>
+              </a:rPr>
+              <a:t>Version</a:t>
+            </a:r>
+            <a:endParaRPr lang="ko-KR" altLang="en-US" sz="1200" b="1" dirty="0">
+              <a:solidFill>
+                <a:srgbClr val="FF0000"/>
+              </a:solidFill>
+            </a:endParaRPr>
+          </a:p>
+        </p:txBody>
+      </p:sp>
+      <p:sp>
+        <p:nvSpPr>
+          <p:cNvPr id="5" name="TextBox 4">
+            <a:extLst>
+              <a:ext uri="{FF2B5EF4-FFF2-40B4-BE49-F238E27FC236}">
+                <a16:creationId xmlns:a16="http://schemas.microsoft.com/office/drawing/2014/main" id="{4168C9D7-3B3E-195D-395D-E510B865962E}"/>
+              </a:ext>
+            </a:extLst>
+          </p:cNvPr>
+          <p:cNvSpPr txBox="1"/>
+          <p:nvPr/>
+        </p:nvSpPr>
+        <p:spPr>
+          <a:xfrm>
+            <a:off x="1910864" y="4285471"/>
+            <a:ext cx="1104533" cy="276999"/>
+          </a:xfrm>
+          <a:prstGeom prst="rect">
+            <a:avLst/>
+          </a:prstGeom>
+          <a:noFill/>
+        </p:spPr>
+        <p:txBody>
+          <a:bodyPr wrap="none" rtlCol="0">
+            <a:spAutoFit/>
+          </a:bodyPr>
+          <a:lstStyle/>
+          <a:p>
+            <a:r>
+              <a:rPr lang="en-US" altLang="ko-KR" sz="1200" b="1" dirty="0">
+                <a:solidFill>
+                  <a:schemeClr val="accent3">
+                    <a:lumMod val="75000"/>
+                  </a:schemeClr>
+                </a:solidFill>
+              </a:rPr>
+              <a:t>where </a:t>
+            </a:r>
+            <a:r>
+              <a:rPr lang="en-US" altLang="ko-KR" sz="1200" b="1" dirty="0">
+                <a:solidFill>
+                  <a:srgbClr val="FF0000"/>
+                </a:solidFill>
+              </a:rPr>
+              <a:t>Version</a:t>
+            </a:r>
+            <a:endParaRPr lang="ko-KR" altLang="en-US" sz="1200" b="1" dirty="0">
+              <a:solidFill>
+                <a:srgbClr val="FF0000"/>
+              </a:solidFill>
+            </a:endParaRPr>
+          </a:p>
+        </p:txBody>
+      </p:sp>
+      <p:sp>
+        <p:nvSpPr>
+          <p:cNvPr id="6" name="TextBox 5">
+            <a:extLst>
+              <a:ext uri="{FF2B5EF4-FFF2-40B4-BE49-F238E27FC236}">
+                <a16:creationId xmlns:a16="http://schemas.microsoft.com/office/drawing/2014/main" id="{50D0B692-CCDA-3EAF-CA04-C6265188A3A1}"/>
+              </a:ext>
+            </a:extLst>
+          </p:cNvPr>
+          <p:cNvSpPr txBox="1"/>
+          <p:nvPr/>
+        </p:nvSpPr>
+        <p:spPr>
+          <a:xfrm>
+            <a:off x="3666415" y="3250910"/>
+            <a:ext cx="1104533" cy="276999"/>
+          </a:xfrm>
+          <a:prstGeom prst="rect">
+            <a:avLst/>
+          </a:prstGeom>
+          <a:noFill/>
+        </p:spPr>
+        <p:txBody>
+          <a:bodyPr wrap="none" rtlCol="0">
+            <a:spAutoFit/>
+          </a:bodyPr>
+          <a:lstStyle/>
+          <a:p>
+            <a:r>
+              <a:rPr lang="en-US" altLang="ko-KR" sz="1200" b="1" dirty="0">
+                <a:solidFill>
+                  <a:schemeClr val="accent3">
+                    <a:lumMod val="75000"/>
+                  </a:schemeClr>
+                </a:solidFill>
+              </a:rPr>
+              <a:t>where </a:t>
+            </a:r>
+            <a:r>
+              <a:rPr lang="en-US" altLang="ko-KR" sz="1200" b="1" dirty="0">
+                <a:solidFill>
+                  <a:srgbClr val="FF0000"/>
+                </a:solidFill>
+              </a:rPr>
+              <a:t>Version</a:t>
+            </a:r>
+            <a:endParaRPr lang="ko-KR" altLang="en-US" sz="1200" b="1" dirty="0">
+              <a:solidFill>
+                <a:srgbClr val="FF0000"/>
+              </a:solidFill>
+            </a:endParaRPr>
+          </a:p>
+        </p:txBody>
+      </p:sp>
+    </p:spTree>
+    <p:extLst>
+      <p:ext uri="{BB962C8B-B14F-4D97-AF65-F5344CB8AC3E}">
+        <p14:creationId xmlns:p14="http://schemas.microsoft.com/office/powerpoint/2010/main" val="4079067339"/>
+      </p:ext>
+    </p:extLst>
+  </p:cSld>
+  <p:clrMapOvr>
+    <a:masterClrMapping/>
+  </p:clrMapOvr>
+</p:sld>
+</file>
+
+<file path=ppt/slides/slide23.xml><?xml version="1.0" encoding="utf-8"?>
+<p:sld xmlns:a="http://schemas.openxmlformats.org/drawingml/2006/main" xmlns:r="http://schemas.openxmlformats.org/officeDocument/2006/relationships" xmlns:p="http://schemas.openxmlformats.org/presentationml/2006/main">
+  <p:cSld>
+    <p:spTree>
+      <p:nvGrpSpPr>
+        <p:cNvPr id="1" name=""/>
+        <p:cNvGrpSpPr/>
+        <p:nvPr/>
+      </p:nvGrpSpPr>
+      <p:grpSpPr>
+        <a:xfrm>
+          <a:off x="0" y="0"/>
+          <a:ext cx="0" cy="0"/>
+          <a:chOff x="0" y="0"/>
+          <a:chExt cx="0" cy="0"/>
+        </a:xfrm>
+      </p:grpSpPr>
+      <p:sp>
+        <p:nvSpPr>
+          <p:cNvPr id="4" name="제목 3">
+            <a:extLst>
+              <a:ext uri="{FF2B5EF4-FFF2-40B4-BE49-F238E27FC236}">
+                <a16:creationId xmlns:a16="http://schemas.microsoft.com/office/drawing/2014/main" id="{AA6C3C0E-F24F-9763-AC2A-545FB7F3873E}"/>
+              </a:ext>
+            </a:extLst>
+          </p:cNvPr>
+          <p:cNvSpPr>
+            <a:spLocks noGrp="1"/>
+          </p:cNvSpPr>
+          <p:nvPr>
+            <p:ph type="ctrTitle"/>
+          </p:nvPr>
+        </p:nvSpPr>
+        <p:spPr/>
+        <p:txBody>
+          <a:bodyPr/>
+          <a:lstStyle/>
+          <a:p>
+            <a:r>
+              <a:rPr lang="ko-KR" altLang="en-US" dirty="0"/>
+              <a:t>구현 실습</a:t>
+            </a:r>
+          </a:p>
+        </p:txBody>
+      </p:sp>
+      <p:sp>
+        <p:nvSpPr>
+          <p:cNvPr id="5" name="부제목 4">
+            <a:extLst>
+              <a:ext uri="{FF2B5EF4-FFF2-40B4-BE49-F238E27FC236}">
+                <a16:creationId xmlns:a16="http://schemas.microsoft.com/office/drawing/2014/main" id="{CAF74D28-A379-C9BB-D8F9-E3B6A7427E89}"/>
+              </a:ext>
+            </a:extLst>
+          </p:cNvPr>
+          <p:cNvSpPr>
+            <a:spLocks noGrp="1"/>
+          </p:cNvSpPr>
+          <p:nvPr>
+            <p:ph type="subTitle" idx="1"/>
+          </p:nvPr>
+        </p:nvSpPr>
+        <p:spPr/>
+        <p:txBody>
+          <a:bodyPr/>
+          <a:lstStyle/>
+          <a:p>
+            <a:pPr marL="0" indent="0" algn="r">
+              <a:buNone/>
+            </a:pPr>
+            <a:r>
+              <a:rPr lang="en-US" altLang="ko-KR" dirty="0"/>
+              <a:t>Pessimistic Lock</a:t>
+            </a:r>
+            <a:endParaRPr lang="ko-KR" altLang="en-US" dirty="0"/>
+          </a:p>
+        </p:txBody>
+      </p:sp>
+    </p:spTree>
+    <p:extLst>
+      <p:ext uri="{BB962C8B-B14F-4D97-AF65-F5344CB8AC3E}">
+        <p14:creationId xmlns:p14="http://schemas.microsoft.com/office/powerpoint/2010/main" val="2179943820"/>
+      </p:ext>
+    </p:extLst>
+  </p:cSld>
+  <p:clrMapOvr>
+    <a:masterClrMapping/>
+  </p:clrMapOvr>
+</p:sld>
+</file>
+
+<file path=ppt/slides/slide24.xml><?xml version="1.0" encoding="utf-8"?>
+<p:sld xmlns:a="http://schemas.openxmlformats.org/drawingml/2006/main" xmlns:r="http://schemas.openxmlformats.org/officeDocument/2006/relationships" xmlns:p="http://schemas.openxmlformats.org/presentationml/2006/main">
+  <p:cSld>
+    <p:spTree>
+      <p:nvGrpSpPr>
+        <p:cNvPr id="1" name=""/>
+        <p:cNvGrpSpPr/>
+        <p:nvPr/>
+      </p:nvGrpSpPr>
+      <p:grpSpPr>
+        <a:xfrm>
+          <a:off x="0" y="0"/>
+          <a:ext cx="0" cy="0"/>
+          <a:chOff x="0" y="0"/>
+          <a:chExt cx="0" cy="0"/>
+        </a:xfrm>
+      </p:grpSpPr>
+      <p:sp>
+        <p:nvSpPr>
+          <p:cNvPr id="2" name="제목 1">
+            <a:extLst>
+              <a:ext uri="{FF2B5EF4-FFF2-40B4-BE49-F238E27FC236}">
+                <a16:creationId xmlns:a16="http://schemas.microsoft.com/office/drawing/2014/main" id="{D21C1AA9-5E52-3A11-B3B3-447787E29D09}"/>
+              </a:ext>
+            </a:extLst>
+          </p:cNvPr>
+          <p:cNvSpPr>
+            <a:spLocks noGrp="1"/>
+          </p:cNvSpPr>
+          <p:nvPr>
+            <p:ph type="title"/>
+          </p:nvPr>
+        </p:nvSpPr>
+        <p:spPr/>
+        <p:txBody>
+          <a:bodyPr/>
+          <a:lstStyle/>
+          <a:p>
+            <a:r>
+              <a:rPr lang="ko-KR" altLang="en-US" dirty="0"/>
+              <a:t>경합 시나리오</a:t>
+            </a:r>
+          </a:p>
+        </p:txBody>
+      </p:sp>
+      <p:sp>
+        <p:nvSpPr>
+          <p:cNvPr id="7" name="Google Shape;209;p30">
+            <a:extLst>
+              <a:ext uri="{FF2B5EF4-FFF2-40B4-BE49-F238E27FC236}">
+                <a16:creationId xmlns:a16="http://schemas.microsoft.com/office/drawing/2014/main" id="{35F3E219-4EBB-8DE8-0966-E4317399395E}"/>
+              </a:ext>
+            </a:extLst>
+          </p:cNvPr>
+          <p:cNvSpPr/>
+          <p:nvPr/>
+        </p:nvSpPr>
+        <p:spPr>
+          <a:xfrm>
+            <a:off x="7811013" y="528014"/>
+            <a:ext cx="952500" cy="298200"/>
+          </a:xfrm>
+          <a:prstGeom prst="rect">
+            <a:avLst/>
+          </a:prstGeom>
+          <a:noFill/>
+          <a:ln>
+            <a:noFill/>
+          </a:ln>
+        </p:spPr>
+        <p:txBody>
+          <a:bodyPr spcFirstLastPara="1" wrap="square" lIns="19050" tIns="19050" rIns="19050" bIns="19050" anchor="t" anchorCtr="0">
+            <a:noAutofit/>
+          </a:bodyPr>
+          <a:lstStyle/>
+          <a:p>
+            <a:pPr marL="63500" marR="0" lvl="1" indent="0" algn="l" rtl="0">
+              <a:lnSpc>
+                <a:spcPct val="90000"/>
+              </a:lnSpc>
+              <a:spcBef>
+                <a:spcPts val="0"/>
+              </a:spcBef>
+              <a:spcAft>
+                <a:spcPts val="0"/>
+              </a:spcAft>
+              <a:buNone/>
+            </a:pPr>
+            <a:r>
+              <a:rPr lang="en-US" altLang="ko" sz="1200" b="1" i="0" u="none" strike="noStrike" cap="none" dirty="0">
+                <a:solidFill>
+                  <a:schemeClr val="bg1"/>
+                </a:solidFill>
+                <a:latin typeface="Arial"/>
+                <a:ea typeface="Arial"/>
+                <a:cs typeface="Arial"/>
+                <a:sym typeface="Arial"/>
+              </a:rPr>
+              <a:t>9</a:t>
+            </a:r>
+            <a:r>
+              <a:rPr lang="ko" sz="1200" b="1" i="0" u="none" strike="noStrike" cap="none" dirty="0">
+                <a:solidFill>
+                  <a:schemeClr val="bg1"/>
+                </a:solidFill>
+                <a:latin typeface="Arial"/>
+                <a:ea typeface="Arial"/>
+                <a:cs typeface="Arial"/>
+                <a:sym typeface="Arial"/>
+              </a:rPr>
+              <a:t>.</a:t>
+            </a:r>
+            <a:endParaRPr sz="500" dirty="0">
+              <a:solidFill>
+                <a:schemeClr val="bg1"/>
+              </a:solidFill>
+            </a:endParaRPr>
+          </a:p>
+        </p:txBody>
+      </p:sp>
+      <p:sp>
+        <p:nvSpPr>
+          <p:cNvPr id="8" name="Google Shape;210;p30">
+            <a:extLst>
+              <a:ext uri="{FF2B5EF4-FFF2-40B4-BE49-F238E27FC236}">
+                <a16:creationId xmlns:a16="http://schemas.microsoft.com/office/drawing/2014/main" id="{8CB63A74-B5C7-DCAA-53F5-96E44004D694}"/>
+              </a:ext>
+            </a:extLst>
+          </p:cNvPr>
+          <p:cNvSpPr/>
+          <p:nvPr/>
+        </p:nvSpPr>
+        <p:spPr>
+          <a:xfrm>
+            <a:off x="7811013" y="825047"/>
+            <a:ext cx="952500" cy="293400"/>
+          </a:xfrm>
+          <a:prstGeom prst="rect">
+            <a:avLst/>
+          </a:prstGeom>
+          <a:noFill/>
+          <a:ln>
+            <a:noFill/>
+          </a:ln>
+        </p:spPr>
+        <p:txBody>
+          <a:bodyPr spcFirstLastPara="1" wrap="square" lIns="19050" tIns="19050" rIns="19050" bIns="19050" anchor="t" anchorCtr="0">
+            <a:noAutofit/>
+          </a:bodyPr>
+          <a:lstStyle/>
+          <a:p>
+            <a:pPr marL="63500" marR="0" lvl="1" indent="0" algn="l" rtl="0">
+              <a:spcBef>
+                <a:spcPts val="200"/>
+              </a:spcBef>
+              <a:spcAft>
+                <a:spcPts val="0"/>
+              </a:spcAft>
+              <a:buClr>
+                <a:srgbClr val="000000"/>
+              </a:buClr>
+              <a:buFont typeface="Arial"/>
+              <a:buNone/>
+            </a:pPr>
+            <a:r>
+              <a:rPr lang="en-US" sz="800" dirty="0">
+                <a:solidFill>
+                  <a:schemeClr val="bg1"/>
+                </a:solidFill>
+              </a:rPr>
+              <a:t>Lock</a:t>
+            </a:r>
+            <a:endParaRPr sz="800" dirty="0">
+              <a:solidFill>
+                <a:schemeClr val="bg1"/>
+              </a:solidFill>
+            </a:endParaRPr>
+          </a:p>
+        </p:txBody>
+      </p:sp>
+      <p:pic>
+        <p:nvPicPr>
+          <p:cNvPr id="11" name="그림 10">
+            <a:extLst>
+              <a:ext uri="{FF2B5EF4-FFF2-40B4-BE49-F238E27FC236}">
+                <a16:creationId xmlns:a16="http://schemas.microsoft.com/office/drawing/2014/main" id="{5370AF22-F9D9-9F9B-80AD-F65B0788878F}"/>
+              </a:ext>
+            </a:extLst>
+          </p:cNvPr>
+          <p:cNvPicPr>
+            <a:picLocks noChangeAspect="1"/>
+          </p:cNvPicPr>
+          <p:nvPr/>
+        </p:nvPicPr>
+        <p:blipFill>
+          <a:blip r:embed="rId3"/>
+          <a:stretch>
+            <a:fillRect/>
+          </a:stretch>
+        </p:blipFill>
+        <p:spPr>
+          <a:xfrm>
+            <a:off x="1000254" y="1206367"/>
+            <a:ext cx="4592688" cy="3903785"/>
+          </a:xfrm>
+          <a:prstGeom prst="rect">
+            <a:avLst/>
+          </a:prstGeom>
+        </p:spPr>
+      </p:pic>
+      <p:sp>
+        <p:nvSpPr>
+          <p:cNvPr id="17" name="TextBox 16">
+            <a:extLst>
+              <a:ext uri="{FF2B5EF4-FFF2-40B4-BE49-F238E27FC236}">
+                <a16:creationId xmlns:a16="http://schemas.microsoft.com/office/drawing/2014/main" id="{67BB8486-1FC7-CB94-C5C5-3DFEB613BAFE}"/>
+              </a:ext>
+            </a:extLst>
+          </p:cNvPr>
+          <p:cNvSpPr txBox="1"/>
+          <p:nvPr/>
+        </p:nvSpPr>
+        <p:spPr>
+          <a:xfrm>
+            <a:off x="1855178" y="2343124"/>
+            <a:ext cx="1066254" cy="276999"/>
+          </a:xfrm>
+          <a:prstGeom prst="rect">
+            <a:avLst/>
+          </a:prstGeom>
+          <a:noFill/>
+        </p:spPr>
+        <p:txBody>
+          <a:bodyPr wrap="none" rtlCol="0">
+            <a:spAutoFit/>
+          </a:bodyPr>
+          <a:lstStyle/>
+          <a:p>
+            <a:r>
+              <a:rPr lang="en-US" altLang="ko-KR" sz="1200" b="1" dirty="0">
+                <a:solidFill>
+                  <a:srgbClr val="FF0000"/>
+                </a:solidFill>
+              </a:rPr>
+              <a:t>&amp; Transaction</a:t>
+            </a:r>
+            <a:endParaRPr lang="ko-KR" altLang="en-US" sz="1200" b="1" dirty="0">
+              <a:solidFill>
+                <a:srgbClr val="FF0000"/>
+              </a:solidFill>
+            </a:endParaRPr>
+          </a:p>
+        </p:txBody>
+      </p:sp>
+      <p:cxnSp>
+        <p:nvCxnSpPr>
+          <p:cNvPr id="19" name="직선 연결선 18">
+            <a:extLst>
+              <a:ext uri="{FF2B5EF4-FFF2-40B4-BE49-F238E27FC236}">
+                <a16:creationId xmlns:a16="http://schemas.microsoft.com/office/drawing/2014/main" id="{E0042F34-1321-0756-6AE3-A63344826CE5}"/>
+              </a:ext>
+            </a:extLst>
+          </p:cNvPr>
+          <p:cNvCxnSpPr/>
+          <p:nvPr/>
+        </p:nvCxnSpPr>
+        <p:spPr>
+          <a:xfrm flipH="1">
+            <a:off x="1855178" y="3912577"/>
+            <a:ext cx="1066254" cy="237392"/>
+          </a:xfrm>
+          <a:prstGeom prst="line">
+            <a:avLst/>
+          </a:prstGeom>
+          <a:ln>
+            <a:solidFill>
+              <a:srgbClr val="FF0000"/>
+            </a:solidFill>
+          </a:ln>
+        </p:spPr>
+        <p:style>
+          <a:lnRef idx="1">
+            <a:schemeClr val="accent1"/>
+          </a:lnRef>
+          <a:fillRef idx="0">
+            <a:schemeClr val="accent1"/>
+          </a:fillRef>
+          <a:effectRef idx="0">
+            <a:schemeClr val="accent1"/>
+          </a:effectRef>
+          <a:fontRef idx="minor">
+            <a:schemeClr val="tx1"/>
+          </a:fontRef>
+        </p:style>
+      </p:cxnSp>
+      <p:cxnSp>
+        <p:nvCxnSpPr>
+          <p:cNvPr id="20" name="직선 연결선 19">
+            <a:extLst>
+              <a:ext uri="{FF2B5EF4-FFF2-40B4-BE49-F238E27FC236}">
+                <a16:creationId xmlns:a16="http://schemas.microsoft.com/office/drawing/2014/main" id="{8132F5C3-6F1E-A0DB-A1AE-FDBA1968FA66}"/>
+              </a:ext>
+            </a:extLst>
+          </p:cNvPr>
+          <p:cNvCxnSpPr/>
+          <p:nvPr/>
+        </p:nvCxnSpPr>
+        <p:spPr>
+          <a:xfrm flipH="1">
+            <a:off x="3678117" y="2842846"/>
+            <a:ext cx="1066254" cy="237392"/>
+          </a:xfrm>
+          <a:prstGeom prst="line">
+            <a:avLst/>
+          </a:prstGeom>
+          <a:ln>
+            <a:solidFill>
+              <a:srgbClr val="FF0000"/>
+            </a:solidFill>
+          </a:ln>
+        </p:spPr>
+        <p:style>
+          <a:lnRef idx="1">
+            <a:schemeClr val="accent1"/>
+          </a:lnRef>
+          <a:fillRef idx="0">
+            <a:schemeClr val="accent1"/>
+          </a:fillRef>
+          <a:effectRef idx="0">
+            <a:schemeClr val="accent1"/>
+          </a:effectRef>
+          <a:fontRef idx="minor">
+            <a:schemeClr val="tx1"/>
+          </a:fontRef>
+        </p:style>
+      </p:cxnSp>
+      <p:sp>
+        <p:nvSpPr>
+          <p:cNvPr id="21" name="TextBox 20">
+            <a:extLst>
+              <a:ext uri="{FF2B5EF4-FFF2-40B4-BE49-F238E27FC236}">
+                <a16:creationId xmlns:a16="http://schemas.microsoft.com/office/drawing/2014/main" id="{18094E18-19A2-EC98-0C89-436189F69339}"/>
+              </a:ext>
+            </a:extLst>
+          </p:cNvPr>
+          <p:cNvSpPr txBox="1"/>
+          <p:nvPr/>
+        </p:nvSpPr>
+        <p:spPr>
+          <a:xfrm>
+            <a:off x="3678117" y="2604731"/>
+            <a:ext cx="1066254" cy="276999"/>
+          </a:xfrm>
+          <a:prstGeom prst="rect">
+            <a:avLst/>
+          </a:prstGeom>
+          <a:noFill/>
+        </p:spPr>
+        <p:txBody>
+          <a:bodyPr wrap="none" rtlCol="0">
+            <a:spAutoFit/>
+          </a:bodyPr>
+          <a:lstStyle/>
+          <a:p>
+            <a:r>
+              <a:rPr lang="en-US" altLang="ko-KR" sz="1200" b="1" dirty="0">
+                <a:solidFill>
+                  <a:srgbClr val="FF0000"/>
+                </a:solidFill>
+              </a:rPr>
+              <a:t>&amp; Transaction</a:t>
+            </a:r>
+            <a:endParaRPr lang="ko-KR" altLang="en-US" sz="1200" b="1" dirty="0">
+              <a:solidFill>
+                <a:srgbClr val="FF0000"/>
+              </a:solidFill>
+            </a:endParaRPr>
+          </a:p>
+        </p:txBody>
+      </p:sp>
+    </p:spTree>
+    <p:extLst>
+      <p:ext uri="{BB962C8B-B14F-4D97-AF65-F5344CB8AC3E}">
+        <p14:creationId xmlns:p14="http://schemas.microsoft.com/office/powerpoint/2010/main" val="243783024"/>
+      </p:ext>
+    </p:extLst>
+  </p:cSld>
+  <p:clrMapOvr>
+    <a:masterClrMapping/>
+  </p:clrMapOvr>
+</p:sld>
+</file>
+
+<file path=ppt/slides/slide25.xml><?xml version="1.0" encoding="utf-8"?>
+<p:sld xmlns:a="http://schemas.openxmlformats.org/drawingml/2006/main" xmlns:r="http://schemas.openxmlformats.org/officeDocument/2006/relationships" xmlns:p="http://schemas.openxmlformats.org/presentationml/2006/main">
+  <p:cSld>
+    <p:spTree>
+      <p:nvGrpSpPr>
+        <p:cNvPr id="1" name=""/>
+        <p:cNvGrpSpPr/>
+        <p:nvPr/>
+      </p:nvGrpSpPr>
+      <p:grpSpPr>
+        <a:xfrm>
+          <a:off x="0" y="0"/>
+          <a:ext cx="0" cy="0"/>
+          <a:chOff x="0" y="0"/>
+          <a:chExt cx="0" cy="0"/>
+        </a:xfrm>
+      </p:grpSpPr>
+      <p:sp>
+        <p:nvSpPr>
+          <p:cNvPr id="4" name="제목 3">
+            <a:extLst>
+              <a:ext uri="{FF2B5EF4-FFF2-40B4-BE49-F238E27FC236}">
+                <a16:creationId xmlns:a16="http://schemas.microsoft.com/office/drawing/2014/main" id="{AA6C3C0E-F24F-9763-AC2A-545FB7F3873E}"/>
+              </a:ext>
+            </a:extLst>
+          </p:cNvPr>
+          <p:cNvSpPr>
+            <a:spLocks noGrp="1"/>
+          </p:cNvSpPr>
+          <p:nvPr>
+            <p:ph type="ctrTitle"/>
+          </p:nvPr>
+        </p:nvSpPr>
+        <p:spPr/>
+        <p:txBody>
+          <a:bodyPr/>
+          <a:lstStyle/>
+          <a:p>
+            <a:r>
+              <a:rPr lang="ko-KR" altLang="en-US" dirty="0"/>
+              <a:t>구현 실습</a:t>
+            </a:r>
+          </a:p>
+        </p:txBody>
+      </p:sp>
+      <p:sp>
+        <p:nvSpPr>
+          <p:cNvPr id="5" name="부제목 4">
+            <a:extLst>
+              <a:ext uri="{FF2B5EF4-FFF2-40B4-BE49-F238E27FC236}">
+                <a16:creationId xmlns:a16="http://schemas.microsoft.com/office/drawing/2014/main" id="{CAF74D28-A379-C9BB-D8F9-E3B6A7427E89}"/>
+              </a:ext>
+            </a:extLst>
+          </p:cNvPr>
+          <p:cNvSpPr>
+            <a:spLocks noGrp="1"/>
+          </p:cNvSpPr>
+          <p:nvPr>
+            <p:ph type="subTitle" idx="1"/>
+          </p:nvPr>
+        </p:nvSpPr>
+        <p:spPr/>
+        <p:txBody>
+          <a:bodyPr/>
+          <a:lstStyle/>
+          <a:p>
+            <a:pPr marL="0" indent="0" algn="r">
+              <a:buNone/>
+            </a:pPr>
+            <a:r>
+              <a:rPr lang="en-US" altLang="ko-KR" dirty="0"/>
+              <a:t>Distributed Lock</a:t>
+            </a:r>
+            <a:endParaRPr lang="ko-KR" altLang="en-US" dirty="0"/>
+          </a:p>
+        </p:txBody>
+      </p:sp>
+    </p:spTree>
+    <p:extLst>
+      <p:ext uri="{BB962C8B-B14F-4D97-AF65-F5344CB8AC3E}">
+        <p14:creationId xmlns:p14="http://schemas.microsoft.com/office/powerpoint/2010/main" val="4005433968"/>
+      </p:ext>
+    </p:extLst>
+  </p:cSld>
+  <p:clrMapOvr>
+    <a:masterClrMapping/>
+  </p:clrMapOvr>
+</p:sld>
+</file>
+
+<file path=ppt/slides/slide26.xml><?xml version="1.0" encoding="utf-8"?>
+<p:sld xmlns:a="http://schemas.openxmlformats.org/drawingml/2006/main" xmlns:r="http://schemas.openxmlformats.org/officeDocument/2006/relationships" xmlns:p="http://schemas.openxmlformats.org/presentationml/2006/main">
+  <p:cSld>
+    <p:spTree>
+      <p:nvGrpSpPr>
+        <p:cNvPr id="1" name=""/>
+        <p:cNvGrpSpPr/>
+        <p:nvPr/>
+      </p:nvGrpSpPr>
+      <p:grpSpPr>
+        <a:xfrm>
+          <a:off x="0" y="0"/>
+          <a:ext cx="0" cy="0"/>
+          <a:chOff x="0" y="0"/>
+          <a:chExt cx="0" cy="0"/>
+        </a:xfrm>
+      </p:grpSpPr>
+      <p:sp>
+        <p:nvSpPr>
+          <p:cNvPr id="2" name="제목 1">
+            <a:extLst>
+              <a:ext uri="{FF2B5EF4-FFF2-40B4-BE49-F238E27FC236}">
+                <a16:creationId xmlns:a16="http://schemas.microsoft.com/office/drawing/2014/main" id="{D21C1AA9-5E52-3A11-B3B3-447787E29D09}"/>
+              </a:ext>
+            </a:extLst>
+          </p:cNvPr>
+          <p:cNvSpPr>
+            <a:spLocks noGrp="1"/>
+          </p:cNvSpPr>
+          <p:nvPr>
+            <p:ph type="title"/>
+          </p:nvPr>
+        </p:nvSpPr>
+        <p:spPr/>
+        <p:txBody>
+          <a:bodyPr/>
+          <a:lstStyle/>
+          <a:p>
+            <a:r>
+              <a:rPr lang="ko-KR" altLang="en-US" dirty="0"/>
+              <a:t>경합 시나리오</a:t>
+            </a:r>
+          </a:p>
+        </p:txBody>
+      </p:sp>
+      <p:sp>
+        <p:nvSpPr>
+          <p:cNvPr id="7" name="Google Shape;209;p30">
+            <a:extLst>
+              <a:ext uri="{FF2B5EF4-FFF2-40B4-BE49-F238E27FC236}">
+                <a16:creationId xmlns:a16="http://schemas.microsoft.com/office/drawing/2014/main" id="{35F3E219-4EBB-8DE8-0966-E4317399395E}"/>
+              </a:ext>
+            </a:extLst>
+          </p:cNvPr>
+          <p:cNvSpPr/>
+          <p:nvPr/>
+        </p:nvSpPr>
+        <p:spPr>
+          <a:xfrm>
+            <a:off x="7811013" y="528014"/>
+            <a:ext cx="952500" cy="298200"/>
+          </a:xfrm>
+          <a:prstGeom prst="rect">
+            <a:avLst/>
+          </a:prstGeom>
+          <a:noFill/>
+          <a:ln>
+            <a:noFill/>
+          </a:ln>
+        </p:spPr>
+        <p:txBody>
+          <a:bodyPr spcFirstLastPara="1" wrap="square" lIns="19050" tIns="19050" rIns="19050" bIns="19050" anchor="t" anchorCtr="0">
+            <a:noAutofit/>
+          </a:bodyPr>
+          <a:lstStyle/>
+          <a:p>
+            <a:pPr marL="63500" marR="0" lvl="1" indent="0" algn="l" rtl="0">
+              <a:lnSpc>
+                <a:spcPct val="90000"/>
+              </a:lnSpc>
+              <a:spcBef>
+                <a:spcPts val="0"/>
+              </a:spcBef>
+              <a:spcAft>
+                <a:spcPts val="0"/>
+              </a:spcAft>
+              <a:buNone/>
+            </a:pPr>
+            <a:r>
+              <a:rPr lang="en-US" altLang="ko" sz="1200" b="1" i="0" u="none" strike="noStrike" cap="none" dirty="0">
+                <a:solidFill>
+                  <a:schemeClr val="bg1"/>
+                </a:solidFill>
+                <a:latin typeface="Arial"/>
+                <a:ea typeface="Arial"/>
+                <a:cs typeface="Arial"/>
+                <a:sym typeface="Arial"/>
+              </a:rPr>
+              <a:t>9</a:t>
+            </a:r>
+            <a:r>
+              <a:rPr lang="ko" sz="1200" b="1" i="0" u="none" strike="noStrike" cap="none" dirty="0">
+                <a:solidFill>
+                  <a:schemeClr val="bg1"/>
+                </a:solidFill>
+                <a:latin typeface="Arial"/>
+                <a:ea typeface="Arial"/>
+                <a:cs typeface="Arial"/>
+                <a:sym typeface="Arial"/>
+              </a:rPr>
+              <a:t>.</a:t>
+            </a:r>
+            <a:endParaRPr sz="500" dirty="0">
+              <a:solidFill>
+                <a:schemeClr val="bg1"/>
+              </a:solidFill>
+            </a:endParaRPr>
+          </a:p>
+        </p:txBody>
+      </p:sp>
+      <p:sp>
+        <p:nvSpPr>
+          <p:cNvPr id="8" name="Google Shape;210;p30">
+            <a:extLst>
+              <a:ext uri="{FF2B5EF4-FFF2-40B4-BE49-F238E27FC236}">
+                <a16:creationId xmlns:a16="http://schemas.microsoft.com/office/drawing/2014/main" id="{8CB63A74-B5C7-DCAA-53F5-96E44004D694}"/>
+              </a:ext>
+            </a:extLst>
+          </p:cNvPr>
+          <p:cNvSpPr/>
+          <p:nvPr/>
+        </p:nvSpPr>
+        <p:spPr>
+          <a:xfrm>
+            <a:off x="7811013" y="825047"/>
+            <a:ext cx="952500" cy="293400"/>
+          </a:xfrm>
+          <a:prstGeom prst="rect">
+            <a:avLst/>
+          </a:prstGeom>
+          <a:noFill/>
+          <a:ln>
+            <a:noFill/>
+          </a:ln>
+        </p:spPr>
+        <p:txBody>
+          <a:bodyPr spcFirstLastPara="1" wrap="square" lIns="19050" tIns="19050" rIns="19050" bIns="19050" anchor="t" anchorCtr="0">
+            <a:noAutofit/>
+          </a:bodyPr>
+          <a:lstStyle/>
+          <a:p>
+            <a:pPr marL="63500" marR="0" lvl="1" indent="0" algn="l" rtl="0">
+              <a:spcBef>
+                <a:spcPts val="200"/>
+              </a:spcBef>
+              <a:spcAft>
+                <a:spcPts val="0"/>
+              </a:spcAft>
+              <a:buClr>
+                <a:srgbClr val="000000"/>
+              </a:buClr>
+              <a:buFont typeface="Arial"/>
+              <a:buNone/>
+            </a:pPr>
+            <a:r>
+              <a:rPr lang="en-US" sz="800" dirty="0">
+                <a:solidFill>
+                  <a:schemeClr val="bg1"/>
+                </a:solidFill>
+              </a:rPr>
+              <a:t>Lock</a:t>
+            </a:r>
+            <a:endParaRPr sz="800" dirty="0">
+              <a:solidFill>
+                <a:schemeClr val="bg1"/>
+              </a:solidFill>
+            </a:endParaRPr>
+          </a:p>
+        </p:txBody>
+      </p:sp>
+      <p:pic>
+        <p:nvPicPr>
+          <p:cNvPr id="11" name="그림 10">
+            <a:extLst>
+              <a:ext uri="{FF2B5EF4-FFF2-40B4-BE49-F238E27FC236}">
+                <a16:creationId xmlns:a16="http://schemas.microsoft.com/office/drawing/2014/main" id="{5370AF22-F9D9-9F9B-80AD-F65B0788878F}"/>
+              </a:ext>
+            </a:extLst>
+          </p:cNvPr>
+          <p:cNvPicPr>
+            <a:picLocks noChangeAspect="1"/>
+          </p:cNvPicPr>
+          <p:nvPr/>
+        </p:nvPicPr>
+        <p:blipFill>
+          <a:blip r:embed="rId3"/>
+          <a:stretch>
+            <a:fillRect/>
+          </a:stretch>
+        </p:blipFill>
+        <p:spPr>
+          <a:xfrm>
+            <a:off x="1000254" y="1206367"/>
+            <a:ext cx="4592688" cy="3903785"/>
+          </a:xfrm>
+          <a:prstGeom prst="rect">
+            <a:avLst/>
+          </a:prstGeom>
+        </p:spPr>
+      </p:pic>
+      <p:sp>
+        <p:nvSpPr>
+          <p:cNvPr id="3" name="사각형: 둥근 모서리 2">
+            <a:extLst>
+              <a:ext uri="{FF2B5EF4-FFF2-40B4-BE49-F238E27FC236}">
+                <a16:creationId xmlns:a16="http://schemas.microsoft.com/office/drawing/2014/main" id="{73503748-8D0A-74E6-7F4B-4D7C029FB4CB}"/>
+              </a:ext>
+            </a:extLst>
+          </p:cNvPr>
+          <p:cNvSpPr/>
+          <p:nvPr/>
+        </p:nvSpPr>
+        <p:spPr>
+          <a:xfrm>
+            <a:off x="6312877" y="1206368"/>
+            <a:ext cx="967154" cy="358664"/>
+          </a:xfrm>
+          <a:prstGeom prst="roundRect">
+            <a:avLst/>
+          </a:prstGeom>
+          <a:ln>
+            <a:solidFill>
+              <a:srgbClr val="FF0000"/>
+            </a:solidFill>
+          </a:ln>
+        </p:spPr>
+        <p:style>
+          <a:lnRef idx="2">
+            <a:schemeClr val="dk1"/>
+          </a:lnRef>
+          <a:fillRef idx="1">
+            <a:schemeClr val="lt1"/>
+          </a:fillRef>
+          <a:effectRef idx="0">
+            <a:schemeClr val="dk1"/>
+          </a:effectRef>
+          <a:fontRef idx="minor">
+            <a:schemeClr val="dk1"/>
+          </a:fontRef>
+        </p:style>
+        <p:txBody>
+          <a:bodyPr rtlCol="0" anchor="ctr"/>
+          <a:lstStyle/>
+          <a:p>
+            <a:pPr algn="ctr"/>
+            <a:r>
+              <a:rPr lang="en-US" altLang="ko-KR" sz="1200" b="1" dirty="0">
+                <a:solidFill>
+                  <a:srgbClr val="C00000"/>
+                </a:solidFill>
+              </a:rPr>
+              <a:t>Locker</a:t>
+            </a:r>
+            <a:endParaRPr lang="ko-KR" altLang="en-US" sz="1200" b="1" dirty="0">
+              <a:solidFill>
+                <a:srgbClr val="C00000"/>
+              </a:solidFill>
+            </a:endParaRPr>
+          </a:p>
+        </p:txBody>
+      </p:sp>
+      <p:cxnSp>
+        <p:nvCxnSpPr>
+          <p:cNvPr id="5" name="직선 연결선 4">
+            <a:extLst>
+              <a:ext uri="{FF2B5EF4-FFF2-40B4-BE49-F238E27FC236}">
+                <a16:creationId xmlns:a16="http://schemas.microsoft.com/office/drawing/2014/main" id="{F0466F2B-224A-1884-3DBE-DF9B51A0ADAB}"/>
+              </a:ext>
+            </a:extLst>
+          </p:cNvPr>
+          <p:cNvCxnSpPr>
+            <a:stCxn id="3" idx="2"/>
+          </p:cNvCxnSpPr>
+          <p:nvPr/>
+        </p:nvCxnSpPr>
+        <p:spPr>
+          <a:xfrm>
+            <a:off x="6796454" y="1565032"/>
+            <a:ext cx="35169" cy="3545120"/>
+          </a:xfrm>
+          <a:prstGeom prst="line">
+            <a:avLst/>
+          </a:prstGeom>
+          <a:ln>
+            <a:solidFill>
+              <a:srgbClr val="FF0000"/>
+            </a:solidFill>
+          </a:ln>
+        </p:spPr>
+        <p:style>
+          <a:lnRef idx="1">
+            <a:schemeClr val="accent1"/>
+          </a:lnRef>
+          <a:fillRef idx="0">
+            <a:schemeClr val="accent1"/>
+          </a:fillRef>
+          <a:effectRef idx="0">
+            <a:schemeClr val="accent1"/>
+          </a:effectRef>
+          <a:fontRef idx="minor">
+            <a:schemeClr val="tx1"/>
+          </a:fontRef>
+        </p:style>
+      </p:cxnSp>
+      <p:cxnSp>
+        <p:nvCxnSpPr>
+          <p:cNvPr id="9" name="직선 화살표 연결선 8">
+            <a:extLst>
+              <a:ext uri="{FF2B5EF4-FFF2-40B4-BE49-F238E27FC236}">
+                <a16:creationId xmlns:a16="http://schemas.microsoft.com/office/drawing/2014/main" id="{D79C68A5-D3F1-7892-5017-2C170293F9FD}"/>
+              </a:ext>
+            </a:extLst>
+          </p:cNvPr>
+          <p:cNvCxnSpPr/>
+          <p:nvPr/>
+        </p:nvCxnSpPr>
+        <p:spPr>
+          <a:xfrm>
+            <a:off x="1533525" y="2181225"/>
+            <a:ext cx="5298098" cy="0"/>
+          </a:xfrm>
+          <a:prstGeom prst="straightConnector1">
+            <a:avLst/>
+          </a:prstGeom>
+          <a:ln w="28575">
+            <a:solidFill>
+              <a:srgbClr val="FF0000"/>
+            </a:solidFill>
+            <a:tailEnd type="triangle"/>
+          </a:ln>
+        </p:spPr>
+        <p:style>
+          <a:lnRef idx="1">
+            <a:schemeClr val="accent2"/>
+          </a:lnRef>
+          <a:fillRef idx="0">
+            <a:schemeClr val="accent2"/>
+          </a:fillRef>
+          <a:effectRef idx="0">
+            <a:schemeClr val="accent2"/>
+          </a:effectRef>
+          <a:fontRef idx="minor">
+            <a:schemeClr val="tx1"/>
+          </a:fontRef>
+        </p:style>
+      </p:cxnSp>
+      <p:sp>
+        <p:nvSpPr>
+          <p:cNvPr id="10" name="TextBox 9">
+            <a:extLst>
+              <a:ext uri="{FF2B5EF4-FFF2-40B4-BE49-F238E27FC236}">
+                <a16:creationId xmlns:a16="http://schemas.microsoft.com/office/drawing/2014/main" id="{4AA01150-D2C4-D85C-21B6-1A03504E5CF6}"/>
+              </a:ext>
+            </a:extLst>
+          </p:cNvPr>
+          <p:cNvSpPr txBox="1"/>
+          <p:nvPr/>
+        </p:nvSpPr>
+        <p:spPr>
+          <a:xfrm>
+            <a:off x="1533525" y="1904226"/>
+            <a:ext cx="1039323" cy="276999"/>
+          </a:xfrm>
+          <a:prstGeom prst="rect">
+            <a:avLst/>
+          </a:prstGeom>
+          <a:noFill/>
+        </p:spPr>
+        <p:txBody>
+          <a:bodyPr wrap="none" rtlCol="0">
+            <a:spAutoFit/>
+          </a:bodyPr>
+          <a:lstStyle/>
+          <a:p>
+            <a:r>
+              <a:rPr lang="en-US" altLang="ko-KR" sz="1200" dirty="0">
+                <a:solidFill>
+                  <a:srgbClr val="FF0000"/>
+                </a:solidFill>
+              </a:rPr>
+              <a:t>request </a:t>
+            </a:r>
+            <a:r>
+              <a:rPr lang="en-US" altLang="ko-KR" sz="1200" b="1" dirty="0">
+                <a:solidFill>
+                  <a:srgbClr val="FF0000"/>
+                </a:solidFill>
+              </a:rPr>
+              <a:t>LOCK</a:t>
+            </a:r>
+            <a:endParaRPr lang="ko-KR" altLang="en-US" sz="1200" b="1" dirty="0">
+              <a:solidFill>
+                <a:srgbClr val="FF0000"/>
+              </a:solidFill>
+            </a:endParaRPr>
+          </a:p>
+        </p:txBody>
+      </p:sp>
+      <p:cxnSp>
+        <p:nvCxnSpPr>
+          <p:cNvPr id="12" name="직선 화살표 연결선 11">
+            <a:extLst>
+              <a:ext uri="{FF2B5EF4-FFF2-40B4-BE49-F238E27FC236}">
+                <a16:creationId xmlns:a16="http://schemas.microsoft.com/office/drawing/2014/main" id="{F96C246B-EB31-B0B5-D433-DBA90B66F887}"/>
+              </a:ext>
+            </a:extLst>
+          </p:cNvPr>
+          <p:cNvCxnSpPr>
+            <a:cxnSpLocks/>
+          </p:cNvCxnSpPr>
+          <p:nvPr/>
+        </p:nvCxnSpPr>
+        <p:spPr>
+          <a:xfrm>
+            <a:off x="5067300" y="2428875"/>
+            <a:ext cx="1764323" cy="0"/>
+          </a:xfrm>
+          <a:prstGeom prst="straightConnector1">
+            <a:avLst/>
+          </a:prstGeom>
+          <a:ln w="28575">
+            <a:prstDash val="sysDot"/>
+            <a:tailEnd type="triangle"/>
+          </a:ln>
+        </p:spPr>
+        <p:style>
+          <a:lnRef idx="1">
+            <a:schemeClr val="accent2"/>
+          </a:lnRef>
+          <a:fillRef idx="0">
+            <a:schemeClr val="accent2"/>
+          </a:fillRef>
+          <a:effectRef idx="0">
+            <a:schemeClr val="accent2"/>
+          </a:effectRef>
+          <a:fontRef idx="minor">
+            <a:schemeClr val="tx1"/>
+          </a:fontRef>
+        </p:style>
+      </p:cxnSp>
+      <p:sp>
+        <p:nvSpPr>
+          <p:cNvPr id="15" name="TextBox 14">
+            <a:extLst>
+              <a:ext uri="{FF2B5EF4-FFF2-40B4-BE49-F238E27FC236}">
+                <a16:creationId xmlns:a16="http://schemas.microsoft.com/office/drawing/2014/main" id="{7CF3059D-3F3D-D839-FE08-35B0AA683C06}"/>
+              </a:ext>
+            </a:extLst>
+          </p:cNvPr>
+          <p:cNvSpPr txBox="1"/>
+          <p:nvPr/>
+        </p:nvSpPr>
+        <p:spPr>
+          <a:xfrm>
+            <a:off x="5675036" y="2401390"/>
+            <a:ext cx="1039323" cy="276999"/>
+          </a:xfrm>
+          <a:prstGeom prst="rect">
+            <a:avLst/>
+          </a:prstGeom>
+          <a:noFill/>
+        </p:spPr>
+        <p:txBody>
+          <a:bodyPr wrap="none" rtlCol="0">
+            <a:spAutoFit/>
+          </a:bodyPr>
+          <a:lstStyle/>
+          <a:p>
+            <a:r>
+              <a:rPr lang="en-US" altLang="ko-KR" sz="1200" dirty="0">
+                <a:solidFill>
+                  <a:srgbClr val="FF0000"/>
+                </a:solidFill>
+              </a:rPr>
+              <a:t>request </a:t>
+            </a:r>
+            <a:r>
+              <a:rPr lang="en-US" altLang="ko-KR" sz="1200" b="1" dirty="0">
+                <a:solidFill>
+                  <a:srgbClr val="FF0000"/>
+                </a:solidFill>
+              </a:rPr>
+              <a:t>LOCK</a:t>
+            </a:r>
+            <a:endParaRPr lang="ko-KR" altLang="en-US" sz="1200" b="1" dirty="0">
+              <a:solidFill>
+                <a:srgbClr val="FF0000"/>
+              </a:solidFill>
+            </a:endParaRPr>
+          </a:p>
+        </p:txBody>
+      </p:sp>
+    </p:spTree>
+    <p:extLst>
+      <p:ext uri="{BB962C8B-B14F-4D97-AF65-F5344CB8AC3E}">
+        <p14:creationId xmlns:p14="http://schemas.microsoft.com/office/powerpoint/2010/main" val="384597565"/>
       </p:ext>
     </p:extLst>
   </p:cSld>
@@ -4750,7 +6833,7 @@
                   <a:srgbClr val="ED234B"/>
                 </a:solidFill>
               </a:rPr>
-              <a:t>3</a:t>
+              <a:t>2</a:t>
             </a:r>
             <a:r>
               <a:rPr lang="ko" altLang="ko-KR" b="1" dirty="0">
@@ -4762,7 +6845,7 @@
             </a:r>
             <a:r>
               <a:rPr lang="en-US" altLang="ko-KR" dirty="0"/>
-              <a:t>Request payload logging</a:t>
+              <a:t>Error handling</a:t>
             </a:r>
             <a:endParaRPr lang="ko-KR" altLang="en-US" dirty="0"/>
           </a:p>
@@ -4771,7 +6854,7 @@
     </p:spTree>
     <p:extLst>
       <p:ext uri="{BB962C8B-B14F-4D97-AF65-F5344CB8AC3E}">
-        <p14:creationId xmlns:p14="http://schemas.microsoft.com/office/powerpoint/2010/main" val="1440033713"/>
+        <p14:creationId xmlns:p14="http://schemas.microsoft.com/office/powerpoint/2010/main" val="80618887"/>
       </p:ext>
     </p:extLst>
   </p:cSld>
@@ -4800,10 +6883,10 @@
       </p:grpSpPr>
       <p:sp>
         <p:nvSpPr>
-          <p:cNvPr id="2" name="제목 1">
+          <p:cNvPr id="4" name="제목 3">
             <a:extLst>
               <a:ext uri="{FF2B5EF4-FFF2-40B4-BE49-F238E27FC236}">
-                <a16:creationId xmlns:a16="http://schemas.microsoft.com/office/drawing/2014/main" id="{9896B29B-A1AE-E0C6-8543-753E63140B1C}"/>
+                <a16:creationId xmlns:a16="http://schemas.microsoft.com/office/drawing/2014/main" id="{AA6C3C0E-F24F-9763-AC2A-545FB7F3873E}"/>
               </a:ext>
             </a:extLst>
           </p:cNvPr>
@@ -4816,24 +6899,22 @@
         </p:nvSpPr>
         <p:spPr/>
         <p:txBody>
-          <a:bodyPr>
-            <a:normAutofit/>
-          </a:bodyPr>
-          <a:lstStyle/>
-          <a:p>
-            <a:r>
-              <a:rPr lang="ko-KR" altLang="en-US" b="1" dirty="0"/>
-              <a:t>실무형 심화개발</a:t>
-            </a:r>
-          </a:p>
-        </p:txBody>
-      </p:sp>
-      <p:sp>
-        <p:nvSpPr>
-          <p:cNvPr id="4" name="부제목 3">
+          <a:bodyPr/>
+          <a:lstStyle/>
+          <a:p>
+            <a:r>
+              <a:rPr lang="ko-KR" altLang="en-US" dirty="0"/>
+              <a:t>구현 실습</a:t>
+            </a:r>
+          </a:p>
+        </p:txBody>
+      </p:sp>
+      <p:sp>
+        <p:nvSpPr>
+          <p:cNvPr id="5" name="부제목 4">
             <a:extLst>
               <a:ext uri="{FF2B5EF4-FFF2-40B4-BE49-F238E27FC236}">
-                <a16:creationId xmlns:a16="http://schemas.microsoft.com/office/drawing/2014/main" id="{7219E4B9-47F6-C7CA-B046-1256225C3574}"/>
+                <a16:creationId xmlns:a16="http://schemas.microsoft.com/office/drawing/2014/main" id="{CAF74D28-A379-C9BB-D8F9-E3B6A7427E89}"/>
               </a:ext>
             </a:extLst>
           </p:cNvPr>
@@ -4846,42 +6927,27 @@
         </p:nvSpPr>
         <p:spPr/>
         <p:txBody>
-          <a:bodyPr>
-            <a:normAutofit/>
-          </a:bodyPr>
+          <a:bodyPr/>
           <a:lstStyle/>
           <a:p>
             <a:pPr marL="0" indent="0" algn="r">
               <a:buNone/>
             </a:pPr>
             <a:r>
-              <a:rPr lang="en-US" altLang="ko" b="1" dirty="0">
-                <a:solidFill>
-                  <a:srgbClr val="ED234B"/>
-                </a:solidFill>
-              </a:rPr>
-              <a:t>4</a:t>
-            </a:r>
-            <a:r>
-              <a:rPr lang="ko" altLang="ko-KR" b="1" dirty="0">
-                <a:solidFill>
-                  <a:srgbClr val="ED234B"/>
-                </a:solidFill>
-              </a:rPr>
-              <a:t> </a:t>
-            </a:r>
-            <a:r>
-              <a:rPr lang="en-US" altLang="ko-KR" dirty="0" err="1"/>
-              <a:t>WebClient</a:t>
-            </a:r>
-            <a:endParaRPr lang="ko-KR" altLang="en-US" dirty="0"/>
+              <a:rPr lang="en-US" altLang="ko-KR" dirty="0"/>
+              <a:t>Error Handler </a:t>
+            </a:r>
+            <a:r>
+              <a:rPr lang="ko-KR" altLang="en-US" dirty="0"/>
+              <a:t>구현</a:t>
+            </a:r>
           </a:p>
         </p:txBody>
       </p:sp>
     </p:spTree>
     <p:extLst>
       <p:ext uri="{BB962C8B-B14F-4D97-AF65-F5344CB8AC3E}">
-        <p14:creationId xmlns:p14="http://schemas.microsoft.com/office/powerpoint/2010/main" val="100200306"/>
+        <p14:creationId xmlns:p14="http://schemas.microsoft.com/office/powerpoint/2010/main" val="1397940219"/>
       </p:ext>
     </p:extLst>
   </p:cSld>
@@ -4970,7 +7036,7 @@
                   <a:srgbClr val="ED234B"/>
                 </a:solidFill>
               </a:rPr>
-              <a:t>5</a:t>
+              <a:t>3</a:t>
             </a:r>
             <a:r>
               <a:rPr lang="ko" altLang="ko-KR" b="1" dirty="0">
@@ -4982,7 +7048,7 @@
             </a:r>
             <a:r>
               <a:rPr lang="en-US" altLang="ko-KR" dirty="0"/>
-              <a:t>Circuit breaker</a:t>
+              <a:t>Request payload logging</a:t>
             </a:r>
             <a:endParaRPr lang="ko-KR" altLang="en-US" dirty="0"/>
           </a:p>
@@ -4991,7 +7057,7 @@
     </p:spTree>
     <p:extLst>
       <p:ext uri="{BB962C8B-B14F-4D97-AF65-F5344CB8AC3E}">
-        <p14:creationId xmlns:p14="http://schemas.microsoft.com/office/powerpoint/2010/main" val="417457615"/>
+        <p14:creationId xmlns:p14="http://schemas.microsoft.com/office/powerpoint/2010/main" val="1440033713"/>
       </p:ext>
     </p:extLst>
   </p:cSld>
@@ -5020,10 +7086,10 @@
       </p:grpSpPr>
       <p:sp>
         <p:nvSpPr>
-          <p:cNvPr id="2" name="제목 1">
+          <p:cNvPr id="4" name="제목 3">
             <a:extLst>
               <a:ext uri="{FF2B5EF4-FFF2-40B4-BE49-F238E27FC236}">
-                <a16:creationId xmlns:a16="http://schemas.microsoft.com/office/drawing/2014/main" id="{9896B29B-A1AE-E0C6-8543-753E63140B1C}"/>
+                <a16:creationId xmlns:a16="http://schemas.microsoft.com/office/drawing/2014/main" id="{AA6C3C0E-F24F-9763-AC2A-545FB7F3873E}"/>
               </a:ext>
             </a:extLst>
           </p:cNvPr>
@@ -5036,24 +7102,22 @@
         </p:nvSpPr>
         <p:spPr/>
         <p:txBody>
-          <a:bodyPr>
-            <a:normAutofit/>
-          </a:bodyPr>
-          <a:lstStyle/>
-          <a:p>
-            <a:r>
-              <a:rPr lang="ko-KR" altLang="en-US" b="1" dirty="0"/>
-              <a:t>실무형 심화개발</a:t>
-            </a:r>
-          </a:p>
-        </p:txBody>
-      </p:sp>
-      <p:sp>
-        <p:nvSpPr>
-          <p:cNvPr id="4" name="부제목 3">
+          <a:bodyPr/>
+          <a:lstStyle/>
+          <a:p>
+            <a:r>
+              <a:rPr lang="ko-KR" altLang="en-US" dirty="0"/>
+              <a:t>구현 실습</a:t>
+            </a:r>
+          </a:p>
+        </p:txBody>
+      </p:sp>
+      <p:sp>
+        <p:nvSpPr>
+          <p:cNvPr id="5" name="부제목 4">
             <a:extLst>
               <a:ext uri="{FF2B5EF4-FFF2-40B4-BE49-F238E27FC236}">
-                <a16:creationId xmlns:a16="http://schemas.microsoft.com/office/drawing/2014/main" id="{7219E4B9-47F6-C7CA-B046-1256225C3574}"/>
+                <a16:creationId xmlns:a16="http://schemas.microsoft.com/office/drawing/2014/main" id="{CAF74D28-A379-C9BB-D8F9-E3B6A7427E89}"/>
               </a:ext>
             </a:extLst>
           </p:cNvPr>
@@ -5066,33 +7130,23 @@
         </p:nvSpPr>
         <p:spPr/>
         <p:txBody>
-          <a:bodyPr>
-            <a:normAutofit/>
-          </a:bodyPr>
+          <a:bodyPr/>
           <a:lstStyle/>
           <a:p>
             <a:pPr marL="0" indent="0" algn="r">
               <a:buNone/>
             </a:pPr>
             <a:r>
-              <a:rPr lang="en-US" altLang="ko" b="1" dirty="0">
-                <a:solidFill>
-                  <a:srgbClr val="ED234B"/>
-                </a:solidFill>
-              </a:rPr>
-              <a:t>6</a:t>
-            </a:r>
-            <a:r>
-              <a:rPr lang="ko" altLang="ko-KR" b="1" dirty="0">
-                <a:solidFill>
-                  <a:srgbClr val="ED234B"/>
-                </a:solidFill>
-              </a:rPr>
+              <a:rPr lang="en-US" altLang="ko-KR" dirty="0"/>
+              <a:t>Request</a:t>
+            </a:r>
+            <a:r>
+              <a:rPr lang="ko-KR" altLang="en-US" dirty="0"/>
               <a:t> </a:t>
             </a:r>
             <a:r>
               <a:rPr lang="en-US" altLang="ko-KR" dirty="0"/>
-              <a:t>Rate limiter</a:t>
+              <a:t>parameter logging</a:t>
             </a:r>
             <a:endParaRPr lang="ko-KR" altLang="en-US" dirty="0"/>
           </a:p>
@@ -5101,7 +7155,7 @@
     </p:spTree>
     <p:extLst>
       <p:ext uri="{BB962C8B-B14F-4D97-AF65-F5344CB8AC3E}">
-        <p14:creationId xmlns:p14="http://schemas.microsoft.com/office/powerpoint/2010/main" val="234868992"/>
+        <p14:creationId xmlns:p14="http://schemas.microsoft.com/office/powerpoint/2010/main" val="3270282424"/>
       </p:ext>
     </p:extLst>
   </p:cSld>
@@ -5190,7 +7244,7 @@
                   <a:srgbClr val="ED234B"/>
                 </a:solidFill>
               </a:rPr>
-              <a:t>7</a:t>
+              <a:t>4</a:t>
             </a:r>
             <a:r>
               <a:rPr lang="ko" altLang="ko-KR" b="1" dirty="0">
@@ -5201,32 +7255,17 @@
               <a:t> </a:t>
             </a:r>
             <a:r>
-              <a:rPr lang="en-US" altLang="ko-KR" dirty="0"/>
-              <a:t>R2DBC </a:t>
-            </a:r>
-            <a:r>
               <a:rPr lang="en-US" altLang="ko-KR" dirty="0" err="1"/>
-              <a:t>DbClient</a:t>
-            </a:r>
-            <a:r>
-              <a:rPr lang="ko-KR" altLang="en-US" dirty="0"/>
-              <a:t>를 이용한 </a:t>
-            </a:r>
-            <a:r>
-              <a:rPr lang="en-US" altLang="ko-KR" dirty="0"/>
-              <a:t>native query </a:t>
-            </a:r>
-            <a:r>
-              <a:rPr lang="ko-KR" altLang="en-US" dirty="0"/>
-              <a:t>호출</a:t>
-            </a:r>
+              <a:t>WebClient</a:t>
+            </a:r>
+            <a:endParaRPr lang="ko-KR" altLang="en-US" dirty="0"/>
           </a:p>
         </p:txBody>
       </p:sp>
     </p:spTree>
     <p:extLst>
       <p:ext uri="{BB962C8B-B14F-4D97-AF65-F5344CB8AC3E}">
-        <p14:creationId xmlns:p14="http://schemas.microsoft.com/office/powerpoint/2010/main" val="90700437"/>
+        <p14:creationId xmlns:p14="http://schemas.microsoft.com/office/powerpoint/2010/main" val="100200306"/>
       </p:ext>
     </p:extLst>
   </p:cSld>
@@ -5255,10 +7294,10 @@
       </p:grpSpPr>
       <p:sp>
         <p:nvSpPr>
-          <p:cNvPr id="2" name="제목 1">
+          <p:cNvPr id="4" name="제목 3">
             <a:extLst>
               <a:ext uri="{FF2B5EF4-FFF2-40B4-BE49-F238E27FC236}">
-                <a16:creationId xmlns:a16="http://schemas.microsoft.com/office/drawing/2014/main" id="{9896B29B-A1AE-E0C6-8543-753E63140B1C}"/>
+                <a16:creationId xmlns:a16="http://schemas.microsoft.com/office/drawing/2014/main" id="{AA6C3C0E-F24F-9763-AC2A-545FB7F3873E}"/>
               </a:ext>
             </a:extLst>
           </p:cNvPr>
@@ -5271,24 +7310,22 @@
         </p:nvSpPr>
         <p:spPr/>
         <p:txBody>
-          <a:bodyPr>
-            <a:normAutofit/>
-          </a:bodyPr>
-          <a:lstStyle/>
-          <a:p>
-            <a:r>
-              <a:rPr lang="ko-KR" altLang="en-US" b="1" dirty="0"/>
-              <a:t>실무형 심화개발</a:t>
-            </a:r>
-          </a:p>
-        </p:txBody>
-      </p:sp>
-      <p:sp>
-        <p:nvSpPr>
-          <p:cNvPr id="4" name="부제목 3">
+          <a:bodyPr/>
+          <a:lstStyle/>
+          <a:p>
+            <a:r>
+              <a:rPr lang="ko-KR" altLang="en-US" dirty="0"/>
+              <a:t>구현 실습</a:t>
+            </a:r>
+          </a:p>
+        </p:txBody>
+      </p:sp>
+      <p:sp>
+        <p:nvSpPr>
+          <p:cNvPr id="5" name="부제목 4">
             <a:extLst>
               <a:ext uri="{FF2B5EF4-FFF2-40B4-BE49-F238E27FC236}">
-                <a16:creationId xmlns:a16="http://schemas.microsoft.com/office/drawing/2014/main" id="{7219E4B9-47F6-C7CA-B046-1256225C3574}"/>
+                <a16:creationId xmlns:a16="http://schemas.microsoft.com/office/drawing/2014/main" id="{CAF74D28-A379-C9BB-D8F9-E3B6A7427E89}"/>
               </a:ext>
             </a:extLst>
           </p:cNvPr>
@@ -5301,37 +7338,15 @@
         </p:nvSpPr>
         <p:spPr/>
         <p:txBody>
-          <a:bodyPr>
-            <a:normAutofit/>
-          </a:bodyPr>
+          <a:bodyPr/>
           <a:lstStyle/>
           <a:p>
             <a:pPr marL="0" indent="0" algn="r">
               <a:buNone/>
             </a:pPr>
             <a:r>
-              <a:rPr lang="en-US" altLang="ko" b="1" dirty="0">
-                <a:solidFill>
-                  <a:srgbClr val="ED234B"/>
-                </a:solidFill>
-              </a:rPr>
-              <a:t>8</a:t>
-            </a:r>
-            <a:r>
-              <a:rPr lang="ko" altLang="ko-KR" b="1" dirty="0">
-                <a:solidFill>
-                  <a:srgbClr val="ED234B"/>
-                </a:solidFill>
-              </a:rPr>
-              <a:t> </a:t>
-            </a:r>
-            <a:r>
-              <a:rPr lang="en-US" altLang="ko-KR" dirty="0"/>
-              <a:t>Reactive </a:t>
-            </a:r>
-            <a:r>
               <a:rPr lang="en-US" altLang="ko-KR" dirty="0" err="1"/>
-              <a:t>redis</a:t>
+              <a:t>WebClient</a:t>
             </a:r>
             <a:r>
               <a:rPr lang="en-US" altLang="ko-KR" dirty="0"/>
@@ -5339,7 +7354,7 @@
             </a:r>
             <a:r>
               <a:rPr lang="ko-KR" altLang="en-US" dirty="0"/>
-              <a:t>연동</a:t>
+              <a:t>를 이용한 외부 서비스 비동기 호출</a:t>
             </a:r>
           </a:p>
         </p:txBody>
@@ -5347,7 +7362,7 @@
     </p:spTree>
     <p:extLst>
       <p:ext uri="{BB962C8B-B14F-4D97-AF65-F5344CB8AC3E}">
-        <p14:creationId xmlns:p14="http://schemas.microsoft.com/office/powerpoint/2010/main" val="8129757"/>
+        <p14:creationId xmlns:p14="http://schemas.microsoft.com/office/powerpoint/2010/main" val="3454974027"/>
       </p:ext>
     </p:extLst>
   </p:cSld>
@@ -5436,7 +7451,7 @@
                   <a:srgbClr val="ED234B"/>
                 </a:solidFill>
               </a:rPr>
-              <a:t>9</a:t>
+              <a:t>5</a:t>
             </a:r>
             <a:r>
               <a:rPr lang="ko" altLang="ko-KR" b="1" dirty="0">
@@ -5448,19 +7463,16 @@
             </a:r>
             <a:r>
               <a:rPr lang="en-US" altLang="ko-KR" dirty="0"/>
-              <a:t>Redis </a:t>
-            </a:r>
-            <a:r>
-              <a:rPr lang="ko-KR" altLang="en-US" dirty="0"/>
-              <a:t>연산</a:t>
-            </a:r>
+              <a:t>Circuit breaker</a:t>
+            </a:r>
+            <a:endParaRPr lang="ko-KR" altLang="en-US" dirty="0"/>
           </a:p>
         </p:txBody>
       </p:sp>
     </p:spTree>
     <p:extLst>
       <p:ext uri="{BB962C8B-B14F-4D97-AF65-F5344CB8AC3E}">
-        <p14:creationId xmlns:p14="http://schemas.microsoft.com/office/powerpoint/2010/main" val="806260581"/>
+        <p14:creationId xmlns:p14="http://schemas.microsoft.com/office/powerpoint/2010/main" val="417457615"/>
       </p:ext>
     </p:extLst>
   </p:cSld>

--- a/99.ppt/[Ch4-6. 실무형 심화개발.pptx
+++ b/99.ppt/[Ch4-6. 실무형 심화개발.pptx
@@ -5,35 +5,36 @@
     <p:sldMasterId id="2147483665" r:id="rId1"/>
   </p:sldMasterIdLst>
   <p:notesMasterIdLst>
-    <p:notesMasterId r:id="rId28"/>
+    <p:notesMasterId r:id="rId29"/>
   </p:notesMasterIdLst>
   <p:sldIdLst>
     <p:sldId id="256" r:id="rId2"/>
-    <p:sldId id="315" r:id="rId3"/>
-    <p:sldId id="295" r:id="rId4"/>
-    <p:sldId id="316" r:id="rId5"/>
-    <p:sldId id="296" r:id="rId6"/>
-    <p:sldId id="317" r:id="rId7"/>
-    <p:sldId id="297" r:id="rId8"/>
-    <p:sldId id="318" r:id="rId9"/>
-    <p:sldId id="298" r:id="rId10"/>
-    <p:sldId id="319" r:id="rId11"/>
-    <p:sldId id="320" r:id="rId12"/>
-    <p:sldId id="300" r:id="rId13"/>
-    <p:sldId id="321" r:id="rId14"/>
-    <p:sldId id="302" r:id="rId15"/>
-    <p:sldId id="322" r:id="rId16"/>
-    <p:sldId id="323" r:id="rId17"/>
-    <p:sldId id="303" r:id="rId18"/>
-    <p:sldId id="324" r:id="rId19"/>
-    <p:sldId id="325" r:id="rId20"/>
-    <p:sldId id="262" r:id="rId21"/>
-    <p:sldId id="326" r:id="rId22"/>
-    <p:sldId id="330" r:id="rId23"/>
-    <p:sldId id="327" r:id="rId24"/>
-    <p:sldId id="329" r:id="rId25"/>
-    <p:sldId id="328" r:id="rId26"/>
-    <p:sldId id="331" r:id="rId27"/>
+    <p:sldId id="332" r:id="rId3"/>
+    <p:sldId id="315" r:id="rId4"/>
+    <p:sldId id="295" r:id="rId5"/>
+    <p:sldId id="316" r:id="rId6"/>
+    <p:sldId id="296" r:id="rId7"/>
+    <p:sldId id="317" r:id="rId8"/>
+    <p:sldId id="297" r:id="rId9"/>
+    <p:sldId id="318" r:id="rId10"/>
+    <p:sldId id="298" r:id="rId11"/>
+    <p:sldId id="319" r:id="rId12"/>
+    <p:sldId id="320" r:id="rId13"/>
+    <p:sldId id="300" r:id="rId14"/>
+    <p:sldId id="321" r:id="rId15"/>
+    <p:sldId id="302" r:id="rId16"/>
+    <p:sldId id="322" r:id="rId17"/>
+    <p:sldId id="323" r:id="rId18"/>
+    <p:sldId id="303" r:id="rId19"/>
+    <p:sldId id="324" r:id="rId20"/>
+    <p:sldId id="325" r:id="rId21"/>
+    <p:sldId id="262" r:id="rId22"/>
+    <p:sldId id="326" r:id="rId23"/>
+    <p:sldId id="330" r:id="rId24"/>
+    <p:sldId id="327" r:id="rId25"/>
+    <p:sldId id="329" r:id="rId26"/>
+    <p:sldId id="328" r:id="rId27"/>
+    <p:sldId id="331" r:id="rId28"/>
   </p:sldIdLst>
   <p:sldSz cx="9144000" cy="5143500" type="screen16x9"/>
   <p:notesSz cx="6858000" cy="9144000"/>
@@ -236,7 +237,7 @@
           <a:p>
             <a:fld id="{9B770909-2C76-4DF9-BB76-4EE283593418}" type="datetimeFigureOut">
               <a:rPr lang="ko-KR" altLang="en-US" smtClean="0"/>
-              <a:t>2023-09-06</a:t>
+              <a:t>2023-09-12</a:t>
             </a:fld>
             <a:endParaRPr lang="ko-KR" altLang="en-US"/>
           </a:p>
@@ -631,7 +632,7 @@
           <a:bodyPr/>
           <a:lstStyle/>
           <a:p>
-            <a:endParaRPr lang="en-US" altLang="ko-KR" dirty="0"/>
+            <a:endParaRPr lang="ko-KR" altLang="en-US" dirty="0"/>
           </a:p>
         </p:txBody>
       </p:sp>
@@ -661,7 +662,7 @@
     </p:spTree>
     <p:extLst>
       <p:ext uri="{BB962C8B-B14F-4D97-AF65-F5344CB8AC3E}">
-        <p14:creationId xmlns:p14="http://schemas.microsoft.com/office/powerpoint/2010/main" val="1978714165"/>
+        <p14:creationId xmlns:p14="http://schemas.microsoft.com/office/powerpoint/2010/main" val="374484148"/>
       </p:ext>
     </p:extLst>
   </p:cSld>
@@ -736,7 +737,7 @@
           <a:p>
             <a:fld id="{4F243B46-72FF-4656-838A-691B9EB329E3}" type="slidenum">
               <a:rPr lang="ko-KR" altLang="en-US" smtClean="0"/>
-              <a:t>22</a:t>
+              <a:t>21</a:t>
             </a:fld>
             <a:endParaRPr lang="ko-KR" altLang="en-US"/>
           </a:p>
@@ -745,7 +746,7 @@
     </p:spTree>
     <p:extLst>
       <p:ext uri="{BB962C8B-B14F-4D97-AF65-F5344CB8AC3E}">
-        <p14:creationId xmlns:p14="http://schemas.microsoft.com/office/powerpoint/2010/main" val="2907537133"/>
+        <p14:creationId xmlns:p14="http://schemas.microsoft.com/office/powerpoint/2010/main" val="1978714165"/>
       </p:ext>
     </p:extLst>
   </p:cSld>
@@ -820,7 +821,7 @@
           <a:p>
             <a:fld id="{4F243B46-72FF-4656-838A-691B9EB329E3}" type="slidenum">
               <a:rPr lang="ko-KR" altLang="en-US" smtClean="0"/>
-              <a:t>24</a:t>
+              <a:t>23</a:t>
             </a:fld>
             <a:endParaRPr lang="ko-KR" altLang="en-US"/>
           </a:p>
@@ -829,7 +830,7 @@
     </p:spTree>
     <p:extLst>
       <p:ext uri="{BB962C8B-B14F-4D97-AF65-F5344CB8AC3E}">
-        <p14:creationId xmlns:p14="http://schemas.microsoft.com/office/powerpoint/2010/main" val="1989725789"/>
+        <p14:creationId xmlns:p14="http://schemas.microsoft.com/office/powerpoint/2010/main" val="2907537133"/>
       </p:ext>
     </p:extLst>
   </p:cSld>
@@ -904,7 +905,91 @@
           <a:p>
             <a:fld id="{4F243B46-72FF-4656-838A-691B9EB329E3}" type="slidenum">
               <a:rPr lang="ko-KR" altLang="en-US" smtClean="0"/>
-              <a:t>26</a:t>
+              <a:t>25</a:t>
+            </a:fld>
+            <a:endParaRPr lang="ko-KR" altLang="en-US"/>
+          </a:p>
+        </p:txBody>
+      </p:sp>
+    </p:spTree>
+    <p:extLst>
+      <p:ext uri="{BB962C8B-B14F-4D97-AF65-F5344CB8AC3E}">
+        <p14:creationId xmlns:p14="http://schemas.microsoft.com/office/powerpoint/2010/main" val="1989725789"/>
+      </p:ext>
+    </p:extLst>
+  </p:cSld>
+  <p:clrMapOvr>
+    <a:masterClrMapping/>
+  </p:clrMapOvr>
+</p:notes>
+</file>
+
+<file path=ppt/notesSlides/notesSlide14.xml><?xml version="1.0" encoding="utf-8"?>
+<p:notes xmlns:a="http://schemas.openxmlformats.org/drawingml/2006/main" xmlns:r="http://schemas.openxmlformats.org/officeDocument/2006/relationships" xmlns:p="http://schemas.openxmlformats.org/presentationml/2006/main">
+  <p:cSld>
+    <p:spTree>
+      <p:nvGrpSpPr>
+        <p:cNvPr id="1" name=""/>
+        <p:cNvGrpSpPr/>
+        <p:nvPr/>
+      </p:nvGrpSpPr>
+      <p:grpSpPr>
+        <a:xfrm>
+          <a:off x="0" y="0"/>
+          <a:ext cx="0" cy="0"/>
+          <a:chOff x="0" y="0"/>
+          <a:chExt cx="0" cy="0"/>
+        </a:xfrm>
+      </p:grpSpPr>
+      <p:sp>
+        <p:nvSpPr>
+          <p:cNvPr id="2" name="슬라이드 이미지 개체 틀 1"/>
+          <p:cNvSpPr>
+            <a:spLocks noGrp="1" noRot="1" noChangeAspect="1"/>
+          </p:cNvSpPr>
+          <p:nvPr>
+            <p:ph type="sldImg"/>
+          </p:nvPr>
+        </p:nvSpPr>
+        <p:spPr/>
+      </p:sp>
+      <p:sp>
+        <p:nvSpPr>
+          <p:cNvPr id="3" name="슬라이드 노트 개체 틀 2"/>
+          <p:cNvSpPr>
+            <a:spLocks noGrp="1"/>
+          </p:cNvSpPr>
+          <p:nvPr>
+            <p:ph type="body" idx="1"/>
+          </p:nvPr>
+        </p:nvSpPr>
+        <p:spPr/>
+        <p:txBody>
+          <a:bodyPr/>
+          <a:lstStyle/>
+          <a:p>
+            <a:endParaRPr lang="en-US" altLang="ko-KR" dirty="0"/>
+          </a:p>
+        </p:txBody>
+      </p:sp>
+      <p:sp>
+        <p:nvSpPr>
+          <p:cNvPr id="4" name="슬라이드 번호 개체 틀 3"/>
+          <p:cNvSpPr>
+            <a:spLocks noGrp="1"/>
+          </p:cNvSpPr>
+          <p:nvPr>
+            <p:ph type="sldNum" sz="quarter" idx="5"/>
+          </p:nvPr>
+        </p:nvSpPr>
+        <p:spPr/>
+        <p:txBody>
+          <a:bodyPr/>
+          <a:lstStyle/>
+          <a:p>
+            <a:fld id="{4F243B46-72FF-4656-838A-691B9EB329E3}" type="slidenum">
+              <a:rPr lang="ko-KR" altLang="en-US" smtClean="0"/>
+              <a:t>27</a:t>
             </a:fld>
             <a:endParaRPr lang="ko-KR" altLang="en-US"/>
           </a:p>
@@ -967,6 +1052,578 @@
           <a:bodyPr/>
           <a:lstStyle/>
           <a:p>
+            <a:r>
+              <a:rPr lang="ko-KR" altLang="en-US" dirty="0"/>
+              <a:t>저희는 </a:t>
+            </a:r>
+            <a:r>
+              <a:rPr lang="en-US" altLang="ko-KR" dirty="0"/>
+              <a:t>request </a:t>
+            </a:r>
+            <a:r>
+              <a:rPr lang="ko-KR" altLang="en-US" dirty="0"/>
+              <a:t>를 식별하기 위한 고유</a:t>
+            </a:r>
+            <a:r>
+              <a:rPr lang="en-US" altLang="ko-KR" dirty="0"/>
+              <a:t>ID</a:t>
+            </a:r>
+            <a:r>
+              <a:rPr lang="ko-KR" altLang="en-US" dirty="0"/>
+              <a:t>로 </a:t>
+            </a:r>
+            <a:r>
+              <a:rPr lang="en-US" altLang="ko-KR" dirty="0"/>
+              <a:t>UUID </a:t>
+            </a:r>
+            <a:r>
+              <a:rPr lang="ko-KR" altLang="en-US" dirty="0"/>
+              <a:t>를 사용할 예정입니다</a:t>
+            </a:r>
+            <a:r>
+              <a:rPr lang="en-US" altLang="ko-KR" dirty="0"/>
+              <a:t>.</a:t>
+            </a:r>
+          </a:p>
+          <a:p>
+            <a:endParaRPr lang="en-US" altLang="ko-KR" dirty="0"/>
+          </a:p>
+          <a:p>
+            <a:r>
+              <a:rPr lang="en-US" altLang="ko-KR" dirty="0"/>
+              <a:t>UUID</a:t>
+            </a:r>
+            <a:r>
+              <a:rPr lang="ko-KR" altLang="en-US" dirty="0"/>
+              <a:t>는 </a:t>
+            </a:r>
+            <a:r>
+              <a:rPr lang="en-US" altLang="ko-KR" dirty="0"/>
+              <a:t>Universal Unique </a:t>
+            </a:r>
+            <a:r>
+              <a:rPr lang="en-US" altLang="ko-KR" dirty="0" err="1"/>
+              <a:t>IDentifier</a:t>
+            </a:r>
+            <a:r>
+              <a:rPr lang="en-US" altLang="ko-KR" dirty="0"/>
+              <a:t> </a:t>
+            </a:r>
+            <a:r>
+              <a:rPr lang="ko-KR" altLang="en-US" dirty="0"/>
+              <a:t>의 약자로</a:t>
+            </a:r>
+            <a:r>
+              <a:rPr lang="en-US" altLang="ko-KR" dirty="0"/>
+              <a:t>, </a:t>
+            </a:r>
+            <a:r>
+              <a:rPr lang="ko-KR" altLang="en-US" dirty="0"/>
+              <a:t>어느 곳에서도 고유한 </a:t>
+            </a:r>
+            <a:r>
+              <a:rPr lang="en-US" altLang="ko-KR" dirty="0"/>
+              <a:t>ID </a:t>
+            </a:r>
+            <a:r>
+              <a:rPr lang="ko-KR" altLang="en-US" dirty="0"/>
+              <a:t>입니다</a:t>
+            </a:r>
+            <a:r>
+              <a:rPr lang="en-US" altLang="ko-KR" dirty="0"/>
+              <a:t>.</a:t>
+            </a:r>
+          </a:p>
+          <a:p>
+            <a:endParaRPr lang="en-US" altLang="ko-KR" dirty="0"/>
+          </a:p>
+          <a:p>
+            <a:r>
+              <a:rPr lang="en-US" altLang="ko-KR" dirty="0"/>
+              <a:t>8</a:t>
+            </a:r>
+            <a:r>
+              <a:rPr lang="ko-KR" altLang="en-US" dirty="0"/>
+              <a:t>자 </a:t>
+            </a:r>
+            <a:r>
+              <a:rPr lang="en-US" altLang="ko-KR" dirty="0"/>
+              <a:t>– 4</a:t>
+            </a:r>
+            <a:r>
+              <a:rPr lang="ko-KR" altLang="en-US" dirty="0"/>
+              <a:t>자 </a:t>
+            </a:r>
+            <a:r>
+              <a:rPr lang="en-US" altLang="ko-KR" dirty="0"/>
+              <a:t>– 4</a:t>
+            </a:r>
+            <a:r>
+              <a:rPr lang="ko-KR" altLang="en-US" dirty="0"/>
+              <a:t>자 </a:t>
+            </a:r>
+            <a:r>
+              <a:rPr lang="en-US" altLang="ko-KR" dirty="0"/>
+              <a:t>– 4</a:t>
+            </a:r>
+            <a:r>
+              <a:rPr lang="ko-KR" altLang="en-US" dirty="0"/>
+              <a:t>자 </a:t>
+            </a:r>
+            <a:r>
+              <a:rPr lang="en-US" altLang="ko-KR" dirty="0"/>
+              <a:t>- 12</a:t>
+            </a:r>
+            <a:r>
+              <a:rPr lang="ko-KR" altLang="en-US" dirty="0"/>
+              <a:t>자 </a:t>
+            </a:r>
+            <a:r>
+              <a:rPr lang="en-US" altLang="ko-KR" dirty="0"/>
+              <a:t>= </a:t>
+            </a:r>
+            <a:r>
+              <a:rPr lang="ko-KR" altLang="en-US" dirty="0"/>
+              <a:t>총 </a:t>
+            </a:r>
+            <a:r>
+              <a:rPr lang="en-US" altLang="ko-KR" dirty="0"/>
+              <a:t>32</a:t>
+            </a:r>
+            <a:r>
+              <a:rPr lang="ko-KR" altLang="en-US" dirty="0"/>
+              <a:t>자</a:t>
+            </a:r>
+            <a:endParaRPr lang="en-US" altLang="ko-KR" dirty="0"/>
+          </a:p>
+          <a:p>
+            <a:endParaRPr lang="en-US" altLang="ko-KR" dirty="0"/>
+          </a:p>
+          <a:p>
+            <a:r>
+              <a:rPr lang="en-US" altLang="ko-KR" dirty="0"/>
+              <a:t>UUID</a:t>
+            </a:r>
+            <a:r>
+              <a:rPr lang="ko-KR" altLang="en-US" dirty="0"/>
+              <a:t> 는 </a:t>
+            </a:r>
+            <a:r>
+              <a:rPr lang="en-US" altLang="ko-KR" dirty="0"/>
+              <a:t>version 5 </a:t>
+            </a:r>
+            <a:r>
+              <a:rPr lang="ko-KR" altLang="en-US" dirty="0"/>
+              <a:t>까지 있는데</a:t>
+            </a:r>
+            <a:r>
+              <a:rPr lang="en-US" altLang="ko-KR" dirty="0"/>
+              <a:t>, </a:t>
+            </a:r>
+            <a:r>
+              <a:rPr lang="ko-KR" altLang="en-US" dirty="0"/>
+              <a:t>저희는 </a:t>
+            </a:r>
+            <a:r>
+              <a:rPr lang="en-US" altLang="ko-KR" dirty="0"/>
+              <a:t>Java </a:t>
+            </a:r>
+            <a:r>
+              <a:rPr lang="ko-KR" altLang="en-US" dirty="0"/>
+              <a:t>에서 표준으로 제공하는 </a:t>
+            </a:r>
+            <a:r>
+              <a:rPr lang="en-US" altLang="ko-KR" dirty="0"/>
+              <a:t>V4 </a:t>
+            </a:r>
+            <a:r>
+              <a:rPr lang="ko-KR" altLang="en-US" dirty="0"/>
+              <a:t>방식을 사용합니다</a:t>
+            </a:r>
+            <a:r>
+              <a:rPr lang="en-US" altLang="ko-KR" dirty="0"/>
+              <a:t>.</a:t>
+            </a:r>
+          </a:p>
+          <a:p>
+            <a:endParaRPr lang="en-US" altLang="ko-KR" dirty="0"/>
+          </a:p>
+          <a:p>
+            <a:pPr marL="171450" indent="-171450">
+              <a:buFont typeface="Arial" panose="020B0604020202020204" pitchFamily="34" charset="0"/>
+              <a:buChar char="•"/>
+            </a:pPr>
+            <a:r>
+              <a:rPr lang="en-US" altLang="ko-KR" dirty="0"/>
+              <a:t>v1 : timestamp + mac address </a:t>
+            </a:r>
+            <a:r>
+              <a:rPr lang="ko-KR" altLang="en-US" dirty="0"/>
+              <a:t>기반</a:t>
+            </a:r>
+            <a:endParaRPr lang="en-US" altLang="ko-KR" dirty="0"/>
+          </a:p>
+          <a:p>
+            <a:pPr marL="514350" lvl="1" indent="-171450">
+              <a:buFont typeface="Arial" panose="020B0604020202020204" pitchFamily="34" charset="0"/>
+              <a:buChar char="•"/>
+            </a:pPr>
+            <a:r>
+              <a:rPr lang="ko-KR" altLang="en-US" dirty="0"/>
+              <a:t>보안에 취약</a:t>
+            </a:r>
+            <a:endParaRPr lang="en-US" altLang="ko-KR" dirty="0"/>
+          </a:p>
+          <a:p>
+            <a:pPr marL="171450" lvl="0" indent="-171450">
+              <a:buFont typeface="Arial" panose="020B0604020202020204" pitchFamily="34" charset="0"/>
+              <a:buChar char="•"/>
+            </a:pPr>
+            <a:r>
+              <a:rPr lang="en-US" altLang="ko-KR" dirty="0"/>
+              <a:t>v2 : v1</a:t>
+            </a:r>
+            <a:r>
+              <a:rPr lang="ko-KR" altLang="en-US" dirty="0"/>
+              <a:t>과 마찬가지로 </a:t>
+            </a:r>
+            <a:r>
+              <a:rPr lang="en-US" altLang="ko-KR" dirty="0"/>
+              <a:t>timestamp + mac address </a:t>
+            </a:r>
+            <a:r>
+              <a:rPr lang="ko-KR" altLang="en-US" dirty="0"/>
+              <a:t>기반</a:t>
+            </a:r>
+            <a:endParaRPr lang="en-US" altLang="ko-KR" dirty="0"/>
+          </a:p>
+          <a:p>
+            <a:pPr marL="514350" lvl="1" indent="-171450">
+              <a:buFont typeface="Arial" panose="020B0604020202020204" pitchFamily="34" charset="0"/>
+              <a:buChar char="•"/>
+            </a:pPr>
+            <a:r>
+              <a:rPr lang="en-US" altLang="ko-KR" dirty="0"/>
+              <a:t>timestamp </a:t>
+            </a:r>
+            <a:r>
+              <a:rPr lang="ko-KR" altLang="en-US" dirty="0"/>
+              <a:t>필드를 줄이고</a:t>
+            </a:r>
+            <a:r>
+              <a:rPr lang="en-US" altLang="ko-KR" dirty="0"/>
+              <a:t>, Domain/Identifier </a:t>
+            </a:r>
+            <a:r>
+              <a:rPr lang="ko-KR" altLang="en-US" dirty="0"/>
+              <a:t>필드를 추가함</a:t>
+            </a:r>
+            <a:endParaRPr lang="en-US" altLang="ko-KR" dirty="0"/>
+          </a:p>
+          <a:p>
+            <a:pPr marL="514350" lvl="1" indent="-171450">
+              <a:buFont typeface="Arial" panose="020B0604020202020204" pitchFamily="34" charset="0"/>
+              <a:buChar char="•"/>
+            </a:pPr>
+            <a:r>
+              <a:rPr lang="ko-KR" altLang="en-US" dirty="0"/>
+              <a:t>일반적인 </a:t>
+            </a:r>
+            <a:r>
+              <a:rPr lang="en-US" altLang="ko-KR" dirty="0"/>
+              <a:t>UUID</a:t>
+            </a:r>
+            <a:r>
+              <a:rPr lang="ko-KR" altLang="en-US" dirty="0"/>
+              <a:t>가 아니라 </a:t>
+            </a:r>
+            <a:r>
+              <a:rPr lang="en-US" altLang="ko-KR" dirty="0"/>
+              <a:t>DCE (Distributed computing environment) </a:t>
+            </a:r>
+            <a:r>
+              <a:rPr lang="ko-KR" altLang="en-US" dirty="0"/>
+              <a:t>환경을 위한 특수목적 </a:t>
+            </a:r>
+            <a:r>
+              <a:rPr lang="en-US" altLang="ko-KR" dirty="0"/>
+              <a:t>UUID</a:t>
+            </a:r>
+          </a:p>
+          <a:p>
+            <a:pPr marL="171450" marR="0" lvl="0" indent="-171450" algn="l" defTabSz="685800" rtl="0" eaLnBrk="1" fontAlgn="auto" latinLnBrk="1" hangingPunct="1">
+              <a:lnSpc>
+                <a:spcPct val="100000"/>
+              </a:lnSpc>
+              <a:spcBef>
+                <a:spcPts val="0"/>
+              </a:spcBef>
+              <a:spcAft>
+                <a:spcPts val="0"/>
+              </a:spcAft>
+              <a:buClrTx/>
+              <a:buSzTx/>
+              <a:buFont typeface="Arial" panose="020B0604020202020204" pitchFamily="34" charset="0"/>
+              <a:buChar char="•"/>
+              <a:tabLst/>
+              <a:defRPr/>
+            </a:pPr>
+            <a:r>
+              <a:rPr lang="en-US" altLang="ko-KR" dirty="0"/>
+              <a:t>v3 : namespace</a:t>
+            </a:r>
+            <a:r>
+              <a:rPr lang="ko-KR" altLang="en-US" dirty="0"/>
+              <a:t>와 </a:t>
+            </a:r>
+            <a:r>
+              <a:rPr lang="en-US" altLang="ko-KR" dirty="0"/>
+              <a:t>name </a:t>
+            </a:r>
+            <a:r>
+              <a:rPr lang="ko-KR" altLang="en-US" dirty="0"/>
+              <a:t>값을 이용한 </a:t>
+            </a:r>
+            <a:r>
+              <a:rPr lang="en-US" altLang="ko-KR" dirty="0"/>
+              <a:t>MD5 hashing </a:t>
+            </a:r>
+            <a:r>
+              <a:rPr lang="ko-KR" altLang="en-US" dirty="0"/>
+              <a:t>기반</a:t>
+            </a:r>
+            <a:endParaRPr lang="en-US" altLang="ko-KR" dirty="0"/>
+          </a:p>
+          <a:p>
+            <a:pPr marL="514350" marR="0" lvl="1" indent="-171450" algn="l" defTabSz="685800" rtl="0" eaLnBrk="1" fontAlgn="auto" latinLnBrk="1" hangingPunct="1">
+              <a:lnSpc>
+                <a:spcPct val="100000"/>
+              </a:lnSpc>
+              <a:spcBef>
+                <a:spcPts val="0"/>
+              </a:spcBef>
+              <a:spcAft>
+                <a:spcPts val="0"/>
+              </a:spcAft>
+              <a:buClrTx/>
+              <a:buSzTx/>
+              <a:buFont typeface="Arial" panose="020B0604020202020204" pitchFamily="34" charset="0"/>
+              <a:buChar char="•"/>
+              <a:tabLst/>
+              <a:defRPr/>
+            </a:pPr>
+            <a:r>
+              <a:rPr lang="en-US" altLang="ko-KR" dirty="0"/>
+              <a:t>MD5 </a:t>
+            </a:r>
+            <a:r>
+              <a:rPr lang="en-US" altLang="ko-KR" dirty="0" err="1"/>
+              <a:t>hasing</a:t>
+            </a:r>
+            <a:r>
+              <a:rPr lang="en-US" altLang="ko-KR" dirty="0"/>
+              <a:t> </a:t>
+            </a:r>
+            <a:r>
+              <a:rPr lang="ko-KR" altLang="en-US" dirty="0"/>
+              <a:t>알고리즘은 보안취약점을 이용해 </a:t>
+            </a:r>
+            <a:r>
+              <a:rPr lang="en-US" altLang="ko-KR" dirty="0"/>
+              <a:t>reverse hashing</a:t>
+            </a:r>
+            <a:r>
+              <a:rPr lang="ko-KR" altLang="en-US" dirty="0"/>
+              <a:t>이 가능하기 때문에</a:t>
+            </a:r>
+            <a:r>
+              <a:rPr lang="en-US" altLang="ko-KR" dirty="0"/>
+              <a:t>, v3 </a:t>
+            </a:r>
+            <a:r>
+              <a:rPr lang="ko-KR" altLang="en-US" dirty="0"/>
+              <a:t>대신 </a:t>
+            </a:r>
+            <a:r>
+              <a:rPr lang="en-US" altLang="ko-KR" dirty="0"/>
+              <a:t>v5 </a:t>
+            </a:r>
+            <a:r>
+              <a:rPr lang="ko-KR" altLang="en-US" dirty="0"/>
+              <a:t>를 사용함</a:t>
+            </a:r>
+            <a:endParaRPr lang="en-US" altLang="ko-KR" dirty="0"/>
+          </a:p>
+          <a:p>
+            <a:pPr marL="171450" indent="-171450">
+              <a:buFont typeface="Arial" panose="020B0604020202020204" pitchFamily="34" charset="0"/>
+              <a:buChar char="•"/>
+            </a:pPr>
+            <a:r>
+              <a:rPr lang="en-US" altLang="ko-KR" dirty="0"/>
+              <a:t>v5 : namespace</a:t>
+            </a:r>
+            <a:r>
+              <a:rPr lang="ko-KR" altLang="en-US" dirty="0"/>
+              <a:t>와 </a:t>
+            </a:r>
+            <a:r>
+              <a:rPr lang="en-US" altLang="ko-KR" dirty="0"/>
+              <a:t>name </a:t>
+            </a:r>
+            <a:r>
+              <a:rPr lang="ko-KR" altLang="en-US" dirty="0"/>
+              <a:t>값을 이용한 </a:t>
+            </a:r>
+            <a:r>
+              <a:rPr lang="en-US" altLang="ko-KR" dirty="0"/>
+              <a:t>SHA-1 hashing </a:t>
+            </a:r>
+            <a:r>
+              <a:rPr lang="ko-KR" altLang="en-US" dirty="0"/>
+              <a:t>기반</a:t>
+            </a:r>
+            <a:endParaRPr lang="en-US" altLang="ko-KR" dirty="0"/>
+          </a:p>
+          <a:p>
+            <a:pPr marL="171450" indent="-171450">
+              <a:buFont typeface="Arial" panose="020B0604020202020204" pitchFamily="34" charset="0"/>
+              <a:buChar char="•"/>
+            </a:pPr>
+            <a:r>
+              <a:rPr lang="en-US" altLang="ko-KR" dirty="0"/>
+              <a:t>v4 : random </a:t>
+            </a:r>
+            <a:r>
+              <a:rPr lang="ko-KR" altLang="en-US" dirty="0"/>
+              <a:t>값</a:t>
+            </a:r>
+            <a:endParaRPr lang="en-US" altLang="ko-KR" dirty="0"/>
+          </a:p>
+          <a:p>
+            <a:pPr marL="514350" lvl="1" indent="-171450">
+              <a:buFont typeface="Arial" panose="020B0604020202020204" pitchFamily="34" charset="0"/>
+              <a:buChar char="•"/>
+            </a:pPr>
+            <a:r>
+              <a:rPr lang="en-US" altLang="ko-KR" dirty="0"/>
+              <a:t>random</a:t>
+            </a:r>
+            <a:r>
+              <a:rPr lang="ko-KR" altLang="en-US" dirty="0"/>
+              <a:t>한 </a:t>
+            </a:r>
+            <a:r>
+              <a:rPr lang="en-US" altLang="ko-KR" dirty="0"/>
+              <a:t>16 byte</a:t>
+            </a:r>
+            <a:r>
+              <a:rPr lang="ko-KR" altLang="en-US" dirty="0"/>
+              <a:t>를 만듭니다</a:t>
+            </a:r>
+            <a:r>
+              <a:rPr lang="en-US" altLang="ko-KR" dirty="0"/>
+              <a:t>.</a:t>
+            </a:r>
+          </a:p>
+          <a:p>
+            <a:pPr marL="514350" lvl="1" indent="-171450">
+              <a:buFont typeface="Arial" panose="020B0604020202020204" pitchFamily="34" charset="0"/>
+              <a:buChar char="•"/>
+            </a:pPr>
+            <a:r>
+              <a:rPr lang="ko-KR" altLang="en-US" dirty="0"/>
+              <a:t>특정 비트의 값을 항상 변경해줍니다</a:t>
+            </a:r>
+            <a:r>
+              <a:rPr lang="en-US" altLang="ko-KR" dirty="0"/>
+              <a:t>. (RFC-4122 section 4.4)</a:t>
+            </a:r>
+          </a:p>
+          <a:p>
+            <a:pPr marL="514350" lvl="1" indent="-171450">
+              <a:buFont typeface="Arial" panose="020B0604020202020204" pitchFamily="34" charset="0"/>
+              <a:buChar char="•"/>
+            </a:pPr>
+            <a:r>
+              <a:rPr lang="ko-KR" altLang="en-US" dirty="0"/>
+              <a:t>충돌이 날 수 있지만</a:t>
+            </a:r>
+            <a:r>
+              <a:rPr lang="en-US" altLang="ko-KR" dirty="0"/>
+              <a:t>, </a:t>
+            </a:r>
+            <a:r>
+              <a:rPr lang="ko-KR" altLang="en-US" dirty="0"/>
+              <a:t>확률이 </a:t>
+            </a:r>
+            <a:r>
+              <a:rPr lang="en-US" altLang="ko-KR" dirty="0"/>
+              <a:t>0</a:t>
+            </a:r>
+            <a:r>
+              <a:rPr lang="ko-KR" altLang="en-US" dirty="0"/>
+              <a:t>에 수렴</a:t>
+            </a:r>
+            <a:endParaRPr lang="en-US" altLang="ko-KR" dirty="0"/>
+          </a:p>
+          <a:p>
+            <a:pPr marL="857250" lvl="2" indent="-171450">
+              <a:buFont typeface="Arial" panose="020B0604020202020204" pitchFamily="34" charset="0"/>
+              <a:buChar char="•"/>
+            </a:pPr>
+            <a:r>
+              <a:rPr lang="ko-KR" altLang="en-US" dirty="0"/>
+              <a:t>초당 </a:t>
+            </a:r>
+            <a:r>
+              <a:rPr lang="en-US" altLang="ko-KR" dirty="0"/>
+              <a:t>10</a:t>
+            </a:r>
+            <a:r>
+              <a:rPr lang="ko-KR" altLang="en-US" dirty="0" err="1"/>
+              <a:t>억개의</a:t>
+            </a:r>
+            <a:r>
+              <a:rPr lang="ko-KR" altLang="en-US" dirty="0"/>
+              <a:t> </a:t>
+            </a:r>
+            <a:r>
+              <a:rPr lang="en-US" altLang="ko-KR" dirty="0"/>
+              <a:t>UUID</a:t>
+            </a:r>
+            <a:r>
+              <a:rPr lang="ko-KR" altLang="en-US" dirty="0"/>
+              <a:t>를 </a:t>
+            </a:r>
+            <a:r>
+              <a:rPr lang="en-US" altLang="ko-KR" dirty="0"/>
+              <a:t>100</a:t>
+            </a:r>
+            <a:r>
+              <a:rPr lang="ko-KR" altLang="en-US" dirty="0" err="1"/>
+              <a:t>년동안</a:t>
+            </a:r>
+            <a:r>
+              <a:rPr lang="ko-KR" altLang="en-US" dirty="0"/>
+              <a:t> 생성해야 충돌 한 번이 발생할 확률이 </a:t>
+            </a:r>
+            <a:r>
+              <a:rPr lang="en-US" altLang="ko-KR" dirty="0"/>
+              <a:t>50%</a:t>
+            </a:r>
+          </a:p>
+          <a:p>
+            <a:pPr marL="171450" indent="-171450">
+              <a:buFont typeface="Arial" panose="020B0604020202020204" pitchFamily="34" charset="0"/>
+              <a:buChar char="•"/>
+            </a:pPr>
+            <a:endParaRPr lang="en-US" altLang="ko-KR" dirty="0"/>
+          </a:p>
+          <a:p>
+            <a:endParaRPr lang="en-US" altLang="ko-KR" dirty="0"/>
+          </a:p>
+          <a:p>
             <a:endParaRPr lang="ko-KR" altLang="en-US" dirty="0"/>
           </a:p>
         </p:txBody>
@@ -988,7 +1645,7 @@
           <a:p>
             <a:fld id="{4F243B46-72FF-4656-838A-691B9EB329E3}" type="slidenum">
               <a:rPr lang="ko-KR" altLang="en-US" smtClean="0"/>
-              <a:t>3</a:t>
+              <a:t>2</a:t>
             </a:fld>
             <a:endParaRPr lang="ko-KR" altLang="en-US"/>
           </a:p>
@@ -997,7 +1654,7 @@
     </p:spTree>
     <p:extLst>
       <p:ext uri="{BB962C8B-B14F-4D97-AF65-F5344CB8AC3E}">
-        <p14:creationId xmlns:p14="http://schemas.microsoft.com/office/powerpoint/2010/main" val="2344130565"/>
+        <p14:creationId xmlns:p14="http://schemas.microsoft.com/office/powerpoint/2010/main" val="315224424"/>
       </p:ext>
     </p:extLst>
   </p:cSld>
@@ -1072,7 +1729,7 @@
           <a:p>
             <a:fld id="{4F243B46-72FF-4656-838A-691B9EB329E3}" type="slidenum">
               <a:rPr lang="ko-KR" altLang="en-US" smtClean="0"/>
-              <a:t>5</a:t>
+              <a:t>4</a:t>
             </a:fld>
             <a:endParaRPr lang="ko-KR" altLang="en-US"/>
           </a:p>
@@ -1081,7 +1738,7 @@
     </p:spTree>
     <p:extLst>
       <p:ext uri="{BB962C8B-B14F-4D97-AF65-F5344CB8AC3E}">
-        <p14:creationId xmlns:p14="http://schemas.microsoft.com/office/powerpoint/2010/main" val="2583258124"/>
+        <p14:creationId xmlns:p14="http://schemas.microsoft.com/office/powerpoint/2010/main" val="2344130565"/>
       </p:ext>
     </p:extLst>
   </p:cSld>
@@ -1156,7 +1813,7 @@
           <a:p>
             <a:fld id="{4F243B46-72FF-4656-838A-691B9EB329E3}" type="slidenum">
               <a:rPr lang="ko-KR" altLang="en-US" smtClean="0"/>
-              <a:t>7</a:t>
+              <a:t>6</a:t>
             </a:fld>
             <a:endParaRPr lang="ko-KR" altLang="en-US"/>
           </a:p>
@@ -1165,7 +1822,7 @@
     </p:spTree>
     <p:extLst>
       <p:ext uri="{BB962C8B-B14F-4D97-AF65-F5344CB8AC3E}">
-        <p14:creationId xmlns:p14="http://schemas.microsoft.com/office/powerpoint/2010/main" val="2733680233"/>
+        <p14:creationId xmlns:p14="http://schemas.microsoft.com/office/powerpoint/2010/main" val="2583258124"/>
       </p:ext>
     </p:extLst>
   </p:cSld>
@@ -1240,7 +1897,7 @@
           <a:p>
             <a:fld id="{4F243B46-72FF-4656-838A-691B9EB329E3}" type="slidenum">
               <a:rPr lang="ko-KR" altLang="en-US" smtClean="0"/>
-              <a:t>9</a:t>
+              <a:t>8</a:t>
             </a:fld>
             <a:endParaRPr lang="ko-KR" altLang="en-US"/>
           </a:p>
@@ -1249,7 +1906,7 @@
     </p:spTree>
     <p:extLst>
       <p:ext uri="{BB962C8B-B14F-4D97-AF65-F5344CB8AC3E}">
-        <p14:creationId xmlns:p14="http://schemas.microsoft.com/office/powerpoint/2010/main" val="1362453822"/>
+        <p14:creationId xmlns:p14="http://schemas.microsoft.com/office/powerpoint/2010/main" val="2733680233"/>
       </p:ext>
     </p:extLst>
   </p:cSld>
@@ -1324,7 +1981,7 @@
           <a:p>
             <a:fld id="{4F243B46-72FF-4656-838A-691B9EB329E3}" type="slidenum">
               <a:rPr lang="ko-KR" altLang="en-US" smtClean="0"/>
-              <a:t>12</a:t>
+              <a:t>10</a:t>
             </a:fld>
             <a:endParaRPr lang="ko-KR" altLang="en-US"/>
           </a:p>
@@ -1333,7 +1990,7 @@
     </p:spTree>
     <p:extLst>
       <p:ext uri="{BB962C8B-B14F-4D97-AF65-F5344CB8AC3E}">
-        <p14:creationId xmlns:p14="http://schemas.microsoft.com/office/powerpoint/2010/main" val="4107588324"/>
+        <p14:creationId xmlns:p14="http://schemas.microsoft.com/office/powerpoint/2010/main" val="1362453822"/>
       </p:ext>
     </p:extLst>
   </p:cSld>
@@ -1408,7 +2065,7 @@
           <a:p>
             <a:fld id="{4F243B46-72FF-4656-838A-691B9EB329E3}" type="slidenum">
               <a:rPr lang="ko-KR" altLang="en-US" smtClean="0"/>
-              <a:t>14</a:t>
+              <a:t>13</a:t>
             </a:fld>
             <a:endParaRPr lang="ko-KR" altLang="en-US"/>
           </a:p>
@@ -1417,7 +2074,7 @@
     </p:spTree>
     <p:extLst>
       <p:ext uri="{BB962C8B-B14F-4D97-AF65-F5344CB8AC3E}">
-        <p14:creationId xmlns:p14="http://schemas.microsoft.com/office/powerpoint/2010/main" val="1099860314"/>
+        <p14:creationId xmlns:p14="http://schemas.microsoft.com/office/powerpoint/2010/main" val="4107588324"/>
       </p:ext>
     </p:extLst>
   </p:cSld>
@@ -1492,7 +2149,7 @@
           <a:p>
             <a:fld id="{4F243B46-72FF-4656-838A-691B9EB329E3}" type="slidenum">
               <a:rPr lang="ko-KR" altLang="en-US" smtClean="0"/>
-              <a:t>17</a:t>
+              <a:t>15</a:t>
             </a:fld>
             <a:endParaRPr lang="ko-KR" altLang="en-US"/>
           </a:p>
@@ -1501,7 +2158,7 @@
     </p:spTree>
     <p:extLst>
       <p:ext uri="{BB962C8B-B14F-4D97-AF65-F5344CB8AC3E}">
-        <p14:creationId xmlns:p14="http://schemas.microsoft.com/office/powerpoint/2010/main" val="1627911884"/>
+        <p14:creationId xmlns:p14="http://schemas.microsoft.com/office/powerpoint/2010/main" val="1099860314"/>
       </p:ext>
     </p:extLst>
   </p:cSld>
@@ -1576,7 +2233,7 @@
           <a:p>
             <a:fld id="{4F243B46-72FF-4656-838A-691B9EB329E3}" type="slidenum">
               <a:rPr lang="ko-KR" altLang="en-US" smtClean="0"/>
-              <a:t>19</a:t>
+              <a:t>18</a:t>
             </a:fld>
             <a:endParaRPr lang="ko-KR" altLang="en-US"/>
           </a:p>
@@ -1585,7 +2242,7 @@
     </p:spTree>
     <p:extLst>
       <p:ext uri="{BB962C8B-B14F-4D97-AF65-F5344CB8AC3E}">
-        <p14:creationId xmlns:p14="http://schemas.microsoft.com/office/powerpoint/2010/main" val="374484148"/>
+        <p14:creationId xmlns:p14="http://schemas.microsoft.com/office/powerpoint/2010/main" val="1627911884"/>
       </p:ext>
     </p:extLst>
   </p:cSld>
@@ -3809,10 +4466,10 @@
       </p:grpSpPr>
       <p:sp>
         <p:nvSpPr>
-          <p:cNvPr id="4" name="제목 3">
+          <p:cNvPr id="2" name="제목 1">
             <a:extLst>
               <a:ext uri="{FF2B5EF4-FFF2-40B4-BE49-F238E27FC236}">
-                <a16:creationId xmlns:a16="http://schemas.microsoft.com/office/drawing/2014/main" id="{AA6C3C0E-F24F-9763-AC2A-545FB7F3873E}"/>
+                <a16:creationId xmlns:a16="http://schemas.microsoft.com/office/drawing/2014/main" id="{9896B29B-A1AE-E0C6-8543-753E63140B1C}"/>
               </a:ext>
             </a:extLst>
           </p:cNvPr>
@@ -3825,22 +4482,24 @@
         </p:nvSpPr>
         <p:spPr/>
         <p:txBody>
-          <a:bodyPr/>
-          <a:lstStyle/>
-          <a:p>
-            <a:r>
-              <a:rPr lang="ko-KR" altLang="en-US" dirty="0"/>
-              <a:t>구현 실습</a:t>
-            </a:r>
-          </a:p>
-        </p:txBody>
-      </p:sp>
-      <p:sp>
-        <p:nvSpPr>
-          <p:cNvPr id="5" name="부제목 4">
+          <a:bodyPr>
+            <a:normAutofit/>
+          </a:bodyPr>
+          <a:lstStyle/>
+          <a:p>
+            <a:r>
+              <a:rPr lang="ko-KR" altLang="en-US" b="1" dirty="0"/>
+              <a:t>실무형 심화개발</a:t>
+            </a:r>
+          </a:p>
+        </p:txBody>
+      </p:sp>
+      <p:sp>
+        <p:nvSpPr>
+          <p:cNvPr id="4" name="부제목 3">
             <a:extLst>
               <a:ext uri="{FF2B5EF4-FFF2-40B4-BE49-F238E27FC236}">
-                <a16:creationId xmlns:a16="http://schemas.microsoft.com/office/drawing/2014/main" id="{CAF74D28-A379-C9BB-D8F9-E3B6A7427E89}"/>
+                <a16:creationId xmlns:a16="http://schemas.microsoft.com/office/drawing/2014/main" id="{7219E4B9-47F6-C7CA-B046-1256225C3574}"/>
               </a:ext>
             </a:extLst>
           </p:cNvPr>
@@ -3853,15 +4512,33 @@
         </p:nvSpPr>
         <p:spPr/>
         <p:txBody>
-          <a:bodyPr/>
+          <a:bodyPr>
+            <a:normAutofit/>
+          </a:bodyPr>
           <a:lstStyle/>
           <a:p>
             <a:pPr marL="0" indent="0" algn="r">
               <a:buNone/>
             </a:pPr>
             <a:r>
+              <a:rPr lang="en-US" altLang="ko" b="1" dirty="0">
+                <a:solidFill>
+                  <a:srgbClr val="ED234B"/>
+                </a:solidFill>
+              </a:rPr>
+              <a:t>5</a:t>
+            </a:r>
+            <a:r>
+              <a:rPr lang="ko" altLang="ko-KR" b="1" dirty="0">
+                <a:solidFill>
+                  <a:srgbClr val="ED234B"/>
+                </a:solidFill>
+              </a:rPr>
+              <a:t> </a:t>
+            </a:r>
+            <a:r>
               <a:rPr lang="en-US" altLang="ko-KR" dirty="0"/>
-              <a:t>Circuit Breaker</a:t>
+              <a:t>Circuit breaker</a:t>
             </a:r>
             <a:endParaRPr lang="ko-KR" altLang="en-US" dirty="0"/>
           </a:p>
@@ -3870,7 +4547,7 @@
     </p:spTree>
     <p:extLst>
       <p:ext uri="{BB962C8B-B14F-4D97-AF65-F5344CB8AC3E}">
-        <p14:creationId xmlns:p14="http://schemas.microsoft.com/office/powerpoint/2010/main" val="45339774"/>
+        <p14:creationId xmlns:p14="http://schemas.microsoft.com/office/powerpoint/2010/main" val="417457615"/>
       </p:ext>
     </p:extLst>
   </p:cSld>
@@ -3951,7 +4628,7 @@
             </a:pPr>
             <a:r>
               <a:rPr lang="en-US" altLang="ko-KR" dirty="0"/>
-              <a:t>Rate Limiter</a:t>
+              <a:t>Circuit Breaker</a:t>
             </a:r>
             <a:endParaRPr lang="ko-KR" altLang="en-US" dirty="0"/>
           </a:p>
@@ -3960,7 +4637,7 @@
     </p:spTree>
     <p:extLst>
       <p:ext uri="{BB962C8B-B14F-4D97-AF65-F5344CB8AC3E}">
-        <p14:creationId xmlns:p14="http://schemas.microsoft.com/office/powerpoint/2010/main" val="3937206611"/>
+        <p14:creationId xmlns:p14="http://schemas.microsoft.com/office/powerpoint/2010/main" val="45339774"/>
       </p:ext>
     </p:extLst>
   </p:cSld>
@@ -3989,10 +4666,10 @@
       </p:grpSpPr>
       <p:sp>
         <p:nvSpPr>
-          <p:cNvPr id="2" name="제목 1">
+          <p:cNvPr id="4" name="제목 3">
             <a:extLst>
               <a:ext uri="{FF2B5EF4-FFF2-40B4-BE49-F238E27FC236}">
-                <a16:creationId xmlns:a16="http://schemas.microsoft.com/office/drawing/2014/main" id="{9896B29B-A1AE-E0C6-8543-753E63140B1C}"/>
+                <a16:creationId xmlns:a16="http://schemas.microsoft.com/office/drawing/2014/main" id="{AA6C3C0E-F24F-9763-AC2A-545FB7F3873E}"/>
               </a:ext>
             </a:extLst>
           </p:cNvPr>
@@ -4005,24 +4682,22 @@
         </p:nvSpPr>
         <p:spPr/>
         <p:txBody>
-          <a:bodyPr>
-            <a:normAutofit/>
-          </a:bodyPr>
-          <a:lstStyle/>
-          <a:p>
-            <a:r>
-              <a:rPr lang="ko-KR" altLang="en-US" b="1" dirty="0"/>
-              <a:t>실무형 심화개발</a:t>
-            </a:r>
-          </a:p>
-        </p:txBody>
-      </p:sp>
-      <p:sp>
-        <p:nvSpPr>
-          <p:cNvPr id="4" name="부제목 3">
+          <a:bodyPr/>
+          <a:lstStyle/>
+          <a:p>
+            <a:r>
+              <a:rPr lang="ko-KR" altLang="en-US" dirty="0"/>
+              <a:t>구현 실습</a:t>
+            </a:r>
+          </a:p>
+        </p:txBody>
+      </p:sp>
+      <p:sp>
+        <p:nvSpPr>
+          <p:cNvPr id="5" name="부제목 4">
             <a:extLst>
               <a:ext uri="{FF2B5EF4-FFF2-40B4-BE49-F238E27FC236}">
-                <a16:creationId xmlns:a16="http://schemas.microsoft.com/office/drawing/2014/main" id="{7219E4B9-47F6-C7CA-B046-1256225C3574}"/>
+                <a16:creationId xmlns:a16="http://schemas.microsoft.com/office/drawing/2014/main" id="{CAF74D28-A379-C9BB-D8F9-E3B6A7427E89}"/>
               </a:ext>
             </a:extLst>
           </p:cNvPr>
@@ -4035,37 +4710,15 @@
         </p:nvSpPr>
         <p:spPr/>
         <p:txBody>
-          <a:bodyPr>
-            <a:normAutofit/>
-          </a:bodyPr>
+          <a:bodyPr/>
           <a:lstStyle/>
           <a:p>
             <a:pPr marL="0" indent="0" algn="r">
               <a:buNone/>
             </a:pPr>
             <a:r>
-              <a:rPr lang="en-US" altLang="ko" b="1" dirty="0">
-                <a:solidFill>
-                  <a:srgbClr val="ED234B"/>
-                </a:solidFill>
-              </a:rPr>
-              <a:t>6</a:t>
-            </a:r>
-            <a:r>
-              <a:rPr lang="ko" altLang="ko-KR" b="1" dirty="0">
-                <a:solidFill>
-                  <a:srgbClr val="ED234B"/>
-                </a:solidFill>
-              </a:rPr>
-              <a:t> </a:t>
-            </a:r>
-            <a:r>
               <a:rPr lang="en-US" altLang="ko-KR" dirty="0"/>
-              <a:t>R2DBC </a:t>
-            </a:r>
-            <a:r>
-              <a:rPr lang="en-US" altLang="ko-KR" dirty="0" err="1"/>
-              <a:t>DbClient</a:t>
+              <a:t>Rate Limiter</a:t>
             </a:r>
             <a:endParaRPr lang="ko-KR" altLang="en-US" dirty="0"/>
           </a:p>
@@ -4074,7 +4727,7 @@
     </p:spTree>
     <p:extLst>
       <p:ext uri="{BB962C8B-B14F-4D97-AF65-F5344CB8AC3E}">
-        <p14:creationId xmlns:p14="http://schemas.microsoft.com/office/powerpoint/2010/main" val="90700437"/>
+        <p14:creationId xmlns:p14="http://schemas.microsoft.com/office/powerpoint/2010/main" val="3937206611"/>
       </p:ext>
     </p:extLst>
   </p:cSld>
@@ -4103,10 +4756,10 @@
       </p:grpSpPr>
       <p:sp>
         <p:nvSpPr>
-          <p:cNvPr id="4" name="제목 3">
+          <p:cNvPr id="2" name="제목 1">
             <a:extLst>
               <a:ext uri="{FF2B5EF4-FFF2-40B4-BE49-F238E27FC236}">
-                <a16:creationId xmlns:a16="http://schemas.microsoft.com/office/drawing/2014/main" id="{AA6C3C0E-F24F-9763-AC2A-545FB7F3873E}"/>
+                <a16:creationId xmlns:a16="http://schemas.microsoft.com/office/drawing/2014/main" id="{9896B29B-A1AE-E0C6-8543-753E63140B1C}"/>
               </a:ext>
             </a:extLst>
           </p:cNvPr>
@@ -4119,22 +4772,24 @@
         </p:nvSpPr>
         <p:spPr/>
         <p:txBody>
-          <a:bodyPr/>
-          <a:lstStyle/>
-          <a:p>
-            <a:r>
-              <a:rPr lang="ko-KR" altLang="en-US" dirty="0"/>
-              <a:t>구현 실습</a:t>
-            </a:r>
-          </a:p>
-        </p:txBody>
-      </p:sp>
-      <p:sp>
-        <p:nvSpPr>
-          <p:cNvPr id="5" name="부제목 4">
+          <a:bodyPr>
+            <a:normAutofit/>
+          </a:bodyPr>
+          <a:lstStyle/>
+          <a:p>
+            <a:r>
+              <a:rPr lang="ko-KR" altLang="en-US" b="1" dirty="0"/>
+              <a:t>실무형 심화개발</a:t>
+            </a:r>
+          </a:p>
+        </p:txBody>
+      </p:sp>
+      <p:sp>
+        <p:nvSpPr>
+          <p:cNvPr id="4" name="부제목 3">
             <a:extLst>
               <a:ext uri="{FF2B5EF4-FFF2-40B4-BE49-F238E27FC236}">
-                <a16:creationId xmlns:a16="http://schemas.microsoft.com/office/drawing/2014/main" id="{CAF74D28-A379-C9BB-D8F9-E3B6A7427E89}"/>
+                <a16:creationId xmlns:a16="http://schemas.microsoft.com/office/drawing/2014/main" id="{7219E4B9-47F6-C7CA-B046-1256225C3574}"/>
               </a:ext>
             </a:extLst>
           </p:cNvPr>
@@ -4147,35 +4802,46 @@
         </p:nvSpPr>
         <p:spPr/>
         <p:txBody>
-          <a:bodyPr/>
+          <a:bodyPr>
+            <a:normAutofit/>
+          </a:bodyPr>
           <a:lstStyle/>
           <a:p>
             <a:pPr marL="0" indent="0" algn="r">
               <a:buNone/>
             </a:pPr>
             <a:r>
+              <a:rPr lang="en-US" altLang="ko" b="1" dirty="0">
+                <a:solidFill>
+                  <a:srgbClr val="ED234B"/>
+                </a:solidFill>
+              </a:rPr>
+              <a:t>6</a:t>
+            </a:r>
+            <a:r>
+              <a:rPr lang="ko" altLang="ko-KR" b="1" dirty="0">
+                <a:solidFill>
+                  <a:srgbClr val="ED234B"/>
+                </a:solidFill>
+              </a:rPr>
+              <a:t> </a:t>
+            </a:r>
+            <a:r>
+              <a:rPr lang="en-US" altLang="ko-KR" dirty="0"/>
+              <a:t>R2DBC </a:t>
+            </a:r>
+            <a:r>
               <a:rPr lang="en-US" altLang="ko-KR" dirty="0" err="1"/>
               <a:t>DbClient</a:t>
             </a:r>
-            <a:r>
-              <a:rPr lang="ko-KR" altLang="en-US" dirty="0"/>
-              <a:t>를 이용한 </a:t>
-            </a:r>
-            <a:r>
-              <a:rPr lang="en-US" altLang="ko-KR" dirty="0"/>
-              <a:t>native query </a:t>
-            </a:r>
-            <a:r>
-              <a:rPr lang="ko-KR" altLang="en-US" dirty="0"/>
-              <a:t>호출</a:t>
-            </a:r>
+            <a:endParaRPr lang="ko-KR" altLang="en-US" dirty="0"/>
           </a:p>
         </p:txBody>
       </p:sp>
     </p:spTree>
     <p:extLst>
       <p:ext uri="{BB962C8B-B14F-4D97-AF65-F5344CB8AC3E}">
-        <p14:creationId xmlns:p14="http://schemas.microsoft.com/office/powerpoint/2010/main" val="629929442"/>
+        <p14:creationId xmlns:p14="http://schemas.microsoft.com/office/powerpoint/2010/main" val="90700437"/>
       </p:ext>
     </p:extLst>
   </p:cSld>
@@ -4204,10 +4870,10 @@
       </p:grpSpPr>
       <p:sp>
         <p:nvSpPr>
-          <p:cNvPr id="2" name="제목 1">
+          <p:cNvPr id="4" name="제목 3">
             <a:extLst>
               <a:ext uri="{FF2B5EF4-FFF2-40B4-BE49-F238E27FC236}">
-                <a16:creationId xmlns:a16="http://schemas.microsoft.com/office/drawing/2014/main" id="{9896B29B-A1AE-E0C6-8543-753E63140B1C}"/>
+                <a16:creationId xmlns:a16="http://schemas.microsoft.com/office/drawing/2014/main" id="{AA6C3C0E-F24F-9763-AC2A-545FB7F3873E}"/>
               </a:ext>
             </a:extLst>
           </p:cNvPr>
@@ -4220,24 +4886,22 @@
         </p:nvSpPr>
         <p:spPr/>
         <p:txBody>
-          <a:bodyPr>
-            <a:normAutofit/>
-          </a:bodyPr>
-          <a:lstStyle/>
-          <a:p>
-            <a:r>
-              <a:rPr lang="ko-KR" altLang="en-US" b="1" dirty="0"/>
-              <a:t>실무형 심화개발</a:t>
-            </a:r>
-          </a:p>
-        </p:txBody>
-      </p:sp>
-      <p:sp>
-        <p:nvSpPr>
-          <p:cNvPr id="4" name="부제목 3">
+          <a:bodyPr/>
+          <a:lstStyle/>
+          <a:p>
+            <a:r>
+              <a:rPr lang="ko-KR" altLang="en-US" dirty="0"/>
+              <a:t>구현 실습</a:t>
+            </a:r>
+          </a:p>
+        </p:txBody>
+      </p:sp>
+      <p:sp>
+        <p:nvSpPr>
+          <p:cNvPr id="5" name="부제목 4">
             <a:extLst>
               <a:ext uri="{FF2B5EF4-FFF2-40B4-BE49-F238E27FC236}">
-                <a16:creationId xmlns:a16="http://schemas.microsoft.com/office/drawing/2014/main" id="{7219E4B9-47F6-C7CA-B046-1256225C3574}"/>
+                <a16:creationId xmlns:a16="http://schemas.microsoft.com/office/drawing/2014/main" id="{CAF74D28-A379-C9BB-D8F9-E3B6A7427E89}"/>
               </a:ext>
             </a:extLst>
           </p:cNvPr>
@@ -4250,37 +4914,27 @@
         </p:nvSpPr>
         <p:spPr/>
         <p:txBody>
-          <a:bodyPr>
-            <a:normAutofit/>
-          </a:bodyPr>
+          <a:bodyPr/>
           <a:lstStyle/>
           <a:p>
             <a:pPr marL="0" indent="0" algn="r">
               <a:buNone/>
             </a:pPr>
             <a:r>
-              <a:rPr lang="en-US" altLang="ko" b="1" dirty="0">
-                <a:solidFill>
-                  <a:srgbClr val="ED234B"/>
-                </a:solidFill>
-              </a:rPr>
-              <a:t>7</a:t>
-            </a:r>
-            <a:r>
-              <a:rPr lang="ko" altLang="ko-KR" b="1" dirty="0">
-                <a:solidFill>
-                  <a:srgbClr val="ED234B"/>
-                </a:solidFill>
-              </a:rPr>
-              <a:t> </a:t>
+              <a:rPr lang="en-US" altLang="ko-KR" dirty="0" err="1"/>
+              <a:t>DbClient</a:t>
+            </a:r>
+            <a:r>
+              <a:rPr lang="ko-KR" altLang="en-US" dirty="0"/>
+              <a:t>를 이용한 </a:t>
             </a:r>
             <a:r>
               <a:rPr lang="en-US" altLang="ko-KR" dirty="0"/>
-              <a:t>Redis </a:t>
-            </a:r>
-            <a:r>
-              <a:rPr lang="ko-KR" altLang="en-US" dirty="0"/>
-              <a:t>연동</a:t>
+              <a:t>native query </a:t>
+            </a:r>
+            <a:r>
+              <a:rPr lang="ko-KR" altLang="en-US" dirty="0"/>
+              <a:t>호출</a:t>
             </a:r>
           </a:p>
         </p:txBody>
@@ -4288,7 +4942,7 @@
     </p:spTree>
     <p:extLst>
       <p:ext uri="{BB962C8B-B14F-4D97-AF65-F5344CB8AC3E}">
-        <p14:creationId xmlns:p14="http://schemas.microsoft.com/office/powerpoint/2010/main" val="8129757"/>
+        <p14:creationId xmlns:p14="http://schemas.microsoft.com/office/powerpoint/2010/main" val="629929442"/>
       </p:ext>
     </p:extLst>
   </p:cSld>
@@ -4317,10 +4971,10 @@
       </p:grpSpPr>
       <p:sp>
         <p:nvSpPr>
-          <p:cNvPr id="4" name="제목 3">
+          <p:cNvPr id="2" name="제목 1">
             <a:extLst>
               <a:ext uri="{FF2B5EF4-FFF2-40B4-BE49-F238E27FC236}">
-                <a16:creationId xmlns:a16="http://schemas.microsoft.com/office/drawing/2014/main" id="{AA6C3C0E-F24F-9763-AC2A-545FB7F3873E}"/>
+                <a16:creationId xmlns:a16="http://schemas.microsoft.com/office/drawing/2014/main" id="{9896B29B-A1AE-E0C6-8543-753E63140B1C}"/>
               </a:ext>
             </a:extLst>
           </p:cNvPr>
@@ -4333,22 +4987,24 @@
         </p:nvSpPr>
         <p:spPr/>
         <p:txBody>
-          <a:bodyPr/>
-          <a:lstStyle/>
-          <a:p>
-            <a:r>
-              <a:rPr lang="ko-KR" altLang="en-US" dirty="0"/>
-              <a:t>구현 실습</a:t>
-            </a:r>
-          </a:p>
-        </p:txBody>
-      </p:sp>
-      <p:sp>
-        <p:nvSpPr>
-          <p:cNvPr id="5" name="부제목 4">
+          <a:bodyPr>
+            <a:normAutofit/>
+          </a:bodyPr>
+          <a:lstStyle/>
+          <a:p>
+            <a:r>
+              <a:rPr lang="ko-KR" altLang="en-US" b="1" dirty="0"/>
+              <a:t>실무형 심화개발</a:t>
+            </a:r>
+          </a:p>
+        </p:txBody>
+      </p:sp>
+      <p:sp>
+        <p:nvSpPr>
+          <p:cNvPr id="4" name="부제목 3">
             <a:extLst>
               <a:ext uri="{FF2B5EF4-FFF2-40B4-BE49-F238E27FC236}">
-                <a16:creationId xmlns:a16="http://schemas.microsoft.com/office/drawing/2014/main" id="{CAF74D28-A379-C9BB-D8F9-E3B6A7427E89}"/>
+                <a16:creationId xmlns:a16="http://schemas.microsoft.com/office/drawing/2014/main" id="{7219E4B9-47F6-C7CA-B046-1256225C3574}"/>
               </a:ext>
             </a:extLst>
           </p:cNvPr>
@@ -4361,31 +5017,33 @@
         </p:nvSpPr>
         <p:spPr/>
         <p:txBody>
-          <a:bodyPr/>
+          <a:bodyPr>
+            <a:normAutofit/>
+          </a:bodyPr>
           <a:lstStyle/>
           <a:p>
             <a:pPr marL="0" indent="0" algn="r">
               <a:buNone/>
             </a:pPr>
             <a:r>
+              <a:rPr lang="en-US" altLang="ko" b="1" dirty="0">
+                <a:solidFill>
+                  <a:srgbClr val="ED234B"/>
+                </a:solidFill>
+              </a:rPr>
+              <a:t>7</a:t>
+            </a:r>
+            <a:r>
+              <a:rPr lang="ko" altLang="ko-KR" b="1" dirty="0">
+                <a:solidFill>
+                  <a:srgbClr val="ED234B"/>
+                </a:solidFill>
+              </a:rPr>
+              <a:t> </a:t>
+            </a:r>
+            <a:r>
               <a:rPr lang="en-US" altLang="ko-KR" dirty="0"/>
               <a:t>Redis </a:t>
-            </a:r>
-            <a:r>
-              <a:rPr lang="ko-KR" altLang="en-US" dirty="0"/>
-              <a:t>설치 및 </a:t>
-            </a:r>
-            <a:r>
-              <a:rPr lang="en-US" altLang="ko-KR" dirty="0"/>
-              <a:t>Reactive </a:t>
-            </a:r>
-            <a:r>
-              <a:rPr lang="en-US" altLang="ko-KR" dirty="0" err="1"/>
-              <a:t>redis</a:t>
-            </a:r>
-            <a:r>
-              <a:rPr lang="en-US" altLang="ko-KR" dirty="0"/>
-              <a:t> </a:t>
             </a:r>
             <a:r>
               <a:rPr lang="ko-KR" altLang="en-US" dirty="0"/>
@@ -4397,7 +5055,7 @@
     </p:spTree>
     <p:extLst>
       <p:ext uri="{BB962C8B-B14F-4D97-AF65-F5344CB8AC3E}">
-        <p14:creationId xmlns:p14="http://schemas.microsoft.com/office/powerpoint/2010/main" val="2668402119"/>
+        <p14:creationId xmlns:p14="http://schemas.microsoft.com/office/powerpoint/2010/main" val="8129757"/>
       </p:ext>
     </p:extLst>
   </p:cSld>
@@ -4482,7 +5140,23 @@
             </a:r>
             <a:r>
               <a:rPr lang="ko-KR" altLang="en-US" dirty="0"/>
-              <a:t>연산</a:t>
+              <a:t>설치 및 </a:t>
+            </a:r>
+            <a:r>
+              <a:rPr lang="en-US" altLang="ko-KR" dirty="0"/>
+              <a:t>Reactive </a:t>
+            </a:r>
+            <a:r>
+              <a:rPr lang="en-US" altLang="ko-KR" dirty="0" err="1"/>
+              <a:t>redis</a:t>
+            </a:r>
+            <a:r>
+              <a:rPr lang="en-US" altLang="ko-KR" dirty="0"/>
+              <a:t> </a:t>
+            </a:r>
+            <a:r>
+              <a:rPr lang="ko-KR" altLang="en-US" dirty="0"/>
+              <a:t>연동</a:t>
             </a:r>
           </a:p>
         </p:txBody>
@@ -4490,7 +5164,7 @@
     </p:spTree>
     <p:extLst>
       <p:ext uri="{BB962C8B-B14F-4D97-AF65-F5344CB8AC3E}">
-        <p14:creationId xmlns:p14="http://schemas.microsoft.com/office/powerpoint/2010/main" val="660941890"/>
+        <p14:creationId xmlns:p14="http://schemas.microsoft.com/office/powerpoint/2010/main" val="2668402119"/>
       </p:ext>
     </p:extLst>
   </p:cSld>
@@ -4519,10 +5193,10 @@
       </p:grpSpPr>
       <p:sp>
         <p:nvSpPr>
-          <p:cNvPr id="2" name="제목 1">
+          <p:cNvPr id="4" name="제목 3">
             <a:extLst>
               <a:ext uri="{FF2B5EF4-FFF2-40B4-BE49-F238E27FC236}">
-                <a16:creationId xmlns:a16="http://schemas.microsoft.com/office/drawing/2014/main" id="{9896B29B-A1AE-E0C6-8543-753E63140B1C}"/>
+                <a16:creationId xmlns:a16="http://schemas.microsoft.com/office/drawing/2014/main" id="{AA6C3C0E-F24F-9763-AC2A-545FB7F3873E}"/>
               </a:ext>
             </a:extLst>
           </p:cNvPr>
@@ -4535,24 +5209,22 @@
         </p:nvSpPr>
         <p:spPr/>
         <p:txBody>
-          <a:bodyPr>
-            <a:normAutofit/>
-          </a:bodyPr>
-          <a:lstStyle/>
-          <a:p>
-            <a:r>
-              <a:rPr lang="ko-KR" altLang="en-US" b="1" dirty="0"/>
-              <a:t>실무형 심화개발</a:t>
-            </a:r>
-          </a:p>
-        </p:txBody>
-      </p:sp>
-      <p:sp>
-        <p:nvSpPr>
-          <p:cNvPr id="4" name="부제목 3">
+          <a:bodyPr/>
+          <a:lstStyle/>
+          <a:p>
+            <a:r>
+              <a:rPr lang="ko-KR" altLang="en-US" dirty="0"/>
+              <a:t>구현 실습</a:t>
+            </a:r>
+          </a:p>
+        </p:txBody>
+      </p:sp>
+      <p:sp>
+        <p:nvSpPr>
+          <p:cNvPr id="5" name="부제목 4">
             <a:extLst>
               <a:ext uri="{FF2B5EF4-FFF2-40B4-BE49-F238E27FC236}">
-                <a16:creationId xmlns:a16="http://schemas.microsoft.com/office/drawing/2014/main" id="{7219E4B9-47F6-C7CA-B046-1256225C3574}"/>
+                <a16:creationId xmlns:a16="http://schemas.microsoft.com/office/drawing/2014/main" id="{CAF74D28-A379-C9BB-D8F9-E3B6A7427E89}"/>
               </a:ext>
             </a:extLst>
           </p:cNvPr>
@@ -4565,42 +5237,27 @@
         </p:nvSpPr>
         <p:spPr/>
         <p:txBody>
-          <a:bodyPr>
-            <a:normAutofit/>
-          </a:bodyPr>
+          <a:bodyPr/>
           <a:lstStyle/>
           <a:p>
             <a:pPr marL="0" indent="0" algn="r">
               <a:buNone/>
             </a:pPr>
             <a:r>
-              <a:rPr lang="en-US" altLang="ko" b="1" dirty="0">
-                <a:solidFill>
-                  <a:srgbClr val="ED234B"/>
-                </a:solidFill>
-              </a:rPr>
-              <a:t>8</a:t>
-            </a:r>
-            <a:r>
-              <a:rPr lang="ko" altLang="ko-KR" b="1" dirty="0">
-                <a:solidFill>
-                  <a:srgbClr val="ED234B"/>
-                </a:solidFill>
-              </a:rPr>
-              <a:t> </a:t>
-            </a:r>
-            <a:r>
               <a:rPr lang="en-US" altLang="ko-KR" dirty="0"/>
-              <a:t>Cache</a:t>
-            </a:r>
-            <a:endParaRPr lang="ko-KR" altLang="en-US" dirty="0"/>
+              <a:t>Redis </a:t>
+            </a:r>
+            <a:r>
+              <a:rPr lang="ko-KR" altLang="en-US" dirty="0"/>
+              <a:t>연산</a:t>
+            </a:r>
           </a:p>
         </p:txBody>
       </p:sp>
     </p:spTree>
     <p:extLst>
       <p:ext uri="{BB962C8B-B14F-4D97-AF65-F5344CB8AC3E}">
-        <p14:creationId xmlns:p14="http://schemas.microsoft.com/office/powerpoint/2010/main" val="3057315199"/>
+        <p14:creationId xmlns:p14="http://schemas.microsoft.com/office/powerpoint/2010/main" val="660941890"/>
       </p:ext>
     </p:extLst>
   </p:cSld>
@@ -4629,10 +5286,10 @@
       </p:grpSpPr>
       <p:sp>
         <p:nvSpPr>
-          <p:cNvPr id="4" name="제목 3">
+          <p:cNvPr id="2" name="제목 1">
             <a:extLst>
               <a:ext uri="{FF2B5EF4-FFF2-40B4-BE49-F238E27FC236}">
-                <a16:creationId xmlns:a16="http://schemas.microsoft.com/office/drawing/2014/main" id="{AA6C3C0E-F24F-9763-AC2A-545FB7F3873E}"/>
+                <a16:creationId xmlns:a16="http://schemas.microsoft.com/office/drawing/2014/main" id="{9896B29B-A1AE-E0C6-8543-753E63140B1C}"/>
               </a:ext>
             </a:extLst>
           </p:cNvPr>
@@ -4645,22 +5302,24 @@
         </p:nvSpPr>
         <p:spPr/>
         <p:txBody>
-          <a:bodyPr/>
-          <a:lstStyle/>
-          <a:p>
-            <a:r>
-              <a:rPr lang="ko-KR" altLang="en-US" dirty="0"/>
-              <a:t>구현 실습</a:t>
-            </a:r>
-          </a:p>
-        </p:txBody>
-      </p:sp>
-      <p:sp>
-        <p:nvSpPr>
-          <p:cNvPr id="5" name="부제목 4">
+          <a:bodyPr>
+            <a:normAutofit/>
+          </a:bodyPr>
+          <a:lstStyle/>
+          <a:p>
+            <a:r>
+              <a:rPr lang="ko-KR" altLang="en-US" b="1" dirty="0"/>
+              <a:t>실무형 심화개발</a:t>
+            </a:r>
+          </a:p>
+        </p:txBody>
+      </p:sp>
+      <p:sp>
+        <p:nvSpPr>
+          <p:cNvPr id="4" name="부제목 3">
             <a:extLst>
               <a:ext uri="{FF2B5EF4-FFF2-40B4-BE49-F238E27FC236}">
-                <a16:creationId xmlns:a16="http://schemas.microsoft.com/office/drawing/2014/main" id="{CAF74D28-A379-C9BB-D8F9-E3B6A7427E89}"/>
+                <a16:creationId xmlns:a16="http://schemas.microsoft.com/office/drawing/2014/main" id="{7219E4B9-47F6-C7CA-B046-1256225C3574}"/>
               </a:ext>
             </a:extLst>
           </p:cNvPr>
@@ -4673,35 +5332,42 @@
         </p:nvSpPr>
         <p:spPr/>
         <p:txBody>
-          <a:bodyPr/>
+          <a:bodyPr>
+            <a:normAutofit/>
+          </a:bodyPr>
           <a:lstStyle/>
           <a:p>
             <a:pPr marL="0" indent="0" algn="r">
               <a:buNone/>
             </a:pPr>
             <a:r>
-              <a:rPr lang="en-US" altLang="ko-KR" dirty="0" err="1"/>
-              <a:t>ReactiveRedisTemplate</a:t>
-            </a:r>
-            <a:r>
-              <a:rPr lang="ko-KR" altLang="en-US" dirty="0"/>
-              <a:t>을 이용한 </a:t>
+              <a:rPr lang="en-US" altLang="ko" b="1" dirty="0">
+                <a:solidFill>
+                  <a:srgbClr val="ED234B"/>
+                </a:solidFill>
+              </a:rPr>
+              <a:t>8</a:t>
+            </a:r>
+            <a:r>
+              <a:rPr lang="ko" altLang="ko-KR" b="1" dirty="0">
+                <a:solidFill>
+                  <a:srgbClr val="ED234B"/>
+                </a:solidFill>
+              </a:rPr>
+              <a:t> </a:t>
             </a:r>
             <a:r>
               <a:rPr lang="en-US" altLang="ko-KR" dirty="0"/>
-              <a:t>cache </a:t>
-            </a:r>
-            <a:r>
-              <a:rPr lang="ko-KR" altLang="en-US" dirty="0"/>
-              <a:t>구현</a:t>
-            </a:r>
+              <a:t>Cache</a:t>
+            </a:r>
+            <a:endParaRPr lang="ko-KR" altLang="en-US" dirty="0"/>
           </a:p>
         </p:txBody>
       </p:sp>
     </p:spTree>
     <p:extLst>
       <p:ext uri="{BB962C8B-B14F-4D97-AF65-F5344CB8AC3E}">
-        <p14:creationId xmlns:p14="http://schemas.microsoft.com/office/powerpoint/2010/main" val="4043954338"/>
+        <p14:creationId xmlns:p14="http://schemas.microsoft.com/office/powerpoint/2010/main" val="3057315199"/>
       </p:ext>
     </p:extLst>
   </p:cSld>
@@ -4730,10 +5396,10 @@
       </p:grpSpPr>
       <p:sp>
         <p:nvSpPr>
-          <p:cNvPr id="2" name="제목 1">
+          <p:cNvPr id="4" name="제목 3">
             <a:extLst>
               <a:ext uri="{FF2B5EF4-FFF2-40B4-BE49-F238E27FC236}">
-                <a16:creationId xmlns:a16="http://schemas.microsoft.com/office/drawing/2014/main" id="{9896B29B-A1AE-E0C6-8543-753E63140B1C}"/>
+                <a16:creationId xmlns:a16="http://schemas.microsoft.com/office/drawing/2014/main" id="{AA6C3C0E-F24F-9763-AC2A-545FB7F3873E}"/>
               </a:ext>
             </a:extLst>
           </p:cNvPr>
@@ -4746,24 +5412,22 @@
         </p:nvSpPr>
         <p:spPr/>
         <p:txBody>
-          <a:bodyPr>
-            <a:normAutofit/>
-          </a:bodyPr>
-          <a:lstStyle/>
-          <a:p>
-            <a:r>
-              <a:rPr lang="ko-KR" altLang="en-US" b="1" dirty="0"/>
-              <a:t>실무형 심화개발</a:t>
-            </a:r>
-          </a:p>
-        </p:txBody>
-      </p:sp>
-      <p:sp>
-        <p:nvSpPr>
-          <p:cNvPr id="4" name="부제목 3">
+          <a:bodyPr/>
+          <a:lstStyle/>
+          <a:p>
+            <a:r>
+              <a:rPr lang="ko-KR" altLang="en-US" dirty="0"/>
+              <a:t>구현 실습</a:t>
+            </a:r>
+          </a:p>
+        </p:txBody>
+      </p:sp>
+      <p:sp>
+        <p:nvSpPr>
+          <p:cNvPr id="5" name="부제목 4">
             <a:extLst>
               <a:ext uri="{FF2B5EF4-FFF2-40B4-BE49-F238E27FC236}">
-                <a16:creationId xmlns:a16="http://schemas.microsoft.com/office/drawing/2014/main" id="{7219E4B9-47F6-C7CA-B046-1256225C3574}"/>
+                <a16:creationId xmlns:a16="http://schemas.microsoft.com/office/drawing/2014/main" id="{CAF74D28-A379-C9BB-D8F9-E3B6A7427E89}"/>
               </a:ext>
             </a:extLst>
           </p:cNvPr>
@@ -4776,42 +5440,35 @@
         </p:nvSpPr>
         <p:spPr/>
         <p:txBody>
-          <a:bodyPr>
-            <a:normAutofit/>
-          </a:bodyPr>
+          <a:bodyPr/>
           <a:lstStyle/>
           <a:p>
             <a:pPr marL="0" indent="0" algn="r">
               <a:buNone/>
             </a:pPr>
             <a:r>
-              <a:rPr lang="en-US" altLang="ko" b="1" dirty="0">
-                <a:solidFill>
-                  <a:srgbClr val="ED234B"/>
-                </a:solidFill>
-              </a:rPr>
-              <a:t>9</a:t>
-            </a:r>
-            <a:r>
-              <a:rPr lang="ko" altLang="ko-KR" b="1" dirty="0">
-                <a:solidFill>
-                  <a:srgbClr val="ED234B"/>
-                </a:solidFill>
-              </a:rPr>
-              <a:t> </a:t>
+              <a:rPr lang="en-US" altLang="ko-KR" dirty="0" err="1"/>
+              <a:t>ReactiveRedisTemplate</a:t>
+            </a:r>
+            <a:r>
+              <a:rPr lang="ko-KR" altLang="en-US" dirty="0"/>
+              <a:t>을 이용한 </a:t>
             </a:r>
             <a:r>
               <a:rPr lang="en-US" altLang="ko-KR" dirty="0"/>
-              <a:t>Lock</a:t>
-            </a:r>
-            <a:endParaRPr lang="ko-KR" altLang="en-US" dirty="0"/>
+              <a:t>cache </a:t>
+            </a:r>
+            <a:r>
+              <a:rPr lang="ko-KR" altLang="en-US" dirty="0"/>
+              <a:t>구현</a:t>
+            </a:r>
           </a:p>
         </p:txBody>
       </p:sp>
     </p:spTree>
     <p:extLst>
       <p:ext uri="{BB962C8B-B14F-4D97-AF65-F5344CB8AC3E}">
-        <p14:creationId xmlns:p14="http://schemas.microsoft.com/office/powerpoint/2010/main" val="3858577277"/>
+        <p14:creationId xmlns:p14="http://schemas.microsoft.com/office/powerpoint/2010/main" val="4043954338"/>
       </p:ext>
     </p:extLst>
   </p:cSld>
@@ -4843,7 +5500,7 @@
           <p:cNvPr id="4" name="제목 3">
             <a:extLst>
               <a:ext uri="{FF2B5EF4-FFF2-40B4-BE49-F238E27FC236}">
-                <a16:creationId xmlns:a16="http://schemas.microsoft.com/office/drawing/2014/main" id="{AA6C3C0E-F24F-9763-AC2A-545FB7F3873E}"/>
+                <a16:creationId xmlns:a16="http://schemas.microsoft.com/office/drawing/2014/main" id="{BDDC04C9-30B7-E09B-C770-06D6DCE208EF}"/>
               </a:ext>
             </a:extLst>
           </p:cNvPr>
@@ -4851,27 +5508,33 @@
             <a:spLocks noGrp="1"/>
           </p:cNvSpPr>
           <p:nvPr>
-            <p:ph type="ctrTitle"/>
-          </p:nvPr>
-        </p:nvSpPr>
-        <p:spPr/>
+            <p:ph type="title"/>
+          </p:nvPr>
+        </p:nvSpPr>
+        <p:spPr>
+          <a:xfrm>
+            <a:off x="628650" y="581030"/>
+            <a:ext cx="6915150" cy="433387"/>
+          </a:xfrm>
+        </p:spPr>
         <p:txBody>
           <a:bodyPr/>
           <a:lstStyle/>
           <a:p>
             <a:r>
-              <a:rPr lang="ko-KR" altLang="en-US" dirty="0"/>
-              <a:t>구현 실습</a:t>
-            </a:r>
-          </a:p>
-        </p:txBody>
-      </p:sp>
-      <p:sp>
-        <p:nvSpPr>
-          <p:cNvPr id="5" name="부제목 4">
+              <a:rPr lang="en-US" altLang="ko-KR" dirty="0"/>
+              <a:t>UUID</a:t>
+            </a:r>
+            <a:endParaRPr lang="ko-KR" altLang="en-US" dirty="0"/>
+          </a:p>
+        </p:txBody>
+      </p:sp>
+      <p:sp>
+        <p:nvSpPr>
+          <p:cNvPr id="5" name="내용 개체 틀 4">
             <a:extLst>
               <a:ext uri="{FF2B5EF4-FFF2-40B4-BE49-F238E27FC236}">
-                <a16:creationId xmlns:a16="http://schemas.microsoft.com/office/drawing/2014/main" id="{CAF74D28-A379-C9BB-D8F9-E3B6A7427E89}"/>
+                <a16:creationId xmlns:a16="http://schemas.microsoft.com/office/drawing/2014/main" id="{9D0E1818-6C4A-FCDA-99D6-FEFDB277D7E4}"/>
               </a:ext>
             </a:extLst>
           </p:cNvPr>
@@ -4879,7 +5542,7 @@
             <a:spLocks noGrp="1"/>
           </p:cNvSpPr>
           <p:nvPr>
-            <p:ph type="subTitle" idx="1"/>
+            <p:ph idx="1"/>
           </p:nvPr>
         </p:nvSpPr>
         <p:spPr/>
@@ -4887,16 +5550,465 @@
           <a:bodyPr/>
           <a:lstStyle/>
           <a:p>
-            <a:pPr marL="0" indent="0" algn="r">
+            <a:pPr marL="0" indent="0">
               <a:buNone/>
             </a:pPr>
             <a:r>
               <a:rPr lang="en-US" altLang="ko-KR" dirty="0"/>
-              <a:t>Trace ID logging </a:t>
-            </a:r>
-            <a:r>
-              <a:rPr lang="ko-KR" altLang="en-US" dirty="0"/>
-              <a:t>구현</a:t>
+              <a:t>UUID (U</a:t>
+            </a:r>
+            <a:r>
+              <a:rPr lang="en-US" altLang="ko-KR" dirty="0">
+                <a:solidFill>
+                  <a:schemeClr val="bg1">
+                    <a:lumMod val="75000"/>
+                  </a:schemeClr>
+                </a:solidFill>
+              </a:rPr>
+              <a:t>niversal</a:t>
+            </a:r>
+            <a:r>
+              <a:rPr lang="en-US" altLang="ko-KR" dirty="0"/>
+              <a:t> U</a:t>
+            </a:r>
+            <a:r>
+              <a:rPr lang="en-US" altLang="ko-KR" dirty="0">
+                <a:solidFill>
+                  <a:schemeClr val="bg1">
+                    <a:lumMod val="75000"/>
+                  </a:schemeClr>
+                </a:solidFill>
+              </a:rPr>
+              <a:t>nique</a:t>
+            </a:r>
+            <a:r>
+              <a:rPr lang="en-US" altLang="ko-KR" dirty="0"/>
+              <a:t> </a:t>
+            </a:r>
+            <a:r>
+              <a:rPr lang="en-US" altLang="ko-KR" dirty="0" err="1"/>
+              <a:t>ID</a:t>
+            </a:r>
+            <a:r>
+              <a:rPr lang="en-US" altLang="ko-KR" dirty="0" err="1">
+                <a:solidFill>
+                  <a:schemeClr val="bg1">
+                    <a:lumMod val="75000"/>
+                  </a:schemeClr>
+                </a:solidFill>
+              </a:rPr>
+              <a:t>entifier</a:t>
+            </a:r>
+            <a:r>
+              <a:rPr lang="en-US" altLang="ko-KR" dirty="0"/>
+              <a:t>)</a:t>
+            </a:r>
+          </a:p>
+          <a:p>
+            <a:pPr lvl="1"/>
+            <a:r>
+              <a:rPr lang="en-US" altLang="ko-KR" dirty="0"/>
+              <a:t>v4</a:t>
+            </a:r>
+          </a:p>
+          <a:p>
+            <a:pPr lvl="2"/>
+            <a:endParaRPr lang="en-US" altLang="ko-KR" dirty="0"/>
+          </a:p>
+          <a:p>
+            <a:pPr marL="342900" lvl="1" indent="0">
+              <a:buNone/>
+            </a:pPr>
+            <a:r>
+              <a:rPr lang="en-US" altLang="ko-KR" sz="2800" dirty="0">
+                <a:solidFill>
+                  <a:schemeClr val="accent1"/>
+                </a:solidFill>
+              </a:rPr>
+              <a:t>58b5dbdb</a:t>
+            </a:r>
+            <a:r>
+              <a:rPr lang="en-US" altLang="ko-KR" sz="2800" dirty="0"/>
+              <a:t>-</a:t>
+            </a:r>
+            <a:r>
+              <a:rPr lang="en-US" altLang="ko-KR" sz="2800" dirty="0">
+                <a:solidFill>
+                  <a:srgbClr val="DA2ADE"/>
+                </a:solidFill>
+              </a:rPr>
+              <a:t>71c4</a:t>
+            </a:r>
+            <a:r>
+              <a:rPr lang="en-US" altLang="ko-KR" sz="2800" dirty="0"/>
+              <a:t>-</a:t>
+            </a:r>
+            <a:r>
+              <a:rPr lang="en-US" altLang="ko-KR" sz="2800" dirty="0">
+                <a:solidFill>
+                  <a:schemeClr val="accent6">
+                    <a:lumMod val="75000"/>
+                  </a:schemeClr>
+                </a:solidFill>
+              </a:rPr>
+              <a:t>4874</a:t>
+            </a:r>
+            <a:r>
+              <a:rPr lang="en-US" altLang="ko-KR" sz="2800" dirty="0"/>
+              <a:t>-</a:t>
+            </a:r>
+            <a:r>
+              <a:rPr lang="en-US" altLang="ko-KR" sz="2800" dirty="0">
+                <a:solidFill>
+                  <a:srgbClr val="C00000"/>
+                </a:solidFill>
+              </a:rPr>
+              <a:t>9412</a:t>
+            </a:r>
+            <a:r>
+              <a:rPr lang="en-US" altLang="ko-KR" sz="2800" dirty="0"/>
+              <a:t>-</a:t>
+            </a:r>
+            <a:r>
+              <a:rPr lang="en-US" altLang="ko-KR" sz="2800" dirty="0">
+                <a:solidFill>
+                  <a:srgbClr val="7030A0"/>
+                </a:solidFill>
+              </a:rPr>
+              <a:t>ac47ca0ecb7c</a:t>
+            </a:r>
+          </a:p>
+        </p:txBody>
+      </p:sp>
+      <p:sp>
+        <p:nvSpPr>
+          <p:cNvPr id="6" name="Google Shape;209;p30">
+            <a:extLst>
+              <a:ext uri="{FF2B5EF4-FFF2-40B4-BE49-F238E27FC236}">
+                <a16:creationId xmlns:a16="http://schemas.microsoft.com/office/drawing/2014/main" id="{BEF45BA4-E8C5-733F-55F2-CDF231C4EBFB}"/>
+              </a:ext>
+            </a:extLst>
+          </p:cNvPr>
+          <p:cNvSpPr/>
+          <p:nvPr/>
+        </p:nvSpPr>
+        <p:spPr>
+          <a:xfrm>
+            <a:off x="7811013" y="528014"/>
+            <a:ext cx="952500" cy="298200"/>
+          </a:xfrm>
+          <a:prstGeom prst="rect">
+            <a:avLst/>
+          </a:prstGeom>
+          <a:noFill/>
+          <a:ln>
+            <a:noFill/>
+          </a:ln>
+        </p:spPr>
+        <p:txBody>
+          <a:bodyPr spcFirstLastPara="1" wrap="square" lIns="19050" tIns="19050" rIns="19050" bIns="19050" anchor="t" anchorCtr="0">
+            <a:noAutofit/>
+          </a:bodyPr>
+          <a:lstStyle/>
+          <a:p>
+            <a:pPr marL="63500" marR="0" lvl="1" indent="0" algn="l" rtl="0">
+              <a:lnSpc>
+                <a:spcPct val="90000"/>
+              </a:lnSpc>
+              <a:spcBef>
+                <a:spcPts val="0"/>
+              </a:spcBef>
+              <a:spcAft>
+                <a:spcPts val="0"/>
+              </a:spcAft>
+              <a:buNone/>
+            </a:pPr>
+            <a:r>
+              <a:rPr lang="en-US" altLang="ko" sz="1200" b="1" dirty="0">
+                <a:solidFill>
+                  <a:schemeClr val="bg1"/>
+                </a:solidFill>
+                <a:latin typeface="Arial"/>
+                <a:ea typeface="Arial"/>
+                <a:cs typeface="Arial"/>
+                <a:sym typeface="Arial"/>
+              </a:rPr>
+              <a:t>1</a:t>
+            </a:r>
+            <a:r>
+              <a:rPr lang="ko" sz="1200" b="1" i="0" u="none" strike="noStrike" cap="none" dirty="0">
+                <a:solidFill>
+                  <a:schemeClr val="bg1"/>
+                </a:solidFill>
+                <a:latin typeface="Arial"/>
+                <a:ea typeface="Arial"/>
+                <a:cs typeface="Arial"/>
+                <a:sym typeface="Arial"/>
+              </a:rPr>
+              <a:t>.</a:t>
+            </a:r>
+            <a:endParaRPr sz="500" dirty="0">
+              <a:solidFill>
+                <a:schemeClr val="bg1"/>
+              </a:solidFill>
+            </a:endParaRPr>
+          </a:p>
+        </p:txBody>
+      </p:sp>
+      <p:sp>
+        <p:nvSpPr>
+          <p:cNvPr id="7" name="Google Shape;210;p30">
+            <a:extLst>
+              <a:ext uri="{FF2B5EF4-FFF2-40B4-BE49-F238E27FC236}">
+                <a16:creationId xmlns:a16="http://schemas.microsoft.com/office/drawing/2014/main" id="{DA62B929-65C8-9F20-D312-E70F2759AF7B}"/>
+              </a:ext>
+            </a:extLst>
+          </p:cNvPr>
+          <p:cNvSpPr/>
+          <p:nvPr/>
+        </p:nvSpPr>
+        <p:spPr>
+          <a:xfrm>
+            <a:off x="7811013" y="825047"/>
+            <a:ext cx="952500" cy="293400"/>
+          </a:xfrm>
+          <a:prstGeom prst="rect">
+            <a:avLst/>
+          </a:prstGeom>
+          <a:noFill/>
+          <a:ln>
+            <a:noFill/>
+          </a:ln>
+        </p:spPr>
+        <p:txBody>
+          <a:bodyPr spcFirstLastPara="1" wrap="square" lIns="19050" tIns="19050" rIns="19050" bIns="19050" anchor="t" anchorCtr="0">
+            <a:noAutofit/>
+          </a:bodyPr>
+          <a:lstStyle/>
+          <a:p>
+            <a:pPr marL="63500" marR="0" lvl="1" indent="0" algn="l" rtl="0">
+              <a:spcBef>
+                <a:spcPts val="200"/>
+              </a:spcBef>
+              <a:spcAft>
+                <a:spcPts val="0"/>
+              </a:spcAft>
+              <a:buClr>
+                <a:srgbClr val="000000"/>
+              </a:buClr>
+              <a:buFont typeface="Arial"/>
+              <a:buNone/>
+            </a:pPr>
+            <a:r>
+              <a:rPr lang="en-US" sz="800" dirty="0">
+                <a:solidFill>
+                  <a:schemeClr val="bg1"/>
+                </a:solidFill>
+              </a:rPr>
+              <a:t>Trace ID Logging</a:t>
+            </a:r>
+            <a:endParaRPr sz="800" dirty="0">
+              <a:solidFill>
+                <a:schemeClr val="bg1"/>
+              </a:solidFill>
+            </a:endParaRPr>
+          </a:p>
+        </p:txBody>
+      </p:sp>
+      <p:sp>
+        <p:nvSpPr>
+          <p:cNvPr id="9" name="사각형: 둥근 모서리 8">
+            <a:extLst>
+              <a:ext uri="{FF2B5EF4-FFF2-40B4-BE49-F238E27FC236}">
+                <a16:creationId xmlns:a16="http://schemas.microsoft.com/office/drawing/2014/main" id="{F2A539DF-E00D-4812-C043-154505F5F3A8}"/>
+              </a:ext>
+            </a:extLst>
+          </p:cNvPr>
+          <p:cNvSpPr/>
+          <p:nvPr/>
+        </p:nvSpPr>
+        <p:spPr>
+          <a:xfrm>
+            <a:off x="3943349" y="2672135"/>
+            <a:ext cx="228601" cy="589817"/>
+          </a:xfrm>
+          <a:prstGeom prst="roundRect">
+            <a:avLst/>
+          </a:prstGeom>
+          <a:noFill/>
+          <a:ln w="28575">
+            <a:solidFill>
+              <a:srgbClr val="FF0000"/>
+            </a:solidFill>
+          </a:ln>
+        </p:spPr>
+        <p:style>
+          <a:lnRef idx="2">
+            <a:schemeClr val="accent1">
+              <a:shade val="15000"/>
+            </a:schemeClr>
+          </a:lnRef>
+          <a:fillRef idx="1">
+            <a:schemeClr val="accent1"/>
+          </a:fillRef>
+          <a:effectRef idx="0">
+            <a:schemeClr val="accent1"/>
+          </a:effectRef>
+          <a:fontRef idx="minor">
+            <a:schemeClr val="lt1"/>
+          </a:fontRef>
+        </p:style>
+        <p:txBody>
+          <a:bodyPr rtlCol="0" anchor="ctr"/>
+          <a:lstStyle/>
+          <a:p>
+            <a:pPr algn="ctr"/>
+            <a:endParaRPr lang="ko-KR" altLang="en-US"/>
+          </a:p>
+        </p:txBody>
+      </p:sp>
+      <p:sp>
+        <p:nvSpPr>
+          <p:cNvPr id="10" name="사각형: 둥근 모서리 9">
+            <a:extLst>
+              <a:ext uri="{FF2B5EF4-FFF2-40B4-BE49-F238E27FC236}">
+                <a16:creationId xmlns:a16="http://schemas.microsoft.com/office/drawing/2014/main" id="{D79F2C64-5BAE-B21B-5983-C6C93B7242A7}"/>
+              </a:ext>
+            </a:extLst>
+          </p:cNvPr>
+          <p:cNvSpPr/>
+          <p:nvPr/>
+        </p:nvSpPr>
+        <p:spPr>
+          <a:xfrm>
+            <a:off x="4957762" y="2672134"/>
+            <a:ext cx="228601" cy="589817"/>
+          </a:xfrm>
+          <a:prstGeom prst="roundRect">
+            <a:avLst/>
+          </a:prstGeom>
+          <a:noFill/>
+          <a:ln w="28575">
+            <a:solidFill>
+              <a:srgbClr val="FF0000"/>
+            </a:solidFill>
+          </a:ln>
+        </p:spPr>
+        <p:style>
+          <a:lnRef idx="2">
+            <a:schemeClr val="accent1">
+              <a:shade val="15000"/>
+            </a:schemeClr>
+          </a:lnRef>
+          <a:fillRef idx="1">
+            <a:schemeClr val="accent1"/>
+          </a:fillRef>
+          <a:effectRef idx="0">
+            <a:schemeClr val="accent1"/>
+          </a:effectRef>
+          <a:fontRef idx="minor">
+            <a:schemeClr val="lt1"/>
+          </a:fontRef>
+        </p:style>
+        <p:txBody>
+          <a:bodyPr rtlCol="0" anchor="ctr"/>
+          <a:lstStyle/>
+          <a:p>
+            <a:pPr algn="ctr"/>
+            <a:endParaRPr lang="ko-KR" altLang="en-US"/>
+          </a:p>
+        </p:txBody>
+      </p:sp>
+      <p:sp>
+        <p:nvSpPr>
+          <p:cNvPr id="11" name="TextBox 10">
+            <a:extLst>
+              <a:ext uri="{FF2B5EF4-FFF2-40B4-BE49-F238E27FC236}">
+                <a16:creationId xmlns:a16="http://schemas.microsoft.com/office/drawing/2014/main" id="{6A771DFA-FEFE-941B-1FD5-FB822A3278E4}"/>
+              </a:ext>
+            </a:extLst>
+          </p:cNvPr>
+          <p:cNvSpPr txBox="1"/>
+          <p:nvPr/>
+        </p:nvSpPr>
+        <p:spPr>
+          <a:xfrm>
+            <a:off x="3535224" y="3422647"/>
+            <a:ext cx="816249" cy="369332"/>
+          </a:xfrm>
+          <a:prstGeom prst="rect">
+            <a:avLst/>
+          </a:prstGeom>
+          <a:noFill/>
+        </p:spPr>
+        <p:txBody>
+          <a:bodyPr wrap="none" rtlCol="0">
+            <a:spAutoFit/>
+          </a:bodyPr>
+          <a:lstStyle/>
+          <a:p>
+            <a:r>
+              <a:rPr lang="ko-KR" altLang="en-US" dirty="0">
+                <a:latin typeface="Spoqa Han Sans Neo Medium" pitchFamily="2" charset="-127"/>
+                <a:ea typeface="Spoqa Han Sans Neo Medium" pitchFamily="2" charset="-127"/>
+              </a:rPr>
+              <a:t>항상 </a:t>
+            </a:r>
+            <a:r>
+              <a:rPr lang="en-US" altLang="ko-KR" dirty="0">
+                <a:latin typeface="Spoqa Han Sans Neo Medium" pitchFamily="2" charset="-127"/>
+                <a:ea typeface="Spoqa Han Sans Neo Medium" pitchFamily="2" charset="-127"/>
+              </a:rPr>
+              <a:t>4</a:t>
+            </a:r>
+            <a:endParaRPr lang="ko-KR" altLang="en-US" dirty="0">
+              <a:latin typeface="Spoqa Han Sans Neo Medium" pitchFamily="2" charset="-127"/>
+              <a:ea typeface="Spoqa Han Sans Neo Medium" pitchFamily="2" charset="-127"/>
+            </a:endParaRPr>
+          </a:p>
+        </p:txBody>
+      </p:sp>
+      <p:sp>
+        <p:nvSpPr>
+          <p:cNvPr id="12" name="TextBox 11">
+            <a:extLst>
+              <a:ext uri="{FF2B5EF4-FFF2-40B4-BE49-F238E27FC236}">
+                <a16:creationId xmlns:a16="http://schemas.microsoft.com/office/drawing/2014/main" id="{B9BCEED8-CB94-A547-6AFC-FEE013876B5A}"/>
+              </a:ext>
+            </a:extLst>
+          </p:cNvPr>
+          <p:cNvSpPr txBox="1"/>
+          <p:nvPr/>
+        </p:nvSpPr>
+        <p:spPr>
+          <a:xfrm>
+            <a:off x="4663937" y="3422647"/>
+            <a:ext cx="1625766" cy="369332"/>
+          </a:xfrm>
+          <a:prstGeom prst="rect">
+            <a:avLst/>
+          </a:prstGeom>
+          <a:noFill/>
+        </p:spPr>
+        <p:txBody>
+          <a:bodyPr wrap="none" rtlCol="0">
+            <a:spAutoFit/>
+          </a:bodyPr>
+          <a:lstStyle/>
+          <a:p>
+            <a:r>
+              <a:rPr lang="en-US" altLang="ko-KR" dirty="0">
+                <a:latin typeface="Spoqa Han Sans Neo Medium" pitchFamily="2" charset="-127"/>
+                <a:ea typeface="Spoqa Han Sans Neo Medium" pitchFamily="2" charset="-127"/>
+              </a:rPr>
+              <a:t>8,9,a,b </a:t>
+            </a:r>
+            <a:r>
+              <a:rPr lang="ko-KR" altLang="en-US" dirty="0">
+                <a:latin typeface="Spoqa Han Sans Neo Medium" pitchFamily="2" charset="-127"/>
+                <a:ea typeface="Spoqa Han Sans Neo Medium" pitchFamily="2" charset="-127"/>
+              </a:rPr>
+              <a:t>중 하나</a:t>
             </a:r>
           </a:p>
         </p:txBody>
@@ -4904,7 +6016,7 @@
     </p:spTree>
     <p:extLst>
       <p:ext uri="{BB962C8B-B14F-4D97-AF65-F5344CB8AC3E}">
-        <p14:creationId xmlns:p14="http://schemas.microsoft.com/office/powerpoint/2010/main" val="3878263524"/>
+        <p14:creationId xmlns:p14="http://schemas.microsoft.com/office/powerpoint/2010/main" val="422324226"/>
       </p:ext>
     </p:extLst>
   </p:cSld>
@@ -4915,6 +6027,116 @@
 </file>
 
 <file path=ppt/slides/slide20.xml><?xml version="1.0" encoding="utf-8"?>
+<p:sld xmlns:a="http://schemas.openxmlformats.org/drawingml/2006/main" xmlns:r="http://schemas.openxmlformats.org/officeDocument/2006/relationships" xmlns:p="http://schemas.openxmlformats.org/presentationml/2006/main">
+  <p:cSld>
+    <p:spTree>
+      <p:nvGrpSpPr>
+        <p:cNvPr id="1" name=""/>
+        <p:cNvGrpSpPr/>
+        <p:nvPr/>
+      </p:nvGrpSpPr>
+      <p:grpSpPr>
+        <a:xfrm>
+          <a:off x="0" y="0"/>
+          <a:ext cx="0" cy="0"/>
+          <a:chOff x="0" y="0"/>
+          <a:chExt cx="0" cy="0"/>
+        </a:xfrm>
+      </p:grpSpPr>
+      <p:sp>
+        <p:nvSpPr>
+          <p:cNvPr id="2" name="제목 1">
+            <a:extLst>
+              <a:ext uri="{FF2B5EF4-FFF2-40B4-BE49-F238E27FC236}">
+                <a16:creationId xmlns:a16="http://schemas.microsoft.com/office/drawing/2014/main" id="{9896B29B-A1AE-E0C6-8543-753E63140B1C}"/>
+              </a:ext>
+            </a:extLst>
+          </p:cNvPr>
+          <p:cNvSpPr>
+            <a:spLocks noGrp="1"/>
+          </p:cNvSpPr>
+          <p:nvPr>
+            <p:ph type="ctrTitle"/>
+          </p:nvPr>
+        </p:nvSpPr>
+        <p:spPr/>
+        <p:txBody>
+          <a:bodyPr>
+            <a:normAutofit/>
+          </a:bodyPr>
+          <a:lstStyle/>
+          <a:p>
+            <a:r>
+              <a:rPr lang="ko-KR" altLang="en-US" b="1" dirty="0"/>
+              <a:t>실무형 심화개발</a:t>
+            </a:r>
+          </a:p>
+        </p:txBody>
+      </p:sp>
+      <p:sp>
+        <p:nvSpPr>
+          <p:cNvPr id="4" name="부제목 3">
+            <a:extLst>
+              <a:ext uri="{FF2B5EF4-FFF2-40B4-BE49-F238E27FC236}">
+                <a16:creationId xmlns:a16="http://schemas.microsoft.com/office/drawing/2014/main" id="{7219E4B9-47F6-C7CA-B046-1256225C3574}"/>
+              </a:ext>
+            </a:extLst>
+          </p:cNvPr>
+          <p:cNvSpPr>
+            <a:spLocks noGrp="1"/>
+          </p:cNvSpPr>
+          <p:nvPr>
+            <p:ph type="subTitle" idx="1"/>
+          </p:nvPr>
+        </p:nvSpPr>
+        <p:spPr/>
+        <p:txBody>
+          <a:bodyPr>
+            <a:normAutofit/>
+          </a:bodyPr>
+          <a:lstStyle/>
+          <a:p>
+            <a:pPr marL="0" indent="0" algn="r">
+              <a:buNone/>
+            </a:pPr>
+            <a:r>
+              <a:rPr lang="en-US" altLang="ko" b="1" dirty="0">
+                <a:solidFill>
+                  <a:srgbClr val="ED234B"/>
+                </a:solidFill>
+              </a:rPr>
+              <a:t>9</a:t>
+            </a:r>
+            <a:r>
+              <a:rPr lang="ko" altLang="ko-KR" b="1" dirty="0">
+                <a:solidFill>
+                  <a:srgbClr val="ED234B"/>
+                </a:solidFill>
+              </a:rPr>
+              <a:t> </a:t>
+            </a:r>
+            <a:r>
+              <a:rPr lang="en-US" altLang="ko-KR" dirty="0"/>
+              <a:t>Lock</a:t>
+            </a:r>
+            <a:endParaRPr lang="ko-KR" altLang="en-US" dirty="0"/>
+          </a:p>
+        </p:txBody>
+      </p:sp>
+    </p:spTree>
+    <p:extLst>
+      <p:ext uri="{BB962C8B-B14F-4D97-AF65-F5344CB8AC3E}">
+        <p14:creationId xmlns:p14="http://schemas.microsoft.com/office/powerpoint/2010/main" val="3858577277"/>
+      </p:ext>
+    </p:extLst>
+  </p:cSld>
+  <p:clrMapOvr>
+    <a:masterClrMapping/>
+  </p:clrMapOvr>
+</p:sld>
+</file>
+
+<file path=ppt/slides/slide21.xml><?xml version="1.0" encoding="utf-8"?>
 <p:sld xmlns:a="http://schemas.openxmlformats.org/drawingml/2006/main" xmlns:r="http://schemas.openxmlformats.org/officeDocument/2006/relationships" xmlns:p="http://schemas.openxmlformats.org/presentationml/2006/main">
   <p:cSld>
     <p:spTree>
@@ -5137,7 +6359,7 @@
 </p:sld>
 </file>
 
-<file path=ppt/slides/slide21.xml><?xml version="1.0" encoding="utf-8"?>
+<file path=ppt/slides/slide22.xml><?xml version="1.0" encoding="utf-8"?>
 <p:sld xmlns:a="http://schemas.openxmlformats.org/drawingml/2006/main" xmlns:r="http://schemas.openxmlformats.org/officeDocument/2006/relationships" xmlns:p="http://schemas.openxmlformats.org/presentationml/2006/main">
   <p:cSld>
     <p:spTree>
@@ -5227,7 +6449,7 @@
 </p:sld>
 </file>
 
-<file path=ppt/slides/slide22.xml><?xml version="1.0" encoding="utf-8"?>
+<file path=ppt/slides/slide23.xml><?xml version="1.0" encoding="utf-8"?>
 <p:sld xmlns:a="http://schemas.openxmlformats.org/drawingml/2006/main" xmlns:r="http://schemas.openxmlformats.org/officeDocument/2006/relationships" xmlns:p="http://schemas.openxmlformats.org/presentationml/2006/main">
   <p:cSld>
     <p:spTree>
@@ -5666,7 +6888,7 @@
 </p:sld>
 </file>
 
-<file path=ppt/slides/slide23.xml><?xml version="1.0" encoding="utf-8"?>
+<file path=ppt/slides/slide24.xml><?xml version="1.0" encoding="utf-8"?>
 <p:sld xmlns:a="http://schemas.openxmlformats.org/drawingml/2006/main" xmlns:r="http://schemas.openxmlformats.org/officeDocument/2006/relationships" xmlns:p="http://schemas.openxmlformats.org/presentationml/2006/main">
   <p:cSld>
     <p:spTree>
@@ -5756,7 +6978,7 @@
 </p:sld>
 </file>
 
-<file path=ppt/slides/slide24.xml><?xml version="1.0" encoding="utf-8"?>
+<file path=ppt/slides/slide25.xml><?xml version="1.0" encoding="utf-8"?>
 <p:sld xmlns:a="http://schemas.openxmlformats.org/drawingml/2006/main" xmlns:r="http://schemas.openxmlformats.org/officeDocument/2006/relationships" xmlns:p="http://schemas.openxmlformats.org/presentationml/2006/main">
   <p:cSld>
     <p:spTree>
@@ -6149,7 +7371,7 @@
 </p:sld>
 </file>
 
-<file path=ppt/slides/slide25.xml><?xml version="1.0" encoding="utf-8"?>
+<file path=ppt/slides/slide26.xml><?xml version="1.0" encoding="utf-8"?>
 <p:sld xmlns:a="http://schemas.openxmlformats.org/drawingml/2006/main" xmlns:r="http://schemas.openxmlformats.org/officeDocument/2006/relationships" xmlns:p="http://schemas.openxmlformats.org/presentationml/2006/main">
   <p:cSld>
     <p:spTree>
@@ -6239,7 +7461,7 @@
 </p:sld>
 </file>
 
-<file path=ppt/slides/slide26.xml><?xml version="1.0" encoding="utf-8"?>
+<file path=ppt/slides/slide27.xml><?xml version="1.0" encoding="utf-8"?>
 <p:sld xmlns:a="http://schemas.openxmlformats.org/drawingml/2006/main" xmlns:r="http://schemas.openxmlformats.org/officeDocument/2006/relationships" xmlns:p="http://schemas.openxmlformats.org/presentationml/2006/main">
   <p:cSld>
     <p:spTree>
@@ -6773,10 +7995,10 @@
       </p:grpSpPr>
       <p:sp>
         <p:nvSpPr>
-          <p:cNvPr id="2" name="제목 1">
+          <p:cNvPr id="4" name="제목 3">
             <a:extLst>
               <a:ext uri="{FF2B5EF4-FFF2-40B4-BE49-F238E27FC236}">
-                <a16:creationId xmlns:a16="http://schemas.microsoft.com/office/drawing/2014/main" id="{9896B29B-A1AE-E0C6-8543-753E63140B1C}"/>
+                <a16:creationId xmlns:a16="http://schemas.microsoft.com/office/drawing/2014/main" id="{AA6C3C0E-F24F-9763-AC2A-545FB7F3873E}"/>
               </a:ext>
             </a:extLst>
           </p:cNvPr>
@@ -6789,24 +8011,22 @@
         </p:nvSpPr>
         <p:spPr/>
         <p:txBody>
-          <a:bodyPr>
-            <a:normAutofit/>
-          </a:bodyPr>
-          <a:lstStyle/>
-          <a:p>
-            <a:r>
-              <a:rPr lang="ko-KR" altLang="en-US" b="1" dirty="0"/>
-              <a:t>실무형 심화개발</a:t>
-            </a:r>
-          </a:p>
-        </p:txBody>
-      </p:sp>
-      <p:sp>
-        <p:nvSpPr>
-          <p:cNvPr id="4" name="부제목 3">
+          <a:bodyPr/>
+          <a:lstStyle/>
+          <a:p>
+            <a:r>
+              <a:rPr lang="ko-KR" altLang="en-US" dirty="0"/>
+              <a:t>구현 실습</a:t>
+            </a:r>
+          </a:p>
+        </p:txBody>
+      </p:sp>
+      <p:sp>
+        <p:nvSpPr>
+          <p:cNvPr id="5" name="부제목 4">
             <a:extLst>
               <a:ext uri="{FF2B5EF4-FFF2-40B4-BE49-F238E27FC236}">
-                <a16:creationId xmlns:a16="http://schemas.microsoft.com/office/drawing/2014/main" id="{7219E4B9-47F6-C7CA-B046-1256225C3574}"/>
+                <a16:creationId xmlns:a16="http://schemas.microsoft.com/office/drawing/2014/main" id="{CAF74D28-A379-C9BB-D8F9-E3B6A7427E89}"/>
               </a:ext>
             </a:extLst>
           </p:cNvPr>
@@ -6819,42 +8039,27 @@
         </p:nvSpPr>
         <p:spPr/>
         <p:txBody>
-          <a:bodyPr>
-            <a:normAutofit/>
-          </a:bodyPr>
+          <a:bodyPr/>
           <a:lstStyle/>
           <a:p>
             <a:pPr marL="0" indent="0" algn="r">
               <a:buNone/>
             </a:pPr>
             <a:r>
-              <a:rPr lang="en-US" altLang="ko" b="1" dirty="0">
-                <a:solidFill>
-                  <a:srgbClr val="ED234B"/>
-                </a:solidFill>
-              </a:rPr>
-              <a:t>2</a:t>
-            </a:r>
-            <a:r>
-              <a:rPr lang="ko" altLang="ko-KR" b="1" dirty="0">
-                <a:solidFill>
-                  <a:srgbClr val="ED234B"/>
-                </a:solidFill>
-              </a:rPr>
-              <a:t> </a:t>
-            </a:r>
-            <a:r>
               <a:rPr lang="en-US" altLang="ko-KR" dirty="0"/>
-              <a:t>Error handling</a:t>
-            </a:r>
-            <a:endParaRPr lang="ko-KR" altLang="en-US" dirty="0"/>
+              <a:t>Trace ID logging </a:t>
+            </a:r>
+            <a:r>
+              <a:rPr lang="ko-KR" altLang="en-US" dirty="0"/>
+              <a:t>구현</a:t>
+            </a:r>
           </a:p>
         </p:txBody>
       </p:sp>
     </p:spTree>
     <p:extLst>
       <p:ext uri="{BB962C8B-B14F-4D97-AF65-F5344CB8AC3E}">
-        <p14:creationId xmlns:p14="http://schemas.microsoft.com/office/powerpoint/2010/main" val="80618887"/>
+        <p14:creationId xmlns:p14="http://schemas.microsoft.com/office/powerpoint/2010/main" val="3878263524"/>
       </p:ext>
     </p:extLst>
   </p:cSld>
@@ -6883,10 +8088,10 @@
       </p:grpSpPr>
       <p:sp>
         <p:nvSpPr>
-          <p:cNvPr id="4" name="제목 3">
+          <p:cNvPr id="2" name="제목 1">
             <a:extLst>
               <a:ext uri="{FF2B5EF4-FFF2-40B4-BE49-F238E27FC236}">
-                <a16:creationId xmlns:a16="http://schemas.microsoft.com/office/drawing/2014/main" id="{AA6C3C0E-F24F-9763-AC2A-545FB7F3873E}"/>
+                <a16:creationId xmlns:a16="http://schemas.microsoft.com/office/drawing/2014/main" id="{9896B29B-A1AE-E0C6-8543-753E63140B1C}"/>
               </a:ext>
             </a:extLst>
           </p:cNvPr>
@@ -6899,22 +8104,24 @@
         </p:nvSpPr>
         <p:spPr/>
         <p:txBody>
-          <a:bodyPr/>
-          <a:lstStyle/>
-          <a:p>
-            <a:r>
-              <a:rPr lang="ko-KR" altLang="en-US" dirty="0"/>
-              <a:t>구현 실습</a:t>
-            </a:r>
-          </a:p>
-        </p:txBody>
-      </p:sp>
-      <p:sp>
-        <p:nvSpPr>
-          <p:cNvPr id="5" name="부제목 4">
+          <a:bodyPr>
+            <a:normAutofit/>
+          </a:bodyPr>
+          <a:lstStyle/>
+          <a:p>
+            <a:r>
+              <a:rPr lang="ko-KR" altLang="en-US" b="1" dirty="0"/>
+              <a:t>실무형 심화개발</a:t>
+            </a:r>
+          </a:p>
+        </p:txBody>
+      </p:sp>
+      <p:sp>
+        <p:nvSpPr>
+          <p:cNvPr id="4" name="부제목 3">
             <a:extLst>
               <a:ext uri="{FF2B5EF4-FFF2-40B4-BE49-F238E27FC236}">
-                <a16:creationId xmlns:a16="http://schemas.microsoft.com/office/drawing/2014/main" id="{CAF74D28-A379-C9BB-D8F9-E3B6A7427E89}"/>
+                <a16:creationId xmlns:a16="http://schemas.microsoft.com/office/drawing/2014/main" id="{7219E4B9-47F6-C7CA-B046-1256225C3574}"/>
               </a:ext>
             </a:extLst>
           </p:cNvPr>
@@ -6927,27 +8134,42 @@
         </p:nvSpPr>
         <p:spPr/>
         <p:txBody>
-          <a:bodyPr/>
+          <a:bodyPr>
+            <a:normAutofit/>
+          </a:bodyPr>
           <a:lstStyle/>
           <a:p>
             <a:pPr marL="0" indent="0" algn="r">
               <a:buNone/>
             </a:pPr>
             <a:r>
+              <a:rPr lang="en-US" altLang="ko" b="1" dirty="0">
+                <a:solidFill>
+                  <a:srgbClr val="ED234B"/>
+                </a:solidFill>
+              </a:rPr>
+              <a:t>2</a:t>
+            </a:r>
+            <a:r>
+              <a:rPr lang="ko" altLang="ko-KR" b="1" dirty="0">
+                <a:solidFill>
+                  <a:srgbClr val="ED234B"/>
+                </a:solidFill>
+              </a:rPr>
+              <a:t> </a:t>
+            </a:r>
+            <a:r>
               <a:rPr lang="en-US" altLang="ko-KR" dirty="0"/>
-              <a:t>Error Handler </a:t>
-            </a:r>
-            <a:r>
-              <a:rPr lang="ko-KR" altLang="en-US" dirty="0"/>
-              <a:t>구현</a:t>
-            </a:r>
+              <a:t>Error handling</a:t>
+            </a:r>
+            <a:endParaRPr lang="ko-KR" altLang="en-US" dirty="0"/>
           </a:p>
         </p:txBody>
       </p:sp>
     </p:spTree>
     <p:extLst>
       <p:ext uri="{BB962C8B-B14F-4D97-AF65-F5344CB8AC3E}">
-        <p14:creationId xmlns:p14="http://schemas.microsoft.com/office/powerpoint/2010/main" val="1397940219"/>
+        <p14:creationId xmlns:p14="http://schemas.microsoft.com/office/powerpoint/2010/main" val="80618887"/>
       </p:ext>
     </p:extLst>
   </p:cSld>
@@ -6976,10 +8198,10 @@
       </p:grpSpPr>
       <p:sp>
         <p:nvSpPr>
-          <p:cNvPr id="2" name="제목 1">
+          <p:cNvPr id="4" name="제목 3">
             <a:extLst>
               <a:ext uri="{FF2B5EF4-FFF2-40B4-BE49-F238E27FC236}">
-                <a16:creationId xmlns:a16="http://schemas.microsoft.com/office/drawing/2014/main" id="{9896B29B-A1AE-E0C6-8543-753E63140B1C}"/>
+                <a16:creationId xmlns:a16="http://schemas.microsoft.com/office/drawing/2014/main" id="{AA6C3C0E-F24F-9763-AC2A-545FB7F3873E}"/>
               </a:ext>
             </a:extLst>
           </p:cNvPr>
@@ -6992,24 +8214,22 @@
         </p:nvSpPr>
         <p:spPr/>
         <p:txBody>
-          <a:bodyPr>
-            <a:normAutofit/>
-          </a:bodyPr>
-          <a:lstStyle/>
-          <a:p>
-            <a:r>
-              <a:rPr lang="ko-KR" altLang="en-US" b="1" dirty="0"/>
-              <a:t>실무형 심화개발</a:t>
-            </a:r>
-          </a:p>
-        </p:txBody>
-      </p:sp>
-      <p:sp>
-        <p:nvSpPr>
-          <p:cNvPr id="4" name="부제목 3">
+          <a:bodyPr/>
+          <a:lstStyle/>
+          <a:p>
+            <a:r>
+              <a:rPr lang="ko-KR" altLang="en-US" dirty="0"/>
+              <a:t>구현 실습</a:t>
+            </a:r>
+          </a:p>
+        </p:txBody>
+      </p:sp>
+      <p:sp>
+        <p:nvSpPr>
+          <p:cNvPr id="5" name="부제목 4">
             <a:extLst>
               <a:ext uri="{FF2B5EF4-FFF2-40B4-BE49-F238E27FC236}">
-                <a16:creationId xmlns:a16="http://schemas.microsoft.com/office/drawing/2014/main" id="{7219E4B9-47F6-C7CA-B046-1256225C3574}"/>
+                <a16:creationId xmlns:a16="http://schemas.microsoft.com/office/drawing/2014/main" id="{CAF74D28-A379-C9BB-D8F9-E3B6A7427E89}"/>
               </a:ext>
             </a:extLst>
           </p:cNvPr>
@@ -7022,42 +8242,27 @@
         </p:nvSpPr>
         <p:spPr/>
         <p:txBody>
-          <a:bodyPr>
-            <a:normAutofit/>
-          </a:bodyPr>
+          <a:bodyPr/>
           <a:lstStyle/>
           <a:p>
             <a:pPr marL="0" indent="0" algn="r">
               <a:buNone/>
             </a:pPr>
             <a:r>
-              <a:rPr lang="en-US" altLang="ko" b="1" dirty="0">
-                <a:solidFill>
-                  <a:srgbClr val="ED234B"/>
-                </a:solidFill>
-              </a:rPr>
-              <a:t>3</a:t>
-            </a:r>
-            <a:r>
-              <a:rPr lang="ko" altLang="ko-KR" b="1" dirty="0">
-                <a:solidFill>
-                  <a:srgbClr val="ED234B"/>
-                </a:solidFill>
-              </a:rPr>
-              <a:t> </a:t>
-            </a:r>
-            <a:r>
               <a:rPr lang="en-US" altLang="ko-KR" dirty="0"/>
-              <a:t>Request payload logging</a:t>
-            </a:r>
-            <a:endParaRPr lang="ko-KR" altLang="en-US" dirty="0"/>
+              <a:t>Error Handler </a:t>
+            </a:r>
+            <a:r>
+              <a:rPr lang="ko-KR" altLang="en-US" dirty="0"/>
+              <a:t>구현</a:t>
+            </a:r>
           </a:p>
         </p:txBody>
       </p:sp>
     </p:spTree>
     <p:extLst>
       <p:ext uri="{BB962C8B-B14F-4D97-AF65-F5344CB8AC3E}">
-        <p14:creationId xmlns:p14="http://schemas.microsoft.com/office/powerpoint/2010/main" val="1440033713"/>
+        <p14:creationId xmlns:p14="http://schemas.microsoft.com/office/powerpoint/2010/main" val="1397940219"/>
       </p:ext>
     </p:extLst>
   </p:cSld>
@@ -7086,10 +8291,10 @@
       </p:grpSpPr>
       <p:sp>
         <p:nvSpPr>
-          <p:cNvPr id="4" name="제목 3">
+          <p:cNvPr id="2" name="제목 1">
             <a:extLst>
               <a:ext uri="{FF2B5EF4-FFF2-40B4-BE49-F238E27FC236}">
-                <a16:creationId xmlns:a16="http://schemas.microsoft.com/office/drawing/2014/main" id="{AA6C3C0E-F24F-9763-AC2A-545FB7F3873E}"/>
+                <a16:creationId xmlns:a16="http://schemas.microsoft.com/office/drawing/2014/main" id="{9896B29B-A1AE-E0C6-8543-753E63140B1C}"/>
               </a:ext>
             </a:extLst>
           </p:cNvPr>
@@ -7102,22 +8307,24 @@
         </p:nvSpPr>
         <p:spPr/>
         <p:txBody>
-          <a:bodyPr/>
-          <a:lstStyle/>
-          <a:p>
-            <a:r>
-              <a:rPr lang="ko-KR" altLang="en-US" dirty="0"/>
-              <a:t>구현 실습</a:t>
-            </a:r>
-          </a:p>
-        </p:txBody>
-      </p:sp>
-      <p:sp>
-        <p:nvSpPr>
-          <p:cNvPr id="5" name="부제목 4">
+          <a:bodyPr>
+            <a:normAutofit/>
+          </a:bodyPr>
+          <a:lstStyle/>
+          <a:p>
+            <a:r>
+              <a:rPr lang="ko-KR" altLang="en-US" b="1" dirty="0"/>
+              <a:t>실무형 심화개발</a:t>
+            </a:r>
+          </a:p>
+        </p:txBody>
+      </p:sp>
+      <p:sp>
+        <p:nvSpPr>
+          <p:cNvPr id="4" name="부제목 3">
             <a:extLst>
               <a:ext uri="{FF2B5EF4-FFF2-40B4-BE49-F238E27FC236}">
-                <a16:creationId xmlns:a16="http://schemas.microsoft.com/office/drawing/2014/main" id="{CAF74D28-A379-C9BB-D8F9-E3B6A7427E89}"/>
+                <a16:creationId xmlns:a16="http://schemas.microsoft.com/office/drawing/2014/main" id="{7219E4B9-47F6-C7CA-B046-1256225C3574}"/>
               </a:ext>
             </a:extLst>
           </p:cNvPr>
@@ -7130,23 +8337,33 @@
         </p:nvSpPr>
         <p:spPr/>
         <p:txBody>
-          <a:bodyPr/>
+          <a:bodyPr>
+            <a:normAutofit/>
+          </a:bodyPr>
           <a:lstStyle/>
           <a:p>
             <a:pPr marL="0" indent="0" algn="r">
               <a:buNone/>
             </a:pPr>
             <a:r>
+              <a:rPr lang="en-US" altLang="ko" b="1" dirty="0">
+                <a:solidFill>
+                  <a:srgbClr val="ED234B"/>
+                </a:solidFill>
+              </a:rPr>
+              <a:t>3</a:t>
+            </a:r>
+            <a:r>
+              <a:rPr lang="ko" altLang="ko-KR" b="1" dirty="0">
+                <a:solidFill>
+                  <a:srgbClr val="ED234B"/>
+                </a:solidFill>
+              </a:rPr>
+              <a:t> </a:t>
+            </a:r>
+            <a:r>
               <a:rPr lang="en-US" altLang="ko-KR" dirty="0"/>
-              <a:t>Request</a:t>
-            </a:r>
-            <a:r>
-              <a:rPr lang="ko-KR" altLang="en-US" dirty="0"/>
-              <a:t> </a:t>
-            </a:r>
-            <a:r>
-              <a:rPr lang="en-US" altLang="ko-KR" dirty="0"/>
-              <a:t>parameter logging</a:t>
+              <a:t>Request payload logging</a:t>
             </a:r>
             <a:endParaRPr lang="ko-KR" altLang="en-US" dirty="0"/>
           </a:p>
@@ -7155,7 +8372,7 @@
     </p:spTree>
     <p:extLst>
       <p:ext uri="{BB962C8B-B14F-4D97-AF65-F5344CB8AC3E}">
-        <p14:creationId xmlns:p14="http://schemas.microsoft.com/office/powerpoint/2010/main" val="3270282424"/>
+        <p14:creationId xmlns:p14="http://schemas.microsoft.com/office/powerpoint/2010/main" val="1440033713"/>
       </p:ext>
     </p:extLst>
   </p:cSld>
@@ -7184,10 +8401,10 @@
       </p:grpSpPr>
       <p:sp>
         <p:nvSpPr>
-          <p:cNvPr id="2" name="제목 1">
+          <p:cNvPr id="4" name="제목 3">
             <a:extLst>
               <a:ext uri="{FF2B5EF4-FFF2-40B4-BE49-F238E27FC236}">
-                <a16:creationId xmlns:a16="http://schemas.microsoft.com/office/drawing/2014/main" id="{9896B29B-A1AE-E0C6-8543-753E63140B1C}"/>
+                <a16:creationId xmlns:a16="http://schemas.microsoft.com/office/drawing/2014/main" id="{AA6C3C0E-F24F-9763-AC2A-545FB7F3873E}"/>
               </a:ext>
             </a:extLst>
           </p:cNvPr>
@@ -7200,24 +8417,22 @@
         </p:nvSpPr>
         <p:spPr/>
         <p:txBody>
-          <a:bodyPr>
-            <a:normAutofit/>
-          </a:bodyPr>
-          <a:lstStyle/>
-          <a:p>
-            <a:r>
-              <a:rPr lang="ko-KR" altLang="en-US" b="1" dirty="0"/>
-              <a:t>실무형 심화개발</a:t>
-            </a:r>
-          </a:p>
-        </p:txBody>
-      </p:sp>
-      <p:sp>
-        <p:nvSpPr>
-          <p:cNvPr id="4" name="부제목 3">
+          <a:bodyPr/>
+          <a:lstStyle/>
+          <a:p>
+            <a:r>
+              <a:rPr lang="ko-KR" altLang="en-US" dirty="0"/>
+              <a:t>구현 실습</a:t>
+            </a:r>
+          </a:p>
+        </p:txBody>
+      </p:sp>
+      <p:sp>
+        <p:nvSpPr>
+          <p:cNvPr id="5" name="부제목 4">
             <a:extLst>
               <a:ext uri="{FF2B5EF4-FFF2-40B4-BE49-F238E27FC236}">
-                <a16:creationId xmlns:a16="http://schemas.microsoft.com/office/drawing/2014/main" id="{7219E4B9-47F6-C7CA-B046-1256225C3574}"/>
+                <a16:creationId xmlns:a16="http://schemas.microsoft.com/office/drawing/2014/main" id="{CAF74D28-A379-C9BB-D8F9-E3B6A7427E89}"/>
               </a:ext>
             </a:extLst>
           </p:cNvPr>
@@ -7230,33 +8445,23 @@
         </p:nvSpPr>
         <p:spPr/>
         <p:txBody>
-          <a:bodyPr>
-            <a:normAutofit/>
-          </a:bodyPr>
+          <a:bodyPr/>
           <a:lstStyle/>
           <a:p>
             <a:pPr marL="0" indent="0" algn="r">
               <a:buNone/>
             </a:pPr>
             <a:r>
-              <a:rPr lang="en-US" altLang="ko" b="1" dirty="0">
-                <a:solidFill>
-                  <a:srgbClr val="ED234B"/>
-                </a:solidFill>
-              </a:rPr>
-              <a:t>4</a:t>
-            </a:r>
-            <a:r>
-              <a:rPr lang="ko" altLang="ko-KR" b="1" dirty="0">
-                <a:solidFill>
-                  <a:srgbClr val="ED234B"/>
-                </a:solidFill>
-              </a:rPr>
+              <a:rPr lang="en-US" altLang="ko-KR" dirty="0"/>
+              <a:t>Request</a:t>
+            </a:r>
+            <a:r>
+              <a:rPr lang="ko-KR" altLang="en-US" dirty="0"/>
               <a:t> </a:t>
             </a:r>
             <a:r>
-              <a:rPr lang="en-US" altLang="ko-KR" dirty="0" err="1"/>
-              <a:t>WebClient</a:t>
+              <a:rPr lang="en-US" altLang="ko-KR" dirty="0"/>
+              <a:t>parameter logging</a:t>
             </a:r>
             <a:endParaRPr lang="ko-KR" altLang="en-US" dirty="0"/>
           </a:p>
@@ -7265,7 +8470,7 @@
     </p:spTree>
     <p:extLst>
       <p:ext uri="{BB962C8B-B14F-4D97-AF65-F5344CB8AC3E}">
-        <p14:creationId xmlns:p14="http://schemas.microsoft.com/office/powerpoint/2010/main" val="100200306"/>
+        <p14:creationId xmlns:p14="http://schemas.microsoft.com/office/powerpoint/2010/main" val="3270282424"/>
       </p:ext>
     </p:extLst>
   </p:cSld>
@@ -7294,10 +8499,10 @@
       </p:grpSpPr>
       <p:sp>
         <p:nvSpPr>
-          <p:cNvPr id="4" name="제목 3">
+          <p:cNvPr id="2" name="제목 1">
             <a:extLst>
               <a:ext uri="{FF2B5EF4-FFF2-40B4-BE49-F238E27FC236}">
-                <a16:creationId xmlns:a16="http://schemas.microsoft.com/office/drawing/2014/main" id="{AA6C3C0E-F24F-9763-AC2A-545FB7F3873E}"/>
+                <a16:creationId xmlns:a16="http://schemas.microsoft.com/office/drawing/2014/main" id="{9896B29B-A1AE-E0C6-8543-753E63140B1C}"/>
               </a:ext>
             </a:extLst>
           </p:cNvPr>
@@ -7310,22 +8515,24 @@
         </p:nvSpPr>
         <p:spPr/>
         <p:txBody>
-          <a:bodyPr/>
-          <a:lstStyle/>
-          <a:p>
-            <a:r>
-              <a:rPr lang="ko-KR" altLang="en-US" dirty="0"/>
-              <a:t>구현 실습</a:t>
-            </a:r>
-          </a:p>
-        </p:txBody>
-      </p:sp>
-      <p:sp>
-        <p:nvSpPr>
-          <p:cNvPr id="5" name="부제목 4">
+          <a:bodyPr>
+            <a:normAutofit/>
+          </a:bodyPr>
+          <a:lstStyle/>
+          <a:p>
+            <a:r>
+              <a:rPr lang="ko-KR" altLang="en-US" b="1" dirty="0"/>
+              <a:t>실무형 심화개발</a:t>
+            </a:r>
+          </a:p>
+        </p:txBody>
+      </p:sp>
+      <p:sp>
+        <p:nvSpPr>
+          <p:cNvPr id="4" name="부제목 3">
             <a:extLst>
               <a:ext uri="{FF2B5EF4-FFF2-40B4-BE49-F238E27FC236}">
-                <a16:creationId xmlns:a16="http://schemas.microsoft.com/office/drawing/2014/main" id="{CAF74D28-A379-C9BB-D8F9-E3B6A7427E89}"/>
+                <a16:creationId xmlns:a16="http://schemas.microsoft.com/office/drawing/2014/main" id="{7219E4B9-47F6-C7CA-B046-1256225C3574}"/>
               </a:ext>
             </a:extLst>
           </p:cNvPr>
@@ -7338,31 +8545,42 @@
         </p:nvSpPr>
         <p:spPr/>
         <p:txBody>
-          <a:bodyPr/>
+          <a:bodyPr>
+            <a:normAutofit/>
+          </a:bodyPr>
           <a:lstStyle/>
           <a:p>
             <a:pPr marL="0" indent="0" algn="r">
               <a:buNone/>
             </a:pPr>
             <a:r>
+              <a:rPr lang="en-US" altLang="ko" b="1" dirty="0">
+                <a:solidFill>
+                  <a:srgbClr val="ED234B"/>
+                </a:solidFill>
+              </a:rPr>
+              <a:t>4</a:t>
+            </a:r>
+            <a:r>
+              <a:rPr lang="ko" altLang="ko-KR" b="1" dirty="0">
+                <a:solidFill>
+                  <a:srgbClr val="ED234B"/>
+                </a:solidFill>
+              </a:rPr>
+              <a:t> </a:t>
+            </a:r>
+            <a:r>
               <a:rPr lang="en-US" altLang="ko-KR" dirty="0" err="1"/>
               <a:t>WebClient</a:t>
             </a:r>
-            <a:r>
-              <a:rPr lang="en-US" altLang="ko-KR" dirty="0"/>
-              <a:t> </a:t>
-            </a:r>
-            <a:r>
-              <a:rPr lang="ko-KR" altLang="en-US" dirty="0"/>
-              <a:t>를 이용한 외부 서비스 비동기 호출</a:t>
-            </a:r>
+            <a:endParaRPr lang="ko-KR" altLang="en-US" dirty="0"/>
           </a:p>
         </p:txBody>
       </p:sp>
     </p:spTree>
     <p:extLst>
       <p:ext uri="{BB962C8B-B14F-4D97-AF65-F5344CB8AC3E}">
-        <p14:creationId xmlns:p14="http://schemas.microsoft.com/office/powerpoint/2010/main" val="3454974027"/>
+        <p14:creationId xmlns:p14="http://schemas.microsoft.com/office/powerpoint/2010/main" val="100200306"/>
       </p:ext>
     </p:extLst>
   </p:cSld>
@@ -7391,10 +8609,10 @@
       </p:grpSpPr>
       <p:sp>
         <p:nvSpPr>
-          <p:cNvPr id="2" name="제목 1">
+          <p:cNvPr id="4" name="제목 3">
             <a:extLst>
               <a:ext uri="{FF2B5EF4-FFF2-40B4-BE49-F238E27FC236}">
-                <a16:creationId xmlns:a16="http://schemas.microsoft.com/office/drawing/2014/main" id="{9896B29B-A1AE-E0C6-8543-753E63140B1C}"/>
+                <a16:creationId xmlns:a16="http://schemas.microsoft.com/office/drawing/2014/main" id="{AA6C3C0E-F24F-9763-AC2A-545FB7F3873E}"/>
               </a:ext>
             </a:extLst>
           </p:cNvPr>
@@ -7407,24 +8625,22 @@
         </p:nvSpPr>
         <p:spPr/>
         <p:txBody>
-          <a:bodyPr>
-            <a:normAutofit/>
-          </a:bodyPr>
-          <a:lstStyle/>
-          <a:p>
-            <a:r>
-              <a:rPr lang="ko-KR" altLang="en-US" b="1" dirty="0"/>
-              <a:t>실무형 심화개발</a:t>
-            </a:r>
-          </a:p>
-        </p:txBody>
-      </p:sp>
-      <p:sp>
-        <p:nvSpPr>
-          <p:cNvPr id="4" name="부제목 3">
+          <a:bodyPr/>
+          <a:lstStyle/>
+          <a:p>
+            <a:r>
+              <a:rPr lang="ko-KR" altLang="en-US" dirty="0"/>
+              <a:t>구현 실습</a:t>
+            </a:r>
+          </a:p>
+        </p:txBody>
+      </p:sp>
+      <p:sp>
+        <p:nvSpPr>
+          <p:cNvPr id="5" name="부제목 4">
             <a:extLst>
               <a:ext uri="{FF2B5EF4-FFF2-40B4-BE49-F238E27FC236}">
-                <a16:creationId xmlns:a16="http://schemas.microsoft.com/office/drawing/2014/main" id="{7219E4B9-47F6-C7CA-B046-1256225C3574}"/>
+                <a16:creationId xmlns:a16="http://schemas.microsoft.com/office/drawing/2014/main" id="{CAF74D28-A379-C9BB-D8F9-E3B6A7427E89}"/>
               </a:ext>
             </a:extLst>
           </p:cNvPr>
@@ -7437,42 +8653,31 @@
         </p:nvSpPr>
         <p:spPr/>
         <p:txBody>
-          <a:bodyPr>
-            <a:normAutofit/>
-          </a:bodyPr>
+          <a:bodyPr/>
           <a:lstStyle/>
           <a:p>
             <a:pPr marL="0" indent="0" algn="r">
               <a:buNone/>
             </a:pPr>
             <a:r>
-              <a:rPr lang="en-US" altLang="ko" b="1" dirty="0">
-                <a:solidFill>
-                  <a:srgbClr val="ED234B"/>
-                </a:solidFill>
-              </a:rPr>
-              <a:t>5</a:t>
-            </a:r>
-            <a:r>
-              <a:rPr lang="ko" altLang="ko-KR" b="1" dirty="0">
-                <a:solidFill>
-                  <a:srgbClr val="ED234B"/>
-                </a:solidFill>
-              </a:rPr>
+              <a:rPr lang="en-US" altLang="ko-KR" dirty="0" err="1"/>
+              <a:t>WebClient</a:t>
+            </a:r>
+            <a:r>
+              <a:rPr lang="en-US" altLang="ko-KR" dirty="0"/>
               <a:t> </a:t>
             </a:r>
             <a:r>
-              <a:rPr lang="en-US" altLang="ko-KR" dirty="0"/>
-              <a:t>Circuit breaker</a:t>
-            </a:r>
-            <a:endParaRPr lang="ko-KR" altLang="en-US" dirty="0"/>
+              <a:rPr lang="ko-KR" altLang="en-US" dirty="0"/>
+              <a:t>를 이용한 외부 서비스 비동기 호출</a:t>
+            </a:r>
           </a:p>
         </p:txBody>
       </p:sp>
     </p:spTree>
     <p:extLst>
       <p:ext uri="{BB962C8B-B14F-4D97-AF65-F5344CB8AC3E}">
-        <p14:creationId xmlns:p14="http://schemas.microsoft.com/office/powerpoint/2010/main" val="417457615"/>
+        <p14:creationId xmlns:p14="http://schemas.microsoft.com/office/powerpoint/2010/main" val="3454974027"/>
       </p:ext>
     </p:extLst>
   </p:cSld>

--- a/99.ppt/[Ch4-6. 실무형 심화개발.pptx
+++ b/99.ppt/[Ch4-6. 실무형 심화개발.pptx
@@ -5,7 +5,7 @@
     <p:sldMasterId id="2147483665" r:id="rId1"/>
   </p:sldMasterIdLst>
   <p:notesMasterIdLst>
-    <p:notesMasterId r:id="rId29"/>
+    <p:notesMasterId r:id="rId27"/>
   </p:notesMasterIdLst>
   <p:sldIdLst>
     <p:sldId id="256" r:id="rId2"/>
@@ -15,26 +15,24 @@
     <p:sldId id="316" r:id="rId6"/>
     <p:sldId id="296" r:id="rId7"/>
     <p:sldId id="317" r:id="rId8"/>
-    <p:sldId id="297" r:id="rId9"/>
-    <p:sldId id="318" r:id="rId10"/>
-    <p:sldId id="298" r:id="rId11"/>
-    <p:sldId id="319" r:id="rId12"/>
-    <p:sldId id="320" r:id="rId13"/>
-    <p:sldId id="300" r:id="rId14"/>
-    <p:sldId id="321" r:id="rId15"/>
-    <p:sldId id="302" r:id="rId16"/>
-    <p:sldId id="322" r:id="rId17"/>
-    <p:sldId id="323" r:id="rId18"/>
-    <p:sldId id="303" r:id="rId19"/>
-    <p:sldId id="324" r:id="rId20"/>
-    <p:sldId id="325" r:id="rId21"/>
-    <p:sldId id="262" r:id="rId22"/>
-    <p:sldId id="326" r:id="rId23"/>
-    <p:sldId id="330" r:id="rId24"/>
-    <p:sldId id="327" r:id="rId25"/>
-    <p:sldId id="329" r:id="rId26"/>
-    <p:sldId id="328" r:id="rId27"/>
-    <p:sldId id="331" r:id="rId28"/>
+    <p:sldId id="298" r:id="rId9"/>
+    <p:sldId id="319" r:id="rId10"/>
+    <p:sldId id="320" r:id="rId11"/>
+    <p:sldId id="300" r:id="rId12"/>
+    <p:sldId id="321" r:id="rId13"/>
+    <p:sldId id="302" r:id="rId14"/>
+    <p:sldId id="322" r:id="rId15"/>
+    <p:sldId id="323" r:id="rId16"/>
+    <p:sldId id="303" r:id="rId17"/>
+    <p:sldId id="324" r:id="rId18"/>
+    <p:sldId id="325" r:id="rId19"/>
+    <p:sldId id="262" r:id="rId20"/>
+    <p:sldId id="326" r:id="rId21"/>
+    <p:sldId id="330" r:id="rId22"/>
+    <p:sldId id="327" r:id="rId23"/>
+    <p:sldId id="329" r:id="rId24"/>
+    <p:sldId id="328" r:id="rId25"/>
+    <p:sldId id="331" r:id="rId26"/>
   </p:sldIdLst>
   <p:sldSz cx="9144000" cy="5143500" type="screen16x9"/>
   <p:notesSz cx="6858000" cy="9144000"/>
@@ -237,7 +235,7 @@
           <a:p>
             <a:fld id="{9B770909-2C76-4DF9-BB76-4EE283593418}" type="datetimeFigureOut">
               <a:rPr lang="ko-KR" altLang="en-US" smtClean="0"/>
-              <a:t>2023-09-12</a:t>
+              <a:t>2023-09-14</a:t>
             </a:fld>
             <a:endParaRPr lang="ko-KR" altLang="en-US"/>
           </a:p>
@@ -632,7 +630,7 @@
           <a:bodyPr/>
           <a:lstStyle/>
           <a:p>
-            <a:endParaRPr lang="ko-KR" altLang="en-US" dirty="0"/>
+            <a:endParaRPr lang="en-US" altLang="ko-KR" dirty="0"/>
           </a:p>
         </p:txBody>
       </p:sp>
@@ -653,7 +651,7 @@
           <a:p>
             <a:fld id="{4F243B46-72FF-4656-838A-691B9EB329E3}" type="slidenum">
               <a:rPr lang="ko-KR" altLang="en-US" smtClean="0"/>
-              <a:t>20</a:t>
+              <a:t>19</a:t>
             </a:fld>
             <a:endParaRPr lang="ko-KR" altLang="en-US"/>
           </a:p>
@@ -662,7 +660,7 @@
     </p:spTree>
     <p:extLst>
       <p:ext uri="{BB962C8B-B14F-4D97-AF65-F5344CB8AC3E}">
-        <p14:creationId xmlns:p14="http://schemas.microsoft.com/office/powerpoint/2010/main" val="374484148"/>
+        <p14:creationId xmlns:p14="http://schemas.microsoft.com/office/powerpoint/2010/main" val="1978714165"/>
       </p:ext>
     </p:extLst>
   </p:cSld>
@@ -746,7 +744,7 @@
     </p:spTree>
     <p:extLst>
       <p:ext uri="{BB962C8B-B14F-4D97-AF65-F5344CB8AC3E}">
-        <p14:creationId xmlns:p14="http://schemas.microsoft.com/office/powerpoint/2010/main" val="1978714165"/>
+        <p14:creationId xmlns:p14="http://schemas.microsoft.com/office/powerpoint/2010/main" val="2907537133"/>
       </p:ext>
     </p:extLst>
   </p:cSld>
@@ -830,7 +828,7 @@
     </p:spTree>
     <p:extLst>
       <p:ext uri="{BB962C8B-B14F-4D97-AF65-F5344CB8AC3E}">
-        <p14:creationId xmlns:p14="http://schemas.microsoft.com/office/powerpoint/2010/main" val="2907537133"/>
+        <p14:creationId xmlns:p14="http://schemas.microsoft.com/office/powerpoint/2010/main" val="1989725789"/>
       </p:ext>
     </p:extLst>
   </p:cSld>
@@ -906,90 +904,6 @@
             <a:fld id="{4F243B46-72FF-4656-838A-691B9EB329E3}" type="slidenum">
               <a:rPr lang="ko-KR" altLang="en-US" smtClean="0"/>
               <a:t>25</a:t>
-            </a:fld>
-            <a:endParaRPr lang="ko-KR" altLang="en-US"/>
-          </a:p>
-        </p:txBody>
-      </p:sp>
-    </p:spTree>
-    <p:extLst>
-      <p:ext uri="{BB962C8B-B14F-4D97-AF65-F5344CB8AC3E}">
-        <p14:creationId xmlns:p14="http://schemas.microsoft.com/office/powerpoint/2010/main" val="1989725789"/>
-      </p:ext>
-    </p:extLst>
-  </p:cSld>
-  <p:clrMapOvr>
-    <a:masterClrMapping/>
-  </p:clrMapOvr>
-</p:notes>
-</file>
-
-<file path=ppt/notesSlides/notesSlide14.xml><?xml version="1.0" encoding="utf-8"?>
-<p:notes xmlns:a="http://schemas.openxmlformats.org/drawingml/2006/main" xmlns:r="http://schemas.openxmlformats.org/officeDocument/2006/relationships" xmlns:p="http://schemas.openxmlformats.org/presentationml/2006/main">
-  <p:cSld>
-    <p:spTree>
-      <p:nvGrpSpPr>
-        <p:cNvPr id="1" name=""/>
-        <p:cNvGrpSpPr/>
-        <p:nvPr/>
-      </p:nvGrpSpPr>
-      <p:grpSpPr>
-        <a:xfrm>
-          <a:off x="0" y="0"/>
-          <a:ext cx="0" cy="0"/>
-          <a:chOff x="0" y="0"/>
-          <a:chExt cx="0" cy="0"/>
-        </a:xfrm>
-      </p:grpSpPr>
-      <p:sp>
-        <p:nvSpPr>
-          <p:cNvPr id="2" name="슬라이드 이미지 개체 틀 1"/>
-          <p:cNvSpPr>
-            <a:spLocks noGrp="1" noRot="1" noChangeAspect="1"/>
-          </p:cNvSpPr>
-          <p:nvPr>
-            <p:ph type="sldImg"/>
-          </p:nvPr>
-        </p:nvSpPr>
-        <p:spPr/>
-      </p:sp>
-      <p:sp>
-        <p:nvSpPr>
-          <p:cNvPr id="3" name="슬라이드 노트 개체 틀 2"/>
-          <p:cNvSpPr>
-            <a:spLocks noGrp="1"/>
-          </p:cNvSpPr>
-          <p:nvPr>
-            <p:ph type="body" idx="1"/>
-          </p:nvPr>
-        </p:nvSpPr>
-        <p:spPr/>
-        <p:txBody>
-          <a:bodyPr/>
-          <a:lstStyle/>
-          <a:p>
-            <a:endParaRPr lang="en-US" altLang="ko-KR" dirty="0"/>
-          </a:p>
-        </p:txBody>
-      </p:sp>
-      <p:sp>
-        <p:nvSpPr>
-          <p:cNvPr id="4" name="슬라이드 번호 개체 틀 3"/>
-          <p:cNvSpPr>
-            <a:spLocks noGrp="1"/>
-          </p:cNvSpPr>
-          <p:nvPr>
-            <p:ph type="sldNum" sz="quarter" idx="5"/>
-          </p:nvPr>
-        </p:nvSpPr>
-        <p:spPr/>
-        <p:txBody>
-          <a:bodyPr/>
-          <a:lstStyle/>
-          <a:p>
-            <a:fld id="{4F243B46-72FF-4656-838A-691B9EB329E3}" type="slidenum">
-              <a:rPr lang="ko-KR" altLang="en-US" smtClean="0"/>
-              <a:t>27</a:t>
             </a:fld>
             <a:endParaRPr lang="ko-KR" altLang="en-US"/>
           </a:p>
@@ -1906,7 +1820,7 @@
     </p:spTree>
     <p:extLst>
       <p:ext uri="{BB962C8B-B14F-4D97-AF65-F5344CB8AC3E}">
-        <p14:creationId xmlns:p14="http://schemas.microsoft.com/office/powerpoint/2010/main" val="2733680233"/>
+        <p14:creationId xmlns:p14="http://schemas.microsoft.com/office/powerpoint/2010/main" val="1362453822"/>
       </p:ext>
     </p:extLst>
   </p:cSld>
@@ -1981,7 +1895,7 @@
           <a:p>
             <a:fld id="{4F243B46-72FF-4656-838A-691B9EB329E3}" type="slidenum">
               <a:rPr lang="ko-KR" altLang="en-US" smtClean="0"/>
-              <a:t>10</a:t>
+              <a:t>11</a:t>
             </a:fld>
             <a:endParaRPr lang="ko-KR" altLang="en-US"/>
           </a:p>
@@ -1990,7 +1904,7 @@
     </p:spTree>
     <p:extLst>
       <p:ext uri="{BB962C8B-B14F-4D97-AF65-F5344CB8AC3E}">
-        <p14:creationId xmlns:p14="http://schemas.microsoft.com/office/powerpoint/2010/main" val="1362453822"/>
+        <p14:creationId xmlns:p14="http://schemas.microsoft.com/office/powerpoint/2010/main" val="4107588324"/>
       </p:ext>
     </p:extLst>
   </p:cSld>
@@ -2074,7 +1988,7 @@
     </p:spTree>
     <p:extLst>
       <p:ext uri="{BB962C8B-B14F-4D97-AF65-F5344CB8AC3E}">
-        <p14:creationId xmlns:p14="http://schemas.microsoft.com/office/powerpoint/2010/main" val="4107588324"/>
+        <p14:creationId xmlns:p14="http://schemas.microsoft.com/office/powerpoint/2010/main" val="1099860314"/>
       </p:ext>
     </p:extLst>
   </p:cSld>
@@ -2149,7 +2063,7 @@
           <a:p>
             <a:fld id="{4F243B46-72FF-4656-838A-691B9EB329E3}" type="slidenum">
               <a:rPr lang="ko-KR" altLang="en-US" smtClean="0"/>
-              <a:t>15</a:t>
+              <a:t>16</a:t>
             </a:fld>
             <a:endParaRPr lang="ko-KR" altLang="en-US"/>
           </a:p>
@@ -2158,7 +2072,7 @@
     </p:spTree>
     <p:extLst>
       <p:ext uri="{BB962C8B-B14F-4D97-AF65-F5344CB8AC3E}">
-        <p14:creationId xmlns:p14="http://schemas.microsoft.com/office/powerpoint/2010/main" val="1099860314"/>
+        <p14:creationId xmlns:p14="http://schemas.microsoft.com/office/powerpoint/2010/main" val="1627911884"/>
       </p:ext>
     </p:extLst>
   </p:cSld>
@@ -2242,7 +2156,7 @@
     </p:spTree>
     <p:extLst>
       <p:ext uri="{BB962C8B-B14F-4D97-AF65-F5344CB8AC3E}">
-        <p14:creationId xmlns:p14="http://schemas.microsoft.com/office/powerpoint/2010/main" val="1627911884"/>
+        <p14:creationId xmlns:p14="http://schemas.microsoft.com/office/powerpoint/2010/main" val="374484148"/>
       </p:ext>
     </p:extLst>
   </p:cSld>
@@ -4466,10 +4380,10 @@
       </p:grpSpPr>
       <p:sp>
         <p:nvSpPr>
-          <p:cNvPr id="2" name="제목 1">
+          <p:cNvPr id="4" name="제목 3">
             <a:extLst>
               <a:ext uri="{FF2B5EF4-FFF2-40B4-BE49-F238E27FC236}">
-                <a16:creationId xmlns:a16="http://schemas.microsoft.com/office/drawing/2014/main" id="{9896B29B-A1AE-E0C6-8543-753E63140B1C}"/>
+                <a16:creationId xmlns:a16="http://schemas.microsoft.com/office/drawing/2014/main" id="{AA6C3C0E-F24F-9763-AC2A-545FB7F3873E}"/>
               </a:ext>
             </a:extLst>
           </p:cNvPr>
@@ -4482,24 +4396,22 @@
         </p:nvSpPr>
         <p:spPr/>
         <p:txBody>
-          <a:bodyPr>
-            <a:normAutofit/>
-          </a:bodyPr>
-          <a:lstStyle/>
-          <a:p>
-            <a:r>
-              <a:rPr lang="ko-KR" altLang="en-US" b="1" dirty="0"/>
-              <a:t>실무형 심화개발</a:t>
-            </a:r>
-          </a:p>
-        </p:txBody>
-      </p:sp>
-      <p:sp>
-        <p:nvSpPr>
-          <p:cNvPr id="4" name="부제목 3">
+          <a:bodyPr/>
+          <a:lstStyle/>
+          <a:p>
+            <a:r>
+              <a:rPr lang="ko-KR" altLang="en-US" dirty="0"/>
+              <a:t>구현 실습</a:t>
+            </a:r>
+          </a:p>
+        </p:txBody>
+      </p:sp>
+      <p:sp>
+        <p:nvSpPr>
+          <p:cNvPr id="5" name="부제목 4">
             <a:extLst>
               <a:ext uri="{FF2B5EF4-FFF2-40B4-BE49-F238E27FC236}">
-                <a16:creationId xmlns:a16="http://schemas.microsoft.com/office/drawing/2014/main" id="{7219E4B9-47F6-C7CA-B046-1256225C3574}"/>
+                <a16:creationId xmlns:a16="http://schemas.microsoft.com/office/drawing/2014/main" id="{CAF74D28-A379-C9BB-D8F9-E3B6A7427E89}"/>
               </a:ext>
             </a:extLst>
           </p:cNvPr>
@@ -4512,33 +4424,15 @@
         </p:nvSpPr>
         <p:spPr/>
         <p:txBody>
-          <a:bodyPr>
-            <a:normAutofit/>
-          </a:bodyPr>
+          <a:bodyPr/>
           <a:lstStyle/>
           <a:p>
             <a:pPr marL="0" indent="0" algn="r">
               <a:buNone/>
             </a:pPr>
             <a:r>
-              <a:rPr lang="en-US" altLang="ko" b="1" dirty="0">
-                <a:solidFill>
-                  <a:srgbClr val="ED234B"/>
-                </a:solidFill>
-              </a:rPr>
-              <a:t>5</a:t>
-            </a:r>
-            <a:r>
-              <a:rPr lang="ko" altLang="ko-KR" b="1" dirty="0">
-                <a:solidFill>
-                  <a:srgbClr val="ED234B"/>
-                </a:solidFill>
-              </a:rPr>
-              <a:t> </a:t>
-            </a:r>
-            <a:r>
               <a:rPr lang="en-US" altLang="ko-KR" dirty="0"/>
-              <a:t>Circuit breaker</a:t>
+              <a:t>Rate Limiter</a:t>
             </a:r>
             <a:endParaRPr lang="ko-KR" altLang="en-US" dirty="0"/>
           </a:p>
@@ -4547,7 +4441,7 @@
     </p:spTree>
     <p:extLst>
       <p:ext uri="{BB962C8B-B14F-4D97-AF65-F5344CB8AC3E}">
-        <p14:creationId xmlns:p14="http://schemas.microsoft.com/office/powerpoint/2010/main" val="417457615"/>
+        <p14:creationId xmlns:p14="http://schemas.microsoft.com/office/powerpoint/2010/main" val="3937206611"/>
       </p:ext>
     </p:extLst>
   </p:cSld>
@@ -4576,10 +4470,10 @@
       </p:grpSpPr>
       <p:sp>
         <p:nvSpPr>
-          <p:cNvPr id="4" name="제목 3">
+          <p:cNvPr id="2" name="제목 1">
             <a:extLst>
               <a:ext uri="{FF2B5EF4-FFF2-40B4-BE49-F238E27FC236}">
-                <a16:creationId xmlns:a16="http://schemas.microsoft.com/office/drawing/2014/main" id="{AA6C3C0E-F24F-9763-AC2A-545FB7F3873E}"/>
+                <a16:creationId xmlns:a16="http://schemas.microsoft.com/office/drawing/2014/main" id="{9896B29B-A1AE-E0C6-8543-753E63140B1C}"/>
               </a:ext>
             </a:extLst>
           </p:cNvPr>
@@ -4592,22 +4486,24 @@
         </p:nvSpPr>
         <p:spPr/>
         <p:txBody>
-          <a:bodyPr/>
-          <a:lstStyle/>
-          <a:p>
-            <a:r>
-              <a:rPr lang="ko-KR" altLang="en-US" dirty="0"/>
-              <a:t>구현 실습</a:t>
-            </a:r>
-          </a:p>
-        </p:txBody>
-      </p:sp>
-      <p:sp>
-        <p:nvSpPr>
-          <p:cNvPr id="5" name="부제목 4">
+          <a:bodyPr>
+            <a:normAutofit/>
+          </a:bodyPr>
+          <a:lstStyle/>
+          <a:p>
+            <a:r>
+              <a:rPr lang="ko-KR" altLang="en-US" b="1" dirty="0"/>
+              <a:t>실무형 심화개발</a:t>
+            </a:r>
+          </a:p>
+        </p:txBody>
+      </p:sp>
+      <p:sp>
+        <p:nvSpPr>
+          <p:cNvPr id="4" name="부제목 3">
             <a:extLst>
               <a:ext uri="{FF2B5EF4-FFF2-40B4-BE49-F238E27FC236}">
-                <a16:creationId xmlns:a16="http://schemas.microsoft.com/office/drawing/2014/main" id="{CAF74D28-A379-C9BB-D8F9-E3B6A7427E89}"/>
+                <a16:creationId xmlns:a16="http://schemas.microsoft.com/office/drawing/2014/main" id="{7219E4B9-47F6-C7CA-B046-1256225C3574}"/>
               </a:ext>
             </a:extLst>
           </p:cNvPr>
@@ -4620,15 +4516,37 @@
         </p:nvSpPr>
         <p:spPr/>
         <p:txBody>
-          <a:bodyPr/>
+          <a:bodyPr>
+            <a:normAutofit/>
+          </a:bodyPr>
           <a:lstStyle/>
           <a:p>
             <a:pPr marL="0" indent="0" algn="r">
               <a:buNone/>
             </a:pPr>
             <a:r>
+              <a:rPr lang="en-US" altLang="ko" b="1" dirty="0">
+                <a:solidFill>
+                  <a:srgbClr val="ED234B"/>
+                </a:solidFill>
+              </a:rPr>
+              <a:t>5</a:t>
+            </a:r>
+            <a:r>
+              <a:rPr lang="ko" altLang="ko-KR" b="1" dirty="0">
+                <a:solidFill>
+                  <a:srgbClr val="ED234B"/>
+                </a:solidFill>
+              </a:rPr>
+              <a:t> </a:t>
+            </a:r>
+            <a:r>
               <a:rPr lang="en-US" altLang="ko-KR" dirty="0"/>
-              <a:t>Circuit Breaker</a:t>
+              <a:t>R2DBC </a:t>
+            </a:r>
+            <a:r>
+              <a:rPr lang="en-US" altLang="ko-KR" dirty="0" err="1"/>
+              <a:t>DbClient</a:t>
             </a:r>
             <a:endParaRPr lang="ko-KR" altLang="en-US" dirty="0"/>
           </a:p>
@@ -4637,7 +4555,7 @@
     </p:spTree>
     <p:extLst>
       <p:ext uri="{BB962C8B-B14F-4D97-AF65-F5344CB8AC3E}">
-        <p14:creationId xmlns:p14="http://schemas.microsoft.com/office/powerpoint/2010/main" val="45339774"/>
+        <p14:creationId xmlns:p14="http://schemas.microsoft.com/office/powerpoint/2010/main" val="90700437"/>
       </p:ext>
     </p:extLst>
   </p:cSld>
@@ -4717,17 +4635,28 @@
               <a:buNone/>
             </a:pPr>
             <a:r>
+              <a:rPr lang="en-US" altLang="ko-KR" dirty="0" err="1"/>
+              <a:t>DbClient</a:t>
+            </a:r>
+            <a:r>
+              <a:rPr lang="ko-KR" altLang="en-US" dirty="0"/>
+              <a:t>를 이용한 </a:t>
+            </a:r>
+            <a:r>
               <a:rPr lang="en-US" altLang="ko-KR" dirty="0"/>
-              <a:t>Rate Limiter</a:t>
-            </a:r>
-            <a:endParaRPr lang="ko-KR" altLang="en-US" dirty="0"/>
+              <a:t>native query </a:t>
+            </a:r>
+            <a:r>
+              <a:rPr lang="ko-KR" altLang="en-US" dirty="0"/>
+              <a:t>호출</a:t>
+            </a:r>
           </a:p>
         </p:txBody>
       </p:sp>
     </p:spTree>
     <p:extLst>
       <p:ext uri="{BB962C8B-B14F-4D97-AF65-F5344CB8AC3E}">
-        <p14:creationId xmlns:p14="http://schemas.microsoft.com/office/powerpoint/2010/main" val="3937206611"/>
+        <p14:creationId xmlns:p14="http://schemas.microsoft.com/office/powerpoint/2010/main" val="629929442"/>
       </p:ext>
     </p:extLst>
   </p:cSld>
@@ -4828,20 +4757,19 @@
             </a:r>
             <a:r>
               <a:rPr lang="en-US" altLang="ko-KR" dirty="0"/>
-              <a:t>R2DBC </a:t>
-            </a:r>
-            <a:r>
-              <a:rPr lang="en-US" altLang="ko-KR" dirty="0" err="1"/>
-              <a:t>DbClient</a:t>
-            </a:r>
-            <a:endParaRPr lang="ko-KR" altLang="en-US" dirty="0"/>
+              <a:t>Redis </a:t>
+            </a:r>
+            <a:r>
+              <a:rPr lang="ko-KR" altLang="en-US" dirty="0"/>
+              <a:t>연동</a:t>
+            </a:r>
           </a:p>
         </p:txBody>
       </p:sp>
     </p:spTree>
     <p:extLst>
       <p:ext uri="{BB962C8B-B14F-4D97-AF65-F5344CB8AC3E}">
-        <p14:creationId xmlns:p14="http://schemas.microsoft.com/office/powerpoint/2010/main" val="90700437"/>
+        <p14:creationId xmlns:p14="http://schemas.microsoft.com/office/powerpoint/2010/main" val="8129757"/>
       </p:ext>
     </p:extLst>
   </p:cSld>
@@ -4921,20 +4849,28 @@
               <a:buNone/>
             </a:pPr>
             <a:r>
+              <a:rPr lang="en-US" altLang="ko-KR" dirty="0"/>
+              <a:t>Redis </a:t>
+            </a:r>
+            <a:r>
+              <a:rPr lang="ko-KR" altLang="en-US" dirty="0"/>
+              <a:t>설치 및 </a:t>
+            </a:r>
+            <a:r>
+              <a:rPr lang="en-US" altLang="ko-KR" dirty="0"/>
+              <a:t>Reactive </a:t>
+            </a:r>
+            <a:r>
               <a:rPr lang="en-US" altLang="ko-KR" dirty="0" err="1"/>
-              <a:t>DbClient</a:t>
-            </a:r>
-            <a:r>
-              <a:rPr lang="ko-KR" altLang="en-US" dirty="0"/>
-              <a:t>를 이용한 </a:t>
+              <a:t>redis</a:t>
             </a:r>
             <a:r>
               <a:rPr lang="en-US" altLang="ko-KR" dirty="0"/>
-              <a:t>native query </a:t>
-            </a:r>
-            <a:r>
-              <a:rPr lang="ko-KR" altLang="en-US" dirty="0"/>
-              <a:t>호출</a:t>
+              <a:t> </a:t>
+            </a:r>
+            <a:r>
+              <a:rPr lang="ko-KR" altLang="en-US" dirty="0"/>
+              <a:t>연동</a:t>
             </a:r>
           </a:p>
         </p:txBody>
@@ -4942,7 +4878,7 @@
     </p:spTree>
     <p:extLst>
       <p:ext uri="{BB962C8B-B14F-4D97-AF65-F5344CB8AC3E}">
-        <p14:creationId xmlns:p14="http://schemas.microsoft.com/office/powerpoint/2010/main" val="629929442"/>
+        <p14:creationId xmlns:p14="http://schemas.microsoft.com/office/powerpoint/2010/main" val="2668402119"/>
       </p:ext>
     </p:extLst>
   </p:cSld>
@@ -4971,10 +4907,10 @@
       </p:grpSpPr>
       <p:sp>
         <p:nvSpPr>
-          <p:cNvPr id="2" name="제목 1">
+          <p:cNvPr id="4" name="제목 3">
             <a:extLst>
               <a:ext uri="{FF2B5EF4-FFF2-40B4-BE49-F238E27FC236}">
-                <a16:creationId xmlns:a16="http://schemas.microsoft.com/office/drawing/2014/main" id="{9896B29B-A1AE-E0C6-8543-753E63140B1C}"/>
+                <a16:creationId xmlns:a16="http://schemas.microsoft.com/office/drawing/2014/main" id="{AA6C3C0E-F24F-9763-AC2A-545FB7F3873E}"/>
               </a:ext>
             </a:extLst>
           </p:cNvPr>
@@ -4987,24 +4923,22 @@
         </p:nvSpPr>
         <p:spPr/>
         <p:txBody>
-          <a:bodyPr>
-            <a:normAutofit/>
-          </a:bodyPr>
-          <a:lstStyle/>
-          <a:p>
-            <a:r>
-              <a:rPr lang="ko-KR" altLang="en-US" b="1" dirty="0"/>
-              <a:t>실무형 심화개발</a:t>
-            </a:r>
-          </a:p>
-        </p:txBody>
-      </p:sp>
-      <p:sp>
-        <p:nvSpPr>
-          <p:cNvPr id="4" name="부제목 3">
+          <a:bodyPr/>
+          <a:lstStyle/>
+          <a:p>
+            <a:r>
+              <a:rPr lang="ko-KR" altLang="en-US" dirty="0"/>
+              <a:t>구현 실습</a:t>
+            </a:r>
+          </a:p>
+        </p:txBody>
+      </p:sp>
+      <p:sp>
+        <p:nvSpPr>
+          <p:cNvPr id="5" name="부제목 4">
             <a:extLst>
               <a:ext uri="{FF2B5EF4-FFF2-40B4-BE49-F238E27FC236}">
-                <a16:creationId xmlns:a16="http://schemas.microsoft.com/office/drawing/2014/main" id="{7219E4B9-47F6-C7CA-B046-1256225C3574}"/>
+                <a16:creationId xmlns:a16="http://schemas.microsoft.com/office/drawing/2014/main" id="{CAF74D28-A379-C9BB-D8F9-E3B6A7427E89}"/>
               </a:ext>
             </a:extLst>
           </p:cNvPr>
@@ -5017,37 +4951,19 @@
         </p:nvSpPr>
         <p:spPr/>
         <p:txBody>
-          <a:bodyPr>
-            <a:normAutofit/>
-          </a:bodyPr>
+          <a:bodyPr/>
           <a:lstStyle/>
           <a:p>
             <a:pPr marL="0" indent="0" algn="r">
               <a:buNone/>
             </a:pPr>
             <a:r>
-              <a:rPr lang="en-US" altLang="ko" b="1" dirty="0">
-                <a:solidFill>
-                  <a:srgbClr val="ED234B"/>
-                </a:solidFill>
-              </a:rPr>
-              <a:t>7</a:t>
-            </a:r>
-            <a:r>
-              <a:rPr lang="ko" altLang="ko-KR" b="1" dirty="0">
-                <a:solidFill>
-                  <a:srgbClr val="ED234B"/>
-                </a:solidFill>
-              </a:rPr>
-              <a:t> </a:t>
-            </a:r>
-            <a:r>
               <a:rPr lang="en-US" altLang="ko-KR" dirty="0"/>
               <a:t>Redis </a:t>
             </a:r>
             <a:r>
               <a:rPr lang="ko-KR" altLang="en-US" dirty="0"/>
-              <a:t>연동</a:t>
+              <a:t>연산</a:t>
             </a:r>
           </a:p>
         </p:txBody>
@@ -5055,7 +4971,7 @@
     </p:spTree>
     <p:extLst>
       <p:ext uri="{BB962C8B-B14F-4D97-AF65-F5344CB8AC3E}">
-        <p14:creationId xmlns:p14="http://schemas.microsoft.com/office/powerpoint/2010/main" val="8129757"/>
+        <p14:creationId xmlns:p14="http://schemas.microsoft.com/office/powerpoint/2010/main" val="660941890"/>
       </p:ext>
     </p:extLst>
   </p:cSld>
@@ -5084,10 +5000,10 @@
       </p:grpSpPr>
       <p:sp>
         <p:nvSpPr>
-          <p:cNvPr id="4" name="제목 3">
+          <p:cNvPr id="2" name="제목 1">
             <a:extLst>
               <a:ext uri="{FF2B5EF4-FFF2-40B4-BE49-F238E27FC236}">
-                <a16:creationId xmlns:a16="http://schemas.microsoft.com/office/drawing/2014/main" id="{AA6C3C0E-F24F-9763-AC2A-545FB7F3873E}"/>
+                <a16:creationId xmlns:a16="http://schemas.microsoft.com/office/drawing/2014/main" id="{9896B29B-A1AE-E0C6-8543-753E63140B1C}"/>
               </a:ext>
             </a:extLst>
           </p:cNvPr>
@@ -5100,22 +5016,24 @@
         </p:nvSpPr>
         <p:spPr/>
         <p:txBody>
-          <a:bodyPr/>
-          <a:lstStyle/>
-          <a:p>
-            <a:r>
-              <a:rPr lang="ko-KR" altLang="en-US" dirty="0"/>
-              <a:t>구현 실습</a:t>
-            </a:r>
-          </a:p>
-        </p:txBody>
-      </p:sp>
-      <p:sp>
-        <p:nvSpPr>
-          <p:cNvPr id="5" name="부제목 4">
+          <a:bodyPr>
+            <a:normAutofit/>
+          </a:bodyPr>
+          <a:lstStyle/>
+          <a:p>
+            <a:r>
+              <a:rPr lang="ko-KR" altLang="en-US" b="1" dirty="0"/>
+              <a:t>실무형 심화개발</a:t>
+            </a:r>
+          </a:p>
+        </p:txBody>
+      </p:sp>
+      <p:sp>
+        <p:nvSpPr>
+          <p:cNvPr id="4" name="부제목 3">
             <a:extLst>
               <a:ext uri="{FF2B5EF4-FFF2-40B4-BE49-F238E27FC236}">
-                <a16:creationId xmlns:a16="http://schemas.microsoft.com/office/drawing/2014/main" id="{CAF74D28-A379-C9BB-D8F9-E3B6A7427E89}"/>
+                <a16:creationId xmlns:a16="http://schemas.microsoft.com/office/drawing/2014/main" id="{7219E4B9-47F6-C7CA-B046-1256225C3574}"/>
               </a:ext>
             </a:extLst>
           </p:cNvPr>
@@ -5128,43 +5046,42 @@
         </p:nvSpPr>
         <p:spPr/>
         <p:txBody>
-          <a:bodyPr/>
+          <a:bodyPr>
+            <a:normAutofit/>
+          </a:bodyPr>
           <a:lstStyle/>
           <a:p>
             <a:pPr marL="0" indent="0" algn="r">
               <a:buNone/>
             </a:pPr>
             <a:r>
+              <a:rPr lang="en-US" altLang="ko" b="1" dirty="0">
+                <a:solidFill>
+                  <a:srgbClr val="ED234B"/>
+                </a:solidFill>
+              </a:rPr>
+              <a:t>7</a:t>
+            </a:r>
+            <a:r>
+              <a:rPr lang="ko" altLang="ko-KR" b="1" dirty="0">
+                <a:solidFill>
+                  <a:srgbClr val="ED234B"/>
+                </a:solidFill>
+              </a:rPr>
+              <a:t> </a:t>
+            </a:r>
+            <a:r>
               <a:rPr lang="en-US" altLang="ko-KR" dirty="0"/>
-              <a:t>Redis </a:t>
-            </a:r>
-            <a:r>
-              <a:rPr lang="ko-KR" altLang="en-US" dirty="0"/>
-              <a:t>설치 및 </a:t>
-            </a:r>
-            <a:r>
-              <a:rPr lang="en-US" altLang="ko-KR" dirty="0"/>
-              <a:t>Reactive </a:t>
-            </a:r>
-            <a:r>
-              <a:rPr lang="en-US" altLang="ko-KR" dirty="0" err="1"/>
-              <a:t>redis</a:t>
-            </a:r>
-            <a:r>
-              <a:rPr lang="en-US" altLang="ko-KR" dirty="0"/>
-              <a:t> </a:t>
-            </a:r>
-            <a:r>
-              <a:rPr lang="ko-KR" altLang="en-US" dirty="0"/>
-              <a:t>연동</a:t>
-            </a:r>
+              <a:t>Cache</a:t>
+            </a:r>
+            <a:endParaRPr lang="ko-KR" altLang="en-US" dirty="0"/>
           </a:p>
         </p:txBody>
       </p:sp>
     </p:spTree>
     <p:extLst>
       <p:ext uri="{BB962C8B-B14F-4D97-AF65-F5344CB8AC3E}">
-        <p14:creationId xmlns:p14="http://schemas.microsoft.com/office/powerpoint/2010/main" val="2668402119"/>
+        <p14:creationId xmlns:p14="http://schemas.microsoft.com/office/powerpoint/2010/main" val="3057315199"/>
       </p:ext>
     </p:extLst>
   </p:cSld>
@@ -5244,12 +5161,20 @@
               <a:buNone/>
             </a:pPr>
             <a:r>
+              <a:rPr lang="en-US" altLang="ko-KR" dirty="0" err="1"/>
+              <a:t>ReactiveRedisTemplate</a:t>
+            </a:r>
+            <a:r>
+              <a:rPr lang="ko-KR" altLang="en-US" dirty="0"/>
+              <a:t>을 이용한 </a:t>
+            </a:r>
+            <a:r>
               <a:rPr lang="en-US" altLang="ko-KR" dirty="0"/>
-              <a:t>Redis </a:t>
-            </a:r>
-            <a:r>
-              <a:rPr lang="ko-KR" altLang="en-US" dirty="0"/>
-              <a:t>연산</a:t>
+              <a:t>cache </a:t>
+            </a:r>
+            <a:r>
+              <a:rPr lang="ko-KR" altLang="en-US" dirty="0"/>
+              <a:t>구현</a:t>
             </a:r>
           </a:p>
         </p:txBody>
@@ -5257,7 +5182,7 @@
     </p:spTree>
     <p:extLst>
       <p:ext uri="{BB962C8B-B14F-4D97-AF65-F5344CB8AC3E}">
-        <p14:creationId xmlns:p14="http://schemas.microsoft.com/office/powerpoint/2010/main" val="660941890"/>
+        <p14:creationId xmlns:p14="http://schemas.microsoft.com/office/powerpoint/2010/main" val="4043954338"/>
       </p:ext>
     </p:extLst>
   </p:cSld>
@@ -5358,765 +5283,6 @@
             </a:r>
             <a:r>
               <a:rPr lang="en-US" altLang="ko-KR" dirty="0"/>
-              <a:t>Cache</a:t>
-            </a:r>
-            <a:endParaRPr lang="ko-KR" altLang="en-US" dirty="0"/>
-          </a:p>
-        </p:txBody>
-      </p:sp>
-    </p:spTree>
-    <p:extLst>
-      <p:ext uri="{BB962C8B-B14F-4D97-AF65-F5344CB8AC3E}">
-        <p14:creationId xmlns:p14="http://schemas.microsoft.com/office/powerpoint/2010/main" val="3057315199"/>
-      </p:ext>
-    </p:extLst>
-  </p:cSld>
-  <p:clrMapOvr>
-    <a:masterClrMapping/>
-  </p:clrMapOvr>
-</p:sld>
-</file>
-
-<file path=ppt/slides/slide19.xml><?xml version="1.0" encoding="utf-8"?>
-<p:sld xmlns:a="http://schemas.openxmlformats.org/drawingml/2006/main" xmlns:r="http://schemas.openxmlformats.org/officeDocument/2006/relationships" xmlns:p="http://schemas.openxmlformats.org/presentationml/2006/main">
-  <p:cSld>
-    <p:spTree>
-      <p:nvGrpSpPr>
-        <p:cNvPr id="1" name=""/>
-        <p:cNvGrpSpPr/>
-        <p:nvPr/>
-      </p:nvGrpSpPr>
-      <p:grpSpPr>
-        <a:xfrm>
-          <a:off x="0" y="0"/>
-          <a:ext cx="0" cy="0"/>
-          <a:chOff x="0" y="0"/>
-          <a:chExt cx="0" cy="0"/>
-        </a:xfrm>
-      </p:grpSpPr>
-      <p:sp>
-        <p:nvSpPr>
-          <p:cNvPr id="4" name="제목 3">
-            <a:extLst>
-              <a:ext uri="{FF2B5EF4-FFF2-40B4-BE49-F238E27FC236}">
-                <a16:creationId xmlns:a16="http://schemas.microsoft.com/office/drawing/2014/main" id="{AA6C3C0E-F24F-9763-AC2A-545FB7F3873E}"/>
-              </a:ext>
-            </a:extLst>
-          </p:cNvPr>
-          <p:cNvSpPr>
-            <a:spLocks noGrp="1"/>
-          </p:cNvSpPr>
-          <p:nvPr>
-            <p:ph type="ctrTitle"/>
-          </p:nvPr>
-        </p:nvSpPr>
-        <p:spPr/>
-        <p:txBody>
-          <a:bodyPr/>
-          <a:lstStyle/>
-          <a:p>
-            <a:r>
-              <a:rPr lang="ko-KR" altLang="en-US" dirty="0"/>
-              <a:t>구현 실습</a:t>
-            </a:r>
-          </a:p>
-        </p:txBody>
-      </p:sp>
-      <p:sp>
-        <p:nvSpPr>
-          <p:cNvPr id="5" name="부제목 4">
-            <a:extLst>
-              <a:ext uri="{FF2B5EF4-FFF2-40B4-BE49-F238E27FC236}">
-                <a16:creationId xmlns:a16="http://schemas.microsoft.com/office/drawing/2014/main" id="{CAF74D28-A379-C9BB-D8F9-E3B6A7427E89}"/>
-              </a:ext>
-            </a:extLst>
-          </p:cNvPr>
-          <p:cNvSpPr>
-            <a:spLocks noGrp="1"/>
-          </p:cNvSpPr>
-          <p:nvPr>
-            <p:ph type="subTitle" idx="1"/>
-          </p:nvPr>
-        </p:nvSpPr>
-        <p:spPr/>
-        <p:txBody>
-          <a:bodyPr/>
-          <a:lstStyle/>
-          <a:p>
-            <a:pPr marL="0" indent="0" algn="r">
-              <a:buNone/>
-            </a:pPr>
-            <a:r>
-              <a:rPr lang="en-US" altLang="ko-KR" dirty="0" err="1"/>
-              <a:t>ReactiveRedisTemplate</a:t>
-            </a:r>
-            <a:r>
-              <a:rPr lang="ko-KR" altLang="en-US" dirty="0"/>
-              <a:t>을 이용한 </a:t>
-            </a:r>
-            <a:r>
-              <a:rPr lang="en-US" altLang="ko-KR" dirty="0"/>
-              <a:t>cache </a:t>
-            </a:r>
-            <a:r>
-              <a:rPr lang="ko-KR" altLang="en-US" dirty="0"/>
-              <a:t>구현</a:t>
-            </a:r>
-          </a:p>
-        </p:txBody>
-      </p:sp>
-    </p:spTree>
-    <p:extLst>
-      <p:ext uri="{BB962C8B-B14F-4D97-AF65-F5344CB8AC3E}">
-        <p14:creationId xmlns:p14="http://schemas.microsoft.com/office/powerpoint/2010/main" val="4043954338"/>
-      </p:ext>
-    </p:extLst>
-  </p:cSld>
-  <p:clrMapOvr>
-    <a:masterClrMapping/>
-  </p:clrMapOvr>
-</p:sld>
-</file>
-
-<file path=ppt/slides/slide2.xml><?xml version="1.0" encoding="utf-8"?>
-<p:sld xmlns:a="http://schemas.openxmlformats.org/drawingml/2006/main" xmlns:r="http://schemas.openxmlformats.org/officeDocument/2006/relationships" xmlns:p="http://schemas.openxmlformats.org/presentationml/2006/main">
-  <p:cSld>
-    <p:spTree>
-      <p:nvGrpSpPr>
-        <p:cNvPr id="1" name=""/>
-        <p:cNvGrpSpPr/>
-        <p:nvPr/>
-      </p:nvGrpSpPr>
-      <p:grpSpPr>
-        <a:xfrm>
-          <a:off x="0" y="0"/>
-          <a:ext cx="0" cy="0"/>
-          <a:chOff x="0" y="0"/>
-          <a:chExt cx="0" cy="0"/>
-        </a:xfrm>
-      </p:grpSpPr>
-      <p:sp>
-        <p:nvSpPr>
-          <p:cNvPr id="4" name="제목 3">
-            <a:extLst>
-              <a:ext uri="{FF2B5EF4-FFF2-40B4-BE49-F238E27FC236}">
-                <a16:creationId xmlns:a16="http://schemas.microsoft.com/office/drawing/2014/main" id="{BDDC04C9-30B7-E09B-C770-06D6DCE208EF}"/>
-              </a:ext>
-            </a:extLst>
-          </p:cNvPr>
-          <p:cNvSpPr>
-            <a:spLocks noGrp="1"/>
-          </p:cNvSpPr>
-          <p:nvPr>
-            <p:ph type="title"/>
-          </p:nvPr>
-        </p:nvSpPr>
-        <p:spPr>
-          <a:xfrm>
-            <a:off x="628650" y="581030"/>
-            <a:ext cx="6915150" cy="433387"/>
-          </a:xfrm>
-        </p:spPr>
-        <p:txBody>
-          <a:bodyPr/>
-          <a:lstStyle/>
-          <a:p>
-            <a:r>
-              <a:rPr lang="en-US" altLang="ko-KR" dirty="0"/>
-              <a:t>UUID</a:t>
-            </a:r>
-            <a:endParaRPr lang="ko-KR" altLang="en-US" dirty="0"/>
-          </a:p>
-        </p:txBody>
-      </p:sp>
-      <p:sp>
-        <p:nvSpPr>
-          <p:cNvPr id="5" name="내용 개체 틀 4">
-            <a:extLst>
-              <a:ext uri="{FF2B5EF4-FFF2-40B4-BE49-F238E27FC236}">
-                <a16:creationId xmlns:a16="http://schemas.microsoft.com/office/drawing/2014/main" id="{9D0E1818-6C4A-FCDA-99D6-FEFDB277D7E4}"/>
-              </a:ext>
-            </a:extLst>
-          </p:cNvPr>
-          <p:cNvSpPr>
-            <a:spLocks noGrp="1"/>
-          </p:cNvSpPr>
-          <p:nvPr>
-            <p:ph idx="1"/>
-          </p:nvPr>
-        </p:nvSpPr>
-        <p:spPr/>
-        <p:txBody>
-          <a:bodyPr/>
-          <a:lstStyle/>
-          <a:p>
-            <a:pPr marL="0" indent="0">
-              <a:buNone/>
-            </a:pPr>
-            <a:r>
-              <a:rPr lang="en-US" altLang="ko-KR" dirty="0"/>
-              <a:t>UUID (U</a:t>
-            </a:r>
-            <a:r>
-              <a:rPr lang="en-US" altLang="ko-KR" dirty="0">
-                <a:solidFill>
-                  <a:schemeClr val="bg1">
-                    <a:lumMod val="75000"/>
-                  </a:schemeClr>
-                </a:solidFill>
-              </a:rPr>
-              <a:t>niversal</a:t>
-            </a:r>
-            <a:r>
-              <a:rPr lang="en-US" altLang="ko-KR" dirty="0"/>
-              <a:t> U</a:t>
-            </a:r>
-            <a:r>
-              <a:rPr lang="en-US" altLang="ko-KR" dirty="0">
-                <a:solidFill>
-                  <a:schemeClr val="bg1">
-                    <a:lumMod val="75000"/>
-                  </a:schemeClr>
-                </a:solidFill>
-              </a:rPr>
-              <a:t>nique</a:t>
-            </a:r>
-            <a:r>
-              <a:rPr lang="en-US" altLang="ko-KR" dirty="0"/>
-              <a:t> </a:t>
-            </a:r>
-            <a:r>
-              <a:rPr lang="en-US" altLang="ko-KR" dirty="0" err="1"/>
-              <a:t>ID</a:t>
-            </a:r>
-            <a:r>
-              <a:rPr lang="en-US" altLang="ko-KR" dirty="0" err="1">
-                <a:solidFill>
-                  <a:schemeClr val="bg1">
-                    <a:lumMod val="75000"/>
-                  </a:schemeClr>
-                </a:solidFill>
-              </a:rPr>
-              <a:t>entifier</a:t>
-            </a:r>
-            <a:r>
-              <a:rPr lang="en-US" altLang="ko-KR" dirty="0"/>
-              <a:t>)</a:t>
-            </a:r>
-          </a:p>
-          <a:p>
-            <a:pPr lvl="1"/>
-            <a:r>
-              <a:rPr lang="en-US" altLang="ko-KR" dirty="0"/>
-              <a:t>v4</a:t>
-            </a:r>
-          </a:p>
-          <a:p>
-            <a:pPr lvl="2"/>
-            <a:endParaRPr lang="en-US" altLang="ko-KR" dirty="0"/>
-          </a:p>
-          <a:p>
-            <a:pPr marL="342900" lvl="1" indent="0">
-              <a:buNone/>
-            </a:pPr>
-            <a:r>
-              <a:rPr lang="en-US" altLang="ko-KR" sz="2800" dirty="0">
-                <a:solidFill>
-                  <a:schemeClr val="accent1"/>
-                </a:solidFill>
-              </a:rPr>
-              <a:t>58b5dbdb</a:t>
-            </a:r>
-            <a:r>
-              <a:rPr lang="en-US" altLang="ko-KR" sz="2800" dirty="0"/>
-              <a:t>-</a:t>
-            </a:r>
-            <a:r>
-              <a:rPr lang="en-US" altLang="ko-KR" sz="2800" dirty="0">
-                <a:solidFill>
-                  <a:srgbClr val="DA2ADE"/>
-                </a:solidFill>
-              </a:rPr>
-              <a:t>71c4</a:t>
-            </a:r>
-            <a:r>
-              <a:rPr lang="en-US" altLang="ko-KR" sz="2800" dirty="0"/>
-              <a:t>-</a:t>
-            </a:r>
-            <a:r>
-              <a:rPr lang="en-US" altLang="ko-KR" sz="2800" dirty="0">
-                <a:solidFill>
-                  <a:schemeClr val="accent6">
-                    <a:lumMod val="75000"/>
-                  </a:schemeClr>
-                </a:solidFill>
-              </a:rPr>
-              <a:t>4874</a:t>
-            </a:r>
-            <a:r>
-              <a:rPr lang="en-US" altLang="ko-KR" sz="2800" dirty="0"/>
-              <a:t>-</a:t>
-            </a:r>
-            <a:r>
-              <a:rPr lang="en-US" altLang="ko-KR" sz="2800" dirty="0">
-                <a:solidFill>
-                  <a:srgbClr val="C00000"/>
-                </a:solidFill>
-              </a:rPr>
-              <a:t>9412</a:t>
-            </a:r>
-            <a:r>
-              <a:rPr lang="en-US" altLang="ko-KR" sz="2800" dirty="0"/>
-              <a:t>-</a:t>
-            </a:r>
-            <a:r>
-              <a:rPr lang="en-US" altLang="ko-KR" sz="2800" dirty="0">
-                <a:solidFill>
-                  <a:srgbClr val="7030A0"/>
-                </a:solidFill>
-              </a:rPr>
-              <a:t>ac47ca0ecb7c</a:t>
-            </a:r>
-          </a:p>
-        </p:txBody>
-      </p:sp>
-      <p:sp>
-        <p:nvSpPr>
-          <p:cNvPr id="6" name="Google Shape;209;p30">
-            <a:extLst>
-              <a:ext uri="{FF2B5EF4-FFF2-40B4-BE49-F238E27FC236}">
-                <a16:creationId xmlns:a16="http://schemas.microsoft.com/office/drawing/2014/main" id="{BEF45BA4-E8C5-733F-55F2-CDF231C4EBFB}"/>
-              </a:ext>
-            </a:extLst>
-          </p:cNvPr>
-          <p:cNvSpPr/>
-          <p:nvPr/>
-        </p:nvSpPr>
-        <p:spPr>
-          <a:xfrm>
-            <a:off x="7811013" y="528014"/>
-            <a:ext cx="952500" cy="298200"/>
-          </a:xfrm>
-          <a:prstGeom prst="rect">
-            <a:avLst/>
-          </a:prstGeom>
-          <a:noFill/>
-          <a:ln>
-            <a:noFill/>
-          </a:ln>
-        </p:spPr>
-        <p:txBody>
-          <a:bodyPr spcFirstLastPara="1" wrap="square" lIns="19050" tIns="19050" rIns="19050" bIns="19050" anchor="t" anchorCtr="0">
-            <a:noAutofit/>
-          </a:bodyPr>
-          <a:lstStyle/>
-          <a:p>
-            <a:pPr marL="63500" marR="0" lvl="1" indent="0" algn="l" rtl="0">
-              <a:lnSpc>
-                <a:spcPct val="90000"/>
-              </a:lnSpc>
-              <a:spcBef>
-                <a:spcPts val="0"/>
-              </a:spcBef>
-              <a:spcAft>
-                <a:spcPts val="0"/>
-              </a:spcAft>
-              <a:buNone/>
-            </a:pPr>
-            <a:r>
-              <a:rPr lang="en-US" altLang="ko" sz="1200" b="1" dirty="0">
-                <a:solidFill>
-                  <a:schemeClr val="bg1"/>
-                </a:solidFill>
-                <a:latin typeface="Arial"/>
-                <a:ea typeface="Arial"/>
-                <a:cs typeface="Arial"/>
-                <a:sym typeface="Arial"/>
-              </a:rPr>
-              <a:t>1</a:t>
-            </a:r>
-            <a:r>
-              <a:rPr lang="ko" sz="1200" b="1" i="0" u="none" strike="noStrike" cap="none" dirty="0">
-                <a:solidFill>
-                  <a:schemeClr val="bg1"/>
-                </a:solidFill>
-                <a:latin typeface="Arial"/>
-                <a:ea typeface="Arial"/>
-                <a:cs typeface="Arial"/>
-                <a:sym typeface="Arial"/>
-              </a:rPr>
-              <a:t>.</a:t>
-            </a:r>
-            <a:endParaRPr sz="500" dirty="0">
-              <a:solidFill>
-                <a:schemeClr val="bg1"/>
-              </a:solidFill>
-            </a:endParaRPr>
-          </a:p>
-        </p:txBody>
-      </p:sp>
-      <p:sp>
-        <p:nvSpPr>
-          <p:cNvPr id="7" name="Google Shape;210;p30">
-            <a:extLst>
-              <a:ext uri="{FF2B5EF4-FFF2-40B4-BE49-F238E27FC236}">
-                <a16:creationId xmlns:a16="http://schemas.microsoft.com/office/drawing/2014/main" id="{DA62B929-65C8-9F20-D312-E70F2759AF7B}"/>
-              </a:ext>
-            </a:extLst>
-          </p:cNvPr>
-          <p:cNvSpPr/>
-          <p:nvPr/>
-        </p:nvSpPr>
-        <p:spPr>
-          <a:xfrm>
-            <a:off x="7811013" y="825047"/>
-            <a:ext cx="952500" cy="293400"/>
-          </a:xfrm>
-          <a:prstGeom prst="rect">
-            <a:avLst/>
-          </a:prstGeom>
-          <a:noFill/>
-          <a:ln>
-            <a:noFill/>
-          </a:ln>
-        </p:spPr>
-        <p:txBody>
-          <a:bodyPr spcFirstLastPara="1" wrap="square" lIns="19050" tIns="19050" rIns="19050" bIns="19050" anchor="t" anchorCtr="0">
-            <a:noAutofit/>
-          </a:bodyPr>
-          <a:lstStyle/>
-          <a:p>
-            <a:pPr marL="63500" marR="0" lvl="1" indent="0" algn="l" rtl="0">
-              <a:spcBef>
-                <a:spcPts val="200"/>
-              </a:spcBef>
-              <a:spcAft>
-                <a:spcPts val="0"/>
-              </a:spcAft>
-              <a:buClr>
-                <a:srgbClr val="000000"/>
-              </a:buClr>
-              <a:buFont typeface="Arial"/>
-              <a:buNone/>
-            </a:pPr>
-            <a:r>
-              <a:rPr lang="en-US" sz="800" dirty="0">
-                <a:solidFill>
-                  <a:schemeClr val="bg1"/>
-                </a:solidFill>
-              </a:rPr>
-              <a:t>Trace ID Logging</a:t>
-            </a:r>
-            <a:endParaRPr sz="800" dirty="0">
-              <a:solidFill>
-                <a:schemeClr val="bg1"/>
-              </a:solidFill>
-            </a:endParaRPr>
-          </a:p>
-        </p:txBody>
-      </p:sp>
-      <p:sp>
-        <p:nvSpPr>
-          <p:cNvPr id="9" name="사각형: 둥근 모서리 8">
-            <a:extLst>
-              <a:ext uri="{FF2B5EF4-FFF2-40B4-BE49-F238E27FC236}">
-                <a16:creationId xmlns:a16="http://schemas.microsoft.com/office/drawing/2014/main" id="{F2A539DF-E00D-4812-C043-154505F5F3A8}"/>
-              </a:ext>
-            </a:extLst>
-          </p:cNvPr>
-          <p:cNvSpPr/>
-          <p:nvPr/>
-        </p:nvSpPr>
-        <p:spPr>
-          <a:xfrm>
-            <a:off x="3943349" y="2672135"/>
-            <a:ext cx="228601" cy="589817"/>
-          </a:xfrm>
-          <a:prstGeom prst="roundRect">
-            <a:avLst/>
-          </a:prstGeom>
-          <a:noFill/>
-          <a:ln w="28575">
-            <a:solidFill>
-              <a:srgbClr val="FF0000"/>
-            </a:solidFill>
-          </a:ln>
-        </p:spPr>
-        <p:style>
-          <a:lnRef idx="2">
-            <a:schemeClr val="accent1">
-              <a:shade val="15000"/>
-            </a:schemeClr>
-          </a:lnRef>
-          <a:fillRef idx="1">
-            <a:schemeClr val="accent1"/>
-          </a:fillRef>
-          <a:effectRef idx="0">
-            <a:schemeClr val="accent1"/>
-          </a:effectRef>
-          <a:fontRef idx="minor">
-            <a:schemeClr val="lt1"/>
-          </a:fontRef>
-        </p:style>
-        <p:txBody>
-          <a:bodyPr rtlCol="0" anchor="ctr"/>
-          <a:lstStyle/>
-          <a:p>
-            <a:pPr algn="ctr"/>
-            <a:endParaRPr lang="ko-KR" altLang="en-US"/>
-          </a:p>
-        </p:txBody>
-      </p:sp>
-      <p:sp>
-        <p:nvSpPr>
-          <p:cNvPr id="10" name="사각형: 둥근 모서리 9">
-            <a:extLst>
-              <a:ext uri="{FF2B5EF4-FFF2-40B4-BE49-F238E27FC236}">
-                <a16:creationId xmlns:a16="http://schemas.microsoft.com/office/drawing/2014/main" id="{D79F2C64-5BAE-B21B-5983-C6C93B7242A7}"/>
-              </a:ext>
-            </a:extLst>
-          </p:cNvPr>
-          <p:cNvSpPr/>
-          <p:nvPr/>
-        </p:nvSpPr>
-        <p:spPr>
-          <a:xfrm>
-            <a:off x="4957762" y="2672134"/>
-            <a:ext cx="228601" cy="589817"/>
-          </a:xfrm>
-          <a:prstGeom prst="roundRect">
-            <a:avLst/>
-          </a:prstGeom>
-          <a:noFill/>
-          <a:ln w="28575">
-            <a:solidFill>
-              <a:srgbClr val="FF0000"/>
-            </a:solidFill>
-          </a:ln>
-        </p:spPr>
-        <p:style>
-          <a:lnRef idx="2">
-            <a:schemeClr val="accent1">
-              <a:shade val="15000"/>
-            </a:schemeClr>
-          </a:lnRef>
-          <a:fillRef idx="1">
-            <a:schemeClr val="accent1"/>
-          </a:fillRef>
-          <a:effectRef idx="0">
-            <a:schemeClr val="accent1"/>
-          </a:effectRef>
-          <a:fontRef idx="minor">
-            <a:schemeClr val="lt1"/>
-          </a:fontRef>
-        </p:style>
-        <p:txBody>
-          <a:bodyPr rtlCol="0" anchor="ctr"/>
-          <a:lstStyle/>
-          <a:p>
-            <a:pPr algn="ctr"/>
-            <a:endParaRPr lang="ko-KR" altLang="en-US"/>
-          </a:p>
-        </p:txBody>
-      </p:sp>
-      <p:sp>
-        <p:nvSpPr>
-          <p:cNvPr id="11" name="TextBox 10">
-            <a:extLst>
-              <a:ext uri="{FF2B5EF4-FFF2-40B4-BE49-F238E27FC236}">
-                <a16:creationId xmlns:a16="http://schemas.microsoft.com/office/drawing/2014/main" id="{6A771DFA-FEFE-941B-1FD5-FB822A3278E4}"/>
-              </a:ext>
-            </a:extLst>
-          </p:cNvPr>
-          <p:cNvSpPr txBox="1"/>
-          <p:nvPr/>
-        </p:nvSpPr>
-        <p:spPr>
-          <a:xfrm>
-            <a:off x="3535224" y="3422647"/>
-            <a:ext cx="816249" cy="369332"/>
-          </a:xfrm>
-          <a:prstGeom prst="rect">
-            <a:avLst/>
-          </a:prstGeom>
-          <a:noFill/>
-        </p:spPr>
-        <p:txBody>
-          <a:bodyPr wrap="none" rtlCol="0">
-            <a:spAutoFit/>
-          </a:bodyPr>
-          <a:lstStyle/>
-          <a:p>
-            <a:r>
-              <a:rPr lang="ko-KR" altLang="en-US" dirty="0">
-                <a:latin typeface="Spoqa Han Sans Neo Medium" pitchFamily="2" charset="-127"/>
-                <a:ea typeface="Spoqa Han Sans Neo Medium" pitchFamily="2" charset="-127"/>
-              </a:rPr>
-              <a:t>항상 </a:t>
-            </a:r>
-            <a:r>
-              <a:rPr lang="en-US" altLang="ko-KR" dirty="0">
-                <a:latin typeface="Spoqa Han Sans Neo Medium" pitchFamily="2" charset="-127"/>
-                <a:ea typeface="Spoqa Han Sans Neo Medium" pitchFamily="2" charset="-127"/>
-              </a:rPr>
-              <a:t>4</a:t>
-            </a:r>
-            <a:endParaRPr lang="ko-KR" altLang="en-US" dirty="0">
-              <a:latin typeface="Spoqa Han Sans Neo Medium" pitchFamily="2" charset="-127"/>
-              <a:ea typeface="Spoqa Han Sans Neo Medium" pitchFamily="2" charset="-127"/>
-            </a:endParaRPr>
-          </a:p>
-        </p:txBody>
-      </p:sp>
-      <p:sp>
-        <p:nvSpPr>
-          <p:cNvPr id="12" name="TextBox 11">
-            <a:extLst>
-              <a:ext uri="{FF2B5EF4-FFF2-40B4-BE49-F238E27FC236}">
-                <a16:creationId xmlns:a16="http://schemas.microsoft.com/office/drawing/2014/main" id="{B9BCEED8-CB94-A547-6AFC-FEE013876B5A}"/>
-              </a:ext>
-            </a:extLst>
-          </p:cNvPr>
-          <p:cNvSpPr txBox="1"/>
-          <p:nvPr/>
-        </p:nvSpPr>
-        <p:spPr>
-          <a:xfrm>
-            <a:off x="4663937" y="3422647"/>
-            <a:ext cx="1625766" cy="369332"/>
-          </a:xfrm>
-          <a:prstGeom prst="rect">
-            <a:avLst/>
-          </a:prstGeom>
-          <a:noFill/>
-        </p:spPr>
-        <p:txBody>
-          <a:bodyPr wrap="none" rtlCol="0">
-            <a:spAutoFit/>
-          </a:bodyPr>
-          <a:lstStyle/>
-          <a:p>
-            <a:r>
-              <a:rPr lang="en-US" altLang="ko-KR" dirty="0">
-                <a:latin typeface="Spoqa Han Sans Neo Medium" pitchFamily="2" charset="-127"/>
-                <a:ea typeface="Spoqa Han Sans Neo Medium" pitchFamily="2" charset="-127"/>
-              </a:rPr>
-              <a:t>8,9,a,b </a:t>
-            </a:r>
-            <a:r>
-              <a:rPr lang="ko-KR" altLang="en-US" dirty="0">
-                <a:latin typeface="Spoqa Han Sans Neo Medium" pitchFamily="2" charset="-127"/>
-                <a:ea typeface="Spoqa Han Sans Neo Medium" pitchFamily="2" charset="-127"/>
-              </a:rPr>
-              <a:t>중 하나</a:t>
-            </a:r>
-          </a:p>
-        </p:txBody>
-      </p:sp>
-    </p:spTree>
-    <p:extLst>
-      <p:ext uri="{BB962C8B-B14F-4D97-AF65-F5344CB8AC3E}">
-        <p14:creationId xmlns:p14="http://schemas.microsoft.com/office/powerpoint/2010/main" val="422324226"/>
-      </p:ext>
-    </p:extLst>
-  </p:cSld>
-  <p:clrMapOvr>
-    <a:masterClrMapping/>
-  </p:clrMapOvr>
-</p:sld>
-</file>
-
-<file path=ppt/slides/slide20.xml><?xml version="1.0" encoding="utf-8"?>
-<p:sld xmlns:a="http://schemas.openxmlformats.org/drawingml/2006/main" xmlns:r="http://schemas.openxmlformats.org/officeDocument/2006/relationships" xmlns:p="http://schemas.openxmlformats.org/presentationml/2006/main">
-  <p:cSld>
-    <p:spTree>
-      <p:nvGrpSpPr>
-        <p:cNvPr id="1" name=""/>
-        <p:cNvGrpSpPr/>
-        <p:nvPr/>
-      </p:nvGrpSpPr>
-      <p:grpSpPr>
-        <a:xfrm>
-          <a:off x="0" y="0"/>
-          <a:ext cx="0" cy="0"/>
-          <a:chOff x="0" y="0"/>
-          <a:chExt cx="0" cy="0"/>
-        </a:xfrm>
-      </p:grpSpPr>
-      <p:sp>
-        <p:nvSpPr>
-          <p:cNvPr id="2" name="제목 1">
-            <a:extLst>
-              <a:ext uri="{FF2B5EF4-FFF2-40B4-BE49-F238E27FC236}">
-                <a16:creationId xmlns:a16="http://schemas.microsoft.com/office/drawing/2014/main" id="{9896B29B-A1AE-E0C6-8543-753E63140B1C}"/>
-              </a:ext>
-            </a:extLst>
-          </p:cNvPr>
-          <p:cNvSpPr>
-            <a:spLocks noGrp="1"/>
-          </p:cNvSpPr>
-          <p:nvPr>
-            <p:ph type="ctrTitle"/>
-          </p:nvPr>
-        </p:nvSpPr>
-        <p:spPr/>
-        <p:txBody>
-          <a:bodyPr>
-            <a:normAutofit/>
-          </a:bodyPr>
-          <a:lstStyle/>
-          <a:p>
-            <a:r>
-              <a:rPr lang="ko-KR" altLang="en-US" b="1" dirty="0"/>
-              <a:t>실무형 심화개발</a:t>
-            </a:r>
-          </a:p>
-        </p:txBody>
-      </p:sp>
-      <p:sp>
-        <p:nvSpPr>
-          <p:cNvPr id="4" name="부제목 3">
-            <a:extLst>
-              <a:ext uri="{FF2B5EF4-FFF2-40B4-BE49-F238E27FC236}">
-                <a16:creationId xmlns:a16="http://schemas.microsoft.com/office/drawing/2014/main" id="{7219E4B9-47F6-C7CA-B046-1256225C3574}"/>
-              </a:ext>
-            </a:extLst>
-          </p:cNvPr>
-          <p:cNvSpPr>
-            <a:spLocks noGrp="1"/>
-          </p:cNvSpPr>
-          <p:nvPr>
-            <p:ph type="subTitle" idx="1"/>
-          </p:nvPr>
-        </p:nvSpPr>
-        <p:spPr/>
-        <p:txBody>
-          <a:bodyPr>
-            <a:normAutofit/>
-          </a:bodyPr>
-          <a:lstStyle/>
-          <a:p>
-            <a:pPr marL="0" indent="0" algn="r">
-              <a:buNone/>
-            </a:pPr>
-            <a:r>
-              <a:rPr lang="en-US" altLang="ko" b="1" dirty="0">
-                <a:solidFill>
-                  <a:srgbClr val="ED234B"/>
-                </a:solidFill>
-              </a:rPr>
-              <a:t>9</a:t>
-            </a:r>
-            <a:r>
-              <a:rPr lang="ko" altLang="ko-KR" b="1" dirty="0">
-                <a:solidFill>
-                  <a:srgbClr val="ED234B"/>
-                </a:solidFill>
-              </a:rPr>
-              <a:t> </a:t>
-            </a:r>
-            <a:r>
-              <a:rPr lang="en-US" altLang="ko-KR" dirty="0"/>
               <a:t>Lock</a:t>
             </a:r>
             <a:endParaRPr lang="ko-KR" altLang="en-US" dirty="0"/>
@@ -6136,7 +5302,7 @@
 </p:sld>
 </file>
 
-<file path=ppt/slides/slide21.xml><?xml version="1.0" encoding="utf-8"?>
+<file path=ppt/slides/slide19.xml><?xml version="1.0" encoding="utf-8"?>
 <p:sld xmlns:a="http://schemas.openxmlformats.org/drawingml/2006/main" xmlns:r="http://schemas.openxmlformats.org/officeDocument/2006/relationships" xmlns:p="http://schemas.openxmlformats.org/presentationml/2006/main">
   <p:cSld>
     <p:spTree>
@@ -6359,7 +5525,7 @@
 </p:sld>
 </file>
 
-<file path=ppt/slides/slide22.xml><?xml version="1.0" encoding="utf-8"?>
+<file path=ppt/slides/slide2.xml><?xml version="1.0" encoding="utf-8"?>
 <p:sld xmlns:a="http://schemas.openxmlformats.org/drawingml/2006/main" xmlns:r="http://schemas.openxmlformats.org/officeDocument/2006/relationships" xmlns:p="http://schemas.openxmlformats.org/presentationml/2006/main">
   <p:cSld>
     <p:spTree>
@@ -6381,6 +5547,554 @@
           <p:cNvPr id="4" name="제목 3">
             <a:extLst>
               <a:ext uri="{FF2B5EF4-FFF2-40B4-BE49-F238E27FC236}">
+                <a16:creationId xmlns:a16="http://schemas.microsoft.com/office/drawing/2014/main" id="{BDDC04C9-30B7-E09B-C770-06D6DCE208EF}"/>
+              </a:ext>
+            </a:extLst>
+          </p:cNvPr>
+          <p:cNvSpPr>
+            <a:spLocks noGrp="1"/>
+          </p:cNvSpPr>
+          <p:nvPr>
+            <p:ph type="title"/>
+          </p:nvPr>
+        </p:nvSpPr>
+        <p:spPr>
+          <a:xfrm>
+            <a:off x="628650" y="581030"/>
+            <a:ext cx="6915150" cy="433387"/>
+          </a:xfrm>
+        </p:spPr>
+        <p:txBody>
+          <a:bodyPr/>
+          <a:lstStyle/>
+          <a:p>
+            <a:r>
+              <a:rPr lang="en-US" altLang="ko-KR" dirty="0"/>
+              <a:t>UUID</a:t>
+            </a:r>
+            <a:endParaRPr lang="ko-KR" altLang="en-US" dirty="0"/>
+          </a:p>
+        </p:txBody>
+      </p:sp>
+      <p:sp>
+        <p:nvSpPr>
+          <p:cNvPr id="5" name="내용 개체 틀 4">
+            <a:extLst>
+              <a:ext uri="{FF2B5EF4-FFF2-40B4-BE49-F238E27FC236}">
+                <a16:creationId xmlns:a16="http://schemas.microsoft.com/office/drawing/2014/main" id="{9D0E1818-6C4A-FCDA-99D6-FEFDB277D7E4}"/>
+              </a:ext>
+            </a:extLst>
+          </p:cNvPr>
+          <p:cNvSpPr>
+            <a:spLocks noGrp="1"/>
+          </p:cNvSpPr>
+          <p:nvPr>
+            <p:ph idx="1"/>
+          </p:nvPr>
+        </p:nvSpPr>
+        <p:spPr/>
+        <p:txBody>
+          <a:bodyPr/>
+          <a:lstStyle/>
+          <a:p>
+            <a:pPr marL="0" indent="0">
+              <a:buNone/>
+            </a:pPr>
+            <a:r>
+              <a:rPr lang="en-US" altLang="ko-KR" dirty="0"/>
+              <a:t>UUID (U</a:t>
+            </a:r>
+            <a:r>
+              <a:rPr lang="en-US" altLang="ko-KR" dirty="0">
+                <a:solidFill>
+                  <a:schemeClr val="bg1">
+                    <a:lumMod val="75000"/>
+                  </a:schemeClr>
+                </a:solidFill>
+              </a:rPr>
+              <a:t>niversal</a:t>
+            </a:r>
+            <a:r>
+              <a:rPr lang="en-US" altLang="ko-KR" dirty="0"/>
+              <a:t> U</a:t>
+            </a:r>
+            <a:r>
+              <a:rPr lang="en-US" altLang="ko-KR" dirty="0">
+                <a:solidFill>
+                  <a:schemeClr val="bg1">
+                    <a:lumMod val="75000"/>
+                  </a:schemeClr>
+                </a:solidFill>
+              </a:rPr>
+              <a:t>nique</a:t>
+            </a:r>
+            <a:r>
+              <a:rPr lang="en-US" altLang="ko-KR" dirty="0"/>
+              <a:t> </a:t>
+            </a:r>
+            <a:r>
+              <a:rPr lang="en-US" altLang="ko-KR" dirty="0" err="1"/>
+              <a:t>ID</a:t>
+            </a:r>
+            <a:r>
+              <a:rPr lang="en-US" altLang="ko-KR" dirty="0" err="1">
+                <a:solidFill>
+                  <a:schemeClr val="bg1">
+                    <a:lumMod val="75000"/>
+                  </a:schemeClr>
+                </a:solidFill>
+              </a:rPr>
+              <a:t>entifier</a:t>
+            </a:r>
+            <a:r>
+              <a:rPr lang="en-US" altLang="ko-KR" dirty="0"/>
+              <a:t>)</a:t>
+            </a:r>
+          </a:p>
+          <a:p>
+            <a:pPr lvl="1"/>
+            <a:r>
+              <a:rPr lang="en-US" altLang="ko-KR" dirty="0"/>
+              <a:t>v4</a:t>
+            </a:r>
+          </a:p>
+          <a:p>
+            <a:pPr lvl="2"/>
+            <a:endParaRPr lang="en-US" altLang="ko-KR" dirty="0"/>
+          </a:p>
+          <a:p>
+            <a:pPr marL="342900" lvl="1" indent="0">
+              <a:buNone/>
+            </a:pPr>
+            <a:r>
+              <a:rPr lang="en-US" altLang="ko-KR" sz="2800" dirty="0">
+                <a:solidFill>
+                  <a:schemeClr val="accent1"/>
+                </a:solidFill>
+              </a:rPr>
+              <a:t>58b5dbdb</a:t>
+            </a:r>
+            <a:r>
+              <a:rPr lang="en-US" altLang="ko-KR" sz="2800" dirty="0"/>
+              <a:t>-</a:t>
+            </a:r>
+            <a:r>
+              <a:rPr lang="en-US" altLang="ko-KR" sz="2800" dirty="0">
+                <a:solidFill>
+                  <a:srgbClr val="DA2ADE"/>
+                </a:solidFill>
+              </a:rPr>
+              <a:t>71c4</a:t>
+            </a:r>
+            <a:r>
+              <a:rPr lang="en-US" altLang="ko-KR" sz="2800" dirty="0"/>
+              <a:t>-</a:t>
+            </a:r>
+            <a:r>
+              <a:rPr lang="en-US" altLang="ko-KR" sz="2800" dirty="0">
+                <a:solidFill>
+                  <a:schemeClr val="accent6">
+                    <a:lumMod val="75000"/>
+                  </a:schemeClr>
+                </a:solidFill>
+              </a:rPr>
+              <a:t>4874</a:t>
+            </a:r>
+            <a:r>
+              <a:rPr lang="en-US" altLang="ko-KR" sz="2800" dirty="0"/>
+              <a:t>-</a:t>
+            </a:r>
+            <a:r>
+              <a:rPr lang="en-US" altLang="ko-KR" sz="2800" dirty="0">
+                <a:solidFill>
+                  <a:srgbClr val="C00000"/>
+                </a:solidFill>
+              </a:rPr>
+              <a:t>9412</a:t>
+            </a:r>
+            <a:r>
+              <a:rPr lang="en-US" altLang="ko-KR" sz="2800" dirty="0"/>
+              <a:t>-</a:t>
+            </a:r>
+            <a:r>
+              <a:rPr lang="en-US" altLang="ko-KR" sz="2800" dirty="0">
+                <a:solidFill>
+                  <a:srgbClr val="7030A0"/>
+                </a:solidFill>
+              </a:rPr>
+              <a:t>ac47ca0ecb7c</a:t>
+            </a:r>
+          </a:p>
+        </p:txBody>
+      </p:sp>
+      <p:sp>
+        <p:nvSpPr>
+          <p:cNvPr id="6" name="Google Shape;209;p30">
+            <a:extLst>
+              <a:ext uri="{FF2B5EF4-FFF2-40B4-BE49-F238E27FC236}">
+                <a16:creationId xmlns:a16="http://schemas.microsoft.com/office/drawing/2014/main" id="{BEF45BA4-E8C5-733F-55F2-CDF231C4EBFB}"/>
+              </a:ext>
+            </a:extLst>
+          </p:cNvPr>
+          <p:cNvSpPr/>
+          <p:nvPr/>
+        </p:nvSpPr>
+        <p:spPr>
+          <a:xfrm>
+            <a:off x="7811013" y="528014"/>
+            <a:ext cx="952500" cy="298200"/>
+          </a:xfrm>
+          <a:prstGeom prst="rect">
+            <a:avLst/>
+          </a:prstGeom>
+          <a:noFill/>
+          <a:ln>
+            <a:noFill/>
+          </a:ln>
+        </p:spPr>
+        <p:txBody>
+          <a:bodyPr spcFirstLastPara="1" wrap="square" lIns="19050" tIns="19050" rIns="19050" bIns="19050" anchor="t" anchorCtr="0">
+            <a:noAutofit/>
+          </a:bodyPr>
+          <a:lstStyle/>
+          <a:p>
+            <a:pPr marL="63500" marR="0" lvl="1" indent="0" algn="l" rtl="0">
+              <a:lnSpc>
+                <a:spcPct val="90000"/>
+              </a:lnSpc>
+              <a:spcBef>
+                <a:spcPts val="0"/>
+              </a:spcBef>
+              <a:spcAft>
+                <a:spcPts val="0"/>
+              </a:spcAft>
+              <a:buNone/>
+            </a:pPr>
+            <a:r>
+              <a:rPr lang="en-US" altLang="ko" sz="1200" b="1" dirty="0">
+                <a:solidFill>
+                  <a:schemeClr val="bg1"/>
+                </a:solidFill>
+                <a:latin typeface="Arial"/>
+                <a:ea typeface="Arial"/>
+                <a:cs typeface="Arial"/>
+                <a:sym typeface="Arial"/>
+              </a:rPr>
+              <a:t>1</a:t>
+            </a:r>
+            <a:r>
+              <a:rPr lang="ko" sz="1200" b="1" i="0" u="none" strike="noStrike" cap="none" dirty="0">
+                <a:solidFill>
+                  <a:schemeClr val="bg1"/>
+                </a:solidFill>
+                <a:latin typeface="Arial"/>
+                <a:ea typeface="Arial"/>
+                <a:cs typeface="Arial"/>
+                <a:sym typeface="Arial"/>
+              </a:rPr>
+              <a:t>.</a:t>
+            </a:r>
+            <a:endParaRPr sz="500" dirty="0">
+              <a:solidFill>
+                <a:schemeClr val="bg1"/>
+              </a:solidFill>
+            </a:endParaRPr>
+          </a:p>
+        </p:txBody>
+      </p:sp>
+      <p:sp>
+        <p:nvSpPr>
+          <p:cNvPr id="7" name="Google Shape;210;p30">
+            <a:extLst>
+              <a:ext uri="{FF2B5EF4-FFF2-40B4-BE49-F238E27FC236}">
+                <a16:creationId xmlns:a16="http://schemas.microsoft.com/office/drawing/2014/main" id="{DA62B929-65C8-9F20-D312-E70F2759AF7B}"/>
+              </a:ext>
+            </a:extLst>
+          </p:cNvPr>
+          <p:cNvSpPr/>
+          <p:nvPr/>
+        </p:nvSpPr>
+        <p:spPr>
+          <a:xfrm>
+            <a:off x="7811013" y="825047"/>
+            <a:ext cx="952500" cy="293400"/>
+          </a:xfrm>
+          <a:prstGeom prst="rect">
+            <a:avLst/>
+          </a:prstGeom>
+          <a:noFill/>
+          <a:ln>
+            <a:noFill/>
+          </a:ln>
+        </p:spPr>
+        <p:txBody>
+          <a:bodyPr spcFirstLastPara="1" wrap="square" lIns="19050" tIns="19050" rIns="19050" bIns="19050" anchor="t" anchorCtr="0">
+            <a:noAutofit/>
+          </a:bodyPr>
+          <a:lstStyle/>
+          <a:p>
+            <a:pPr marL="63500" marR="0" lvl="1" indent="0" algn="l" rtl="0">
+              <a:spcBef>
+                <a:spcPts val="200"/>
+              </a:spcBef>
+              <a:spcAft>
+                <a:spcPts val="0"/>
+              </a:spcAft>
+              <a:buClr>
+                <a:srgbClr val="000000"/>
+              </a:buClr>
+              <a:buFont typeface="Arial"/>
+              <a:buNone/>
+            </a:pPr>
+            <a:r>
+              <a:rPr lang="en-US" sz="800" dirty="0">
+                <a:solidFill>
+                  <a:schemeClr val="bg1"/>
+                </a:solidFill>
+              </a:rPr>
+              <a:t>Trace ID Logging</a:t>
+            </a:r>
+            <a:endParaRPr sz="800" dirty="0">
+              <a:solidFill>
+                <a:schemeClr val="bg1"/>
+              </a:solidFill>
+            </a:endParaRPr>
+          </a:p>
+        </p:txBody>
+      </p:sp>
+      <p:sp>
+        <p:nvSpPr>
+          <p:cNvPr id="9" name="사각형: 둥근 모서리 8">
+            <a:extLst>
+              <a:ext uri="{FF2B5EF4-FFF2-40B4-BE49-F238E27FC236}">
+                <a16:creationId xmlns:a16="http://schemas.microsoft.com/office/drawing/2014/main" id="{F2A539DF-E00D-4812-C043-154505F5F3A8}"/>
+              </a:ext>
+            </a:extLst>
+          </p:cNvPr>
+          <p:cNvSpPr/>
+          <p:nvPr/>
+        </p:nvSpPr>
+        <p:spPr>
+          <a:xfrm>
+            <a:off x="3943349" y="2672135"/>
+            <a:ext cx="228601" cy="589817"/>
+          </a:xfrm>
+          <a:prstGeom prst="roundRect">
+            <a:avLst/>
+          </a:prstGeom>
+          <a:noFill/>
+          <a:ln w="28575">
+            <a:solidFill>
+              <a:srgbClr val="FF0000"/>
+            </a:solidFill>
+          </a:ln>
+        </p:spPr>
+        <p:style>
+          <a:lnRef idx="2">
+            <a:schemeClr val="accent1">
+              <a:shade val="15000"/>
+            </a:schemeClr>
+          </a:lnRef>
+          <a:fillRef idx="1">
+            <a:schemeClr val="accent1"/>
+          </a:fillRef>
+          <a:effectRef idx="0">
+            <a:schemeClr val="accent1"/>
+          </a:effectRef>
+          <a:fontRef idx="minor">
+            <a:schemeClr val="lt1"/>
+          </a:fontRef>
+        </p:style>
+        <p:txBody>
+          <a:bodyPr rtlCol="0" anchor="ctr"/>
+          <a:lstStyle/>
+          <a:p>
+            <a:pPr algn="ctr"/>
+            <a:endParaRPr lang="ko-KR" altLang="en-US"/>
+          </a:p>
+        </p:txBody>
+      </p:sp>
+      <p:sp>
+        <p:nvSpPr>
+          <p:cNvPr id="10" name="사각형: 둥근 모서리 9">
+            <a:extLst>
+              <a:ext uri="{FF2B5EF4-FFF2-40B4-BE49-F238E27FC236}">
+                <a16:creationId xmlns:a16="http://schemas.microsoft.com/office/drawing/2014/main" id="{D79F2C64-5BAE-B21B-5983-C6C93B7242A7}"/>
+              </a:ext>
+            </a:extLst>
+          </p:cNvPr>
+          <p:cNvSpPr/>
+          <p:nvPr/>
+        </p:nvSpPr>
+        <p:spPr>
+          <a:xfrm>
+            <a:off x="4957762" y="2672134"/>
+            <a:ext cx="228601" cy="589817"/>
+          </a:xfrm>
+          <a:prstGeom prst="roundRect">
+            <a:avLst/>
+          </a:prstGeom>
+          <a:noFill/>
+          <a:ln w="28575">
+            <a:solidFill>
+              <a:srgbClr val="FF0000"/>
+            </a:solidFill>
+          </a:ln>
+        </p:spPr>
+        <p:style>
+          <a:lnRef idx="2">
+            <a:schemeClr val="accent1">
+              <a:shade val="15000"/>
+            </a:schemeClr>
+          </a:lnRef>
+          <a:fillRef idx="1">
+            <a:schemeClr val="accent1"/>
+          </a:fillRef>
+          <a:effectRef idx="0">
+            <a:schemeClr val="accent1"/>
+          </a:effectRef>
+          <a:fontRef idx="minor">
+            <a:schemeClr val="lt1"/>
+          </a:fontRef>
+        </p:style>
+        <p:txBody>
+          <a:bodyPr rtlCol="0" anchor="ctr"/>
+          <a:lstStyle/>
+          <a:p>
+            <a:pPr algn="ctr"/>
+            <a:endParaRPr lang="ko-KR" altLang="en-US"/>
+          </a:p>
+        </p:txBody>
+      </p:sp>
+      <p:sp>
+        <p:nvSpPr>
+          <p:cNvPr id="11" name="TextBox 10">
+            <a:extLst>
+              <a:ext uri="{FF2B5EF4-FFF2-40B4-BE49-F238E27FC236}">
+                <a16:creationId xmlns:a16="http://schemas.microsoft.com/office/drawing/2014/main" id="{6A771DFA-FEFE-941B-1FD5-FB822A3278E4}"/>
+              </a:ext>
+            </a:extLst>
+          </p:cNvPr>
+          <p:cNvSpPr txBox="1"/>
+          <p:nvPr/>
+        </p:nvSpPr>
+        <p:spPr>
+          <a:xfrm>
+            <a:off x="3535224" y="3422647"/>
+            <a:ext cx="816249" cy="369332"/>
+          </a:xfrm>
+          <a:prstGeom prst="rect">
+            <a:avLst/>
+          </a:prstGeom>
+          <a:noFill/>
+        </p:spPr>
+        <p:txBody>
+          <a:bodyPr wrap="none" rtlCol="0">
+            <a:spAutoFit/>
+          </a:bodyPr>
+          <a:lstStyle/>
+          <a:p>
+            <a:r>
+              <a:rPr lang="ko-KR" altLang="en-US" dirty="0">
+                <a:latin typeface="Spoqa Han Sans Neo Medium" pitchFamily="2" charset="-127"/>
+                <a:ea typeface="Spoqa Han Sans Neo Medium" pitchFamily="2" charset="-127"/>
+              </a:rPr>
+              <a:t>항상 </a:t>
+            </a:r>
+            <a:r>
+              <a:rPr lang="en-US" altLang="ko-KR" dirty="0">
+                <a:latin typeface="Spoqa Han Sans Neo Medium" pitchFamily="2" charset="-127"/>
+                <a:ea typeface="Spoqa Han Sans Neo Medium" pitchFamily="2" charset="-127"/>
+              </a:rPr>
+              <a:t>4</a:t>
+            </a:r>
+            <a:endParaRPr lang="ko-KR" altLang="en-US" dirty="0">
+              <a:latin typeface="Spoqa Han Sans Neo Medium" pitchFamily="2" charset="-127"/>
+              <a:ea typeface="Spoqa Han Sans Neo Medium" pitchFamily="2" charset="-127"/>
+            </a:endParaRPr>
+          </a:p>
+        </p:txBody>
+      </p:sp>
+      <p:sp>
+        <p:nvSpPr>
+          <p:cNvPr id="12" name="TextBox 11">
+            <a:extLst>
+              <a:ext uri="{FF2B5EF4-FFF2-40B4-BE49-F238E27FC236}">
+                <a16:creationId xmlns:a16="http://schemas.microsoft.com/office/drawing/2014/main" id="{B9BCEED8-CB94-A547-6AFC-FEE013876B5A}"/>
+              </a:ext>
+            </a:extLst>
+          </p:cNvPr>
+          <p:cNvSpPr txBox="1"/>
+          <p:nvPr/>
+        </p:nvSpPr>
+        <p:spPr>
+          <a:xfrm>
+            <a:off x="4663937" y="3422647"/>
+            <a:ext cx="1625766" cy="369332"/>
+          </a:xfrm>
+          <a:prstGeom prst="rect">
+            <a:avLst/>
+          </a:prstGeom>
+          <a:noFill/>
+        </p:spPr>
+        <p:txBody>
+          <a:bodyPr wrap="none" rtlCol="0">
+            <a:spAutoFit/>
+          </a:bodyPr>
+          <a:lstStyle/>
+          <a:p>
+            <a:r>
+              <a:rPr lang="en-US" altLang="ko-KR" dirty="0">
+                <a:latin typeface="Spoqa Han Sans Neo Medium" pitchFamily="2" charset="-127"/>
+                <a:ea typeface="Spoqa Han Sans Neo Medium" pitchFamily="2" charset="-127"/>
+              </a:rPr>
+              <a:t>8,9,a,b </a:t>
+            </a:r>
+            <a:r>
+              <a:rPr lang="ko-KR" altLang="en-US" dirty="0">
+                <a:latin typeface="Spoqa Han Sans Neo Medium" pitchFamily="2" charset="-127"/>
+                <a:ea typeface="Spoqa Han Sans Neo Medium" pitchFamily="2" charset="-127"/>
+              </a:rPr>
+              <a:t>중 하나</a:t>
+            </a:r>
+          </a:p>
+        </p:txBody>
+      </p:sp>
+    </p:spTree>
+    <p:extLst>
+      <p:ext uri="{BB962C8B-B14F-4D97-AF65-F5344CB8AC3E}">
+        <p14:creationId xmlns:p14="http://schemas.microsoft.com/office/powerpoint/2010/main" val="422324226"/>
+      </p:ext>
+    </p:extLst>
+  </p:cSld>
+  <p:clrMapOvr>
+    <a:masterClrMapping/>
+  </p:clrMapOvr>
+</p:sld>
+</file>
+
+<file path=ppt/slides/slide20.xml><?xml version="1.0" encoding="utf-8"?>
+<p:sld xmlns:a="http://schemas.openxmlformats.org/drawingml/2006/main" xmlns:r="http://schemas.openxmlformats.org/officeDocument/2006/relationships" xmlns:p="http://schemas.openxmlformats.org/presentationml/2006/main">
+  <p:cSld>
+    <p:spTree>
+      <p:nvGrpSpPr>
+        <p:cNvPr id="1" name=""/>
+        <p:cNvGrpSpPr/>
+        <p:nvPr/>
+      </p:nvGrpSpPr>
+      <p:grpSpPr>
+        <a:xfrm>
+          <a:off x="0" y="0"/>
+          <a:ext cx="0" cy="0"/>
+          <a:chOff x="0" y="0"/>
+          <a:chExt cx="0" cy="0"/>
+        </a:xfrm>
+      </p:grpSpPr>
+      <p:sp>
+        <p:nvSpPr>
+          <p:cNvPr id="4" name="제목 3">
+            <a:extLst>
+              <a:ext uri="{FF2B5EF4-FFF2-40B4-BE49-F238E27FC236}">
                 <a16:creationId xmlns:a16="http://schemas.microsoft.com/office/drawing/2014/main" id="{AA6C3C0E-F24F-9763-AC2A-545FB7F3873E}"/>
               </a:ext>
             </a:extLst>
@@ -6449,7 +6163,7 @@
 </p:sld>
 </file>
 
-<file path=ppt/slides/slide23.xml><?xml version="1.0" encoding="utf-8"?>
+<file path=ppt/slides/slide21.xml><?xml version="1.0" encoding="utf-8"?>
 <p:sld xmlns:a="http://schemas.openxmlformats.org/drawingml/2006/main" xmlns:r="http://schemas.openxmlformats.org/officeDocument/2006/relationships" xmlns:p="http://schemas.openxmlformats.org/presentationml/2006/main">
   <p:cSld>
     <p:spTree>
@@ -6888,7 +6602,7 @@
 </p:sld>
 </file>
 
-<file path=ppt/slides/slide24.xml><?xml version="1.0" encoding="utf-8"?>
+<file path=ppt/slides/slide22.xml><?xml version="1.0" encoding="utf-8"?>
 <p:sld xmlns:a="http://schemas.openxmlformats.org/drawingml/2006/main" xmlns:r="http://schemas.openxmlformats.org/officeDocument/2006/relationships" xmlns:p="http://schemas.openxmlformats.org/presentationml/2006/main">
   <p:cSld>
     <p:spTree>
@@ -6978,7 +6692,7 @@
 </p:sld>
 </file>
 
-<file path=ppt/slides/slide25.xml><?xml version="1.0" encoding="utf-8"?>
+<file path=ppt/slides/slide23.xml><?xml version="1.0" encoding="utf-8"?>
 <p:sld xmlns:a="http://schemas.openxmlformats.org/drawingml/2006/main" xmlns:r="http://schemas.openxmlformats.org/officeDocument/2006/relationships" xmlns:p="http://schemas.openxmlformats.org/presentationml/2006/main">
   <p:cSld>
     <p:spTree>
@@ -7371,7 +7085,7 @@
 </p:sld>
 </file>
 
-<file path=ppt/slides/slide26.xml><?xml version="1.0" encoding="utf-8"?>
+<file path=ppt/slides/slide24.xml><?xml version="1.0" encoding="utf-8"?>
 <p:sld xmlns:a="http://schemas.openxmlformats.org/drawingml/2006/main" xmlns:r="http://schemas.openxmlformats.org/officeDocument/2006/relationships" xmlns:p="http://schemas.openxmlformats.org/presentationml/2006/main">
   <p:cSld>
     <p:spTree>
@@ -7461,7 +7175,7 @@
 </p:sld>
 </file>
 
-<file path=ppt/slides/slide27.xml><?xml version="1.0" encoding="utf-8"?>
+<file path=ppt/slides/slide25.xml><?xml version="1.0" encoding="utf-8"?>
 <p:sld xmlns:a="http://schemas.openxmlformats.org/drawingml/2006/main" xmlns:r="http://schemas.openxmlformats.org/officeDocument/2006/relationships" xmlns:p="http://schemas.openxmlformats.org/presentationml/2006/main">
   <p:cSld>
     <p:spTree>
@@ -8570,8 +8284,8 @@
               <a:t> </a:t>
             </a:r>
             <a:r>
-              <a:rPr lang="en-US" altLang="ko-KR" dirty="0" err="1"/>
-              <a:t>WebClient</a:t>
+              <a:rPr lang="en-US" altLang="ko-KR" dirty="0"/>
+              <a:t>Circuit breaker</a:t>
             </a:r>
             <a:endParaRPr lang="ko-KR" altLang="en-US" dirty="0"/>
           </a:p>
@@ -8580,7 +8294,7 @@
     </p:spTree>
     <p:extLst>
       <p:ext uri="{BB962C8B-B14F-4D97-AF65-F5344CB8AC3E}">
-        <p14:creationId xmlns:p14="http://schemas.microsoft.com/office/powerpoint/2010/main" val="100200306"/>
+        <p14:creationId xmlns:p14="http://schemas.microsoft.com/office/powerpoint/2010/main" val="417457615"/>
       </p:ext>
     </p:extLst>
   </p:cSld>
@@ -8660,24 +8374,17 @@
               <a:buNone/>
             </a:pPr>
             <a:r>
-              <a:rPr lang="en-US" altLang="ko-KR" dirty="0" err="1"/>
-              <a:t>WebClient</a:t>
-            </a:r>
-            <a:r>
               <a:rPr lang="en-US" altLang="ko-KR" dirty="0"/>
-              <a:t> </a:t>
-            </a:r>
-            <a:r>
-              <a:rPr lang="ko-KR" altLang="en-US" dirty="0"/>
-              <a:t>를 이용한 외부 서비스 비동기 호출</a:t>
-            </a:r>
+              <a:t>Circuit Breaker</a:t>
+            </a:r>
+            <a:endParaRPr lang="ko-KR" altLang="en-US" dirty="0"/>
           </a:p>
         </p:txBody>
       </p:sp>
     </p:spTree>
     <p:extLst>
       <p:ext uri="{BB962C8B-B14F-4D97-AF65-F5344CB8AC3E}">
-        <p14:creationId xmlns:p14="http://schemas.microsoft.com/office/powerpoint/2010/main" val="3454974027"/>
+        <p14:creationId xmlns:p14="http://schemas.microsoft.com/office/powerpoint/2010/main" val="45339774"/>
       </p:ext>
     </p:extLst>
   </p:cSld>

--- a/99.ppt/[Ch4-6. 실무형 심화개발.pptx
+++ b/99.ppt/[Ch4-6. 실무형 심화개발.pptx
@@ -5,7 +5,7 @@
     <p:sldMasterId id="2147483665" r:id="rId1"/>
   </p:sldMasterIdLst>
   <p:notesMasterIdLst>
-    <p:notesMasterId r:id="rId27"/>
+    <p:notesMasterId r:id="rId26"/>
   </p:notesMasterIdLst>
   <p:sldIdLst>
     <p:sldId id="256" r:id="rId2"/>
@@ -27,12 +27,11 @@
     <p:sldId id="324" r:id="rId18"/>
     <p:sldId id="325" r:id="rId19"/>
     <p:sldId id="262" r:id="rId20"/>
-    <p:sldId id="326" r:id="rId21"/>
-    <p:sldId id="330" r:id="rId22"/>
-    <p:sldId id="327" r:id="rId23"/>
-    <p:sldId id="329" r:id="rId24"/>
+    <p:sldId id="330" r:id="rId21"/>
+    <p:sldId id="329" r:id="rId22"/>
+    <p:sldId id="326" r:id="rId23"/>
+    <p:sldId id="331" r:id="rId24"/>
     <p:sldId id="328" r:id="rId25"/>
-    <p:sldId id="331" r:id="rId26"/>
   </p:sldIdLst>
   <p:sldSz cx="9144000" cy="5143500" type="screen16x9"/>
   <p:notesSz cx="6858000" cy="9144000"/>
@@ -235,7 +234,7 @@
           <a:p>
             <a:fld id="{9B770909-2C76-4DF9-BB76-4EE283593418}" type="datetimeFigureOut">
               <a:rPr lang="ko-KR" altLang="en-US" smtClean="0"/>
-              <a:t>2023-09-14</a:t>
+              <a:t>2023-09-15</a:t>
             </a:fld>
             <a:endParaRPr lang="ko-KR" altLang="en-US"/>
           </a:p>
@@ -546,7 +545,344 @@
           <a:bodyPr/>
           <a:lstStyle/>
           <a:p>
-            <a:endParaRPr lang="ko-KR" altLang="en-US" dirty="0"/>
+            <a:r>
+              <a:rPr lang="ko-KR" altLang="en-US" dirty="0"/>
+              <a:t>안녕하세요</a:t>
+            </a:r>
+            <a:r>
+              <a:rPr lang="en-US" altLang="ko-KR" dirty="0"/>
+              <a:t>.</a:t>
+            </a:r>
+          </a:p>
+          <a:p>
+            <a:endParaRPr lang="en-US" altLang="ko-KR" dirty="0"/>
+          </a:p>
+          <a:p>
+            <a:r>
+              <a:rPr lang="ko-KR" altLang="en-US" dirty="0"/>
+              <a:t>지난시간까지 저희는 </a:t>
+            </a:r>
+            <a:r>
+              <a:rPr lang="en-US" altLang="ko-KR" dirty="0"/>
+              <a:t>Async Non-Block IO </a:t>
+            </a:r>
+            <a:r>
+              <a:rPr lang="ko-KR" altLang="en-US" dirty="0"/>
+              <a:t>기반의 </a:t>
+            </a:r>
+            <a:r>
+              <a:rPr lang="en-US" altLang="ko-KR" dirty="0"/>
+              <a:t>reactive </a:t>
+            </a:r>
+            <a:r>
+              <a:rPr lang="ko-KR" altLang="en-US" dirty="0"/>
+              <a:t>서버인 </a:t>
+            </a:r>
+            <a:r>
+              <a:rPr lang="en-US" altLang="ko-KR" dirty="0" err="1"/>
+              <a:t>Webflux</a:t>
+            </a:r>
+            <a:r>
+              <a:rPr lang="en-US" altLang="ko-KR" dirty="0"/>
+              <a:t> </a:t>
+            </a:r>
+            <a:r>
+              <a:rPr lang="ko-KR" altLang="en-US" dirty="0"/>
+              <a:t>가</a:t>
+            </a:r>
+            <a:r>
+              <a:rPr lang="en-US" altLang="ko-KR" dirty="0"/>
+              <a:t>,</a:t>
+            </a:r>
+            <a:r>
+              <a:rPr lang="ko-KR" altLang="en-US" dirty="0"/>
+              <a:t> 왜 </a:t>
+            </a:r>
+            <a:r>
+              <a:rPr lang="ko-KR" altLang="en-US" dirty="0" err="1"/>
+              <a:t>빠른지</a:t>
+            </a:r>
+            <a:r>
+              <a:rPr lang="en-US" altLang="ko-KR" dirty="0"/>
+              <a:t>, </a:t>
+            </a:r>
+            <a:r>
+              <a:rPr lang="ko-KR" altLang="en-US" dirty="0"/>
+              <a:t>그리고 </a:t>
+            </a:r>
+            <a:r>
+              <a:rPr lang="en-US" altLang="ko-KR" dirty="0"/>
+              <a:t>Coroutine </a:t>
+            </a:r>
+            <a:r>
+              <a:rPr lang="ko-KR" altLang="en-US" dirty="0"/>
+              <a:t>으로 어떻게 구현해야 하는지</a:t>
+            </a:r>
+            <a:r>
+              <a:rPr lang="en-US" altLang="ko-KR" dirty="0"/>
+              <a:t>, </a:t>
+            </a:r>
+            <a:r>
+              <a:rPr lang="ko-KR" altLang="en-US" dirty="0"/>
+              <a:t>마지막으로 성능은 정말 잘 나오는지</a:t>
+            </a:r>
+            <a:r>
+              <a:rPr lang="en-US" altLang="ko-KR" dirty="0"/>
+              <a:t> </a:t>
+            </a:r>
+            <a:r>
+              <a:rPr lang="ko-KR" altLang="en-US" dirty="0"/>
+              <a:t>등을 확인해 보았습니다</a:t>
+            </a:r>
+            <a:r>
+              <a:rPr lang="en-US" altLang="ko-KR" dirty="0"/>
+              <a:t>.</a:t>
+            </a:r>
+          </a:p>
+          <a:p>
+            <a:endParaRPr lang="en-US" altLang="ko-KR" dirty="0"/>
+          </a:p>
+          <a:p>
+            <a:r>
+              <a:rPr lang="ko-KR" altLang="en-US" dirty="0"/>
+              <a:t>지금부터는 현장중심 커리큘럼으로 과정이 진행될 예정이며</a:t>
+            </a:r>
+            <a:r>
+              <a:rPr lang="en-US" altLang="ko-KR" dirty="0"/>
+              <a:t>, </a:t>
+            </a:r>
+            <a:r>
+              <a:rPr lang="ko-KR" altLang="en-US" dirty="0"/>
+              <a:t>그 첫번째</a:t>
+            </a:r>
+            <a:r>
+              <a:rPr lang="en-US" altLang="ko-KR" dirty="0"/>
+              <a:t>, </a:t>
+            </a:r>
+            <a:r>
+              <a:rPr lang="ko-KR" altLang="en-US" dirty="0"/>
+              <a:t>실무형 심화개발 과정입니다</a:t>
+            </a:r>
+            <a:r>
+              <a:rPr lang="en-US" altLang="ko-KR" dirty="0"/>
+              <a:t>.</a:t>
+            </a:r>
+          </a:p>
+          <a:p>
+            <a:endParaRPr lang="en-US" altLang="ko-KR" dirty="0"/>
+          </a:p>
+          <a:p>
+            <a:r>
+              <a:rPr lang="ko-KR" altLang="en-US" dirty="0"/>
+              <a:t>저희가 구현했던 </a:t>
+            </a:r>
+            <a:r>
+              <a:rPr lang="ko-KR" altLang="en-US" dirty="0" err="1"/>
+              <a:t>코루틴</a:t>
+            </a:r>
+            <a:r>
+              <a:rPr lang="ko-KR" altLang="en-US" dirty="0"/>
+              <a:t> 기반의 </a:t>
+            </a:r>
+            <a:r>
+              <a:rPr lang="en-US" altLang="ko-KR" dirty="0" err="1"/>
+              <a:t>Webflux</a:t>
+            </a:r>
+            <a:r>
+              <a:rPr lang="en-US" altLang="ko-KR" dirty="0"/>
+              <a:t> </a:t>
+            </a:r>
+            <a:r>
+              <a:rPr lang="ko-KR" altLang="en-US" dirty="0"/>
+              <a:t>어플리케이션 뼈대 위에</a:t>
+            </a:r>
+            <a:r>
+              <a:rPr lang="en-US" altLang="ko-KR" dirty="0"/>
+              <a:t>, </a:t>
+            </a:r>
+            <a:r>
+              <a:rPr lang="ko-KR" altLang="en-US" dirty="0"/>
+              <a:t>운영에 필요한 필수 </a:t>
+            </a:r>
+            <a:r>
+              <a:rPr lang="ko-KR" altLang="en-US" dirty="0" err="1"/>
+              <a:t>컴퍼넌트를</a:t>
+            </a:r>
+            <a:r>
+              <a:rPr lang="ko-KR" altLang="en-US" dirty="0"/>
+              <a:t> 붙여가면서</a:t>
+            </a:r>
+            <a:r>
+              <a:rPr lang="en-US" altLang="ko-KR" dirty="0"/>
+              <a:t>, </a:t>
+            </a:r>
+            <a:r>
+              <a:rPr lang="ko-KR" altLang="en-US" dirty="0"/>
+              <a:t>이 뼈대를 실무에 적용할 수 있는 수준으로 끌어올려 보겠습니다</a:t>
+            </a:r>
+            <a:r>
+              <a:rPr lang="en-US" altLang="ko-KR" dirty="0"/>
+              <a:t>.</a:t>
+            </a:r>
+          </a:p>
+          <a:p>
+            <a:endParaRPr lang="en-US" altLang="ko-KR" dirty="0"/>
+          </a:p>
+          <a:p>
+            <a:endParaRPr lang="en-US" altLang="ko-KR" dirty="0"/>
+          </a:p>
+          <a:p>
+            <a:r>
+              <a:rPr lang="ko-KR" altLang="en-US" dirty="0"/>
+              <a:t>사용자 요청</a:t>
+            </a:r>
+            <a:r>
+              <a:rPr lang="en-US" altLang="ko-KR" dirty="0"/>
+              <a:t>, </a:t>
+            </a:r>
+            <a:r>
+              <a:rPr lang="ko-KR" altLang="en-US" dirty="0"/>
+              <a:t>즉 </a:t>
+            </a:r>
+            <a:r>
+              <a:rPr lang="en-US" altLang="ko-KR" dirty="0"/>
+              <a:t>request </a:t>
+            </a:r>
+            <a:r>
+              <a:rPr lang="ko-KR" altLang="en-US" dirty="0"/>
+              <a:t>는 처리되면서 다양한 로그를 남깁니다</a:t>
+            </a:r>
+            <a:r>
+              <a:rPr lang="en-US" altLang="ko-KR" dirty="0"/>
+              <a:t>.</a:t>
+            </a:r>
+          </a:p>
+          <a:p>
+            <a:endParaRPr lang="en-US" altLang="ko-KR" dirty="0"/>
+          </a:p>
+          <a:p>
+            <a:r>
+              <a:rPr lang="ko-KR" altLang="en-US" dirty="0"/>
+              <a:t>그리고</a:t>
+            </a:r>
+            <a:r>
+              <a:rPr lang="en-US" altLang="ko-KR" dirty="0"/>
+              <a:t>, </a:t>
+            </a:r>
+            <a:r>
+              <a:rPr lang="ko-KR" altLang="en-US" dirty="0"/>
+              <a:t>서버는 수많은 사용자의 </a:t>
+            </a:r>
+            <a:r>
+              <a:rPr lang="en-US" altLang="ko-KR" dirty="0"/>
+              <a:t>request </a:t>
+            </a:r>
+            <a:r>
+              <a:rPr lang="ko-KR" altLang="en-US" dirty="0"/>
+              <a:t>를 동시에 처리하기 때문에</a:t>
+            </a:r>
+            <a:r>
+              <a:rPr lang="en-US" altLang="ko-KR" dirty="0"/>
+              <a:t>, </a:t>
+            </a:r>
+            <a:r>
+              <a:rPr lang="ko-KR" altLang="en-US" dirty="0"/>
+              <a:t>이 로그는 요청 순서가 뒤죽박죽 섞여서 기록됩니다</a:t>
+            </a:r>
+            <a:r>
+              <a:rPr lang="en-US" altLang="ko-KR" dirty="0"/>
+              <a:t>.</a:t>
+            </a:r>
+          </a:p>
+          <a:p>
+            <a:endParaRPr lang="en-US" altLang="ko-KR" dirty="0"/>
+          </a:p>
+          <a:p>
+            <a:r>
+              <a:rPr lang="ko-KR" altLang="en-US" dirty="0"/>
+              <a:t>그런데</a:t>
+            </a:r>
+            <a:r>
+              <a:rPr lang="en-US" altLang="ko-KR" dirty="0"/>
+              <a:t>, </a:t>
+            </a:r>
+            <a:r>
+              <a:rPr lang="ko-KR" altLang="en-US" dirty="0"/>
+              <a:t>운영시에는 반드시 오류가 발생하고요</a:t>
+            </a:r>
+            <a:r>
+              <a:rPr lang="en-US" altLang="ko-KR" dirty="0"/>
+              <a:t>. </a:t>
+            </a:r>
+            <a:r>
+              <a:rPr lang="ko-KR" altLang="en-US" dirty="0"/>
+              <a:t>이 오류를 진단하기 위해서는</a:t>
+            </a:r>
+            <a:r>
+              <a:rPr lang="en-US" altLang="ko-KR" dirty="0"/>
+              <a:t>, </a:t>
+            </a:r>
+            <a:r>
+              <a:rPr lang="ko-KR" altLang="en-US" dirty="0"/>
+              <a:t>로그 덩어리에서 특정 시간의 특정 </a:t>
+            </a:r>
+            <a:r>
+              <a:rPr lang="en-US" altLang="ko-KR" dirty="0"/>
+              <a:t>request </a:t>
+            </a:r>
+            <a:r>
+              <a:rPr lang="ko-KR" altLang="en-US" dirty="0"/>
+              <a:t>만 필터링해서 확인할 수 있어야 합니다</a:t>
+            </a:r>
+            <a:r>
+              <a:rPr lang="en-US" altLang="ko-KR" dirty="0"/>
+              <a:t>.</a:t>
+            </a:r>
+          </a:p>
+          <a:p>
+            <a:endParaRPr lang="en-US" altLang="ko-KR" dirty="0"/>
+          </a:p>
+          <a:p>
+            <a:r>
+              <a:rPr lang="ko-KR" altLang="en-US" dirty="0"/>
+              <a:t>이를 위해</a:t>
+            </a:r>
+            <a:r>
+              <a:rPr lang="en-US" altLang="ko-KR" dirty="0"/>
+              <a:t>, request</a:t>
+            </a:r>
+            <a:r>
+              <a:rPr lang="ko-KR" altLang="en-US" dirty="0"/>
+              <a:t> 마다 고유한 </a:t>
+            </a:r>
+            <a:r>
+              <a:rPr lang="en-US" altLang="ko-KR" dirty="0"/>
+              <a:t>ID </a:t>
+            </a:r>
+            <a:r>
+              <a:rPr lang="ko-KR" altLang="en-US" dirty="0"/>
+              <a:t>를 부여하고</a:t>
+            </a:r>
+            <a:r>
+              <a:rPr lang="en-US" altLang="ko-KR" dirty="0"/>
+              <a:t>, </a:t>
+            </a:r>
+            <a:r>
+              <a:rPr lang="ko-KR" altLang="en-US" dirty="0"/>
+              <a:t>출력로그마다 이 고유한 </a:t>
+            </a:r>
+            <a:r>
+              <a:rPr lang="en-US" altLang="ko-KR" dirty="0"/>
+              <a:t>ID</a:t>
+            </a:r>
+            <a:r>
+              <a:rPr lang="ko-KR" altLang="en-US" dirty="0"/>
+              <a:t>를 포함시킵니다</a:t>
+            </a:r>
+            <a:r>
+              <a:rPr lang="en-US" altLang="ko-KR" dirty="0"/>
+              <a:t>.</a:t>
+            </a:r>
           </a:p>
         </p:txBody>
       </p:sp>
@@ -630,7 +966,84 @@
           <a:bodyPr/>
           <a:lstStyle/>
           <a:p>
+            <a:r>
+              <a:rPr lang="ko-KR" altLang="en-US" dirty="0"/>
+              <a:t>운영시에는 </a:t>
+            </a:r>
+            <a:r>
+              <a:rPr lang="en-US" altLang="ko-KR" dirty="0"/>
+              <a:t>10</a:t>
+            </a:r>
+            <a:r>
+              <a:rPr lang="ko-KR" altLang="en-US" dirty="0"/>
+              <a:t>초에 </a:t>
+            </a:r>
+            <a:r>
+              <a:rPr lang="en-US" altLang="ko-KR" dirty="0"/>
+              <a:t>2</a:t>
+            </a:r>
+            <a:r>
+              <a:rPr lang="ko-KR" altLang="en-US" dirty="0"/>
+              <a:t>번만 처리를 제한하는 등의 </a:t>
+            </a:r>
+            <a:r>
+              <a:rPr lang="en-US" altLang="ko-KR" dirty="0"/>
+              <a:t>Rate Limitation, </a:t>
+            </a:r>
+            <a:r>
+              <a:rPr lang="ko-KR" altLang="en-US" dirty="0"/>
+              <a:t>요청 제한 기능도 필요합니다</a:t>
+            </a:r>
+            <a:r>
+              <a:rPr lang="en-US" altLang="ko-KR" dirty="0"/>
+              <a:t>.</a:t>
+            </a:r>
+          </a:p>
+          <a:p>
             <a:endParaRPr lang="en-US" altLang="ko-KR" dirty="0"/>
+          </a:p>
+          <a:p>
+            <a:r>
+              <a:rPr lang="ko-KR" altLang="en-US" dirty="0"/>
+              <a:t>물론 인프라로 처리하는 것 또한 가능하지만</a:t>
+            </a:r>
+            <a:r>
+              <a:rPr lang="en-US" altLang="ko-KR" dirty="0"/>
+              <a:t>, </a:t>
+            </a:r>
+            <a:r>
+              <a:rPr lang="ko-KR" altLang="en-US" dirty="0"/>
+              <a:t>앞서 서킷 </a:t>
+            </a:r>
+            <a:r>
+              <a:rPr lang="ko-KR" altLang="en-US" dirty="0" err="1"/>
+              <a:t>브레이커와</a:t>
+            </a:r>
+            <a:r>
+              <a:rPr lang="ko-KR" altLang="en-US" dirty="0"/>
+              <a:t> 마찬가지로</a:t>
+            </a:r>
+            <a:r>
+              <a:rPr lang="en-US" altLang="ko-KR" dirty="0"/>
+              <a:t>,</a:t>
+            </a:r>
+            <a:r>
+              <a:rPr lang="ko-KR" altLang="en-US" dirty="0"/>
+              <a:t> 저희는 어플리케이션 레벨에서 </a:t>
+            </a:r>
+            <a:r>
+              <a:rPr lang="en-US" altLang="ko-KR" dirty="0"/>
+              <a:t>Rate Limiter </a:t>
+            </a:r>
+            <a:r>
+              <a:rPr lang="ko-KR" altLang="en-US" dirty="0"/>
+              <a:t>를 구현해 보겠습니다</a:t>
+            </a:r>
+            <a:r>
+              <a:rPr lang="en-US" altLang="ko-KR" dirty="0"/>
+              <a:t>.</a:t>
+            </a:r>
+            <a:endParaRPr lang="ko-KR" altLang="en-US" dirty="0"/>
           </a:p>
         </p:txBody>
       </p:sp>
@@ -651,7 +1064,7 @@
           <a:p>
             <a:fld id="{4F243B46-72FF-4656-838A-691B9EB329E3}" type="slidenum">
               <a:rPr lang="ko-KR" altLang="en-US" smtClean="0"/>
-              <a:t>19</a:t>
+              <a:t>10</a:t>
             </a:fld>
             <a:endParaRPr lang="ko-KR" altLang="en-US"/>
           </a:p>
@@ -660,7 +1073,7 @@
     </p:spTree>
     <p:extLst>
       <p:ext uri="{BB962C8B-B14F-4D97-AF65-F5344CB8AC3E}">
-        <p14:creationId xmlns:p14="http://schemas.microsoft.com/office/powerpoint/2010/main" val="1978714165"/>
+        <p14:creationId xmlns:p14="http://schemas.microsoft.com/office/powerpoint/2010/main" val="3530309725"/>
       </p:ext>
     </p:extLst>
   </p:cSld>
@@ -714,7 +1127,206 @@
           <a:bodyPr/>
           <a:lstStyle/>
           <a:p>
+            <a:r>
+              <a:rPr lang="ko-KR" altLang="en-US" dirty="0"/>
+              <a:t>프로젝트를 진행하다 보면 가끔 </a:t>
+            </a:r>
+            <a:r>
+              <a:rPr lang="en-US" altLang="ko-KR" dirty="0"/>
+              <a:t>native query </a:t>
+            </a:r>
+            <a:r>
+              <a:rPr lang="ko-KR" altLang="en-US" dirty="0"/>
+              <a:t>를 사용해야 할 경우가 발생합니다</a:t>
+            </a:r>
+            <a:r>
+              <a:rPr lang="en-US" altLang="ko-KR" dirty="0"/>
+              <a:t>.</a:t>
+            </a:r>
+          </a:p>
+          <a:p>
             <a:endParaRPr lang="en-US" altLang="ko-KR" dirty="0"/>
+          </a:p>
+          <a:p>
+            <a:r>
+              <a:rPr lang="en-US" altLang="ko-KR" dirty="0"/>
+              <a:t>JPA </a:t>
+            </a:r>
+            <a:r>
+              <a:rPr lang="ko-KR" altLang="en-US" dirty="0"/>
+              <a:t>에서는 </a:t>
+            </a:r>
+            <a:r>
+              <a:rPr lang="en-US" altLang="ko-KR" dirty="0"/>
+              <a:t>Query DSL </a:t>
+            </a:r>
+            <a:r>
+              <a:rPr lang="ko-KR" altLang="en-US" dirty="0"/>
+              <a:t>이나</a:t>
+            </a:r>
+            <a:r>
+              <a:rPr lang="en-US" altLang="ko-KR" dirty="0"/>
+              <a:t>, </a:t>
+            </a:r>
+            <a:r>
+              <a:rPr lang="ko-KR" altLang="en-US" dirty="0"/>
+              <a:t>라인에서 만든 </a:t>
+            </a:r>
+            <a:r>
+              <a:rPr lang="en-US" altLang="ko-KR" dirty="0"/>
+              <a:t>Kotlin JDSL </a:t>
+            </a:r>
+            <a:r>
+              <a:rPr lang="ko-KR" altLang="en-US" dirty="0"/>
+              <a:t>을 사용해서</a:t>
+            </a:r>
+            <a:r>
+              <a:rPr lang="en-US" altLang="ko-KR" dirty="0"/>
+              <a:t>, Entity </a:t>
+            </a:r>
+            <a:r>
+              <a:rPr lang="ko-KR" altLang="en-US" dirty="0"/>
+              <a:t>기반의 </a:t>
+            </a:r>
+            <a:r>
+              <a:rPr lang="en-US" altLang="ko-KR" dirty="0"/>
+              <a:t>native query </a:t>
+            </a:r>
+            <a:r>
+              <a:rPr lang="ko-KR" altLang="en-US" dirty="0"/>
+              <a:t>를 손쉽게 만들 수 있습니다</a:t>
+            </a:r>
+            <a:r>
+              <a:rPr lang="en-US" altLang="ko-KR" dirty="0"/>
+              <a:t>.</a:t>
+            </a:r>
+          </a:p>
+          <a:p>
+            <a:endParaRPr lang="en-US" altLang="ko-KR" dirty="0"/>
+          </a:p>
+          <a:p>
+            <a:r>
+              <a:rPr lang="ko-KR" altLang="en-US" dirty="0"/>
+              <a:t>하지만 </a:t>
+            </a:r>
+            <a:r>
+              <a:rPr lang="en-US" altLang="ko-KR" dirty="0"/>
+              <a:t>R2DBC </a:t>
+            </a:r>
+            <a:r>
+              <a:rPr lang="ko-KR" altLang="en-US" dirty="0"/>
+              <a:t>에서는 </a:t>
+            </a:r>
+            <a:r>
+              <a:rPr lang="en-US" altLang="ko-KR" dirty="0"/>
+              <a:t>Entity </a:t>
+            </a:r>
+            <a:r>
+              <a:rPr lang="ko-KR" altLang="en-US" dirty="0"/>
+              <a:t>기반의 </a:t>
+            </a:r>
+            <a:r>
+              <a:rPr lang="en-US" altLang="ko-KR" dirty="0"/>
+              <a:t>native query </a:t>
+            </a:r>
+            <a:r>
+              <a:rPr lang="ko-KR" altLang="en-US" dirty="0"/>
+              <a:t>를 만들 수 있는 방법이</a:t>
+            </a:r>
+            <a:r>
+              <a:rPr lang="en-US" altLang="ko-KR" dirty="0"/>
+              <a:t>, 2023</a:t>
+            </a:r>
+            <a:r>
+              <a:rPr lang="ko-KR" altLang="en-US" dirty="0"/>
+              <a:t>년 </a:t>
+            </a:r>
+            <a:r>
+              <a:rPr lang="en-US" altLang="ko-KR" dirty="0"/>
+              <a:t>9</a:t>
+            </a:r>
+            <a:r>
+              <a:rPr lang="ko-KR" altLang="en-US" dirty="0"/>
+              <a:t>월 기준으로는 아직 없습니다</a:t>
+            </a:r>
+            <a:r>
+              <a:rPr lang="en-US" altLang="ko-KR" dirty="0"/>
+              <a:t>.</a:t>
+            </a:r>
+          </a:p>
+          <a:p>
+            <a:endParaRPr lang="en-US" altLang="ko-KR" dirty="0"/>
+          </a:p>
+          <a:p>
+            <a:r>
+              <a:rPr lang="en-US" altLang="ko-KR" dirty="0"/>
+              <a:t>R2DBC</a:t>
+            </a:r>
+            <a:r>
+              <a:rPr lang="ko-KR" altLang="en-US" dirty="0"/>
+              <a:t>에서는 </a:t>
+            </a:r>
+            <a:r>
+              <a:rPr lang="en-US" altLang="ko-KR" dirty="0" err="1"/>
+              <a:t>DbClient</a:t>
+            </a:r>
+            <a:r>
+              <a:rPr lang="en-US" altLang="ko-KR" dirty="0"/>
+              <a:t> </a:t>
+            </a:r>
+            <a:r>
+              <a:rPr lang="ko-KR" altLang="en-US" dirty="0"/>
+              <a:t>를 사용해 문자열 기반의 </a:t>
+            </a:r>
+            <a:r>
+              <a:rPr lang="en-US" altLang="ko-KR" dirty="0"/>
+              <a:t>native query </a:t>
+            </a:r>
+            <a:r>
+              <a:rPr lang="ko-KR" altLang="en-US" dirty="0"/>
+              <a:t>를 날릴 수 있습니다</a:t>
+            </a:r>
+            <a:r>
+              <a:rPr lang="en-US" altLang="ko-KR" dirty="0"/>
+              <a:t>.</a:t>
+            </a:r>
+          </a:p>
+          <a:p>
+            <a:endParaRPr lang="en-US" altLang="ko-KR" dirty="0"/>
+          </a:p>
+          <a:p>
+            <a:r>
+              <a:rPr lang="ko-KR" altLang="en-US" dirty="0"/>
+              <a:t>지금부터 이 </a:t>
+            </a:r>
+            <a:r>
+              <a:rPr lang="en-US" altLang="ko-KR" dirty="0" err="1"/>
+              <a:t>DbClient</a:t>
+            </a:r>
+            <a:r>
+              <a:rPr lang="ko-KR" altLang="en-US" dirty="0"/>
+              <a:t> 를 이용해</a:t>
+            </a:r>
+            <a:r>
+              <a:rPr lang="en-US" altLang="ko-KR" dirty="0"/>
+              <a:t>, title like </a:t>
+            </a:r>
+            <a:r>
+              <a:rPr lang="ko-KR" altLang="en-US" dirty="0"/>
+              <a:t>검색만 가능했던 </a:t>
+            </a:r>
+            <a:r>
+              <a:rPr lang="en-US" altLang="ko-KR" dirty="0"/>
+              <a:t>get all API</a:t>
+            </a:r>
+            <a:r>
+              <a:rPr lang="ko-KR" altLang="en-US" dirty="0"/>
+              <a:t>의 기능을 확장해 보겠습니다</a:t>
+            </a:r>
+            <a:r>
+              <a:rPr lang="en-US" altLang="ko-KR" dirty="0"/>
+              <a:t>.</a:t>
+            </a:r>
           </a:p>
         </p:txBody>
       </p:sp>
@@ -735,7 +1347,7 @@
           <a:p>
             <a:fld id="{4F243B46-72FF-4656-838A-691B9EB329E3}" type="slidenum">
               <a:rPr lang="ko-KR" altLang="en-US" smtClean="0"/>
-              <a:t>21</a:t>
+              <a:t>11</a:t>
             </a:fld>
             <a:endParaRPr lang="ko-KR" altLang="en-US"/>
           </a:p>
@@ -744,7 +1356,7 @@
     </p:spTree>
     <p:extLst>
       <p:ext uri="{BB962C8B-B14F-4D97-AF65-F5344CB8AC3E}">
-        <p14:creationId xmlns:p14="http://schemas.microsoft.com/office/powerpoint/2010/main" val="2907537133"/>
+        <p14:creationId xmlns:p14="http://schemas.microsoft.com/office/powerpoint/2010/main" val="4107588324"/>
       </p:ext>
     </p:extLst>
   </p:cSld>
@@ -798,7 +1410,491 @@
           <a:bodyPr/>
           <a:lstStyle/>
           <a:p>
+            <a:r>
+              <a:rPr lang="en-US" altLang="ko-KR" dirty="0"/>
+              <a:t>Spring </a:t>
+            </a:r>
+            <a:r>
+              <a:rPr lang="ko-KR" altLang="en-US" dirty="0"/>
+              <a:t>프레임워크의 </a:t>
+            </a:r>
+            <a:r>
+              <a:rPr lang="en-US" altLang="ko-KR" dirty="0"/>
+              <a:t>Cache </a:t>
+            </a:r>
+            <a:r>
+              <a:rPr lang="ko-KR" altLang="en-US" dirty="0"/>
+              <a:t>구현체로서 </a:t>
+            </a:r>
+            <a:r>
+              <a:rPr lang="en-US" altLang="ko-KR" dirty="0"/>
+              <a:t>Redis </a:t>
+            </a:r>
+            <a:r>
+              <a:rPr lang="ko-KR" altLang="en-US" dirty="0"/>
+              <a:t>를 접하신 분들 많으실 겁니다</a:t>
+            </a:r>
+            <a:r>
+              <a:rPr lang="en-US" altLang="ko-KR" dirty="0"/>
+              <a:t>.</a:t>
+            </a:r>
+          </a:p>
+          <a:p>
             <a:endParaRPr lang="en-US" altLang="ko-KR" dirty="0"/>
+          </a:p>
+          <a:p>
+            <a:r>
+              <a:rPr lang="en-US" altLang="ko-KR" dirty="0"/>
+              <a:t>Redis</a:t>
+            </a:r>
+            <a:r>
+              <a:rPr lang="ko-KR" altLang="en-US" dirty="0"/>
+              <a:t>는 </a:t>
+            </a:r>
+            <a:r>
+              <a:rPr lang="en-US" altLang="ko-KR" dirty="0"/>
+              <a:t>Memcached </a:t>
+            </a:r>
+            <a:r>
+              <a:rPr lang="ko-KR" altLang="en-US" dirty="0"/>
+              <a:t>에 비해 약간 느리지만</a:t>
+            </a:r>
+            <a:r>
+              <a:rPr lang="en-US" altLang="ko-KR" dirty="0"/>
+              <a:t>,</a:t>
+            </a:r>
+          </a:p>
+          <a:p>
+            <a:endParaRPr lang="en-US" altLang="ko-KR" dirty="0"/>
+          </a:p>
+          <a:p>
+            <a:r>
+              <a:rPr lang="en-US" altLang="ko-KR" dirty="0"/>
+              <a:t>AIO </a:t>
+            </a:r>
+            <a:r>
+              <a:rPr lang="ko-KR" altLang="en-US" dirty="0"/>
+              <a:t>기반의 싱글 쓰레드로 동작하기 때문에</a:t>
+            </a:r>
+            <a:r>
+              <a:rPr lang="en-US" altLang="ko-KR" dirty="0"/>
+              <a:t> </a:t>
+            </a:r>
+            <a:r>
+              <a:rPr lang="ko-KR" altLang="en-US" dirty="0"/>
+              <a:t>처리흐름이 직관적이고</a:t>
+            </a:r>
+            <a:r>
+              <a:rPr lang="en-US" altLang="ko-KR" dirty="0"/>
+              <a:t>, API</a:t>
+            </a:r>
+            <a:r>
+              <a:rPr lang="ko-KR" altLang="en-US" dirty="0"/>
+              <a:t>를 다루기 쉽다는 장점이 있습니다</a:t>
+            </a:r>
+            <a:r>
+              <a:rPr lang="en-US" altLang="ko-KR" dirty="0"/>
+              <a:t>.</a:t>
+            </a:r>
+          </a:p>
+          <a:p>
+            <a:endParaRPr lang="en-US" altLang="ko-KR" dirty="0"/>
+          </a:p>
+          <a:p>
+            <a:r>
+              <a:rPr lang="ko-KR" altLang="en-US" dirty="0"/>
+              <a:t>하지만</a:t>
+            </a:r>
+            <a:r>
+              <a:rPr lang="en-US" altLang="ko-KR" dirty="0"/>
+              <a:t>, Spring </a:t>
+            </a:r>
+            <a:r>
+              <a:rPr lang="ko-KR" altLang="en-US" dirty="0"/>
+              <a:t>프레임워크에서</a:t>
+            </a:r>
+            <a:r>
+              <a:rPr lang="en-US" altLang="ko-KR" dirty="0"/>
+              <a:t>,</a:t>
+            </a:r>
+            <a:r>
+              <a:rPr lang="ko-KR" altLang="en-US" dirty="0"/>
+              <a:t> </a:t>
+            </a:r>
+            <a:r>
+              <a:rPr lang="en-US" altLang="ko-KR" dirty="0"/>
+              <a:t>cache </a:t>
+            </a:r>
+            <a:r>
+              <a:rPr lang="ko-KR" altLang="en-US" b="1" u="sng" dirty="0" err="1"/>
+              <a:t>어노테이션</a:t>
+            </a:r>
+            <a:r>
+              <a:rPr lang="ko-KR" altLang="en-US" dirty="0" err="1"/>
+              <a:t>으로만</a:t>
+            </a:r>
+            <a:r>
+              <a:rPr lang="ko-KR" altLang="en-US" dirty="0"/>
+              <a:t> </a:t>
+            </a:r>
+            <a:r>
+              <a:rPr lang="en-US" altLang="ko-KR" dirty="0" err="1"/>
+              <a:t>redis</a:t>
+            </a:r>
+            <a:r>
+              <a:rPr lang="en-US" altLang="ko-KR" dirty="0"/>
+              <a:t> </a:t>
+            </a:r>
+            <a:r>
+              <a:rPr lang="ko-KR" altLang="en-US" dirty="0"/>
+              <a:t>를 접하셨다면</a:t>
+            </a:r>
+            <a:r>
+              <a:rPr lang="en-US" altLang="ko-KR" dirty="0"/>
+              <a:t>, </a:t>
+            </a:r>
+            <a:r>
+              <a:rPr lang="ko-KR" altLang="en-US" dirty="0"/>
+              <a:t>이런 강력함을 미처 몰라보셨을 수도 있으실 </a:t>
+            </a:r>
+            <a:r>
+              <a:rPr lang="ko-KR" altLang="en-US" dirty="0" err="1"/>
+              <a:t>거에요</a:t>
+            </a:r>
+            <a:r>
+              <a:rPr lang="en-US" altLang="ko-KR" dirty="0"/>
+              <a:t>.</a:t>
+            </a:r>
+          </a:p>
+          <a:p>
+            <a:endParaRPr lang="en-US" altLang="ko-KR" dirty="0"/>
+          </a:p>
+          <a:p>
+            <a:endParaRPr lang="en-US" altLang="ko-KR" dirty="0"/>
+          </a:p>
+          <a:p>
+            <a:r>
+              <a:rPr lang="ko-KR" altLang="en-US" dirty="0"/>
+              <a:t>서버 인스턴스 간에는 메모리를 공유하지 않습니다</a:t>
+            </a:r>
+            <a:r>
+              <a:rPr lang="en-US" altLang="ko-KR" dirty="0"/>
+              <a:t>. </a:t>
+            </a:r>
+            <a:r>
+              <a:rPr lang="ko-KR" altLang="en-US" dirty="0"/>
+              <a:t>그래서 </a:t>
+            </a:r>
+            <a:r>
+              <a:rPr lang="en-US" altLang="ko-KR" dirty="0"/>
+              <a:t>queue </a:t>
+            </a:r>
+            <a:r>
+              <a:rPr lang="ko-KR" altLang="en-US" dirty="0"/>
+              <a:t>나</a:t>
+            </a:r>
+            <a:r>
+              <a:rPr lang="en-US" altLang="ko-KR" dirty="0"/>
+              <a:t>, LinkedList, map, set </a:t>
+            </a:r>
+            <a:r>
+              <a:rPr lang="ko-KR" altLang="en-US" dirty="0"/>
+              <a:t>등의 자료구조를 문제해결에 잘 사용하지 않습니다</a:t>
+            </a:r>
+            <a:r>
+              <a:rPr lang="en-US" altLang="ko-KR" dirty="0"/>
+              <a:t>.</a:t>
+            </a:r>
+          </a:p>
+          <a:p>
+            <a:endParaRPr lang="en-US" altLang="ko-KR" dirty="0"/>
+          </a:p>
+          <a:p>
+            <a:r>
+              <a:rPr lang="ko-KR" altLang="en-US" dirty="0"/>
+              <a:t>물론 메서드 안에서 로컬 변수로는 많이들 사용하셨을 </a:t>
+            </a:r>
+            <a:r>
+              <a:rPr lang="ko-KR" altLang="en-US" dirty="0" err="1"/>
+              <a:t>거에요</a:t>
+            </a:r>
+            <a:r>
+              <a:rPr lang="en-US" altLang="ko-KR" dirty="0"/>
+              <a:t>. </a:t>
+            </a:r>
+            <a:r>
+              <a:rPr lang="ko-KR" altLang="en-US" dirty="0"/>
+              <a:t>지금 말씀드리는 상황은</a:t>
+            </a:r>
+            <a:r>
+              <a:rPr lang="en-US" altLang="ko-KR" dirty="0"/>
+              <a:t>, </a:t>
+            </a:r>
+            <a:r>
+              <a:rPr lang="ko-KR" altLang="en-US" dirty="0"/>
+              <a:t>예를 들면</a:t>
+            </a:r>
+            <a:r>
+              <a:rPr lang="en-US" altLang="ko-KR" dirty="0"/>
+              <a:t>…</a:t>
+            </a:r>
+          </a:p>
+          <a:p>
+            <a:pPr marL="0" marR="0" lvl="0" indent="0" algn="l" defTabSz="685800" rtl="0" eaLnBrk="1" fontAlgn="auto" latinLnBrk="1" hangingPunct="1">
+              <a:lnSpc>
+                <a:spcPct val="100000"/>
+              </a:lnSpc>
+              <a:spcBef>
+                <a:spcPts val="0"/>
+              </a:spcBef>
+              <a:spcAft>
+                <a:spcPts val="0"/>
+              </a:spcAft>
+              <a:buClrTx/>
+              <a:buSzTx/>
+              <a:buFontTx/>
+              <a:buNone/>
+              <a:tabLst/>
+              <a:defRPr/>
+            </a:pPr>
+            <a:endParaRPr lang="en-US" altLang="ko-KR" dirty="0"/>
+          </a:p>
+          <a:p>
+            <a:pPr marL="0" marR="0" lvl="0" indent="0" algn="l" defTabSz="685800" rtl="0" eaLnBrk="1" fontAlgn="auto" latinLnBrk="1" hangingPunct="1">
+              <a:lnSpc>
+                <a:spcPct val="100000"/>
+              </a:lnSpc>
+              <a:spcBef>
+                <a:spcPts val="0"/>
+              </a:spcBef>
+              <a:spcAft>
+                <a:spcPts val="0"/>
+              </a:spcAft>
+              <a:buClrTx/>
+              <a:buSzTx/>
+              <a:buFontTx/>
+              <a:buNone/>
+              <a:tabLst/>
+              <a:defRPr/>
+            </a:pPr>
+            <a:r>
+              <a:rPr lang="ko-KR" altLang="en-US" dirty="0"/>
+              <a:t>만약</a:t>
+            </a:r>
+            <a:r>
+              <a:rPr lang="en-US" altLang="ko-KR" dirty="0"/>
+              <a:t>, </a:t>
+            </a:r>
+            <a:r>
+              <a:rPr lang="ko-KR" altLang="en-US" dirty="0"/>
+              <a:t>서버 간에 공유 가능한 </a:t>
+            </a:r>
+            <a:r>
+              <a:rPr lang="en-US" altLang="ko-KR" dirty="0"/>
+              <a:t>sorted set </a:t>
+            </a:r>
+            <a:r>
+              <a:rPr lang="ko-KR" altLang="en-US" dirty="0"/>
+              <a:t>이 있다면</a:t>
+            </a:r>
+            <a:r>
+              <a:rPr lang="en-US" altLang="ko-KR" dirty="0"/>
+              <a:t>, sorted set</a:t>
+            </a:r>
+            <a:r>
+              <a:rPr lang="ko-KR" altLang="en-US" dirty="0"/>
+              <a:t>은 입력 즉시 정렬되는 자료구조고</a:t>
+            </a:r>
+            <a:r>
+              <a:rPr lang="en-US" altLang="ko-KR" dirty="0"/>
+              <a:t>, </a:t>
+            </a:r>
+            <a:r>
+              <a:rPr lang="ko-KR" altLang="en-US" dirty="0"/>
+              <a:t>여기에 제목과 랭킹점수를 여러 서버에서 입력하면</a:t>
+            </a:r>
+            <a:r>
+              <a:rPr lang="en-US" altLang="ko-KR" dirty="0"/>
+              <a:t>, </a:t>
+            </a:r>
+            <a:r>
+              <a:rPr lang="ko-KR" altLang="en-US" dirty="0"/>
+              <a:t>입력 즉시 </a:t>
+            </a:r>
+            <a:r>
+              <a:rPr lang="en-US" altLang="ko-KR" dirty="0"/>
+              <a:t>! </a:t>
+            </a:r>
+            <a:r>
+              <a:rPr lang="ko-KR" altLang="en-US" dirty="0"/>
+              <a:t>정렬되는 실시간 랭킹시스템을 만들 수도 있을 </a:t>
+            </a:r>
+            <a:r>
+              <a:rPr lang="ko-KR" altLang="en-US" dirty="0" err="1"/>
+              <a:t>거에요</a:t>
+            </a:r>
+            <a:r>
+              <a:rPr lang="en-US" altLang="ko-KR" dirty="0"/>
+              <a:t>.</a:t>
+            </a:r>
+          </a:p>
+          <a:p>
+            <a:pPr marL="0" marR="0" lvl="0" indent="0" algn="l" defTabSz="685800" rtl="0" eaLnBrk="1" fontAlgn="auto" latinLnBrk="1" hangingPunct="1">
+              <a:lnSpc>
+                <a:spcPct val="100000"/>
+              </a:lnSpc>
+              <a:spcBef>
+                <a:spcPts val="0"/>
+              </a:spcBef>
+              <a:spcAft>
+                <a:spcPts val="0"/>
+              </a:spcAft>
+              <a:buClrTx/>
+              <a:buSzTx/>
+              <a:buFontTx/>
+              <a:buNone/>
+              <a:tabLst/>
+              <a:defRPr/>
+            </a:pPr>
+            <a:endParaRPr lang="en-US" altLang="ko-KR" dirty="0"/>
+          </a:p>
+          <a:p>
+            <a:pPr marL="0" marR="0" lvl="0" indent="0" algn="l" defTabSz="685800" rtl="0" eaLnBrk="1" fontAlgn="auto" latinLnBrk="1" hangingPunct="1">
+              <a:lnSpc>
+                <a:spcPct val="100000"/>
+              </a:lnSpc>
+              <a:spcBef>
+                <a:spcPts val="0"/>
+              </a:spcBef>
+              <a:spcAft>
+                <a:spcPts val="0"/>
+              </a:spcAft>
+              <a:buClrTx/>
+              <a:buSzTx/>
+              <a:buFontTx/>
+              <a:buNone/>
+              <a:tabLst/>
+              <a:defRPr/>
+            </a:pPr>
+            <a:endParaRPr lang="en-US" altLang="ko-KR" dirty="0"/>
+          </a:p>
+          <a:p>
+            <a:pPr marL="0" marR="0" lvl="0" indent="0" algn="l" defTabSz="685800" rtl="0" eaLnBrk="1" fontAlgn="auto" latinLnBrk="1" hangingPunct="1">
+              <a:lnSpc>
+                <a:spcPct val="100000"/>
+              </a:lnSpc>
+              <a:spcBef>
+                <a:spcPts val="0"/>
+              </a:spcBef>
+              <a:spcAft>
+                <a:spcPts val="0"/>
+              </a:spcAft>
+              <a:buClrTx/>
+              <a:buSzTx/>
+              <a:buFontTx/>
+              <a:buNone/>
+              <a:tabLst/>
+              <a:defRPr/>
+            </a:pPr>
+            <a:r>
+              <a:rPr lang="en-US" altLang="ko-KR" dirty="0"/>
+              <a:t>Redis </a:t>
+            </a:r>
+            <a:r>
+              <a:rPr lang="ko-KR" altLang="en-US" dirty="0"/>
+              <a:t>는 바로</a:t>
+            </a:r>
+            <a:r>
+              <a:rPr lang="en-US" altLang="ko-KR" dirty="0"/>
+              <a:t>, </a:t>
+            </a:r>
+            <a:r>
+              <a:rPr lang="ko-KR" altLang="en-US" dirty="0"/>
+              <a:t>서버 인스턴스 간에 이런 자료구조를 공유할 수 있게끔 해주는 메모리 역할을 수행합니다</a:t>
+            </a:r>
+            <a:r>
+              <a:rPr lang="en-US" altLang="ko-KR" dirty="0"/>
+              <a:t>.</a:t>
+            </a:r>
+          </a:p>
+          <a:p>
+            <a:pPr marL="0" marR="0" lvl="0" indent="0" algn="l" defTabSz="685800" rtl="0" eaLnBrk="1" fontAlgn="auto" latinLnBrk="1" hangingPunct="1">
+              <a:lnSpc>
+                <a:spcPct val="100000"/>
+              </a:lnSpc>
+              <a:spcBef>
+                <a:spcPts val="0"/>
+              </a:spcBef>
+              <a:spcAft>
+                <a:spcPts val="0"/>
+              </a:spcAft>
+              <a:buClrTx/>
+              <a:buSzTx/>
+              <a:buFontTx/>
+              <a:buNone/>
+              <a:tabLst/>
+              <a:defRPr/>
+            </a:pPr>
+            <a:endParaRPr lang="en-US" altLang="ko-KR" dirty="0"/>
+          </a:p>
+          <a:p>
+            <a:pPr marL="0" marR="0" lvl="0" indent="0" algn="l" defTabSz="685800" rtl="0" eaLnBrk="1" fontAlgn="auto" latinLnBrk="1" hangingPunct="1">
+              <a:lnSpc>
+                <a:spcPct val="100000"/>
+              </a:lnSpc>
+              <a:spcBef>
+                <a:spcPts val="0"/>
+              </a:spcBef>
+              <a:spcAft>
+                <a:spcPts val="0"/>
+              </a:spcAft>
+              <a:buClrTx/>
+              <a:buSzTx/>
+              <a:buFontTx/>
+              <a:buNone/>
+              <a:tabLst/>
+              <a:defRPr/>
+            </a:pPr>
+            <a:r>
+              <a:rPr lang="ko-KR" altLang="en-US" dirty="0"/>
+              <a:t>이번 시간에 저희는</a:t>
+            </a:r>
+            <a:r>
+              <a:rPr lang="en-US" altLang="ko-KR" dirty="0"/>
+              <a:t>,</a:t>
+            </a:r>
+            <a:r>
+              <a:rPr lang="ko-KR" altLang="en-US" dirty="0"/>
+              <a:t> </a:t>
+            </a:r>
+            <a:r>
+              <a:rPr lang="en-US" altLang="ko-KR" dirty="0"/>
+              <a:t>Redis</a:t>
+            </a:r>
+            <a:r>
+              <a:rPr lang="ko-KR" altLang="en-US" dirty="0"/>
+              <a:t>가 제공하는 다양한 </a:t>
+            </a:r>
+            <a:r>
+              <a:rPr lang="en-US" altLang="ko-KR" dirty="0"/>
+              <a:t>operation</a:t>
+            </a:r>
+            <a:r>
+              <a:rPr lang="ko-KR" altLang="en-US" dirty="0"/>
+              <a:t>을 사용해 보고</a:t>
+            </a:r>
+            <a:r>
+              <a:rPr lang="en-US" altLang="ko-KR" dirty="0"/>
+              <a:t>, </a:t>
+            </a:r>
+            <a:r>
+              <a:rPr lang="ko-KR" altLang="en-US" dirty="0"/>
+              <a:t>서버 간에 공유 가능한 메모리 유형도 파악해 보겠습니다</a:t>
+            </a:r>
+            <a:r>
+              <a:rPr lang="en-US" altLang="ko-KR" dirty="0"/>
+              <a:t>.</a:t>
+            </a:r>
           </a:p>
         </p:txBody>
       </p:sp>
@@ -819,7 +1915,7 @@
           <a:p>
             <a:fld id="{4F243B46-72FF-4656-838A-691B9EB329E3}" type="slidenum">
               <a:rPr lang="ko-KR" altLang="en-US" smtClean="0"/>
-              <a:t>23</a:t>
+              <a:t>13</a:t>
             </a:fld>
             <a:endParaRPr lang="ko-KR" altLang="en-US"/>
           </a:p>
@@ -828,7 +1924,7 @@
     </p:spTree>
     <p:extLst>
       <p:ext uri="{BB962C8B-B14F-4D97-AF65-F5344CB8AC3E}">
-        <p14:creationId xmlns:p14="http://schemas.microsoft.com/office/powerpoint/2010/main" val="1989725789"/>
+        <p14:creationId xmlns:p14="http://schemas.microsoft.com/office/powerpoint/2010/main" val="1099860314"/>
       </p:ext>
     </p:extLst>
   </p:cSld>
@@ -882,7 +1978,59 @@
           <a:bodyPr/>
           <a:lstStyle/>
           <a:p>
-            <a:endParaRPr lang="en-US" altLang="ko-KR" dirty="0"/>
+            <a:r>
+              <a:rPr lang="ko-KR" altLang="en-US" dirty="0"/>
+              <a:t>먼저 </a:t>
+            </a:r>
+            <a:r>
+              <a:rPr lang="en-US" altLang="ko-KR" dirty="0"/>
+              <a:t>Redis </a:t>
+            </a:r>
+            <a:r>
+              <a:rPr lang="ko-KR" altLang="en-US" dirty="0"/>
+              <a:t>서버를 구성하고</a:t>
+            </a:r>
+            <a:r>
+              <a:rPr lang="en-US" altLang="ko-KR" dirty="0"/>
+              <a:t>, </a:t>
+            </a:r>
+            <a:r>
+              <a:rPr lang="en-US" altLang="ko-KR" dirty="0" err="1"/>
+              <a:t>Webflux</a:t>
+            </a:r>
+            <a:r>
+              <a:rPr lang="en-US" altLang="ko-KR" dirty="0"/>
+              <a:t> </a:t>
+            </a:r>
+            <a:r>
+              <a:rPr lang="ko-KR" altLang="en-US" dirty="0"/>
+              <a:t>에서 </a:t>
+            </a:r>
+            <a:r>
+              <a:rPr lang="en-US" altLang="ko-KR" dirty="0"/>
+              <a:t>reactive </a:t>
+            </a:r>
+            <a:r>
+              <a:rPr lang="ko-KR" altLang="en-US" dirty="0"/>
+              <a:t>방식으로 </a:t>
+            </a:r>
+            <a:r>
+              <a:rPr lang="en-US" altLang="ko-KR" dirty="0" err="1"/>
+              <a:t>redis</a:t>
+            </a:r>
+            <a:r>
+              <a:rPr lang="en-US" altLang="ko-KR" dirty="0"/>
+              <a:t> </a:t>
+            </a:r>
+            <a:r>
+              <a:rPr lang="ko-KR" altLang="en-US" dirty="0"/>
+              <a:t>서버를 호출해 보겠습니다</a:t>
+            </a:r>
+            <a:r>
+              <a:rPr lang="en-US" altLang="ko-KR" dirty="0"/>
+              <a:t>.</a:t>
+            </a:r>
+            <a:endParaRPr lang="ko-KR" altLang="en-US" dirty="0"/>
           </a:p>
         </p:txBody>
       </p:sp>
@@ -903,7 +2051,7 @@
           <a:p>
             <a:fld id="{4F243B46-72FF-4656-838A-691B9EB329E3}" type="slidenum">
               <a:rPr lang="ko-KR" altLang="en-US" smtClean="0"/>
-              <a:t>25</a:t>
+              <a:t>14</a:t>
             </a:fld>
             <a:endParaRPr lang="ko-KR" altLang="en-US"/>
           </a:p>
@@ -912,7 +2060,1234 @@
     </p:spTree>
     <p:extLst>
       <p:ext uri="{BB962C8B-B14F-4D97-AF65-F5344CB8AC3E}">
-        <p14:creationId xmlns:p14="http://schemas.microsoft.com/office/powerpoint/2010/main" val="1298857228"/>
+        <p14:creationId xmlns:p14="http://schemas.microsoft.com/office/powerpoint/2010/main" val="3266000744"/>
+      </p:ext>
+    </p:extLst>
+  </p:cSld>
+  <p:clrMapOvr>
+    <a:masterClrMapping/>
+  </p:clrMapOvr>
+</p:notes>
+</file>
+
+<file path=ppt/notesSlides/notesSlide14.xml><?xml version="1.0" encoding="utf-8"?>
+<p:notes xmlns:a="http://schemas.openxmlformats.org/drawingml/2006/main" xmlns:r="http://schemas.openxmlformats.org/officeDocument/2006/relationships" xmlns:p="http://schemas.openxmlformats.org/presentationml/2006/main">
+  <p:cSld>
+    <p:spTree>
+      <p:nvGrpSpPr>
+        <p:cNvPr id="1" name=""/>
+        <p:cNvGrpSpPr/>
+        <p:nvPr/>
+      </p:nvGrpSpPr>
+      <p:grpSpPr>
+        <a:xfrm>
+          <a:off x="0" y="0"/>
+          <a:ext cx="0" cy="0"/>
+          <a:chOff x="0" y="0"/>
+          <a:chExt cx="0" cy="0"/>
+        </a:xfrm>
+      </p:grpSpPr>
+      <p:sp>
+        <p:nvSpPr>
+          <p:cNvPr id="2" name="슬라이드 이미지 개체 틀 1"/>
+          <p:cNvSpPr>
+            <a:spLocks noGrp="1" noRot="1" noChangeAspect="1"/>
+          </p:cNvSpPr>
+          <p:nvPr>
+            <p:ph type="sldImg"/>
+          </p:nvPr>
+        </p:nvSpPr>
+        <p:spPr/>
+      </p:sp>
+      <p:sp>
+        <p:nvSpPr>
+          <p:cNvPr id="3" name="슬라이드 노트 개체 틀 2"/>
+          <p:cNvSpPr>
+            <a:spLocks noGrp="1"/>
+          </p:cNvSpPr>
+          <p:nvPr>
+            <p:ph type="body" idx="1"/>
+          </p:nvPr>
+        </p:nvSpPr>
+        <p:spPr/>
+        <p:txBody>
+          <a:bodyPr/>
+          <a:lstStyle/>
+          <a:p>
+            <a:r>
+              <a:rPr lang="ko-KR" altLang="en-US" dirty="0"/>
+              <a:t>지금부터는 </a:t>
+            </a:r>
+            <a:r>
+              <a:rPr lang="en-US" altLang="ko-KR" dirty="0"/>
+              <a:t>Redis </a:t>
+            </a:r>
+            <a:r>
+              <a:rPr lang="ko-KR" altLang="en-US" dirty="0"/>
+              <a:t>가 제공하는 다양한 연산을 알아보겠습니다</a:t>
+            </a:r>
+            <a:r>
+              <a:rPr lang="en-US" altLang="ko-KR" dirty="0"/>
+              <a:t>.</a:t>
+            </a:r>
+            <a:endParaRPr lang="ko-KR" altLang="en-US" dirty="0"/>
+          </a:p>
+        </p:txBody>
+      </p:sp>
+      <p:sp>
+        <p:nvSpPr>
+          <p:cNvPr id="4" name="슬라이드 번호 개체 틀 3"/>
+          <p:cNvSpPr>
+            <a:spLocks noGrp="1"/>
+          </p:cNvSpPr>
+          <p:nvPr>
+            <p:ph type="sldNum" sz="quarter" idx="5"/>
+          </p:nvPr>
+        </p:nvSpPr>
+        <p:spPr/>
+        <p:txBody>
+          <a:bodyPr/>
+          <a:lstStyle/>
+          <a:p>
+            <a:fld id="{4F243B46-72FF-4656-838A-691B9EB329E3}" type="slidenum">
+              <a:rPr lang="ko-KR" altLang="en-US" smtClean="0"/>
+              <a:t>15</a:t>
+            </a:fld>
+            <a:endParaRPr lang="ko-KR" altLang="en-US"/>
+          </a:p>
+        </p:txBody>
+      </p:sp>
+    </p:spTree>
+    <p:extLst>
+      <p:ext uri="{BB962C8B-B14F-4D97-AF65-F5344CB8AC3E}">
+        <p14:creationId xmlns:p14="http://schemas.microsoft.com/office/powerpoint/2010/main" val="4059958815"/>
+      </p:ext>
+    </p:extLst>
+  </p:cSld>
+  <p:clrMapOvr>
+    <a:masterClrMapping/>
+  </p:clrMapOvr>
+</p:notes>
+</file>
+
+<file path=ppt/notesSlides/notesSlide15.xml><?xml version="1.0" encoding="utf-8"?>
+<p:notes xmlns:a="http://schemas.openxmlformats.org/drawingml/2006/main" xmlns:r="http://schemas.openxmlformats.org/officeDocument/2006/relationships" xmlns:p="http://schemas.openxmlformats.org/presentationml/2006/main">
+  <p:cSld>
+    <p:spTree>
+      <p:nvGrpSpPr>
+        <p:cNvPr id="1" name=""/>
+        <p:cNvGrpSpPr/>
+        <p:nvPr/>
+      </p:nvGrpSpPr>
+      <p:grpSpPr>
+        <a:xfrm>
+          <a:off x="0" y="0"/>
+          <a:ext cx="0" cy="0"/>
+          <a:chOff x="0" y="0"/>
+          <a:chExt cx="0" cy="0"/>
+        </a:xfrm>
+      </p:grpSpPr>
+      <p:sp>
+        <p:nvSpPr>
+          <p:cNvPr id="2" name="슬라이드 이미지 개체 틀 1"/>
+          <p:cNvSpPr>
+            <a:spLocks noGrp="1" noRot="1" noChangeAspect="1"/>
+          </p:cNvSpPr>
+          <p:nvPr>
+            <p:ph type="sldImg"/>
+          </p:nvPr>
+        </p:nvSpPr>
+        <p:spPr/>
+      </p:sp>
+      <p:sp>
+        <p:nvSpPr>
+          <p:cNvPr id="3" name="슬라이드 노트 개체 틀 2"/>
+          <p:cNvSpPr>
+            <a:spLocks noGrp="1"/>
+          </p:cNvSpPr>
+          <p:nvPr>
+            <p:ph type="body" idx="1"/>
+          </p:nvPr>
+        </p:nvSpPr>
+        <p:spPr/>
+        <p:txBody>
+          <a:bodyPr/>
+          <a:lstStyle/>
+          <a:p>
+            <a:r>
+              <a:rPr lang="ko-KR" altLang="en-US" dirty="0"/>
+              <a:t>매번 </a:t>
+            </a:r>
+            <a:r>
+              <a:rPr lang="en-US" altLang="ko-KR" dirty="0"/>
+              <a:t>DB</a:t>
+            </a:r>
+            <a:r>
+              <a:rPr lang="ko-KR" altLang="en-US" dirty="0"/>
+              <a:t>를 조회하는 것이 아니라</a:t>
+            </a:r>
+            <a:r>
+              <a:rPr lang="en-US" altLang="ko-KR" dirty="0"/>
+              <a:t>, </a:t>
+            </a:r>
+            <a:r>
+              <a:rPr lang="ko-KR" altLang="en-US" dirty="0"/>
+              <a:t>데이터 변경이 없다면</a:t>
+            </a:r>
+            <a:r>
+              <a:rPr lang="en-US" altLang="ko-KR" dirty="0"/>
+              <a:t> Cache </a:t>
+            </a:r>
+            <a:r>
+              <a:rPr lang="ko-KR" altLang="en-US" dirty="0"/>
+              <a:t>에 저장된 데이터를 넘겨주는 것이</a:t>
+            </a:r>
+            <a:r>
+              <a:rPr lang="en-US" altLang="ko-KR" dirty="0"/>
+              <a:t>, </a:t>
+            </a:r>
+            <a:r>
+              <a:rPr lang="ko-KR" altLang="en-US" dirty="0" err="1"/>
+              <a:t>테크</a:t>
+            </a:r>
+            <a:r>
+              <a:rPr lang="ko-KR" altLang="en-US" dirty="0"/>
+              <a:t> 기업에서 서비스를 빠르게 만드는 주요한 마법입니다</a:t>
+            </a:r>
+            <a:r>
+              <a:rPr lang="en-US" altLang="ko-KR" dirty="0"/>
+              <a:t>.</a:t>
+            </a:r>
+          </a:p>
+          <a:p>
+            <a:endParaRPr lang="en-US" altLang="ko-KR" dirty="0"/>
+          </a:p>
+          <a:p>
+            <a:r>
+              <a:rPr lang="ko-KR" altLang="en-US" dirty="0"/>
+              <a:t>그런데 </a:t>
+            </a:r>
+            <a:r>
+              <a:rPr lang="en-US" altLang="ko-KR" dirty="0" err="1"/>
+              <a:t>Webflux</a:t>
+            </a:r>
+            <a:r>
+              <a:rPr lang="en-US" altLang="ko-KR" dirty="0"/>
+              <a:t> </a:t>
+            </a:r>
+            <a:r>
+              <a:rPr lang="ko-KR" altLang="en-US" dirty="0"/>
+              <a:t>는 아쉽게도 아직</a:t>
+            </a:r>
+            <a:r>
+              <a:rPr lang="en-US" altLang="ko-KR" dirty="0"/>
+              <a:t>, Cache </a:t>
+            </a:r>
+            <a:r>
+              <a:rPr lang="ko-KR" altLang="en-US" dirty="0" err="1"/>
+              <a:t>어노테이션이</a:t>
+            </a:r>
+            <a:r>
+              <a:rPr lang="ko-KR" altLang="en-US" dirty="0"/>
+              <a:t> 동작하지 않습니다</a:t>
+            </a:r>
+            <a:r>
+              <a:rPr lang="en-US" altLang="ko-KR" dirty="0"/>
+              <a:t>.</a:t>
+            </a:r>
+          </a:p>
+          <a:p>
+            <a:endParaRPr lang="en-US" altLang="ko-KR" dirty="0"/>
+          </a:p>
+          <a:p>
+            <a:r>
+              <a:rPr lang="en-US" altLang="ko-KR" dirty="0"/>
+              <a:t>reactor </a:t>
+            </a:r>
+            <a:r>
+              <a:rPr lang="ko-KR" altLang="en-US" dirty="0"/>
+              <a:t>함수인 경우</a:t>
+            </a:r>
+            <a:r>
+              <a:rPr lang="en-US" altLang="ko-KR" dirty="0"/>
+              <a:t>, </a:t>
+            </a:r>
+            <a:r>
+              <a:rPr lang="ko-KR" altLang="en-US" dirty="0"/>
+              <a:t>반환결과는 값이 아닌 </a:t>
+            </a:r>
+            <a:r>
+              <a:rPr lang="en-US" altLang="ko-KR" dirty="0"/>
+              <a:t>Mono </a:t>
+            </a:r>
+            <a:r>
+              <a:rPr lang="ko-KR" altLang="en-US" dirty="0"/>
+              <a:t>나 </a:t>
+            </a:r>
+            <a:r>
+              <a:rPr lang="en-US" altLang="ko-KR" dirty="0"/>
+              <a:t>Flux </a:t>
+            </a:r>
+            <a:r>
+              <a:rPr lang="ko-KR" altLang="en-US" dirty="0"/>
+              <a:t>등의 </a:t>
+            </a:r>
+            <a:r>
+              <a:rPr lang="en-US" altLang="ko-KR" dirty="0"/>
+              <a:t>publisher </a:t>
+            </a:r>
+            <a:r>
+              <a:rPr lang="ko-KR" altLang="en-US" dirty="0"/>
+              <a:t>입니다</a:t>
+            </a:r>
+            <a:r>
+              <a:rPr lang="en-US" altLang="ko-KR" dirty="0"/>
+              <a:t>. </a:t>
+            </a:r>
+            <a:r>
+              <a:rPr lang="ko-KR" altLang="en-US" dirty="0"/>
+              <a:t>그래서</a:t>
+            </a:r>
+            <a:r>
+              <a:rPr lang="en-US" altLang="ko-KR" dirty="0"/>
+              <a:t>, cache </a:t>
+            </a:r>
+            <a:r>
+              <a:rPr lang="ko-KR" altLang="en-US" dirty="0" err="1"/>
+              <a:t>어노테이션을</a:t>
+            </a:r>
+            <a:r>
+              <a:rPr lang="ko-KR" altLang="en-US" dirty="0"/>
+              <a:t> 사용하면</a:t>
+            </a:r>
+            <a:r>
+              <a:rPr lang="en-US" altLang="ko-KR" dirty="0"/>
+              <a:t>, </a:t>
+            </a:r>
+            <a:r>
+              <a:rPr lang="ko-KR" altLang="en-US" dirty="0"/>
+              <a:t>값이 아닌 </a:t>
+            </a:r>
+            <a:r>
+              <a:rPr lang="en-US" altLang="ko-KR" dirty="0"/>
+              <a:t>Publisher </a:t>
+            </a:r>
+            <a:r>
+              <a:rPr lang="ko-KR" altLang="en-US" dirty="0"/>
+              <a:t>를 캐시하기 때문에 정상 작동하지 않습니다</a:t>
+            </a:r>
+            <a:r>
+              <a:rPr lang="en-US" altLang="ko-KR" dirty="0"/>
+              <a:t>.</a:t>
+            </a:r>
+          </a:p>
+          <a:p>
+            <a:endParaRPr lang="en-US" altLang="ko-KR" dirty="0"/>
+          </a:p>
+          <a:p>
+            <a:r>
+              <a:rPr lang="en-US" altLang="ko-KR" dirty="0"/>
+              <a:t>coroutine</a:t>
+            </a:r>
+            <a:r>
+              <a:rPr lang="ko-KR" altLang="en-US" dirty="0"/>
+              <a:t> 함수인 경우에는</a:t>
+            </a:r>
+            <a:r>
+              <a:rPr lang="en-US" altLang="ko-KR" dirty="0"/>
+              <a:t>, </a:t>
+            </a:r>
+            <a:r>
+              <a:rPr lang="ko-KR" altLang="en-US" dirty="0"/>
+              <a:t>컴파일 변형으로 생성되는 </a:t>
+            </a:r>
+            <a:r>
+              <a:rPr lang="en-US" altLang="ko-KR" dirty="0"/>
+              <a:t>continuation </a:t>
+            </a:r>
+            <a:r>
+              <a:rPr lang="ko-KR" altLang="en-US" dirty="0"/>
+              <a:t>파라미터와 </a:t>
+            </a:r>
+            <a:r>
+              <a:rPr lang="en-US" altLang="ko-KR" dirty="0"/>
+              <a:t>special return </a:t>
+            </a:r>
+            <a:r>
+              <a:rPr lang="ko-KR" altLang="en-US" dirty="0"/>
+              <a:t>이 </a:t>
+            </a:r>
+            <a:r>
+              <a:rPr lang="en-US" altLang="ko-KR" dirty="0"/>
+              <a:t>cache </a:t>
+            </a:r>
+            <a:r>
+              <a:rPr lang="ko-KR" altLang="en-US" dirty="0" err="1"/>
+              <a:t>어노테이션</a:t>
+            </a:r>
+            <a:r>
+              <a:rPr lang="ko-KR" altLang="en-US" dirty="0"/>
+              <a:t> 처리방식과 맞지 않아서</a:t>
+            </a:r>
+            <a:r>
+              <a:rPr lang="en-US" altLang="ko-KR" dirty="0"/>
+              <a:t>, </a:t>
+            </a:r>
+            <a:r>
+              <a:rPr lang="ko-KR" altLang="en-US" dirty="0"/>
+              <a:t>마찬가지로 정상 작동하지 않습니다</a:t>
+            </a:r>
+            <a:r>
+              <a:rPr lang="en-US" altLang="ko-KR" dirty="0"/>
+              <a:t>.</a:t>
+            </a:r>
+          </a:p>
+          <a:p>
+            <a:endParaRPr lang="en-US" altLang="ko-KR" dirty="0"/>
+          </a:p>
+          <a:p>
+            <a:pPr marL="0" marR="0" lvl="0" indent="0" algn="l" defTabSz="685800" rtl="0" eaLnBrk="1" fontAlgn="auto" latinLnBrk="1" hangingPunct="1">
+              <a:lnSpc>
+                <a:spcPct val="100000"/>
+              </a:lnSpc>
+              <a:spcBef>
+                <a:spcPts val="0"/>
+              </a:spcBef>
+              <a:spcAft>
+                <a:spcPts val="0"/>
+              </a:spcAft>
+              <a:buClrTx/>
+              <a:buSzTx/>
+              <a:buFontTx/>
+              <a:buNone/>
+              <a:tabLst/>
+              <a:defRPr/>
+            </a:pPr>
+            <a:endParaRPr lang="en-US" altLang="ko-KR" dirty="0"/>
+          </a:p>
+          <a:p>
+            <a:pPr marL="0" marR="0" lvl="0" indent="0" algn="l" defTabSz="685800" rtl="0" eaLnBrk="1" fontAlgn="auto" latinLnBrk="1" hangingPunct="1">
+              <a:lnSpc>
+                <a:spcPct val="100000"/>
+              </a:lnSpc>
+              <a:spcBef>
+                <a:spcPts val="0"/>
+              </a:spcBef>
+              <a:spcAft>
+                <a:spcPts val="0"/>
+              </a:spcAft>
+              <a:buClrTx/>
+              <a:buSzTx/>
+              <a:buFontTx/>
+              <a:buNone/>
+              <a:tabLst/>
+              <a:defRPr/>
+            </a:pPr>
+            <a:r>
+              <a:rPr lang="ko-KR" altLang="en-US" dirty="0"/>
+              <a:t>그래서 </a:t>
+            </a:r>
+            <a:r>
+              <a:rPr lang="en-US" altLang="ko-KR" dirty="0"/>
+              <a:t>Cache </a:t>
+            </a:r>
+            <a:r>
+              <a:rPr lang="ko-KR" altLang="en-US" dirty="0"/>
+              <a:t>기능은</a:t>
+            </a:r>
+            <a:r>
+              <a:rPr lang="en-US" altLang="ko-KR" dirty="0"/>
+              <a:t>, </a:t>
+            </a:r>
+            <a:r>
+              <a:rPr lang="ko-KR" altLang="en-US" dirty="0"/>
+              <a:t>아직은 </a:t>
+            </a:r>
+            <a:r>
+              <a:rPr lang="en-US" altLang="ko-KR" dirty="0"/>
+              <a:t>Redis </a:t>
+            </a:r>
+            <a:r>
+              <a:rPr lang="ko-KR" altLang="en-US" dirty="0"/>
+              <a:t>를 이용해 직접 처리해야 합니다</a:t>
+            </a:r>
+            <a:r>
+              <a:rPr lang="en-US" altLang="ko-KR" dirty="0"/>
+              <a:t>.</a:t>
+            </a:r>
+          </a:p>
+          <a:p>
+            <a:pPr marL="0" marR="0" lvl="0" indent="0" algn="l" defTabSz="685800" rtl="0" eaLnBrk="1" fontAlgn="auto" latinLnBrk="1" hangingPunct="1">
+              <a:lnSpc>
+                <a:spcPct val="100000"/>
+              </a:lnSpc>
+              <a:spcBef>
+                <a:spcPts val="0"/>
+              </a:spcBef>
+              <a:spcAft>
+                <a:spcPts val="0"/>
+              </a:spcAft>
+              <a:buClrTx/>
+              <a:buSzTx/>
+              <a:buFontTx/>
+              <a:buNone/>
+              <a:tabLst/>
+              <a:defRPr/>
+            </a:pPr>
+            <a:endParaRPr lang="en-US" altLang="ko-KR" dirty="0"/>
+          </a:p>
+        </p:txBody>
+      </p:sp>
+      <p:sp>
+        <p:nvSpPr>
+          <p:cNvPr id="4" name="슬라이드 번호 개체 틀 3"/>
+          <p:cNvSpPr>
+            <a:spLocks noGrp="1"/>
+          </p:cNvSpPr>
+          <p:nvPr>
+            <p:ph type="sldNum" sz="quarter" idx="5"/>
+          </p:nvPr>
+        </p:nvSpPr>
+        <p:spPr/>
+        <p:txBody>
+          <a:bodyPr/>
+          <a:lstStyle/>
+          <a:p>
+            <a:fld id="{4F243B46-72FF-4656-838A-691B9EB329E3}" type="slidenum">
+              <a:rPr lang="ko-KR" altLang="en-US" smtClean="0"/>
+              <a:t>16</a:t>
+            </a:fld>
+            <a:endParaRPr lang="ko-KR" altLang="en-US"/>
+          </a:p>
+        </p:txBody>
+      </p:sp>
+    </p:spTree>
+    <p:extLst>
+      <p:ext uri="{BB962C8B-B14F-4D97-AF65-F5344CB8AC3E}">
+        <p14:creationId xmlns:p14="http://schemas.microsoft.com/office/powerpoint/2010/main" val="1627911884"/>
+      </p:ext>
+    </p:extLst>
+  </p:cSld>
+  <p:clrMapOvr>
+    <a:masterClrMapping/>
+  </p:clrMapOvr>
+</p:notes>
+</file>
+
+<file path=ppt/notesSlides/notesSlide16.xml><?xml version="1.0" encoding="utf-8"?>
+<p:notes xmlns:a="http://schemas.openxmlformats.org/drawingml/2006/main" xmlns:r="http://schemas.openxmlformats.org/officeDocument/2006/relationships" xmlns:p="http://schemas.openxmlformats.org/presentationml/2006/main">
+  <p:cSld>
+    <p:spTree>
+      <p:nvGrpSpPr>
+        <p:cNvPr id="1" name=""/>
+        <p:cNvGrpSpPr/>
+        <p:nvPr/>
+      </p:nvGrpSpPr>
+      <p:grpSpPr>
+        <a:xfrm>
+          <a:off x="0" y="0"/>
+          <a:ext cx="0" cy="0"/>
+          <a:chOff x="0" y="0"/>
+          <a:chExt cx="0" cy="0"/>
+        </a:xfrm>
+      </p:grpSpPr>
+      <p:sp>
+        <p:nvSpPr>
+          <p:cNvPr id="2" name="슬라이드 이미지 개체 틀 1"/>
+          <p:cNvSpPr>
+            <a:spLocks noGrp="1" noRot="1" noChangeAspect="1"/>
+          </p:cNvSpPr>
+          <p:nvPr>
+            <p:ph type="sldImg"/>
+          </p:nvPr>
+        </p:nvSpPr>
+        <p:spPr/>
+      </p:sp>
+      <p:sp>
+        <p:nvSpPr>
+          <p:cNvPr id="3" name="슬라이드 노트 개체 틀 2"/>
+          <p:cNvSpPr>
+            <a:spLocks noGrp="1"/>
+          </p:cNvSpPr>
+          <p:nvPr>
+            <p:ph type="body" idx="1"/>
+          </p:nvPr>
+        </p:nvSpPr>
+        <p:spPr/>
+        <p:txBody>
+          <a:bodyPr/>
+          <a:lstStyle/>
+          <a:p>
+            <a:pPr marL="0" marR="0" lvl="0" indent="0" algn="l" defTabSz="685800" rtl="0" eaLnBrk="1" fontAlgn="auto" latinLnBrk="1" hangingPunct="1">
+              <a:lnSpc>
+                <a:spcPct val="100000"/>
+              </a:lnSpc>
+              <a:spcBef>
+                <a:spcPts val="0"/>
+              </a:spcBef>
+              <a:spcAft>
+                <a:spcPts val="0"/>
+              </a:spcAft>
+              <a:buClrTx/>
+              <a:buSzTx/>
+              <a:buFontTx/>
+              <a:buNone/>
+              <a:tabLst/>
+              <a:defRPr/>
+            </a:pPr>
+            <a:r>
+              <a:rPr lang="ko-KR" altLang="en-US" dirty="0"/>
+              <a:t>앞서 학습한 </a:t>
+            </a:r>
+            <a:r>
+              <a:rPr lang="en-US" altLang="ko-KR" dirty="0" err="1"/>
+              <a:t>opsForValue</a:t>
+            </a:r>
+            <a:r>
+              <a:rPr lang="en-US" altLang="ko-KR" dirty="0"/>
+              <a:t> </a:t>
+            </a:r>
+            <a:r>
+              <a:rPr lang="ko-KR" altLang="en-US" dirty="0"/>
+              <a:t>를 이용해</a:t>
+            </a:r>
+            <a:r>
+              <a:rPr lang="en-US" altLang="ko-KR" dirty="0"/>
+              <a:t>, cache </a:t>
+            </a:r>
+            <a:r>
+              <a:rPr lang="ko-KR" altLang="en-US" dirty="0"/>
+              <a:t>기능을 </a:t>
+            </a:r>
+            <a:r>
+              <a:rPr lang="en-US" altLang="ko-KR" dirty="0"/>
+              <a:t>native </a:t>
+            </a:r>
+            <a:r>
+              <a:rPr lang="ko-KR" altLang="en-US" dirty="0"/>
+              <a:t>하게 구현해 보도록 하겠습니다</a:t>
+            </a:r>
+            <a:r>
+              <a:rPr lang="en-US" altLang="ko-KR" dirty="0"/>
+              <a:t>.</a:t>
+            </a:r>
+          </a:p>
+          <a:p>
+            <a:endParaRPr lang="ko-KR" altLang="en-US" dirty="0"/>
+          </a:p>
+        </p:txBody>
+      </p:sp>
+      <p:sp>
+        <p:nvSpPr>
+          <p:cNvPr id="4" name="슬라이드 번호 개체 틀 3"/>
+          <p:cNvSpPr>
+            <a:spLocks noGrp="1"/>
+          </p:cNvSpPr>
+          <p:nvPr>
+            <p:ph type="sldNum" sz="quarter" idx="5"/>
+          </p:nvPr>
+        </p:nvSpPr>
+        <p:spPr/>
+        <p:txBody>
+          <a:bodyPr/>
+          <a:lstStyle/>
+          <a:p>
+            <a:fld id="{4F243B46-72FF-4656-838A-691B9EB329E3}" type="slidenum">
+              <a:rPr lang="ko-KR" altLang="en-US" smtClean="0"/>
+              <a:t>17</a:t>
+            </a:fld>
+            <a:endParaRPr lang="ko-KR" altLang="en-US"/>
+          </a:p>
+        </p:txBody>
+      </p:sp>
+    </p:spTree>
+    <p:extLst>
+      <p:ext uri="{BB962C8B-B14F-4D97-AF65-F5344CB8AC3E}">
+        <p14:creationId xmlns:p14="http://schemas.microsoft.com/office/powerpoint/2010/main" val="2052472413"/>
+      </p:ext>
+    </p:extLst>
+  </p:cSld>
+  <p:clrMapOvr>
+    <a:masterClrMapping/>
+  </p:clrMapOvr>
+</p:notes>
+</file>
+
+<file path=ppt/notesSlides/notesSlide17.xml><?xml version="1.0" encoding="utf-8"?>
+<p:notes xmlns:a="http://schemas.openxmlformats.org/drawingml/2006/main" xmlns:r="http://schemas.openxmlformats.org/officeDocument/2006/relationships" xmlns:p="http://schemas.openxmlformats.org/presentationml/2006/main">
+  <p:cSld>
+    <p:spTree>
+      <p:nvGrpSpPr>
+        <p:cNvPr id="1" name=""/>
+        <p:cNvGrpSpPr/>
+        <p:nvPr/>
+      </p:nvGrpSpPr>
+      <p:grpSpPr>
+        <a:xfrm>
+          <a:off x="0" y="0"/>
+          <a:ext cx="0" cy="0"/>
+          <a:chOff x="0" y="0"/>
+          <a:chExt cx="0" cy="0"/>
+        </a:xfrm>
+      </p:grpSpPr>
+      <p:sp>
+        <p:nvSpPr>
+          <p:cNvPr id="2" name="슬라이드 이미지 개체 틀 1"/>
+          <p:cNvSpPr>
+            <a:spLocks noGrp="1" noRot="1" noChangeAspect="1"/>
+          </p:cNvSpPr>
+          <p:nvPr>
+            <p:ph type="sldImg"/>
+          </p:nvPr>
+        </p:nvSpPr>
+        <p:spPr/>
+      </p:sp>
+      <p:sp>
+        <p:nvSpPr>
+          <p:cNvPr id="3" name="슬라이드 노트 개체 틀 2"/>
+          <p:cNvSpPr>
+            <a:spLocks noGrp="1"/>
+          </p:cNvSpPr>
+          <p:nvPr>
+            <p:ph type="body" idx="1"/>
+          </p:nvPr>
+        </p:nvSpPr>
+        <p:spPr/>
+        <p:txBody>
+          <a:bodyPr/>
+          <a:lstStyle/>
+          <a:p>
+            <a:r>
+              <a:rPr lang="ko-KR" altLang="en-US" dirty="0"/>
+              <a:t>심화개발 마지막인 </a:t>
+            </a:r>
+            <a:r>
+              <a:rPr lang="en-US" altLang="ko-KR" dirty="0"/>
+              <a:t>Lock, </a:t>
+            </a:r>
+            <a:r>
+              <a:rPr lang="ko-KR" altLang="en-US" dirty="0"/>
+              <a:t>데이터 잠금에 대해 알아보겠습니다</a:t>
+            </a:r>
+            <a:r>
+              <a:rPr lang="en-US" altLang="ko-KR" dirty="0"/>
+              <a:t>.</a:t>
+            </a:r>
+            <a:endParaRPr lang="ko-KR" altLang="en-US" dirty="0"/>
+          </a:p>
+        </p:txBody>
+      </p:sp>
+      <p:sp>
+        <p:nvSpPr>
+          <p:cNvPr id="4" name="슬라이드 번호 개체 틀 3"/>
+          <p:cNvSpPr>
+            <a:spLocks noGrp="1"/>
+          </p:cNvSpPr>
+          <p:nvPr>
+            <p:ph type="sldNum" sz="quarter" idx="5"/>
+          </p:nvPr>
+        </p:nvSpPr>
+        <p:spPr/>
+        <p:txBody>
+          <a:bodyPr/>
+          <a:lstStyle/>
+          <a:p>
+            <a:fld id="{4F243B46-72FF-4656-838A-691B9EB329E3}" type="slidenum">
+              <a:rPr lang="ko-KR" altLang="en-US" smtClean="0"/>
+              <a:t>18</a:t>
+            </a:fld>
+            <a:endParaRPr lang="ko-KR" altLang="en-US"/>
+          </a:p>
+        </p:txBody>
+      </p:sp>
+    </p:spTree>
+    <p:extLst>
+      <p:ext uri="{BB962C8B-B14F-4D97-AF65-F5344CB8AC3E}">
+        <p14:creationId xmlns:p14="http://schemas.microsoft.com/office/powerpoint/2010/main" val="374484148"/>
+      </p:ext>
+    </p:extLst>
+  </p:cSld>
+  <p:clrMapOvr>
+    <a:masterClrMapping/>
+  </p:clrMapOvr>
+</p:notes>
+</file>
+
+<file path=ppt/notesSlides/notesSlide18.xml><?xml version="1.0" encoding="utf-8"?>
+<p:notes xmlns:a="http://schemas.openxmlformats.org/drawingml/2006/main" xmlns:r="http://schemas.openxmlformats.org/officeDocument/2006/relationships" xmlns:p="http://schemas.openxmlformats.org/presentationml/2006/main">
+  <p:cSld>
+    <p:spTree>
+      <p:nvGrpSpPr>
+        <p:cNvPr id="1" name=""/>
+        <p:cNvGrpSpPr/>
+        <p:nvPr/>
+      </p:nvGrpSpPr>
+      <p:grpSpPr>
+        <a:xfrm>
+          <a:off x="0" y="0"/>
+          <a:ext cx="0" cy="0"/>
+          <a:chOff x="0" y="0"/>
+          <a:chExt cx="0" cy="0"/>
+        </a:xfrm>
+      </p:grpSpPr>
+      <p:sp>
+        <p:nvSpPr>
+          <p:cNvPr id="2" name="슬라이드 이미지 개체 틀 1"/>
+          <p:cNvSpPr>
+            <a:spLocks noGrp="1" noRot="1" noChangeAspect="1"/>
+          </p:cNvSpPr>
+          <p:nvPr>
+            <p:ph type="sldImg"/>
+          </p:nvPr>
+        </p:nvSpPr>
+        <p:spPr/>
+      </p:sp>
+      <p:sp>
+        <p:nvSpPr>
+          <p:cNvPr id="3" name="슬라이드 노트 개체 틀 2"/>
+          <p:cNvSpPr>
+            <a:spLocks noGrp="1"/>
+          </p:cNvSpPr>
+          <p:nvPr>
+            <p:ph type="body" idx="1"/>
+          </p:nvPr>
+        </p:nvSpPr>
+        <p:spPr/>
+        <p:txBody>
+          <a:bodyPr/>
+          <a:lstStyle/>
+          <a:p>
+            <a:r>
+              <a:rPr lang="ko-KR" altLang="en-US" dirty="0" err="1"/>
+              <a:t>트렌젝션을</a:t>
+            </a:r>
+            <a:r>
+              <a:rPr lang="ko-KR" altLang="en-US" dirty="0"/>
+              <a:t> 걸고</a:t>
+            </a:r>
+            <a:r>
+              <a:rPr lang="en-US" altLang="ko-KR" dirty="0"/>
+              <a:t>, DB</a:t>
+            </a:r>
+            <a:r>
+              <a:rPr lang="ko-KR" altLang="en-US" dirty="0"/>
+              <a:t>를 수정한 다음</a:t>
+            </a:r>
+            <a:r>
+              <a:rPr lang="en-US" altLang="ko-KR" dirty="0"/>
+              <a:t>, </a:t>
+            </a:r>
+            <a:r>
+              <a:rPr lang="ko-KR" altLang="en-US" dirty="0" err="1"/>
+              <a:t>커밋으로</a:t>
+            </a:r>
+            <a:r>
+              <a:rPr lang="ko-KR" altLang="en-US" dirty="0"/>
+              <a:t> 최종 결과를 반영합니다</a:t>
+            </a:r>
+            <a:r>
+              <a:rPr lang="en-US" altLang="ko-KR" dirty="0"/>
+              <a:t>.</a:t>
+            </a:r>
+          </a:p>
+          <a:p>
+            <a:endParaRPr lang="en-US" altLang="ko-KR" dirty="0"/>
+          </a:p>
+          <a:p>
+            <a:r>
+              <a:rPr lang="ko-KR" altLang="en-US" dirty="0"/>
+              <a:t>이렇게 처리하면 오류가 발생하거나</a:t>
+            </a:r>
+            <a:r>
+              <a:rPr lang="en-US" altLang="ko-KR" dirty="0"/>
+              <a:t>, </a:t>
+            </a:r>
+            <a:r>
+              <a:rPr lang="ko-KR" altLang="en-US" dirty="0"/>
+              <a:t>서버가 죽는 극한의 상황에서도</a:t>
+            </a:r>
+            <a:r>
+              <a:rPr lang="en-US" altLang="ko-KR" dirty="0"/>
+              <a:t>, </a:t>
+            </a:r>
+            <a:r>
+              <a:rPr lang="ko-KR" altLang="en-US" dirty="0"/>
+              <a:t>데이터 정합성이 잘 보장됩니다</a:t>
+            </a:r>
+            <a:r>
+              <a:rPr lang="en-US" altLang="ko-KR" dirty="0"/>
+              <a:t>.</a:t>
+            </a:r>
+          </a:p>
+          <a:p>
+            <a:endParaRPr lang="en-US" altLang="ko-KR" dirty="0"/>
+          </a:p>
+          <a:p>
+            <a:r>
+              <a:rPr lang="ko-KR" altLang="en-US" dirty="0"/>
+              <a:t>하지만 논리의 정합성까지 보장해 줄 수 있을까요 </a:t>
+            </a:r>
+            <a:r>
+              <a:rPr lang="en-US" altLang="ko-KR" dirty="0"/>
+              <a:t>?</a:t>
+            </a:r>
+          </a:p>
+          <a:p>
+            <a:endParaRPr lang="en-US" altLang="ko-KR" dirty="0"/>
+          </a:p>
+          <a:p>
+            <a:r>
+              <a:rPr lang="ko-KR" altLang="en-US" dirty="0"/>
+              <a:t>여러 사용자가 동시에 계좌에 접근해서 잔액을 수정하는 작업을 가정해 보겠습니다</a:t>
+            </a:r>
+            <a:r>
+              <a:rPr lang="en-US" altLang="ko-KR" dirty="0"/>
+              <a:t>.</a:t>
+            </a:r>
+          </a:p>
+          <a:p>
+            <a:endParaRPr lang="en-US" altLang="ko-KR" dirty="0"/>
+          </a:p>
+          <a:p>
+            <a:r>
+              <a:rPr lang="en-US" altLang="ko-KR" dirty="0"/>
+              <a:t>&lt;&lt;</a:t>
+            </a:r>
+            <a:r>
+              <a:rPr lang="ko-KR" altLang="en-US" dirty="0"/>
+              <a:t>설명</a:t>
+            </a:r>
+            <a:r>
+              <a:rPr lang="en-US" altLang="ko-KR" dirty="0"/>
+              <a:t>&gt;&gt;</a:t>
+            </a:r>
+          </a:p>
+          <a:p>
+            <a:endParaRPr lang="en-US" altLang="ko-KR" dirty="0"/>
+          </a:p>
+          <a:p>
+            <a:r>
+              <a:rPr lang="ko-KR" altLang="en-US" dirty="0"/>
+              <a:t>스타트 </a:t>
+            </a:r>
+            <a:r>
+              <a:rPr lang="ko-KR" altLang="en-US" dirty="0" err="1"/>
+              <a:t>트렌젝션은</a:t>
+            </a:r>
+            <a:r>
+              <a:rPr lang="en-US" altLang="ko-KR" dirty="0"/>
+              <a:t>,</a:t>
+            </a:r>
+            <a:r>
+              <a:rPr lang="ko-KR" altLang="en-US" dirty="0"/>
+              <a:t> 나중에 </a:t>
+            </a:r>
+            <a:r>
+              <a:rPr lang="en-US" altLang="ko-KR" dirty="0"/>
+              <a:t>commit </a:t>
+            </a:r>
+            <a:r>
+              <a:rPr lang="ko-KR" altLang="en-US" dirty="0"/>
+              <a:t>이나 </a:t>
+            </a:r>
+            <a:r>
+              <a:rPr lang="en-US" altLang="ko-KR" dirty="0"/>
+              <a:t>rollback </a:t>
+            </a:r>
+            <a:r>
+              <a:rPr lang="ko-KR" altLang="en-US" dirty="0"/>
+              <a:t>을 하기 위해</a:t>
+            </a:r>
+            <a:r>
+              <a:rPr lang="en-US" altLang="ko-KR" dirty="0"/>
+              <a:t>,</a:t>
+            </a:r>
+            <a:r>
+              <a:rPr lang="ko-KR" altLang="en-US" dirty="0"/>
+              <a:t> </a:t>
+            </a:r>
+            <a:r>
+              <a:rPr lang="en-US" altLang="ko-KR" dirty="0"/>
+              <a:t>DB </a:t>
+            </a:r>
+            <a:r>
+              <a:rPr lang="ko-KR" altLang="en-US" dirty="0"/>
+              <a:t>커넥션을 커넥션 풀에 반환하지 않고 </a:t>
+            </a:r>
+            <a:r>
+              <a:rPr lang="ko-KR" altLang="en-US" dirty="0" err="1"/>
+              <a:t>트렌젝션</a:t>
+            </a:r>
+            <a:r>
+              <a:rPr lang="ko-KR" altLang="en-US" dirty="0"/>
+              <a:t> 종료할 때 까지 들고 있겠다는 말입니다</a:t>
+            </a:r>
+            <a:r>
+              <a:rPr lang="en-US" altLang="ko-KR" dirty="0"/>
+              <a:t>.</a:t>
+            </a:r>
+          </a:p>
+          <a:p>
+            <a:endParaRPr lang="en-US" altLang="ko-KR" dirty="0"/>
+          </a:p>
+          <a:p>
+            <a:r>
+              <a:rPr lang="ko-KR" altLang="en-US" dirty="0"/>
+              <a:t>어플리케이션 레벨에서 일어나는 작업일 뿐이고요</a:t>
+            </a:r>
+            <a:r>
+              <a:rPr lang="en-US" altLang="ko-KR" dirty="0"/>
+              <a:t>.</a:t>
+            </a:r>
+          </a:p>
+          <a:p>
+            <a:endParaRPr lang="en-US" altLang="ko-KR" dirty="0"/>
+          </a:p>
+          <a:p>
+            <a:r>
+              <a:rPr lang="ko-KR" altLang="en-US" dirty="0"/>
+              <a:t>그래서</a:t>
+            </a:r>
+            <a:r>
+              <a:rPr lang="en-US" altLang="ko-KR" dirty="0"/>
+              <a:t>, </a:t>
+            </a:r>
+            <a:r>
+              <a:rPr lang="ko-KR" altLang="en-US" dirty="0" err="1"/>
+              <a:t>트렌젝션을</a:t>
+            </a:r>
+            <a:r>
+              <a:rPr lang="ko-KR" altLang="en-US" dirty="0"/>
+              <a:t> 시작한다고 해서 데이터가 고정되는 것은 아닙니다</a:t>
+            </a:r>
+            <a:r>
+              <a:rPr lang="en-US" altLang="ko-KR" dirty="0"/>
+              <a:t>.</a:t>
+            </a:r>
+          </a:p>
+          <a:p>
+            <a:r>
+              <a:rPr lang="ko-KR" altLang="en-US" dirty="0"/>
+              <a:t>도 </a:t>
+            </a:r>
+            <a:endParaRPr lang="en-US" altLang="ko-KR" dirty="0"/>
+          </a:p>
+          <a:p>
+            <a:endParaRPr lang="en-US" altLang="ko-KR" dirty="0"/>
+          </a:p>
+          <a:p>
+            <a:r>
+              <a:rPr lang="ko-KR" altLang="en-US" dirty="0"/>
+              <a:t>읽어온 데이터에서 잔액을 </a:t>
+            </a:r>
+            <a:r>
+              <a:rPr lang="ko-KR" altLang="en-US" dirty="0" err="1"/>
+              <a:t>빼주고</a:t>
+            </a:r>
+            <a:r>
+              <a:rPr lang="ko-KR" altLang="en-US" dirty="0"/>
+              <a:t> 이를 저장하는 대신</a:t>
+            </a:r>
+            <a:r>
+              <a:rPr lang="en-US" altLang="ko-KR" dirty="0"/>
+              <a:t>, </a:t>
+            </a:r>
+            <a:r>
+              <a:rPr lang="ko-KR" altLang="en-US" dirty="0"/>
+              <a:t>쿼리 문장으로 해결하는 방법도 있습니다</a:t>
+            </a:r>
+            <a:r>
+              <a:rPr lang="en-US" altLang="ko-KR" dirty="0"/>
+              <a:t>.</a:t>
+            </a:r>
+          </a:p>
+          <a:p>
+            <a:endParaRPr lang="en-US" altLang="ko-KR" dirty="0"/>
+          </a:p>
+          <a:p>
+            <a:r>
+              <a:rPr lang="en-US" altLang="ko-KR" dirty="0"/>
+              <a:t>…</a:t>
+            </a:r>
+          </a:p>
+          <a:p>
+            <a:endParaRPr lang="en-US" altLang="ko-KR" dirty="0"/>
+          </a:p>
+          <a:p>
+            <a:r>
+              <a:rPr lang="ko-KR" altLang="en-US" dirty="0"/>
+              <a:t>하지만 이런 처리는 쿼리에 모든 로직을 녹여야 합니다</a:t>
+            </a:r>
+            <a:r>
+              <a:rPr lang="en-US" altLang="ko-KR" dirty="0"/>
+              <a:t>. </a:t>
+            </a:r>
+            <a:r>
+              <a:rPr lang="ko-KR" altLang="en-US" dirty="0"/>
+              <a:t>만약 중간에 다른 서비스를 호출하거나 복잡한 이자계산 등이 들어간다면</a:t>
+            </a:r>
+            <a:r>
+              <a:rPr lang="en-US" altLang="ko-KR" dirty="0"/>
+              <a:t>, </a:t>
+            </a:r>
+            <a:r>
+              <a:rPr lang="ko-KR" altLang="en-US" dirty="0"/>
+              <a:t>처리가 어려워 집니다</a:t>
+            </a:r>
+            <a:r>
+              <a:rPr lang="en-US" altLang="ko-KR" dirty="0"/>
+              <a:t>.</a:t>
+            </a:r>
+          </a:p>
+        </p:txBody>
+      </p:sp>
+      <p:sp>
+        <p:nvSpPr>
+          <p:cNvPr id="4" name="슬라이드 번호 개체 틀 3"/>
+          <p:cNvSpPr>
+            <a:spLocks noGrp="1"/>
+          </p:cNvSpPr>
+          <p:nvPr>
+            <p:ph type="sldNum" sz="quarter" idx="5"/>
+          </p:nvPr>
+        </p:nvSpPr>
+        <p:spPr/>
+        <p:txBody>
+          <a:bodyPr/>
+          <a:lstStyle/>
+          <a:p>
+            <a:fld id="{4F243B46-72FF-4656-838A-691B9EB329E3}" type="slidenum">
+              <a:rPr lang="ko-KR" altLang="en-US" smtClean="0"/>
+              <a:t>19</a:t>
+            </a:fld>
+            <a:endParaRPr lang="ko-KR" altLang="en-US"/>
+          </a:p>
+        </p:txBody>
+      </p:sp>
+    </p:spTree>
+    <p:extLst>
+      <p:ext uri="{BB962C8B-B14F-4D97-AF65-F5344CB8AC3E}">
+        <p14:creationId xmlns:p14="http://schemas.microsoft.com/office/powerpoint/2010/main" val="1978714165"/>
+      </p:ext>
+    </p:extLst>
+  </p:cSld>
+  <p:clrMapOvr>
+    <a:masterClrMapping/>
+  </p:clrMapOvr>
+</p:notes>
+</file>
+
+<file path=ppt/notesSlides/notesSlide19.xml><?xml version="1.0" encoding="utf-8"?>
+<p:notes xmlns:a="http://schemas.openxmlformats.org/drawingml/2006/main" xmlns:r="http://schemas.openxmlformats.org/officeDocument/2006/relationships" xmlns:p="http://schemas.openxmlformats.org/presentationml/2006/main">
+  <p:cSld>
+    <p:spTree>
+      <p:nvGrpSpPr>
+        <p:cNvPr id="1" name=""/>
+        <p:cNvGrpSpPr/>
+        <p:nvPr/>
+      </p:nvGrpSpPr>
+      <p:grpSpPr>
+        <a:xfrm>
+          <a:off x="0" y="0"/>
+          <a:ext cx="0" cy="0"/>
+          <a:chOff x="0" y="0"/>
+          <a:chExt cx="0" cy="0"/>
+        </a:xfrm>
+      </p:grpSpPr>
+      <p:sp>
+        <p:nvSpPr>
+          <p:cNvPr id="2" name="슬라이드 이미지 개체 틀 1"/>
+          <p:cNvSpPr>
+            <a:spLocks noGrp="1" noRot="1" noChangeAspect="1"/>
+          </p:cNvSpPr>
+          <p:nvPr>
+            <p:ph type="sldImg"/>
+          </p:nvPr>
+        </p:nvSpPr>
+        <p:spPr/>
+      </p:sp>
+      <p:sp>
+        <p:nvSpPr>
+          <p:cNvPr id="3" name="슬라이드 노트 개체 틀 2"/>
+          <p:cNvSpPr>
+            <a:spLocks noGrp="1"/>
+          </p:cNvSpPr>
+          <p:nvPr>
+            <p:ph type="body" idx="1"/>
+          </p:nvPr>
+        </p:nvSpPr>
+        <p:spPr/>
+        <p:txBody>
+          <a:bodyPr/>
+          <a:lstStyle/>
+          <a:p>
+            <a:r>
+              <a:rPr lang="ko-KR" altLang="en-US" dirty="0"/>
+              <a:t>논리 정합성을 확보하기 위해서는</a:t>
+            </a:r>
+            <a:r>
+              <a:rPr lang="en-US" altLang="ko-KR" dirty="0"/>
+              <a:t>, </a:t>
+            </a:r>
+            <a:r>
+              <a:rPr lang="ko-KR" altLang="en-US" dirty="0"/>
+              <a:t>기록하려는 데이터에 잠금을 걸어야 하는데요</a:t>
+            </a:r>
+            <a:r>
+              <a:rPr lang="en-US" altLang="ko-KR" dirty="0"/>
+              <a:t>.</a:t>
+            </a:r>
+          </a:p>
+          <a:p>
+            <a:endParaRPr lang="en-US" altLang="ko-KR" dirty="0"/>
+          </a:p>
+          <a:p>
+            <a:r>
+              <a:rPr lang="ko-KR" altLang="en-US" dirty="0"/>
+              <a:t>가장 손쉬운 방법인 </a:t>
+            </a:r>
+            <a:r>
+              <a:rPr lang="en-US" altLang="ko-KR" dirty="0"/>
+              <a:t>Optimistic Lock </a:t>
+            </a:r>
+            <a:r>
+              <a:rPr lang="ko-KR" altLang="en-US" dirty="0"/>
+              <a:t>입니다</a:t>
+            </a:r>
+            <a:r>
+              <a:rPr lang="en-US" altLang="ko-KR" dirty="0"/>
+              <a:t>.</a:t>
+            </a:r>
+          </a:p>
+        </p:txBody>
+      </p:sp>
+      <p:sp>
+        <p:nvSpPr>
+          <p:cNvPr id="4" name="슬라이드 번호 개체 틀 3"/>
+          <p:cNvSpPr>
+            <a:spLocks noGrp="1"/>
+          </p:cNvSpPr>
+          <p:nvPr>
+            <p:ph type="sldNum" sz="quarter" idx="5"/>
+          </p:nvPr>
+        </p:nvSpPr>
+        <p:spPr/>
+        <p:txBody>
+          <a:bodyPr/>
+          <a:lstStyle/>
+          <a:p>
+            <a:fld id="{4F243B46-72FF-4656-838A-691B9EB329E3}" type="slidenum">
+              <a:rPr lang="ko-KR" altLang="en-US" smtClean="0"/>
+              <a:t>20</a:t>
+            </a:fld>
+            <a:endParaRPr lang="ko-KR" altLang="en-US"/>
+          </a:p>
+        </p:txBody>
+      </p:sp>
+    </p:spTree>
+    <p:extLst>
+      <p:ext uri="{BB962C8B-B14F-4D97-AF65-F5344CB8AC3E}">
+        <p14:creationId xmlns:p14="http://schemas.microsoft.com/office/powerpoint/2010/main" val="2907537133"/>
       </p:ext>
     </p:extLst>
   </p:cSld>
@@ -1041,7 +3416,7 @@
             </a:r>
             <a:r>
               <a:rPr lang="ko-KR" altLang="en-US" dirty="0"/>
-              <a:t>입니다</a:t>
+              <a:t>라는 뜻입니다</a:t>
             </a:r>
             <a:r>
               <a:rPr lang="en-US" altLang="ko-KR" dirty="0"/>
@@ -1106,29 +3481,337 @@
             </a:r>
             <a:r>
               <a:rPr lang="ko-KR" altLang="en-US" dirty="0"/>
-              <a:t>자</a:t>
-            </a:r>
+              <a:t>자의 포맷으로 구성되어 있습니다</a:t>
+            </a:r>
+            <a:r>
+              <a:rPr lang="en-US" altLang="ko-KR" dirty="0"/>
+              <a:t>.</a:t>
+            </a:r>
+          </a:p>
+          <a:p>
             <a:endParaRPr lang="en-US" altLang="ko-KR" dirty="0"/>
           </a:p>
           <a:p>
+            <a:r>
+              <a:rPr lang="en-US" altLang="ko-KR" dirty="0"/>
+              <a:t>UUID</a:t>
+            </a:r>
+            <a:r>
+              <a:rPr lang="ko-KR" altLang="en-US" dirty="0"/>
+              <a:t> 는 </a:t>
+            </a:r>
+            <a:r>
+              <a:rPr lang="en-US" altLang="ko-KR" dirty="0"/>
+              <a:t>version 5 </a:t>
+            </a:r>
+            <a:r>
+              <a:rPr lang="ko-KR" altLang="en-US" dirty="0"/>
+              <a:t>까지 있는데</a:t>
+            </a:r>
+            <a:r>
+              <a:rPr lang="en-US" altLang="ko-KR" dirty="0"/>
+              <a:t>, </a:t>
+            </a:r>
+            <a:r>
+              <a:rPr lang="ko-KR" altLang="en-US" dirty="0"/>
+              <a:t>저희는 </a:t>
+            </a:r>
+            <a:r>
+              <a:rPr lang="en-US" altLang="ko-KR" dirty="0"/>
+              <a:t>Java </a:t>
+            </a:r>
+            <a:r>
+              <a:rPr lang="ko-KR" altLang="en-US" dirty="0"/>
+              <a:t>에서 표준으로 제공하는 </a:t>
+            </a:r>
+            <a:r>
+              <a:rPr lang="en-US" altLang="ko-KR" dirty="0"/>
+              <a:t>V4 </a:t>
+            </a:r>
+            <a:r>
+              <a:rPr lang="ko-KR" altLang="en-US" dirty="0"/>
+              <a:t>를 사용할 예정입니다</a:t>
+            </a:r>
+            <a:r>
+              <a:rPr lang="en-US" altLang="ko-KR" dirty="0"/>
+              <a:t>.</a:t>
+            </a:r>
+          </a:p>
+          <a:p>
             <a:endParaRPr lang="en-US" altLang="ko-KR" dirty="0"/>
           </a:p>
           <a:p>
             <a:r>
               <a:rPr lang="en-US" altLang="ko-KR" dirty="0"/>
+              <a:t>v1, v2</a:t>
+            </a:r>
+            <a:r>
+              <a:rPr lang="ko-KR" altLang="en-US" dirty="0"/>
+              <a:t>는 </a:t>
+            </a:r>
+            <a:r>
+              <a:rPr lang="en-US" altLang="ko-KR" dirty="0"/>
+              <a:t>timestamp </a:t>
+            </a:r>
+            <a:r>
+              <a:rPr lang="ko-KR" altLang="en-US" dirty="0"/>
+              <a:t>와 </a:t>
+            </a:r>
+            <a:r>
+              <a:rPr lang="en-US" altLang="ko-KR" dirty="0"/>
+              <a:t>mac address </a:t>
+            </a:r>
+            <a:r>
+              <a:rPr lang="ko-KR" altLang="en-US" dirty="0"/>
+              <a:t>기반인데</a:t>
+            </a:r>
+            <a:r>
+              <a:rPr lang="en-US" altLang="ko-KR" dirty="0"/>
+              <a:t>, </a:t>
+            </a:r>
+            <a:r>
+              <a:rPr lang="ko-KR" altLang="en-US" dirty="0"/>
+              <a:t>생성은 빠르지만 </a:t>
+            </a:r>
+            <a:r>
+              <a:rPr lang="en-US" altLang="ko-KR" dirty="0"/>
+              <a:t>mac address </a:t>
+            </a:r>
+            <a:r>
+              <a:rPr lang="ko-KR" altLang="en-US" dirty="0"/>
+              <a:t>가 노출되어 보안에 취약하고요</a:t>
+            </a:r>
+            <a:r>
+              <a:rPr lang="en-US" altLang="ko-KR" dirty="0"/>
+              <a:t>.</a:t>
+            </a:r>
+          </a:p>
+          <a:p>
+            <a:endParaRPr lang="en-US" altLang="ko-KR" dirty="0"/>
+          </a:p>
+          <a:p>
+            <a:r>
+              <a:rPr lang="en-US" altLang="ko-KR" dirty="0"/>
+              <a:t>v3, v5 </a:t>
+            </a:r>
+            <a:r>
+              <a:rPr lang="ko-KR" altLang="en-US" dirty="0"/>
+              <a:t>는 암호화 알고리즘 기반이라서</a:t>
+            </a:r>
+            <a:r>
+              <a:rPr lang="en-US" altLang="ko-KR" dirty="0"/>
+              <a:t>, UUID </a:t>
+            </a:r>
+            <a:r>
+              <a:rPr lang="ko-KR" altLang="en-US" dirty="0"/>
+              <a:t>생성에 부하가 발생한다는 단점이 있습니다</a:t>
+            </a:r>
+            <a:r>
+              <a:rPr lang="en-US" altLang="ko-KR" dirty="0"/>
+              <a:t>.</a:t>
+            </a:r>
+          </a:p>
+          <a:p>
+            <a:endParaRPr lang="en-US" altLang="ko-KR" dirty="0"/>
+          </a:p>
+          <a:p>
+            <a:r>
+              <a:rPr lang="en-US" altLang="ko-KR" dirty="0"/>
+              <a:t>v4 </a:t>
+            </a:r>
+            <a:r>
+              <a:rPr lang="ko-KR" altLang="en-US" dirty="0"/>
+              <a:t>는 </a:t>
+            </a:r>
+            <a:r>
+              <a:rPr lang="ko-KR" altLang="en-US" dirty="0" err="1"/>
+              <a:t>난수값</a:t>
+            </a:r>
+            <a:r>
+              <a:rPr lang="ko-KR" altLang="en-US" dirty="0"/>
+              <a:t> 기반의 유니크 </a:t>
+            </a:r>
+            <a:r>
+              <a:rPr lang="en-US" altLang="ko-KR" dirty="0"/>
+              <a:t>ID </a:t>
+            </a:r>
+            <a:r>
+              <a:rPr lang="ko-KR" altLang="en-US" dirty="0"/>
+              <a:t>인데요</a:t>
+            </a:r>
+            <a:r>
+              <a:rPr lang="en-US" altLang="ko-KR" dirty="0"/>
+              <a:t>. </a:t>
+            </a:r>
+            <a:r>
+              <a:rPr lang="ko-KR" altLang="en-US" dirty="0"/>
+              <a:t>일단 생성이 빠르고요</a:t>
+            </a:r>
+            <a:r>
+              <a:rPr lang="en-US" altLang="ko-KR" dirty="0"/>
+              <a:t>. </a:t>
+            </a:r>
+            <a:r>
+              <a:rPr lang="ko-KR" altLang="en-US" dirty="0"/>
+              <a:t>충돌이 날 수 있지만 그 확률이 </a:t>
+            </a:r>
+            <a:r>
+              <a:rPr lang="en-US" altLang="ko-KR" dirty="0"/>
+              <a:t>0</a:t>
+            </a:r>
+            <a:r>
+              <a:rPr lang="ko-KR" altLang="en-US" dirty="0"/>
+              <a:t>에 수렴하기 때문에</a:t>
+            </a:r>
+            <a:r>
+              <a:rPr lang="en-US" altLang="ko-KR" dirty="0"/>
+              <a:t>, </a:t>
+            </a:r>
+            <a:r>
+              <a:rPr lang="ko-KR" altLang="en-US" dirty="0"/>
+              <a:t>분산 시스템에서 널리 사용되고 있습니다</a:t>
+            </a:r>
+            <a:r>
+              <a:rPr lang="en-US" altLang="ko-KR" dirty="0"/>
+              <a:t>.</a:t>
+            </a:r>
+          </a:p>
+          <a:p>
+            <a:endParaRPr lang="en-US" altLang="ko-KR" dirty="0"/>
+          </a:p>
+          <a:p>
+            <a:r>
+              <a:rPr lang="ko-KR" altLang="en-US" dirty="0"/>
+              <a:t>이게 어느 </a:t>
+            </a:r>
+            <a:r>
+              <a:rPr lang="ko-KR" altLang="en-US" dirty="0" err="1"/>
+              <a:t>정도나면</a:t>
+            </a:r>
+            <a:r>
+              <a:rPr lang="en-US" altLang="ko-KR" dirty="0"/>
+              <a:t>, </a:t>
+            </a:r>
+            <a:r>
+              <a:rPr lang="ko-KR" altLang="en-US" dirty="0"/>
+              <a:t>초당 </a:t>
+            </a:r>
+            <a:r>
+              <a:rPr lang="en-US" altLang="ko-KR" dirty="0"/>
+              <a:t>10</a:t>
+            </a:r>
+            <a:r>
+              <a:rPr lang="ko-KR" altLang="en-US" dirty="0" err="1"/>
+              <a:t>억개씩</a:t>
+            </a:r>
+            <a:r>
+              <a:rPr lang="ko-KR" altLang="en-US" dirty="0"/>
+              <a:t> </a:t>
+            </a:r>
+            <a:r>
+              <a:rPr lang="en-US" altLang="ko-KR" dirty="0"/>
+              <a:t>100</a:t>
+            </a:r>
+            <a:r>
+              <a:rPr lang="ko-KR" altLang="en-US" dirty="0"/>
+              <a:t>년을 꾸준히 생성하면</a:t>
+            </a:r>
+            <a:r>
+              <a:rPr lang="en-US" altLang="ko-KR" dirty="0"/>
+              <a:t>, </a:t>
+            </a:r>
+            <a:r>
+              <a:rPr lang="ko-KR" altLang="en-US" dirty="0" err="1"/>
+              <a:t>중복난수가</a:t>
+            </a:r>
+            <a:r>
+              <a:rPr lang="ko-KR" altLang="en-US" dirty="0"/>
+              <a:t> 한 번 발생할까 말까 한 확률이라고 합니다</a:t>
+            </a:r>
+            <a:r>
+              <a:rPr lang="en-US" altLang="ko-KR" dirty="0"/>
+              <a:t>.</a:t>
+            </a:r>
+          </a:p>
+          <a:p>
+            <a:endParaRPr lang="en-US" altLang="ko-KR" dirty="0"/>
+          </a:p>
+          <a:p>
+            <a:r>
+              <a:rPr lang="ko-KR" altLang="en-US" dirty="0"/>
+              <a:t>물론 </a:t>
+            </a:r>
+            <a:r>
+              <a:rPr lang="en-US" altLang="ko-KR" dirty="0"/>
               <a:t>UUID</a:t>
             </a:r>
             <a:r>
               <a:rPr lang="ko-KR" altLang="en-US" dirty="0"/>
-              <a:t> 는 </a:t>
-            </a:r>
-            <a:r>
-              <a:rPr lang="en-US" altLang="ko-KR" dirty="0"/>
-              <a:t>version 5 </a:t>
-            </a:r>
-            <a:r>
-              <a:rPr lang="ko-KR" altLang="en-US" dirty="0"/>
-              <a:t>까지 있는데</a:t>
+              <a:t>는 </a:t>
+            </a:r>
+            <a:r>
+              <a:rPr lang="en-US" altLang="ko-KR" dirty="0"/>
+              <a:t>1,2,3,4, </a:t>
+            </a:r>
+            <a:r>
+              <a:rPr lang="ko-KR" altLang="en-US" dirty="0"/>
+              <a:t>같은 </a:t>
+            </a:r>
+            <a:r>
+              <a:rPr lang="en-US" altLang="ko-KR" dirty="0"/>
+              <a:t>ID</a:t>
+            </a:r>
+            <a:r>
+              <a:rPr lang="ko-KR" altLang="en-US" dirty="0"/>
+              <a:t>와 비교하면 값이 너무 크고요</a:t>
+            </a:r>
+            <a:r>
+              <a:rPr lang="en-US" altLang="ko-KR" dirty="0"/>
+              <a:t>. </a:t>
+            </a:r>
+            <a:r>
+              <a:rPr lang="ko-KR" altLang="en-US" dirty="0"/>
+              <a:t>정렬이 어렵다는 단점이 있습니다</a:t>
+            </a:r>
+            <a:r>
+              <a:rPr lang="en-US" altLang="ko-KR" dirty="0"/>
+              <a:t>. </a:t>
+            </a:r>
+            <a:r>
+              <a:rPr lang="ko-KR" altLang="en-US" dirty="0"/>
+              <a:t>때문에 </a:t>
+            </a:r>
+            <a:r>
+              <a:rPr lang="en-US" altLang="ko-KR" dirty="0"/>
+              <a:t>PK</a:t>
+            </a:r>
+            <a:r>
+              <a:rPr lang="ko-KR" altLang="en-US" dirty="0"/>
+              <a:t>로는 잘 사용하지 않습니다</a:t>
+            </a:r>
+            <a:r>
+              <a:rPr lang="en-US" altLang="ko-KR" dirty="0"/>
+              <a:t>.</a:t>
+            </a:r>
+          </a:p>
+          <a:p>
+            <a:endParaRPr lang="en-US" altLang="ko-KR" dirty="0"/>
+          </a:p>
+          <a:p>
+            <a:endParaRPr lang="en-US" altLang="ko-KR" dirty="0"/>
+          </a:p>
+          <a:p>
+            <a:r>
+              <a:rPr lang="ko-KR" altLang="en-US" dirty="0"/>
+              <a:t>이런 </a:t>
+            </a:r>
+            <a:r>
+              <a:rPr lang="en-US" altLang="ko-KR" dirty="0"/>
+              <a:t>Trace ID</a:t>
+            </a:r>
+            <a:r>
+              <a:rPr lang="ko-KR" altLang="en-US" dirty="0"/>
+              <a:t> 말고 다른 용처로는</a:t>
             </a:r>
             <a:r>
               <a:rPr lang="en-US" altLang="ko-KR" dirty="0"/>
@@ -1136,28 +3819,39 @@
             </a:r>
             <a:r>
               <a:rPr lang="ko-KR" altLang="en-US" dirty="0"/>
-              <a:t>저희는 </a:t>
-            </a:r>
-            <a:r>
-              <a:rPr lang="en-US" altLang="ko-KR" dirty="0"/>
-              <a:t>Java </a:t>
-            </a:r>
-            <a:r>
-              <a:rPr lang="ko-KR" altLang="en-US" dirty="0"/>
-              <a:t>에서 표준으로 제공하는 </a:t>
-            </a:r>
-            <a:r>
-              <a:rPr lang="en-US" altLang="ko-KR" dirty="0"/>
-              <a:t>V4 </a:t>
-            </a:r>
-            <a:r>
-              <a:rPr lang="ko-KR" altLang="en-US" dirty="0"/>
-              <a:t>방식을 사용합니다</a:t>
+              <a:t>자사의 회원정보를 마케팅 업체에 위탁해 캠페인을 진행하는 등의</a:t>
+            </a:r>
+            <a:r>
+              <a:rPr lang="en-US" altLang="ko-KR" dirty="0"/>
+              <a:t>, </a:t>
+            </a:r>
+            <a:r>
+              <a:rPr lang="ko-KR" altLang="en-US" dirty="0"/>
+              <a:t>외부사에 보안에 민감한 데이터를 제공해야 할 때</a:t>
+            </a:r>
+            <a:r>
+              <a:rPr lang="en-US" altLang="ko-KR" dirty="0"/>
+              <a:t>, </a:t>
+            </a:r>
+            <a:r>
+              <a:rPr lang="ko-KR" altLang="en-US" dirty="0"/>
+              <a:t>그 </a:t>
+            </a:r>
+            <a:r>
+              <a:rPr lang="ko-KR" altLang="en-US" dirty="0" err="1"/>
+              <a:t>매핑되는</a:t>
+            </a:r>
+            <a:r>
+              <a:rPr lang="ko-KR" altLang="en-US" dirty="0"/>
+              <a:t> 키로 고려해 볼 수가 있습니다</a:t>
             </a:r>
             <a:r>
               <a:rPr lang="en-US" altLang="ko-KR" dirty="0"/>
               <a:t>.</a:t>
             </a:r>
+          </a:p>
+          <a:p>
+            <a:endParaRPr lang="en-US" altLang="ko-KR" dirty="0"/>
           </a:p>
           <a:p>
             <a:endParaRPr lang="en-US" altLang="ko-KR" dirty="0"/>
@@ -1569,6 +4263,453 @@
     <p:extLst>
       <p:ext uri="{BB962C8B-B14F-4D97-AF65-F5344CB8AC3E}">
         <p14:creationId xmlns:p14="http://schemas.microsoft.com/office/powerpoint/2010/main" val="315224424"/>
+      </p:ext>
+    </p:extLst>
+  </p:cSld>
+  <p:clrMapOvr>
+    <a:masterClrMapping/>
+  </p:clrMapOvr>
+</p:notes>
+</file>
+
+<file path=ppt/notesSlides/notesSlide20.xml><?xml version="1.0" encoding="utf-8"?>
+<p:notes xmlns:a="http://schemas.openxmlformats.org/drawingml/2006/main" xmlns:r="http://schemas.openxmlformats.org/officeDocument/2006/relationships" xmlns:p="http://schemas.openxmlformats.org/presentationml/2006/main">
+  <p:cSld>
+    <p:spTree>
+      <p:nvGrpSpPr>
+        <p:cNvPr id="1" name=""/>
+        <p:cNvGrpSpPr/>
+        <p:nvPr/>
+      </p:nvGrpSpPr>
+      <p:grpSpPr>
+        <a:xfrm>
+          <a:off x="0" y="0"/>
+          <a:ext cx="0" cy="0"/>
+          <a:chOff x="0" y="0"/>
+          <a:chExt cx="0" cy="0"/>
+        </a:xfrm>
+      </p:grpSpPr>
+      <p:sp>
+        <p:nvSpPr>
+          <p:cNvPr id="2" name="슬라이드 이미지 개체 틀 1"/>
+          <p:cNvSpPr>
+            <a:spLocks noGrp="1" noRot="1" noChangeAspect="1"/>
+          </p:cNvSpPr>
+          <p:nvPr>
+            <p:ph type="sldImg"/>
+          </p:nvPr>
+        </p:nvSpPr>
+        <p:spPr/>
+      </p:sp>
+      <p:sp>
+        <p:nvSpPr>
+          <p:cNvPr id="3" name="슬라이드 노트 개체 틀 2"/>
+          <p:cNvSpPr>
+            <a:spLocks noGrp="1"/>
+          </p:cNvSpPr>
+          <p:nvPr>
+            <p:ph type="body" idx="1"/>
+          </p:nvPr>
+        </p:nvSpPr>
+        <p:spPr/>
+        <p:txBody>
+          <a:bodyPr/>
+          <a:lstStyle/>
+          <a:p>
+            <a:r>
+              <a:rPr lang="ko-KR" altLang="en-US" dirty="0"/>
+              <a:t>데이터를 잠그는 또 다른 방법인 </a:t>
+            </a:r>
+            <a:r>
+              <a:rPr lang="en-US" altLang="ko-KR" dirty="0"/>
+              <a:t>Pessimistic Lock </a:t>
+            </a:r>
+            <a:r>
+              <a:rPr lang="ko-KR" altLang="en-US" dirty="0"/>
+              <a:t>입니다</a:t>
+            </a:r>
+            <a:r>
+              <a:rPr lang="en-US" altLang="ko-KR" dirty="0"/>
+              <a:t>.</a:t>
+            </a:r>
+          </a:p>
+        </p:txBody>
+      </p:sp>
+      <p:sp>
+        <p:nvSpPr>
+          <p:cNvPr id="4" name="슬라이드 번호 개체 틀 3"/>
+          <p:cNvSpPr>
+            <a:spLocks noGrp="1"/>
+          </p:cNvSpPr>
+          <p:nvPr>
+            <p:ph type="sldNum" sz="quarter" idx="5"/>
+          </p:nvPr>
+        </p:nvSpPr>
+        <p:spPr/>
+        <p:txBody>
+          <a:bodyPr/>
+          <a:lstStyle/>
+          <a:p>
+            <a:fld id="{4F243B46-72FF-4656-838A-691B9EB329E3}" type="slidenum">
+              <a:rPr lang="ko-KR" altLang="en-US" smtClean="0"/>
+              <a:t>21</a:t>
+            </a:fld>
+            <a:endParaRPr lang="ko-KR" altLang="en-US"/>
+          </a:p>
+        </p:txBody>
+      </p:sp>
+    </p:spTree>
+    <p:extLst>
+      <p:ext uri="{BB962C8B-B14F-4D97-AF65-F5344CB8AC3E}">
+        <p14:creationId xmlns:p14="http://schemas.microsoft.com/office/powerpoint/2010/main" val="1989725789"/>
+      </p:ext>
+    </p:extLst>
+  </p:cSld>
+  <p:clrMapOvr>
+    <a:masterClrMapping/>
+  </p:clrMapOvr>
+</p:notes>
+</file>
+
+<file path=ppt/notesSlides/notesSlide21.xml><?xml version="1.0" encoding="utf-8"?>
+<p:notes xmlns:a="http://schemas.openxmlformats.org/drawingml/2006/main" xmlns:r="http://schemas.openxmlformats.org/officeDocument/2006/relationships" xmlns:p="http://schemas.openxmlformats.org/presentationml/2006/main">
+  <p:cSld>
+    <p:spTree>
+      <p:nvGrpSpPr>
+        <p:cNvPr id="1" name=""/>
+        <p:cNvGrpSpPr/>
+        <p:nvPr/>
+      </p:nvGrpSpPr>
+      <p:grpSpPr>
+        <a:xfrm>
+          <a:off x="0" y="0"/>
+          <a:ext cx="0" cy="0"/>
+          <a:chOff x="0" y="0"/>
+          <a:chExt cx="0" cy="0"/>
+        </a:xfrm>
+      </p:grpSpPr>
+      <p:sp>
+        <p:nvSpPr>
+          <p:cNvPr id="2" name="슬라이드 이미지 개체 틀 1"/>
+          <p:cNvSpPr>
+            <a:spLocks noGrp="1" noRot="1" noChangeAspect="1"/>
+          </p:cNvSpPr>
+          <p:nvPr>
+            <p:ph type="sldImg"/>
+          </p:nvPr>
+        </p:nvSpPr>
+        <p:spPr/>
+      </p:sp>
+      <p:sp>
+        <p:nvSpPr>
+          <p:cNvPr id="3" name="슬라이드 노트 개체 틀 2"/>
+          <p:cNvSpPr>
+            <a:spLocks noGrp="1"/>
+          </p:cNvSpPr>
+          <p:nvPr>
+            <p:ph type="body" idx="1"/>
+          </p:nvPr>
+        </p:nvSpPr>
+        <p:spPr/>
+        <p:txBody>
+          <a:bodyPr/>
+          <a:lstStyle/>
+          <a:p>
+            <a:r>
+              <a:rPr lang="ko-KR" altLang="en-US" dirty="0"/>
+              <a:t>지금까지의 내용을 코드로 구현해 보겠습니다</a:t>
+            </a:r>
+            <a:r>
+              <a:rPr lang="en-US" altLang="ko-KR" dirty="0"/>
+              <a:t>.</a:t>
+            </a:r>
+            <a:endParaRPr lang="ko-KR" altLang="en-US" dirty="0"/>
+          </a:p>
+        </p:txBody>
+      </p:sp>
+      <p:sp>
+        <p:nvSpPr>
+          <p:cNvPr id="4" name="슬라이드 번호 개체 틀 3"/>
+          <p:cNvSpPr>
+            <a:spLocks noGrp="1"/>
+          </p:cNvSpPr>
+          <p:nvPr>
+            <p:ph type="sldNum" sz="quarter" idx="5"/>
+          </p:nvPr>
+        </p:nvSpPr>
+        <p:spPr/>
+        <p:txBody>
+          <a:bodyPr/>
+          <a:lstStyle/>
+          <a:p>
+            <a:fld id="{4F243B46-72FF-4656-838A-691B9EB329E3}" type="slidenum">
+              <a:rPr lang="ko-KR" altLang="en-US" smtClean="0"/>
+              <a:t>22</a:t>
+            </a:fld>
+            <a:endParaRPr lang="ko-KR" altLang="en-US"/>
+          </a:p>
+        </p:txBody>
+      </p:sp>
+    </p:spTree>
+    <p:extLst>
+      <p:ext uri="{BB962C8B-B14F-4D97-AF65-F5344CB8AC3E}">
+        <p14:creationId xmlns:p14="http://schemas.microsoft.com/office/powerpoint/2010/main" val="1832833290"/>
+      </p:ext>
+    </p:extLst>
+  </p:cSld>
+  <p:clrMapOvr>
+    <a:masterClrMapping/>
+  </p:clrMapOvr>
+</p:notes>
+</file>
+
+<file path=ppt/notesSlides/notesSlide22.xml><?xml version="1.0" encoding="utf-8"?>
+<p:notes xmlns:a="http://schemas.openxmlformats.org/drawingml/2006/main" xmlns:r="http://schemas.openxmlformats.org/officeDocument/2006/relationships" xmlns:p="http://schemas.openxmlformats.org/presentationml/2006/main">
+  <p:cSld>
+    <p:spTree>
+      <p:nvGrpSpPr>
+        <p:cNvPr id="1" name=""/>
+        <p:cNvGrpSpPr/>
+        <p:nvPr/>
+      </p:nvGrpSpPr>
+      <p:grpSpPr>
+        <a:xfrm>
+          <a:off x="0" y="0"/>
+          <a:ext cx="0" cy="0"/>
+          <a:chOff x="0" y="0"/>
+          <a:chExt cx="0" cy="0"/>
+        </a:xfrm>
+      </p:grpSpPr>
+      <p:sp>
+        <p:nvSpPr>
+          <p:cNvPr id="2" name="슬라이드 이미지 개체 틀 1"/>
+          <p:cNvSpPr>
+            <a:spLocks noGrp="1" noRot="1" noChangeAspect="1"/>
+          </p:cNvSpPr>
+          <p:nvPr>
+            <p:ph type="sldImg"/>
+          </p:nvPr>
+        </p:nvSpPr>
+        <p:spPr/>
+      </p:sp>
+      <p:sp>
+        <p:nvSpPr>
+          <p:cNvPr id="3" name="슬라이드 노트 개체 틀 2"/>
+          <p:cNvSpPr>
+            <a:spLocks noGrp="1"/>
+          </p:cNvSpPr>
+          <p:nvPr>
+            <p:ph type="body" idx="1"/>
+          </p:nvPr>
+        </p:nvSpPr>
+        <p:spPr/>
+        <p:txBody>
+          <a:bodyPr/>
+          <a:lstStyle/>
+          <a:p>
+            <a:r>
+              <a:rPr lang="ko-KR" altLang="en-US" dirty="0"/>
+              <a:t>마지막으로</a:t>
+            </a:r>
+            <a:r>
+              <a:rPr lang="en-US" altLang="ko-KR" dirty="0"/>
+              <a:t>, </a:t>
+            </a:r>
+            <a:r>
+              <a:rPr lang="ko-KR" altLang="en-US" dirty="0"/>
+              <a:t>요즘 각광받는 </a:t>
+            </a:r>
+            <a:r>
+              <a:rPr lang="en-US" altLang="ko-KR" dirty="0"/>
+              <a:t>Distributed Lock </a:t>
+            </a:r>
+            <a:r>
+              <a:rPr lang="ko-KR" altLang="en-US" dirty="0"/>
+              <a:t>입니다</a:t>
+            </a:r>
+            <a:r>
+              <a:rPr lang="en-US" altLang="ko-KR" dirty="0"/>
+              <a:t>. </a:t>
+            </a:r>
+            <a:r>
+              <a:rPr lang="ko-KR" altLang="en-US" dirty="0"/>
+              <a:t>다른 말로 </a:t>
+            </a:r>
+            <a:r>
+              <a:rPr lang="en-US" altLang="ko-KR" dirty="0"/>
+              <a:t>Application Lock </a:t>
+            </a:r>
+            <a:r>
+              <a:rPr lang="ko-KR" altLang="en-US" dirty="0"/>
+              <a:t>이라고도 부릅니다</a:t>
+            </a:r>
+            <a:r>
+              <a:rPr lang="en-US" altLang="ko-KR" dirty="0"/>
+              <a:t>.</a:t>
+            </a:r>
+          </a:p>
+          <a:p>
+            <a:endParaRPr lang="en-US" altLang="ko-KR" dirty="0"/>
+          </a:p>
+          <a:p>
+            <a:r>
+              <a:rPr lang="en-US" altLang="ko-KR" dirty="0"/>
+              <a:t>&lt;&lt;</a:t>
+            </a:r>
+            <a:r>
+              <a:rPr lang="ko-KR" altLang="en-US" dirty="0"/>
+              <a:t>설명</a:t>
+            </a:r>
+            <a:r>
+              <a:rPr lang="en-US" altLang="ko-KR" dirty="0"/>
+              <a:t>&gt;&gt;</a:t>
+            </a:r>
+          </a:p>
+        </p:txBody>
+      </p:sp>
+      <p:sp>
+        <p:nvSpPr>
+          <p:cNvPr id="4" name="슬라이드 번호 개체 틀 3"/>
+          <p:cNvSpPr>
+            <a:spLocks noGrp="1"/>
+          </p:cNvSpPr>
+          <p:nvPr>
+            <p:ph type="sldNum" sz="quarter" idx="5"/>
+          </p:nvPr>
+        </p:nvSpPr>
+        <p:spPr/>
+        <p:txBody>
+          <a:bodyPr/>
+          <a:lstStyle/>
+          <a:p>
+            <a:fld id="{4F243B46-72FF-4656-838A-691B9EB329E3}" type="slidenum">
+              <a:rPr lang="ko-KR" altLang="en-US" smtClean="0"/>
+              <a:t>23</a:t>
+            </a:fld>
+            <a:endParaRPr lang="ko-KR" altLang="en-US"/>
+          </a:p>
+        </p:txBody>
+      </p:sp>
+    </p:spTree>
+    <p:extLst>
+      <p:ext uri="{BB962C8B-B14F-4D97-AF65-F5344CB8AC3E}">
+        <p14:creationId xmlns:p14="http://schemas.microsoft.com/office/powerpoint/2010/main" val="1298857228"/>
+      </p:ext>
+    </p:extLst>
+  </p:cSld>
+  <p:clrMapOvr>
+    <a:masterClrMapping/>
+  </p:clrMapOvr>
+</p:notes>
+</file>
+
+<file path=ppt/notesSlides/notesSlide23.xml><?xml version="1.0" encoding="utf-8"?>
+<p:notes xmlns:a="http://schemas.openxmlformats.org/drawingml/2006/main" xmlns:r="http://schemas.openxmlformats.org/officeDocument/2006/relationships" xmlns:p="http://schemas.openxmlformats.org/presentationml/2006/main">
+  <p:cSld>
+    <p:spTree>
+      <p:nvGrpSpPr>
+        <p:cNvPr id="1" name=""/>
+        <p:cNvGrpSpPr/>
+        <p:nvPr/>
+      </p:nvGrpSpPr>
+      <p:grpSpPr>
+        <a:xfrm>
+          <a:off x="0" y="0"/>
+          <a:ext cx="0" cy="0"/>
+          <a:chOff x="0" y="0"/>
+          <a:chExt cx="0" cy="0"/>
+        </a:xfrm>
+      </p:grpSpPr>
+      <p:sp>
+        <p:nvSpPr>
+          <p:cNvPr id="2" name="슬라이드 이미지 개체 틀 1"/>
+          <p:cNvSpPr>
+            <a:spLocks noGrp="1" noRot="1" noChangeAspect="1"/>
+          </p:cNvSpPr>
+          <p:nvPr>
+            <p:ph type="sldImg"/>
+          </p:nvPr>
+        </p:nvSpPr>
+        <p:spPr/>
+      </p:sp>
+      <p:sp>
+        <p:nvSpPr>
+          <p:cNvPr id="3" name="슬라이드 노트 개체 틀 2"/>
+          <p:cNvSpPr>
+            <a:spLocks noGrp="1"/>
+          </p:cNvSpPr>
+          <p:nvPr>
+            <p:ph type="body" idx="1"/>
+          </p:nvPr>
+        </p:nvSpPr>
+        <p:spPr/>
+        <p:txBody>
+          <a:bodyPr/>
+          <a:lstStyle/>
+          <a:p>
+            <a:pPr marL="0" marR="0" lvl="0" indent="0" algn="l" defTabSz="685800" rtl="0" eaLnBrk="1" fontAlgn="auto" latinLnBrk="1" hangingPunct="1">
+              <a:lnSpc>
+                <a:spcPct val="100000"/>
+              </a:lnSpc>
+              <a:spcBef>
+                <a:spcPts val="0"/>
+              </a:spcBef>
+              <a:spcAft>
+                <a:spcPts val="0"/>
+              </a:spcAft>
+              <a:buClrTx/>
+              <a:buSzTx/>
+              <a:buFontTx/>
+              <a:buNone/>
+              <a:tabLst/>
+              <a:defRPr/>
+            </a:pPr>
+            <a:r>
+              <a:rPr lang="en-US" altLang="ko-KR" dirty="0"/>
+              <a:t>Distributed Lock</a:t>
+            </a:r>
+            <a:r>
+              <a:rPr lang="ko-KR" altLang="en-US" dirty="0"/>
+              <a:t>을 코드로 구현해 보겠습니다</a:t>
+            </a:r>
+            <a:r>
+              <a:rPr lang="en-US" altLang="ko-KR" dirty="0"/>
+              <a:t>.</a:t>
+            </a:r>
+            <a:endParaRPr lang="ko-KR" altLang="en-US" dirty="0"/>
+          </a:p>
+          <a:p>
+            <a:endParaRPr lang="ko-KR" altLang="en-US" dirty="0"/>
+          </a:p>
+        </p:txBody>
+      </p:sp>
+      <p:sp>
+        <p:nvSpPr>
+          <p:cNvPr id="4" name="슬라이드 번호 개체 틀 3"/>
+          <p:cNvSpPr>
+            <a:spLocks noGrp="1"/>
+          </p:cNvSpPr>
+          <p:nvPr>
+            <p:ph type="sldNum" sz="quarter" idx="5"/>
+          </p:nvPr>
+        </p:nvSpPr>
+        <p:spPr/>
+        <p:txBody>
+          <a:bodyPr/>
+          <a:lstStyle/>
+          <a:p>
+            <a:fld id="{4F243B46-72FF-4656-838A-691B9EB329E3}" type="slidenum">
+              <a:rPr lang="ko-KR" altLang="en-US" smtClean="0"/>
+              <a:t>24</a:t>
+            </a:fld>
+            <a:endParaRPr lang="ko-KR" altLang="en-US"/>
+          </a:p>
+        </p:txBody>
+      </p:sp>
+    </p:spTree>
+    <p:extLst>
+      <p:ext uri="{BB962C8B-B14F-4D97-AF65-F5344CB8AC3E}">
+        <p14:creationId xmlns:p14="http://schemas.microsoft.com/office/powerpoint/2010/main" val="3794048272"/>
       </p:ext>
     </p:extLst>
   </p:cSld>
@@ -1622,6 +4763,42 @@
           <a:bodyPr/>
           <a:lstStyle/>
           <a:p>
+            <a:r>
+              <a:rPr lang="en-US" altLang="ko-KR" dirty="0"/>
+              <a:t>UUID </a:t>
+            </a:r>
+            <a:r>
+              <a:rPr lang="ko-KR" altLang="en-US" dirty="0"/>
+              <a:t>기반으로 </a:t>
+            </a:r>
+            <a:r>
+              <a:rPr lang="en-US" altLang="ko-KR" dirty="0" err="1"/>
+              <a:t>txid</a:t>
+            </a:r>
+            <a:r>
+              <a:rPr lang="en-US" altLang="ko-KR" dirty="0"/>
+              <a:t> </a:t>
+            </a:r>
+            <a:r>
+              <a:rPr lang="ko-KR" altLang="en-US" dirty="0"/>
+              <a:t>를 </a:t>
+            </a:r>
+            <a:r>
+              <a:rPr lang="ko-KR" altLang="en-US" dirty="0" err="1"/>
+              <a:t>채번해서</a:t>
+            </a:r>
+            <a:r>
+              <a:rPr lang="en-US" altLang="ko-KR" dirty="0"/>
+              <a:t>, </a:t>
+            </a:r>
+            <a:r>
+              <a:rPr lang="ko-KR" altLang="en-US" dirty="0"/>
+              <a:t>로그마다 출력해보는 실습을 진행해 보도록 하겠습니다</a:t>
+            </a:r>
+            <a:r>
+              <a:rPr lang="en-US" altLang="ko-KR" dirty="0"/>
+              <a:t>.</a:t>
+            </a:r>
             <a:endParaRPr lang="ko-KR" altLang="en-US" dirty="0"/>
           </a:p>
         </p:txBody>
@@ -1643,7 +4820,7 @@
           <a:p>
             <a:fld id="{4F243B46-72FF-4656-838A-691B9EB329E3}" type="slidenum">
               <a:rPr lang="ko-KR" altLang="en-US" smtClean="0"/>
-              <a:t>4</a:t>
+              <a:t>3</a:t>
             </a:fld>
             <a:endParaRPr lang="ko-KR" altLang="en-US"/>
           </a:p>
@@ -1652,7 +4829,7 @@
     </p:spTree>
     <p:extLst>
       <p:ext uri="{BB962C8B-B14F-4D97-AF65-F5344CB8AC3E}">
-        <p14:creationId xmlns:p14="http://schemas.microsoft.com/office/powerpoint/2010/main" val="2344130565"/>
+        <p14:creationId xmlns:p14="http://schemas.microsoft.com/office/powerpoint/2010/main" val="1083338260"/>
       </p:ext>
     </p:extLst>
   </p:cSld>
@@ -1706,7 +4883,120 @@
           <a:bodyPr/>
           <a:lstStyle/>
           <a:p>
-            <a:endParaRPr lang="ko-KR" altLang="en-US" dirty="0"/>
+            <a:r>
+              <a:rPr lang="ko-KR" altLang="en-US" dirty="0"/>
+              <a:t>에러가 발생하면</a:t>
+            </a:r>
+            <a:r>
+              <a:rPr lang="en-US" altLang="ko-KR" dirty="0"/>
+              <a:t>, API </a:t>
+            </a:r>
+            <a:r>
+              <a:rPr lang="ko-KR" altLang="en-US" dirty="0"/>
+              <a:t>를 호출한 곳에는 적절한 오류 응답을 전송해야 하고요</a:t>
+            </a:r>
+            <a:r>
+              <a:rPr lang="en-US" altLang="ko-KR" dirty="0"/>
+              <a:t>. </a:t>
+            </a:r>
+            <a:r>
+              <a:rPr lang="ko-KR" altLang="en-US" dirty="0"/>
+              <a:t>서버에서는 오류를 확인할 수 있는 로그를 출력해 주어야 합니다</a:t>
+            </a:r>
+            <a:r>
+              <a:rPr lang="en-US" altLang="ko-KR" dirty="0"/>
+              <a:t>.</a:t>
+            </a:r>
+          </a:p>
+          <a:p>
+            <a:endParaRPr lang="en-US" altLang="ko-KR" dirty="0"/>
+          </a:p>
+          <a:p>
+            <a:pPr marL="0" marR="0" lvl="0" indent="0" algn="l" defTabSz="685800" rtl="0" eaLnBrk="1" fontAlgn="auto" latinLnBrk="1" hangingPunct="1">
+              <a:lnSpc>
+                <a:spcPct val="100000"/>
+              </a:lnSpc>
+              <a:spcBef>
+                <a:spcPts val="0"/>
+              </a:spcBef>
+              <a:spcAft>
+                <a:spcPts val="0"/>
+              </a:spcAft>
+              <a:buClrTx/>
+              <a:buSzTx/>
+              <a:buFontTx/>
+              <a:buNone/>
+              <a:tabLst/>
+              <a:defRPr/>
+            </a:pPr>
+            <a:r>
+              <a:rPr lang="ko-KR" altLang="en-US" dirty="0"/>
+              <a:t>그간 </a:t>
+            </a:r>
+            <a:r>
+              <a:rPr lang="en-US" altLang="ko-KR" dirty="0"/>
+              <a:t>MVC, Reactor</a:t>
+            </a:r>
+            <a:r>
+              <a:rPr lang="ko-KR" altLang="en-US" dirty="0"/>
+              <a:t> </a:t>
+            </a:r>
+            <a:r>
+              <a:rPr lang="en-US" altLang="ko-KR" dirty="0" err="1"/>
+              <a:t>Webflux</a:t>
+            </a:r>
+            <a:r>
+              <a:rPr lang="en-US" altLang="ko-KR" dirty="0"/>
+              <a:t>, Coroutine </a:t>
+            </a:r>
+            <a:r>
+              <a:rPr lang="en-US" altLang="ko-KR" dirty="0" err="1"/>
+              <a:t>Webflux</a:t>
+            </a:r>
+            <a:r>
+              <a:rPr lang="en-US" altLang="ko-KR" dirty="0"/>
+              <a:t> </a:t>
+            </a:r>
+            <a:r>
+              <a:rPr lang="ko-KR" altLang="en-US" dirty="0"/>
+              <a:t>구현실습에서는</a:t>
+            </a:r>
+            <a:r>
+              <a:rPr lang="en-US" altLang="ko-KR" dirty="0"/>
+              <a:t>, </a:t>
+            </a:r>
+            <a:r>
+              <a:rPr lang="ko-KR" altLang="en-US" dirty="0"/>
+              <a:t>이 오류처리 기능이 없어서 디버깅이 쉽지 않으셨을 </a:t>
+            </a:r>
+            <a:r>
+              <a:rPr lang="ko-KR" altLang="en-US" dirty="0" err="1"/>
+              <a:t>거에요</a:t>
+            </a:r>
+            <a:r>
+              <a:rPr lang="en-US" altLang="ko-KR" dirty="0"/>
+              <a:t>.</a:t>
+            </a:r>
+          </a:p>
+          <a:p>
+            <a:pPr marL="0" marR="0" lvl="0" indent="0" algn="l" defTabSz="685800" rtl="0" eaLnBrk="1" fontAlgn="auto" latinLnBrk="1" hangingPunct="1">
+              <a:lnSpc>
+                <a:spcPct val="100000"/>
+              </a:lnSpc>
+              <a:spcBef>
+                <a:spcPts val="0"/>
+              </a:spcBef>
+              <a:spcAft>
+                <a:spcPts val="0"/>
+              </a:spcAft>
+              <a:buClrTx/>
+              <a:buSzTx/>
+              <a:buFontTx/>
+              <a:buNone/>
+              <a:tabLst/>
+              <a:defRPr/>
+            </a:pPr>
+            <a:endParaRPr lang="en-US" altLang="ko-KR" dirty="0"/>
           </a:p>
         </p:txBody>
       </p:sp>
@@ -1727,7 +5017,7 @@
           <a:p>
             <a:fld id="{4F243B46-72FF-4656-838A-691B9EB329E3}" type="slidenum">
               <a:rPr lang="ko-KR" altLang="en-US" smtClean="0"/>
-              <a:t>6</a:t>
+              <a:t>4</a:t>
             </a:fld>
             <a:endParaRPr lang="ko-KR" altLang="en-US"/>
           </a:p>
@@ -1736,7 +5026,7 @@
     </p:spTree>
     <p:extLst>
       <p:ext uri="{BB962C8B-B14F-4D97-AF65-F5344CB8AC3E}">
-        <p14:creationId xmlns:p14="http://schemas.microsoft.com/office/powerpoint/2010/main" val="2583258124"/>
+        <p14:creationId xmlns:p14="http://schemas.microsoft.com/office/powerpoint/2010/main" val="2344130565"/>
       </p:ext>
     </p:extLst>
   </p:cSld>
@@ -1790,6 +5080,24 @@
           <a:bodyPr/>
           <a:lstStyle/>
           <a:p>
+            <a:r>
+              <a:rPr lang="ko-KR" altLang="en-US" dirty="0"/>
+              <a:t>저희는 가당 간단한 방법으로 전역 오류 </a:t>
+            </a:r>
+            <a:r>
+              <a:rPr lang="ko-KR" altLang="en-US" dirty="0" err="1"/>
+              <a:t>핸들러를</a:t>
+            </a:r>
+            <a:r>
+              <a:rPr lang="ko-KR" altLang="en-US" dirty="0"/>
+              <a:t> 구현해 보겠습니다</a:t>
+            </a:r>
+            <a:r>
+              <a:rPr lang="en-US" altLang="ko-KR" dirty="0"/>
+              <a:t>..</a:t>
+            </a:r>
+          </a:p>
+          <a:p>
             <a:endParaRPr lang="ko-KR" altLang="en-US" dirty="0"/>
           </a:p>
         </p:txBody>
@@ -1811,7 +5119,7 @@
           <a:p>
             <a:fld id="{4F243B46-72FF-4656-838A-691B9EB329E3}" type="slidenum">
               <a:rPr lang="ko-KR" altLang="en-US" smtClean="0"/>
-              <a:t>8</a:t>
+              <a:t>5</a:t>
             </a:fld>
             <a:endParaRPr lang="ko-KR" altLang="en-US"/>
           </a:p>
@@ -1820,7 +5128,7 @@
     </p:spTree>
     <p:extLst>
       <p:ext uri="{BB962C8B-B14F-4D97-AF65-F5344CB8AC3E}">
-        <p14:creationId xmlns:p14="http://schemas.microsoft.com/office/powerpoint/2010/main" val="1362453822"/>
+        <p14:creationId xmlns:p14="http://schemas.microsoft.com/office/powerpoint/2010/main" val="2831823175"/>
       </p:ext>
     </p:extLst>
   </p:cSld>
@@ -1874,6 +5182,67 @@
           <a:bodyPr/>
           <a:lstStyle/>
           <a:p>
+            <a:r>
+              <a:rPr lang="en-US" altLang="ko-KR" dirty="0"/>
+              <a:t>request </a:t>
+            </a:r>
+            <a:r>
+              <a:rPr lang="ko-KR" altLang="en-US" dirty="0"/>
+              <a:t>가 어떤 파라미터로 작동했는지를 로그에 </a:t>
+            </a:r>
+            <a:r>
+              <a:rPr lang="ko-KR" altLang="en-US" dirty="0" err="1"/>
+              <a:t>남겨놔야</a:t>
+            </a:r>
+            <a:r>
+              <a:rPr lang="en-US" altLang="ko-KR" dirty="0"/>
+              <a:t>, </a:t>
+            </a:r>
+            <a:r>
+              <a:rPr lang="ko-KR" altLang="en-US" dirty="0"/>
+              <a:t>이후 로그를 통해 오류 상황을 재현해 볼 수 있습니다</a:t>
+            </a:r>
+            <a:r>
+              <a:rPr lang="en-US" altLang="ko-KR" dirty="0"/>
+              <a:t>. </a:t>
+            </a:r>
+            <a:r>
+              <a:rPr lang="ko-KR" altLang="en-US" dirty="0"/>
+              <a:t>물론 디버깅 할 때도 편리하고요</a:t>
+            </a:r>
+            <a:r>
+              <a:rPr lang="en-US" altLang="ko-KR" dirty="0"/>
+              <a:t>.</a:t>
+            </a:r>
+          </a:p>
+          <a:p>
+            <a:endParaRPr lang="en-US" altLang="ko-KR" dirty="0"/>
+          </a:p>
+          <a:p>
+            <a:r>
+              <a:rPr lang="ko-KR" altLang="en-US" dirty="0"/>
+              <a:t>응답 결과는 로그에 남기지 않는 것이 일반적이라서</a:t>
+            </a:r>
+            <a:r>
+              <a:rPr lang="en-US" altLang="ko-KR" dirty="0"/>
+              <a:t>, </a:t>
+            </a:r>
+            <a:r>
+              <a:rPr lang="ko-KR" altLang="en-US" dirty="0"/>
+              <a:t>저희는 </a:t>
+            </a:r>
+            <a:r>
+              <a:rPr lang="en-US" altLang="ko-KR" dirty="0"/>
+              <a:t>request </a:t>
+            </a:r>
+            <a:r>
+              <a:rPr lang="ko-KR" altLang="en-US" dirty="0"/>
+              <a:t>파라미터만 로그에 남겨보도록 하겠습니다</a:t>
+            </a:r>
+            <a:r>
+              <a:rPr lang="en-US" altLang="ko-KR" dirty="0"/>
+              <a:t>.</a:t>
+            </a:r>
             <a:endParaRPr lang="ko-KR" altLang="en-US" dirty="0"/>
           </a:p>
         </p:txBody>
@@ -1895,7 +5264,7 @@
           <a:p>
             <a:fld id="{4F243B46-72FF-4656-838A-691B9EB329E3}" type="slidenum">
               <a:rPr lang="ko-KR" altLang="en-US" smtClean="0"/>
-              <a:t>11</a:t>
+              <a:t>6</a:t>
             </a:fld>
             <a:endParaRPr lang="ko-KR" altLang="en-US"/>
           </a:p>
@@ -1904,7 +5273,7 @@
     </p:spTree>
     <p:extLst>
       <p:ext uri="{BB962C8B-B14F-4D97-AF65-F5344CB8AC3E}">
-        <p14:creationId xmlns:p14="http://schemas.microsoft.com/office/powerpoint/2010/main" val="4107588324"/>
+        <p14:creationId xmlns:p14="http://schemas.microsoft.com/office/powerpoint/2010/main" val="2583258124"/>
       </p:ext>
     </p:extLst>
   </p:cSld>
@@ -1958,6 +5327,26 @@
           <a:bodyPr/>
           <a:lstStyle/>
           <a:p>
+            <a:r>
+              <a:rPr lang="en-US" altLang="ko-KR" dirty="0"/>
+              <a:t>request</a:t>
+            </a:r>
+            <a:r>
+              <a:rPr lang="ko-KR" altLang="en-US" dirty="0"/>
+              <a:t> 파라미터를 찍는 로그 모듈을 </a:t>
+            </a:r>
+            <a:r>
+              <a:rPr lang="en-US" altLang="ko-KR" dirty="0"/>
+              <a:t>Filter </a:t>
+            </a:r>
+            <a:r>
+              <a:rPr lang="ko-KR" altLang="en-US" dirty="0"/>
+              <a:t>형태로 구현해 보겠습니다</a:t>
+            </a:r>
+            <a:r>
+              <a:rPr lang="en-US" altLang="ko-KR" dirty="0"/>
+              <a:t>.</a:t>
+            </a:r>
             <a:endParaRPr lang="ko-KR" altLang="en-US" dirty="0"/>
           </a:p>
         </p:txBody>
@@ -1979,7 +5368,7 @@
           <a:p>
             <a:fld id="{4F243B46-72FF-4656-838A-691B9EB329E3}" type="slidenum">
               <a:rPr lang="ko-KR" altLang="en-US" smtClean="0"/>
-              <a:t>13</a:t>
+              <a:t>7</a:t>
             </a:fld>
             <a:endParaRPr lang="ko-KR" altLang="en-US"/>
           </a:p>
@@ -1988,7 +5377,7 @@
     </p:spTree>
     <p:extLst>
       <p:ext uri="{BB962C8B-B14F-4D97-AF65-F5344CB8AC3E}">
-        <p14:creationId xmlns:p14="http://schemas.microsoft.com/office/powerpoint/2010/main" val="1099860314"/>
+        <p14:creationId xmlns:p14="http://schemas.microsoft.com/office/powerpoint/2010/main" val="3614476954"/>
       </p:ext>
     </p:extLst>
   </p:cSld>
@@ -2042,6 +5431,491 @@
           <a:bodyPr/>
           <a:lstStyle/>
           <a:p>
+            <a:r>
+              <a:rPr lang="ko-KR" altLang="en-US" dirty="0"/>
+              <a:t>호출하려는 서버에 과부하가 걸렸습니다</a:t>
+            </a:r>
+            <a:r>
+              <a:rPr lang="en-US" altLang="ko-KR" dirty="0"/>
+              <a:t>. </a:t>
+            </a:r>
+            <a:r>
+              <a:rPr lang="ko-KR" altLang="en-US" dirty="0"/>
+              <a:t>성능검증 할 때 확인하신 것처럼</a:t>
+            </a:r>
+            <a:r>
+              <a:rPr lang="en-US" altLang="ko-KR" dirty="0"/>
+              <a:t>, MVC </a:t>
+            </a:r>
+            <a:r>
+              <a:rPr lang="ko-KR" altLang="en-US" dirty="0"/>
+              <a:t>기반의 서버는 대규모 트래픽에 쉽게 느려집니다</a:t>
+            </a:r>
+            <a:r>
+              <a:rPr lang="en-US" altLang="ko-KR" dirty="0"/>
+              <a:t>.</a:t>
+            </a:r>
+          </a:p>
+          <a:p>
+            <a:endParaRPr lang="en-US" altLang="ko-KR" dirty="0"/>
+          </a:p>
+          <a:p>
+            <a:r>
+              <a:rPr lang="en-US" altLang="ko-KR" dirty="0"/>
+              <a:t>ECS</a:t>
+            </a:r>
+            <a:r>
+              <a:rPr lang="ko-KR" altLang="en-US" dirty="0"/>
+              <a:t>나 </a:t>
+            </a:r>
+            <a:r>
+              <a:rPr lang="en-US" altLang="ko-KR" dirty="0"/>
+              <a:t>EKS</a:t>
+            </a:r>
+            <a:r>
+              <a:rPr lang="ko-KR" altLang="en-US" dirty="0"/>
+              <a:t>처럼 컨테이너 기반으로 </a:t>
+            </a:r>
+            <a:r>
+              <a:rPr lang="ko-KR" altLang="en-US" dirty="0" err="1"/>
+              <a:t>엘라스틱하게</a:t>
+            </a:r>
+            <a:r>
+              <a:rPr lang="ko-KR" altLang="en-US" dirty="0"/>
+              <a:t> 확장되는 서버환경이라면</a:t>
+            </a:r>
+            <a:r>
+              <a:rPr lang="en-US" altLang="ko-KR" dirty="0"/>
+              <a:t>, </a:t>
+            </a:r>
+            <a:r>
+              <a:rPr lang="ko-KR" altLang="en-US" dirty="0"/>
+              <a:t>컨테이너 기동은 몇 초 </a:t>
+            </a:r>
+            <a:r>
+              <a:rPr lang="ko-KR" altLang="en-US" dirty="0" err="1"/>
+              <a:t>안걸리기</a:t>
+            </a:r>
+            <a:r>
+              <a:rPr lang="ko-KR" altLang="en-US" dirty="0"/>
+              <a:t> 때문에</a:t>
+            </a:r>
+            <a:r>
+              <a:rPr lang="en-US" altLang="ko-KR" dirty="0"/>
+              <a:t>, </a:t>
+            </a:r>
+            <a:r>
+              <a:rPr lang="ko-KR" altLang="en-US" dirty="0"/>
+              <a:t>대규모 트래픽에 그나마 쉽게 대응이 가능합니다</a:t>
+            </a:r>
+            <a:r>
+              <a:rPr lang="en-US" altLang="ko-KR" dirty="0"/>
+              <a:t>.</a:t>
+            </a:r>
+          </a:p>
+          <a:p>
+            <a:endParaRPr lang="en-US" altLang="ko-KR" dirty="0"/>
+          </a:p>
+          <a:p>
+            <a:r>
+              <a:rPr lang="ko-KR" altLang="en-US" dirty="0"/>
+              <a:t>하지만 </a:t>
+            </a:r>
+            <a:r>
+              <a:rPr lang="en-US" altLang="ko-KR" dirty="0"/>
+              <a:t>VM </a:t>
+            </a:r>
+            <a:r>
+              <a:rPr lang="ko-KR" altLang="en-US" dirty="0"/>
+              <a:t>이라면</a:t>
+            </a:r>
+            <a:r>
+              <a:rPr lang="en-US" altLang="ko-KR" dirty="0"/>
+              <a:t>… </a:t>
+            </a:r>
+            <a:r>
+              <a:rPr lang="ko-KR" altLang="en-US" dirty="0" err="1"/>
+              <a:t>오토스케일로</a:t>
+            </a:r>
+            <a:r>
+              <a:rPr lang="ko-KR" altLang="en-US" dirty="0"/>
+              <a:t> 대응한다 해도</a:t>
+            </a:r>
+            <a:r>
+              <a:rPr lang="en-US" altLang="ko-KR" dirty="0"/>
+              <a:t>,</a:t>
+            </a:r>
+            <a:r>
+              <a:rPr lang="ko-KR" altLang="en-US" dirty="0"/>
+              <a:t> </a:t>
+            </a:r>
+            <a:r>
+              <a:rPr lang="en-US" altLang="ko-KR" dirty="0"/>
+              <a:t>OS</a:t>
+            </a:r>
+            <a:r>
+              <a:rPr lang="ko-KR" altLang="en-US" dirty="0"/>
+              <a:t>가 </a:t>
+            </a:r>
+            <a:r>
+              <a:rPr lang="ko-KR" altLang="en-US" dirty="0" err="1"/>
+              <a:t>기동되는데</a:t>
+            </a:r>
+            <a:r>
+              <a:rPr lang="ko-KR" altLang="en-US" dirty="0"/>
+              <a:t> </a:t>
+            </a:r>
+            <a:r>
+              <a:rPr lang="en-US" altLang="ko-KR" dirty="0"/>
+              <a:t>3~4</a:t>
+            </a:r>
+            <a:r>
+              <a:rPr lang="ko-KR" altLang="en-US" dirty="0"/>
+              <a:t>분 정도 걸리기 때문에</a:t>
+            </a:r>
+            <a:r>
+              <a:rPr lang="en-US" altLang="ko-KR" dirty="0"/>
+              <a:t>, </a:t>
+            </a:r>
+            <a:r>
+              <a:rPr lang="ko-KR" altLang="en-US" dirty="0"/>
+              <a:t>기민한 서버 확장이 어렵습니다</a:t>
+            </a:r>
+            <a:r>
+              <a:rPr lang="en-US" altLang="ko-KR" dirty="0"/>
+              <a:t>.</a:t>
+            </a:r>
+          </a:p>
+          <a:p>
+            <a:endParaRPr lang="en-US" altLang="ko-KR" dirty="0"/>
+          </a:p>
+          <a:p>
+            <a:r>
+              <a:rPr lang="ko-KR" altLang="en-US" dirty="0"/>
+              <a:t>만약 </a:t>
+            </a:r>
+            <a:r>
+              <a:rPr lang="ko-KR" altLang="en-US" dirty="0" err="1"/>
+              <a:t>오토스케일이</a:t>
+            </a:r>
+            <a:r>
+              <a:rPr lang="ko-KR" altLang="en-US" dirty="0"/>
+              <a:t> </a:t>
+            </a:r>
+            <a:r>
+              <a:rPr lang="ko-KR" altLang="en-US" dirty="0" err="1"/>
+              <a:t>안걸린</a:t>
+            </a:r>
+            <a:r>
+              <a:rPr lang="ko-KR" altLang="en-US" dirty="0"/>
+              <a:t> </a:t>
+            </a:r>
+            <a:r>
+              <a:rPr lang="en-US" altLang="ko-KR" dirty="0"/>
+              <a:t>VM</a:t>
+            </a:r>
+            <a:r>
+              <a:rPr lang="ko-KR" altLang="en-US" dirty="0"/>
+              <a:t>이거나</a:t>
+            </a:r>
+            <a:r>
+              <a:rPr lang="en-US" altLang="ko-KR" dirty="0"/>
+              <a:t>, </a:t>
+            </a:r>
+            <a:r>
+              <a:rPr lang="ko-KR" altLang="en-US" dirty="0"/>
+              <a:t>혹은 물리서버라면</a:t>
+            </a:r>
+            <a:r>
+              <a:rPr lang="en-US" altLang="ko-KR" dirty="0"/>
+              <a:t>… </a:t>
+            </a:r>
+            <a:r>
+              <a:rPr lang="ko-KR" altLang="en-US" dirty="0"/>
+              <a:t>장애상황을 그냥 무방비로 견뎌야만 합니다</a:t>
+            </a:r>
+            <a:r>
+              <a:rPr lang="en-US" altLang="ko-KR" dirty="0"/>
+              <a:t>.</a:t>
+            </a:r>
+          </a:p>
+          <a:p>
+            <a:endParaRPr lang="en-US" altLang="ko-KR" dirty="0"/>
+          </a:p>
+          <a:p>
+            <a:r>
+              <a:rPr lang="ko-KR" altLang="en-US" dirty="0"/>
+              <a:t>그런데</a:t>
+            </a:r>
+            <a:r>
+              <a:rPr lang="en-US" altLang="ko-KR" dirty="0"/>
+              <a:t>... </a:t>
+            </a:r>
+            <a:r>
+              <a:rPr lang="ko-KR" altLang="en-US" dirty="0"/>
+              <a:t>문제는</a:t>
+            </a:r>
+            <a:r>
+              <a:rPr lang="en-US" altLang="ko-KR" dirty="0"/>
+              <a:t>… </a:t>
+            </a:r>
+            <a:r>
+              <a:rPr lang="ko-KR" altLang="en-US" dirty="0"/>
+              <a:t>이런 장애상황이 걷잡을 수 없이 전파되면</a:t>
+            </a:r>
+            <a:r>
+              <a:rPr lang="en-US" altLang="ko-KR" dirty="0"/>
+              <a:t>, </a:t>
+            </a:r>
+            <a:r>
+              <a:rPr lang="ko-KR" altLang="en-US" dirty="0"/>
+              <a:t>자칫 인프라 </a:t>
+            </a:r>
+            <a:r>
+              <a:rPr lang="ko-KR" altLang="en-US" dirty="0" err="1"/>
+              <a:t>셧다운으로</a:t>
+            </a:r>
+            <a:r>
+              <a:rPr lang="ko-KR" altLang="en-US" dirty="0"/>
+              <a:t> 이어지고</a:t>
+            </a:r>
+            <a:r>
+              <a:rPr lang="en-US" altLang="ko-KR" dirty="0"/>
+              <a:t>, </a:t>
+            </a:r>
+            <a:r>
+              <a:rPr lang="ko-KR" altLang="en-US" dirty="0"/>
+              <a:t>이로 인해 데이터 안정성을 해치는 극단적인 상황까지 발생할 수 있다는 점입니다</a:t>
+            </a:r>
+            <a:r>
+              <a:rPr lang="en-US" altLang="ko-KR" dirty="0"/>
+              <a:t>.</a:t>
+            </a:r>
+          </a:p>
+          <a:p>
+            <a:endParaRPr lang="en-US" altLang="ko-KR" dirty="0"/>
+          </a:p>
+          <a:p>
+            <a:r>
+              <a:rPr lang="ko-KR" altLang="en-US" dirty="0"/>
+              <a:t>그래서 </a:t>
+            </a:r>
+            <a:r>
+              <a:rPr lang="en-US" altLang="ko-KR" dirty="0"/>
+              <a:t>MSA </a:t>
+            </a:r>
+            <a:r>
+              <a:rPr lang="ko-KR" altLang="en-US" dirty="0"/>
+              <a:t>환경에서는</a:t>
+            </a:r>
+            <a:r>
+              <a:rPr lang="en-US" altLang="ko-KR" dirty="0"/>
+              <a:t>, </a:t>
+            </a:r>
+            <a:r>
+              <a:rPr lang="ko-KR" altLang="en-US" dirty="0"/>
+              <a:t>장애 전파를 차단하는데 지나칠 정도로 예민하게 시스템을 구성해야만 합니다</a:t>
+            </a:r>
+            <a:r>
+              <a:rPr lang="en-US" altLang="ko-KR" dirty="0"/>
+              <a:t>.</a:t>
+            </a:r>
+          </a:p>
+          <a:p>
+            <a:endParaRPr lang="en-US" altLang="ko-KR" dirty="0"/>
+          </a:p>
+          <a:p>
+            <a:pPr marL="0" marR="0" lvl="0" indent="0" algn="l" defTabSz="685800" rtl="0" eaLnBrk="1" fontAlgn="auto" latinLnBrk="1" hangingPunct="1">
+              <a:lnSpc>
+                <a:spcPct val="100000"/>
+              </a:lnSpc>
+              <a:spcBef>
+                <a:spcPts val="0"/>
+              </a:spcBef>
+              <a:spcAft>
+                <a:spcPts val="0"/>
+              </a:spcAft>
+              <a:buClrTx/>
+              <a:buSzTx/>
+              <a:buFontTx/>
+              <a:buNone/>
+              <a:tabLst/>
+              <a:defRPr/>
+            </a:pPr>
+            <a:r>
+              <a:rPr lang="ko-KR" altLang="en-US" dirty="0"/>
+              <a:t>아무리 </a:t>
+            </a:r>
+            <a:r>
+              <a:rPr lang="en-US" altLang="ko-KR" dirty="0" err="1"/>
+              <a:t>Webflux</a:t>
+            </a:r>
+            <a:r>
+              <a:rPr lang="en-US" altLang="ko-KR" dirty="0"/>
+              <a:t> </a:t>
+            </a:r>
+            <a:r>
+              <a:rPr lang="ko-KR" altLang="en-US" dirty="0"/>
+              <a:t>로 </a:t>
+            </a:r>
+            <a:r>
+              <a:rPr lang="en-US" altLang="ko-KR" dirty="0"/>
+              <a:t>IO </a:t>
+            </a:r>
+            <a:r>
+              <a:rPr lang="ko-KR" altLang="en-US" dirty="0"/>
+              <a:t>지연에 강건한 시스템을 구성했다 하더라도 이는 마찬가지이고요</a:t>
+            </a:r>
+            <a:r>
+              <a:rPr lang="en-US" altLang="ko-KR" dirty="0"/>
+              <a:t>.</a:t>
+            </a:r>
+          </a:p>
+          <a:p>
+            <a:endParaRPr lang="en-US" altLang="ko-KR" dirty="0"/>
+          </a:p>
+          <a:p>
+            <a:endParaRPr lang="en-US" altLang="ko-KR" dirty="0"/>
+          </a:p>
+          <a:p>
+            <a:r>
+              <a:rPr lang="ko-KR" altLang="en-US" dirty="0" err="1"/>
+              <a:t>써킷</a:t>
+            </a:r>
+            <a:r>
+              <a:rPr lang="ko-KR" altLang="en-US" dirty="0"/>
+              <a:t> </a:t>
+            </a:r>
+            <a:r>
+              <a:rPr lang="ko-KR" altLang="en-US" dirty="0" err="1"/>
+              <a:t>브레이커는</a:t>
+            </a:r>
+            <a:r>
+              <a:rPr lang="en-US" altLang="ko-KR" dirty="0"/>
+              <a:t>, </a:t>
+            </a:r>
+            <a:r>
+              <a:rPr lang="ko-KR" altLang="en-US" dirty="0"/>
+              <a:t>허용 범위를 넘는 오류가 지속될 경우</a:t>
+            </a:r>
+            <a:r>
+              <a:rPr lang="en-US" altLang="ko-KR" dirty="0"/>
+              <a:t>, </a:t>
+            </a:r>
+            <a:r>
+              <a:rPr lang="ko-KR" altLang="en-US" dirty="0"/>
+              <a:t>호출을 차단하는 </a:t>
+            </a:r>
+            <a:r>
+              <a:rPr lang="en-US" altLang="ko-KR" dirty="0"/>
+              <a:t>proxy </a:t>
+            </a:r>
+            <a:r>
+              <a:rPr lang="ko-KR" altLang="en-US" dirty="0"/>
+              <a:t>입니다</a:t>
+            </a:r>
+            <a:r>
+              <a:rPr lang="en-US" altLang="ko-KR" dirty="0"/>
+              <a:t>.</a:t>
+            </a:r>
+          </a:p>
+          <a:p>
+            <a:endParaRPr lang="en-US" altLang="ko-KR" dirty="0"/>
+          </a:p>
+          <a:p>
+            <a:r>
+              <a:rPr lang="ko-KR" altLang="en-US" dirty="0"/>
+              <a:t>만약 </a:t>
+            </a:r>
+            <a:r>
+              <a:rPr lang="ko-KR" altLang="en-US" dirty="0" err="1"/>
+              <a:t>쿠버네티스</a:t>
+            </a:r>
+            <a:r>
+              <a:rPr lang="ko-KR" altLang="en-US" dirty="0"/>
+              <a:t> 인프라 환경이라면</a:t>
+            </a:r>
+            <a:r>
+              <a:rPr lang="en-US" altLang="ko-KR" dirty="0"/>
+              <a:t>, Istio</a:t>
+            </a:r>
+            <a:r>
+              <a:rPr lang="ko-KR" altLang="en-US" dirty="0"/>
+              <a:t>를 사용해 인프라 레벨에서 서킷 </a:t>
+            </a:r>
+            <a:r>
+              <a:rPr lang="ko-KR" altLang="en-US" dirty="0" err="1"/>
+              <a:t>브레이커를</a:t>
+            </a:r>
+            <a:r>
+              <a:rPr lang="ko-KR" altLang="en-US" dirty="0"/>
+              <a:t> 적용하시면 됩니다</a:t>
+            </a:r>
+            <a:r>
+              <a:rPr lang="en-US" altLang="ko-KR" dirty="0"/>
+              <a:t>.</a:t>
+            </a:r>
+          </a:p>
+          <a:p>
+            <a:endParaRPr lang="en-US" altLang="ko-KR" dirty="0"/>
+          </a:p>
+          <a:p>
+            <a:r>
+              <a:rPr lang="ko-KR" altLang="en-US" dirty="0"/>
+              <a:t>하지만</a:t>
+            </a:r>
+            <a:r>
+              <a:rPr lang="en-US" altLang="ko-KR" dirty="0"/>
+              <a:t>, Istio </a:t>
+            </a:r>
+            <a:r>
+              <a:rPr lang="ko-KR" altLang="en-US" dirty="0"/>
+              <a:t>적용이 곤란하거나</a:t>
+            </a:r>
+            <a:r>
+              <a:rPr lang="en-US" altLang="ko-KR" dirty="0"/>
+              <a:t>, </a:t>
+            </a:r>
+            <a:r>
+              <a:rPr lang="ko-KR" altLang="en-US" dirty="0"/>
+              <a:t>혹은 </a:t>
+            </a:r>
+            <a:r>
+              <a:rPr lang="ko-KR" altLang="en-US" dirty="0" err="1"/>
+              <a:t>쿠버네티스</a:t>
+            </a:r>
+            <a:r>
+              <a:rPr lang="ko-KR" altLang="en-US" dirty="0"/>
+              <a:t> 환경까지는 사용할 필요가 없을 경우가 더 많기 때문에</a:t>
+            </a:r>
+            <a:r>
+              <a:rPr lang="en-US" altLang="ko-KR" dirty="0"/>
+              <a:t>,</a:t>
+            </a:r>
+            <a:r>
+              <a:rPr lang="ko-KR" altLang="en-US" dirty="0"/>
+              <a:t> 저희는 어플리케이션 레벨에서 서킷 </a:t>
+            </a:r>
+            <a:r>
+              <a:rPr lang="ko-KR" altLang="en-US" dirty="0" err="1"/>
+              <a:t>브레이커를</a:t>
+            </a:r>
+            <a:r>
+              <a:rPr lang="ko-KR" altLang="en-US" dirty="0"/>
+              <a:t> 구현해 보겠습니다</a:t>
+            </a:r>
+            <a:r>
+              <a:rPr lang="en-US" altLang="ko-KR" dirty="0"/>
+              <a:t>.</a:t>
+            </a:r>
+          </a:p>
+          <a:p>
+            <a:endParaRPr lang="en-US" altLang="ko-KR" dirty="0"/>
+          </a:p>
+          <a:p>
+            <a:endParaRPr lang="en-US" altLang="ko-KR" dirty="0"/>
+          </a:p>
+          <a:p>
             <a:endParaRPr lang="ko-KR" altLang="en-US" dirty="0"/>
           </a:p>
         </p:txBody>
@@ -2063,7 +5937,7 @@
           <a:p>
             <a:fld id="{4F243B46-72FF-4656-838A-691B9EB329E3}" type="slidenum">
               <a:rPr lang="ko-KR" altLang="en-US" smtClean="0"/>
-              <a:t>16</a:t>
+              <a:t>8</a:t>
             </a:fld>
             <a:endParaRPr lang="ko-KR" altLang="en-US"/>
           </a:p>
@@ -2072,7 +5946,7 @@
     </p:spTree>
     <p:extLst>
       <p:ext uri="{BB962C8B-B14F-4D97-AF65-F5344CB8AC3E}">
-        <p14:creationId xmlns:p14="http://schemas.microsoft.com/office/powerpoint/2010/main" val="1627911884"/>
+        <p14:creationId xmlns:p14="http://schemas.microsoft.com/office/powerpoint/2010/main" val="1362453822"/>
       </p:ext>
     </p:extLst>
   </p:cSld>
@@ -2126,6 +6000,59 @@
           <a:bodyPr/>
           <a:lstStyle/>
           <a:p>
+            <a:r>
+              <a:rPr lang="ko-KR" altLang="en-US" dirty="0"/>
+              <a:t>구현 실습입니다</a:t>
+            </a:r>
+            <a:r>
+              <a:rPr lang="en-US" altLang="ko-KR" dirty="0"/>
+              <a:t>.</a:t>
+            </a:r>
+          </a:p>
+          <a:p>
+            <a:endParaRPr lang="en-US" altLang="ko-KR" dirty="0"/>
+          </a:p>
+          <a:p>
+            <a:r>
+              <a:rPr lang="ko-KR" altLang="en-US" dirty="0"/>
+              <a:t>저희는 비동기 처리를 지원하는 </a:t>
+            </a:r>
+            <a:r>
+              <a:rPr lang="ko-KR" altLang="en-US" dirty="0" err="1"/>
+              <a:t>리즐리언스</a:t>
+            </a:r>
+            <a:r>
+              <a:rPr lang="ko-KR" altLang="en-US" dirty="0"/>
+              <a:t> </a:t>
+            </a:r>
+            <a:r>
+              <a:rPr lang="en-US" altLang="ko-KR" dirty="0"/>
+              <a:t>4J (Resilence4j) </a:t>
+            </a:r>
+            <a:r>
+              <a:rPr lang="ko-KR" altLang="en-US" dirty="0"/>
+              <a:t>라이브러리를 사용해</a:t>
+            </a:r>
+            <a:r>
+              <a:rPr lang="en-US" altLang="ko-KR" dirty="0"/>
+              <a:t>,</a:t>
+            </a:r>
+            <a:r>
+              <a:rPr lang="ko-KR" altLang="en-US" dirty="0"/>
+              <a:t> 서킷 </a:t>
+            </a:r>
+            <a:r>
+              <a:rPr lang="ko-KR" altLang="en-US" dirty="0" err="1"/>
+              <a:t>브레이커를</a:t>
+            </a:r>
+            <a:r>
+              <a:rPr lang="ko-KR" altLang="en-US" dirty="0"/>
+              <a:t> 구현해 보겠습니다</a:t>
+            </a:r>
+            <a:r>
+              <a:rPr lang="en-US" altLang="ko-KR" dirty="0"/>
+              <a:t>.</a:t>
+            </a:r>
             <a:endParaRPr lang="ko-KR" altLang="en-US" dirty="0"/>
           </a:p>
         </p:txBody>
@@ -2147,7 +6074,7 @@
           <a:p>
             <a:fld id="{4F243B46-72FF-4656-838A-691B9EB329E3}" type="slidenum">
               <a:rPr lang="ko-KR" altLang="en-US" smtClean="0"/>
-              <a:t>18</a:t>
+              <a:t>9</a:t>
             </a:fld>
             <a:endParaRPr lang="ko-KR" altLang="en-US"/>
           </a:p>
@@ -2156,7 +6083,7 @@
     </p:spTree>
     <p:extLst>
       <p:ext uri="{BB962C8B-B14F-4D97-AF65-F5344CB8AC3E}">
-        <p14:creationId xmlns:p14="http://schemas.microsoft.com/office/powerpoint/2010/main" val="374484148"/>
+        <p14:creationId xmlns:p14="http://schemas.microsoft.com/office/powerpoint/2010/main" val="4016803277"/>
       </p:ext>
     </p:extLst>
   </p:cSld>
@@ -5484,32 +9411,49 @@
       </p:sp>
       <p:pic>
         <p:nvPicPr>
-          <p:cNvPr id="11" name="그림 10">
+          <p:cNvPr id="3" name="Picture 2">
             <a:extLst>
               <a:ext uri="{FF2B5EF4-FFF2-40B4-BE49-F238E27FC236}">
-                <a16:creationId xmlns:a16="http://schemas.microsoft.com/office/drawing/2014/main" id="{5370AF22-F9D9-9F9B-80AD-F65B0788878F}"/>
+                <a16:creationId xmlns:a16="http://schemas.microsoft.com/office/drawing/2014/main" id="{59E73AE5-1D19-8E3E-7FD6-FCAB6D63DD40}"/>
               </a:ext>
             </a:extLst>
           </p:cNvPr>
           <p:cNvPicPr>
-            <a:picLocks noChangeAspect="1"/>
+            <a:picLocks noChangeAspect="1" noChangeArrowheads="1"/>
           </p:cNvPicPr>
           <p:nvPr/>
         </p:nvPicPr>
         <p:blipFill>
-          <a:blip r:embed="rId3"/>
+          <a:blip r:embed="rId3">
+            <a:extLst>
+              <a:ext uri="{28A0092B-C50C-407E-A947-70E740481C1C}">
+                <a14:useLocalDpi xmlns:a14="http://schemas.microsoft.com/office/drawing/2010/main" val="0"/>
+              </a:ext>
+            </a:extLst>
+          </a:blip>
+          <a:srcRect/>
           <a:stretch>
             <a:fillRect/>
           </a:stretch>
         </p:blipFill>
-        <p:spPr>
+        <p:spPr bwMode="auto">
           <a:xfrm>
-            <a:off x="1000254" y="1206367"/>
-            <a:ext cx="4592688" cy="3903785"/>
+            <a:off x="987191" y="1171199"/>
+            <a:ext cx="4648678" cy="3951376"/>
           </a:xfrm>
           <a:prstGeom prst="rect">
             <a:avLst/>
           </a:prstGeom>
+          <a:noFill/>
+          <a:extLst>
+            <a:ext uri="{909E8E84-426E-40DD-AFC4-6F175D3DCCD1}">
+              <a14:hiddenFill xmlns:a14="http://schemas.microsoft.com/office/drawing/2010/main">
+                <a:solidFill>
+                  <a:srgbClr val="FFFFFF"/>
+                </a:solidFill>
+              </a14:hiddenFill>
+            </a:ext>
+          </a:extLst>
         </p:spPr>
       </p:pic>
     </p:spTree>
@@ -6090,40 +10034,59 @@
           <a:chExt cx="0" cy="0"/>
         </a:xfrm>
       </p:grpSpPr>
-      <p:sp>
-        <p:nvSpPr>
-          <p:cNvPr id="4" name="제목 3">
+      <p:pic>
+        <p:nvPicPr>
+          <p:cNvPr id="5" name="Picture 2">
             <a:extLst>
               <a:ext uri="{FF2B5EF4-FFF2-40B4-BE49-F238E27FC236}">
-                <a16:creationId xmlns:a16="http://schemas.microsoft.com/office/drawing/2014/main" id="{AA6C3C0E-F24F-9763-AC2A-545FB7F3873E}"/>
+                <a16:creationId xmlns:a16="http://schemas.microsoft.com/office/drawing/2014/main" id="{AE7A4B4F-FF3E-EE90-2EAB-3CE9E1293A23}"/>
               </a:ext>
             </a:extLst>
           </p:cNvPr>
-          <p:cNvSpPr>
-            <a:spLocks noGrp="1"/>
-          </p:cNvSpPr>
-          <p:nvPr>
-            <p:ph type="ctrTitle"/>
-          </p:nvPr>
-        </p:nvSpPr>
-        <p:spPr/>
-        <p:txBody>
-          <a:bodyPr/>
-          <a:lstStyle/>
-          <a:p>
-            <a:r>
-              <a:rPr lang="ko-KR" altLang="en-US" dirty="0"/>
-              <a:t>구현 실습</a:t>
-            </a:r>
-          </a:p>
-        </p:txBody>
-      </p:sp>
-      <p:sp>
-        <p:nvSpPr>
-          <p:cNvPr id="5" name="부제목 4">
+          <p:cNvPicPr>
+            <a:picLocks noChangeAspect="1" noChangeArrowheads="1"/>
+          </p:cNvPicPr>
+          <p:nvPr/>
+        </p:nvPicPr>
+        <p:blipFill>
+          <a:blip r:embed="rId3">
+            <a:extLst>
+              <a:ext uri="{28A0092B-C50C-407E-A947-70E740481C1C}">
+                <a14:useLocalDpi xmlns:a14="http://schemas.microsoft.com/office/drawing/2010/main" val="0"/>
+              </a:ext>
+            </a:extLst>
+          </a:blip>
+          <a:srcRect/>
+          <a:stretch>
+            <a:fillRect/>
+          </a:stretch>
+        </p:blipFill>
+        <p:spPr bwMode="auto">
+          <a:xfrm>
+            <a:off x="987191" y="1171199"/>
+            <a:ext cx="4648678" cy="3951376"/>
+          </a:xfrm>
+          <a:prstGeom prst="rect">
+            <a:avLst/>
+          </a:prstGeom>
+          <a:noFill/>
+          <a:extLst>
+            <a:ext uri="{909E8E84-426E-40DD-AFC4-6F175D3DCCD1}">
+              <a14:hiddenFill xmlns:a14="http://schemas.microsoft.com/office/drawing/2010/main">
+                <a:solidFill>
+                  <a:srgbClr val="FFFFFF"/>
+                </a:solidFill>
+              </a14:hiddenFill>
+            </a:ext>
+          </a:extLst>
+        </p:spPr>
+      </p:pic>
+      <p:sp>
+        <p:nvSpPr>
+          <p:cNvPr id="2" name="제목 1">
             <a:extLst>
               <a:ext uri="{FF2B5EF4-FFF2-40B4-BE49-F238E27FC236}">
-                <a16:creationId xmlns:a16="http://schemas.microsoft.com/office/drawing/2014/main" id="{CAF74D28-A379-C9BB-D8F9-E3B6A7427E89}"/>
+                <a16:creationId xmlns:a16="http://schemas.microsoft.com/office/drawing/2014/main" id="{D21C1AA9-5E52-3A11-B3B3-447787E29D09}"/>
               </a:ext>
             </a:extLst>
           </p:cNvPr>
@@ -6131,7 +10094,7 @@
             <a:spLocks noGrp="1"/>
           </p:cNvSpPr>
           <p:nvPr>
-            <p:ph type="subTitle" idx="1"/>
+            <p:ph type="title"/>
           </p:nvPr>
         </p:nvSpPr>
         <p:spPr/>
@@ -6139,21 +10102,369 @@
           <a:bodyPr/>
           <a:lstStyle/>
           <a:p>
-            <a:pPr marL="0" indent="0" algn="r">
+            <a:r>
+              <a:rPr lang="en-US" altLang="ko-KR" dirty="0"/>
+              <a:t>Optimistic Lock</a:t>
+            </a:r>
+            <a:endParaRPr lang="ko-KR" altLang="en-US" dirty="0"/>
+          </a:p>
+        </p:txBody>
+      </p:sp>
+      <p:sp>
+        <p:nvSpPr>
+          <p:cNvPr id="7" name="Google Shape;209;p30">
+            <a:extLst>
+              <a:ext uri="{FF2B5EF4-FFF2-40B4-BE49-F238E27FC236}">
+                <a16:creationId xmlns:a16="http://schemas.microsoft.com/office/drawing/2014/main" id="{35F3E219-4EBB-8DE8-0966-E4317399395E}"/>
+              </a:ext>
+            </a:extLst>
+          </p:cNvPr>
+          <p:cNvSpPr/>
+          <p:nvPr/>
+        </p:nvSpPr>
+        <p:spPr>
+          <a:xfrm>
+            <a:off x="7811013" y="528014"/>
+            <a:ext cx="952500" cy="298200"/>
+          </a:xfrm>
+          <a:prstGeom prst="rect">
+            <a:avLst/>
+          </a:prstGeom>
+          <a:noFill/>
+          <a:ln>
+            <a:noFill/>
+          </a:ln>
+        </p:spPr>
+        <p:txBody>
+          <a:bodyPr spcFirstLastPara="1" wrap="square" lIns="19050" tIns="19050" rIns="19050" bIns="19050" anchor="t" anchorCtr="0">
+            <a:noAutofit/>
+          </a:bodyPr>
+          <a:lstStyle/>
+          <a:p>
+            <a:pPr marL="63500" marR="0" lvl="1" indent="0" algn="l" rtl="0">
+              <a:lnSpc>
+                <a:spcPct val="90000"/>
+              </a:lnSpc>
+              <a:spcBef>
+                <a:spcPts val="0"/>
+              </a:spcBef>
+              <a:spcAft>
+                <a:spcPts val="0"/>
+              </a:spcAft>
               <a:buNone/>
             </a:pPr>
             <a:r>
-              <a:rPr lang="en-US" altLang="ko-KR" dirty="0"/>
-              <a:t>Optimistic Lock</a:t>
-            </a:r>
-            <a:endParaRPr lang="ko-KR" altLang="en-US" dirty="0"/>
+              <a:rPr lang="en-US" altLang="ko" sz="1200" b="1" i="0" u="none" strike="noStrike" cap="none" dirty="0">
+                <a:solidFill>
+                  <a:schemeClr val="bg1"/>
+                </a:solidFill>
+                <a:latin typeface="Arial"/>
+                <a:ea typeface="Arial"/>
+                <a:cs typeface="Arial"/>
+                <a:sym typeface="Arial"/>
+              </a:rPr>
+              <a:t>9</a:t>
+            </a:r>
+            <a:r>
+              <a:rPr lang="ko" sz="1200" b="1" i="0" u="none" strike="noStrike" cap="none" dirty="0">
+                <a:solidFill>
+                  <a:schemeClr val="bg1"/>
+                </a:solidFill>
+                <a:latin typeface="Arial"/>
+                <a:ea typeface="Arial"/>
+                <a:cs typeface="Arial"/>
+                <a:sym typeface="Arial"/>
+              </a:rPr>
+              <a:t>.</a:t>
+            </a:r>
+            <a:endParaRPr sz="500" dirty="0">
+              <a:solidFill>
+                <a:schemeClr val="bg1"/>
+              </a:solidFill>
+            </a:endParaRPr>
+          </a:p>
+        </p:txBody>
+      </p:sp>
+      <p:sp>
+        <p:nvSpPr>
+          <p:cNvPr id="8" name="Google Shape;210;p30">
+            <a:extLst>
+              <a:ext uri="{FF2B5EF4-FFF2-40B4-BE49-F238E27FC236}">
+                <a16:creationId xmlns:a16="http://schemas.microsoft.com/office/drawing/2014/main" id="{8CB63A74-B5C7-DCAA-53F5-96E44004D694}"/>
+              </a:ext>
+            </a:extLst>
+          </p:cNvPr>
+          <p:cNvSpPr/>
+          <p:nvPr/>
+        </p:nvSpPr>
+        <p:spPr>
+          <a:xfrm>
+            <a:off x="7811013" y="825047"/>
+            <a:ext cx="952500" cy="293400"/>
+          </a:xfrm>
+          <a:prstGeom prst="rect">
+            <a:avLst/>
+          </a:prstGeom>
+          <a:noFill/>
+          <a:ln>
+            <a:noFill/>
+          </a:ln>
+        </p:spPr>
+        <p:txBody>
+          <a:bodyPr spcFirstLastPara="1" wrap="square" lIns="19050" tIns="19050" rIns="19050" bIns="19050" anchor="t" anchorCtr="0">
+            <a:noAutofit/>
+          </a:bodyPr>
+          <a:lstStyle/>
+          <a:p>
+            <a:pPr marL="63500" marR="0" lvl="1" indent="0" algn="l" rtl="0">
+              <a:spcBef>
+                <a:spcPts val="200"/>
+              </a:spcBef>
+              <a:spcAft>
+                <a:spcPts val="0"/>
+              </a:spcAft>
+              <a:buClr>
+                <a:srgbClr val="000000"/>
+              </a:buClr>
+              <a:buFont typeface="Arial"/>
+              <a:buNone/>
+            </a:pPr>
+            <a:r>
+              <a:rPr lang="en-US" sz="800" dirty="0">
+                <a:solidFill>
+                  <a:schemeClr val="bg1"/>
+                </a:solidFill>
+              </a:rPr>
+              <a:t>Lock</a:t>
+            </a:r>
+            <a:endParaRPr sz="800" dirty="0">
+              <a:solidFill>
+                <a:schemeClr val="bg1"/>
+              </a:solidFill>
+            </a:endParaRPr>
+          </a:p>
+        </p:txBody>
+      </p:sp>
+      <p:sp>
+        <p:nvSpPr>
+          <p:cNvPr id="3" name="TextBox 2">
+            <a:extLst>
+              <a:ext uri="{FF2B5EF4-FFF2-40B4-BE49-F238E27FC236}">
+                <a16:creationId xmlns:a16="http://schemas.microsoft.com/office/drawing/2014/main" id="{A4ACA7BF-0E72-CD95-AB60-50CFD7F9BECF}"/>
+              </a:ext>
+            </a:extLst>
+          </p:cNvPr>
+          <p:cNvSpPr txBox="1"/>
+          <p:nvPr/>
+        </p:nvSpPr>
+        <p:spPr>
+          <a:xfrm>
+            <a:off x="1925516" y="2343124"/>
+            <a:ext cx="899990" cy="276999"/>
+          </a:xfrm>
+          <a:prstGeom prst="rect">
+            <a:avLst/>
+          </a:prstGeom>
+          <a:noFill/>
+        </p:spPr>
+        <p:txBody>
+          <a:bodyPr wrap="none" rtlCol="0">
+            <a:spAutoFit/>
+          </a:bodyPr>
+          <a:lstStyle/>
+          <a:p>
+            <a:r>
+              <a:rPr lang="en-US" altLang="ko-KR" sz="1200" b="1" dirty="0">
+                <a:solidFill>
+                  <a:schemeClr val="accent3">
+                    <a:lumMod val="75000"/>
+                  </a:schemeClr>
+                </a:solidFill>
+              </a:rPr>
+              <a:t>get </a:t>
+            </a:r>
+            <a:r>
+              <a:rPr lang="en-US" altLang="ko-KR" sz="1200" b="1" dirty="0">
+                <a:solidFill>
+                  <a:srgbClr val="FF0000"/>
+                </a:solidFill>
+              </a:rPr>
+              <a:t>Version</a:t>
+            </a:r>
+            <a:endParaRPr lang="ko-KR" altLang="en-US" sz="1200" b="1" dirty="0">
+              <a:solidFill>
+                <a:srgbClr val="FF0000"/>
+              </a:solidFill>
+            </a:endParaRPr>
+          </a:p>
+        </p:txBody>
+      </p:sp>
+      <p:sp>
+        <p:nvSpPr>
+          <p:cNvPr id="4" name="TextBox 3">
+            <a:extLst>
+              <a:ext uri="{FF2B5EF4-FFF2-40B4-BE49-F238E27FC236}">
+                <a16:creationId xmlns:a16="http://schemas.microsoft.com/office/drawing/2014/main" id="{C00BE86F-9321-416F-D733-0AF6FCEF107F}"/>
+              </a:ext>
+            </a:extLst>
+          </p:cNvPr>
+          <p:cNvSpPr txBox="1"/>
+          <p:nvPr/>
+        </p:nvSpPr>
+        <p:spPr>
+          <a:xfrm>
+            <a:off x="3776813" y="2620123"/>
+            <a:ext cx="899990" cy="276999"/>
+          </a:xfrm>
+          <a:prstGeom prst="rect">
+            <a:avLst/>
+          </a:prstGeom>
+          <a:noFill/>
+        </p:spPr>
+        <p:txBody>
+          <a:bodyPr wrap="none" rtlCol="0">
+            <a:spAutoFit/>
+          </a:bodyPr>
+          <a:lstStyle/>
+          <a:p>
+            <a:r>
+              <a:rPr lang="en-US" altLang="ko-KR" sz="1200" b="1" dirty="0">
+                <a:solidFill>
+                  <a:schemeClr val="accent3">
+                    <a:lumMod val="75000"/>
+                  </a:schemeClr>
+                </a:solidFill>
+              </a:rPr>
+              <a:t>get </a:t>
+            </a:r>
+            <a:r>
+              <a:rPr lang="en-US" altLang="ko-KR" sz="1200" b="1" dirty="0">
+                <a:solidFill>
+                  <a:srgbClr val="FF0000"/>
+                </a:solidFill>
+              </a:rPr>
+              <a:t>Version</a:t>
+            </a:r>
+            <a:endParaRPr lang="ko-KR" altLang="en-US" sz="1200" b="1" dirty="0">
+              <a:solidFill>
+                <a:srgbClr val="FF0000"/>
+              </a:solidFill>
+            </a:endParaRPr>
+          </a:p>
+        </p:txBody>
+      </p:sp>
+      <p:sp>
+        <p:nvSpPr>
+          <p:cNvPr id="6" name="TextBox 5">
+            <a:extLst>
+              <a:ext uri="{FF2B5EF4-FFF2-40B4-BE49-F238E27FC236}">
+                <a16:creationId xmlns:a16="http://schemas.microsoft.com/office/drawing/2014/main" id="{50D0B692-CCDA-3EAF-CA04-C6265188A3A1}"/>
+              </a:ext>
+            </a:extLst>
+          </p:cNvPr>
+          <p:cNvSpPr txBox="1"/>
+          <p:nvPr/>
+        </p:nvSpPr>
+        <p:spPr>
+          <a:xfrm>
+            <a:off x="3793065" y="4276679"/>
+            <a:ext cx="820930" cy="276999"/>
+          </a:xfrm>
+          <a:prstGeom prst="rect">
+            <a:avLst/>
+          </a:prstGeom>
+          <a:noFill/>
+        </p:spPr>
+        <p:txBody>
+          <a:bodyPr wrap="none" rtlCol="0">
+            <a:spAutoFit/>
+          </a:bodyPr>
+          <a:lstStyle/>
+          <a:p>
+            <a:r>
+              <a:rPr lang="en-US" altLang="ko-KR" sz="1200" b="1" dirty="0">
+                <a:solidFill>
+                  <a:schemeClr val="accent3">
+                    <a:lumMod val="75000"/>
+                  </a:schemeClr>
+                </a:solidFill>
+              </a:rPr>
+              <a:t>in </a:t>
+            </a:r>
+            <a:r>
+              <a:rPr lang="en-US" altLang="ko-KR" sz="1200" b="1" dirty="0">
+                <a:solidFill>
+                  <a:srgbClr val="FF0000"/>
+                </a:solidFill>
+              </a:rPr>
+              <a:t>Version</a:t>
+            </a:r>
+            <a:endParaRPr lang="ko-KR" altLang="en-US" sz="1200" b="1" dirty="0">
+              <a:solidFill>
+                <a:srgbClr val="FF0000"/>
+              </a:solidFill>
+            </a:endParaRPr>
+          </a:p>
+        </p:txBody>
+      </p:sp>
+      <p:sp>
+        <p:nvSpPr>
+          <p:cNvPr id="10" name="TextBox 9">
+            <a:extLst>
+              <a:ext uri="{FF2B5EF4-FFF2-40B4-BE49-F238E27FC236}">
+                <a16:creationId xmlns:a16="http://schemas.microsoft.com/office/drawing/2014/main" id="{A79229D1-C3B4-5639-B536-EC8BD07D413C}"/>
+              </a:ext>
+            </a:extLst>
+          </p:cNvPr>
+          <p:cNvSpPr txBox="1"/>
+          <p:nvPr/>
+        </p:nvSpPr>
+        <p:spPr>
+          <a:xfrm>
+            <a:off x="1963616" y="3146156"/>
+            <a:ext cx="820930" cy="276999"/>
+          </a:xfrm>
+          <a:prstGeom prst="rect">
+            <a:avLst/>
+          </a:prstGeom>
+          <a:noFill/>
+        </p:spPr>
+        <p:txBody>
+          <a:bodyPr wrap="none" rtlCol="0">
+            <a:spAutoFit/>
+          </a:bodyPr>
+          <a:lstStyle/>
+          <a:p>
+            <a:r>
+              <a:rPr lang="en-US" altLang="ko-KR" sz="1200" b="1" dirty="0">
+                <a:solidFill>
+                  <a:schemeClr val="accent3">
+                    <a:lumMod val="75000"/>
+                  </a:schemeClr>
+                </a:solidFill>
+              </a:rPr>
+              <a:t>in </a:t>
+            </a:r>
+            <a:r>
+              <a:rPr lang="en-US" altLang="ko-KR" sz="1200" b="1" dirty="0">
+                <a:solidFill>
+                  <a:srgbClr val="FF0000"/>
+                </a:solidFill>
+              </a:rPr>
+              <a:t>Version</a:t>
+            </a:r>
+            <a:endParaRPr lang="ko-KR" altLang="en-US" sz="1200" b="1" dirty="0">
+              <a:solidFill>
+                <a:srgbClr val="FF0000"/>
+              </a:solidFill>
+            </a:endParaRPr>
           </a:p>
         </p:txBody>
       </p:sp>
     </p:spTree>
     <p:extLst>
       <p:ext uri="{BB962C8B-B14F-4D97-AF65-F5344CB8AC3E}">
-        <p14:creationId xmlns:p14="http://schemas.microsoft.com/office/powerpoint/2010/main" val="3532365668"/>
+        <p14:creationId xmlns:p14="http://schemas.microsoft.com/office/powerpoint/2010/main" val="4079067339"/>
       </p:ext>
     </p:extLst>
   </p:cSld>
@@ -6180,6 +10491,53 @@
           <a:chExt cx="0" cy="0"/>
         </a:xfrm>
       </p:grpSpPr>
+      <p:pic>
+        <p:nvPicPr>
+          <p:cNvPr id="3" name="Picture 2">
+            <a:extLst>
+              <a:ext uri="{FF2B5EF4-FFF2-40B4-BE49-F238E27FC236}">
+                <a16:creationId xmlns:a16="http://schemas.microsoft.com/office/drawing/2014/main" id="{01456057-0498-1927-4D20-E87DCDC39624}"/>
+              </a:ext>
+            </a:extLst>
+          </p:cNvPr>
+          <p:cNvPicPr>
+            <a:picLocks noChangeAspect="1" noChangeArrowheads="1"/>
+          </p:cNvPicPr>
+          <p:nvPr/>
+        </p:nvPicPr>
+        <p:blipFill>
+          <a:blip r:embed="rId3">
+            <a:extLst>
+              <a:ext uri="{28A0092B-C50C-407E-A947-70E740481C1C}">
+                <a14:useLocalDpi xmlns:a14="http://schemas.microsoft.com/office/drawing/2010/main" val="0"/>
+              </a:ext>
+            </a:extLst>
+          </a:blip>
+          <a:srcRect/>
+          <a:stretch>
+            <a:fillRect/>
+          </a:stretch>
+        </p:blipFill>
+        <p:spPr bwMode="auto">
+          <a:xfrm>
+            <a:off x="987191" y="1171199"/>
+            <a:ext cx="4648678" cy="3951376"/>
+          </a:xfrm>
+          <a:prstGeom prst="rect">
+            <a:avLst/>
+          </a:prstGeom>
+          <a:noFill/>
+          <a:extLst>
+            <a:ext uri="{909E8E84-426E-40DD-AFC4-6F175D3DCCD1}">
+              <a14:hiddenFill xmlns:a14="http://schemas.microsoft.com/office/drawing/2010/main">
+                <a:solidFill>
+                  <a:srgbClr val="FFFFFF"/>
+                </a:solidFill>
+              </a14:hiddenFill>
+            </a:ext>
+          </a:extLst>
+        </p:spPr>
+      </p:pic>
       <p:sp>
         <p:nvSpPr>
           <p:cNvPr id="2" name="제목 1">
@@ -6202,9 +10560,10 @@
           <a:lstStyle/>
           <a:p>
             <a:r>
-              <a:rPr lang="ko-KR" altLang="en-US" dirty="0"/>
-              <a:t>경합 시나리오</a:t>
-            </a:r>
+              <a:rPr lang="en-US" altLang="ko-KR" dirty="0"/>
+              <a:t>Pessimistic Lock</a:t>
+            </a:r>
+            <a:endParaRPr lang="ko-KR" altLang="en-US" dirty="0"/>
           </a:p>
         </p:txBody>
       </p:sp>
@@ -6343,42 +10702,12 @@
           </a:p>
         </p:txBody>
       </p:sp>
-      <p:pic>
-        <p:nvPicPr>
-          <p:cNvPr id="11" name="그림 10">
+      <p:sp>
+        <p:nvSpPr>
+          <p:cNvPr id="4" name="TextBox 3">
             <a:extLst>
               <a:ext uri="{FF2B5EF4-FFF2-40B4-BE49-F238E27FC236}">
-                <a16:creationId xmlns:a16="http://schemas.microsoft.com/office/drawing/2014/main" id="{5370AF22-F9D9-9F9B-80AD-F65B0788878F}"/>
-              </a:ext>
-            </a:extLst>
-          </p:cNvPr>
-          <p:cNvPicPr>
-            <a:picLocks noChangeAspect="1"/>
-          </p:cNvPicPr>
-          <p:nvPr/>
-        </p:nvPicPr>
-        <p:blipFill>
-          <a:blip r:embed="rId3"/>
-          <a:stretch>
-            <a:fillRect/>
-          </a:stretch>
-        </p:blipFill>
-        <p:spPr>
-          <a:xfrm>
-            <a:off x="1000254" y="1206367"/>
-            <a:ext cx="4592688" cy="3903785"/>
-          </a:xfrm>
-          <a:prstGeom prst="rect">
-            <a:avLst/>
-          </a:prstGeom>
-        </p:spPr>
-      </p:pic>
-      <p:sp>
-        <p:nvSpPr>
-          <p:cNvPr id="3" name="TextBox 2">
-            <a:extLst>
-              <a:ext uri="{FF2B5EF4-FFF2-40B4-BE49-F238E27FC236}">
-                <a16:creationId xmlns:a16="http://schemas.microsoft.com/office/drawing/2014/main" id="{A4ACA7BF-0E72-CD95-AB60-50CFD7F9BECF}"/>
+                <a16:creationId xmlns:a16="http://schemas.microsoft.com/office/drawing/2014/main" id="{A503A91F-C967-3A21-7D83-E9FA0E6AFA6A}"/>
               </a:ext>
             </a:extLst>
           </p:cNvPr>
@@ -6387,8 +10716,8 @@
         </p:nvSpPr>
         <p:spPr>
           <a:xfrm>
-            <a:off x="1855178" y="2343124"/>
-            <a:ext cx="989245" cy="276999"/>
+            <a:off x="1925516" y="2343124"/>
+            <a:ext cx="984757" cy="276999"/>
           </a:xfrm>
           <a:prstGeom prst="rect">
             <a:avLst/>
@@ -6404,20 +10733,10 @@
             <a:r>
               <a:rPr lang="en-US" altLang="ko-KR" sz="1200" b="1" dirty="0">
                 <a:solidFill>
-                  <a:schemeClr val="accent3">
-                    <a:lumMod val="75000"/>
-                  </a:schemeClr>
-                </a:solidFill>
-              </a:rPr>
-              <a:t>with </a:t>
-            </a:r>
-            <a:r>
-              <a:rPr lang="en-US" altLang="ko-KR" sz="1200" b="1" dirty="0">
-                <a:solidFill>
                   <a:srgbClr val="FF0000"/>
                 </a:solidFill>
               </a:rPr>
-              <a:t>Version</a:t>
+              <a:t>Locking Row</a:t>
             </a:r>
             <a:endParaRPr lang="ko-KR" altLang="en-US" sz="1200" b="1" dirty="0">
               <a:solidFill>
@@ -6429,10 +10748,10 @@
       </p:sp>
       <p:sp>
         <p:nvSpPr>
-          <p:cNvPr id="4" name="TextBox 3">
+          <p:cNvPr id="5" name="TextBox 4">
             <a:extLst>
               <a:ext uri="{FF2B5EF4-FFF2-40B4-BE49-F238E27FC236}">
-                <a16:creationId xmlns:a16="http://schemas.microsoft.com/office/drawing/2014/main" id="{C00BE86F-9321-416F-D733-0AF6FCEF107F}"/>
+                <a16:creationId xmlns:a16="http://schemas.microsoft.com/office/drawing/2014/main" id="{0A2BEDA9-CCA9-1AC5-52C5-D5482936432A}"/>
               </a:ext>
             </a:extLst>
           </p:cNvPr>
@@ -6441,8 +10760,8 @@
         </p:nvSpPr>
         <p:spPr>
           <a:xfrm>
-            <a:off x="3724060" y="2620123"/>
-            <a:ext cx="989245" cy="276999"/>
+            <a:off x="3739662" y="2620123"/>
+            <a:ext cx="984757" cy="276999"/>
           </a:xfrm>
           <a:prstGeom prst="rect">
             <a:avLst/>
@@ -6458,24 +10777,20 @@
             <a:r>
               <a:rPr lang="en-US" altLang="ko-KR" sz="1200" b="1" dirty="0">
                 <a:solidFill>
-                  <a:schemeClr val="accent3">
-                    <a:lumMod val="75000"/>
+                  <a:schemeClr val="accent2">
+                    <a:lumMod val="60000"/>
+                    <a:lumOff val="40000"/>
                   </a:schemeClr>
                 </a:solidFill>
               </a:rPr>
-              <a:t>with </a:t>
-            </a:r>
-            <a:r>
-              <a:rPr lang="en-US" altLang="ko-KR" sz="1200" b="1" dirty="0">
-                <a:solidFill>
-                  <a:srgbClr val="FF0000"/>
-                </a:solidFill>
-              </a:rPr>
-              <a:t>Version</a:t>
+              <a:t>Locking Row</a:t>
             </a:r>
             <a:endParaRPr lang="ko-KR" altLang="en-US" sz="1200" b="1" dirty="0">
               <a:solidFill>
-                <a:srgbClr val="FF0000"/>
+                <a:schemeClr val="accent2">
+                  <a:lumMod val="60000"/>
+                  <a:lumOff val="40000"/>
+                </a:schemeClr>
               </a:solidFill>
             </a:endParaRPr>
           </a:p>
@@ -6483,10 +10798,10 @@
       </p:sp>
       <p:sp>
         <p:nvSpPr>
-          <p:cNvPr id="5" name="TextBox 4">
+          <p:cNvPr id="6" name="TextBox 5">
             <a:extLst>
               <a:ext uri="{FF2B5EF4-FFF2-40B4-BE49-F238E27FC236}">
-                <a16:creationId xmlns:a16="http://schemas.microsoft.com/office/drawing/2014/main" id="{4168C9D7-3B3E-195D-395D-E510B865962E}"/>
+                <a16:creationId xmlns:a16="http://schemas.microsoft.com/office/drawing/2014/main" id="{65409F3E-D1AA-B7D9-18A1-AB1936C81157}"/>
               </a:ext>
             </a:extLst>
           </p:cNvPr>
@@ -6495,8 +10810,8 @@
         </p:nvSpPr>
         <p:spPr>
           <a:xfrm>
-            <a:off x="1910864" y="4285471"/>
-            <a:ext cx="1104533" cy="276999"/>
+            <a:off x="3742612" y="3968062"/>
+            <a:ext cx="984757" cy="276999"/>
           </a:xfrm>
           <a:prstGeom prst="rect">
             <a:avLst/>
@@ -6512,20 +10827,10 @@
             <a:r>
               <a:rPr lang="en-US" altLang="ko-KR" sz="1200" b="1" dirty="0">
                 <a:solidFill>
-                  <a:schemeClr val="accent3">
-                    <a:lumMod val="75000"/>
-                  </a:schemeClr>
-                </a:solidFill>
-              </a:rPr>
-              <a:t>where </a:t>
-            </a:r>
-            <a:r>
-              <a:rPr lang="en-US" altLang="ko-KR" sz="1200" b="1" dirty="0">
-                <a:solidFill>
                   <a:srgbClr val="FF0000"/>
                 </a:solidFill>
               </a:rPr>
-              <a:t>Version</a:t>
+              <a:t>Locking Row</a:t>
             </a:r>
             <a:endParaRPr lang="ko-KR" altLang="en-US" sz="1200" b="1" dirty="0">
               <a:solidFill>
@@ -6535,64 +10840,58 @@
           </a:p>
         </p:txBody>
       </p:sp>
-      <p:sp>
-        <p:nvSpPr>
-          <p:cNvPr id="6" name="TextBox 5">
+      <p:cxnSp>
+        <p:nvCxnSpPr>
+          <p:cNvPr id="10" name="직선 화살표 연결선 9">
             <a:extLst>
               <a:ext uri="{FF2B5EF4-FFF2-40B4-BE49-F238E27FC236}">
-                <a16:creationId xmlns:a16="http://schemas.microsoft.com/office/drawing/2014/main" id="{50D0B692-CCDA-3EAF-CA04-C6265188A3A1}"/>
+                <a16:creationId xmlns:a16="http://schemas.microsoft.com/office/drawing/2014/main" id="{9B7A8CFF-2207-BEE6-9489-2D4F5B444932}"/>
               </a:ext>
             </a:extLst>
           </p:cNvPr>
-          <p:cNvSpPr txBox="1"/>
+          <p:cNvCxnSpPr>
+            <a:stCxn id="5" idx="2"/>
+            <a:endCxn id="6" idx="0"/>
+          </p:cNvCxnSpPr>
           <p:nvPr/>
-        </p:nvSpPr>
+        </p:nvCxnSpPr>
         <p:spPr>
           <a:xfrm>
-            <a:off x="3666415" y="3250910"/>
-            <a:ext cx="1104533" cy="276999"/>
+            <a:off x="4232041" y="2897122"/>
+            <a:ext cx="2950" cy="1070940"/>
           </a:xfrm>
-          <a:prstGeom prst="rect">
+          <a:prstGeom prst="straightConnector1">
             <a:avLst/>
           </a:prstGeom>
-          <a:noFill/>
+          <a:ln>
+            <a:solidFill>
+              <a:schemeClr val="accent2">
+                <a:lumMod val="75000"/>
+              </a:schemeClr>
+            </a:solidFill>
+            <a:prstDash val="dash"/>
+            <a:tailEnd type="triangle"/>
+          </a:ln>
         </p:spPr>
-        <p:txBody>
-          <a:bodyPr wrap="none" rtlCol="0">
-            <a:spAutoFit/>
-          </a:bodyPr>
-          <a:lstStyle/>
-          <a:p>
-            <a:r>
-              <a:rPr lang="en-US" altLang="ko-KR" sz="1200" b="1" dirty="0">
-                <a:solidFill>
-                  <a:schemeClr val="accent3">
-                    <a:lumMod val="75000"/>
-                  </a:schemeClr>
-                </a:solidFill>
-              </a:rPr>
-              <a:t>where </a:t>
-            </a:r>
-            <a:r>
-              <a:rPr lang="en-US" altLang="ko-KR" sz="1200" b="1" dirty="0">
-                <a:solidFill>
-                  <a:srgbClr val="FF0000"/>
-                </a:solidFill>
-              </a:rPr>
-              <a:t>Version</a:t>
-            </a:r>
-            <a:endParaRPr lang="ko-KR" altLang="en-US" sz="1200" b="1" dirty="0">
-              <a:solidFill>
-                <a:srgbClr val="FF0000"/>
-              </a:solidFill>
-            </a:endParaRPr>
-          </a:p>
-        </p:txBody>
-      </p:sp>
+        <p:style>
+          <a:lnRef idx="1">
+            <a:schemeClr val="accent1"/>
+          </a:lnRef>
+          <a:fillRef idx="0">
+            <a:schemeClr val="accent1"/>
+          </a:fillRef>
+          <a:effectRef idx="0">
+            <a:schemeClr val="accent1"/>
+          </a:effectRef>
+          <a:fontRef idx="minor">
+            <a:schemeClr val="tx1"/>
+          </a:fontRef>
+        </p:style>
+      </p:cxnSp>
     </p:spTree>
     <p:extLst>
       <p:ext uri="{BB962C8B-B14F-4D97-AF65-F5344CB8AC3E}">
-        <p14:creationId xmlns:p14="http://schemas.microsoft.com/office/powerpoint/2010/main" val="4079067339"/>
+        <p14:creationId xmlns:p14="http://schemas.microsoft.com/office/powerpoint/2010/main" val="243783024"/>
       </p:ext>
     </p:extLst>
   </p:cSld>
@@ -6673,7 +10972,7 @@
             </a:pPr>
             <a:r>
               <a:rPr lang="en-US" altLang="ko-KR" dirty="0"/>
-              <a:t>Pessimistic Lock</a:t>
+              <a:t>Optimistic Lock &amp; Pessimistic Lock</a:t>
             </a:r>
             <a:endParaRPr lang="ko-KR" altLang="en-US" dirty="0"/>
           </a:p>
@@ -6682,7 +10981,7 @@
     </p:spTree>
     <p:extLst>
       <p:ext uri="{BB962C8B-B14F-4D97-AF65-F5344CB8AC3E}">
-        <p14:creationId xmlns:p14="http://schemas.microsoft.com/office/powerpoint/2010/main" val="2179943820"/>
+        <p14:creationId xmlns:p14="http://schemas.microsoft.com/office/powerpoint/2010/main" val="3532365668"/>
       </p:ext>
     </p:extLst>
   </p:cSld>
@@ -6709,6 +11008,53 @@
           <a:chExt cx="0" cy="0"/>
         </a:xfrm>
       </p:grpSpPr>
+      <p:pic>
+        <p:nvPicPr>
+          <p:cNvPr id="4" name="Picture 2">
+            <a:extLst>
+              <a:ext uri="{FF2B5EF4-FFF2-40B4-BE49-F238E27FC236}">
+                <a16:creationId xmlns:a16="http://schemas.microsoft.com/office/drawing/2014/main" id="{95CB259A-8F0A-AB26-D84A-8281ED8FD9F2}"/>
+              </a:ext>
+            </a:extLst>
+          </p:cNvPr>
+          <p:cNvPicPr>
+            <a:picLocks noChangeAspect="1" noChangeArrowheads="1"/>
+          </p:cNvPicPr>
+          <p:nvPr/>
+        </p:nvPicPr>
+        <p:blipFill>
+          <a:blip r:embed="rId3">
+            <a:extLst>
+              <a:ext uri="{28A0092B-C50C-407E-A947-70E740481C1C}">
+                <a14:useLocalDpi xmlns:a14="http://schemas.microsoft.com/office/drawing/2010/main" val="0"/>
+              </a:ext>
+            </a:extLst>
+          </a:blip>
+          <a:srcRect/>
+          <a:stretch>
+            <a:fillRect/>
+          </a:stretch>
+        </p:blipFill>
+        <p:spPr bwMode="auto">
+          <a:xfrm>
+            <a:off x="987191" y="1171199"/>
+            <a:ext cx="4648678" cy="3951376"/>
+          </a:xfrm>
+          <a:prstGeom prst="rect">
+            <a:avLst/>
+          </a:prstGeom>
+          <a:noFill/>
+          <a:extLst>
+            <a:ext uri="{909E8E84-426E-40DD-AFC4-6F175D3DCCD1}">
+              <a14:hiddenFill xmlns:a14="http://schemas.microsoft.com/office/drawing/2010/main">
+                <a:solidFill>
+                  <a:srgbClr val="FFFFFF"/>
+                </a:solidFill>
+              </a14:hiddenFill>
+            </a:ext>
+          </a:extLst>
+        </p:spPr>
+      </p:pic>
       <p:sp>
         <p:nvSpPr>
           <p:cNvPr id="2" name="제목 1">
@@ -6731,9 +11077,10 @@
           <a:lstStyle/>
           <a:p>
             <a:r>
-              <a:rPr lang="ko-KR" altLang="en-US" dirty="0"/>
-              <a:t>경합 시나리오</a:t>
-            </a:r>
+              <a:rPr lang="en-US" altLang="ko-KR" dirty="0"/>
+              <a:t>Distributed Lock</a:t>
+            </a:r>
+            <a:endParaRPr lang="ko-KR" altLang="en-US" dirty="0"/>
           </a:p>
         </p:txBody>
       </p:sp>
@@ -6872,623 +11219,131 @@
           </a:p>
         </p:txBody>
       </p:sp>
-      <p:pic>
-        <p:nvPicPr>
-          <p:cNvPr id="11" name="그림 10">
+      <p:grpSp>
+        <p:nvGrpSpPr>
+          <p:cNvPr id="13" name="그룹 12">
             <a:extLst>
               <a:ext uri="{FF2B5EF4-FFF2-40B4-BE49-F238E27FC236}">
-                <a16:creationId xmlns:a16="http://schemas.microsoft.com/office/drawing/2014/main" id="{5370AF22-F9D9-9F9B-80AD-F65B0788878F}"/>
+                <a16:creationId xmlns:a16="http://schemas.microsoft.com/office/drawing/2014/main" id="{C9A92936-8624-A53D-1354-B155F3D91B46}"/>
               </a:ext>
             </a:extLst>
           </p:cNvPr>
-          <p:cNvPicPr>
-            <a:picLocks noChangeAspect="1"/>
-          </p:cNvPicPr>
+          <p:cNvGrpSpPr/>
           <p:nvPr/>
-        </p:nvPicPr>
-        <p:blipFill>
-          <a:blip r:embed="rId3"/>
-          <a:stretch>
-            <a:fillRect/>
-          </a:stretch>
-        </p:blipFill>
-        <p:spPr>
+        </p:nvGrpSpPr>
+        <p:grpSpPr>
           <a:xfrm>
-            <a:off x="1000254" y="1206367"/>
-            <a:ext cx="4592688" cy="3903785"/>
+            <a:off x="6335737" y="1206368"/>
+            <a:ext cx="967154" cy="3903784"/>
+            <a:chOff x="6335737" y="1206368"/>
+            <a:chExt cx="967154" cy="3903784"/>
           </a:xfrm>
-          <a:prstGeom prst="rect">
-            <a:avLst/>
-          </a:prstGeom>
-        </p:spPr>
-      </p:pic>
-      <p:sp>
-        <p:nvSpPr>
-          <p:cNvPr id="17" name="TextBox 16">
-            <a:extLst>
-              <a:ext uri="{FF2B5EF4-FFF2-40B4-BE49-F238E27FC236}">
-                <a16:creationId xmlns:a16="http://schemas.microsoft.com/office/drawing/2014/main" id="{67BB8486-1FC7-CB94-C5C5-3DFEB613BAFE}"/>
-              </a:ext>
-            </a:extLst>
-          </p:cNvPr>
-          <p:cNvSpPr txBox="1"/>
-          <p:nvPr/>
-        </p:nvSpPr>
-        <p:spPr>
-          <a:xfrm>
-            <a:off x="1855178" y="2343124"/>
-            <a:ext cx="1066254" cy="276999"/>
-          </a:xfrm>
-          <a:prstGeom prst="rect">
-            <a:avLst/>
-          </a:prstGeom>
-          <a:noFill/>
-        </p:spPr>
-        <p:txBody>
-          <a:bodyPr wrap="none" rtlCol="0">
-            <a:spAutoFit/>
-          </a:bodyPr>
-          <a:lstStyle/>
-          <a:p>
-            <a:r>
-              <a:rPr lang="en-US" altLang="ko-KR" sz="1200" b="1" dirty="0">
-                <a:solidFill>
-                  <a:srgbClr val="FF0000"/>
-                </a:solidFill>
-              </a:rPr>
-              <a:t>&amp; Transaction</a:t>
-            </a:r>
-            <a:endParaRPr lang="ko-KR" altLang="en-US" sz="1200" b="1" dirty="0">
+        </p:grpSpPr>
+        <p:sp>
+          <p:nvSpPr>
+            <p:cNvPr id="3" name="사각형: 둥근 모서리 2">
+              <a:extLst>
+                <a:ext uri="{FF2B5EF4-FFF2-40B4-BE49-F238E27FC236}">
+                  <a16:creationId xmlns:a16="http://schemas.microsoft.com/office/drawing/2014/main" id="{73503748-8D0A-74E6-7F4B-4D7C029FB4CB}"/>
+                </a:ext>
+              </a:extLst>
+            </p:cNvPr>
+            <p:cNvSpPr/>
+            <p:nvPr/>
+          </p:nvSpPr>
+          <p:spPr>
+            <a:xfrm>
+              <a:off x="6335737" y="1206368"/>
+              <a:ext cx="967154" cy="358664"/>
+            </a:xfrm>
+            <a:prstGeom prst="roundRect">
+              <a:avLst/>
+            </a:prstGeom>
+            <a:ln>
               <a:solidFill>
                 <a:srgbClr val="FF0000"/>
               </a:solidFill>
-            </a:endParaRPr>
-          </a:p>
-        </p:txBody>
-      </p:sp>
-      <p:cxnSp>
-        <p:nvCxnSpPr>
-          <p:cNvPr id="19" name="직선 연결선 18">
-            <a:extLst>
-              <a:ext uri="{FF2B5EF4-FFF2-40B4-BE49-F238E27FC236}">
-                <a16:creationId xmlns:a16="http://schemas.microsoft.com/office/drawing/2014/main" id="{E0042F34-1321-0756-6AE3-A63344826CE5}"/>
-              </a:ext>
-            </a:extLst>
-          </p:cNvPr>
-          <p:cNvCxnSpPr/>
-          <p:nvPr/>
-        </p:nvCxnSpPr>
-        <p:spPr>
-          <a:xfrm flipH="1">
-            <a:off x="1855178" y="3912577"/>
-            <a:ext cx="1066254" cy="237392"/>
-          </a:xfrm>
-          <a:prstGeom prst="line">
-            <a:avLst/>
-          </a:prstGeom>
-          <a:ln>
-            <a:solidFill>
-              <a:srgbClr val="FF0000"/>
-            </a:solidFill>
-          </a:ln>
-        </p:spPr>
-        <p:style>
-          <a:lnRef idx="1">
-            <a:schemeClr val="accent1"/>
-          </a:lnRef>
-          <a:fillRef idx="0">
-            <a:schemeClr val="accent1"/>
-          </a:fillRef>
-          <a:effectRef idx="0">
-            <a:schemeClr val="accent1"/>
-          </a:effectRef>
-          <a:fontRef idx="minor">
-            <a:schemeClr val="tx1"/>
-          </a:fontRef>
-        </p:style>
-      </p:cxnSp>
-      <p:cxnSp>
-        <p:nvCxnSpPr>
-          <p:cNvPr id="20" name="직선 연결선 19">
-            <a:extLst>
-              <a:ext uri="{FF2B5EF4-FFF2-40B4-BE49-F238E27FC236}">
-                <a16:creationId xmlns:a16="http://schemas.microsoft.com/office/drawing/2014/main" id="{8132F5C3-6F1E-A0DB-A1AE-FDBA1968FA66}"/>
-              </a:ext>
-            </a:extLst>
-          </p:cNvPr>
-          <p:cNvCxnSpPr/>
-          <p:nvPr/>
-        </p:nvCxnSpPr>
-        <p:spPr>
-          <a:xfrm flipH="1">
-            <a:off x="3678117" y="2842846"/>
-            <a:ext cx="1066254" cy="237392"/>
-          </a:xfrm>
-          <a:prstGeom prst="line">
-            <a:avLst/>
-          </a:prstGeom>
-          <a:ln>
-            <a:solidFill>
-              <a:srgbClr val="FF0000"/>
-            </a:solidFill>
-          </a:ln>
-        </p:spPr>
-        <p:style>
-          <a:lnRef idx="1">
-            <a:schemeClr val="accent1"/>
-          </a:lnRef>
-          <a:fillRef idx="0">
-            <a:schemeClr val="accent1"/>
-          </a:fillRef>
-          <a:effectRef idx="0">
-            <a:schemeClr val="accent1"/>
-          </a:effectRef>
-          <a:fontRef idx="minor">
-            <a:schemeClr val="tx1"/>
-          </a:fontRef>
-        </p:style>
-      </p:cxnSp>
-      <p:sp>
-        <p:nvSpPr>
-          <p:cNvPr id="21" name="TextBox 20">
-            <a:extLst>
-              <a:ext uri="{FF2B5EF4-FFF2-40B4-BE49-F238E27FC236}">
-                <a16:creationId xmlns:a16="http://schemas.microsoft.com/office/drawing/2014/main" id="{18094E18-19A2-EC98-0C89-436189F69339}"/>
-              </a:ext>
-            </a:extLst>
-          </p:cNvPr>
-          <p:cNvSpPr txBox="1"/>
-          <p:nvPr/>
-        </p:nvSpPr>
-        <p:spPr>
-          <a:xfrm>
-            <a:off x="3678117" y="2604731"/>
-            <a:ext cx="1066254" cy="276999"/>
-          </a:xfrm>
-          <a:prstGeom prst="rect">
-            <a:avLst/>
-          </a:prstGeom>
-          <a:noFill/>
-        </p:spPr>
-        <p:txBody>
-          <a:bodyPr wrap="none" rtlCol="0">
-            <a:spAutoFit/>
-          </a:bodyPr>
-          <a:lstStyle/>
-          <a:p>
-            <a:r>
-              <a:rPr lang="en-US" altLang="ko-KR" sz="1200" b="1" dirty="0">
+            </a:ln>
+          </p:spPr>
+          <p:style>
+            <a:lnRef idx="2">
+              <a:schemeClr val="dk1"/>
+            </a:lnRef>
+            <a:fillRef idx="1">
+              <a:schemeClr val="lt1"/>
+            </a:fillRef>
+            <a:effectRef idx="0">
+              <a:schemeClr val="dk1"/>
+            </a:effectRef>
+            <a:fontRef idx="minor">
+              <a:schemeClr val="dk1"/>
+            </a:fontRef>
+          </p:style>
+          <p:txBody>
+            <a:bodyPr rtlCol="0" anchor="ctr"/>
+            <a:lstStyle/>
+            <a:p>
+              <a:pPr algn="ctr"/>
+              <a:r>
+                <a:rPr lang="en-US" altLang="ko-KR" sz="1200" b="1" dirty="0">
+                  <a:solidFill>
+                    <a:srgbClr val="C00000"/>
+                  </a:solidFill>
+                </a:rPr>
+                <a:t>Locker</a:t>
+              </a:r>
+              <a:endParaRPr lang="ko-KR" altLang="en-US" sz="1200" b="1" dirty="0">
                 <a:solidFill>
-                  <a:srgbClr val="FF0000"/>
+                  <a:srgbClr val="C00000"/>
                 </a:solidFill>
-              </a:rPr>
-              <a:t>&amp; Transaction</a:t>
-            </a:r>
-            <a:endParaRPr lang="ko-KR" altLang="en-US" sz="1200" b="1" dirty="0">
+              </a:endParaRPr>
+            </a:p>
+          </p:txBody>
+        </p:sp>
+        <p:cxnSp>
+          <p:nvCxnSpPr>
+            <p:cNvPr id="5" name="직선 연결선 4">
+              <a:extLst>
+                <a:ext uri="{FF2B5EF4-FFF2-40B4-BE49-F238E27FC236}">
+                  <a16:creationId xmlns:a16="http://schemas.microsoft.com/office/drawing/2014/main" id="{F0466F2B-224A-1884-3DBE-DF9B51A0ADAB}"/>
+                </a:ext>
+              </a:extLst>
+            </p:cNvPr>
+            <p:cNvCxnSpPr>
+              <a:stCxn id="3" idx="2"/>
+            </p:cNvCxnSpPr>
+            <p:nvPr/>
+          </p:nvCxnSpPr>
+          <p:spPr>
+            <a:xfrm>
+              <a:off x="6819314" y="1565032"/>
+              <a:ext cx="35169" cy="3545120"/>
+            </a:xfrm>
+            <a:prstGeom prst="line">
+              <a:avLst/>
+            </a:prstGeom>
+            <a:ln>
               <a:solidFill>
                 <a:srgbClr val="FF0000"/>
               </a:solidFill>
-            </a:endParaRPr>
-          </a:p>
-        </p:txBody>
-      </p:sp>
-    </p:spTree>
-    <p:extLst>
-      <p:ext uri="{BB962C8B-B14F-4D97-AF65-F5344CB8AC3E}">
-        <p14:creationId xmlns:p14="http://schemas.microsoft.com/office/powerpoint/2010/main" val="243783024"/>
-      </p:ext>
-    </p:extLst>
-  </p:cSld>
-  <p:clrMapOvr>
-    <a:masterClrMapping/>
-  </p:clrMapOvr>
-</p:sld>
-</file>
-
-<file path=ppt/slides/slide24.xml><?xml version="1.0" encoding="utf-8"?>
-<p:sld xmlns:a="http://schemas.openxmlformats.org/drawingml/2006/main" xmlns:r="http://schemas.openxmlformats.org/officeDocument/2006/relationships" xmlns:p="http://schemas.openxmlformats.org/presentationml/2006/main">
-  <p:cSld>
-    <p:spTree>
-      <p:nvGrpSpPr>
-        <p:cNvPr id="1" name=""/>
-        <p:cNvGrpSpPr/>
-        <p:nvPr/>
-      </p:nvGrpSpPr>
-      <p:grpSpPr>
-        <a:xfrm>
-          <a:off x="0" y="0"/>
-          <a:ext cx="0" cy="0"/>
-          <a:chOff x="0" y="0"/>
-          <a:chExt cx="0" cy="0"/>
-        </a:xfrm>
-      </p:grpSpPr>
-      <p:sp>
-        <p:nvSpPr>
-          <p:cNvPr id="4" name="제목 3">
-            <a:extLst>
-              <a:ext uri="{FF2B5EF4-FFF2-40B4-BE49-F238E27FC236}">
-                <a16:creationId xmlns:a16="http://schemas.microsoft.com/office/drawing/2014/main" id="{AA6C3C0E-F24F-9763-AC2A-545FB7F3873E}"/>
-              </a:ext>
-            </a:extLst>
-          </p:cNvPr>
-          <p:cNvSpPr>
-            <a:spLocks noGrp="1"/>
-          </p:cNvSpPr>
-          <p:nvPr>
-            <p:ph type="ctrTitle"/>
-          </p:nvPr>
-        </p:nvSpPr>
-        <p:spPr/>
-        <p:txBody>
-          <a:bodyPr/>
-          <a:lstStyle/>
-          <a:p>
-            <a:r>
-              <a:rPr lang="ko-KR" altLang="en-US" dirty="0"/>
-              <a:t>구현 실습</a:t>
-            </a:r>
-          </a:p>
-        </p:txBody>
-      </p:sp>
-      <p:sp>
-        <p:nvSpPr>
-          <p:cNvPr id="5" name="부제목 4">
-            <a:extLst>
-              <a:ext uri="{FF2B5EF4-FFF2-40B4-BE49-F238E27FC236}">
-                <a16:creationId xmlns:a16="http://schemas.microsoft.com/office/drawing/2014/main" id="{CAF74D28-A379-C9BB-D8F9-E3B6A7427E89}"/>
-              </a:ext>
-            </a:extLst>
-          </p:cNvPr>
-          <p:cNvSpPr>
-            <a:spLocks noGrp="1"/>
-          </p:cNvSpPr>
-          <p:nvPr>
-            <p:ph type="subTitle" idx="1"/>
-          </p:nvPr>
-        </p:nvSpPr>
-        <p:spPr/>
-        <p:txBody>
-          <a:bodyPr/>
-          <a:lstStyle/>
-          <a:p>
-            <a:pPr marL="0" indent="0" algn="r">
-              <a:buNone/>
-            </a:pPr>
-            <a:r>
-              <a:rPr lang="en-US" altLang="ko-KR" dirty="0"/>
-              <a:t>Distributed Lock</a:t>
-            </a:r>
-            <a:endParaRPr lang="ko-KR" altLang="en-US" dirty="0"/>
-          </a:p>
-        </p:txBody>
-      </p:sp>
-    </p:spTree>
-    <p:extLst>
-      <p:ext uri="{BB962C8B-B14F-4D97-AF65-F5344CB8AC3E}">
-        <p14:creationId xmlns:p14="http://schemas.microsoft.com/office/powerpoint/2010/main" val="4005433968"/>
-      </p:ext>
-    </p:extLst>
-  </p:cSld>
-  <p:clrMapOvr>
-    <a:masterClrMapping/>
-  </p:clrMapOvr>
-</p:sld>
-</file>
-
-<file path=ppt/slides/slide25.xml><?xml version="1.0" encoding="utf-8"?>
-<p:sld xmlns:a="http://schemas.openxmlformats.org/drawingml/2006/main" xmlns:r="http://schemas.openxmlformats.org/officeDocument/2006/relationships" xmlns:p="http://schemas.openxmlformats.org/presentationml/2006/main">
-  <p:cSld>
-    <p:spTree>
-      <p:nvGrpSpPr>
-        <p:cNvPr id="1" name=""/>
-        <p:cNvGrpSpPr/>
-        <p:nvPr/>
-      </p:nvGrpSpPr>
-      <p:grpSpPr>
-        <a:xfrm>
-          <a:off x="0" y="0"/>
-          <a:ext cx="0" cy="0"/>
-          <a:chOff x="0" y="0"/>
-          <a:chExt cx="0" cy="0"/>
-        </a:xfrm>
-      </p:grpSpPr>
-      <p:sp>
-        <p:nvSpPr>
-          <p:cNvPr id="2" name="제목 1">
-            <a:extLst>
-              <a:ext uri="{FF2B5EF4-FFF2-40B4-BE49-F238E27FC236}">
-                <a16:creationId xmlns:a16="http://schemas.microsoft.com/office/drawing/2014/main" id="{D21C1AA9-5E52-3A11-B3B3-447787E29D09}"/>
-              </a:ext>
-            </a:extLst>
-          </p:cNvPr>
-          <p:cNvSpPr>
-            <a:spLocks noGrp="1"/>
-          </p:cNvSpPr>
-          <p:nvPr>
-            <p:ph type="title"/>
-          </p:nvPr>
-        </p:nvSpPr>
-        <p:spPr/>
-        <p:txBody>
-          <a:bodyPr/>
-          <a:lstStyle/>
-          <a:p>
-            <a:r>
-              <a:rPr lang="ko-KR" altLang="en-US" dirty="0"/>
-              <a:t>경합 시나리오</a:t>
-            </a:r>
-          </a:p>
-        </p:txBody>
-      </p:sp>
-      <p:sp>
-        <p:nvSpPr>
-          <p:cNvPr id="7" name="Google Shape;209;p30">
-            <a:extLst>
-              <a:ext uri="{FF2B5EF4-FFF2-40B4-BE49-F238E27FC236}">
-                <a16:creationId xmlns:a16="http://schemas.microsoft.com/office/drawing/2014/main" id="{35F3E219-4EBB-8DE8-0966-E4317399395E}"/>
-              </a:ext>
-            </a:extLst>
-          </p:cNvPr>
-          <p:cNvSpPr/>
-          <p:nvPr/>
-        </p:nvSpPr>
-        <p:spPr>
-          <a:xfrm>
-            <a:off x="7811013" y="528014"/>
-            <a:ext cx="952500" cy="298200"/>
-          </a:xfrm>
-          <a:prstGeom prst="rect">
-            <a:avLst/>
-          </a:prstGeom>
-          <a:noFill/>
-          <a:ln>
-            <a:noFill/>
-          </a:ln>
-        </p:spPr>
-        <p:txBody>
-          <a:bodyPr spcFirstLastPara="1" wrap="square" lIns="19050" tIns="19050" rIns="19050" bIns="19050" anchor="t" anchorCtr="0">
-            <a:noAutofit/>
-          </a:bodyPr>
-          <a:lstStyle/>
-          <a:p>
-            <a:pPr marL="63500" marR="0" lvl="1" indent="0" algn="l" rtl="0">
-              <a:lnSpc>
-                <a:spcPct val="90000"/>
-              </a:lnSpc>
-              <a:spcBef>
-                <a:spcPts val="0"/>
-              </a:spcBef>
-              <a:spcAft>
-                <a:spcPts val="0"/>
-              </a:spcAft>
-              <a:buNone/>
-            </a:pPr>
-            <a:r>
-              <a:rPr lang="en-US" altLang="ko" sz="1200" b="1" i="0" u="none" strike="noStrike" cap="none" dirty="0">
-                <a:solidFill>
-                  <a:schemeClr val="bg1"/>
-                </a:solidFill>
-                <a:latin typeface="Arial"/>
-                <a:ea typeface="Arial"/>
-                <a:cs typeface="Arial"/>
-                <a:sym typeface="Arial"/>
-              </a:rPr>
-              <a:t>9</a:t>
-            </a:r>
-            <a:r>
-              <a:rPr lang="ko" sz="1200" b="1" i="0" u="none" strike="noStrike" cap="none" dirty="0">
-                <a:solidFill>
-                  <a:schemeClr val="bg1"/>
-                </a:solidFill>
-                <a:latin typeface="Arial"/>
-                <a:ea typeface="Arial"/>
-                <a:cs typeface="Arial"/>
-                <a:sym typeface="Arial"/>
-              </a:rPr>
-              <a:t>.</a:t>
-            </a:r>
-            <a:endParaRPr sz="500" dirty="0">
-              <a:solidFill>
-                <a:schemeClr val="bg1"/>
-              </a:solidFill>
-            </a:endParaRPr>
-          </a:p>
-        </p:txBody>
-      </p:sp>
-      <p:sp>
-        <p:nvSpPr>
-          <p:cNvPr id="8" name="Google Shape;210;p30">
-            <a:extLst>
-              <a:ext uri="{FF2B5EF4-FFF2-40B4-BE49-F238E27FC236}">
-                <a16:creationId xmlns:a16="http://schemas.microsoft.com/office/drawing/2014/main" id="{8CB63A74-B5C7-DCAA-53F5-96E44004D694}"/>
-              </a:ext>
-            </a:extLst>
-          </p:cNvPr>
-          <p:cNvSpPr/>
-          <p:nvPr/>
-        </p:nvSpPr>
-        <p:spPr>
-          <a:xfrm>
-            <a:off x="7811013" y="825047"/>
-            <a:ext cx="952500" cy="293400"/>
-          </a:xfrm>
-          <a:prstGeom prst="rect">
-            <a:avLst/>
-          </a:prstGeom>
-          <a:noFill/>
-          <a:ln>
-            <a:noFill/>
-          </a:ln>
-        </p:spPr>
-        <p:txBody>
-          <a:bodyPr spcFirstLastPara="1" wrap="square" lIns="19050" tIns="19050" rIns="19050" bIns="19050" anchor="t" anchorCtr="0">
-            <a:noAutofit/>
-          </a:bodyPr>
-          <a:lstStyle/>
-          <a:p>
-            <a:pPr marL="63500" marR="0" lvl="1" indent="0" algn="l" rtl="0">
-              <a:spcBef>
-                <a:spcPts val="200"/>
-              </a:spcBef>
-              <a:spcAft>
-                <a:spcPts val="0"/>
-              </a:spcAft>
-              <a:buClr>
-                <a:srgbClr val="000000"/>
-              </a:buClr>
-              <a:buFont typeface="Arial"/>
-              <a:buNone/>
-            </a:pPr>
-            <a:r>
-              <a:rPr lang="en-US" sz="800" dirty="0">
-                <a:solidFill>
-                  <a:schemeClr val="bg1"/>
-                </a:solidFill>
-              </a:rPr>
-              <a:t>Lock</a:t>
-            </a:r>
-            <a:endParaRPr sz="800" dirty="0">
-              <a:solidFill>
-                <a:schemeClr val="bg1"/>
-              </a:solidFill>
-            </a:endParaRPr>
-          </a:p>
-        </p:txBody>
-      </p:sp>
-      <p:pic>
-        <p:nvPicPr>
-          <p:cNvPr id="11" name="그림 10">
-            <a:extLst>
-              <a:ext uri="{FF2B5EF4-FFF2-40B4-BE49-F238E27FC236}">
-                <a16:creationId xmlns:a16="http://schemas.microsoft.com/office/drawing/2014/main" id="{5370AF22-F9D9-9F9B-80AD-F65B0788878F}"/>
-              </a:ext>
-            </a:extLst>
-          </p:cNvPr>
-          <p:cNvPicPr>
-            <a:picLocks noChangeAspect="1"/>
-          </p:cNvPicPr>
-          <p:nvPr/>
-        </p:nvPicPr>
-        <p:blipFill>
-          <a:blip r:embed="rId3"/>
-          <a:stretch>
-            <a:fillRect/>
-          </a:stretch>
-        </p:blipFill>
-        <p:spPr>
-          <a:xfrm>
-            <a:off x="1000254" y="1206367"/>
-            <a:ext cx="4592688" cy="3903785"/>
-          </a:xfrm>
-          <a:prstGeom prst="rect">
-            <a:avLst/>
-          </a:prstGeom>
-        </p:spPr>
-      </p:pic>
-      <p:sp>
-        <p:nvSpPr>
-          <p:cNvPr id="3" name="사각형: 둥근 모서리 2">
-            <a:extLst>
-              <a:ext uri="{FF2B5EF4-FFF2-40B4-BE49-F238E27FC236}">
-                <a16:creationId xmlns:a16="http://schemas.microsoft.com/office/drawing/2014/main" id="{73503748-8D0A-74E6-7F4B-4D7C029FB4CB}"/>
-              </a:ext>
-            </a:extLst>
-          </p:cNvPr>
-          <p:cNvSpPr/>
-          <p:nvPr/>
-        </p:nvSpPr>
-        <p:spPr>
-          <a:xfrm>
-            <a:off x="6312877" y="1206368"/>
-            <a:ext cx="967154" cy="358664"/>
-          </a:xfrm>
-          <a:prstGeom prst="roundRect">
-            <a:avLst/>
-          </a:prstGeom>
-          <a:ln>
-            <a:solidFill>
-              <a:srgbClr val="FF0000"/>
-            </a:solidFill>
-          </a:ln>
-        </p:spPr>
-        <p:style>
-          <a:lnRef idx="2">
-            <a:schemeClr val="dk1"/>
-          </a:lnRef>
-          <a:fillRef idx="1">
-            <a:schemeClr val="lt1"/>
-          </a:fillRef>
-          <a:effectRef idx="0">
-            <a:schemeClr val="dk1"/>
-          </a:effectRef>
-          <a:fontRef idx="minor">
-            <a:schemeClr val="dk1"/>
-          </a:fontRef>
-        </p:style>
-        <p:txBody>
-          <a:bodyPr rtlCol="0" anchor="ctr"/>
-          <a:lstStyle/>
-          <a:p>
-            <a:pPr algn="ctr"/>
-            <a:r>
-              <a:rPr lang="en-US" altLang="ko-KR" sz="1200" b="1" dirty="0">
-                <a:solidFill>
-                  <a:srgbClr val="C00000"/>
-                </a:solidFill>
-              </a:rPr>
-              <a:t>Locker</a:t>
-            </a:r>
-            <a:endParaRPr lang="ko-KR" altLang="en-US" sz="1200" b="1" dirty="0">
-              <a:solidFill>
-                <a:srgbClr val="C00000"/>
-              </a:solidFill>
-            </a:endParaRPr>
-          </a:p>
-        </p:txBody>
-      </p:sp>
-      <p:cxnSp>
-        <p:nvCxnSpPr>
-          <p:cNvPr id="5" name="직선 연결선 4">
-            <a:extLst>
-              <a:ext uri="{FF2B5EF4-FFF2-40B4-BE49-F238E27FC236}">
-                <a16:creationId xmlns:a16="http://schemas.microsoft.com/office/drawing/2014/main" id="{F0466F2B-224A-1884-3DBE-DF9B51A0ADAB}"/>
-              </a:ext>
-            </a:extLst>
-          </p:cNvPr>
-          <p:cNvCxnSpPr>
-            <a:stCxn id="3" idx="2"/>
-          </p:cNvCxnSpPr>
-          <p:nvPr/>
-        </p:nvCxnSpPr>
-        <p:spPr>
-          <a:xfrm>
-            <a:off x="6796454" y="1565032"/>
-            <a:ext cx="35169" cy="3545120"/>
-          </a:xfrm>
-          <a:prstGeom prst="line">
-            <a:avLst/>
-          </a:prstGeom>
-          <a:ln>
-            <a:solidFill>
-              <a:srgbClr val="FF0000"/>
-            </a:solidFill>
-          </a:ln>
-        </p:spPr>
-        <p:style>
-          <a:lnRef idx="1">
-            <a:schemeClr val="accent1"/>
-          </a:lnRef>
-          <a:fillRef idx="0">
-            <a:schemeClr val="accent1"/>
-          </a:fillRef>
-          <a:effectRef idx="0">
-            <a:schemeClr val="accent1"/>
-          </a:effectRef>
-          <a:fontRef idx="minor">
-            <a:schemeClr val="tx1"/>
-          </a:fontRef>
-        </p:style>
-      </p:cxnSp>
+            </a:ln>
+          </p:spPr>
+          <p:style>
+            <a:lnRef idx="1">
+              <a:schemeClr val="accent1"/>
+            </a:lnRef>
+            <a:fillRef idx="0">
+              <a:schemeClr val="accent1"/>
+            </a:fillRef>
+            <a:effectRef idx="0">
+              <a:schemeClr val="accent1"/>
+            </a:effectRef>
+            <a:fontRef idx="minor">
+              <a:schemeClr val="tx1"/>
+            </a:fontRef>
+          </p:style>
+        </p:cxnSp>
+      </p:grpSp>
       <p:cxnSp>
         <p:nvCxnSpPr>
           <p:cNvPr id="9" name="직선 화살표 연결선 8">
@@ -7546,7 +11401,7 @@
         <p:spPr>
           <a:xfrm>
             <a:off x="1533525" y="1904226"/>
-            <a:ext cx="1039323" cy="276999"/>
+            <a:ext cx="1141210" cy="276999"/>
           </a:xfrm>
           <a:prstGeom prst="rect">
             <a:avLst/>
@@ -7565,7 +11420,7 @@
                   <a:srgbClr val="FF0000"/>
                 </a:solidFill>
               </a:rPr>
-              <a:t>request </a:t>
+              <a:t>obtaining </a:t>
             </a:r>
             <a:r>
               <a:rPr lang="en-US" altLang="ko-KR" sz="1200" b="1" dirty="0">
@@ -7599,8 +11454,8 @@
         </p:nvCxnSpPr>
         <p:spPr>
           <a:xfrm>
-            <a:off x="5067300" y="2428875"/>
-            <a:ext cx="1764323" cy="0"/>
+            <a:off x="5091113" y="2428875"/>
+            <a:ext cx="1740510" cy="0"/>
           </a:xfrm>
           <a:prstGeom prst="straightConnector1">
             <a:avLst/>
@@ -7640,7 +11495,7 @@
         <p:spPr>
           <a:xfrm>
             <a:off x="5675036" y="2401390"/>
-            <a:ext cx="1039323" cy="276999"/>
+            <a:ext cx="1141210" cy="276999"/>
           </a:xfrm>
           <a:prstGeom prst="rect">
             <a:avLst/>
@@ -7659,7 +11514,7 @@
                   <a:srgbClr val="FF0000"/>
                 </a:solidFill>
               </a:rPr>
-              <a:t>request </a:t>
+              <a:t>obtaining </a:t>
             </a:r>
             <a:r>
               <a:rPr lang="en-US" altLang="ko-KR" sz="1200" b="1" dirty="0">
@@ -7681,6 +11536,96 @@
     <p:extLst>
       <p:ext uri="{BB962C8B-B14F-4D97-AF65-F5344CB8AC3E}">
         <p14:creationId xmlns:p14="http://schemas.microsoft.com/office/powerpoint/2010/main" val="384597565"/>
+      </p:ext>
+    </p:extLst>
+  </p:cSld>
+  <p:clrMapOvr>
+    <a:masterClrMapping/>
+  </p:clrMapOvr>
+</p:sld>
+</file>
+
+<file path=ppt/slides/slide24.xml><?xml version="1.0" encoding="utf-8"?>
+<p:sld xmlns:a="http://schemas.openxmlformats.org/drawingml/2006/main" xmlns:r="http://schemas.openxmlformats.org/officeDocument/2006/relationships" xmlns:p="http://schemas.openxmlformats.org/presentationml/2006/main">
+  <p:cSld>
+    <p:spTree>
+      <p:nvGrpSpPr>
+        <p:cNvPr id="1" name=""/>
+        <p:cNvGrpSpPr/>
+        <p:nvPr/>
+      </p:nvGrpSpPr>
+      <p:grpSpPr>
+        <a:xfrm>
+          <a:off x="0" y="0"/>
+          <a:ext cx="0" cy="0"/>
+          <a:chOff x="0" y="0"/>
+          <a:chExt cx="0" cy="0"/>
+        </a:xfrm>
+      </p:grpSpPr>
+      <p:sp>
+        <p:nvSpPr>
+          <p:cNvPr id="4" name="제목 3">
+            <a:extLst>
+              <a:ext uri="{FF2B5EF4-FFF2-40B4-BE49-F238E27FC236}">
+                <a16:creationId xmlns:a16="http://schemas.microsoft.com/office/drawing/2014/main" id="{AA6C3C0E-F24F-9763-AC2A-545FB7F3873E}"/>
+              </a:ext>
+            </a:extLst>
+          </p:cNvPr>
+          <p:cNvSpPr>
+            <a:spLocks noGrp="1"/>
+          </p:cNvSpPr>
+          <p:nvPr>
+            <p:ph type="ctrTitle"/>
+          </p:nvPr>
+        </p:nvSpPr>
+        <p:spPr/>
+        <p:txBody>
+          <a:bodyPr/>
+          <a:lstStyle/>
+          <a:p>
+            <a:r>
+              <a:rPr lang="ko-KR" altLang="en-US" dirty="0"/>
+              <a:t>구현 실습</a:t>
+            </a:r>
+          </a:p>
+        </p:txBody>
+      </p:sp>
+      <p:sp>
+        <p:nvSpPr>
+          <p:cNvPr id="5" name="부제목 4">
+            <a:extLst>
+              <a:ext uri="{FF2B5EF4-FFF2-40B4-BE49-F238E27FC236}">
+                <a16:creationId xmlns:a16="http://schemas.microsoft.com/office/drawing/2014/main" id="{CAF74D28-A379-C9BB-D8F9-E3B6A7427E89}"/>
+              </a:ext>
+            </a:extLst>
+          </p:cNvPr>
+          <p:cNvSpPr>
+            <a:spLocks noGrp="1"/>
+          </p:cNvSpPr>
+          <p:nvPr>
+            <p:ph type="subTitle" idx="1"/>
+          </p:nvPr>
+        </p:nvSpPr>
+        <p:spPr/>
+        <p:txBody>
+          <a:bodyPr/>
+          <a:lstStyle/>
+          <a:p>
+            <a:pPr marL="0" indent="0" algn="r">
+              <a:buNone/>
+            </a:pPr>
+            <a:r>
+              <a:rPr lang="en-US" altLang="ko-KR" dirty="0"/>
+              <a:t>Distributed Lock</a:t>
+            </a:r>
+            <a:endParaRPr lang="ko-KR" altLang="en-US" dirty="0"/>
+          </a:p>
+        </p:txBody>
+      </p:sp>
+    </p:spTree>
+    <p:extLst>
+      <p:ext uri="{BB962C8B-B14F-4D97-AF65-F5344CB8AC3E}">
+        <p14:creationId xmlns:p14="http://schemas.microsoft.com/office/powerpoint/2010/main" val="4005433968"/>
       </p:ext>
     </p:extLst>
   </p:cSld>

--- a/99.ppt/[Ch4-6. 실무형 심화개발.pptx
+++ b/99.ppt/[Ch4-6. 실무형 심화개발.pptx
@@ -30,8 +30,8 @@
     <p:sldId id="330" r:id="rId21"/>
     <p:sldId id="329" r:id="rId22"/>
     <p:sldId id="326" r:id="rId23"/>
-    <p:sldId id="331" r:id="rId24"/>
-    <p:sldId id="328" r:id="rId25"/>
+    <p:sldId id="328" r:id="rId24"/>
+    <p:sldId id="331" r:id="rId25"/>
   </p:sldIdLst>
   <p:sldSz cx="9144000" cy="5143500" type="screen16x9"/>
   <p:notesSz cx="6858000" cy="9144000"/>
@@ -234,7 +234,7 @@
           <a:p>
             <a:fld id="{9B770909-2C76-4DF9-BB76-4EE283593418}" type="datetimeFigureOut">
               <a:rPr lang="ko-KR" altLang="en-US" smtClean="0"/>
-              <a:t>2023-09-15</a:t>
+              <a:t>2023-09-16</a:t>
             </a:fld>
             <a:endParaRPr lang="ko-KR" altLang="en-US"/>
           </a:p>
@@ -1291,43 +1291,6 @@
               <a:t>.</a:t>
             </a:r>
           </a:p>
-          <a:p>
-            <a:endParaRPr lang="en-US" altLang="ko-KR" dirty="0"/>
-          </a:p>
-          <a:p>
-            <a:r>
-              <a:rPr lang="ko-KR" altLang="en-US" dirty="0"/>
-              <a:t>지금부터 이 </a:t>
-            </a:r>
-            <a:r>
-              <a:rPr lang="en-US" altLang="ko-KR" dirty="0" err="1"/>
-              <a:t>DbClient</a:t>
-            </a:r>
-            <a:r>
-              <a:rPr lang="ko-KR" altLang="en-US" dirty="0"/>
-              <a:t> 를 이용해</a:t>
-            </a:r>
-            <a:r>
-              <a:rPr lang="en-US" altLang="ko-KR" dirty="0"/>
-              <a:t>, title like </a:t>
-            </a:r>
-            <a:r>
-              <a:rPr lang="ko-KR" altLang="en-US" dirty="0"/>
-              <a:t>검색만 가능했던 </a:t>
-            </a:r>
-            <a:r>
-              <a:rPr lang="en-US" altLang="ko-KR" dirty="0"/>
-              <a:t>get all API</a:t>
-            </a:r>
-            <a:r>
-              <a:rPr lang="ko-KR" altLang="en-US" dirty="0"/>
-              <a:t>의 기능을 확장해 보겠습니다</a:t>
-            </a:r>
-            <a:r>
-              <a:rPr lang="en-US" altLang="ko-KR" dirty="0"/>
-              <a:t>.</a:t>
-            </a:r>
-          </a:p>
         </p:txBody>
       </p:sp>
       <p:sp>
@@ -1410,236 +1373,6 @@
           <a:bodyPr/>
           <a:lstStyle/>
           <a:p>
-            <a:r>
-              <a:rPr lang="en-US" altLang="ko-KR" dirty="0"/>
-              <a:t>Spring </a:t>
-            </a:r>
-            <a:r>
-              <a:rPr lang="ko-KR" altLang="en-US" dirty="0"/>
-              <a:t>프레임워크의 </a:t>
-            </a:r>
-            <a:r>
-              <a:rPr lang="en-US" altLang="ko-KR" dirty="0"/>
-              <a:t>Cache </a:t>
-            </a:r>
-            <a:r>
-              <a:rPr lang="ko-KR" altLang="en-US" dirty="0"/>
-              <a:t>구현체로서 </a:t>
-            </a:r>
-            <a:r>
-              <a:rPr lang="en-US" altLang="ko-KR" dirty="0"/>
-              <a:t>Redis </a:t>
-            </a:r>
-            <a:r>
-              <a:rPr lang="ko-KR" altLang="en-US" dirty="0"/>
-              <a:t>를 접하신 분들 많으실 겁니다</a:t>
-            </a:r>
-            <a:r>
-              <a:rPr lang="en-US" altLang="ko-KR" dirty="0"/>
-              <a:t>.</a:t>
-            </a:r>
-          </a:p>
-          <a:p>
-            <a:endParaRPr lang="en-US" altLang="ko-KR" dirty="0"/>
-          </a:p>
-          <a:p>
-            <a:r>
-              <a:rPr lang="en-US" altLang="ko-KR" dirty="0"/>
-              <a:t>Redis</a:t>
-            </a:r>
-            <a:r>
-              <a:rPr lang="ko-KR" altLang="en-US" dirty="0"/>
-              <a:t>는 </a:t>
-            </a:r>
-            <a:r>
-              <a:rPr lang="en-US" altLang="ko-KR" dirty="0"/>
-              <a:t>Memcached </a:t>
-            </a:r>
-            <a:r>
-              <a:rPr lang="ko-KR" altLang="en-US" dirty="0"/>
-              <a:t>에 비해 약간 느리지만</a:t>
-            </a:r>
-            <a:r>
-              <a:rPr lang="en-US" altLang="ko-KR" dirty="0"/>
-              <a:t>,</a:t>
-            </a:r>
-          </a:p>
-          <a:p>
-            <a:endParaRPr lang="en-US" altLang="ko-KR" dirty="0"/>
-          </a:p>
-          <a:p>
-            <a:r>
-              <a:rPr lang="en-US" altLang="ko-KR" dirty="0"/>
-              <a:t>AIO </a:t>
-            </a:r>
-            <a:r>
-              <a:rPr lang="ko-KR" altLang="en-US" dirty="0"/>
-              <a:t>기반의 싱글 쓰레드로 동작하기 때문에</a:t>
-            </a:r>
-            <a:r>
-              <a:rPr lang="en-US" altLang="ko-KR" dirty="0"/>
-              <a:t> </a:t>
-            </a:r>
-            <a:r>
-              <a:rPr lang="ko-KR" altLang="en-US" dirty="0"/>
-              <a:t>처리흐름이 직관적이고</a:t>
-            </a:r>
-            <a:r>
-              <a:rPr lang="en-US" altLang="ko-KR" dirty="0"/>
-              <a:t>, API</a:t>
-            </a:r>
-            <a:r>
-              <a:rPr lang="ko-KR" altLang="en-US" dirty="0"/>
-              <a:t>를 다루기 쉽다는 장점이 있습니다</a:t>
-            </a:r>
-            <a:r>
-              <a:rPr lang="en-US" altLang="ko-KR" dirty="0"/>
-              <a:t>.</a:t>
-            </a:r>
-          </a:p>
-          <a:p>
-            <a:endParaRPr lang="en-US" altLang="ko-KR" dirty="0"/>
-          </a:p>
-          <a:p>
-            <a:r>
-              <a:rPr lang="ko-KR" altLang="en-US" dirty="0"/>
-              <a:t>하지만</a:t>
-            </a:r>
-            <a:r>
-              <a:rPr lang="en-US" altLang="ko-KR" dirty="0"/>
-              <a:t>, Spring </a:t>
-            </a:r>
-            <a:r>
-              <a:rPr lang="ko-KR" altLang="en-US" dirty="0"/>
-              <a:t>프레임워크에서</a:t>
-            </a:r>
-            <a:r>
-              <a:rPr lang="en-US" altLang="ko-KR" dirty="0"/>
-              <a:t>,</a:t>
-            </a:r>
-            <a:r>
-              <a:rPr lang="ko-KR" altLang="en-US" dirty="0"/>
-              <a:t> </a:t>
-            </a:r>
-            <a:r>
-              <a:rPr lang="en-US" altLang="ko-KR" dirty="0"/>
-              <a:t>cache </a:t>
-            </a:r>
-            <a:r>
-              <a:rPr lang="ko-KR" altLang="en-US" b="1" u="sng" dirty="0" err="1"/>
-              <a:t>어노테이션</a:t>
-            </a:r>
-            <a:r>
-              <a:rPr lang="ko-KR" altLang="en-US" dirty="0" err="1"/>
-              <a:t>으로만</a:t>
-            </a:r>
-            <a:r>
-              <a:rPr lang="ko-KR" altLang="en-US" dirty="0"/>
-              <a:t> </a:t>
-            </a:r>
-            <a:r>
-              <a:rPr lang="en-US" altLang="ko-KR" dirty="0" err="1"/>
-              <a:t>redis</a:t>
-            </a:r>
-            <a:r>
-              <a:rPr lang="en-US" altLang="ko-KR" dirty="0"/>
-              <a:t> </a:t>
-            </a:r>
-            <a:r>
-              <a:rPr lang="ko-KR" altLang="en-US" dirty="0"/>
-              <a:t>를 접하셨다면</a:t>
-            </a:r>
-            <a:r>
-              <a:rPr lang="en-US" altLang="ko-KR" dirty="0"/>
-              <a:t>, </a:t>
-            </a:r>
-            <a:r>
-              <a:rPr lang="ko-KR" altLang="en-US" dirty="0"/>
-              <a:t>이런 강력함을 미처 몰라보셨을 수도 있으실 </a:t>
-            </a:r>
-            <a:r>
-              <a:rPr lang="ko-KR" altLang="en-US" dirty="0" err="1"/>
-              <a:t>거에요</a:t>
-            </a:r>
-            <a:r>
-              <a:rPr lang="en-US" altLang="ko-KR" dirty="0"/>
-              <a:t>.</a:t>
-            </a:r>
-          </a:p>
-          <a:p>
-            <a:endParaRPr lang="en-US" altLang="ko-KR" dirty="0"/>
-          </a:p>
-          <a:p>
-            <a:endParaRPr lang="en-US" altLang="ko-KR" dirty="0"/>
-          </a:p>
-          <a:p>
-            <a:r>
-              <a:rPr lang="ko-KR" altLang="en-US" dirty="0"/>
-              <a:t>서버 인스턴스 간에는 메모리를 공유하지 않습니다</a:t>
-            </a:r>
-            <a:r>
-              <a:rPr lang="en-US" altLang="ko-KR" dirty="0"/>
-              <a:t>. </a:t>
-            </a:r>
-            <a:r>
-              <a:rPr lang="ko-KR" altLang="en-US" dirty="0"/>
-              <a:t>그래서 </a:t>
-            </a:r>
-            <a:r>
-              <a:rPr lang="en-US" altLang="ko-KR" dirty="0"/>
-              <a:t>queue </a:t>
-            </a:r>
-            <a:r>
-              <a:rPr lang="ko-KR" altLang="en-US" dirty="0"/>
-              <a:t>나</a:t>
-            </a:r>
-            <a:r>
-              <a:rPr lang="en-US" altLang="ko-KR" dirty="0"/>
-              <a:t>, LinkedList, map, set </a:t>
-            </a:r>
-            <a:r>
-              <a:rPr lang="ko-KR" altLang="en-US" dirty="0"/>
-              <a:t>등의 자료구조를 문제해결에 잘 사용하지 않습니다</a:t>
-            </a:r>
-            <a:r>
-              <a:rPr lang="en-US" altLang="ko-KR" dirty="0"/>
-              <a:t>.</a:t>
-            </a:r>
-          </a:p>
-          <a:p>
-            <a:endParaRPr lang="en-US" altLang="ko-KR" dirty="0"/>
-          </a:p>
-          <a:p>
-            <a:r>
-              <a:rPr lang="ko-KR" altLang="en-US" dirty="0"/>
-              <a:t>물론 메서드 안에서 로컬 변수로는 많이들 사용하셨을 </a:t>
-            </a:r>
-            <a:r>
-              <a:rPr lang="ko-KR" altLang="en-US" dirty="0" err="1"/>
-              <a:t>거에요</a:t>
-            </a:r>
-            <a:r>
-              <a:rPr lang="en-US" altLang="ko-KR" dirty="0"/>
-              <a:t>. </a:t>
-            </a:r>
-            <a:r>
-              <a:rPr lang="ko-KR" altLang="en-US" dirty="0"/>
-              <a:t>지금 말씀드리는 상황은</a:t>
-            </a:r>
-            <a:r>
-              <a:rPr lang="en-US" altLang="ko-KR" dirty="0"/>
-              <a:t>, </a:t>
-            </a:r>
-            <a:r>
-              <a:rPr lang="ko-KR" altLang="en-US" dirty="0"/>
-              <a:t>예를 들면</a:t>
-            </a:r>
-            <a:r>
-              <a:rPr lang="en-US" altLang="ko-KR" dirty="0"/>
-              <a:t>…</a:t>
-            </a:r>
-          </a:p>
-          <a:p>
             <a:pPr marL="0" marR="0" lvl="0" indent="0" algn="l" defTabSz="685800" rtl="0" eaLnBrk="1" fontAlgn="auto" latinLnBrk="1" hangingPunct="1">
               <a:lnSpc>
                 <a:spcPct val="100000"/>
@@ -1657,81 +1390,33 @@
               <a:tabLst/>
               <a:defRPr/>
             </a:pPr>
-            <a:endParaRPr lang="en-US" altLang="ko-KR" dirty="0"/>
-          </a:p>
-          <a:p>
-            <a:pPr marL="0" marR="0" lvl="0" indent="0" algn="l" defTabSz="685800" rtl="0" eaLnBrk="1" fontAlgn="auto" latinLnBrk="1" hangingPunct="1">
-              <a:lnSpc>
-                <a:spcPct val="100000"/>
-              </a:lnSpc>
-              <a:spcBef>
-                <a:spcPts val="0"/>
-              </a:spcBef>
-              <a:spcAft>
-                <a:spcPts val="0"/>
-              </a:spcAft>
-              <a:buClrTx/>
-              <a:buSzTx/>
-              <a:buFontTx/>
-              <a:buNone/>
-              <a:tabLst/>
-              <a:defRPr/>
-            </a:pPr>
-            <a:r>
-              <a:rPr lang="ko-KR" altLang="en-US" dirty="0"/>
-              <a:t>만약</a:t>
-            </a:r>
-            <a:r>
-              <a:rPr lang="en-US" altLang="ko-KR" dirty="0"/>
-              <a:t>, </a:t>
-            </a:r>
-            <a:r>
-              <a:rPr lang="ko-KR" altLang="en-US" dirty="0"/>
-              <a:t>서버 간에 공유 가능한 </a:t>
-            </a:r>
-            <a:r>
-              <a:rPr lang="en-US" altLang="ko-KR" dirty="0"/>
-              <a:t>sorted set </a:t>
-            </a:r>
-            <a:r>
-              <a:rPr lang="ko-KR" altLang="en-US" dirty="0"/>
-              <a:t>이 있다면</a:t>
-            </a:r>
-            <a:r>
-              <a:rPr lang="en-US" altLang="ko-KR" dirty="0"/>
-              <a:t>, sorted set</a:t>
-            </a:r>
-            <a:r>
-              <a:rPr lang="ko-KR" altLang="en-US" dirty="0"/>
-              <a:t>은 입력 즉시 정렬되는 자료구조고</a:t>
-            </a:r>
-            <a:r>
-              <a:rPr lang="en-US" altLang="ko-KR" dirty="0"/>
-              <a:t>, </a:t>
-            </a:r>
-            <a:r>
-              <a:rPr lang="ko-KR" altLang="en-US" dirty="0"/>
-              <a:t>여기에 제목과 랭킹점수를 여러 서버에서 입력하면</a:t>
-            </a:r>
-            <a:r>
-              <a:rPr lang="en-US" altLang="ko-KR" dirty="0"/>
-              <a:t>, </a:t>
-            </a:r>
-            <a:r>
-              <a:rPr lang="ko-KR" altLang="en-US" dirty="0"/>
-              <a:t>입력 즉시 </a:t>
-            </a:r>
-            <a:r>
-              <a:rPr lang="en-US" altLang="ko-KR" dirty="0"/>
-              <a:t>! </a:t>
-            </a:r>
-            <a:r>
-              <a:rPr lang="ko-KR" altLang="en-US" dirty="0"/>
-              <a:t>정렬되는 실시간 랭킹시스템을 만들 수도 있을 </a:t>
-            </a:r>
-            <a:r>
-              <a:rPr lang="ko-KR" altLang="en-US" dirty="0" err="1"/>
-              <a:t>거에요</a:t>
+            <a:r>
+              <a:rPr lang="ko-KR" altLang="en-US" dirty="0"/>
+              <a:t>지금부터 이 </a:t>
+            </a:r>
+            <a:r>
+              <a:rPr lang="en-US" altLang="ko-KR" dirty="0" err="1"/>
+              <a:t>DbClient</a:t>
+            </a:r>
+            <a:r>
+              <a:rPr lang="ko-KR" altLang="en-US" dirty="0"/>
+              <a:t> 를 이용해</a:t>
+            </a:r>
+            <a:r>
+              <a:rPr lang="en-US" altLang="ko-KR" dirty="0"/>
+              <a:t>, title like </a:t>
+            </a:r>
+            <a:r>
+              <a:rPr lang="ko-KR" altLang="en-US" dirty="0"/>
+              <a:t>검색만 가능했던 </a:t>
+            </a:r>
+            <a:r>
+              <a:rPr lang="en-US" altLang="ko-KR" dirty="0"/>
+              <a:t>get all API</a:t>
+            </a:r>
+            <a:r>
+              <a:rPr lang="ko-KR" altLang="en-US" dirty="0"/>
+              <a:t>의 기능을 확장해 보겠습니다</a:t>
             </a:r>
             <a:r>
               <a:rPr lang="en-US" altLang="ko-KR" dirty="0"/>
@@ -1739,162 +1424,7 @@
             </a:r>
           </a:p>
           <a:p>
-            <a:pPr marL="0" marR="0" lvl="0" indent="0" algn="l" defTabSz="685800" rtl="0" eaLnBrk="1" fontAlgn="auto" latinLnBrk="1" hangingPunct="1">
-              <a:lnSpc>
-                <a:spcPct val="100000"/>
-              </a:lnSpc>
-              <a:spcBef>
-                <a:spcPts val="0"/>
-              </a:spcBef>
-              <a:spcAft>
-                <a:spcPts val="0"/>
-              </a:spcAft>
-              <a:buClrTx/>
-              <a:buSzTx/>
-              <a:buFontTx/>
-              <a:buNone/>
-              <a:tabLst/>
-              <a:defRPr/>
-            </a:pPr>
-            <a:endParaRPr lang="en-US" altLang="ko-KR" dirty="0"/>
-          </a:p>
-          <a:p>
-            <a:pPr marL="0" marR="0" lvl="0" indent="0" algn="l" defTabSz="685800" rtl="0" eaLnBrk="1" fontAlgn="auto" latinLnBrk="1" hangingPunct="1">
-              <a:lnSpc>
-                <a:spcPct val="100000"/>
-              </a:lnSpc>
-              <a:spcBef>
-                <a:spcPts val="0"/>
-              </a:spcBef>
-              <a:spcAft>
-                <a:spcPts val="0"/>
-              </a:spcAft>
-              <a:buClrTx/>
-              <a:buSzTx/>
-              <a:buFontTx/>
-              <a:buNone/>
-              <a:tabLst/>
-              <a:defRPr/>
-            </a:pPr>
-            <a:endParaRPr lang="en-US" altLang="ko-KR" dirty="0"/>
-          </a:p>
-          <a:p>
-            <a:pPr marL="0" marR="0" lvl="0" indent="0" algn="l" defTabSz="685800" rtl="0" eaLnBrk="1" fontAlgn="auto" latinLnBrk="1" hangingPunct="1">
-              <a:lnSpc>
-                <a:spcPct val="100000"/>
-              </a:lnSpc>
-              <a:spcBef>
-                <a:spcPts val="0"/>
-              </a:spcBef>
-              <a:spcAft>
-                <a:spcPts val="0"/>
-              </a:spcAft>
-              <a:buClrTx/>
-              <a:buSzTx/>
-              <a:buFontTx/>
-              <a:buNone/>
-              <a:tabLst/>
-              <a:defRPr/>
-            </a:pPr>
-            <a:r>
-              <a:rPr lang="en-US" altLang="ko-KR" dirty="0"/>
-              <a:t>Redis </a:t>
-            </a:r>
-            <a:r>
-              <a:rPr lang="ko-KR" altLang="en-US" dirty="0"/>
-              <a:t>는 바로</a:t>
-            </a:r>
-            <a:r>
-              <a:rPr lang="en-US" altLang="ko-KR" dirty="0"/>
-              <a:t>, </a:t>
-            </a:r>
-            <a:r>
-              <a:rPr lang="ko-KR" altLang="en-US" dirty="0"/>
-              <a:t>서버 인스턴스 간에 이런 자료구조를 공유할 수 있게끔 해주는 메모리 역할을 수행합니다</a:t>
-            </a:r>
-            <a:r>
-              <a:rPr lang="en-US" altLang="ko-KR" dirty="0"/>
-              <a:t>.</a:t>
-            </a:r>
-          </a:p>
-          <a:p>
-            <a:pPr marL="0" marR="0" lvl="0" indent="0" algn="l" defTabSz="685800" rtl="0" eaLnBrk="1" fontAlgn="auto" latinLnBrk="1" hangingPunct="1">
-              <a:lnSpc>
-                <a:spcPct val="100000"/>
-              </a:lnSpc>
-              <a:spcBef>
-                <a:spcPts val="0"/>
-              </a:spcBef>
-              <a:spcAft>
-                <a:spcPts val="0"/>
-              </a:spcAft>
-              <a:buClrTx/>
-              <a:buSzTx/>
-              <a:buFontTx/>
-              <a:buNone/>
-              <a:tabLst/>
-              <a:defRPr/>
-            </a:pPr>
-            <a:endParaRPr lang="en-US" altLang="ko-KR" dirty="0"/>
-          </a:p>
-          <a:p>
-            <a:pPr marL="0" marR="0" lvl="0" indent="0" algn="l" defTabSz="685800" rtl="0" eaLnBrk="1" fontAlgn="auto" latinLnBrk="1" hangingPunct="1">
-              <a:lnSpc>
-                <a:spcPct val="100000"/>
-              </a:lnSpc>
-              <a:spcBef>
-                <a:spcPts val="0"/>
-              </a:spcBef>
-              <a:spcAft>
-                <a:spcPts val="0"/>
-              </a:spcAft>
-              <a:buClrTx/>
-              <a:buSzTx/>
-              <a:buFontTx/>
-              <a:buNone/>
-              <a:tabLst/>
-              <a:defRPr/>
-            </a:pPr>
-            <a:r>
-              <a:rPr lang="ko-KR" altLang="en-US" dirty="0"/>
-              <a:t>이번 시간에 저희는</a:t>
-            </a:r>
-            <a:r>
-              <a:rPr lang="en-US" altLang="ko-KR" dirty="0"/>
-              <a:t>,</a:t>
-            </a:r>
-            <a:r>
-              <a:rPr lang="ko-KR" altLang="en-US" dirty="0"/>
-              <a:t> </a:t>
-            </a:r>
-            <a:r>
-              <a:rPr lang="en-US" altLang="ko-KR" dirty="0"/>
-              <a:t>Redis</a:t>
-            </a:r>
-            <a:r>
-              <a:rPr lang="ko-KR" altLang="en-US" dirty="0"/>
-              <a:t>가 제공하는 다양한 </a:t>
-            </a:r>
-            <a:r>
-              <a:rPr lang="en-US" altLang="ko-KR" dirty="0"/>
-              <a:t>operation</a:t>
-            </a:r>
-            <a:r>
-              <a:rPr lang="ko-KR" altLang="en-US" dirty="0"/>
-              <a:t>을 사용해 보고</a:t>
-            </a:r>
-            <a:r>
-              <a:rPr lang="en-US" altLang="ko-KR" dirty="0"/>
-              <a:t>, </a:t>
-            </a:r>
-            <a:r>
-              <a:rPr lang="ko-KR" altLang="en-US" dirty="0"/>
-              <a:t>서버 간에 공유 가능한 메모리 유형도 파악해 보겠습니다</a:t>
-            </a:r>
-            <a:r>
-              <a:rPr lang="en-US" altLang="ko-KR" dirty="0"/>
-              <a:t>.</a:t>
-            </a:r>
+            <a:endParaRPr lang="ko-KR" altLang="en-US" dirty="0"/>
           </a:p>
         </p:txBody>
       </p:sp>
@@ -1915,7 +1445,7 @@
           <a:p>
             <a:fld id="{4F243B46-72FF-4656-838A-691B9EB329E3}" type="slidenum">
               <a:rPr lang="ko-KR" altLang="en-US" smtClean="0"/>
-              <a:t>13</a:t>
+              <a:t>12</a:t>
             </a:fld>
             <a:endParaRPr lang="ko-KR" altLang="en-US"/>
           </a:p>
@@ -1924,7 +1454,7 @@
     </p:spTree>
     <p:extLst>
       <p:ext uri="{BB962C8B-B14F-4D97-AF65-F5344CB8AC3E}">
-        <p14:creationId xmlns:p14="http://schemas.microsoft.com/office/powerpoint/2010/main" val="1099860314"/>
+        <p14:creationId xmlns:p14="http://schemas.microsoft.com/office/powerpoint/2010/main" val="1067073565"/>
       </p:ext>
     </p:extLst>
   </p:cSld>
@@ -1979,8 +1509,20 @@
           <a:lstStyle/>
           <a:p>
             <a:r>
-              <a:rPr lang="ko-KR" altLang="en-US" dirty="0"/>
-              <a:t>먼저 </a:t>
+              <a:rPr lang="en-US" altLang="ko-KR" dirty="0"/>
+              <a:t>Spring </a:t>
+            </a:r>
+            <a:r>
+              <a:rPr lang="ko-KR" altLang="en-US" dirty="0"/>
+              <a:t>프레임워크의 </a:t>
+            </a:r>
+            <a:r>
+              <a:rPr lang="en-US" altLang="ko-KR" dirty="0"/>
+              <a:t>Cache </a:t>
+            </a:r>
+            <a:r>
+              <a:rPr lang="ko-KR" altLang="en-US" dirty="0"/>
+              <a:t>구현체로서 </a:t>
             </a:r>
             <a:r>
               <a:rPr lang="en-US" altLang="ko-KR" dirty="0"/>
@@ -1988,15 +1530,49 @@
             </a:r>
             <a:r>
               <a:rPr lang="ko-KR" altLang="en-US" dirty="0"/>
-              <a:t>서버를 구성하고</a:t>
-            </a:r>
-            <a:r>
-              <a:rPr lang="en-US" altLang="ko-KR" dirty="0"/>
-              <a:t>, </a:t>
-            </a:r>
-            <a:r>
-              <a:rPr lang="en-US" altLang="ko-KR" dirty="0" err="1"/>
-              <a:t>Webflux</a:t>
+              <a:t>를 접하신 분들 많으실 겁니다</a:t>
+            </a:r>
+            <a:r>
+              <a:rPr lang="en-US" altLang="ko-KR" dirty="0"/>
+              <a:t>.</a:t>
+            </a:r>
+          </a:p>
+          <a:p>
+            <a:endParaRPr lang="en-US" altLang="ko-KR" dirty="0"/>
+          </a:p>
+          <a:p>
+            <a:r>
+              <a:rPr lang="en-US" altLang="ko-KR" dirty="0"/>
+              <a:t>Redis</a:t>
+            </a:r>
+            <a:r>
+              <a:rPr lang="ko-KR" altLang="en-US" dirty="0"/>
+              <a:t>는 </a:t>
+            </a:r>
+            <a:r>
+              <a:rPr lang="en-US" altLang="ko-KR" dirty="0"/>
+              <a:t>Memcached </a:t>
+            </a:r>
+            <a:r>
+              <a:rPr lang="ko-KR" altLang="en-US" dirty="0"/>
+              <a:t>에 비해 약간 느리지만</a:t>
+            </a:r>
+            <a:r>
+              <a:rPr lang="en-US" altLang="ko-KR" dirty="0"/>
+              <a:t>,</a:t>
+            </a:r>
+          </a:p>
+          <a:p>
+            <a:endParaRPr lang="en-US" altLang="ko-KR" dirty="0"/>
+          </a:p>
+          <a:p>
+            <a:r>
+              <a:rPr lang="en-US" altLang="ko-KR" dirty="0"/>
+              <a:t>AIO </a:t>
+            </a:r>
+            <a:r>
+              <a:rPr lang="ko-KR" altLang="en-US" dirty="0"/>
+              <a:t>기반의 싱글 쓰레드로 동작하기 때문에</a:t>
             </a:r>
             <a:r>
               <a:rPr lang="en-US" altLang="ko-KR" dirty="0"/>
@@ -2004,15 +1580,60 @@
             </a:r>
             <a:r>
               <a:rPr lang="ko-KR" altLang="en-US" dirty="0"/>
-              <a:t>에서 </a:t>
-            </a:r>
-            <a:r>
-              <a:rPr lang="en-US" altLang="ko-KR" dirty="0"/>
-              <a:t>reactive </a:t>
-            </a:r>
-            <a:r>
-              <a:rPr lang="ko-KR" altLang="en-US" dirty="0"/>
-              <a:t>방식으로 </a:t>
+              <a:t>처리흐름이 직관적이고</a:t>
+            </a:r>
+            <a:r>
+              <a:rPr lang="en-US" altLang="ko-KR" dirty="0"/>
+              <a:t>, API</a:t>
+            </a:r>
+            <a:r>
+              <a:rPr lang="ko-KR" altLang="en-US" dirty="0"/>
+              <a:t>를 다루기 쉽다는 장점이 있습니다</a:t>
+            </a:r>
+            <a:r>
+              <a:rPr lang="en-US" altLang="ko-KR" dirty="0"/>
+              <a:t>.</a:t>
+            </a:r>
+          </a:p>
+          <a:p>
+            <a:endParaRPr lang="en-US" altLang="ko-KR" dirty="0"/>
+          </a:p>
+          <a:p>
+            <a:r>
+              <a:rPr lang="ko-KR" altLang="en-US" dirty="0"/>
+              <a:t>하지만</a:t>
+            </a:r>
+            <a:r>
+              <a:rPr lang="en-US" altLang="ko-KR" dirty="0"/>
+              <a:t>, Spring </a:t>
+            </a:r>
+            <a:r>
+              <a:rPr lang="ko-KR" altLang="en-US" dirty="0"/>
+              <a:t>프레임워크에서</a:t>
+            </a:r>
+            <a:r>
+              <a:rPr lang="en-US" altLang="ko-KR" dirty="0"/>
+              <a:t>,</a:t>
+            </a:r>
+            <a:r>
+              <a:rPr lang="ko-KR" altLang="en-US" dirty="0"/>
+              <a:t> </a:t>
+            </a:r>
+            <a:r>
+              <a:rPr lang="en-US" altLang="ko-KR" dirty="0"/>
+              <a:t>cache </a:t>
+            </a:r>
+            <a:r>
+              <a:rPr lang="ko-KR" altLang="en-US" b="1" u="sng" dirty="0" err="1"/>
+              <a:t>어노테이션</a:t>
+            </a:r>
+            <a:r>
+              <a:rPr lang="ko-KR" altLang="en-US" dirty="0" err="1"/>
+              <a:t>으로만</a:t>
+            </a:r>
+            <a:r>
+              <a:rPr lang="ko-KR" altLang="en-US" dirty="0"/>
+              <a:t> </a:t>
             </a:r>
             <a:r>
               <a:rPr lang="en-US" altLang="ko-KR" dirty="0" err="1"/>
@@ -2024,13 +1645,354 @@
             </a:r>
             <a:r>
               <a:rPr lang="ko-KR" altLang="en-US" dirty="0"/>
-              <a:t>서버를 호출해 보겠습니다</a:t>
+              <a:t>를 접하셨다면</a:t>
+            </a:r>
+            <a:r>
+              <a:rPr lang="en-US" altLang="ko-KR" dirty="0"/>
+              <a:t>, </a:t>
+            </a:r>
+            <a:r>
+              <a:rPr lang="ko-KR" altLang="en-US" dirty="0"/>
+              <a:t>이런 강력함을 미처 몰라보셨을 수도 있으실 </a:t>
+            </a:r>
+            <a:r>
+              <a:rPr lang="ko-KR" altLang="en-US" dirty="0" err="1"/>
+              <a:t>거에요</a:t>
             </a:r>
             <a:r>
               <a:rPr lang="en-US" altLang="ko-KR" dirty="0"/>
               <a:t>.</a:t>
             </a:r>
-            <a:endParaRPr lang="ko-KR" altLang="en-US" dirty="0"/>
+          </a:p>
+          <a:p>
+            <a:endParaRPr lang="en-US" altLang="ko-KR" dirty="0"/>
+          </a:p>
+          <a:p>
+            <a:endParaRPr lang="en-US" altLang="ko-KR" dirty="0"/>
+          </a:p>
+          <a:p>
+            <a:r>
+              <a:rPr lang="ko-KR" altLang="en-US" dirty="0"/>
+              <a:t>서버 인스턴스 간에는 메모리를 공유하지 않습니다</a:t>
+            </a:r>
+            <a:r>
+              <a:rPr lang="en-US" altLang="ko-KR" dirty="0"/>
+              <a:t>. </a:t>
+            </a:r>
+            <a:r>
+              <a:rPr lang="ko-KR" altLang="en-US" dirty="0"/>
+              <a:t>그래서 </a:t>
+            </a:r>
+            <a:r>
+              <a:rPr lang="en-US" altLang="ko-KR" dirty="0"/>
+              <a:t>queue </a:t>
+            </a:r>
+            <a:r>
+              <a:rPr lang="ko-KR" altLang="en-US" dirty="0"/>
+              <a:t>나</a:t>
+            </a:r>
+            <a:r>
+              <a:rPr lang="en-US" altLang="ko-KR" dirty="0"/>
+              <a:t>, LinkedList, map, set </a:t>
+            </a:r>
+            <a:r>
+              <a:rPr lang="ko-KR" altLang="en-US" dirty="0"/>
+              <a:t>등의 자료구조를 문제해결에 잘 사용하지 않습니다</a:t>
+            </a:r>
+            <a:r>
+              <a:rPr lang="en-US" altLang="ko-KR" dirty="0"/>
+              <a:t>.</a:t>
+            </a:r>
+          </a:p>
+          <a:p>
+            <a:endParaRPr lang="en-US" altLang="ko-KR" dirty="0"/>
+          </a:p>
+          <a:p>
+            <a:r>
+              <a:rPr lang="ko-KR" altLang="en-US" dirty="0"/>
+              <a:t>물론 메서드 안에서 로컬 변수로는 많이들 사용하셨을 </a:t>
+            </a:r>
+            <a:r>
+              <a:rPr lang="ko-KR" altLang="en-US" dirty="0" err="1"/>
+              <a:t>거에요</a:t>
+            </a:r>
+            <a:r>
+              <a:rPr lang="en-US" altLang="ko-KR" dirty="0"/>
+              <a:t>. </a:t>
+            </a:r>
+            <a:r>
+              <a:rPr lang="ko-KR" altLang="en-US" dirty="0"/>
+              <a:t>지금 말씀드리는 상황은</a:t>
+            </a:r>
+            <a:r>
+              <a:rPr lang="en-US" altLang="ko-KR" dirty="0"/>
+              <a:t>, </a:t>
+            </a:r>
+            <a:r>
+              <a:rPr lang="ko-KR" altLang="en-US" dirty="0"/>
+              <a:t>예를 들면</a:t>
+            </a:r>
+            <a:r>
+              <a:rPr lang="en-US" altLang="ko-KR" dirty="0"/>
+              <a:t>…</a:t>
+            </a:r>
+          </a:p>
+          <a:p>
+            <a:pPr marL="0" marR="0" lvl="0" indent="0" algn="l" defTabSz="685800" rtl="0" eaLnBrk="1" fontAlgn="auto" latinLnBrk="1" hangingPunct="1">
+              <a:lnSpc>
+                <a:spcPct val="100000"/>
+              </a:lnSpc>
+              <a:spcBef>
+                <a:spcPts val="0"/>
+              </a:spcBef>
+              <a:spcAft>
+                <a:spcPts val="0"/>
+              </a:spcAft>
+              <a:buClrTx/>
+              <a:buSzTx/>
+              <a:buFontTx/>
+              <a:buNone/>
+              <a:tabLst/>
+              <a:defRPr/>
+            </a:pPr>
+            <a:endParaRPr lang="en-US" altLang="ko-KR" dirty="0"/>
+          </a:p>
+          <a:p>
+            <a:pPr marL="0" marR="0" lvl="0" indent="0" algn="l" defTabSz="685800" rtl="0" eaLnBrk="1" fontAlgn="auto" latinLnBrk="1" hangingPunct="1">
+              <a:lnSpc>
+                <a:spcPct val="100000"/>
+              </a:lnSpc>
+              <a:spcBef>
+                <a:spcPts val="0"/>
+              </a:spcBef>
+              <a:spcAft>
+                <a:spcPts val="0"/>
+              </a:spcAft>
+              <a:buClrTx/>
+              <a:buSzTx/>
+              <a:buFontTx/>
+              <a:buNone/>
+              <a:tabLst/>
+              <a:defRPr/>
+            </a:pPr>
+            <a:r>
+              <a:rPr lang="ko-KR" altLang="en-US" dirty="0"/>
+              <a:t>만약</a:t>
+            </a:r>
+            <a:r>
+              <a:rPr lang="en-US" altLang="ko-KR" dirty="0"/>
+              <a:t>, </a:t>
+            </a:r>
+            <a:r>
+              <a:rPr lang="ko-KR" altLang="en-US" dirty="0"/>
+              <a:t>서버 간에 공유 가능한 </a:t>
+            </a:r>
+            <a:r>
+              <a:rPr lang="en-US" altLang="ko-KR" dirty="0"/>
+              <a:t>sorted set </a:t>
+            </a:r>
+            <a:r>
+              <a:rPr lang="ko-KR" altLang="en-US" dirty="0"/>
+              <a:t>이 있다면</a:t>
+            </a:r>
+            <a:r>
+              <a:rPr lang="en-US" altLang="ko-KR" dirty="0"/>
+              <a:t>, sorted set</a:t>
+            </a:r>
+            <a:r>
+              <a:rPr lang="ko-KR" altLang="en-US" dirty="0"/>
+              <a:t>은 입력 즉시 정렬되는 자료구조고</a:t>
+            </a:r>
+            <a:r>
+              <a:rPr lang="en-US" altLang="ko-KR" dirty="0"/>
+              <a:t>, </a:t>
+            </a:r>
+            <a:r>
+              <a:rPr lang="ko-KR" altLang="en-US" dirty="0"/>
+              <a:t>여기에 제목과 랭킹점수를 여러 서버에서 입력하면</a:t>
+            </a:r>
+            <a:r>
+              <a:rPr lang="en-US" altLang="ko-KR" dirty="0"/>
+              <a:t>, </a:t>
+            </a:r>
+            <a:r>
+              <a:rPr lang="ko-KR" altLang="en-US" dirty="0"/>
+              <a:t>입력 즉시 </a:t>
+            </a:r>
+            <a:r>
+              <a:rPr lang="en-US" altLang="ko-KR" dirty="0"/>
+              <a:t>! </a:t>
+            </a:r>
+            <a:r>
+              <a:rPr lang="ko-KR" altLang="en-US" dirty="0"/>
+              <a:t>정렬되는 실시간 랭킹시스템을 만들 수도 있을 </a:t>
+            </a:r>
+            <a:r>
+              <a:rPr lang="ko-KR" altLang="en-US" dirty="0" err="1"/>
+              <a:t>거에요</a:t>
+            </a:r>
+            <a:r>
+              <a:rPr lang="en-US" altLang="ko-KR" dirty="0"/>
+              <a:t>.</a:t>
+            </a:r>
+          </a:p>
+          <a:p>
+            <a:pPr marL="0" marR="0" lvl="0" indent="0" algn="l" defTabSz="685800" rtl="0" eaLnBrk="1" fontAlgn="auto" latinLnBrk="1" hangingPunct="1">
+              <a:lnSpc>
+                <a:spcPct val="100000"/>
+              </a:lnSpc>
+              <a:spcBef>
+                <a:spcPts val="0"/>
+              </a:spcBef>
+              <a:spcAft>
+                <a:spcPts val="0"/>
+              </a:spcAft>
+              <a:buClrTx/>
+              <a:buSzTx/>
+              <a:buFontTx/>
+              <a:buNone/>
+              <a:tabLst/>
+              <a:defRPr/>
+            </a:pPr>
+            <a:endParaRPr lang="en-US" altLang="ko-KR" dirty="0"/>
+          </a:p>
+          <a:p>
+            <a:pPr marL="0" marR="0" lvl="0" indent="0" algn="l" defTabSz="685800" rtl="0" eaLnBrk="1" fontAlgn="auto" latinLnBrk="1" hangingPunct="1">
+              <a:lnSpc>
+                <a:spcPct val="100000"/>
+              </a:lnSpc>
+              <a:spcBef>
+                <a:spcPts val="0"/>
+              </a:spcBef>
+              <a:spcAft>
+                <a:spcPts val="0"/>
+              </a:spcAft>
+              <a:buClrTx/>
+              <a:buSzTx/>
+              <a:buFontTx/>
+              <a:buNone/>
+              <a:tabLst/>
+              <a:defRPr/>
+            </a:pPr>
+            <a:endParaRPr lang="en-US" altLang="ko-KR" dirty="0"/>
+          </a:p>
+          <a:p>
+            <a:pPr marL="0" marR="0" lvl="0" indent="0" algn="l" defTabSz="685800" rtl="0" eaLnBrk="1" fontAlgn="auto" latinLnBrk="1" hangingPunct="1">
+              <a:lnSpc>
+                <a:spcPct val="100000"/>
+              </a:lnSpc>
+              <a:spcBef>
+                <a:spcPts val="0"/>
+              </a:spcBef>
+              <a:spcAft>
+                <a:spcPts val="0"/>
+              </a:spcAft>
+              <a:buClrTx/>
+              <a:buSzTx/>
+              <a:buFontTx/>
+              <a:buNone/>
+              <a:tabLst/>
+              <a:defRPr/>
+            </a:pPr>
+            <a:r>
+              <a:rPr lang="en-US" altLang="ko-KR" dirty="0"/>
+              <a:t>Redis </a:t>
+            </a:r>
+            <a:r>
+              <a:rPr lang="ko-KR" altLang="en-US" dirty="0"/>
+              <a:t>는 바로</a:t>
+            </a:r>
+            <a:r>
+              <a:rPr lang="en-US" altLang="ko-KR" dirty="0"/>
+              <a:t>, </a:t>
+            </a:r>
+            <a:r>
+              <a:rPr lang="ko-KR" altLang="en-US" dirty="0"/>
+              <a:t>서버 인스턴스 간에 이런 자료구조를 공유할 수 있게끔 해주는 메모리 역할을 수행합니다</a:t>
+            </a:r>
+            <a:r>
+              <a:rPr lang="en-US" altLang="ko-KR" dirty="0"/>
+              <a:t>.</a:t>
+            </a:r>
+          </a:p>
+          <a:p>
+            <a:pPr marL="0" marR="0" lvl="0" indent="0" algn="l" defTabSz="685800" rtl="0" eaLnBrk="1" fontAlgn="auto" latinLnBrk="1" hangingPunct="1">
+              <a:lnSpc>
+                <a:spcPct val="100000"/>
+              </a:lnSpc>
+              <a:spcBef>
+                <a:spcPts val="0"/>
+              </a:spcBef>
+              <a:spcAft>
+                <a:spcPts val="0"/>
+              </a:spcAft>
+              <a:buClrTx/>
+              <a:buSzTx/>
+              <a:buFontTx/>
+              <a:buNone/>
+              <a:tabLst/>
+              <a:defRPr/>
+            </a:pPr>
+            <a:endParaRPr lang="en-US" altLang="ko-KR" dirty="0"/>
+          </a:p>
+          <a:p>
+            <a:pPr marL="0" marR="0" lvl="0" indent="0" algn="l" defTabSz="685800" rtl="0" eaLnBrk="1" fontAlgn="auto" latinLnBrk="1" hangingPunct="1">
+              <a:lnSpc>
+                <a:spcPct val="100000"/>
+              </a:lnSpc>
+              <a:spcBef>
+                <a:spcPts val="0"/>
+              </a:spcBef>
+              <a:spcAft>
+                <a:spcPts val="0"/>
+              </a:spcAft>
+              <a:buClrTx/>
+              <a:buSzTx/>
+              <a:buFontTx/>
+              <a:buNone/>
+              <a:tabLst/>
+              <a:defRPr/>
+            </a:pPr>
+            <a:r>
+              <a:rPr lang="ko-KR" altLang="en-US" dirty="0"/>
+              <a:t>이번 시간에 저희는</a:t>
+            </a:r>
+            <a:r>
+              <a:rPr lang="en-US" altLang="ko-KR" dirty="0"/>
+              <a:t>,</a:t>
+            </a:r>
+            <a:r>
+              <a:rPr lang="ko-KR" altLang="en-US" dirty="0"/>
+              <a:t> </a:t>
+            </a:r>
+            <a:r>
+              <a:rPr lang="en-US" altLang="ko-KR" dirty="0"/>
+              <a:t>Redis</a:t>
+            </a:r>
+            <a:r>
+              <a:rPr lang="ko-KR" altLang="en-US" dirty="0"/>
+              <a:t>가 제공하는 다양한 </a:t>
+            </a:r>
+            <a:r>
+              <a:rPr lang="en-US" altLang="ko-KR" dirty="0"/>
+              <a:t>operation</a:t>
+            </a:r>
+            <a:r>
+              <a:rPr lang="ko-KR" altLang="en-US" dirty="0"/>
+              <a:t>을 사용해 보고</a:t>
+            </a:r>
+            <a:r>
+              <a:rPr lang="en-US" altLang="ko-KR" dirty="0"/>
+              <a:t>, </a:t>
+            </a:r>
+            <a:r>
+              <a:rPr lang="ko-KR" altLang="en-US" dirty="0"/>
+              <a:t>서버 간에 공유 가능한 메모리 유형도 파악해 보겠습니다</a:t>
+            </a:r>
+            <a:r>
+              <a:rPr lang="en-US" altLang="ko-KR" dirty="0"/>
+              <a:t>.</a:t>
+            </a:r>
           </a:p>
         </p:txBody>
       </p:sp>
@@ -2051,7 +2013,7 @@
           <a:p>
             <a:fld id="{4F243B46-72FF-4656-838A-691B9EB329E3}" type="slidenum">
               <a:rPr lang="ko-KR" altLang="en-US" smtClean="0"/>
-              <a:t>14</a:t>
+              <a:t>13</a:t>
             </a:fld>
             <a:endParaRPr lang="ko-KR" altLang="en-US"/>
           </a:p>
@@ -2060,7 +2022,7 @@
     </p:spTree>
     <p:extLst>
       <p:ext uri="{BB962C8B-B14F-4D97-AF65-F5344CB8AC3E}">
-        <p14:creationId xmlns:p14="http://schemas.microsoft.com/office/powerpoint/2010/main" val="3266000744"/>
+        <p14:creationId xmlns:p14="http://schemas.microsoft.com/office/powerpoint/2010/main" val="1099860314"/>
       </p:ext>
     </p:extLst>
   </p:cSld>
@@ -2116,7 +2078,7 @@
           <a:p>
             <a:r>
               <a:rPr lang="ko-KR" altLang="en-US" dirty="0"/>
-              <a:t>지금부터는 </a:t>
+              <a:t>먼저 </a:t>
             </a:r>
             <a:r>
               <a:rPr lang="en-US" altLang="ko-KR" dirty="0"/>
@@ -2124,7 +2086,43 @@
             </a:r>
             <a:r>
               <a:rPr lang="ko-KR" altLang="en-US" dirty="0"/>
-              <a:t>가 제공하는 다양한 연산을 알아보겠습니다</a:t>
+              <a:t>서버를 구성하고</a:t>
+            </a:r>
+            <a:r>
+              <a:rPr lang="en-US" altLang="ko-KR" dirty="0"/>
+              <a:t>, </a:t>
+            </a:r>
+            <a:r>
+              <a:rPr lang="en-US" altLang="ko-KR" dirty="0" err="1"/>
+              <a:t>Webflux</a:t>
+            </a:r>
+            <a:r>
+              <a:rPr lang="en-US" altLang="ko-KR" dirty="0"/>
+              <a:t> </a:t>
+            </a:r>
+            <a:r>
+              <a:rPr lang="ko-KR" altLang="en-US" dirty="0"/>
+              <a:t>에서 </a:t>
+            </a:r>
+            <a:r>
+              <a:rPr lang="en-US" altLang="ko-KR" dirty="0"/>
+              <a:t>reactive </a:t>
+            </a:r>
+            <a:r>
+              <a:rPr lang="ko-KR" altLang="en-US" dirty="0"/>
+              <a:t>방식으로 </a:t>
+            </a:r>
+            <a:r>
+              <a:rPr lang="en-US" altLang="ko-KR" dirty="0" err="1"/>
+              <a:t>redis</a:t>
+            </a:r>
+            <a:r>
+              <a:rPr lang="en-US" altLang="ko-KR" dirty="0"/>
+              <a:t> </a:t>
+            </a:r>
+            <a:r>
+              <a:rPr lang="ko-KR" altLang="en-US" dirty="0"/>
+              <a:t>서버를 호출해 보겠습니다</a:t>
             </a:r>
             <a:r>
               <a:rPr lang="en-US" altLang="ko-KR" dirty="0"/>
@@ -2151,7 +2149,7 @@
           <a:p>
             <a:fld id="{4F243B46-72FF-4656-838A-691B9EB329E3}" type="slidenum">
               <a:rPr lang="ko-KR" altLang="en-US" smtClean="0"/>
-              <a:t>15</a:t>
+              <a:t>14</a:t>
             </a:fld>
             <a:endParaRPr lang="ko-KR" altLang="en-US"/>
           </a:p>
@@ -2160,7 +2158,7 @@
     </p:spTree>
     <p:extLst>
       <p:ext uri="{BB962C8B-B14F-4D97-AF65-F5344CB8AC3E}">
-        <p14:creationId xmlns:p14="http://schemas.microsoft.com/office/powerpoint/2010/main" val="4059958815"/>
+        <p14:creationId xmlns:p14="http://schemas.microsoft.com/office/powerpoint/2010/main" val="3266000744"/>
       </p:ext>
     </p:extLst>
   </p:cSld>
@@ -2216,325 +2214,21 @@
           <a:p>
             <a:r>
               <a:rPr lang="ko-KR" altLang="en-US" dirty="0"/>
-              <a:t>매번 </a:t>
-            </a:r>
-            <a:r>
-              <a:rPr lang="en-US" altLang="ko-KR" dirty="0"/>
-              <a:t>DB</a:t>
-            </a:r>
-            <a:r>
-              <a:rPr lang="ko-KR" altLang="en-US" dirty="0"/>
-              <a:t>를 조회하는 것이 아니라</a:t>
-            </a:r>
-            <a:r>
-              <a:rPr lang="en-US" altLang="ko-KR" dirty="0"/>
-              <a:t>, </a:t>
-            </a:r>
-            <a:r>
-              <a:rPr lang="ko-KR" altLang="en-US" dirty="0"/>
-              <a:t>데이터 변경이 없다면</a:t>
-            </a:r>
-            <a:r>
-              <a:rPr lang="en-US" altLang="ko-KR" dirty="0"/>
-              <a:t> Cache </a:t>
-            </a:r>
-            <a:r>
-              <a:rPr lang="ko-KR" altLang="en-US" dirty="0"/>
-              <a:t>에 저장된 데이터를 넘겨주는 것이</a:t>
-            </a:r>
-            <a:r>
-              <a:rPr lang="en-US" altLang="ko-KR" dirty="0"/>
-              <a:t>, </a:t>
-            </a:r>
-            <a:r>
-              <a:rPr lang="ko-KR" altLang="en-US" dirty="0" err="1"/>
-              <a:t>테크</a:t>
-            </a:r>
-            <a:r>
-              <a:rPr lang="ko-KR" altLang="en-US" dirty="0"/>
-              <a:t> 기업에서 서비스를 빠르게 만드는 주요한 마법입니다</a:t>
+              <a:t>지금부터는 </a:t>
+            </a:r>
+            <a:r>
+              <a:rPr lang="en-US" altLang="ko-KR" dirty="0"/>
+              <a:t>Redis </a:t>
+            </a:r>
+            <a:r>
+              <a:rPr lang="ko-KR" altLang="en-US" dirty="0"/>
+              <a:t>가 제공하는 다양한 연산을 알아보겠습니다</a:t>
             </a:r>
             <a:r>
               <a:rPr lang="en-US" altLang="ko-KR" dirty="0"/>
               <a:t>.</a:t>
             </a:r>
-          </a:p>
-          <a:p>
-            <a:endParaRPr lang="en-US" altLang="ko-KR" dirty="0"/>
-          </a:p>
-          <a:p>
-            <a:r>
-              <a:rPr lang="ko-KR" altLang="en-US" dirty="0"/>
-              <a:t>그런데 </a:t>
-            </a:r>
-            <a:r>
-              <a:rPr lang="en-US" altLang="ko-KR" dirty="0" err="1"/>
-              <a:t>Webflux</a:t>
-            </a:r>
-            <a:r>
-              <a:rPr lang="en-US" altLang="ko-KR" dirty="0"/>
-              <a:t> </a:t>
-            </a:r>
-            <a:r>
-              <a:rPr lang="ko-KR" altLang="en-US" dirty="0"/>
-              <a:t>는 아쉽게도 아직</a:t>
-            </a:r>
-            <a:r>
-              <a:rPr lang="en-US" altLang="ko-KR" dirty="0"/>
-              <a:t>, Cache </a:t>
-            </a:r>
-            <a:r>
-              <a:rPr lang="ko-KR" altLang="en-US" dirty="0" err="1"/>
-              <a:t>어노테이션이</a:t>
-            </a:r>
-            <a:r>
-              <a:rPr lang="ko-KR" altLang="en-US" dirty="0"/>
-              <a:t> 동작하지 않습니다</a:t>
-            </a:r>
-            <a:r>
-              <a:rPr lang="en-US" altLang="ko-KR" dirty="0"/>
-              <a:t>.</a:t>
-            </a:r>
-          </a:p>
-          <a:p>
-            <a:endParaRPr lang="en-US" altLang="ko-KR" dirty="0"/>
-          </a:p>
-          <a:p>
-            <a:r>
-              <a:rPr lang="en-US" altLang="ko-KR" dirty="0"/>
-              <a:t>reactor </a:t>
-            </a:r>
-            <a:r>
-              <a:rPr lang="ko-KR" altLang="en-US" dirty="0"/>
-              <a:t>함수인 경우</a:t>
-            </a:r>
-            <a:r>
-              <a:rPr lang="en-US" altLang="ko-KR" dirty="0"/>
-              <a:t>, </a:t>
-            </a:r>
-            <a:r>
-              <a:rPr lang="ko-KR" altLang="en-US" dirty="0"/>
-              <a:t>반환결과는 값이 아닌 </a:t>
-            </a:r>
-            <a:r>
-              <a:rPr lang="en-US" altLang="ko-KR" dirty="0"/>
-              <a:t>Mono </a:t>
-            </a:r>
-            <a:r>
-              <a:rPr lang="ko-KR" altLang="en-US" dirty="0"/>
-              <a:t>나 </a:t>
-            </a:r>
-            <a:r>
-              <a:rPr lang="en-US" altLang="ko-KR" dirty="0"/>
-              <a:t>Flux </a:t>
-            </a:r>
-            <a:r>
-              <a:rPr lang="ko-KR" altLang="en-US" dirty="0"/>
-              <a:t>등의 </a:t>
-            </a:r>
-            <a:r>
-              <a:rPr lang="en-US" altLang="ko-KR" dirty="0"/>
-              <a:t>publisher </a:t>
-            </a:r>
-            <a:r>
-              <a:rPr lang="ko-KR" altLang="en-US" dirty="0"/>
-              <a:t>입니다</a:t>
-            </a:r>
-            <a:r>
-              <a:rPr lang="en-US" altLang="ko-KR" dirty="0"/>
-              <a:t>. </a:t>
-            </a:r>
-            <a:r>
-              <a:rPr lang="ko-KR" altLang="en-US" dirty="0"/>
-              <a:t>그래서</a:t>
-            </a:r>
-            <a:r>
-              <a:rPr lang="en-US" altLang="ko-KR" dirty="0"/>
-              <a:t>, cache </a:t>
-            </a:r>
-            <a:r>
-              <a:rPr lang="ko-KR" altLang="en-US" dirty="0" err="1"/>
-              <a:t>어노테이션을</a:t>
-            </a:r>
-            <a:r>
-              <a:rPr lang="ko-KR" altLang="en-US" dirty="0"/>
-              <a:t> 사용하면</a:t>
-            </a:r>
-            <a:r>
-              <a:rPr lang="en-US" altLang="ko-KR" dirty="0"/>
-              <a:t>, </a:t>
-            </a:r>
-            <a:r>
-              <a:rPr lang="ko-KR" altLang="en-US" dirty="0"/>
-              <a:t>값이 아닌 </a:t>
-            </a:r>
-            <a:r>
-              <a:rPr lang="en-US" altLang="ko-KR" dirty="0"/>
-              <a:t>Publisher </a:t>
-            </a:r>
-            <a:r>
-              <a:rPr lang="ko-KR" altLang="en-US" dirty="0"/>
-              <a:t>를 캐시하기 때문에 정상 작동하지 않습니다</a:t>
-            </a:r>
-            <a:r>
-              <a:rPr lang="en-US" altLang="ko-KR" dirty="0"/>
-              <a:t>.</a:t>
-            </a:r>
-          </a:p>
-          <a:p>
-            <a:endParaRPr lang="en-US" altLang="ko-KR" dirty="0"/>
-          </a:p>
-          <a:p>
-            <a:r>
-              <a:rPr lang="en-US" altLang="ko-KR" dirty="0"/>
-              <a:t>coroutine</a:t>
-            </a:r>
-            <a:r>
-              <a:rPr lang="ko-KR" altLang="en-US" dirty="0"/>
-              <a:t> 함수인 경우에는</a:t>
-            </a:r>
-            <a:r>
-              <a:rPr lang="en-US" altLang="ko-KR" dirty="0"/>
-              <a:t>, </a:t>
-            </a:r>
-            <a:r>
-              <a:rPr lang="ko-KR" altLang="en-US" dirty="0"/>
-              <a:t>컴파일 변형으로 생성되는 </a:t>
-            </a:r>
-            <a:r>
-              <a:rPr lang="en-US" altLang="ko-KR" dirty="0"/>
-              <a:t>continuation </a:t>
-            </a:r>
-            <a:r>
-              <a:rPr lang="ko-KR" altLang="en-US" dirty="0"/>
-              <a:t>파라미터와 </a:t>
-            </a:r>
-            <a:r>
-              <a:rPr lang="en-US" altLang="ko-KR" dirty="0"/>
-              <a:t>special return </a:t>
-            </a:r>
-            <a:r>
-              <a:rPr lang="ko-KR" altLang="en-US" dirty="0"/>
-              <a:t>이 </a:t>
-            </a:r>
-            <a:r>
-              <a:rPr lang="en-US" altLang="ko-KR" dirty="0"/>
-              <a:t>cache </a:t>
-            </a:r>
-            <a:r>
-              <a:rPr lang="ko-KR" altLang="en-US" dirty="0" err="1"/>
-              <a:t>어노테이션</a:t>
-            </a:r>
-            <a:r>
-              <a:rPr lang="ko-KR" altLang="en-US" dirty="0"/>
-              <a:t> 처리방식과 맞지 않아서</a:t>
-            </a:r>
-            <a:r>
-              <a:rPr lang="en-US" altLang="ko-KR" dirty="0"/>
-              <a:t>, </a:t>
-            </a:r>
-            <a:r>
-              <a:rPr lang="ko-KR" altLang="en-US" dirty="0"/>
-              <a:t>마찬가지로 정상 작동하지 않습니다</a:t>
-            </a:r>
-            <a:r>
-              <a:rPr lang="en-US" altLang="ko-KR" dirty="0"/>
-              <a:t>.</a:t>
-            </a:r>
-          </a:p>
-          <a:p>
-            <a:endParaRPr lang="en-US" altLang="ko-KR" dirty="0"/>
-          </a:p>
-          <a:p>
-            <a:pPr marL="0" marR="0" lvl="0" indent="0" algn="l" defTabSz="685800" rtl="0" eaLnBrk="1" fontAlgn="auto" latinLnBrk="1" hangingPunct="1">
-              <a:lnSpc>
-                <a:spcPct val="100000"/>
-              </a:lnSpc>
-              <a:spcBef>
-                <a:spcPts val="0"/>
-              </a:spcBef>
-              <a:spcAft>
-                <a:spcPts val="0"/>
-              </a:spcAft>
-              <a:buClrTx/>
-              <a:buSzTx/>
-              <a:buFontTx/>
-              <a:buNone/>
-              <a:tabLst/>
-              <a:defRPr/>
-            </a:pPr>
-            <a:endParaRPr lang="en-US" altLang="ko-KR" dirty="0"/>
-          </a:p>
-          <a:p>
-            <a:pPr marL="0" marR="0" lvl="0" indent="0" algn="l" defTabSz="685800" rtl="0" eaLnBrk="1" fontAlgn="auto" latinLnBrk="1" hangingPunct="1">
-              <a:lnSpc>
-                <a:spcPct val="100000"/>
-              </a:lnSpc>
-              <a:spcBef>
-                <a:spcPts val="0"/>
-              </a:spcBef>
-              <a:spcAft>
-                <a:spcPts val="0"/>
-              </a:spcAft>
-              <a:buClrTx/>
-              <a:buSzTx/>
-              <a:buFontTx/>
-              <a:buNone/>
-              <a:tabLst/>
-              <a:defRPr/>
-            </a:pPr>
-            <a:r>
-              <a:rPr lang="ko-KR" altLang="en-US" dirty="0"/>
-              <a:t>그래서 </a:t>
-            </a:r>
-            <a:r>
-              <a:rPr lang="en-US" altLang="ko-KR" dirty="0"/>
-              <a:t>Cache </a:t>
-            </a:r>
-            <a:r>
-              <a:rPr lang="ko-KR" altLang="en-US" dirty="0"/>
-              <a:t>기능은</a:t>
-            </a:r>
-            <a:r>
-              <a:rPr lang="en-US" altLang="ko-KR" dirty="0"/>
-              <a:t>, </a:t>
-            </a:r>
-            <a:r>
-              <a:rPr lang="ko-KR" altLang="en-US" dirty="0"/>
-              <a:t>아직은 </a:t>
-            </a:r>
-            <a:r>
-              <a:rPr lang="en-US" altLang="ko-KR" dirty="0"/>
-              <a:t>Redis </a:t>
-            </a:r>
-            <a:r>
-              <a:rPr lang="ko-KR" altLang="en-US" dirty="0"/>
-              <a:t>를 이용해 직접 처리해야 합니다</a:t>
-            </a:r>
-            <a:r>
-              <a:rPr lang="en-US" altLang="ko-KR" dirty="0"/>
-              <a:t>.</a:t>
-            </a:r>
-          </a:p>
-          <a:p>
-            <a:pPr marL="0" marR="0" lvl="0" indent="0" algn="l" defTabSz="685800" rtl="0" eaLnBrk="1" fontAlgn="auto" latinLnBrk="1" hangingPunct="1">
-              <a:lnSpc>
-                <a:spcPct val="100000"/>
-              </a:lnSpc>
-              <a:spcBef>
-                <a:spcPts val="0"/>
-              </a:spcBef>
-              <a:spcAft>
-                <a:spcPts val="0"/>
-              </a:spcAft>
-              <a:buClrTx/>
-              <a:buSzTx/>
-              <a:buFontTx/>
-              <a:buNone/>
-              <a:tabLst/>
-              <a:defRPr/>
-            </a:pPr>
-            <a:endParaRPr lang="en-US" altLang="ko-KR" dirty="0"/>
+            <a:endParaRPr lang="ko-KR" altLang="en-US" dirty="0"/>
           </a:p>
         </p:txBody>
       </p:sp>
@@ -2555,7 +2249,7 @@
           <a:p>
             <a:fld id="{4F243B46-72FF-4656-838A-691B9EB329E3}" type="slidenum">
               <a:rPr lang="ko-KR" altLang="en-US" smtClean="0"/>
-              <a:t>16</a:t>
+              <a:t>15</a:t>
             </a:fld>
             <a:endParaRPr lang="ko-KR" altLang="en-US"/>
           </a:p>
@@ -2564,7 +2258,7 @@
     </p:spTree>
     <p:extLst>
       <p:ext uri="{BB962C8B-B14F-4D97-AF65-F5344CB8AC3E}">
-        <p14:creationId xmlns:p14="http://schemas.microsoft.com/office/powerpoint/2010/main" val="1627911884"/>
+        <p14:creationId xmlns:p14="http://schemas.microsoft.com/office/powerpoint/2010/main" val="4059958815"/>
       </p:ext>
     </p:extLst>
   </p:cSld>
@@ -2618,6 +2312,238 @@
           <a:bodyPr/>
           <a:lstStyle/>
           <a:p>
+            <a:r>
+              <a:rPr lang="ko-KR" altLang="en-US" dirty="0"/>
+              <a:t>매번 </a:t>
+            </a:r>
+            <a:r>
+              <a:rPr lang="en-US" altLang="ko-KR" dirty="0"/>
+              <a:t>DB</a:t>
+            </a:r>
+            <a:r>
+              <a:rPr lang="ko-KR" altLang="en-US" dirty="0"/>
+              <a:t>를 조회하는 것이 아니라</a:t>
+            </a:r>
+            <a:r>
+              <a:rPr lang="en-US" altLang="ko-KR" dirty="0"/>
+              <a:t>, </a:t>
+            </a:r>
+            <a:r>
+              <a:rPr lang="ko-KR" altLang="en-US" dirty="0"/>
+              <a:t>데이터 변경이 없다면</a:t>
+            </a:r>
+            <a:r>
+              <a:rPr lang="en-US" altLang="ko-KR" dirty="0"/>
+              <a:t> Cache </a:t>
+            </a:r>
+            <a:r>
+              <a:rPr lang="ko-KR" altLang="en-US" dirty="0"/>
+              <a:t>에 저장된 데이터를 넘겨주는 것이</a:t>
+            </a:r>
+            <a:r>
+              <a:rPr lang="en-US" altLang="ko-KR" dirty="0"/>
+              <a:t>, </a:t>
+            </a:r>
+            <a:r>
+              <a:rPr lang="ko-KR" altLang="en-US" dirty="0" err="1"/>
+              <a:t>테크</a:t>
+            </a:r>
+            <a:r>
+              <a:rPr lang="ko-KR" altLang="en-US" dirty="0"/>
+              <a:t> 기업에서 서비스를 빠르게 만드는 주요한 마법입니다</a:t>
+            </a:r>
+            <a:r>
+              <a:rPr lang="en-US" altLang="ko-KR" dirty="0"/>
+              <a:t>.</a:t>
+            </a:r>
+          </a:p>
+          <a:p>
+            <a:endParaRPr lang="en-US" altLang="ko-KR" dirty="0"/>
+          </a:p>
+          <a:p>
+            <a:r>
+              <a:rPr lang="ko-KR" altLang="en-US" dirty="0"/>
+              <a:t>그런데 </a:t>
+            </a:r>
+            <a:r>
+              <a:rPr lang="en-US" altLang="ko-KR" dirty="0" err="1"/>
+              <a:t>Webflux</a:t>
+            </a:r>
+            <a:r>
+              <a:rPr lang="en-US" altLang="ko-KR" dirty="0"/>
+              <a:t> </a:t>
+            </a:r>
+            <a:r>
+              <a:rPr lang="ko-KR" altLang="en-US" dirty="0"/>
+              <a:t>는 아쉽게도 아직</a:t>
+            </a:r>
+            <a:r>
+              <a:rPr lang="en-US" altLang="ko-KR" dirty="0"/>
+              <a:t>, Cache </a:t>
+            </a:r>
+            <a:r>
+              <a:rPr lang="ko-KR" altLang="en-US" dirty="0" err="1"/>
+              <a:t>어노테이션이</a:t>
+            </a:r>
+            <a:r>
+              <a:rPr lang="ko-KR" altLang="en-US" dirty="0"/>
+              <a:t> 동작하지 않습니다</a:t>
+            </a:r>
+            <a:r>
+              <a:rPr lang="en-US" altLang="ko-KR" dirty="0"/>
+              <a:t>.</a:t>
+            </a:r>
+          </a:p>
+          <a:p>
+            <a:endParaRPr lang="en-US" altLang="ko-KR" dirty="0"/>
+          </a:p>
+          <a:p>
+            <a:r>
+              <a:rPr lang="en-US" altLang="ko-KR" dirty="0"/>
+              <a:t>reactor </a:t>
+            </a:r>
+            <a:r>
+              <a:rPr lang="ko-KR" altLang="en-US" dirty="0"/>
+              <a:t>함수인 경우</a:t>
+            </a:r>
+            <a:r>
+              <a:rPr lang="en-US" altLang="ko-KR" dirty="0"/>
+              <a:t>, </a:t>
+            </a:r>
+            <a:r>
+              <a:rPr lang="ko-KR" altLang="en-US" dirty="0"/>
+              <a:t>반환결과는 값이 아닌 </a:t>
+            </a:r>
+            <a:r>
+              <a:rPr lang="en-US" altLang="ko-KR" dirty="0"/>
+              <a:t>Mono </a:t>
+            </a:r>
+            <a:r>
+              <a:rPr lang="ko-KR" altLang="en-US" dirty="0"/>
+              <a:t>나 </a:t>
+            </a:r>
+            <a:r>
+              <a:rPr lang="en-US" altLang="ko-KR" dirty="0"/>
+              <a:t>Flux </a:t>
+            </a:r>
+            <a:r>
+              <a:rPr lang="ko-KR" altLang="en-US" dirty="0"/>
+              <a:t>등의 </a:t>
+            </a:r>
+            <a:r>
+              <a:rPr lang="en-US" altLang="ko-KR" dirty="0"/>
+              <a:t>publisher </a:t>
+            </a:r>
+            <a:r>
+              <a:rPr lang="ko-KR" altLang="en-US" dirty="0"/>
+              <a:t>입니다</a:t>
+            </a:r>
+            <a:r>
+              <a:rPr lang="en-US" altLang="ko-KR" dirty="0"/>
+              <a:t>. </a:t>
+            </a:r>
+            <a:r>
+              <a:rPr lang="ko-KR" altLang="en-US" dirty="0"/>
+              <a:t>그래서</a:t>
+            </a:r>
+            <a:r>
+              <a:rPr lang="en-US" altLang="ko-KR" dirty="0"/>
+              <a:t>, cache </a:t>
+            </a:r>
+            <a:r>
+              <a:rPr lang="ko-KR" altLang="en-US" dirty="0" err="1"/>
+              <a:t>어노테이션을</a:t>
+            </a:r>
+            <a:r>
+              <a:rPr lang="ko-KR" altLang="en-US" dirty="0"/>
+              <a:t> 사용하면</a:t>
+            </a:r>
+            <a:r>
+              <a:rPr lang="en-US" altLang="ko-KR" dirty="0"/>
+              <a:t>, </a:t>
+            </a:r>
+            <a:r>
+              <a:rPr lang="ko-KR" altLang="en-US" dirty="0"/>
+              <a:t>값이 아닌 </a:t>
+            </a:r>
+            <a:r>
+              <a:rPr lang="en-US" altLang="ko-KR" dirty="0"/>
+              <a:t>Publisher </a:t>
+            </a:r>
+            <a:r>
+              <a:rPr lang="ko-KR" altLang="en-US" dirty="0"/>
+              <a:t>를 캐시하기 때문에 정상 작동하지 않습니다</a:t>
+            </a:r>
+            <a:r>
+              <a:rPr lang="en-US" altLang="ko-KR" dirty="0"/>
+              <a:t>.</a:t>
+            </a:r>
+          </a:p>
+          <a:p>
+            <a:endParaRPr lang="en-US" altLang="ko-KR" dirty="0"/>
+          </a:p>
+          <a:p>
+            <a:r>
+              <a:rPr lang="en-US" altLang="ko-KR" dirty="0"/>
+              <a:t>coroutine</a:t>
+            </a:r>
+            <a:r>
+              <a:rPr lang="ko-KR" altLang="en-US" dirty="0"/>
+              <a:t> 함수인 경우에는</a:t>
+            </a:r>
+            <a:r>
+              <a:rPr lang="en-US" altLang="ko-KR" dirty="0"/>
+              <a:t>, </a:t>
+            </a:r>
+            <a:r>
+              <a:rPr lang="ko-KR" altLang="en-US" dirty="0"/>
+              <a:t>컴파일 변형으로 생성되는 </a:t>
+            </a:r>
+            <a:r>
+              <a:rPr lang="en-US" altLang="ko-KR" dirty="0"/>
+              <a:t>continuation </a:t>
+            </a:r>
+            <a:r>
+              <a:rPr lang="ko-KR" altLang="en-US" dirty="0"/>
+              <a:t>파라미터와 </a:t>
+            </a:r>
+            <a:r>
+              <a:rPr lang="en-US" altLang="ko-KR" dirty="0"/>
+              <a:t>special return </a:t>
+            </a:r>
+            <a:r>
+              <a:rPr lang="ko-KR" altLang="en-US" dirty="0"/>
+              <a:t>이 </a:t>
+            </a:r>
+            <a:r>
+              <a:rPr lang="en-US" altLang="ko-KR" dirty="0"/>
+              <a:t>cache </a:t>
+            </a:r>
+            <a:r>
+              <a:rPr lang="ko-KR" altLang="en-US" dirty="0" err="1"/>
+              <a:t>어노테이션</a:t>
+            </a:r>
+            <a:r>
+              <a:rPr lang="ko-KR" altLang="en-US" dirty="0"/>
+              <a:t> 처리방식과 맞지 않아서</a:t>
+            </a:r>
+            <a:r>
+              <a:rPr lang="en-US" altLang="ko-KR" dirty="0"/>
+              <a:t>, </a:t>
+            </a:r>
+            <a:r>
+              <a:rPr lang="ko-KR" altLang="en-US" dirty="0"/>
+              <a:t>마찬가지로 정상 작동하지 않습니다</a:t>
+            </a:r>
+            <a:r>
+              <a:rPr lang="en-US" altLang="ko-KR" dirty="0"/>
+              <a:t>.</a:t>
+            </a:r>
+          </a:p>
+          <a:p>
+            <a:endParaRPr lang="en-US" altLang="ko-KR" dirty="0"/>
+          </a:p>
+          <a:p>
             <a:pPr marL="0" marR="0" lvl="0" indent="0" algn="l" defTabSz="685800" rtl="0" eaLnBrk="1" fontAlgn="auto" latinLnBrk="1" hangingPunct="1">
               <a:lnSpc>
                 <a:spcPct val="100000"/>
@@ -2635,37 +2561,53 @@
               <a:tabLst/>
               <a:defRPr/>
             </a:pPr>
-            <a:r>
-              <a:rPr lang="ko-KR" altLang="en-US" dirty="0"/>
-              <a:t>앞서 학습한 </a:t>
-            </a:r>
-            <a:r>
-              <a:rPr lang="en-US" altLang="ko-KR" dirty="0" err="1"/>
-              <a:t>opsForValue</a:t>
-            </a:r>
-            <a:r>
-              <a:rPr lang="en-US" altLang="ko-KR" dirty="0"/>
-              <a:t> </a:t>
-            </a:r>
-            <a:r>
-              <a:rPr lang="ko-KR" altLang="en-US" dirty="0"/>
-              <a:t>를 이용해</a:t>
-            </a:r>
-            <a:r>
-              <a:rPr lang="en-US" altLang="ko-KR" dirty="0"/>
-              <a:t>, cache </a:t>
-            </a:r>
-            <a:r>
-              <a:rPr lang="ko-KR" altLang="en-US" dirty="0"/>
-              <a:t>기능을 </a:t>
-            </a:r>
-            <a:r>
-              <a:rPr lang="en-US" altLang="ko-KR" dirty="0"/>
-              <a:t>native </a:t>
-            </a:r>
-            <a:r>
-              <a:rPr lang="ko-KR" altLang="en-US" dirty="0"/>
-              <a:t>하게 구현해 보도록 하겠습니다</a:t>
+            <a:endParaRPr lang="en-US" altLang="ko-KR" dirty="0"/>
+          </a:p>
+          <a:p>
+            <a:pPr marL="0" marR="0" lvl="0" indent="0" algn="l" defTabSz="685800" rtl="0" eaLnBrk="1" fontAlgn="auto" latinLnBrk="1" hangingPunct="1">
+              <a:lnSpc>
+                <a:spcPct val="100000"/>
+              </a:lnSpc>
+              <a:spcBef>
+                <a:spcPts val="0"/>
+              </a:spcBef>
+              <a:spcAft>
+                <a:spcPts val="0"/>
+              </a:spcAft>
+              <a:buClrTx/>
+              <a:buSzTx/>
+              <a:buFontTx/>
+              <a:buNone/>
+              <a:tabLst/>
+              <a:defRPr/>
+            </a:pPr>
+            <a:r>
+              <a:rPr lang="ko-KR" altLang="en-US" dirty="0"/>
+              <a:t>그래서 </a:t>
+            </a:r>
+            <a:r>
+              <a:rPr lang="en-US" altLang="ko-KR" dirty="0"/>
+              <a:t>Cache </a:t>
+            </a:r>
+            <a:r>
+              <a:rPr lang="ko-KR" altLang="en-US" dirty="0"/>
+              <a:t>기능은</a:t>
+            </a:r>
+            <a:r>
+              <a:rPr lang="en-US" altLang="ko-KR" dirty="0"/>
+              <a:t>, </a:t>
+            </a:r>
+            <a:r>
+              <a:rPr lang="ko-KR" altLang="en-US" dirty="0"/>
+              <a:t>아직은 </a:t>
+            </a:r>
+            <a:r>
+              <a:rPr lang="en-US" altLang="ko-KR" dirty="0"/>
+              <a:t>Redis </a:t>
+            </a:r>
+            <a:r>
+              <a:rPr lang="ko-KR" altLang="en-US" dirty="0"/>
+              <a:t>를 이용해 직접 처리해야 합니다</a:t>
             </a:r>
             <a:r>
               <a:rPr lang="en-US" altLang="ko-KR" dirty="0"/>
@@ -2673,7 +2615,24 @@
             </a:r>
           </a:p>
           <a:p>
-            <a:endParaRPr lang="ko-KR" altLang="en-US" dirty="0"/>
+            <a:pPr marL="0" marR="0" lvl="0" indent="0" algn="l" defTabSz="685800" rtl="0" eaLnBrk="1" fontAlgn="auto" latinLnBrk="1" hangingPunct="1">
+              <a:lnSpc>
+                <a:spcPct val="100000"/>
+              </a:lnSpc>
+              <a:spcBef>
+                <a:spcPts val="0"/>
+              </a:spcBef>
+              <a:spcAft>
+                <a:spcPts val="0"/>
+              </a:spcAft>
+              <a:buClrTx/>
+              <a:buSzTx/>
+              <a:buFontTx/>
+              <a:buNone/>
+              <a:tabLst/>
+              <a:defRPr/>
+            </a:pPr>
+            <a:endParaRPr lang="en-US" altLang="ko-KR" dirty="0"/>
           </a:p>
         </p:txBody>
       </p:sp>
@@ -2694,7 +2653,7 @@
           <a:p>
             <a:fld id="{4F243B46-72FF-4656-838A-691B9EB329E3}" type="slidenum">
               <a:rPr lang="ko-KR" altLang="en-US" smtClean="0"/>
-              <a:t>17</a:t>
+              <a:t>16</a:t>
             </a:fld>
             <a:endParaRPr lang="ko-KR" altLang="en-US"/>
           </a:p>
@@ -2703,7 +2662,7 @@
     </p:spTree>
     <p:extLst>
       <p:ext uri="{BB962C8B-B14F-4D97-AF65-F5344CB8AC3E}">
-        <p14:creationId xmlns:p14="http://schemas.microsoft.com/office/powerpoint/2010/main" val="2052472413"/>
+        <p14:creationId xmlns:p14="http://schemas.microsoft.com/office/powerpoint/2010/main" val="1627911884"/>
       </p:ext>
     </p:extLst>
   </p:cSld>
@@ -2757,22 +2716,61 @@
           <a:bodyPr/>
           <a:lstStyle/>
           <a:p>
-            <a:r>
-              <a:rPr lang="ko-KR" altLang="en-US" dirty="0"/>
-              <a:t>심화개발 마지막인 </a:t>
-            </a:r>
-            <a:r>
-              <a:rPr lang="en-US" altLang="ko-KR" dirty="0"/>
-              <a:t>Lock, </a:t>
-            </a:r>
-            <a:r>
-              <a:rPr lang="ko-KR" altLang="en-US" dirty="0"/>
-              <a:t>데이터 잠금에 대해 알아보겠습니다</a:t>
+            <a:pPr marL="0" marR="0" lvl="0" indent="0" algn="l" defTabSz="685800" rtl="0" eaLnBrk="1" fontAlgn="auto" latinLnBrk="1" hangingPunct="1">
+              <a:lnSpc>
+                <a:spcPct val="100000"/>
+              </a:lnSpc>
+              <a:spcBef>
+                <a:spcPts val="0"/>
+              </a:spcBef>
+              <a:spcAft>
+                <a:spcPts val="0"/>
+              </a:spcAft>
+              <a:buClrTx/>
+              <a:buSzTx/>
+              <a:buFontTx/>
+              <a:buNone/>
+              <a:tabLst/>
+              <a:defRPr/>
+            </a:pPr>
+            <a:r>
+              <a:rPr lang="ko-KR" altLang="en-US" dirty="0"/>
+              <a:t>앞서 학습한 </a:t>
+            </a:r>
+            <a:r>
+              <a:rPr lang="en-US" altLang="ko-KR" dirty="0" err="1"/>
+              <a:t>opsForValue</a:t>
+            </a:r>
+            <a:r>
+              <a:rPr lang="en-US" altLang="ko-KR" dirty="0"/>
+              <a:t> </a:t>
+            </a:r>
+            <a:r>
+              <a:rPr lang="ko-KR" altLang="en-US" dirty="0"/>
+              <a:t>를 이용해</a:t>
+            </a:r>
+            <a:r>
+              <a:rPr lang="en-US" altLang="ko-KR" dirty="0"/>
+              <a:t>, cache </a:t>
+            </a:r>
+            <a:r>
+              <a:rPr lang="ko-KR" altLang="en-US" dirty="0"/>
+              <a:t>기능을 </a:t>
+            </a:r>
+            <a:r>
+              <a:rPr lang="en-US" altLang="ko-KR" dirty="0"/>
+              <a:t>native </a:t>
+            </a:r>
+            <a:r>
+              <a:rPr lang="ko-KR" altLang="en-US" dirty="0"/>
+              <a:t>하게 구현해 보도록 하겠습니다</a:t>
             </a:r>
             <a:r>
               <a:rPr lang="en-US" altLang="ko-KR" dirty="0"/>
               <a:t>.</a:t>
             </a:r>
+          </a:p>
+          <a:p>
             <a:endParaRPr lang="ko-KR" altLang="en-US" dirty="0"/>
           </a:p>
         </p:txBody>
@@ -2794,7 +2792,7 @@
           <a:p>
             <a:fld id="{4F243B46-72FF-4656-838A-691B9EB329E3}" type="slidenum">
               <a:rPr lang="ko-KR" altLang="en-US" smtClean="0"/>
-              <a:t>18</a:t>
+              <a:t>17</a:t>
             </a:fld>
             <a:endParaRPr lang="ko-KR" altLang="en-US"/>
           </a:p>
@@ -2803,7 +2801,7 @@
     </p:spTree>
     <p:extLst>
       <p:ext uri="{BB962C8B-B14F-4D97-AF65-F5344CB8AC3E}">
-        <p14:creationId xmlns:p14="http://schemas.microsoft.com/office/powerpoint/2010/main" val="374484148"/>
+        <p14:creationId xmlns:p14="http://schemas.microsoft.com/office/powerpoint/2010/main" val="2052472413"/>
       </p:ext>
     </p:extLst>
   </p:cSld>
@@ -2858,286 +2856,22 @@
           <a:lstStyle/>
           <a:p>
             <a:r>
-              <a:rPr lang="ko-KR" altLang="en-US" dirty="0" err="1"/>
-              <a:t>트렌젝션을</a:t>
-            </a:r>
-            <a:r>
-              <a:rPr lang="ko-KR" altLang="en-US" dirty="0"/>
-              <a:t> 걸고</a:t>
-            </a:r>
-            <a:r>
-              <a:rPr lang="en-US" altLang="ko-KR" dirty="0"/>
-              <a:t>, DB</a:t>
-            </a:r>
-            <a:r>
-              <a:rPr lang="ko-KR" altLang="en-US" dirty="0"/>
-              <a:t>를 수정한 다음</a:t>
-            </a:r>
-            <a:r>
-              <a:rPr lang="en-US" altLang="ko-KR" dirty="0"/>
-              <a:t>, </a:t>
-            </a:r>
-            <a:r>
-              <a:rPr lang="ko-KR" altLang="en-US" dirty="0" err="1"/>
-              <a:t>커밋으로</a:t>
-            </a:r>
-            <a:r>
-              <a:rPr lang="ko-KR" altLang="en-US" dirty="0"/>
-              <a:t> 최종 결과를 반영합니다</a:t>
+              <a:rPr lang="ko-KR" altLang="en-US" dirty="0"/>
+              <a:t>심화개발 마지막인 </a:t>
+            </a:r>
+            <a:r>
+              <a:rPr lang="en-US" altLang="ko-KR" dirty="0"/>
+              <a:t>Lock, </a:t>
+            </a:r>
+            <a:r>
+              <a:rPr lang="ko-KR" altLang="en-US" dirty="0"/>
+              <a:t>데이터 잠금에 대해 알아보겠습니다</a:t>
             </a:r>
             <a:r>
               <a:rPr lang="en-US" altLang="ko-KR" dirty="0"/>
               <a:t>.</a:t>
             </a:r>
-          </a:p>
-          <a:p>
-            <a:endParaRPr lang="en-US" altLang="ko-KR" dirty="0"/>
-          </a:p>
-          <a:p>
-            <a:r>
-              <a:rPr lang="ko-KR" altLang="en-US" dirty="0"/>
-              <a:t>이렇게 처리하면 오류가 발생하거나</a:t>
-            </a:r>
-            <a:r>
-              <a:rPr lang="en-US" altLang="ko-KR" dirty="0"/>
-              <a:t>, </a:t>
-            </a:r>
-            <a:r>
-              <a:rPr lang="ko-KR" altLang="en-US" dirty="0"/>
-              <a:t>서버가 죽는 극한의 상황에서도</a:t>
-            </a:r>
-            <a:r>
-              <a:rPr lang="en-US" altLang="ko-KR" dirty="0"/>
-              <a:t>, </a:t>
-            </a:r>
-            <a:r>
-              <a:rPr lang="ko-KR" altLang="en-US" dirty="0"/>
-              <a:t>데이터 정합성이 잘 보장됩니다</a:t>
-            </a:r>
-            <a:r>
-              <a:rPr lang="en-US" altLang="ko-KR" dirty="0"/>
-              <a:t>.</a:t>
-            </a:r>
-          </a:p>
-          <a:p>
-            <a:endParaRPr lang="en-US" altLang="ko-KR" dirty="0"/>
-          </a:p>
-          <a:p>
-            <a:r>
-              <a:rPr lang="ko-KR" altLang="en-US" dirty="0"/>
-              <a:t>하지만 논리의 정합성까지 보장해 줄 수 있을까요 </a:t>
-            </a:r>
-            <a:r>
-              <a:rPr lang="en-US" altLang="ko-KR" dirty="0"/>
-              <a:t>?</a:t>
-            </a:r>
-          </a:p>
-          <a:p>
-            <a:endParaRPr lang="en-US" altLang="ko-KR" dirty="0"/>
-          </a:p>
-          <a:p>
-            <a:r>
-              <a:rPr lang="ko-KR" altLang="en-US" dirty="0"/>
-              <a:t>여러 사용자가 동시에 계좌에 접근해서 잔액을 수정하는 작업을 가정해 보겠습니다</a:t>
-            </a:r>
-            <a:r>
-              <a:rPr lang="en-US" altLang="ko-KR" dirty="0"/>
-              <a:t>.</a:t>
-            </a:r>
-          </a:p>
-          <a:p>
-            <a:endParaRPr lang="en-US" altLang="ko-KR" dirty="0"/>
-          </a:p>
-          <a:p>
-            <a:r>
-              <a:rPr lang="en-US" altLang="ko-KR" dirty="0"/>
-              <a:t>&lt;&lt;</a:t>
-            </a:r>
-            <a:r>
-              <a:rPr lang="ko-KR" altLang="en-US" dirty="0"/>
-              <a:t>설명</a:t>
-            </a:r>
-            <a:r>
-              <a:rPr lang="en-US" altLang="ko-KR" dirty="0"/>
-              <a:t>&gt;&gt;</a:t>
-            </a:r>
-          </a:p>
-          <a:p>
-            <a:endParaRPr lang="en-US" altLang="ko-KR" dirty="0"/>
-          </a:p>
-          <a:p>
-            <a:r>
-              <a:rPr lang="ko-KR" altLang="en-US" dirty="0"/>
-              <a:t>스타트 </a:t>
-            </a:r>
-            <a:r>
-              <a:rPr lang="ko-KR" altLang="en-US" dirty="0" err="1"/>
-              <a:t>트렌젝션은</a:t>
-            </a:r>
-            <a:r>
-              <a:rPr lang="en-US" altLang="ko-KR" dirty="0"/>
-              <a:t>,</a:t>
-            </a:r>
-            <a:r>
-              <a:rPr lang="ko-KR" altLang="en-US" dirty="0"/>
-              <a:t> 나중에 </a:t>
-            </a:r>
-            <a:r>
-              <a:rPr lang="en-US" altLang="ko-KR" dirty="0"/>
-              <a:t>commit </a:t>
-            </a:r>
-            <a:r>
-              <a:rPr lang="ko-KR" altLang="en-US" dirty="0"/>
-              <a:t>이나 </a:t>
-            </a:r>
-            <a:r>
-              <a:rPr lang="en-US" altLang="ko-KR" dirty="0"/>
-              <a:t>rollback </a:t>
-            </a:r>
-            <a:r>
-              <a:rPr lang="ko-KR" altLang="en-US" dirty="0"/>
-              <a:t>을 하기 위해</a:t>
-            </a:r>
-            <a:r>
-              <a:rPr lang="en-US" altLang="ko-KR" dirty="0"/>
-              <a:t>,</a:t>
-            </a:r>
-            <a:r>
-              <a:rPr lang="ko-KR" altLang="en-US" dirty="0"/>
-              <a:t> </a:t>
-            </a:r>
-            <a:r>
-              <a:rPr lang="en-US" altLang="ko-KR" dirty="0"/>
-              <a:t>DB </a:t>
-            </a:r>
-            <a:r>
-              <a:rPr lang="ko-KR" altLang="en-US" dirty="0"/>
-              <a:t>커넥션을 커넥션 풀에 반환하지 않고 </a:t>
-            </a:r>
-            <a:r>
-              <a:rPr lang="ko-KR" altLang="en-US" dirty="0" err="1"/>
-              <a:t>트렌젝션</a:t>
-            </a:r>
-            <a:r>
-              <a:rPr lang="ko-KR" altLang="en-US" dirty="0"/>
-              <a:t> 종료할 때 까지 들고 있겠다는 말입니다</a:t>
-            </a:r>
-            <a:r>
-              <a:rPr lang="en-US" altLang="ko-KR" dirty="0"/>
-              <a:t>.</a:t>
-            </a:r>
-          </a:p>
-          <a:p>
-            <a:endParaRPr lang="en-US" altLang="ko-KR" dirty="0"/>
-          </a:p>
-          <a:p>
-            <a:r>
-              <a:rPr lang="ko-KR" altLang="en-US" dirty="0"/>
-              <a:t>어플리케이션 레벨에서 일어나는 작업일 뿐이고요</a:t>
-            </a:r>
-            <a:r>
-              <a:rPr lang="en-US" altLang="ko-KR" dirty="0"/>
-              <a:t>.</a:t>
-            </a:r>
-          </a:p>
-          <a:p>
-            <a:endParaRPr lang="en-US" altLang="ko-KR" dirty="0"/>
-          </a:p>
-          <a:p>
-            <a:r>
-              <a:rPr lang="ko-KR" altLang="en-US" dirty="0"/>
-              <a:t>그래서</a:t>
-            </a:r>
-            <a:r>
-              <a:rPr lang="en-US" altLang="ko-KR" dirty="0"/>
-              <a:t>, </a:t>
-            </a:r>
-            <a:r>
-              <a:rPr lang="ko-KR" altLang="en-US" dirty="0" err="1"/>
-              <a:t>트렌젝션을</a:t>
-            </a:r>
-            <a:r>
-              <a:rPr lang="ko-KR" altLang="en-US" dirty="0"/>
-              <a:t> 시작한다고 해서 데이터가 고정되는 것은 아닙니다</a:t>
-            </a:r>
-            <a:r>
-              <a:rPr lang="en-US" altLang="ko-KR" dirty="0"/>
-              <a:t>.</a:t>
-            </a:r>
-          </a:p>
-          <a:p>
-            <a:r>
-              <a:rPr lang="ko-KR" altLang="en-US" dirty="0"/>
-              <a:t>도 </a:t>
-            </a:r>
-            <a:endParaRPr lang="en-US" altLang="ko-KR" dirty="0"/>
-          </a:p>
-          <a:p>
-            <a:endParaRPr lang="en-US" altLang="ko-KR" dirty="0"/>
-          </a:p>
-          <a:p>
-            <a:r>
-              <a:rPr lang="ko-KR" altLang="en-US" dirty="0"/>
-              <a:t>읽어온 데이터에서 잔액을 </a:t>
-            </a:r>
-            <a:r>
-              <a:rPr lang="ko-KR" altLang="en-US" dirty="0" err="1"/>
-              <a:t>빼주고</a:t>
-            </a:r>
-            <a:r>
-              <a:rPr lang="ko-KR" altLang="en-US" dirty="0"/>
-              <a:t> 이를 저장하는 대신</a:t>
-            </a:r>
-            <a:r>
-              <a:rPr lang="en-US" altLang="ko-KR" dirty="0"/>
-              <a:t>, </a:t>
-            </a:r>
-            <a:r>
-              <a:rPr lang="ko-KR" altLang="en-US" dirty="0"/>
-              <a:t>쿼리 문장으로 해결하는 방법도 있습니다</a:t>
-            </a:r>
-            <a:r>
-              <a:rPr lang="en-US" altLang="ko-KR" dirty="0"/>
-              <a:t>.</a:t>
-            </a:r>
-          </a:p>
-          <a:p>
-            <a:endParaRPr lang="en-US" altLang="ko-KR" dirty="0"/>
-          </a:p>
-          <a:p>
-            <a:r>
-              <a:rPr lang="en-US" altLang="ko-KR" dirty="0"/>
-              <a:t>…</a:t>
-            </a:r>
-          </a:p>
-          <a:p>
-            <a:endParaRPr lang="en-US" altLang="ko-KR" dirty="0"/>
-          </a:p>
-          <a:p>
-            <a:r>
-              <a:rPr lang="ko-KR" altLang="en-US" dirty="0"/>
-              <a:t>하지만 이런 처리는 쿼리에 모든 로직을 녹여야 합니다</a:t>
-            </a:r>
-            <a:r>
-              <a:rPr lang="en-US" altLang="ko-KR" dirty="0"/>
-              <a:t>. </a:t>
-            </a:r>
-            <a:r>
-              <a:rPr lang="ko-KR" altLang="en-US" dirty="0"/>
-              <a:t>만약 중간에 다른 서비스를 호출하거나 복잡한 이자계산 등이 들어간다면</a:t>
-            </a:r>
-            <a:r>
-              <a:rPr lang="en-US" altLang="ko-KR" dirty="0"/>
-              <a:t>, </a:t>
-            </a:r>
-            <a:r>
-              <a:rPr lang="ko-KR" altLang="en-US" dirty="0"/>
-              <a:t>처리가 어려워 집니다</a:t>
-            </a:r>
-            <a:r>
-              <a:rPr lang="en-US" altLang="ko-KR" dirty="0"/>
-              <a:t>.</a:t>
-            </a:r>
+            <a:endParaRPr lang="ko-KR" altLang="en-US" dirty="0"/>
           </a:p>
         </p:txBody>
       </p:sp>
@@ -3158,7 +2892,7 @@
           <a:p>
             <a:fld id="{4F243B46-72FF-4656-838A-691B9EB329E3}" type="slidenum">
               <a:rPr lang="ko-KR" altLang="en-US" smtClean="0"/>
-              <a:t>19</a:t>
+              <a:t>18</a:t>
             </a:fld>
             <a:endParaRPr lang="ko-KR" altLang="en-US"/>
           </a:p>
@@ -3167,7 +2901,7 @@
     </p:spTree>
     <p:extLst>
       <p:ext uri="{BB962C8B-B14F-4D97-AF65-F5344CB8AC3E}">
-        <p14:creationId xmlns:p14="http://schemas.microsoft.com/office/powerpoint/2010/main" val="1978714165"/>
+        <p14:creationId xmlns:p14="http://schemas.microsoft.com/office/powerpoint/2010/main" val="374484148"/>
       </p:ext>
     </p:extLst>
   </p:cSld>
@@ -3222,16 +2956,32 @@
           <a:lstStyle/>
           <a:p>
             <a:r>
-              <a:rPr lang="ko-KR" altLang="en-US" dirty="0"/>
-              <a:t>논리 정합성을 확보하기 위해서는</a:t>
+              <a:rPr lang="ko-KR" altLang="en-US" dirty="0" err="1"/>
+              <a:t>트렌젝션을</a:t>
+            </a:r>
+            <a:r>
+              <a:rPr lang="ko-KR" altLang="en-US" dirty="0"/>
+              <a:t> 걸고</a:t>
+            </a:r>
+            <a:r>
+              <a:rPr lang="en-US" altLang="ko-KR" dirty="0"/>
+              <a:t>, DB</a:t>
+            </a:r>
+            <a:r>
+              <a:rPr lang="ko-KR" altLang="en-US" dirty="0"/>
+              <a:t>를 수정한 다음</a:t>
             </a:r>
             <a:r>
               <a:rPr lang="en-US" altLang="ko-KR" dirty="0"/>
               <a:t>, </a:t>
             </a:r>
             <a:r>
-              <a:rPr lang="ko-KR" altLang="en-US" dirty="0"/>
-              <a:t>기록하려는 데이터에 잠금을 걸어야 하는데요</a:t>
+              <a:rPr lang="ko-KR" altLang="en-US" dirty="0" err="1"/>
+              <a:t>커밋으로</a:t>
+            </a:r>
+            <a:r>
+              <a:rPr lang="ko-KR" altLang="en-US" dirty="0"/>
+              <a:t> 최종 결과를 반영합니다</a:t>
             </a:r>
             <a:r>
               <a:rPr lang="en-US" altLang="ko-KR" dirty="0"/>
@@ -3244,15 +2994,243 @@
           <a:p>
             <a:r>
               <a:rPr lang="ko-KR" altLang="en-US" dirty="0"/>
-              <a:t>가장 손쉬운 방법인 </a:t>
-            </a:r>
-            <a:r>
-              <a:rPr lang="en-US" altLang="ko-KR" dirty="0"/>
-              <a:t>Optimistic Lock </a:t>
-            </a:r>
-            <a:r>
-              <a:rPr lang="ko-KR" altLang="en-US" dirty="0"/>
-              <a:t>입니다</a:t>
+              <a:t>이렇게 처리하면 오류가 발생하거나</a:t>
+            </a:r>
+            <a:r>
+              <a:rPr lang="en-US" altLang="ko-KR" dirty="0"/>
+              <a:t>, </a:t>
+            </a:r>
+            <a:r>
+              <a:rPr lang="ko-KR" altLang="en-US" dirty="0"/>
+              <a:t>서버가 죽는 극한의 상황에서도</a:t>
+            </a:r>
+            <a:r>
+              <a:rPr lang="en-US" altLang="ko-KR" dirty="0"/>
+              <a:t>, </a:t>
+            </a:r>
+            <a:r>
+              <a:rPr lang="ko-KR" altLang="en-US" dirty="0"/>
+              <a:t>데이터 정합성이 잘 보장됩니다</a:t>
+            </a:r>
+            <a:r>
+              <a:rPr lang="en-US" altLang="ko-KR" dirty="0"/>
+              <a:t>.</a:t>
+            </a:r>
+          </a:p>
+          <a:p>
+            <a:endParaRPr lang="en-US" altLang="ko-KR" dirty="0"/>
+          </a:p>
+          <a:p>
+            <a:r>
+              <a:rPr lang="ko-KR" altLang="en-US" dirty="0"/>
+              <a:t>하지만 논리의 정합성까지 보장해 줄 수 있을까요 </a:t>
+            </a:r>
+            <a:r>
+              <a:rPr lang="en-US" altLang="ko-KR" dirty="0"/>
+              <a:t>?</a:t>
+            </a:r>
+          </a:p>
+          <a:p>
+            <a:endParaRPr lang="en-US" altLang="ko-KR" dirty="0"/>
+          </a:p>
+          <a:p>
+            <a:r>
+              <a:rPr lang="ko-KR" altLang="en-US" dirty="0"/>
+              <a:t>여러 사용자가 동시에 계좌에 접근해서 잔액을 수정하는 작업을 가정해 보겠습니다</a:t>
+            </a:r>
+            <a:r>
+              <a:rPr lang="en-US" altLang="ko-KR" dirty="0"/>
+              <a:t>.</a:t>
+            </a:r>
+          </a:p>
+          <a:p>
+            <a:endParaRPr lang="en-US" altLang="ko-KR" dirty="0"/>
+          </a:p>
+          <a:p>
+            <a:r>
+              <a:rPr lang="en-US" altLang="ko-KR" dirty="0"/>
+              <a:t>&lt;&lt;</a:t>
+            </a:r>
+            <a:r>
+              <a:rPr lang="ko-KR" altLang="en-US" dirty="0"/>
+              <a:t>설명</a:t>
+            </a:r>
+            <a:r>
+              <a:rPr lang="en-US" altLang="ko-KR" dirty="0"/>
+              <a:t>&gt;&gt;</a:t>
+            </a:r>
+          </a:p>
+          <a:p>
+            <a:endParaRPr lang="en-US" altLang="ko-KR" dirty="0"/>
+          </a:p>
+          <a:p>
+            <a:r>
+              <a:rPr lang="ko-KR" altLang="en-US" dirty="0"/>
+              <a:t>스타트 </a:t>
+            </a:r>
+            <a:r>
+              <a:rPr lang="ko-KR" altLang="en-US" dirty="0" err="1"/>
+              <a:t>트렌젝션은</a:t>
+            </a:r>
+            <a:r>
+              <a:rPr lang="en-US" altLang="ko-KR" dirty="0"/>
+              <a:t>,</a:t>
+            </a:r>
+            <a:r>
+              <a:rPr lang="ko-KR" altLang="en-US" dirty="0"/>
+              <a:t> 나중에 </a:t>
+            </a:r>
+            <a:r>
+              <a:rPr lang="en-US" altLang="ko-KR" dirty="0"/>
+              <a:t>commit </a:t>
+            </a:r>
+            <a:r>
+              <a:rPr lang="ko-KR" altLang="en-US" dirty="0"/>
+              <a:t>이나 </a:t>
+            </a:r>
+            <a:r>
+              <a:rPr lang="en-US" altLang="ko-KR" dirty="0"/>
+              <a:t>rollback </a:t>
+            </a:r>
+            <a:r>
+              <a:rPr lang="ko-KR" altLang="en-US" dirty="0"/>
+              <a:t>을 하기 위해</a:t>
+            </a:r>
+            <a:r>
+              <a:rPr lang="en-US" altLang="ko-KR" dirty="0"/>
+              <a:t>,</a:t>
+            </a:r>
+            <a:r>
+              <a:rPr lang="ko-KR" altLang="en-US" dirty="0"/>
+              <a:t> </a:t>
+            </a:r>
+            <a:r>
+              <a:rPr lang="en-US" altLang="ko-KR" dirty="0"/>
+              <a:t>DB </a:t>
+            </a:r>
+            <a:r>
+              <a:rPr lang="ko-KR" altLang="en-US" dirty="0"/>
+              <a:t>커넥션을 커넥션 풀에 반환하지 않고 </a:t>
+            </a:r>
+            <a:r>
+              <a:rPr lang="ko-KR" altLang="en-US" dirty="0" err="1"/>
+              <a:t>트렌젝션</a:t>
+            </a:r>
+            <a:r>
+              <a:rPr lang="ko-KR" altLang="en-US" dirty="0"/>
+              <a:t> 종료할 때 까지 들고 있겠다는 말입니다</a:t>
+            </a:r>
+            <a:r>
+              <a:rPr lang="en-US" altLang="ko-KR" dirty="0"/>
+              <a:t>.</a:t>
+            </a:r>
+          </a:p>
+          <a:p>
+            <a:endParaRPr lang="en-US" altLang="ko-KR" dirty="0"/>
+          </a:p>
+          <a:p>
+            <a:r>
+              <a:rPr lang="ko-KR" altLang="en-US" dirty="0"/>
+              <a:t>어플리케이션 레벨에서 일어나는 작업일 뿐이고요</a:t>
+            </a:r>
+            <a:r>
+              <a:rPr lang="en-US" altLang="ko-KR" dirty="0"/>
+              <a:t>.</a:t>
+            </a:r>
+          </a:p>
+          <a:p>
+            <a:endParaRPr lang="en-US" altLang="ko-KR" dirty="0"/>
+          </a:p>
+          <a:p>
+            <a:r>
+              <a:rPr lang="ko-KR" altLang="en-US" dirty="0"/>
+              <a:t>그래서</a:t>
+            </a:r>
+            <a:r>
+              <a:rPr lang="en-US" altLang="ko-KR" dirty="0"/>
+              <a:t>, </a:t>
+            </a:r>
+            <a:r>
+              <a:rPr lang="ko-KR" altLang="en-US" dirty="0" err="1"/>
+              <a:t>트렌젝션을</a:t>
+            </a:r>
+            <a:r>
+              <a:rPr lang="ko-KR" altLang="en-US" dirty="0"/>
+              <a:t> 시작한다고 해서 데이터가 고정되는 것은 아닙니다</a:t>
+            </a:r>
+            <a:r>
+              <a:rPr lang="en-US" altLang="ko-KR" dirty="0"/>
+              <a:t>.</a:t>
+            </a:r>
+          </a:p>
+          <a:p>
+            <a:r>
+              <a:rPr lang="ko-KR" altLang="en-US" dirty="0"/>
+              <a:t>도 </a:t>
+            </a:r>
+            <a:endParaRPr lang="en-US" altLang="ko-KR" dirty="0"/>
+          </a:p>
+          <a:p>
+            <a:endParaRPr lang="en-US" altLang="ko-KR" dirty="0"/>
+          </a:p>
+          <a:p>
+            <a:r>
+              <a:rPr lang="ko-KR" altLang="en-US" dirty="0"/>
+              <a:t>읽어온 데이터에서 잔액을 </a:t>
+            </a:r>
+            <a:r>
+              <a:rPr lang="ko-KR" altLang="en-US" dirty="0" err="1"/>
+              <a:t>빼주고</a:t>
+            </a:r>
+            <a:r>
+              <a:rPr lang="ko-KR" altLang="en-US" dirty="0"/>
+              <a:t> 이를 저장하는 대신</a:t>
+            </a:r>
+            <a:r>
+              <a:rPr lang="en-US" altLang="ko-KR" dirty="0"/>
+              <a:t>, </a:t>
+            </a:r>
+            <a:r>
+              <a:rPr lang="ko-KR" altLang="en-US" dirty="0"/>
+              <a:t>쿼리 문장으로 해결하는 방법도 있습니다</a:t>
+            </a:r>
+            <a:r>
+              <a:rPr lang="en-US" altLang="ko-KR" dirty="0"/>
+              <a:t>.</a:t>
+            </a:r>
+          </a:p>
+          <a:p>
+            <a:endParaRPr lang="en-US" altLang="ko-KR" dirty="0"/>
+          </a:p>
+          <a:p>
+            <a:r>
+              <a:rPr lang="en-US" altLang="ko-KR" dirty="0"/>
+              <a:t>…</a:t>
+            </a:r>
+          </a:p>
+          <a:p>
+            <a:endParaRPr lang="en-US" altLang="ko-KR" dirty="0"/>
+          </a:p>
+          <a:p>
+            <a:r>
+              <a:rPr lang="ko-KR" altLang="en-US" dirty="0"/>
+              <a:t>하지만 이런 처리는 쿼리에 모든 로직을 녹여야 합니다</a:t>
+            </a:r>
+            <a:r>
+              <a:rPr lang="en-US" altLang="ko-KR" dirty="0"/>
+              <a:t>. </a:t>
+            </a:r>
+            <a:r>
+              <a:rPr lang="ko-KR" altLang="en-US" dirty="0"/>
+              <a:t>만약 중간에 다른 서비스를 호출하거나 복잡한 이자계산 등이 들어간다면</a:t>
+            </a:r>
+            <a:r>
+              <a:rPr lang="en-US" altLang="ko-KR" dirty="0"/>
+              <a:t>, </a:t>
+            </a:r>
+            <a:r>
+              <a:rPr lang="ko-KR" altLang="en-US" dirty="0"/>
+              <a:t>처리가 어려워 집니다</a:t>
             </a:r>
             <a:r>
               <a:rPr lang="en-US" altLang="ko-KR" dirty="0"/>
@@ -3278,7 +3256,7 @@
           <a:p>
             <a:fld id="{4F243B46-72FF-4656-838A-691B9EB329E3}" type="slidenum">
               <a:rPr lang="ko-KR" altLang="en-US" smtClean="0"/>
-              <a:t>20</a:t>
+              <a:t>19</a:t>
             </a:fld>
             <a:endParaRPr lang="ko-KR" altLang="en-US"/>
           </a:p>
@@ -3287,7 +3265,7 @@
     </p:spTree>
     <p:extLst>
       <p:ext uri="{BB962C8B-B14F-4D97-AF65-F5344CB8AC3E}">
-        <p14:creationId xmlns:p14="http://schemas.microsoft.com/office/powerpoint/2010/main" val="2907537133"/>
+        <p14:creationId xmlns:p14="http://schemas.microsoft.com/office/powerpoint/2010/main" val="1978714165"/>
       </p:ext>
     </p:extLst>
   </p:cSld>
@@ -4318,11 +4296,32 @@
           <a:p>
             <a:r>
               <a:rPr lang="ko-KR" altLang="en-US" dirty="0"/>
-              <a:t>데이터를 잠그는 또 다른 방법인 </a:t>
-            </a:r>
-            <a:r>
-              <a:rPr lang="en-US" altLang="ko-KR" dirty="0"/>
-              <a:t>Pessimistic Lock </a:t>
+              <a:t>논리 정합성을 확보하기 위해서는</a:t>
+            </a:r>
+            <a:r>
+              <a:rPr lang="en-US" altLang="ko-KR" dirty="0"/>
+              <a:t>, </a:t>
+            </a:r>
+            <a:r>
+              <a:rPr lang="ko-KR" altLang="en-US" dirty="0"/>
+              <a:t>기록하려는 데이터에 잠금을 걸어야 하는데요</a:t>
+            </a:r>
+            <a:r>
+              <a:rPr lang="en-US" altLang="ko-KR" dirty="0"/>
+              <a:t>.</a:t>
+            </a:r>
+          </a:p>
+          <a:p>
+            <a:endParaRPr lang="en-US" altLang="ko-KR" dirty="0"/>
+          </a:p>
+          <a:p>
+            <a:r>
+              <a:rPr lang="ko-KR" altLang="en-US" dirty="0"/>
+              <a:t>가장 손쉬운 방법인 </a:t>
+            </a:r>
+            <a:r>
+              <a:rPr lang="en-US" altLang="ko-KR" dirty="0"/>
+              <a:t>Optimistic Lock </a:t>
             </a:r>
             <a:r>
               <a:rPr lang="ko-KR" altLang="en-US" dirty="0"/>
@@ -4352,7 +4351,7 @@
           <a:p>
             <a:fld id="{4F243B46-72FF-4656-838A-691B9EB329E3}" type="slidenum">
               <a:rPr lang="ko-KR" altLang="en-US" smtClean="0"/>
-              <a:t>21</a:t>
+              <a:t>20</a:t>
             </a:fld>
             <a:endParaRPr lang="ko-KR" altLang="en-US"/>
           </a:p>
@@ -4361,7 +4360,7 @@
     </p:spTree>
     <p:extLst>
       <p:ext uri="{BB962C8B-B14F-4D97-AF65-F5344CB8AC3E}">
-        <p14:creationId xmlns:p14="http://schemas.microsoft.com/office/powerpoint/2010/main" val="1989725789"/>
+        <p14:creationId xmlns:p14="http://schemas.microsoft.com/office/powerpoint/2010/main" val="2907537133"/>
       </p:ext>
     </p:extLst>
   </p:cSld>
@@ -4417,13 +4416,20 @@
           <a:p>
             <a:r>
               <a:rPr lang="ko-KR" altLang="en-US" dirty="0"/>
-              <a:t>지금까지의 내용을 코드로 구현해 보겠습니다</a:t>
+              <a:t>데이터를 잠그는 또 다른 방법인 </a:t>
+            </a:r>
+            <a:r>
+              <a:rPr lang="en-US" altLang="ko-KR" dirty="0"/>
+              <a:t>Pessimistic Lock </a:t>
+            </a:r>
+            <a:r>
+              <a:rPr lang="ko-KR" altLang="en-US" dirty="0"/>
+              <a:t>입니다</a:t>
             </a:r>
             <a:r>
               <a:rPr lang="en-US" altLang="ko-KR" dirty="0"/>
               <a:t>.</a:t>
             </a:r>
-            <a:endParaRPr lang="ko-KR" altLang="en-US" dirty="0"/>
           </a:p>
         </p:txBody>
       </p:sp>
@@ -4444,7 +4450,7 @@
           <a:p>
             <a:fld id="{4F243B46-72FF-4656-838A-691B9EB329E3}" type="slidenum">
               <a:rPr lang="ko-KR" altLang="en-US" smtClean="0"/>
-              <a:t>22</a:t>
+              <a:t>21</a:t>
             </a:fld>
             <a:endParaRPr lang="ko-KR" altLang="en-US"/>
           </a:p>
@@ -4453,7 +4459,7 @@
     </p:spTree>
     <p:extLst>
       <p:ext uri="{BB962C8B-B14F-4D97-AF65-F5344CB8AC3E}">
-        <p14:creationId xmlns:p14="http://schemas.microsoft.com/office/powerpoint/2010/main" val="1832833290"/>
+        <p14:creationId xmlns:p14="http://schemas.microsoft.com/office/powerpoint/2010/main" val="1989725789"/>
       </p:ext>
     </p:extLst>
   </p:cSld>
@@ -4509,61 +4515,13 @@
           <a:p>
             <a:r>
               <a:rPr lang="ko-KR" altLang="en-US" dirty="0"/>
-              <a:t>마지막으로</a:t>
-            </a:r>
-            <a:r>
-              <a:rPr lang="en-US" altLang="ko-KR" dirty="0"/>
-              <a:t>, </a:t>
-            </a:r>
-            <a:r>
-              <a:rPr lang="ko-KR" altLang="en-US" dirty="0"/>
-              <a:t>요즘 각광받는 </a:t>
-            </a:r>
-            <a:r>
-              <a:rPr lang="en-US" altLang="ko-KR" dirty="0"/>
-              <a:t>Distributed Lock </a:t>
-            </a:r>
-            <a:r>
-              <a:rPr lang="ko-KR" altLang="en-US" dirty="0"/>
-              <a:t>입니다</a:t>
-            </a:r>
-            <a:r>
-              <a:rPr lang="en-US" altLang="ko-KR" dirty="0"/>
-              <a:t>. </a:t>
-            </a:r>
-            <a:r>
-              <a:rPr lang="ko-KR" altLang="en-US" dirty="0"/>
-              <a:t>다른 말로 </a:t>
-            </a:r>
-            <a:r>
-              <a:rPr lang="en-US" altLang="ko-KR" dirty="0"/>
-              <a:t>Application Lock </a:t>
-            </a:r>
-            <a:r>
-              <a:rPr lang="ko-KR" altLang="en-US" dirty="0"/>
-              <a:t>이라고도 부릅니다</a:t>
+              <a:t>지금까지의 내용을 코드로 구현해 보겠습니다</a:t>
             </a:r>
             <a:r>
               <a:rPr lang="en-US" altLang="ko-KR" dirty="0"/>
               <a:t>.</a:t>
             </a:r>
-          </a:p>
-          <a:p>
-            <a:endParaRPr lang="en-US" altLang="ko-KR" dirty="0"/>
-          </a:p>
-          <a:p>
-            <a:r>
-              <a:rPr lang="en-US" altLang="ko-KR" dirty="0"/>
-              <a:t>&lt;&lt;</a:t>
-            </a:r>
-            <a:r>
-              <a:rPr lang="ko-KR" altLang="en-US" dirty="0"/>
-              <a:t>설명</a:t>
-            </a:r>
-            <a:r>
-              <a:rPr lang="en-US" altLang="ko-KR" dirty="0"/>
-              <a:t>&gt;&gt;</a:t>
-            </a:r>
+            <a:endParaRPr lang="ko-KR" altLang="en-US" dirty="0"/>
           </a:p>
         </p:txBody>
       </p:sp>
@@ -4584,7 +4542,7 @@
           <a:p>
             <a:fld id="{4F243B46-72FF-4656-838A-691B9EB329E3}" type="slidenum">
               <a:rPr lang="ko-KR" altLang="en-US" smtClean="0"/>
-              <a:t>23</a:t>
+              <a:t>22</a:t>
             </a:fld>
             <a:endParaRPr lang="ko-KR" altLang="en-US"/>
           </a:p>
@@ -4593,7 +4551,7 @@
     </p:spTree>
     <p:extLst>
       <p:ext uri="{BB962C8B-B14F-4D97-AF65-F5344CB8AC3E}">
-        <p14:creationId xmlns:p14="http://schemas.microsoft.com/office/powerpoint/2010/main" val="1298857228"/>
+        <p14:creationId xmlns:p14="http://schemas.microsoft.com/office/powerpoint/2010/main" val="1832833290"/>
       </p:ext>
     </p:extLst>
   </p:cSld>
@@ -4665,6 +4623,173 @@
               <a:defRPr/>
             </a:pPr>
             <a:r>
+              <a:rPr lang="ko-KR" altLang="en-US" dirty="0"/>
+              <a:t>마지막으로</a:t>
+            </a:r>
+            <a:r>
+              <a:rPr lang="en-US" altLang="ko-KR" dirty="0"/>
+              <a:t>, </a:t>
+            </a:r>
+            <a:r>
+              <a:rPr lang="ko-KR" altLang="en-US" dirty="0"/>
+              <a:t>요즘 각광받는 </a:t>
+            </a:r>
+            <a:r>
+              <a:rPr lang="en-US" altLang="ko-KR" dirty="0"/>
+              <a:t>Distributed Lock </a:t>
+            </a:r>
+            <a:r>
+              <a:rPr lang="ko-KR" altLang="en-US" dirty="0"/>
+              <a:t>말씀드리겠습니다</a:t>
+            </a:r>
+            <a:r>
+              <a:rPr lang="en-US" altLang="ko-KR" dirty="0"/>
+              <a:t>.</a:t>
+            </a:r>
+            <a:endParaRPr lang="ko-KR" altLang="en-US" dirty="0"/>
+          </a:p>
+        </p:txBody>
+      </p:sp>
+      <p:sp>
+        <p:nvSpPr>
+          <p:cNvPr id="4" name="슬라이드 번호 개체 틀 3"/>
+          <p:cNvSpPr>
+            <a:spLocks noGrp="1"/>
+          </p:cNvSpPr>
+          <p:nvPr>
+            <p:ph type="sldNum" sz="quarter" idx="5"/>
+          </p:nvPr>
+        </p:nvSpPr>
+        <p:spPr/>
+        <p:txBody>
+          <a:bodyPr/>
+          <a:lstStyle/>
+          <a:p>
+            <a:fld id="{4F243B46-72FF-4656-838A-691B9EB329E3}" type="slidenum">
+              <a:rPr lang="ko-KR" altLang="en-US" smtClean="0"/>
+              <a:t>23</a:t>
+            </a:fld>
+            <a:endParaRPr lang="ko-KR" altLang="en-US"/>
+          </a:p>
+        </p:txBody>
+      </p:sp>
+    </p:spTree>
+    <p:extLst>
+      <p:ext uri="{BB962C8B-B14F-4D97-AF65-F5344CB8AC3E}">
+        <p14:creationId xmlns:p14="http://schemas.microsoft.com/office/powerpoint/2010/main" val="3794048272"/>
+      </p:ext>
+    </p:extLst>
+  </p:cSld>
+  <p:clrMapOvr>
+    <a:masterClrMapping/>
+  </p:clrMapOvr>
+</p:notes>
+</file>
+
+<file path=ppt/notesSlides/notesSlide24.xml><?xml version="1.0" encoding="utf-8"?>
+<p:notes xmlns:a="http://schemas.openxmlformats.org/drawingml/2006/main" xmlns:r="http://schemas.openxmlformats.org/officeDocument/2006/relationships" xmlns:p="http://schemas.openxmlformats.org/presentationml/2006/main">
+  <p:cSld>
+    <p:spTree>
+      <p:nvGrpSpPr>
+        <p:cNvPr id="1" name=""/>
+        <p:cNvGrpSpPr/>
+        <p:nvPr/>
+      </p:nvGrpSpPr>
+      <p:grpSpPr>
+        <a:xfrm>
+          <a:off x="0" y="0"/>
+          <a:ext cx="0" cy="0"/>
+          <a:chOff x="0" y="0"/>
+          <a:chExt cx="0" cy="0"/>
+        </a:xfrm>
+      </p:grpSpPr>
+      <p:sp>
+        <p:nvSpPr>
+          <p:cNvPr id="2" name="슬라이드 이미지 개체 틀 1"/>
+          <p:cNvSpPr>
+            <a:spLocks noGrp="1" noRot="1" noChangeAspect="1"/>
+          </p:cNvSpPr>
+          <p:nvPr>
+            <p:ph type="sldImg"/>
+          </p:nvPr>
+        </p:nvSpPr>
+        <p:spPr/>
+      </p:sp>
+      <p:sp>
+        <p:nvSpPr>
+          <p:cNvPr id="3" name="슬라이드 노트 개체 틀 2"/>
+          <p:cNvSpPr>
+            <a:spLocks noGrp="1"/>
+          </p:cNvSpPr>
+          <p:nvPr>
+            <p:ph type="body" idx="1"/>
+          </p:nvPr>
+        </p:nvSpPr>
+        <p:spPr/>
+        <p:txBody>
+          <a:bodyPr/>
+          <a:lstStyle/>
+          <a:p>
+            <a:r>
+              <a:rPr lang="en-US" altLang="ko-KR" dirty="0"/>
+              <a:t>Distributed Lock </a:t>
+            </a:r>
+            <a:r>
+              <a:rPr lang="ko-KR" altLang="en-US" dirty="0"/>
+              <a:t>은 다른 말로 </a:t>
+            </a:r>
+            <a:r>
+              <a:rPr lang="en-US" altLang="ko-KR" dirty="0"/>
+              <a:t>Application Lock </a:t>
+            </a:r>
+            <a:r>
+              <a:rPr lang="ko-KR" altLang="en-US" dirty="0"/>
+              <a:t>이라고도 부릅니다</a:t>
+            </a:r>
+            <a:r>
+              <a:rPr lang="en-US" altLang="ko-KR" dirty="0"/>
+              <a:t>.</a:t>
+            </a:r>
+          </a:p>
+          <a:p>
+            <a:endParaRPr lang="en-US" altLang="ko-KR" dirty="0"/>
+          </a:p>
+          <a:p>
+            <a:r>
+              <a:rPr lang="en-US" altLang="ko-KR" dirty="0"/>
+              <a:t>&lt;&lt;</a:t>
+            </a:r>
+            <a:r>
+              <a:rPr lang="ko-KR" altLang="en-US" dirty="0"/>
+              <a:t>설명</a:t>
+            </a:r>
+            <a:r>
+              <a:rPr lang="en-US" altLang="ko-KR" dirty="0"/>
+              <a:t>&gt;&gt;</a:t>
+            </a:r>
+          </a:p>
+          <a:p>
+            <a:endParaRPr lang="en-US" altLang="ko-KR" dirty="0"/>
+          </a:p>
+          <a:p>
+            <a:pPr marL="0" marR="0" lvl="0" indent="0" algn="l" defTabSz="685800" rtl="0" eaLnBrk="1" fontAlgn="auto" latinLnBrk="1" hangingPunct="1">
+              <a:lnSpc>
+                <a:spcPct val="100000"/>
+              </a:lnSpc>
+              <a:spcBef>
+                <a:spcPts val="0"/>
+              </a:spcBef>
+              <a:spcAft>
+                <a:spcPts val="0"/>
+              </a:spcAft>
+              <a:buClrTx/>
+              <a:buSzTx/>
+              <a:buFontTx/>
+              <a:buNone/>
+              <a:tabLst/>
+              <a:defRPr/>
+            </a:pPr>
+            <a:r>
               <a:rPr lang="en-US" altLang="ko-KR" dirty="0"/>
               <a:t>Distributed Lock</a:t>
             </a:r>
@@ -4679,7 +4804,132 @@
             <a:endParaRPr lang="ko-KR" altLang="en-US" dirty="0"/>
           </a:p>
           <a:p>
-            <a:endParaRPr lang="ko-KR" altLang="en-US" dirty="0"/>
+            <a:endParaRPr lang="en-US" altLang="ko-KR" dirty="0"/>
+          </a:p>
+          <a:p>
+            <a:endParaRPr lang="en-US" altLang="ko-KR" dirty="0"/>
+          </a:p>
+          <a:p>
+            <a:r>
+              <a:rPr lang="ko-KR" altLang="en-US" dirty="0"/>
+              <a:t>이상으로 </a:t>
+            </a:r>
+            <a:r>
+              <a:rPr lang="en-US" altLang="ko-KR" dirty="0"/>
+              <a:t>Distributed Lock </a:t>
+            </a:r>
+            <a:r>
+              <a:rPr lang="ko-KR" altLang="en-US" dirty="0"/>
+              <a:t>실습 완료하였습니다</a:t>
+            </a:r>
+            <a:r>
+              <a:rPr lang="en-US" altLang="ko-KR" dirty="0"/>
+              <a:t>.</a:t>
+            </a:r>
+          </a:p>
+          <a:p>
+            <a:endParaRPr lang="en-US" altLang="ko-KR" dirty="0"/>
+          </a:p>
+          <a:p>
+            <a:r>
+              <a:rPr lang="ko-KR" altLang="en-US" dirty="0"/>
+              <a:t>그리고 </a:t>
+            </a:r>
+            <a:r>
+              <a:rPr lang="en-US" altLang="ko-KR"/>
+              <a:t>Ch6 </a:t>
+            </a:r>
+            <a:r>
+              <a:rPr lang="ko-KR" altLang="en-US" dirty="0"/>
+              <a:t>실무형 심화개발도 마무리 되었습니다</a:t>
+            </a:r>
+            <a:r>
+              <a:rPr lang="en-US" altLang="ko-KR" dirty="0"/>
+              <a:t>.</a:t>
+            </a:r>
+          </a:p>
+          <a:p>
+            <a:endParaRPr lang="en-US" altLang="ko-KR" dirty="0"/>
+          </a:p>
+          <a:p>
+            <a:r>
+              <a:rPr lang="ko-KR" altLang="en-US" dirty="0"/>
+              <a:t>드디어 실무에서 사용 가능한</a:t>
+            </a:r>
+            <a:r>
+              <a:rPr lang="en-US" altLang="ko-KR" dirty="0"/>
+              <a:t>, </a:t>
+            </a:r>
+            <a:r>
+              <a:rPr lang="ko-KR" altLang="en-US" dirty="0" err="1"/>
+              <a:t>코루틴</a:t>
+            </a:r>
+            <a:r>
+              <a:rPr lang="ko-KR" altLang="en-US" dirty="0"/>
+              <a:t> </a:t>
+            </a:r>
+            <a:r>
+              <a:rPr lang="ko-KR" altLang="en-US" dirty="0" err="1"/>
+              <a:t>웹플럭스</a:t>
+            </a:r>
+            <a:r>
+              <a:rPr lang="ko-KR" altLang="en-US" dirty="0"/>
+              <a:t> 기반의 비동기 서버 개발환경이 나왔습니다</a:t>
+            </a:r>
+            <a:r>
+              <a:rPr lang="en-US" altLang="ko-KR" dirty="0"/>
+              <a:t>.</a:t>
+            </a:r>
+          </a:p>
+          <a:p>
+            <a:endParaRPr lang="en-US" altLang="ko-KR" dirty="0"/>
+          </a:p>
+          <a:p>
+            <a:r>
+              <a:rPr lang="ko-KR" altLang="en-US" dirty="0"/>
+              <a:t>다음 챕터에서는</a:t>
+            </a:r>
+            <a:r>
+              <a:rPr lang="en-US" altLang="ko-KR" dirty="0"/>
+              <a:t>, </a:t>
+            </a:r>
+            <a:r>
+              <a:rPr lang="ko-KR" altLang="en-US" dirty="0"/>
+              <a:t>드디어 결제 서비스를 만들어 볼 수 있을 것 같습니다</a:t>
+            </a:r>
+            <a:r>
+              <a:rPr lang="en-US" altLang="ko-KR" dirty="0"/>
+              <a:t>.</a:t>
+            </a:r>
+          </a:p>
+          <a:p>
+            <a:endParaRPr lang="en-US" altLang="ko-KR" dirty="0"/>
+          </a:p>
+          <a:p>
+            <a:r>
+              <a:rPr lang="ko-KR" altLang="en-US" dirty="0"/>
+              <a:t>긴 시간 </a:t>
+            </a:r>
+            <a:r>
+              <a:rPr lang="ko-KR" altLang="en-US" dirty="0" err="1"/>
+              <a:t>들어주셔서</a:t>
+            </a:r>
+            <a:r>
+              <a:rPr lang="ko-KR" altLang="en-US" dirty="0"/>
+              <a:t> 감사합니다</a:t>
+            </a:r>
+            <a:r>
+              <a:rPr lang="en-US" altLang="ko-KR" dirty="0"/>
+              <a:t>. </a:t>
+            </a:r>
+            <a:r>
+              <a:rPr lang="ko-KR" altLang="en-US" dirty="0"/>
+              <a:t>고생 많으셨습니다</a:t>
+            </a:r>
+            <a:r>
+              <a:rPr lang="en-US" altLang="ko-KR" dirty="0"/>
+              <a:t>. </a:t>
+            </a:r>
           </a:p>
         </p:txBody>
       </p:sp>
@@ -4709,7 +4959,7 @@
     </p:spTree>
     <p:extLst>
       <p:ext uri="{BB962C8B-B14F-4D97-AF65-F5344CB8AC3E}">
-        <p14:creationId xmlns:p14="http://schemas.microsoft.com/office/powerpoint/2010/main" val="3794048272"/>
+        <p14:creationId xmlns:p14="http://schemas.microsoft.com/office/powerpoint/2010/main" val="1298857228"/>
       </p:ext>
     </p:extLst>
   </p:cSld>
@@ -4998,6 +5248,73 @@
             </a:pPr>
             <a:endParaRPr lang="en-US" altLang="ko-KR" dirty="0"/>
           </a:p>
+          <a:p>
+            <a:pPr marL="0" marR="0" lvl="0" indent="0" algn="l" defTabSz="685800" rtl="0" eaLnBrk="1" fontAlgn="auto" latinLnBrk="1" hangingPunct="1">
+              <a:lnSpc>
+                <a:spcPct val="100000"/>
+              </a:lnSpc>
+              <a:spcBef>
+                <a:spcPts val="0"/>
+              </a:spcBef>
+              <a:spcAft>
+                <a:spcPts val="0"/>
+              </a:spcAft>
+              <a:buClrTx/>
+              <a:buSzTx/>
+              <a:buFontTx/>
+              <a:buNone/>
+              <a:tabLst/>
+              <a:defRPr/>
+            </a:pPr>
+            <a:r>
+              <a:rPr lang="ko-KR" altLang="en-US" dirty="0"/>
+              <a:t>이번 시간에는 </a:t>
+            </a:r>
+            <a:r>
+              <a:rPr lang="en-US" altLang="ko-KR" dirty="0" err="1"/>
+              <a:t>Webflux</a:t>
+            </a:r>
+            <a:r>
+              <a:rPr lang="en-US" altLang="ko-KR" dirty="0"/>
+              <a:t> </a:t>
+            </a:r>
+            <a:r>
+              <a:rPr lang="ko-KR" altLang="en-US" dirty="0"/>
+              <a:t>에서 오류 </a:t>
+            </a:r>
+            <a:r>
+              <a:rPr lang="ko-KR" altLang="en-US" dirty="0" err="1"/>
+              <a:t>핸들러를</a:t>
+            </a:r>
+            <a:r>
+              <a:rPr lang="ko-KR" altLang="en-US" dirty="0"/>
+              <a:t> 구현해 보겠습니다</a:t>
+            </a:r>
+            <a:r>
+              <a:rPr lang="en-US" altLang="ko-KR" dirty="0"/>
+              <a:t>..</a:t>
+            </a:r>
+          </a:p>
+          <a:p>
+            <a:pPr marL="0" marR="0" lvl="0" indent="0" algn="l" defTabSz="685800" rtl="0" eaLnBrk="1" fontAlgn="auto" latinLnBrk="1" hangingPunct="1">
+              <a:lnSpc>
+                <a:spcPct val="100000"/>
+              </a:lnSpc>
+              <a:spcBef>
+                <a:spcPts val="0"/>
+              </a:spcBef>
+              <a:spcAft>
+                <a:spcPts val="0"/>
+              </a:spcAft>
+              <a:buClrTx/>
+              <a:buSzTx/>
+              <a:buFontTx/>
+              <a:buNone/>
+              <a:tabLst/>
+              <a:defRPr/>
+            </a:pPr>
+            <a:endParaRPr lang="en-US" altLang="ko-KR" dirty="0"/>
+          </a:p>
         </p:txBody>
       </p:sp>
       <p:sp>
@@ -5082,7 +5399,15 @@
           <a:p>
             <a:r>
               <a:rPr lang="ko-KR" altLang="en-US" dirty="0"/>
-              <a:t>저희는 가당 간단한 방법으로 전역 오류 </a:t>
+              <a:t>저희는 </a:t>
+            </a:r>
+            <a:r>
+              <a:rPr lang="en-US" altLang="ko-KR" dirty="0" err="1"/>
+              <a:t>ErrorAttribute</a:t>
+            </a:r>
+            <a:r>
+              <a:rPr lang="ko-KR" altLang="en-US" dirty="0"/>
+              <a:t>를 재정의한 방법으로 전역 오류 </a:t>
             </a:r>
             <a:r>
               <a:rPr lang="ko-KR" altLang="en-US" dirty="0" err="1"/>
@@ -11008,6 +11333,96 @@
           <a:chExt cx="0" cy="0"/>
         </a:xfrm>
       </p:grpSpPr>
+      <p:sp>
+        <p:nvSpPr>
+          <p:cNvPr id="4" name="제목 3">
+            <a:extLst>
+              <a:ext uri="{FF2B5EF4-FFF2-40B4-BE49-F238E27FC236}">
+                <a16:creationId xmlns:a16="http://schemas.microsoft.com/office/drawing/2014/main" id="{AA6C3C0E-F24F-9763-AC2A-545FB7F3873E}"/>
+              </a:ext>
+            </a:extLst>
+          </p:cNvPr>
+          <p:cNvSpPr>
+            <a:spLocks noGrp="1"/>
+          </p:cNvSpPr>
+          <p:nvPr>
+            <p:ph type="ctrTitle"/>
+          </p:nvPr>
+        </p:nvSpPr>
+        <p:spPr/>
+        <p:txBody>
+          <a:bodyPr/>
+          <a:lstStyle/>
+          <a:p>
+            <a:r>
+              <a:rPr lang="ko-KR" altLang="en-US" dirty="0"/>
+              <a:t>구현 실습</a:t>
+            </a:r>
+          </a:p>
+        </p:txBody>
+      </p:sp>
+      <p:sp>
+        <p:nvSpPr>
+          <p:cNvPr id="5" name="부제목 4">
+            <a:extLst>
+              <a:ext uri="{FF2B5EF4-FFF2-40B4-BE49-F238E27FC236}">
+                <a16:creationId xmlns:a16="http://schemas.microsoft.com/office/drawing/2014/main" id="{CAF74D28-A379-C9BB-D8F9-E3B6A7427E89}"/>
+              </a:ext>
+            </a:extLst>
+          </p:cNvPr>
+          <p:cNvSpPr>
+            <a:spLocks noGrp="1"/>
+          </p:cNvSpPr>
+          <p:nvPr>
+            <p:ph type="subTitle" idx="1"/>
+          </p:nvPr>
+        </p:nvSpPr>
+        <p:spPr/>
+        <p:txBody>
+          <a:bodyPr/>
+          <a:lstStyle/>
+          <a:p>
+            <a:pPr marL="0" indent="0" algn="r">
+              <a:buNone/>
+            </a:pPr>
+            <a:r>
+              <a:rPr lang="en-US" altLang="ko-KR" dirty="0"/>
+              <a:t>Distributed Lock</a:t>
+            </a:r>
+            <a:endParaRPr lang="ko-KR" altLang="en-US" dirty="0"/>
+          </a:p>
+        </p:txBody>
+      </p:sp>
+    </p:spTree>
+    <p:extLst>
+      <p:ext uri="{BB962C8B-B14F-4D97-AF65-F5344CB8AC3E}">
+        <p14:creationId xmlns:p14="http://schemas.microsoft.com/office/powerpoint/2010/main" val="4005433968"/>
+      </p:ext>
+    </p:extLst>
+  </p:cSld>
+  <p:clrMapOvr>
+    <a:masterClrMapping/>
+  </p:clrMapOvr>
+</p:sld>
+</file>
+
+<file path=ppt/slides/slide24.xml><?xml version="1.0" encoding="utf-8"?>
+<p:sld xmlns:a="http://schemas.openxmlformats.org/drawingml/2006/main" xmlns:r="http://schemas.openxmlformats.org/officeDocument/2006/relationships" xmlns:p="http://schemas.openxmlformats.org/presentationml/2006/main">
+  <p:cSld>
+    <p:spTree>
+      <p:nvGrpSpPr>
+        <p:cNvPr id="1" name=""/>
+        <p:cNvGrpSpPr/>
+        <p:nvPr/>
+      </p:nvGrpSpPr>
+      <p:grpSpPr>
+        <a:xfrm>
+          <a:off x="0" y="0"/>
+          <a:ext cx="0" cy="0"/>
+          <a:chOff x="0" y="0"/>
+          <a:chExt cx="0" cy="0"/>
+        </a:xfrm>
+      </p:grpSpPr>
       <p:pic>
         <p:nvPicPr>
           <p:cNvPr id="4" name="Picture 2">
@@ -11536,96 +11951,6 @@
     <p:extLst>
       <p:ext uri="{BB962C8B-B14F-4D97-AF65-F5344CB8AC3E}">
         <p14:creationId xmlns:p14="http://schemas.microsoft.com/office/powerpoint/2010/main" val="384597565"/>
-      </p:ext>
-    </p:extLst>
-  </p:cSld>
-  <p:clrMapOvr>
-    <a:masterClrMapping/>
-  </p:clrMapOvr>
-</p:sld>
-</file>
-
-<file path=ppt/slides/slide24.xml><?xml version="1.0" encoding="utf-8"?>
-<p:sld xmlns:a="http://schemas.openxmlformats.org/drawingml/2006/main" xmlns:r="http://schemas.openxmlformats.org/officeDocument/2006/relationships" xmlns:p="http://schemas.openxmlformats.org/presentationml/2006/main">
-  <p:cSld>
-    <p:spTree>
-      <p:nvGrpSpPr>
-        <p:cNvPr id="1" name=""/>
-        <p:cNvGrpSpPr/>
-        <p:nvPr/>
-      </p:nvGrpSpPr>
-      <p:grpSpPr>
-        <a:xfrm>
-          <a:off x="0" y="0"/>
-          <a:ext cx="0" cy="0"/>
-          <a:chOff x="0" y="0"/>
-          <a:chExt cx="0" cy="0"/>
-        </a:xfrm>
-      </p:grpSpPr>
-      <p:sp>
-        <p:nvSpPr>
-          <p:cNvPr id="4" name="제목 3">
-            <a:extLst>
-              <a:ext uri="{FF2B5EF4-FFF2-40B4-BE49-F238E27FC236}">
-                <a16:creationId xmlns:a16="http://schemas.microsoft.com/office/drawing/2014/main" id="{AA6C3C0E-F24F-9763-AC2A-545FB7F3873E}"/>
-              </a:ext>
-            </a:extLst>
-          </p:cNvPr>
-          <p:cNvSpPr>
-            <a:spLocks noGrp="1"/>
-          </p:cNvSpPr>
-          <p:nvPr>
-            <p:ph type="ctrTitle"/>
-          </p:nvPr>
-        </p:nvSpPr>
-        <p:spPr/>
-        <p:txBody>
-          <a:bodyPr/>
-          <a:lstStyle/>
-          <a:p>
-            <a:r>
-              <a:rPr lang="ko-KR" altLang="en-US" dirty="0"/>
-              <a:t>구현 실습</a:t>
-            </a:r>
-          </a:p>
-        </p:txBody>
-      </p:sp>
-      <p:sp>
-        <p:nvSpPr>
-          <p:cNvPr id="5" name="부제목 4">
-            <a:extLst>
-              <a:ext uri="{FF2B5EF4-FFF2-40B4-BE49-F238E27FC236}">
-                <a16:creationId xmlns:a16="http://schemas.microsoft.com/office/drawing/2014/main" id="{CAF74D28-A379-C9BB-D8F9-E3B6A7427E89}"/>
-              </a:ext>
-            </a:extLst>
-          </p:cNvPr>
-          <p:cNvSpPr>
-            <a:spLocks noGrp="1"/>
-          </p:cNvSpPr>
-          <p:nvPr>
-            <p:ph type="subTitle" idx="1"/>
-          </p:nvPr>
-        </p:nvSpPr>
-        <p:spPr/>
-        <p:txBody>
-          <a:bodyPr/>
-          <a:lstStyle/>
-          <a:p>
-            <a:pPr marL="0" indent="0" algn="r">
-              <a:buNone/>
-            </a:pPr>
-            <a:r>
-              <a:rPr lang="en-US" altLang="ko-KR" dirty="0"/>
-              <a:t>Distributed Lock</a:t>
-            </a:r>
-            <a:endParaRPr lang="ko-KR" altLang="en-US" dirty="0"/>
-          </a:p>
-        </p:txBody>
-      </p:sp>
-    </p:spTree>
-    <p:extLst>
-      <p:ext uri="{BB962C8B-B14F-4D97-AF65-F5344CB8AC3E}">
-        <p14:creationId xmlns:p14="http://schemas.microsoft.com/office/powerpoint/2010/main" val="4005433968"/>
       </p:ext>
     </p:extLst>
   </p:cSld>
@@ -12893,4 +13218,10 @@
     </a:ext>
   </a:extLst>
 </a:theme>
+</file>
+
+<file path=docMetadata/LabelInfo.xml><?xml version="1.0" encoding="utf-8"?>
+<clbl:labelList xmlns:clbl="http://schemas.microsoft.com/office/2020/mipLabelMetadata">
+  <clbl:label id="{5119f844-8ac0-48e8-bbdf-d5c2ba397c72}" enabled="1" method="Privileged" siteId="{55ebc540-42a3-4026-b4cc-3928d18f84bf}" contentBits="0" removed="0"/>
+</clbl:labelList>
 </file>
--- a/99.ppt/[Ch4-6. 실무형 심화개발.pptx
+++ b/99.ppt/[Ch4-6. 실무형 심화개발.pptx
@@ -234,7 +234,7 @@
           <a:p>
             <a:fld id="{9B770909-2C76-4DF9-BB76-4EE283593418}" type="datetimeFigureOut">
               <a:rPr lang="ko-KR" altLang="en-US" smtClean="0"/>
-              <a:t>2023-09-16</a:t>
+              <a:t>2023-09-21</a:t>
             </a:fld>
             <a:endParaRPr lang="ko-KR" altLang="en-US"/>
           </a:p>
@@ -1149,20 +1149,57 @@
           </a:p>
           <a:p>
             <a:r>
+              <a:rPr lang="ko-KR" altLang="en-US" dirty="0"/>
+              <a:t>저희 </a:t>
+            </a:r>
+            <a:r>
               <a:rPr lang="en-US" altLang="ko-KR" dirty="0"/>
               <a:t>JPA </a:t>
             </a:r>
             <a:r>
               <a:rPr lang="ko-KR" altLang="en-US" dirty="0"/>
-              <a:t>에서는 </a:t>
-            </a:r>
-            <a:r>
-              <a:rPr lang="en-US" altLang="ko-KR" dirty="0"/>
-              <a:t>Query DSL </a:t>
-            </a:r>
-            <a:r>
-              <a:rPr lang="ko-KR" altLang="en-US" dirty="0"/>
-              <a:t>이나</a:t>
+              <a:t>를 사용하니까</a:t>
+            </a:r>
+            <a:r>
+              <a:rPr lang="en-US" altLang="ko-KR" dirty="0"/>
+              <a:t>, Entity </a:t>
+            </a:r>
+            <a:r>
+              <a:rPr lang="ko-KR" altLang="en-US" dirty="0"/>
+              <a:t>구조를 이용해 </a:t>
+            </a:r>
+            <a:r>
+              <a:rPr lang="en-US" altLang="ko-KR" dirty="0"/>
+              <a:t>JPQL, Java persistence query language </a:t>
+            </a:r>
+            <a:r>
+              <a:rPr lang="ko-KR" altLang="en-US" dirty="0"/>
+              <a:t>를 프로그램으로 만들 수 있는 라이브러리를 사용할 수 있습니다</a:t>
+            </a:r>
+            <a:r>
+              <a:rPr lang="en-US" altLang="ko-KR" dirty="0"/>
+              <a:t>.</a:t>
+            </a:r>
+          </a:p>
+          <a:p>
+            <a:endParaRPr lang="en-US" altLang="ko-KR" dirty="0"/>
+          </a:p>
+          <a:p>
+            <a:r>
+              <a:rPr lang="en-US" altLang="ko-KR" dirty="0"/>
+              <a:t>Kotlin </a:t>
+            </a:r>
+            <a:r>
+              <a:rPr lang="ko-KR" altLang="en-US" dirty="0"/>
+              <a:t>에서는</a:t>
+            </a:r>
+            <a:r>
+              <a:rPr lang="en-US" altLang="ko-KR" dirty="0"/>
+              <a:t> Query DSL </a:t>
+            </a:r>
+            <a:r>
+              <a:rPr lang="ko-KR" altLang="en-US" dirty="0"/>
+              <a:t>대신</a:t>
             </a:r>
             <a:r>
               <a:rPr lang="en-US" altLang="ko-KR" dirty="0"/>
@@ -1178,15 +1215,167 @@
             </a:r>
             <a:r>
               <a:rPr lang="ko-KR" altLang="en-US" dirty="0"/>
-              <a:t>을 사용해서</a:t>
-            </a:r>
-            <a:r>
-              <a:rPr lang="en-US" altLang="ko-KR" dirty="0"/>
-              <a:t>, Entity </a:t>
-            </a:r>
-            <a:r>
-              <a:rPr lang="ko-KR" altLang="en-US" dirty="0"/>
-              <a:t>기반의 </a:t>
+              <a:t>을 사용하시는 것</a:t>
+            </a:r>
+            <a:r>
+              <a:rPr lang="en-US" altLang="ko-KR" dirty="0"/>
+              <a:t>,</a:t>
+            </a:r>
+            <a:r>
+              <a:rPr lang="ko-KR" altLang="en-US" dirty="0"/>
+              <a:t> </a:t>
+            </a:r>
+            <a:r>
+              <a:rPr lang="ko-KR" altLang="en-US" dirty="0" err="1"/>
+              <a:t>추천드리는데요</a:t>
+            </a:r>
+            <a:r>
+              <a:rPr lang="en-US" altLang="ko-KR" dirty="0"/>
+              <a:t>.</a:t>
+            </a:r>
+          </a:p>
+          <a:p>
+            <a:endParaRPr lang="en-US" altLang="ko-KR" dirty="0"/>
+          </a:p>
+          <a:p>
+            <a:r>
+              <a:rPr lang="en-US" altLang="ko-KR" dirty="0"/>
+              <a:t>Kotlin</a:t>
+            </a:r>
+            <a:r>
+              <a:rPr lang="ko-KR" altLang="en-US" dirty="0"/>
+              <a:t>은 클래스 필드의 메타정보 자체에 접근할 수 있다는 언어적 특성을 이용해</a:t>
+            </a:r>
+            <a:r>
+              <a:rPr lang="en-US" altLang="ko-KR" dirty="0"/>
+              <a:t>, </a:t>
+            </a:r>
+            <a:r>
+              <a:rPr lang="ko-KR" altLang="en-US" dirty="0"/>
+              <a:t>별도 빌드 없이 바로 </a:t>
+            </a:r>
+            <a:r>
+              <a:rPr lang="en-US" altLang="ko-KR" dirty="0"/>
+              <a:t>JPQL</a:t>
+            </a:r>
+            <a:r>
+              <a:rPr lang="ko-KR" altLang="en-US" dirty="0"/>
+              <a:t>을 날릴 수 있다는 장점이 있습니다</a:t>
+            </a:r>
+            <a:r>
+              <a:rPr lang="en-US" altLang="ko-KR" dirty="0"/>
+              <a:t>.</a:t>
+            </a:r>
+          </a:p>
+          <a:p>
+            <a:endParaRPr lang="en-US" altLang="ko-KR" dirty="0"/>
+          </a:p>
+          <a:p>
+            <a:r>
+              <a:rPr lang="ko-KR" altLang="en-US" dirty="0"/>
+              <a:t>하지만</a:t>
+            </a:r>
+            <a:r>
+              <a:rPr lang="en-US" altLang="ko-KR" dirty="0"/>
+              <a:t>, Kotlin JDSL</a:t>
+            </a:r>
+            <a:r>
+              <a:rPr lang="ko-KR" altLang="en-US" dirty="0"/>
+              <a:t>은 </a:t>
+            </a:r>
+            <a:r>
+              <a:rPr lang="en-US" altLang="ko-KR" dirty="0"/>
+              <a:t>R2DBC</a:t>
+            </a:r>
+            <a:r>
+              <a:rPr lang="ko-KR" altLang="en-US" dirty="0"/>
+              <a:t>를 지원하지 않습니다</a:t>
+            </a:r>
+            <a:r>
+              <a:rPr lang="en-US" altLang="ko-KR" dirty="0"/>
+              <a:t>. </a:t>
+            </a:r>
+            <a:r>
+              <a:rPr lang="ko-KR" altLang="en-US" dirty="0"/>
+              <a:t>아마 앞으로도 지원하지 않을 것 같습니다</a:t>
+            </a:r>
+            <a:r>
+              <a:rPr lang="en-US" altLang="ko-KR" dirty="0"/>
+              <a:t>…</a:t>
+            </a:r>
+          </a:p>
+          <a:p>
+            <a:endParaRPr lang="en-US" altLang="ko-KR" dirty="0"/>
+          </a:p>
+          <a:p>
+            <a:r>
+              <a:rPr lang="en-US" altLang="ko-KR" dirty="0"/>
+              <a:t>R2DBC </a:t>
+            </a:r>
+            <a:r>
+              <a:rPr lang="ko-KR" altLang="en-US" dirty="0"/>
+              <a:t>로는 </a:t>
+            </a:r>
+            <a:r>
+              <a:rPr lang="en-US" altLang="ko-KR" dirty="0"/>
+              <a:t>Entity </a:t>
+            </a:r>
+            <a:r>
+              <a:rPr lang="ko-KR" altLang="en-US" dirty="0"/>
+              <a:t>기반으로 </a:t>
+            </a:r>
+            <a:r>
+              <a:rPr lang="en-US" altLang="ko-KR" dirty="0"/>
+              <a:t>JPQL</a:t>
+            </a:r>
+            <a:r>
+              <a:rPr lang="ko-KR" altLang="en-US" dirty="0"/>
+              <a:t>을 만들 수 있는 방법이</a:t>
+            </a:r>
+            <a:r>
+              <a:rPr lang="en-US" altLang="ko-KR" dirty="0"/>
+              <a:t>, 2023</a:t>
+            </a:r>
+            <a:r>
+              <a:rPr lang="ko-KR" altLang="en-US" dirty="0"/>
+              <a:t>년 </a:t>
+            </a:r>
+            <a:r>
+              <a:rPr lang="en-US" altLang="ko-KR" dirty="0"/>
+              <a:t>9</a:t>
+            </a:r>
+            <a:r>
+              <a:rPr lang="ko-KR" altLang="en-US" dirty="0"/>
+              <a:t>월 기준으로</a:t>
+            </a:r>
+            <a:r>
+              <a:rPr lang="en-US" altLang="ko-KR" dirty="0"/>
+              <a:t>, </a:t>
+            </a:r>
+            <a:r>
+              <a:rPr lang="ko-KR" altLang="en-US" dirty="0"/>
+              <a:t>아직 없습니다</a:t>
+            </a:r>
+            <a:r>
+              <a:rPr lang="en-US" altLang="ko-KR" dirty="0"/>
+              <a:t>.</a:t>
+            </a:r>
+          </a:p>
+          <a:p>
+            <a:endParaRPr lang="en-US" altLang="ko-KR" dirty="0"/>
+          </a:p>
+          <a:p>
+            <a:r>
+              <a:rPr lang="ko-KR" altLang="en-US" dirty="0"/>
+              <a:t>그래서</a:t>
+            </a:r>
+            <a:r>
+              <a:rPr lang="en-US" altLang="ko-KR" dirty="0"/>
+              <a:t>, R2DBC </a:t>
+            </a:r>
+            <a:r>
+              <a:rPr lang="ko-KR" altLang="en-US" dirty="0"/>
+              <a:t>에서 </a:t>
             </a:r>
             <a:r>
               <a:rPr lang="en-US" altLang="ko-KR" dirty="0"/>
@@ -1194,7 +1383,23 @@
             </a:r>
             <a:r>
               <a:rPr lang="ko-KR" altLang="en-US" dirty="0"/>
-              <a:t>를 손쉽게 만들 수 있습니다</a:t>
+              <a:t>를 사용하려면</a:t>
+            </a:r>
+            <a:r>
+              <a:rPr lang="en-US" altLang="ko-KR" dirty="0"/>
+              <a:t>, </a:t>
+            </a:r>
+            <a:r>
+              <a:rPr lang="ko-KR" altLang="en-US" dirty="0"/>
+              <a:t>문자열 기반으로 </a:t>
+            </a:r>
+            <a:r>
+              <a:rPr lang="en-US" altLang="ko-KR" dirty="0"/>
+              <a:t>DB client </a:t>
+            </a:r>
+            <a:r>
+              <a:rPr lang="ko-KR" altLang="en-US" dirty="0"/>
+              <a:t>를 이용해 쿼리를 직접 날려보는 방법 밖엔 없습니다</a:t>
             </a:r>
             <a:r>
               <a:rPr lang="en-US" altLang="ko-KR" dirty="0"/>
@@ -1206,88 +1411,87 @@
           </a:p>
           <a:p>
             <a:r>
-              <a:rPr lang="ko-KR" altLang="en-US" dirty="0"/>
-              <a:t>하지만 </a:t>
-            </a:r>
-            <a:r>
-              <a:rPr lang="en-US" altLang="ko-KR" dirty="0"/>
+              <a:rPr lang="en-US" altLang="ko-KR" sz="300" dirty="0"/>
+              <a:t>** </a:t>
+            </a:r>
+            <a:r>
+              <a:rPr lang="ko-KR" altLang="en-US" sz="300" dirty="0"/>
+              <a:t>물론</a:t>
+            </a:r>
+            <a:r>
+              <a:rPr lang="en-US" altLang="ko-KR" sz="300" dirty="0"/>
+              <a:t>, </a:t>
+            </a:r>
+            <a:r>
+              <a:rPr lang="en-US" altLang="ko-KR" sz="300" dirty="0" err="1"/>
+              <a:t>Webflux</a:t>
+            </a:r>
+            <a:r>
+              <a:rPr lang="en-US" altLang="ko-KR" sz="300" dirty="0"/>
+              <a:t> </a:t>
+            </a:r>
+            <a:r>
+              <a:rPr lang="ko-KR" altLang="en-US" sz="300" dirty="0"/>
+              <a:t>에 </a:t>
+            </a:r>
+            <a:r>
+              <a:rPr lang="en-US" altLang="ko-KR" sz="300" dirty="0"/>
               <a:t>R2DBC </a:t>
             </a:r>
             <a:r>
-              <a:rPr lang="ko-KR" altLang="en-US" dirty="0"/>
-              <a:t>에서는 </a:t>
-            </a:r>
-            <a:r>
-              <a:rPr lang="en-US" altLang="ko-KR" dirty="0"/>
-              <a:t>Entity </a:t>
-            </a:r>
-            <a:r>
-              <a:rPr lang="ko-KR" altLang="en-US" dirty="0"/>
-              <a:t>기반의 </a:t>
-            </a:r>
-            <a:r>
-              <a:rPr lang="en-US" altLang="ko-KR" dirty="0"/>
-              <a:t>native query </a:t>
-            </a:r>
-            <a:r>
-              <a:rPr lang="ko-KR" altLang="en-US" dirty="0"/>
-              <a:t>를 만들 수 있는 방법이</a:t>
-            </a:r>
-            <a:r>
-              <a:rPr lang="en-US" altLang="ko-KR" dirty="0"/>
-              <a:t>, 2023</a:t>
-            </a:r>
-            <a:r>
-              <a:rPr lang="ko-KR" altLang="en-US" dirty="0"/>
-              <a:t>년 </a:t>
-            </a:r>
-            <a:r>
-              <a:rPr lang="en-US" altLang="ko-KR" dirty="0"/>
-              <a:t>9</a:t>
-            </a:r>
-            <a:r>
-              <a:rPr lang="ko-KR" altLang="en-US" dirty="0"/>
-              <a:t>월 기준으로는 아직 없습니다</a:t>
-            </a:r>
-            <a:r>
-              <a:rPr lang="en-US" altLang="ko-KR" dirty="0"/>
-              <a:t>.</a:t>
-            </a:r>
-          </a:p>
-          <a:p>
-            <a:endParaRPr lang="en-US" altLang="ko-KR" dirty="0"/>
-          </a:p>
-          <a:p>
-            <a:r>
-              <a:rPr lang="en-US" altLang="ko-KR" dirty="0"/>
-              <a:t>R2DBC</a:t>
-            </a:r>
-            <a:r>
-              <a:rPr lang="ko-KR" altLang="en-US" dirty="0"/>
-              <a:t>에서는 </a:t>
-            </a:r>
-            <a:r>
-              <a:rPr lang="en-US" altLang="ko-KR" dirty="0" err="1"/>
-              <a:t>DbClient</a:t>
-            </a:r>
-            <a:r>
-              <a:rPr lang="en-US" altLang="ko-KR" dirty="0"/>
-              <a:t> </a:t>
-            </a:r>
-            <a:r>
-              <a:rPr lang="ko-KR" altLang="en-US" dirty="0"/>
-              <a:t>를 사용해 문자열 기반의 </a:t>
-            </a:r>
-            <a:r>
-              <a:rPr lang="en-US" altLang="ko-KR" dirty="0"/>
-              <a:t>native query </a:t>
-            </a:r>
-            <a:r>
-              <a:rPr lang="ko-KR" altLang="en-US" dirty="0"/>
-              <a:t>를 날릴 수 있습니다</a:t>
-            </a:r>
-            <a:r>
-              <a:rPr lang="en-US" altLang="ko-KR" dirty="0"/>
+              <a:rPr lang="ko-KR" altLang="en-US" sz="300" dirty="0"/>
+              <a:t>대신 </a:t>
+            </a:r>
+            <a:r>
+              <a:rPr lang="en-US" altLang="ko-KR" sz="300" dirty="0"/>
+              <a:t>Reactive Hibernate </a:t>
+            </a:r>
+            <a:r>
+              <a:rPr lang="ko-KR" altLang="en-US" sz="300" dirty="0"/>
+              <a:t>스택을 사용하고</a:t>
+            </a:r>
+            <a:r>
+              <a:rPr lang="en-US" altLang="ko-KR" sz="300" dirty="0"/>
+              <a:t>, </a:t>
+            </a:r>
+            <a:r>
+              <a:rPr lang="ko-KR" altLang="en-US" sz="300" dirty="0"/>
+              <a:t>이걸 </a:t>
+            </a:r>
+            <a:r>
+              <a:rPr lang="en-US" altLang="ko-KR" sz="300" dirty="0"/>
+              <a:t>Kotlin JDSL </a:t>
+            </a:r>
+            <a:r>
+              <a:rPr lang="ko-KR" altLang="en-US" sz="300" dirty="0"/>
+              <a:t>로 감아서 사용하는 방법이 있습니다만</a:t>
+            </a:r>
+            <a:r>
+              <a:rPr lang="en-US" altLang="ko-KR" sz="300" dirty="0"/>
+              <a:t>, </a:t>
+            </a:r>
+            <a:r>
+              <a:rPr lang="ko-KR" altLang="en-US" sz="300" dirty="0"/>
+              <a:t>지금 사람들이 써보고 있는 단계라 아직은 검증중인 상태로 </a:t>
+            </a:r>
+            <a:r>
+              <a:rPr lang="en-US" altLang="ko-KR" sz="300" dirty="0"/>
+              <a:t>`</a:t>
+            </a:r>
+            <a:r>
+              <a:rPr lang="ko-KR" altLang="en-US" sz="300" dirty="0"/>
+              <a:t>봐야 해서</a:t>
+            </a:r>
+            <a:r>
+              <a:rPr lang="en-US" altLang="ko-KR" sz="300" dirty="0"/>
+              <a:t>, </a:t>
+            </a:r>
+            <a:r>
+              <a:rPr lang="ko-KR" altLang="en-US" sz="300" dirty="0"/>
+              <a:t>과정에서는 소개하지 않겠습니다</a:t>
+            </a:r>
+            <a:r>
+              <a:rPr lang="en-US" altLang="ko-KR" sz="300" dirty="0"/>
               <a:t>.</a:t>
             </a:r>
           </a:p>
@@ -1392,7 +1596,11 @@
             </a:pPr>
             <a:r>
               <a:rPr lang="ko-KR" altLang="en-US" dirty="0"/>
-              <a:t>지금부터 이 </a:t>
+              <a:t>지금부터 </a:t>
+            </a:r>
+            <a:r>
+              <a:rPr lang="en-US" altLang="ko-KR" dirty="0"/>
+              <a:t>R2DBC </a:t>
             </a:r>
             <a:r>
               <a:rPr lang="en-US" altLang="ko-KR" dirty="0" err="1"/>
@@ -2326,19 +2534,11 @@
             </a:r>
             <a:r>
               <a:rPr lang="en-US" altLang="ko-KR" dirty="0"/>
-              <a:t>, </a:t>
-            </a:r>
-            <a:r>
-              <a:rPr lang="ko-KR" altLang="en-US" dirty="0"/>
-              <a:t>데이터 변경이 없다면</a:t>
-            </a:r>
-            <a:r>
-              <a:rPr lang="en-US" altLang="ko-KR" dirty="0"/>
-              <a:t> Cache </a:t>
-            </a:r>
-            <a:r>
-              <a:rPr lang="ko-KR" altLang="en-US" dirty="0"/>
-              <a:t>에 저장된 데이터를 넘겨주는 것이</a:t>
+              <a:t>, Cache </a:t>
+            </a:r>
+            <a:r>
+              <a:rPr lang="ko-KR" altLang="en-US" dirty="0"/>
+              <a:t>에 저장해 놓고 여기에서 데이터를 넘겨주는 것이</a:t>
             </a:r>
             <a:r>
               <a:rPr lang="en-US" altLang="ko-KR" dirty="0"/>
@@ -2404,15 +2604,17 @@
             </a:r>
             <a:r>
               <a:rPr lang="ko-KR" altLang="en-US" dirty="0"/>
-              <a:t>함수인 경우</a:t>
-            </a:r>
-            <a:r>
-              <a:rPr lang="en-US" altLang="ko-KR" dirty="0"/>
-              <a:t>, </a:t>
-            </a:r>
-            <a:r>
-              <a:rPr lang="ko-KR" altLang="en-US" dirty="0"/>
-              <a:t>반환결과는 값이 아닌 </a:t>
+              <a:t>함수인 경우에는</a:t>
+            </a:r>
+            <a:endParaRPr lang="en-US" altLang="ko-KR" dirty="0"/>
+          </a:p>
+          <a:p>
+            <a:endParaRPr lang="en-US" altLang="ko-KR" dirty="0"/>
+          </a:p>
+          <a:p>
+            <a:r>
+              <a:rPr lang="ko-KR" altLang="en-US" dirty="0"/>
+              <a:t>반환결과가 값이 아니라 </a:t>
             </a:r>
             <a:r>
               <a:rPr lang="en-US" altLang="ko-KR" dirty="0"/>
@@ -2491,10 +2693,12 @@
               <a:rPr lang="ko-KR" altLang="en-US" dirty="0"/>
               <a:t> 함수인 경우에는</a:t>
             </a:r>
-            <a:r>
-              <a:rPr lang="en-US" altLang="ko-KR" dirty="0"/>
-              <a:t>, </a:t>
-            </a:r>
+            <a:endParaRPr lang="en-US" altLang="ko-KR" dirty="0"/>
+          </a:p>
+          <a:p>
+            <a:endParaRPr lang="en-US" altLang="ko-KR" dirty="0"/>
+          </a:p>
+          <a:p>
             <a:r>
               <a:rPr lang="ko-KR" altLang="en-US" dirty="0"/>
               <a:t>컴파일 변형으로 생성되는 </a:t>
@@ -2513,7 +2717,15 @@
             </a:r>
             <a:r>
               <a:rPr lang="ko-KR" altLang="en-US" dirty="0"/>
-              <a:t>이 </a:t>
+              <a:t>이</a:t>
+            </a:r>
+            <a:r>
+              <a:rPr lang="en-US" altLang="ko-KR" dirty="0"/>
+              <a:t>,</a:t>
+            </a:r>
+            <a:r>
+              <a:rPr lang="ko-KR" altLang="en-US" dirty="0"/>
+              <a:t> </a:t>
             </a:r>
             <a:r>
               <a:rPr lang="en-US" altLang="ko-KR" dirty="0"/>
@@ -2539,9 +2751,6 @@
               <a:rPr lang="en-US" altLang="ko-KR" dirty="0"/>
               <a:t>.</a:t>
             </a:r>
-          </a:p>
-          <a:p>
-            <a:endParaRPr lang="en-US" altLang="ko-KR" dirty="0"/>
           </a:p>
           <a:p>
             <a:pPr marL="0" marR="0" lvl="0" indent="0" algn="l" defTabSz="685800" rtl="0" eaLnBrk="1" fontAlgn="auto" latinLnBrk="1" hangingPunct="1">
@@ -2607,7 +2816,15 @@
             </a:r>
             <a:r>
               <a:rPr lang="ko-KR" altLang="en-US" dirty="0"/>
-              <a:t>를 이용해 직접 처리해야 합니다</a:t>
+              <a:t>를 이용해 </a:t>
+            </a:r>
+            <a:r>
+              <a:rPr lang="ko-KR" altLang="en-US"/>
+              <a:t>직접 처리하는 해야 </a:t>
+            </a:r>
+            <a:r>
+              <a:rPr lang="ko-KR" altLang="en-US" dirty="0"/>
+              <a:t>합니다</a:t>
             </a:r>
             <a:r>
               <a:rPr lang="en-US" altLang="ko-KR" dirty="0"/>
@@ -2976,6 +3193,18 @@
               <a:t>, </a:t>
             </a:r>
             <a:r>
+              <a:rPr lang="ko-KR" altLang="en-US" dirty="0"/>
+              <a:t>오류가 발생하면 롤백</a:t>
+            </a:r>
+            <a:r>
+              <a:rPr lang="en-US" altLang="ko-KR" dirty="0"/>
+              <a:t>, </a:t>
+            </a:r>
+            <a:r>
+              <a:rPr lang="ko-KR" altLang="en-US" dirty="0"/>
+              <a:t>성공이면 </a:t>
+            </a:r>
+            <a:r>
               <a:rPr lang="ko-KR" altLang="en-US" dirty="0" err="1"/>
               <a:t>커밋으로</a:t>
             </a:r>
@@ -2994,7 +3223,7 @@
           <a:p>
             <a:r>
               <a:rPr lang="ko-KR" altLang="en-US" dirty="0"/>
-              <a:t>이렇게 처리하면 오류가 발생하거나</a:t>
+              <a:t>이렇게 처리하면</a:t>
             </a:r>
             <a:r>
               <a:rPr lang="en-US" altLang="ko-KR" dirty="0"/>
